--- a/php-fw1/lesson1.pptx
+++ b/php-fw1/lesson1.pptx
@@ -5,10 +5,10 @@
     <p:sldMasterId id="2147484484" r:id="rId1"/>
   </p:sldMasterIdLst>
   <p:notesMasterIdLst>
-    <p:notesMasterId r:id="rId55"/>
+    <p:notesMasterId r:id="rId56"/>
   </p:notesMasterIdLst>
   <p:handoutMasterIdLst>
-    <p:handoutMasterId r:id="rId56"/>
+    <p:handoutMasterId r:id="rId57"/>
   </p:handoutMasterIdLst>
   <p:sldIdLst>
     <p:sldId id="256" r:id="rId2"/>
@@ -59,11 +59,12 @@
     <p:sldId id="329" r:id="rId47"/>
     <p:sldId id="383" r:id="rId48"/>
     <p:sldId id="400" r:id="rId49"/>
-    <p:sldId id="377" r:id="rId50"/>
-    <p:sldId id="382" r:id="rId51"/>
-    <p:sldId id="406" r:id="rId52"/>
-    <p:sldId id="407" r:id="rId53"/>
-    <p:sldId id="269" r:id="rId54"/>
+    <p:sldId id="409" r:id="rId50"/>
+    <p:sldId id="377" r:id="rId51"/>
+    <p:sldId id="382" r:id="rId52"/>
+    <p:sldId id="406" r:id="rId53"/>
+    <p:sldId id="407" r:id="rId54"/>
+    <p:sldId id="269" r:id="rId55"/>
   </p:sldIdLst>
   <p:sldSz cx="9144000" cy="6858000" type="screen4x3"/>
   <p:notesSz cx="7099300" cy="10234613"/>
@@ -8075,7 +8076,7 @@
       </p:grpSpPr>
       <p:sp>
         <p:nvSpPr>
-          <p:cNvPr id="102402" name="Rectangle 7"/>
+          <p:cNvPr id="101378" name="Rectangle 7"/>
           <p:cNvSpPr>
             <a:spLocks noGrp="1" noChangeArrowheads="1"/>
           </p:cNvSpPr>
@@ -8207,7 +8208,7 @@
             </a:lvl9pPr>
           </a:lstStyle>
           <a:p>
-            <a:fld id="{874A9086-56B5-487B-B477-1FAA6332E284}" type="slidenum">
+            <a:fld id="{1B80D191-93BF-413A-84D4-B7D05D81D792}" type="slidenum">
               <a:rPr lang="zh-TW" altLang="en-US" sz="1300" smtClean="0"/>
               <a:pPr/>
               <a:t>49</a:t>
@@ -8218,7 +8219,7 @@
       </p:sp>
       <p:sp>
         <p:nvSpPr>
-          <p:cNvPr id="102403" name="Rectangle 2"/>
+          <p:cNvPr id="101379" name="Rectangle 2"/>
           <p:cNvSpPr>
             <a:spLocks noGrp="1" noRot="1" noChangeAspect="1" noChangeArrowheads="1" noTextEdit="1"/>
           </p:cNvSpPr>
@@ -8232,7 +8233,7 @@
       </p:sp>
       <p:sp>
         <p:nvSpPr>
-          <p:cNvPr id="102404" name="Rectangle 3"/>
+          <p:cNvPr id="101380" name="Rectangle 3"/>
           <p:cNvSpPr>
             <a:spLocks noGrp="1" noChangeArrowheads="1"/>
           </p:cNvSpPr>
@@ -8276,7 +8277,7 @@
     </p:spTree>
     <p:extLst>
       <p:ext uri="{BB962C8B-B14F-4D97-AF65-F5344CB8AC3E}">
-        <p14:creationId xmlns:p14="http://schemas.microsoft.com/office/powerpoint/2010/main" val="939819582"/>
+        <p14:creationId xmlns:p14="http://schemas.microsoft.com/office/powerpoint/2010/main" val="699690861"/>
       </p:ext>
     </p:extLst>
   </p:cSld>
@@ -8305,7 +8306,7 @@
       </p:grpSpPr>
       <p:sp>
         <p:nvSpPr>
-          <p:cNvPr id="103426" name="Rectangle 7"/>
+          <p:cNvPr id="102402" name="Rectangle 7"/>
           <p:cNvSpPr>
             <a:spLocks noGrp="1" noChangeArrowheads="1"/>
           </p:cNvSpPr>
@@ -8437,7 +8438,7 @@
             </a:lvl9pPr>
           </a:lstStyle>
           <a:p>
-            <a:fld id="{F33B9B09-6922-4727-914C-1484DFB2F967}" type="slidenum">
+            <a:fld id="{874A9086-56B5-487B-B477-1FAA6332E284}" type="slidenum">
               <a:rPr lang="zh-TW" altLang="en-US" sz="1300" smtClean="0"/>
               <a:pPr/>
               <a:t>50</a:t>
@@ -8448,7 +8449,7 @@
       </p:sp>
       <p:sp>
         <p:nvSpPr>
-          <p:cNvPr id="103427" name="Rectangle 2"/>
+          <p:cNvPr id="102403" name="Rectangle 2"/>
           <p:cNvSpPr>
             <a:spLocks noGrp="1" noRot="1" noChangeAspect="1" noChangeArrowheads="1" noTextEdit="1"/>
           </p:cNvSpPr>
@@ -8462,7 +8463,7 @@
       </p:sp>
       <p:sp>
         <p:nvSpPr>
-          <p:cNvPr id="103428" name="Rectangle 3"/>
+          <p:cNvPr id="102404" name="Rectangle 3"/>
           <p:cNvSpPr>
             <a:spLocks noGrp="1" noChangeArrowheads="1"/>
           </p:cNvSpPr>
@@ -8506,7 +8507,7 @@
     </p:spTree>
     <p:extLst>
       <p:ext uri="{BB962C8B-B14F-4D97-AF65-F5344CB8AC3E}">
-        <p14:creationId xmlns:p14="http://schemas.microsoft.com/office/powerpoint/2010/main" val="2001100545"/>
+        <p14:creationId xmlns:p14="http://schemas.microsoft.com/office/powerpoint/2010/main" val="939819582"/>
       </p:ext>
     </p:extLst>
   </p:cSld>
@@ -8765,7 +8766,7 @@
       </p:grpSpPr>
       <p:sp>
         <p:nvSpPr>
-          <p:cNvPr id="104450" name="Rectangle 7"/>
+          <p:cNvPr id="103426" name="Rectangle 7"/>
           <p:cNvSpPr>
             <a:spLocks noGrp="1" noChangeArrowheads="1"/>
           </p:cNvSpPr>
@@ -8897,10 +8898,240 @@
             </a:lvl9pPr>
           </a:lstStyle>
           <a:p>
+            <a:fld id="{F33B9B09-6922-4727-914C-1484DFB2F967}" type="slidenum">
+              <a:rPr lang="zh-TW" altLang="en-US" sz="1300" smtClean="0"/>
+              <a:pPr/>
+              <a:t>51</a:t>
+            </a:fld>
+            <a:endParaRPr lang="en-US" altLang="zh-TW" sz="1300" smtClean="0"/>
+          </a:p>
+        </p:txBody>
+      </p:sp>
+      <p:sp>
+        <p:nvSpPr>
+          <p:cNvPr id="103427" name="Rectangle 2"/>
+          <p:cNvSpPr>
+            <a:spLocks noGrp="1" noRot="1" noChangeAspect="1" noChangeArrowheads="1" noTextEdit="1"/>
+          </p:cNvSpPr>
+          <p:nvPr>
+            <p:ph type="sldImg"/>
+          </p:nvPr>
+        </p:nvSpPr>
+        <p:spPr>
+          <a:ln/>
+        </p:spPr>
+      </p:sp>
+      <p:sp>
+        <p:nvSpPr>
+          <p:cNvPr id="103428" name="Rectangle 3"/>
+          <p:cNvSpPr>
+            <a:spLocks noGrp="1" noChangeArrowheads="1"/>
+          </p:cNvSpPr>
+          <p:nvPr>
+            <p:ph type="body" idx="1"/>
+          </p:nvPr>
+        </p:nvSpPr>
+        <p:spPr>
+          <a:noFill/>
+          <a:ln w="9525"/>
+          <a:extLst>
+            <a:ext uri="{909E8E84-426E-40DD-AFC4-6F175D3DCCD1}">
+              <a14:hiddenFill xmlns:a14="http://schemas.microsoft.com/office/drawing/2010/main">
+                <a:solidFill>
+                  <a:srgbClr val="FFFFFF"/>
+                </a:solidFill>
+              </a14:hiddenFill>
+            </a:ext>
+            <a:ext uri="{91240B29-F687-4F45-9708-019B960494DF}">
+              <a14:hiddenLine xmlns:a14="http://schemas.microsoft.com/office/drawing/2010/main" w="9525">
+                <a:solidFill>
+                  <a:srgbClr val="000000"/>
+                </a:solidFill>
+                <a:miter lim="800000"/>
+                <a:headEnd type="none" w="sm" len="sm"/>
+                <a:tailEnd type="none" w="sm" len="sm"/>
+              </a14:hiddenLine>
+            </a:ext>
+          </a:extLst>
+        </p:spPr>
+        <p:txBody>
+          <a:bodyPr/>
+          <a:lstStyle/>
+          <a:p>
+            <a:endParaRPr lang="zh-TW" altLang="zh-TW" smtClean="0">
+              <a:latin typeface="Times New Roman" pitchFamily="18" charset="0"/>
+            </a:endParaRPr>
+          </a:p>
+        </p:txBody>
+      </p:sp>
+    </p:spTree>
+    <p:extLst>
+      <p:ext uri="{BB962C8B-B14F-4D97-AF65-F5344CB8AC3E}">
+        <p14:creationId xmlns:p14="http://schemas.microsoft.com/office/powerpoint/2010/main" val="2001100545"/>
+      </p:ext>
+    </p:extLst>
+  </p:cSld>
+  <p:clrMapOvr>
+    <a:masterClrMapping/>
+  </p:clrMapOvr>
+</p:notes>
+</file>
+
+<file path=ppt/notesSlides/notesSlide41.xml><?xml version="1.0" encoding="utf-8"?>
+<p:notes xmlns:a="http://schemas.openxmlformats.org/drawingml/2006/main" xmlns:r="http://schemas.openxmlformats.org/officeDocument/2006/relationships" xmlns:p="http://schemas.openxmlformats.org/presentationml/2006/main">
+  <p:cSld>
+    <p:spTree>
+      <p:nvGrpSpPr>
+        <p:cNvPr id="1" name=""/>
+        <p:cNvGrpSpPr/>
+        <p:nvPr/>
+      </p:nvGrpSpPr>
+      <p:grpSpPr>
+        <a:xfrm>
+          <a:off x="0" y="0"/>
+          <a:ext cx="0" cy="0"/>
+          <a:chOff x="0" y="0"/>
+          <a:chExt cx="0" cy="0"/>
+        </a:xfrm>
+      </p:grpSpPr>
+      <p:sp>
+        <p:nvSpPr>
+          <p:cNvPr id="104450" name="Rectangle 7"/>
+          <p:cNvSpPr>
+            <a:spLocks noGrp="1" noChangeArrowheads="1"/>
+          </p:cNvSpPr>
+          <p:nvPr>
+            <p:ph type="sldNum" sz="quarter" idx="5"/>
+          </p:nvPr>
+        </p:nvSpPr>
+        <p:spPr>
+          <a:noFill/>
+          <a:ln w="9525"/>
+          <a:extLst>
+            <a:ext uri="{909E8E84-426E-40DD-AFC4-6F175D3DCCD1}">
+              <a14:hiddenFill xmlns:a14="http://schemas.microsoft.com/office/drawing/2010/main">
+                <a:solidFill>
+                  <a:srgbClr val="FFFFFF"/>
+                </a:solidFill>
+              </a14:hiddenFill>
+            </a:ext>
+            <a:ext uri="{91240B29-F687-4F45-9708-019B960494DF}">
+              <a14:hiddenLine xmlns:a14="http://schemas.microsoft.com/office/drawing/2010/main" w="12700">
+                <a:solidFill>
+                  <a:srgbClr val="000000"/>
+                </a:solidFill>
+                <a:miter lim="800000"/>
+                <a:headEnd type="none" w="sm" len="sm"/>
+                <a:tailEnd type="none" w="sm" len="sm"/>
+              </a14:hiddenLine>
+            </a:ext>
+          </a:extLst>
+        </p:spPr>
+        <p:txBody>
+          <a:bodyPr/>
+          <a:lstStyle>
+            <a:lvl1pPr eaLnBrk="0" hangingPunct="0">
+              <a:defRPr sz="2400">
+                <a:solidFill>
+                  <a:schemeClr val="tx1"/>
+                </a:solidFill>
+                <a:latin typeface="Times New Roman" pitchFamily="18" charset="0"/>
+              </a:defRPr>
+            </a:lvl1pPr>
+            <a:lvl2pPr marL="742950" indent="-285750" eaLnBrk="0" hangingPunct="0">
+              <a:defRPr sz="2400">
+                <a:solidFill>
+                  <a:schemeClr val="tx1"/>
+                </a:solidFill>
+                <a:latin typeface="Times New Roman" pitchFamily="18" charset="0"/>
+              </a:defRPr>
+            </a:lvl2pPr>
+            <a:lvl3pPr marL="1143000" indent="-228600" eaLnBrk="0" hangingPunct="0">
+              <a:defRPr sz="2400">
+                <a:solidFill>
+                  <a:schemeClr val="tx1"/>
+                </a:solidFill>
+                <a:latin typeface="Times New Roman" pitchFamily="18" charset="0"/>
+              </a:defRPr>
+            </a:lvl3pPr>
+            <a:lvl4pPr marL="1600200" indent="-228600" eaLnBrk="0" hangingPunct="0">
+              <a:defRPr sz="2400">
+                <a:solidFill>
+                  <a:schemeClr val="tx1"/>
+                </a:solidFill>
+                <a:latin typeface="Times New Roman" pitchFamily="18" charset="0"/>
+              </a:defRPr>
+            </a:lvl4pPr>
+            <a:lvl5pPr marL="2057400" indent="-228600" eaLnBrk="0" hangingPunct="0">
+              <a:defRPr sz="2400">
+                <a:solidFill>
+                  <a:schemeClr val="tx1"/>
+                </a:solidFill>
+                <a:latin typeface="Times New Roman" pitchFamily="18" charset="0"/>
+              </a:defRPr>
+            </a:lvl5pPr>
+            <a:lvl6pPr marL="2514600" indent="-228600" eaLnBrk="0" fontAlgn="base" hangingPunct="0">
+              <a:spcBef>
+                <a:spcPct val="0"/>
+              </a:spcBef>
+              <a:spcAft>
+                <a:spcPct val="0"/>
+              </a:spcAft>
+              <a:defRPr sz="2400">
+                <a:solidFill>
+                  <a:schemeClr val="tx1"/>
+                </a:solidFill>
+                <a:latin typeface="Times New Roman" pitchFamily="18" charset="0"/>
+              </a:defRPr>
+            </a:lvl6pPr>
+            <a:lvl7pPr marL="2971800" indent="-228600" eaLnBrk="0" fontAlgn="base" hangingPunct="0">
+              <a:spcBef>
+                <a:spcPct val="0"/>
+              </a:spcBef>
+              <a:spcAft>
+                <a:spcPct val="0"/>
+              </a:spcAft>
+              <a:defRPr sz="2400">
+                <a:solidFill>
+                  <a:schemeClr val="tx1"/>
+                </a:solidFill>
+                <a:latin typeface="Times New Roman" pitchFamily="18" charset="0"/>
+              </a:defRPr>
+            </a:lvl7pPr>
+            <a:lvl8pPr marL="3429000" indent="-228600" eaLnBrk="0" fontAlgn="base" hangingPunct="0">
+              <a:spcBef>
+                <a:spcPct val="0"/>
+              </a:spcBef>
+              <a:spcAft>
+                <a:spcPct val="0"/>
+              </a:spcAft>
+              <a:defRPr sz="2400">
+                <a:solidFill>
+                  <a:schemeClr val="tx1"/>
+                </a:solidFill>
+                <a:latin typeface="Times New Roman" pitchFamily="18" charset="0"/>
+              </a:defRPr>
+            </a:lvl8pPr>
+            <a:lvl9pPr marL="3886200" indent="-228600" eaLnBrk="0" fontAlgn="base" hangingPunct="0">
+              <a:spcBef>
+                <a:spcPct val="0"/>
+              </a:spcBef>
+              <a:spcAft>
+                <a:spcPct val="0"/>
+              </a:spcAft>
+              <a:defRPr sz="2400">
+                <a:solidFill>
+                  <a:schemeClr val="tx1"/>
+                </a:solidFill>
+                <a:latin typeface="Times New Roman" pitchFamily="18" charset="0"/>
+              </a:defRPr>
+            </a:lvl9pPr>
+          </a:lstStyle>
+          <a:p>
             <a:fld id="{07346091-4DA9-4583-A58B-8B16EE350C73}" type="slidenum">
               <a:rPr lang="zh-TW" altLang="en-US" sz="1300" smtClean="0"/>
               <a:pPr/>
-              <a:t>53</a:t>
+              <a:t>54</a:t>
             </a:fld>
             <a:endParaRPr lang="en-US" altLang="zh-TW" sz="1300" smtClean="0"/>
           </a:p>
@@ -10751,7 +10982,7 @@
           </a:ln>
           <a:extLst>
             <a:ext uri="{91240B29-F687-4f45-9708-019B960494DF}">
-              <a14:hiddenLine xmlns="" xmlns:a14="http://schemas.microsoft.com/office/drawing/2010/main" w="9525">
+              <a14:hiddenLine xmlns:a14="http://schemas.microsoft.com/office/drawing/2010/main" xmlns="" w="9525">
                 <a:solidFill>
                   <a:srgbClr val="000000"/>
                 </a:solidFill>
@@ -10806,7 +11037,7 @@
           </a:ln>
           <a:extLst>
             <a:ext uri="{91240B29-F687-4f45-9708-019B960494DF}">
-              <a14:hiddenLine xmlns="" xmlns:a14="http://schemas.microsoft.com/office/drawing/2010/main" w="9525">
+              <a14:hiddenLine xmlns:a14="http://schemas.microsoft.com/office/drawing/2010/main" xmlns="" w="9525">
                 <a:solidFill>
                   <a:srgbClr val="000000"/>
                 </a:solidFill>
@@ -18034,11 +18265,7 @@
           <a:p>
             <a:r>
               <a:rPr lang="en-US" altLang="zh-TW" dirty="0" smtClean="0"/>
-              <a:t>Best work with </a:t>
-            </a:r>
-            <a:r>
-              <a:rPr lang="en-US" altLang="zh-TW" dirty="0" smtClean="0"/>
-              <a:t>Apache, </a:t>
+              <a:t>Best work with Apache, </a:t>
             </a:r>
             <a:r>
               <a:rPr lang="en-US" altLang="zh-TW" dirty="0" err="1" smtClean="0"/>
@@ -19808,11 +20035,7 @@
             </a:r>
             <a:r>
               <a:rPr lang="en-US" altLang="zh-TW" dirty="0" smtClean="0"/>
-              <a:t>Hello</a:t>
-            </a:r>
-            <a:r>
-              <a:rPr lang="en-US" altLang="zh-TW" dirty="0" smtClean="0"/>
-              <a:t>, this is my first </a:t>
+              <a:t>Hello, this is my first </a:t>
             </a:r>
             <a:r>
               <a:rPr lang="en-US" altLang="zh-TW" dirty="0" err="1" smtClean="0"/>
@@ -19820,11 +20043,7 @@
             </a:r>
             <a:r>
               <a:rPr lang="en-US" altLang="zh-TW" dirty="0" smtClean="0"/>
-              <a:t> </a:t>
-            </a:r>
-            <a:r>
-              <a:rPr lang="en-US" altLang="zh-TW" dirty="0" smtClean="0"/>
-              <a:t>page</a:t>
+              <a:t> page</a:t>
             </a:r>
             <a:r>
               <a:rPr lang="mr-IN" altLang="zh-TW" dirty="0" smtClean="0"/>
@@ -19834,7 +20053,6 @@
               <a:rPr lang="en-US" altLang="zh-TW" dirty="0" smtClean="0"/>
               <a:t>;</a:t>
             </a:r>
-            <a:endParaRPr lang="en-US" altLang="zh-TW" dirty="0" smtClean="0"/>
           </a:p>
           <a:p>
             <a:r>
@@ -20218,7 +20436,6 @@
               <a:rPr lang="en-US" altLang="zh-TW" dirty="0" smtClean="0"/>
               <a:t>;</a:t>
             </a:r>
-            <a:endParaRPr lang="en-US" altLang="zh-TW" dirty="0" smtClean="0"/>
           </a:p>
         </p:txBody>
       </p:sp>
@@ -20556,11 +20773,7 @@
           <a:p>
             <a:r>
               <a:rPr lang="en-US" altLang="zh-TW" dirty="0" smtClean="0"/>
-              <a:t>echo date</a:t>
-            </a:r>
-            <a:r>
-              <a:rPr lang="en-US" altLang="zh-TW" dirty="0" smtClean="0"/>
-              <a:t>(</a:t>
+              <a:t>echo date(</a:t>
             </a:r>
             <a:r>
               <a:rPr lang="mr-IN" altLang="zh-TW" dirty="0" smtClean="0"/>
@@ -20580,11 +20793,7 @@
             </a:r>
             <a:r>
               <a:rPr lang="en-US" altLang="zh-TW" dirty="0" smtClean="0"/>
-              <a:t> </a:t>
-            </a:r>
-            <a:r>
-              <a:rPr lang="en-US" altLang="zh-TW" dirty="0" smtClean="0"/>
-              <a:t>F</a:t>
+              <a:t> F</a:t>
             </a:r>
             <a:r>
               <a:rPr lang="mr-IN" altLang="zh-TW" dirty="0" smtClean="0"/>
@@ -20594,16 +20803,11 @@
               <a:rPr lang="en-US" altLang="zh-TW" dirty="0" smtClean="0"/>
               <a:t>);</a:t>
             </a:r>
-            <a:endParaRPr lang="en-US" altLang="zh-TW" dirty="0" smtClean="0"/>
           </a:p>
           <a:p>
             <a:r>
               <a:rPr lang="en-US" altLang="zh-TW" dirty="0" smtClean="0"/>
-              <a:t>echo date</a:t>
-            </a:r>
-            <a:r>
-              <a:rPr lang="en-US" altLang="zh-TW" dirty="0" smtClean="0"/>
-              <a:t>(</a:t>
+              <a:t>echo date(</a:t>
             </a:r>
             <a:r>
               <a:rPr lang="mr-IN" altLang="zh-TW" dirty="0" smtClean="0"/>
@@ -20627,11 +20831,7 @@
             </a:r>
             <a:r>
               <a:rPr lang="en-US" altLang="zh-TW" dirty="0" smtClean="0"/>
-              <a:t> </a:t>
-            </a:r>
-            <a:r>
-              <a:rPr lang="en-US" altLang="zh-TW" dirty="0" smtClean="0"/>
-              <a:t>A</a:t>
+              <a:t> A</a:t>
             </a:r>
             <a:r>
               <a:rPr lang="mr-IN" altLang="zh-TW" dirty="0" smtClean="0"/>
@@ -20641,7 +20841,6 @@
               <a:rPr lang="en-US" altLang="zh-TW" dirty="0" smtClean="0"/>
               <a:t>);</a:t>
             </a:r>
-            <a:endParaRPr lang="en-US" altLang="zh-TW" dirty="0" smtClean="0"/>
           </a:p>
           <a:p>
             <a:r>
@@ -20819,7 +21018,6 @@
               <a:rPr lang="en-US" altLang="zh-TW" dirty="0" smtClean="0"/>
               <a:t>;</a:t>
             </a:r>
-            <a:endParaRPr lang="en-US" altLang="zh-TW" dirty="0" smtClean="0"/>
           </a:p>
           <a:p>
             <a:r>
@@ -20830,11 +21028,7 @@
           <a:p>
             <a:r>
               <a:rPr lang="en-US" altLang="zh-TW" dirty="0" smtClean="0"/>
-              <a:t>EG. echo date</a:t>
-            </a:r>
-            <a:r>
-              <a:rPr lang="en-US" altLang="zh-TW" dirty="0" smtClean="0"/>
-              <a:t>(</a:t>
+              <a:t>EG. echo date(</a:t>
             </a:r>
             <a:r>
               <a:rPr lang="mr-IN" altLang="zh-TW" dirty="0" smtClean="0"/>
@@ -20852,7 +21046,6 @@
               <a:rPr lang="en-US" altLang="zh-TW" dirty="0" smtClean="0"/>
               <a:t>);</a:t>
             </a:r>
-            <a:endParaRPr lang="en-US" altLang="zh-TW" dirty="0" smtClean="0"/>
           </a:p>
         </p:txBody>
       </p:sp>
@@ -21200,11 +21393,7 @@
             </a:r>
             <a:r>
               <a:rPr lang="en-US" altLang="zh-TW" dirty="0" smtClean="0"/>
-              <a:t> </a:t>
-            </a:r>
-            <a:r>
-              <a:rPr lang="en-US" altLang="zh-TW" dirty="0" smtClean="0"/>
-              <a:t>\n </a:t>
+              <a:t> \n </a:t>
             </a:r>
             <a:r>
               <a:rPr lang="mr-IN" altLang="zh-TW" dirty="0" smtClean="0"/>
@@ -21212,11 +21401,7 @@
             </a:r>
             <a:r>
               <a:rPr lang="en-US" altLang="zh-TW" dirty="0" smtClean="0"/>
-              <a:t> </a:t>
-            </a:r>
-            <a:r>
-              <a:rPr lang="en-US" altLang="zh-TW" dirty="0" smtClean="0"/>
-              <a:t>is next line in email, same as &lt;</a:t>
+              <a:t> is next line in email, same as &lt;</a:t>
             </a:r>
             <a:r>
               <a:rPr lang="en-US" altLang="zh-TW" dirty="0" err="1" smtClean="0"/>
@@ -21234,11 +21419,7 @@
             </a:r>
             <a:r>
               <a:rPr lang="en-US" altLang="zh-TW" dirty="0" smtClean="0"/>
-              <a:t> </a:t>
-            </a:r>
-            <a:r>
-              <a:rPr lang="en-US" altLang="zh-TW" dirty="0" smtClean="0"/>
-              <a:t>\r </a:t>
+              <a:t> \r </a:t>
             </a:r>
             <a:r>
               <a:rPr lang="mr-IN" altLang="zh-TW" dirty="0" smtClean="0"/>
@@ -21246,11 +21427,7 @@
             </a:r>
             <a:r>
               <a:rPr lang="en-US" altLang="zh-TW" dirty="0" smtClean="0"/>
-              <a:t> </a:t>
-            </a:r>
-            <a:r>
-              <a:rPr lang="en-US" altLang="zh-TW" dirty="0" smtClean="0"/>
-              <a:t>= carriage return</a:t>
+              <a:t> = carriage return</a:t>
             </a:r>
           </a:p>
           <a:p>
@@ -21260,11 +21437,7 @@
             </a:r>
             <a:r>
               <a:rPr lang="en-US" altLang="zh-TW" dirty="0" smtClean="0"/>
-              <a:t> </a:t>
-            </a:r>
-            <a:r>
-              <a:rPr lang="en-US" altLang="zh-TW" dirty="0" smtClean="0"/>
-              <a:t>\t </a:t>
+              <a:t> \t </a:t>
             </a:r>
             <a:r>
               <a:rPr lang="mr-IN" altLang="zh-TW" dirty="0" smtClean="0"/>
@@ -21272,11 +21445,7 @@
             </a:r>
             <a:r>
               <a:rPr lang="en-US" altLang="zh-TW" dirty="0" smtClean="0"/>
-              <a:t> </a:t>
-            </a:r>
-            <a:r>
-              <a:rPr lang="en-US" altLang="zh-TW" dirty="0" smtClean="0"/>
-              <a:t>= tab</a:t>
+              <a:t> = tab</a:t>
             </a:r>
           </a:p>
           <a:p>
@@ -21286,11 +21455,7 @@
             </a:r>
             <a:r>
               <a:rPr lang="en-US" altLang="zh-TW" dirty="0" smtClean="0"/>
-              <a:t> </a:t>
-            </a:r>
-            <a:r>
-              <a:rPr lang="en-US" altLang="zh-TW" dirty="0" smtClean="0"/>
-              <a:t>\$ </a:t>
+              <a:t> \$ </a:t>
             </a:r>
             <a:r>
               <a:rPr lang="mr-IN" altLang="zh-TW" dirty="0" smtClean="0"/>
@@ -21298,11 +21463,7 @@
             </a:r>
             <a:r>
               <a:rPr lang="en-US" altLang="zh-TW" dirty="0" smtClean="0"/>
-              <a:t> </a:t>
-            </a:r>
-            <a:r>
-              <a:rPr lang="en-US" altLang="zh-TW" dirty="0" smtClean="0"/>
-              <a:t>is printing the $ sign</a:t>
+              <a:t> is printing the $ sign</a:t>
             </a:r>
           </a:p>
           <a:p>
@@ -21312,11 +21473,7 @@
             </a:r>
             <a:r>
               <a:rPr lang="en-US" altLang="zh-TW" dirty="0" smtClean="0"/>
-              <a:t> </a:t>
-            </a:r>
-            <a:r>
-              <a:rPr lang="en-US" altLang="zh-TW" dirty="0" smtClean="0"/>
-              <a:t>\\ </a:t>
+              <a:t> \\ </a:t>
             </a:r>
             <a:r>
               <a:rPr lang="mr-IN" altLang="zh-TW" dirty="0" smtClean="0"/>
@@ -21324,11 +21481,7 @@
             </a:r>
             <a:r>
               <a:rPr lang="en-US" altLang="zh-TW" dirty="0" smtClean="0"/>
-              <a:t> </a:t>
-            </a:r>
-            <a:r>
-              <a:rPr lang="en-US" altLang="zh-TW" dirty="0" smtClean="0"/>
-              <a:t>is printing the \ sign</a:t>
+              <a:t> is printing the \ sign</a:t>
             </a:r>
           </a:p>
           <a:p>
@@ -21354,11 +21507,7 @@
             </a:r>
             <a:r>
               <a:rPr lang="en-US" altLang="zh-TW" dirty="0" smtClean="0"/>
-              <a:t> </a:t>
-            </a:r>
-            <a:r>
-              <a:rPr lang="en-US" altLang="zh-TW" dirty="0" smtClean="0"/>
-              <a:t>= ?</a:t>
+              <a:t> = ?</a:t>
             </a:r>
           </a:p>
         </p:txBody>
@@ -21643,11 +21792,7 @@
             </a:r>
             <a:r>
               <a:rPr lang="en-US" altLang="zh-TW" dirty="0" smtClean="0"/>
-              <a:t> </a:t>
-            </a:r>
-            <a:r>
-              <a:rPr lang="en-US" altLang="zh-TW" dirty="0" smtClean="0"/>
-              <a:t>.. </a:t>
+              <a:t> .. </a:t>
             </a:r>
             <a:r>
               <a:rPr lang="mr-IN" altLang="zh-TW" dirty="0" smtClean="0"/>
@@ -21699,15 +21844,7 @@
             </a:r>
             <a:r>
               <a:rPr lang="en-US" altLang="zh-TW" dirty="0" smtClean="0"/>
-              <a:t>$</a:t>
-            </a:r>
-            <a:r>
-              <a:rPr lang="en-US" altLang="zh-TW" dirty="0" smtClean="0"/>
-              <a:t>car[I</a:t>
-            </a:r>
-            <a:r>
-              <a:rPr lang="en-US" altLang="zh-TW" dirty="0" smtClean="0"/>
-              <a:t>]</a:t>
+              <a:t>$car[I]</a:t>
             </a:r>
             <a:r>
               <a:rPr lang="mr-IN" altLang="zh-TW" dirty="0" smtClean="0"/>
@@ -21734,15 +21871,7 @@
             </a:r>
             <a:r>
               <a:rPr lang="en-US" altLang="zh-TW" dirty="0" smtClean="0"/>
-              <a:t>$</a:t>
-            </a:r>
-            <a:r>
-              <a:rPr lang="en-US" altLang="zh-TW" dirty="0" smtClean="0"/>
-              <a:t>car-&gt;</a:t>
-            </a:r>
-            <a:r>
-              <a:rPr lang="en-US" altLang="zh-TW" dirty="0" smtClean="0"/>
-              <a:t>tire=good</a:t>
+              <a:t>$car-&gt;tire=good</a:t>
             </a:r>
             <a:r>
               <a:rPr lang="mr-IN" altLang="zh-TW" dirty="0" smtClean="0"/>
@@ -23047,7 +23176,7 @@
       </p:grpSpPr>
       <p:sp>
         <p:nvSpPr>
-          <p:cNvPr id="166914" name="Rectangle 2"/>
+          <p:cNvPr id="221186" name="Rectangle 2"/>
           <p:cNvSpPr>
             <a:spLocks noGrp="1" noChangeArrowheads="1"/>
           </p:cNvSpPr>
@@ -23061,19 +23190,23 @@
           <a:lstStyle/>
           <a:p>
             <a:r>
-              <a:rPr lang="en-US" altLang="zh-TW" smtClean="0"/>
+              <a:rPr lang="en-US" altLang="zh-TW" dirty="0" smtClean="0"/>
               <a:t>Sites (</a:t>
             </a:r>
             <a:r>
-              <a:rPr lang="zh-TW" altLang="en-US" smtClean="0"/>
-              <a:t>中文)</a:t>
-            </a:r>
-          </a:p>
-        </p:txBody>
-      </p:sp>
-      <p:sp>
-        <p:nvSpPr>
-          <p:cNvPr id="60419" name="Rectangle 3"/>
+              <a:rPr lang="en-US" altLang="zh-TW" dirty="0" err="1" smtClean="0"/>
+              <a:t>eng</a:t>
+            </a:r>
+            <a:r>
+              <a:rPr lang="en-US" altLang="zh-TW" dirty="0" smtClean="0"/>
+              <a:t>) 2</a:t>
+            </a:r>
+          </a:p>
+        </p:txBody>
+      </p:sp>
+      <p:sp>
+        <p:nvSpPr>
+          <p:cNvPr id="59395" name="Rectangle 3"/>
           <p:cNvSpPr>
             <a:spLocks noGrp="1" noChangeArrowheads="1"/>
           </p:cNvSpPr>
@@ -23083,18 +23216,74 @@
         </p:nvSpPr>
         <p:spPr/>
         <p:txBody>
-          <a:bodyPr/>
+          <a:bodyPr>
+            <a:normAutofit/>
+          </a:bodyPr>
           <a:lstStyle/>
           <a:p>
             <a:r>
               <a:rPr lang="en-US" altLang="zh-TW" dirty="0"/>
-              <a:t>http://www.phpini.com/</a:t>
+              <a:t>https://</a:t>
+            </a:r>
+            <a:r>
+              <a:rPr lang="en-US" altLang="zh-TW" dirty="0" err="1" smtClean="0"/>
+              <a:t>github.com</a:t>
+            </a:r>
+            <a:r>
+              <a:rPr lang="en-US" altLang="zh-TW" dirty="0" smtClean="0"/>
+              <a:t>/</a:t>
+            </a:r>
+            <a:r>
+              <a:rPr lang="en-US" altLang="zh-TW" dirty="0" err="1" smtClean="0"/>
+              <a:t>ziadoz</a:t>
+            </a:r>
+            <a:r>
+              <a:rPr lang="en-US" altLang="zh-TW" dirty="0" smtClean="0"/>
+              <a:t>/awesome-</a:t>
+            </a:r>
+            <a:r>
+              <a:rPr lang="en-US" altLang="zh-TW" dirty="0" err="1" smtClean="0"/>
+              <a:t>php</a:t>
             </a:r>
             <a:endParaRPr lang="en-US" altLang="zh-TW" dirty="0" smtClean="0"/>
           </a:p>
+          <a:p>
+            <a:r>
+              <a:rPr lang="en-US" altLang="zh-TW" dirty="0"/>
+              <a:t>http://</a:t>
+            </a:r>
+            <a:r>
+              <a:rPr lang="en-US" altLang="zh-TW" dirty="0" err="1"/>
+              <a:t>www.phptherightway.com</a:t>
+            </a:r>
+            <a:r>
+              <a:rPr lang="en-US" altLang="zh-TW" dirty="0" smtClean="0"/>
+              <a:t>/</a:t>
+            </a:r>
+          </a:p>
+          <a:p>
+            <a:r>
+              <a:rPr lang="en-US" altLang="zh-TW" dirty="0"/>
+              <a:t>https://</a:t>
+            </a:r>
+            <a:r>
+              <a:rPr lang="en-US" altLang="zh-TW" dirty="0" err="1"/>
+              <a:t>packagist.org</a:t>
+            </a:r>
+            <a:r>
+              <a:rPr lang="en-US" altLang="zh-TW" dirty="0"/>
+              <a:t>/</a:t>
+            </a:r>
+            <a:endParaRPr lang="en-US" altLang="zh-TW" dirty="0" smtClean="0"/>
+          </a:p>
         </p:txBody>
       </p:sp>
     </p:spTree>
+    <p:extLst>
+      <p:ext uri="{BB962C8B-B14F-4D97-AF65-F5344CB8AC3E}">
+        <p14:creationId xmlns:p14="http://schemas.microsoft.com/office/powerpoint/2010/main" val="302991814"/>
+      </p:ext>
+    </p:extLst>
   </p:cSld>
   <p:clrMapOvr>
     <a:masterClrMapping/>
@@ -23192,7 +23381,7 @@
       </p:grpSpPr>
       <p:sp>
         <p:nvSpPr>
-          <p:cNvPr id="219138" name="Rectangle 2"/>
+          <p:cNvPr id="166914" name="Rectangle 2"/>
           <p:cNvSpPr>
             <a:spLocks noGrp="1" noChangeArrowheads="1"/>
           </p:cNvSpPr>
@@ -23207,15 +23396,18 @@
           <a:p>
             <a:r>
               <a:rPr lang="en-US" altLang="zh-TW" smtClean="0"/>
-              <a:t>Download Server</a:t>
-            </a:r>
-            <a:endParaRPr lang="zh-TW" altLang="en-US" smtClean="0"/>
-          </a:p>
-        </p:txBody>
-      </p:sp>
-      <p:sp>
-        <p:nvSpPr>
-          <p:cNvPr id="61443" name="Rectangle 3"/>
+              <a:t>Sites (</a:t>
+            </a:r>
+            <a:r>
+              <a:rPr lang="zh-TW" altLang="en-US" smtClean="0"/>
+              <a:t>中文)</a:t>
+            </a:r>
+          </a:p>
+        </p:txBody>
+      </p:sp>
+      <p:sp>
+        <p:nvSpPr>
+          <p:cNvPr id="60419" name="Rectangle 3"/>
           <p:cNvSpPr>
             <a:spLocks noGrp="1" noChangeArrowheads="1"/>
           </p:cNvSpPr>
@@ -23225,51 +23417,14 @@
         </p:nvSpPr>
         <p:spPr/>
         <p:txBody>
-          <a:bodyPr>
-            <a:normAutofit lnSpcReduction="10000"/>
-          </a:bodyPr>
+          <a:bodyPr/>
           <a:lstStyle/>
           <a:p>
             <a:r>
-              <a:rPr lang="en-US" altLang="zh-TW" dirty="0" smtClean="0"/>
-              <a:t>http://www.apache.org/</a:t>
-            </a:r>
-          </a:p>
-          <a:p>
-            <a:r>
-              <a:rPr lang="en-US" altLang="zh-TW" dirty="0" smtClean="0"/>
-              <a:t>http://www.php.net</a:t>
-            </a:r>
-          </a:p>
-          <a:p>
-            <a:r>
-              <a:rPr lang="en-US" altLang="zh-TW" dirty="0" smtClean="0"/>
-              <a:t>http://www.mysql.com/</a:t>
-            </a:r>
-          </a:p>
-          <a:p>
-            <a:r>
-              <a:rPr lang="en-US" altLang="zh-TW" dirty="0" smtClean="0"/>
-              <a:t>http://www.phpmyadmin.com</a:t>
-            </a:r>
-          </a:p>
-          <a:p>
-            <a:r>
-              <a:rPr lang="en-US" altLang="zh-TW" dirty="0" smtClean="0"/>
-              <a:t>http://www.appservnetwork.com/</a:t>
-            </a:r>
-          </a:p>
-          <a:p>
-            <a:r>
-              <a:rPr lang="en-US" altLang="zh-TW" dirty="0" smtClean="0"/>
-              <a:t>http://www.apachefriends.org</a:t>
-            </a:r>
-          </a:p>
-          <a:p>
-            <a:r>
-              <a:rPr lang="en-US" altLang="zh-TW" dirty="0" smtClean="0"/>
-              <a:t>http://www.xampp.org</a:t>
-            </a:r>
+              <a:rPr lang="en-US" altLang="zh-TW" dirty="0"/>
+              <a:t>http://www.phpini.com/</a:t>
+            </a:r>
+            <a:endParaRPr lang="en-US" altLang="zh-TW" dirty="0" smtClean="0"/>
           </a:p>
         </p:txBody>
       </p:sp>
@@ -23312,9 +23467,9 @@
       </p:grpSpPr>
       <p:sp>
         <p:nvSpPr>
-          <p:cNvPr id="2" name="Title 1"/>
-          <p:cNvSpPr>
-            <a:spLocks noGrp="1"/>
+          <p:cNvPr id="219138" name="Rectangle 2"/>
+          <p:cNvSpPr>
+            <a:spLocks noGrp="1" noChangeArrowheads="1"/>
           </p:cNvSpPr>
           <p:nvPr>
             <p:ph type="title"/>
@@ -23326,18 +23481,18 @@
           <a:lstStyle/>
           <a:p>
             <a:r>
-              <a:rPr lang="en-US" smtClean="0"/>
-              <a:t>ebooks</a:t>
-            </a:r>
-            <a:endParaRPr lang="en-US" dirty="0"/>
-          </a:p>
-        </p:txBody>
-      </p:sp>
-      <p:sp>
-        <p:nvSpPr>
-          <p:cNvPr id="3" name="Content Placeholder 2"/>
-          <p:cNvSpPr>
-            <a:spLocks noGrp="1"/>
+              <a:rPr lang="en-US" altLang="zh-TW" smtClean="0"/>
+              <a:t>Download Server</a:t>
+            </a:r>
+            <a:endParaRPr lang="zh-TW" altLang="en-US" smtClean="0"/>
+          </a:p>
+        </p:txBody>
+      </p:sp>
+      <p:sp>
+        <p:nvSpPr>
+          <p:cNvPr id="61443" name="Rectangle 3"/>
+          <p:cNvSpPr>
+            <a:spLocks noGrp="1" noChangeArrowheads="1"/>
           </p:cNvSpPr>
           <p:nvPr>
             <p:ph idx="1"/>
@@ -23345,27 +23500,71 @@
         </p:nvSpPr>
         <p:spPr/>
         <p:txBody>
-          <a:bodyPr/>
+          <a:bodyPr>
+            <a:normAutofit lnSpcReduction="10000"/>
+          </a:bodyPr>
           <a:lstStyle/>
           <a:p>
             <a:r>
-              <a:rPr lang="en-US" dirty="0" smtClean="0"/>
-              <a:t>http://precisebench.com/best-free-books-for-learning-php/</a:t>
-            </a:r>
-            <a:endParaRPr lang="en-US" dirty="0"/>
+              <a:rPr lang="en-US" altLang="zh-TW" dirty="0" smtClean="0"/>
+              <a:t>http://www.apache.org/</a:t>
+            </a:r>
+          </a:p>
+          <a:p>
+            <a:r>
+              <a:rPr lang="en-US" altLang="zh-TW" dirty="0" smtClean="0"/>
+              <a:t>http://www.php.net</a:t>
+            </a:r>
+          </a:p>
+          <a:p>
+            <a:r>
+              <a:rPr lang="en-US" altLang="zh-TW" dirty="0" smtClean="0"/>
+              <a:t>http://www.mysql.com/</a:t>
+            </a:r>
+          </a:p>
+          <a:p>
+            <a:r>
+              <a:rPr lang="en-US" altLang="zh-TW" dirty="0" smtClean="0"/>
+              <a:t>http://www.phpmyadmin.com</a:t>
+            </a:r>
+          </a:p>
+          <a:p>
+            <a:r>
+              <a:rPr lang="en-US" altLang="zh-TW" dirty="0" smtClean="0"/>
+              <a:t>http://www.appservnetwork.com/</a:t>
+            </a:r>
+          </a:p>
+          <a:p>
+            <a:r>
+              <a:rPr lang="en-US" altLang="zh-TW" dirty="0" smtClean="0"/>
+              <a:t>http://www.apachefriends.org</a:t>
+            </a:r>
+          </a:p>
+          <a:p>
+            <a:r>
+              <a:rPr lang="en-US" altLang="zh-TW" dirty="0" smtClean="0"/>
+              <a:t>http://www.xampp.org</a:t>
+            </a:r>
           </a:p>
         </p:txBody>
       </p:sp>
     </p:spTree>
-    <p:extLst>
-      <p:ext uri="{BB962C8B-B14F-4D97-AF65-F5344CB8AC3E}">
-        <p14:creationId xmlns:p14="http://schemas.microsoft.com/office/powerpoint/2010/main" val="129834447"/>
-      </p:ext>
-    </p:extLst>
   </p:cSld>
   <p:clrMapOvr>
     <a:masterClrMapping/>
   </p:clrMapOvr>
+  <mc:AlternateContent xmlns:mc="http://schemas.openxmlformats.org/markup-compatibility/2006" xmlns:p14="http://schemas.microsoft.com/office/powerpoint/2010/main">
+    <mc:Choice Requires="p14">
+      <p:transition spd="slow" p14:dur="3900">
+        <p14:glitter pattern="hexagon"/>
+      </p:transition>
+    </mc:Choice>
+    <mc:Fallback xmlns="">
+      <p:transition spd="slow">
+        <p:fade/>
+      </p:transition>
+    </mc:Fallback>
+  </mc:AlternateContent>
 </p:sld>
 </file>
 
@@ -23402,6 +23601,82 @@
           <a:lstStyle/>
           <a:p>
             <a:r>
+              <a:rPr lang="en-US" smtClean="0"/>
+              <a:t>ebooks</a:t>
+            </a:r>
+            <a:endParaRPr lang="en-US" dirty="0"/>
+          </a:p>
+        </p:txBody>
+      </p:sp>
+      <p:sp>
+        <p:nvSpPr>
+          <p:cNvPr id="3" name="Content Placeholder 2"/>
+          <p:cNvSpPr>
+            <a:spLocks noGrp="1"/>
+          </p:cNvSpPr>
+          <p:nvPr>
+            <p:ph idx="1"/>
+          </p:nvPr>
+        </p:nvSpPr>
+        <p:spPr/>
+        <p:txBody>
+          <a:bodyPr/>
+          <a:lstStyle/>
+          <a:p>
+            <a:r>
+              <a:rPr lang="en-US" dirty="0" smtClean="0"/>
+              <a:t>http://precisebench.com/best-free-books-for-learning-php/</a:t>
+            </a:r>
+            <a:endParaRPr lang="en-US" dirty="0"/>
+          </a:p>
+        </p:txBody>
+      </p:sp>
+    </p:spTree>
+    <p:extLst>
+      <p:ext uri="{BB962C8B-B14F-4D97-AF65-F5344CB8AC3E}">
+        <p14:creationId xmlns:p14="http://schemas.microsoft.com/office/powerpoint/2010/main" val="129834447"/>
+      </p:ext>
+    </p:extLst>
+  </p:cSld>
+  <p:clrMapOvr>
+    <a:masterClrMapping/>
+  </p:clrMapOvr>
+</p:sld>
+</file>
+
+<file path=ppt/slides/slide53.xml><?xml version="1.0" encoding="utf-8"?>
+<p:sld xmlns:a="http://schemas.openxmlformats.org/drawingml/2006/main" xmlns:r="http://schemas.openxmlformats.org/officeDocument/2006/relationships" xmlns:p="http://schemas.openxmlformats.org/presentationml/2006/main">
+  <p:cSld>
+    <p:spTree>
+      <p:nvGrpSpPr>
+        <p:cNvPr id="1" name=""/>
+        <p:cNvGrpSpPr/>
+        <p:nvPr/>
+      </p:nvGrpSpPr>
+      <p:grpSpPr>
+        <a:xfrm>
+          <a:off x="0" y="0"/>
+          <a:ext cx="0" cy="0"/>
+          <a:chOff x="0" y="0"/>
+          <a:chExt cx="0" cy="0"/>
+        </a:xfrm>
+      </p:grpSpPr>
+      <p:sp>
+        <p:nvSpPr>
+          <p:cNvPr id="2" name="Title 1"/>
+          <p:cNvSpPr>
+            <a:spLocks noGrp="1"/>
+          </p:cNvSpPr>
+          <p:nvPr>
+            <p:ph type="title"/>
+          </p:nvPr>
+        </p:nvSpPr>
+        <p:spPr/>
+        <p:txBody>
+          <a:bodyPr/>
+          <a:lstStyle/>
+          <a:p>
+            <a:r>
               <a:rPr lang="en-US" altLang="zh-TW" dirty="0" smtClean="0"/>
               <a:t>Facebook</a:t>
             </a:r>
@@ -23450,7 +23725,7 @@
 </p:sld>
 </file>
 
-<file path=ppt/slides/slide53.xml><?xml version="1.0" encoding="utf-8"?>
+<file path=ppt/slides/slide54.xml><?xml version="1.0" encoding="utf-8"?>
 <p:sld xmlns:a="http://schemas.openxmlformats.org/drawingml/2006/main" xmlns:r="http://schemas.openxmlformats.org/officeDocument/2006/relationships" xmlns:p="http://schemas.openxmlformats.org/presentationml/2006/main">
   <p:cSld>
     <p:spTree>
@@ -23819,11 +24094,7 @@
           <a:p>
             <a:r>
               <a:rPr lang="en-US" dirty="0" smtClean="0"/>
-              <a:t>Official Name: PHP</a:t>
-            </a:r>
-            <a:r>
-              <a:rPr lang="en-US" dirty="0" smtClean="0"/>
-              <a:t>: Hypertext Preprocessor</a:t>
+              <a:t>Official Name: PHP: Hypertext Preprocessor</a:t>
             </a:r>
           </a:p>
           <a:p>
@@ -23831,7 +24102,6 @@
               <a:rPr lang="en-US" altLang="zh-TW" dirty="0" smtClean="0"/>
               <a:t>Stand for Personal Home Page</a:t>
             </a:r>
-            <a:endParaRPr lang="en-US" altLang="zh-TW" dirty="0" smtClean="0"/>
           </a:p>
         </p:txBody>
       </p:sp>

--- a/php-fw1/lesson1.pptx
+++ b/php-fw1/lesson1.pptx
@@ -5,10 +5,10 @@
     <p:sldMasterId id="2147484484" r:id="rId1"/>
   </p:sldMasterIdLst>
   <p:notesMasterIdLst>
-    <p:notesMasterId r:id="rId56"/>
+    <p:notesMasterId r:id="rId54"/>
   </p:notesMasterIdLst>
   <p:handoutMasterIdLst>
-    <p:handoutMasterId r:id="rId57"/>
+    <p:handoutMasterId r:id="rId55"/>
   </p:handoutMasterIdLst>
   <p:sldIdLst>
     <p:sldId id="256" r:id="rId2"/>
@@ -30,41 +30,39 @@
     <p:sldId id="334" r:id="rId18"/>
     <p:sldId id="373" r:id="rId19"/>
     <p:sldId id="395" r:id="rId20"/>
-    <p:sldId id="393" r:id="rId21"/>
-    <p:sldId id="394" r:id="rId22"/>
-    <p:sldId id="344" r:id="rId23"/>
-    <p:sldId id="345" r:id="rId24"/>
-    <p:sldId id="371" r:id="rId25"/>
-    <p:sldId id="346" r:id="rId26"/>
-    <p:sldId id="347" r:id="rId27"/>
-    <p:sldId id="348" r:id="rId28"/>
-    <p:sldId id="350" r:id="rId29"/>
-    <p:sldId id="381" r:id="rId30"/>
-    <p:sldId id="372" r:id="rId31"/>
-    <p:sldId id="392" r:id="rId32"/>
-    <p:sldId id="397" r:id="rId33"/>
-    <p:sldId id="369" r:id="rId34"/>
-    <p:sldId id="398" r:id="rId35"/>
-    <p:sldId id="380" r:id="rId36"/>
-    <p:sldId id="351" r:id="rId37"/>
-    <p:sldId id="366" r:id="rId38"/>
-    <p:sldId id="374" r:id="rId39"/>
-    <p:sldId id="353" r:id="rId40"/>
-    <p:sldId id="399" r:id="rId41"/>
-    <p:sldId id="356" r:id="rId42"/>
-    <p:sldId id="357" r:id="rId43"/>
-    <p:sldId id="376" r:id="rId44"/>
-    <p:sldId id="396" r:id="rId45"/>
-    <p:sldId id="375" r:id="rId46"/>
-    <p:sldId id="329" r:id="rId47"/>
-    <p:sldId id="383" r:id="rId48"/>
-    <p:sldId id="400" r:id="rId49"/>
-    <p:sldId id="409" r:id="rId50"/>
-    <p:sldId id="377" r:id="rId51"/>
-    <p:sldId id="382" r:id="rId52"/>
-    <p:sldId id="406" r:id="rId53"/>
-    <p:sldId id="407" r:id="rId54"/>
-    <p:sldId id="269" r:id="rId55"/>
+    <p:sldId id="394" r:id="rId21"/>
+    <p:sldId id="344" r:id="rId22"/>
+    <p:sldId id="345" r:id="rId23"/>
+    <p:sldId id="371" r:id="rId24"/>
+    <p:sldId id="346" r:id="rId25"/>
+    <p:sldId id="347" r:id="rId26"/>
+    <p:sldId id="348" r:id="rId27"/>
+    <p:sldId id="350" r:id="rId28"/>
+    <p:sldId id="381" r:id="rId29"/>
+    <p:sldId id="372" r:id="rId30"/>
+    <p:sldId id="392" r:id="rId31"/>
+    <p:sldId id="397" r:id="rId32"/>
+    <p:sldId id="369" r:id="rId33"/>
+    <p:sldId id="398" r:id="rId34"/>
+    <p:sldId id="380" r:id="rId35"/>
+    <p:sldId id="351" r:id="rId36"/>
+    <p:sldId id="366" r:id="rId37"/>
+    <p:sldId id="374" r:id="rId38"/>
+    <p:sldId id="353" r:id="rId39"/>
+    <p:sldId id="399" r:id="rId40"/>
+    <p:sldId id="356" r:id="rId41"/>
+    <p:sldId id="357" r:id="rId42"/>
+    <p:sldId id="376" r:id="rId43"/>
+    <p:sldId id="396" r:id="rId44"/>
+    <p:sldId id="375" r:id="rId45"/>
+    <p:sldId id="329" r:id="rId46"/>
+    <p:sldId id="383" r:id="rId47"/>
+    <p:sldId id="400" r:id="rId48"/>
+    <p:sldId id="409" r:id="rId49"/>
+    <p:sldId id="377" r:id="rId50"/>
+    <p:sldId id="382" r:id="rId51"/>
+    <p:sldId id="407" r:id="rId52"/>
+    <p:sldId id="269" r:id="rId53"/>
   </p:sldIdLst>
   <p:sldSz cx="9144000" cy="6858000" type="screen4x3"/>
   <p:notesSz cx="7099300" cy="10234613"/>
@@ -195,7 +193,7 @@
   </p:defaultTextStyle>
   <p:extLst>
     <p:ext uri="{EFAFB233-063F-42B5-8137-9DF3F51BA10A}">
-      <p15:sldGuideLst xmlns:p15="http://schemas.microsoft.com/office/powerpoint/2012/main">
+      <p15:sldGuideLst xmlns:p15="http://schemas.microsoft.com/office/powerpoint/2012/main" xmlns="">
         <p15:guide id="1" orient="horz" pos="2160">
           <p15:clr>
             <a:srgbClr val="A4A3A4"/>
@@ -209,7 +207,7 @@
       </p15:sldGuideLst>
     </p:ext>
     <p:ext uri="{2D200454-40CA-4A62-9FC3-DE9A4176ACB9}">
-      <p15:notesGuideLst xmlns:p15="http://schemas.microsoft.com/office/powerpoint/2012/main">
+      <p15:notesGuideLst xmlns:p15="http://schemas.microsoft.com/office/powerpoint/2012/main" xmlns="">
         <p15:guide id="1" orient="horz" pos="3224">
           <p15:clr>
             <a:srgbClr val="A4A3A4"/>
@@ -2096,7 +2094,7 @@
       </p:grpSpPr>
       <p:sp>
         <p:nvSpPr>
-          <p:cNvPr id="76802" name="Rectangle 7"/>
+          <p:cNvPr id="77826" name="Rectangle 7"/>
           <p:cNvSpPr>
             <a:spLocks noGrp="1" noChangeArrowheads="1"/>
           </p:cNvSpPr>
@@ -2228,10 +2226,10 @@
             </a:lvl9pPr>
           </a:lstStyle>
           <a:p>
-            <a:fld id="{B8B8389D-68BE-4F15-9275-D886AC872D1C}" type="slidenum">
+            <a:fld id="{C45E8E27-2D80-47DF-A8CA-CC543FCE8B75}" type="slidenum">
               <a:rPr lang="zh-TW" altLang="en-US" sz="1300" smtClean="0"/>
               <a:pPr/>
-              <a:t>20</a:t>
+              <a:t>21</a:t>
             </a:fld>
             <a:endParaRPr lang="en-US" altLang="zh-TW" sz="1300" smtClean="0"/>
           </a:p>
@@ -2239,7 +2237,7 @@
       </p:sp>
       <p:sp>
         <p:nvSpPr>
-          <p:cNvPr id="76803" name="Rectangle 2"/>
+          <p:cNvPr id="77827" name="Rectangle 2"/>
           <p:cNvSpPr>
             <a:spLocks noGrp="1" noRot="1" noChangeAspect="1" noChangeArrowheads="1" noTextEdit="1"/>
           </p:cNvSpPr>
@@ -2253,7 +2251,7 @@
       </p:sp>
       <p:sp>
         <p:nvSpPr>
-          <p:cNvPr id="76804" name="Rectangle 3"/>
+          <p:cNvPr id="77828" name="Rectangle 3"/>
           <p:cNvSpPr>
             <a:spLocks noGrp="1" noChangeArrowheads="1"/>
           </p:cNvSpPr>
@@ -2297,7 +2295,7 @@
     </p:spTree>
     <p:extLst>
       <p:ext uri="{BB962C8B-B14F-4D97-AF65-F5344CB8AC3E}">
-        <p14:creationId xmlns:p14="http://schemas.microsoft.com/office/powerpoint/2010/main" val="1101513929"/>
+        <p14:creationId xmlns:p14="http://schemas.microsoft.com/office/powerpoint/2010/main" val="1801979802"/>
       </p:ext>
     </p:extLst>
   </p:cSld>
@@ -2326,7 +2324,7 @@
       </p:grpSpPr>
       <p:sp>
         <p:nvSpPr>
-          <p:cNvPr id="77826" name="Rectangle 7"/>
+          <p:cNvPr id="78850" name="Rectangle 7"/>
           <p:cNvSpPr>
             <a:spLocks noGrp="1" noChangeArrowheads="1"/>
           </p:cNvSpPr>
@@ -2458,7 +2456,7 @@
             </a:lvl9pPr>
           </a:lstStyle>
           <a:p>
-            <a:fld id="{C45E8E27-2D80-47DF-A8CA-CC543FCE8B75}" type="slidenum">
+            <a:fld id="{84D0CD6C-F363-4689-A77C-408F57F87425}" type="slidenum">
               <a:rPr lang="zh-TW" altLang="en-US" sz="1300" smtClean="0"/>
               <a:pPr/>
               <a:t>22</a:t>
@@ -2469,7 +2467,7 @@
       </p:sp>
       <p:sp>
         <p:nvSpPr>
-          <p:cNvPr id="77827" name="Rectangle 2"/>
+          <p:cNvPr id="78851" name="Rectangle 2"/>
           <p:cNvSpPr>
             <a:spLocks noGrp="1" noRot="1" noChangeAspect="1" noChangeArrowheads="1" noTextEdit="1"/>
           </p:cNvSpPr>
@@ -2483,7 +2481,7 @@
       </p:sp>
       <p:sp>
         <p:nvSpPr>
-          <p:cNvPr id="77828" name="Rectangle 3"/>
+          <p:cNvPr id="78852" name="Rectangle 3"/>
           <p:cNvSpPr>
             <a:spLocks noGrp="1" noChangeArrowheads="1"/>
           </p:cNvSpPr>
@@ -2527,7 +2525,7 @@
     </p:spTree>
     <p:extLst>
       <p:ext uri="{BB962C8B-B14F-4D97-AF65-F5344CB8AC3E}">
-        <p14:creationId xmlns:p14="http://schemas.microsoft.com/office/powerpoint/2010/main" val="1801979802"/>
+        <p14:creationId xmlns:p14="http://schemas.microsoft.com/office/powerpoint/2010/main" val="1315634022"/>
       </p:ext>
     </p:extLst>
   </p:cSld>
@@ -2556,7 +2554,7 @@
       </p:grpSpPr>
       <p:sp>
         <p:nvSpPr>
-          <p:cNvPr id="78850" name="Rectangle 7"/>
+          <p:cNvPr id="79874" name="Rectangle 7"/>
           <p:cNvSpPr>
             <a:spLocks noGrp="1" noChangeArrowheads="1"/>
           </p:cNvSpPr>
@@ -2688,7 +2686,7 @@
             </a:lvl9pPr>
           </a:lstStyle>
           <a:p>
-            <a:fld id="{84D0CD6C-F363-4689-A77C-408F57F87425}" type="slidenum">
+            <a:fld id="{ADD67C44-68D8-49E4-BAFA-EA87DEF5D213}" type="slidenum">
               <a:rPr lang="zh-TW" altLang="en-US" sz="1300" smtClean="0"/>
               <a:pPr/>
               <a:t>23</a:t>
@@ -2699,7 +2697,7 @@
       </p:sp>
       <p:sp>
         <p:nvSpPr>
-          <p:cNvPr id="78851" name="Rectangle 2"/>
+          <p:cNvPr id="79875" name="Rectangle 2"/>
           <p:cNvSpPr>
             <a:spLocks noGrp="1" noRot="1" noChangeAspect="1" noChangeArrowheads="1" noTextEdit="1"/>
           </p:cNvSpPr>
@@ -2713,7 +2711,7 @@
       </p:sp>
       <p:sp>
         <p:nvSpPr>
-          <p:cNvPr id="78852" name="Rectangle 3"/>
+          <p:cNvPr id="79876" name="Rectangle 3"/>
           <p:cNvSpPr>
             <a:spLocks noGrp="1" noChangeArrowheads="1"/>
           </p:cNvSpPr>
@@ -2757,7 +2755,7 @@
     </p:spTree>
     <p:extLst>
       <p:ext uri="{BB962C8B-B14F-4D97-AF65-F5344CB8AC3E}">
-        <p14:creationId xmlns:p14="http://schemas.microsoft.com/office/powerpoint/2010/main" val="1315634022"/>
+        <p14:creationId xmlns:p14="http://schemas.microsoft.com/office/powerpoint/2010/main" val="635723058"/>
       </p:ext>
     </p:extLst>
   </p:cSld>
@@ -2786,7 +2784,7 @@
       </p:grpSpPr>
       <p:sp>
         <p:nvSpPr>
-          <p:cNvPr id="79874" name="Rectangle 7"/>
+          <p:cNvPr id="80898" name="Rectangle 7"/>
           <p:cNvSpPr>
             <a:spLocks noGrp="1" noChangeArrowheads="1"/>
           </p:cNvSpPr>
@@ -2918,7 +2916,7 @@
             </a:lvl9pPr>
           </a:lstStyle>
           <a:p>
-            <a:fld id="{ADD67C44-68D8-49E4-BAFA-EA87DEF5D213}" type="slidenum">
+            <a:fld id="{D38F7238-3CB8-48AE-A601-A99E0EA8DE3D}" type="slidenum">
               <a:rPr lang="zh-TW" altLang="en-US" sz="1300" smtClean="0"/>
               <a:pPr/>
               <a:t>24</a:t>
@@ -2929,7 +2927,7 @@
       </p:sp>
       <p:sp>
         <p:nvSpPr>
-          <p:cNvPr id="79875" name="Rectangle 2"/>
+          <p:cNvPr id="80899" name="Rectangle 2"/>
           <p:cNvSpPr>
             <a:spLocks noGrp="1" noRot="1" noChangeAspect="1" noChangeArrowheads="1" noTextEdit="1"/>
           </p:cNvSpPr>
@@ -2943,7 +2941,7 @@
       </p:sp>
       <p:sp>
         <p:nvSpPr>
-          <p:cNvPr id="79876" name="Rectangle 3"/>
+          <p:cNvPr id="80900" name="Rectangle 3"/>
           <p:cNvSpPr>
             <a:spLocks noGrp="1" noChangeArrowheads="1"/>
           </p:cNvSpPr>
@@ -2987,7 +2985,7 @@
     </p:spTree>
     <p:extLst>
       <p:ext uri="{BB962C8B-B14F-4D97-AF65-F5344CB8AC3E}">
-        <p14:creationId xmlns:p14="http://schemas.microsoft.com/office/powerpoint/2010/main" val="635723058"/>
+        <p14:creationId xmlns:p14="http://schemas.microsoft.com/office/powerpoint/2010/main" val="1369133069"/>
       </p:ext>
     </p:extLst>
   </p:cSld>
@@ -3016,7 +3014,7 @@
       </p:grpSpPr>
       <p:sp>
         <p:nvSpPr>
-          <p:cNvPr id="80898" name="Rectangle 7"/>
+          <p:cNvPr id="81922" name="Rectangle 7"/>
           <p:cNvSpPr>
             <a:spLocks noGrp="1" noChangeArrowheads="1"/>
           </p:cNvSpPr>
@@ -3148,7 +3146,7 @@
             </a:lvl9pPr>
           </a:lstStyle>
           <a:p>
-            <a:fld id="{D38F7238-3CB8-48AE-A601-A99E0EA8DE3D}" type="slidenum">
+            <a:fld id="{6FBAA514-01BA-4551-950E-ED87887F7715}" type="slidenum">
               <a:rPr lang="zh-TW" altLang="en-US" sz="1300" smtClean="0"/>
               <a:pPr/>
               <a:t>25</a:t>
@@ -3159,7 +3157,7 @@
       </p:sp>
       <p:sp>
         <p:nvSpPr>
-          <p:cNvPr id="80899" name="Rectangle 2"/>
+          <p:cNvPr id="81923" name="Rectangle 2"/>
           <p:cNvSpPr>
             <a:spLocks noGrp="1" noRot="1" noChangeAspect="1" noChangeArrowheads="1" noTextEdit="1"/>
           </p:cNvSpPr>
@@ -3173,7 +3171,7 @@
       </p:sp>
       <p:sp>
         <p:nvSpPr>
-          <p:cNvPr id="80900" name="Rectangle 3"/>
+          <p:cNvPr id="81924" name="Rectangle 3"/>
           <p:cNvSpPr>
             <a:spLocks noGrp="1" noChangeArrowheads="1"/>
           </p:cNvSpPr>
@@ -3217,7 +3215,7 @@
     </p:spTree>
     <p:extLst>
       <p:ext uri="{BB962C8B-B14F-4D97-AF65-F5344CB8AC3E}">
-        <p14:creationId xmlns:p14="http://schemas.microsoft.com/office/powerpoint/2010/main" val="1369133069"/>
+        <p14:creationId xmlns:p14="http://schemas.microsoft.com/office/powerpoint/2010/main" val="1125898167"/>
       </p:ext>
     </p:extLst>
   </p:cSld>
@@ -3246,7 +3244,7 @@
       </p:grpSpPr>
       <p:sp>
         <p:nvSpPr>
-          <p:cNvPr id="81922" name="Rectangle 7"/>
+          <p:cNvPr id="82946" name="Rectangle 7"/>
           <p:cNvSpPr>
             <a:spLocks noGrp="1" noChangeArrowheads="1"/>
           </p:cNvSpPr>
@@ -3378,7 +3376,7 @@
             </a:lvl9pPr>
           </a:lstStyle>
           <a:p>
-            <a:fld id="{6FBAA514-01BA-4551-950E-ED87887F7715}" type="slidenum">
+            <a:fld id="{C2A49AB0-38E3-48FB-B9C7-F3148CD01756}" type="slidenum">
               <a:rPr lang="zh-TW" altLang="en-US" sz="1300" smtClean="0"/>
               <a:pPr/>
               <a:t>26</a:t>
@@ -3389,7 +3387,7 @@
       </p:sp>
       <p:sp>
         <p:nvSpPr>
-          <p:cNvPr id="81923" name="Rectangle 2"/>
+          <p:cNvPr id="82947" name="Rectangle 2"/>
           <p:cNvSpPr>
             <a:spLocks noGrp="1" noRot="1" noChangeAspect="1" noChangeArrowheads="1" noTextEdit="1"/>
           </p:cNvSpPr>
@@ -3403,7 +3401,7 @@
       </p:sp>
       <p:sp>
         <p:nvSpPr>
-          <p:cNvPr id="81924" name="Rectangle 3"/>
+          <p:cNvPr id="82948" name="Rectangle 3"/>
           <p:cNvSpPr>
             <a:spLocks noGrp="1" noChangeArrowheads="1"/>
           </p:cNvSpPr>
@@ -3447,7 +3445,7 @@
     </p:spTree>
     <p:extLst>
       <p:ext uri="{BB962C8B-B14F-4D97-AF65-F5344CB8AC3E}">
-        <p14:creationId xmlns:p14="http://schemas.microsoft.com/office/powerpoint/2010/main" val="1125898167"/>
+        <p14:creationId xmlns:p14="http://schemas.microsoft.com/office/powerpoint/2010/main" val="1059961393"/>
       </p:ext>
     </p:extLst>
   </p:cSld>
@@ -3706,7 +3704,7 @@
       </p:grpSpPr>
       <p:sp>
         <p:nvSpPr>
-          <p:cNvPr id="82946" name="Rectangle 7"/>
+          <p:cNvPr id="83970" name="Rectangle 7"/>
           <p:cNvSpPr>
             <a:spLocks noGrp="1" noChangeArrowheads="1"/>
           </p:cNvSpPr>
@@ -3838,7 +3836,7 @@
             </a:lvl9pPr>
           </a:lstStyle>
           <a:p>
-            <a:fld id="{C2A49AB0-38E3-48FB-B9C7-F3148CD01756}" type="slidenum">
+            <a:fld id="{2DBB294E-D159-4B0D-8B7C-485162A22FF7}" type="slidenum">
               <a:rPr lang="zh-TW" altLang="en-US" sz="1300" smtClean="0"/>
               <a:pPr/>
               <a:t>27</a:t>
@@ -3849,7 +3847,7 @@
       </p:sp>
       <p:sp>
         <p:nvSpPr>
-          <p:cNvPr id="82947" name="Rectangle 2"/>
+          <p:cNvPr id="83971" name="Rectangle 2"/>
           <p:cNvSpPr>
             <a:spLocks noGrp="1" noRot="1" noChangeAspect="1" noChangeArrowheads="1" noTextEdit="1"/>
           </p:cNvSpPr>
@@ -3863,7 +3861,7 @@
       </p:sp>
       <p:sp>
         <p:nvSpPr>
-          <p:cNvPr id="82948" name="Rectangle 3"/>
+          <p:cNvPr id="83972" name="Rectangle 3"/>
           <p:cNvSpPr>
             <a:spLocks noGrp="1" noChangeArrowheads="1"/>
           </p:cNvSpPr>
@@ -3907,7 +3905,7 @@
     </p:spTree>
     <p:extLst>
       <p:ext uri="{BB962C8B-B14F-4D97-AF65-F5344CB8AC3E}">
-        <p14:creationId xmlns:p14="http://schemas.microsoft.com/office/powerpoint/2010/main" val="1059961393"/>
+        <p14:creationId xmlns:p14="http://schemas.microsoft.com/office/powerpoint/2010/main" val="2089018456"/>
       </p:ext>
     </p:extLst>
   </p:cSld>
@@ -3936,7 +3934,7 @@
       </p:grpSpPr>
       <p:sp>
         <p:nvSpPr>
-          <p:cNvPr id="83970" name="Rectangle 7"/>
+          <p:cNvPr id="84994" name="Rectangle 7"/>
           <p:cNvSpPr>
             <a:spLocks noGrp="1" noChangeArrowheads="1"/>
           </p:cNvSpPr>
@@ -4068,7 +4066,7 @@
             </a:lvl9pPr>
           </a:lstStyle>
           <a:p>
-            <a:fld id="{2DBB294E-D159-4B0D-8B7C-485162A22FF7}" type="slidenum">
+            <a:fld id="{83E6493E-F04F-492F-8D95-3031AC6C8C5A}" type="slidenum">
               <a:rPr lang="zh-TW" altLang="en-US" sz="1300" smtClean="0"/>
               <a:pPr/>
               <a:t>28</a:t>
@@ -4079,7 +4077,7 @@
       </p:sp>
       <p:sp>
         <p:nvSpPr>
-          <p:cNvPr id="83971" name="Rectangle 2"/>
+          <p:cNvPr id="84995" name="Rectangle 2"/>
           <p:cNvSpPr>
             <a:spLocks noGrp="1" noRot="1" noChangeAspect="1" noChangeArrowheads="1" noTextEdit="1"/>
           </p:cNvSpPr>
@@ -4093,7 +4091,7 @@
       </p:sp>
       <p:sp>
         <p:nvSpPr>
-          <p:cNvPr id="83972" name="Rectangle 3"/>
+          <p:cNvPr id="84996" name="Rectangle 3"/>
           <p:cNvSpPr>
             <a:spLocks noGrp="1" noChangeArrowheads="1"/>
           </p:cNvSpPr>
@@ -4137,7 +4135,7 @@
     </p:spTree>
     <p:extLst>
       <p:ext uri="{BB962C8B-B14F-4D97-AF65-F5344CB8AC3E}">
-        <p14:creationId xmlns:p14="http://schemas.microsoft.com/office/powerpoint/2010/main" val="2089018456"/>
+        <p14:creationId xmlns:p14="http://schemas.microsoft.com/office/powerpoint/2010/main" val="628175011"/>
       </p:ext>
     </p:extLst>
   </p:cSld>
@@ -4166,7 +4164,7 @@
       </p:grpSpPr>
       <p:sp>
         <p:nvSpPr>
-          <p:cNvPr id="84994" name="Rectangle 7"/>
+          <p:cNvPr id="86018" name="Rectangle 7"/>
           <p:cNvSpPr>
             <a:spLocks noGrp="1" noChangeArrowheads="1"/>
           </p:cNvSpPr>
@@ -4298,7 +4296,7 @@
             </a:lvl9pPr>
           </a:lstStyle>
           <a:p>
-            <a:fld id="{83E6493E-F04F-492F-8D95-3031AC6C8C5A}" type="slidenum">
+            <a:fld id="{74D58637-8846-4395-9EC3-5163009C4F1D}" type="slidenum">
               <a:rPr lang="zh-TW" altLang="en-US" sz="1300" smtClean="0"/>
               <a:pPr/>
               <a:t>29</a:t>
@@ -4309,7 +4307,7 @@
       </p:sp>
       <p:sp>
         <p:nvSpPr>
-          <p:cNvPr id="84995" name="Rectangle 2"/>
+          <p:cNvPr id="86019" name="Rectangle 2"/>
           <p:cNvSpPr>
             <a:spLocks noGrp="1" noRot="1" noChangeAspect="1" noChangeArrowheads="1" noTextEdit="1"/>
           </p:cNvSpPr>
@@ -4323,7 +4321,7 @@
       </p:sp>
       <p:sp>
         <p:nvSpPr>
-          <p:cNvPr id="84996" name="Rectangle 3"/>
+          <p:cNvPr id="86020" name="Rectangle 3"/>
           <p:cNvSpPr>
             <a:spLocks noGrp="1" noChangeArrowheads="1"/>
           </p:cNvSpPr>
@@ -4367,7 +4365,7 @@
     </p:spTree>
     <p:extLst>
       <p:ext uri="{BB962C8B-B14F-4D97-AF65-F5344CB8AC3E}">
-        <p14:creationId xmlns:p14="http://schemas.microsoft.com/office/powerpoint/2010/main" val="628175011"/>
+        <p14:creationId xmlns:p14="http://schemas.microsoft.com/office/powerpoint/2010/main" val="1656478042"/>
       </p:ext>
     </p:extLst>
   </p:cSld>
@@ -4396,7 +4394,7 @@
       </p:grpSpPr>
       <p:sp>
         <p:nvSpPr>
-          <p:cNvPr id="86018" name="Rectangle 7"/>
+          <p:cNvPr id="87042" name="Rectangle 7"/>
           <p:cNvSpPr>
             <a:spLocks noGrp="1" noChangeArrowheads="1"/>
           </p:cNvSpPr>
@@ -4528,10 +4526,10 @@
             </a:lvl9pPr>
           </a:lstStyle>
           <a:p>
-            <a:fld id="{74D58637-8846-4395-9EC3-5163009C4F1D}" type="slidenum">
+            <a:fld id="{32305C3B-1A3F-4509-B958-4912958B602C}" type="slidenum">
               <a:rPr lang="zh-TW" altLang="en-US" sz="1300" smtClean="0"/>
               <a:pPr/>
-              <a:t>30</a:t>
+              <a:t>31</a:t>
             </a:fld>
             <a:endParaRPr lang="en-US" altLang="zh-TW" sz="1300" smtClean="0"/>
           </a:p>
@@ -4539,7 +4537,7 @@
       </p:sp>
       <p:sp>
         <p:nvSpPr>
-          <p:cNvPr id="86019" name="Rectangle 2"/>
+          <p:cNvPr id="87043" name="Rectangle 2"/>
           <p:cNvSpPr>
             <a:spLocks noGrp="1" noRot="1" noChangeAspect="1" noChangeArrowheads="1" noTextEdit="1"/>
           </p:cNvSpPr>
@@ -4553,7 +4551,7 @@
       </p:sp>
       <p:sp>
         <p:nvSpPr>
-          <p:cNvPr id="86020" name="Rectangle 3"/>
+          <p:cNvPr id="87044" name="Rectangle 3"/>
           <p:cNvSpPr>
             <a:spLocks noGrp="1" noChangeArrowheads="1"/>
           </p:cNvSpPr>
@@ -4597,7 +4595,7 @@
     </p:spTree>
     <p:extLst>
       <p:ext uri="{BB962C8B-B14F-4D97-AF65-F5344CB8AC3E}">
-        <p14:creationId xmlns:p14="http://schemas.microsoft.com/office/powerpoint/2010/main" val="1656478042"/>
+        <p14:creationId xmlns:p14="http://schemas.microsoft.com/office/powerpoint/2010/main" val="1131176229"/>
       </p:ext>
     </p:extLst>
   </p:cSld>
@@ -4626,7 +4624,7 @@
       </p:grpSpPr>
       <p:sp>
         <p:nvSpPr>
-          <p:cNvPr id="87042" name="Rectangle 7"/>
+          <p:cNvPr id="89090" name="Rectangle 7"/>
           <p:cNvSpPr>
             <a:spLocks noGrp="1" noChangeArrowheads="1"/>
           </p:cNvSpPr>
@@ -4758,7 +4756,7 @@
             </a:lvl9pPr>
           </a:lstStyle>
           <a:p>
-            <a:fld id="{32305C3B-1A3F-4509-B958-4912958B602C}" type="slidenum">
+            <a:fld id="{1EE69E31-FB8A-43EF-90E8-8F1A6E67C714}" type="slidenum">
               <a:rPr lang="zh-TW" altLang="en-US" sz="1300" smtClean="0"/>
               <a:pPr/>
               <a:t>32</a:t>
@@ -4769,7 +4767,7 @@
       </p:sp>
       <p:sp>
         <p:nvSpPr>
-          <p:cNvPr id="87043" name="Rectangle 2"/>
+          <p:cNvPr id="89091" name="Rectangle 2"/>
           <p:cNvSpPr>
             <a:spLocks noGrp="1" noRot="1" noChangeAspect="1" noChangeArrowheads="1" noTextEdit="1"/>
           </p:cNvSpPr>
@@ -4783,7 +4781,7 @@
       </p:sp>
       <p:sp>
         <p:nvSpPr>
-          <p:cNvPr id="87044" name="Rectangle 3"/>
+          <p:cNvPr id="89092" name="Rectangle 3"/>
           <p:cNvSpPr>
             <a:spLocks noGrp="1" noChangeArrowheads="1"/>
           </p:cNvSpPr>
@@ -4827,7 +4825,7 @@
     </p:spTree>
     <p:extLst>
       <p:ext uri="{BB962C8B-B14F-4D97-AF65-F5344CB8AC3E}">
-        <p14:creationId xmlns:p14="http://schemas.microsoft.com/office/powerpoint/2010/main" val="1131176229"/>
+        <p14:creationId xmlns:p14="http://schemas.microsoft.com/office/powerpoint/2010/main" val="1653377373"/>
       </p:ext>
     </p:extLst>
   </p:cSld>
@@ -4856,7 +4854,7 @@
       </p:grpSpPr>
       <p:sp>
         <p:nvSpPr>
-          <p:cNvPr id="89090" name="Rectangle 7"/>
+          <p:cNvPr id="90114" name="Rectangle 7"/>
           <p:cNvSpPr>
             <a:spLocks noGrp="1" noChangeArrowheads="1"/>
           </p:cNvSpPr>
@@ -4988,10 +4986,10 @@
             </a:lvl9pPr>
           </a:lstStyle>
           <a:p>
-            <a:fld id="{1EE69E31-FB8A-43EF-90E8-8F1A6E67C714}" type="slidenum">
+            <a:fld id="{5989445E-84BC-4EEC-8764-21DC13B39430}" type="slidenum">
               <a:rPr lang="zh-TW" altLang="en-US" sz="1300" smtClean="0"/>
               <a:pPr/>
-              <a:t>33</a:t>
+              <a:t>34</a:t>
             </a:fld>
             <a:endParaRPr lang="en-US" altLang="zh-TW" sz="1300" smtClean="0"/>
           </a:p>
@@ -4999,7 +4997,7 @@
       </p:sp>
       <p:sp>
         <p:nvSpPr>
-          <p:cNvPr id="89091" name="Rectangle 2"/>
+          <p:cNvPr id="90115" name="Rectangle 2"/>
           <p:cNvSpPr>
             <a:spLocks noGrp="1" noRot="1" noChangeAspect="1" noChangeArrowheads="1" noTextEdit="1"/>
           </p:cNvSpPr>
@@ -5013,7 +5011,7 @@
       </p:sp>
       <p:sp>
         <p:nvSpPr>
-          <p:cNvPr id="89092" name="Rectangle 3"/>
+          <p:cNvPr id="90116" name="Rectangle 3"/>
           <p:cNvSpPr>
             <a:spLocks noGrp="1" noChangeArrowheads="1"/>
           </p:cNvSpPr>
@@ -5057,7 +5055,7 @@
     </p:spTree>
     <p:extLst>
       <p:ext uri="{BB962C8B-B14F-4D97-AF65-F5344CB8AC3E}">
-        <p14:creationId xmlns:p14="http://schemas.microsoft.com/office/powerpoint/2010/main" val="1653377373"/>
+        <p14:creationId xmlns:p14="http://schemas.microsoft.com/office/powerpoint/2010/main" val="859484421"/>
       </p:ext>
     </p:extLst>
   </p:cSld>
@@ -5086,7 +5084,7 @@
       </p:grpSpPr>
       <p:sp>
         <p:nvSpPr>
-          <p:cNvPr id="90114" name="Rectangle 7"/>
+          <p:cNvPr id="91138" name="Rectangle 7"/>
           <p:cNvSpPr>
             <a:spLocks noGrp="1" noChangeArrowheads="1"/>
           </p:cNvSpPr>
@@ -5218,7 +5216,7 @@
             </a:lvl9pPr>
           </a:lstStyle>
           <a:p>
-            <a:fld id="{5989445E-84BC-4EEC-8764-21DC13B39430}" type="slidenum">
+            <a:fld id="{80CD10D2-66F0-4658-A409-6AB42591A917}" type="slidenum">
               <a:rPr lang="zh-TW" altLang="en-US" sz="1300" smtClean="0"/>
               <a:pPr/>
               <a:t>35</a:t>
@@ -5229,7 +5227,7 @@
       </p:sp>
       <p:sp>
         <p:nvSpPr>
-          <p:cNvPr id="90115" name="Rectangle 2"/>
+          <p:cNvPr id="91139" name="Rectangle 2"/>
           <p:cNvSpPr>
             <a:spLocks noGrp="1" noRot="1" noChangeAspect="1" noChangeArrowheads="1" noTextEdit="1"/>
           </p:cNvSpPr>
@@ -5243,7 +5241,7 @@
       </p:sp>
       <p:sp>
         <p:nvSpPr>
-          <p:cNvPr id="90116" name="Rectangle 3"/>
+          <p:cNvPr id="91140" name="Rectangle 3"/>
           <p:cNvSpPr>
             <a:spLocks noGrp="1" noChangeArrowheads="1"/>
           </p:cNvSpPr>
@@ -5287,7 +5285,7 @@
     </p:spTree>
     <p:extLst>
       <p:ext uri="{BB962C8B-B14F-4D97-AF65-F5344CB8AC3E}">
-        <p14:creationId xmlns:p14="http://schemas.microsoft.com/office/powerpoint/2010/main" val="859484421"/>
+        <p14:creationId xmlns:p14="http://schemas.microsoft.com/office/powerpoint/2010/main" val="1914544919"/>
       </p:ext>
     </p:extLst>
   </p:cSld>
@@ -5316,7 +5314,7 @@
       </p:grpSpPr>
       <p:sp>
         <p:nvSpPr>
-          <p:cNvPr id="91138" name="Rectangle 7"/>
+          <p:cNvPr id="92162" name="Rectangle 7"/>
           <p:cNvSpPr>
             <a:spLocks noGrp="1" noChangeArrowheads="1"/>
           </p:cNvSpPr>
@@ -5448,7 +5446,7 @@
             </a:lvl9pPr>
           </a:lstStyle>
           <a:p>
-            <a:fld id="{80CD10D2-66F0-4658-A409-6AB42591A917}" type="slidenum">
+            <a:fld id="{88EB6BBE-7BAC-447E-A856-77ACA0CACF66}" type="slidenum">
               <a:rPr lang="zh-TW" altLang="en-US" sz="1300" smtClean="0"/>
               <a:pPr/>
               <a:t>36</a:t>
@@ -5459,7 +5457,7 @@
       </p:sp>
       <p:sp>
         <p:nvSpPr>
-          <p:cNvPr id="91139" name="Rectangle 2"/>
+          <p:cNvPr id="92163" name="Rectangle 2"/>
           <p:cNvSpPr>
             <a:spLocks noGrp="1" noRot="1" noChangeAspect="1" noChangeArrowheads="1" noTextEdit="1"/>
           </p:cNvSpPr>
@@ -5473,7 +5471,7 @@
       </p:sp>
       <p:sp>
         <p:nvSpPr>
-          <p:cNvPr id="91140" name="Rectangle 3"/>
+          <p:cNvPr id="92164" name="Rectangle 3"/>
           <p:cNvSpPr>
             <a:spLocks noGrp="1" noChangeArrowheads="1"/>
           </p:cNvSpPr>
@@ -5517,7 +5515,7 @@
     </p:spTree>
     <p:extLst>
       <p:ext uri="{BB962C8B-B14F-4D97-AF65-F5344CB8AC3E}">
-        <p14:creationId xmlns:p14="http://schemas.microsoft.com/office/powerpoint/2010/main" val="1914544919"/>
+        <p14:creationId xmlns:p14="http://schemas.microsoft.com/office/powerpoint/2010/main" val="608413784"/>
       </p:ext>
     </p:extLst>
   </p:cSld>
@@ -5546,7 +5544,7 @@
       </p:grpSpPr>
       <p:sp>
         <p:nvSpPr>
-          <p:cNvPr id="92162" name="Rectangle 7"/>
+          <p:cNvPr id="93186" name="Rectangle 7"/>
           <p:cNvSpPr>
             <a:spLocks noGrp="1" noChangeArrowheads="1"/>
           </p:cNvSpPr>
@@ -5678,7 +5676,7 @@
             </a:lvl9pPr>
           </a:lstStyle>
           <a:p>
-            <a:fld id="{88EB6BBE-7BAC-447E-A856-77ACA0CACF66}" type="slidenum">
+            <a:fld id="{2F44924E-F5AC-403F-90FF-10A034454374}" type="slidenum">
               <a:rPr lang="zh-TW" altLang="en-US" sz="1300" smtClean="0"/>
               <a:pPr/>
               <a:t>37</a:t>
@@ -5689,7 +5687,7 @@
       </p:sp>
       <p:sp>
         <p:nvSpPr>
-          <p:cNvPr id="92163" name="Rectangle 2"/>
+          <p:cNvPr id="93187" name="Rectangle 2"/>
           <p:cNvSpPr>
             <a:spLocks noGrp="1" noRot="1" noChangeAspect="1" noChangeArrowheads="1" noTextEdit="1"/>
           </p:cNvSpPr>
@@ -5703,7 +5701,7 @@
       </p:sp>
       <p:sp>
         <p:nvSpPr>
-          <p:cNvPr id="92164" name="Rectangle 3"/>
+          <p:cNvPr id="93188" name="Rectangle 3"/>
           <p:cNvSpPr>
             <a:spLocks noGrp="1" noChangeArrowheads="1"/>
           </p:cNvSpPr>
@@ -5747,7 +5745,7 @@
     </p:spTree>
     <p:extLst>
       <p:ext uri="{BB962C8B-B14F-4D97-AF65-F5344CB8AC3E}">
-        <p14:creationId xmlns:p14="http://schemas.microsoft.com/office/powerpoint/2010/main" val="608413784"/>
+        <p14:creationId xmlns:p14="http://schemas.microsoft.com/office/powerpoint/2010/main" val="756898537"/>
       </p:ext>
     </p:extLst>
   </p:cSld>
@@ -5776,7 +5774,7 @@
       </p:grpSpPr>
       <p:sp>
         <p:nvSpPr>
-          <p:cNvPr id="93186" name="Rectangle 7"/>
+          <p:cNvPr id="94210" name="Rectangle 7"/>
           <p:cNvSpPr>
             <a:spLocks noGrp="1" noChangeArrowheads="1"/>
           </p:cNvSpPr>
@@ -5908,7 +5906,7 @@
             </a:lvl9pPr>
           </a:lstStyle>
           <a:p>
-            <a:fld id="{2F44924E-F5AC-403F-90FF-10A034454374}" type="slidenum">
+            <a:fld id="{1F642C14-A02B-4B0F-ABC2-14A05F54496B}" type="slidenum">
               <a:rPr lang="zh-TW" altLang="en-US" sz="1300" smtClean="0"/>
               <a:pPr/>
               <a:t>38</a:t>
@@ -5919,7 +5917,7 @@
       </p:sp>
       <p:sp>
         <p:nvSpPr>
-          <p:cNvPr id="93187" name="Rectangle 2"/>
+          <p:cNvPr id="94211" name="Rectangle 2"/>
           <p:cNvSpPr>
             <a:spLocks noGrp="1" noRot="1" noChangeAspect="1" noChangeArrowheads="1" noTextEdit="1"/>
           </p:cNvSpPr>
@@ -5933,7 +5931,7 @@
       </p:sp>
       <p:sp>
         <p:nvSpPr>
-          <p:cNvPr id="93188" name="Rectangle 3"/>
+          <p:cNvPr id="94212" name="Rectangle 3"/>
           <p:cNvSpPr>
             <a:spLocks noGrp="1" noChangeArrowheads="1"/>
           </p:cNvSpPr>
@@ -5977,7 +5975,7 @@
     </p:spTree>
     <p:extLst>
       <p:ext uri="{BB962C8B-B14F-4D97-AF65-F5344CB8AC3E}">
-        <p14:creationId xmlns:p14="http://schemas.microsoft.com/office/powerpoint/2010/main" val="756898537"/>
+        <p14:creationId xmlns:p14="http://schemas.microsoft.com/office/powerpoint/2010/main" val="572660336"/>
       </p:ext>
     </p:extLst>
   </p:cSld>
@@ -6236,7 +6234,7 @@
       </p:grpSpPr>
       <p:sp>
         <p:nvSpPr>
-          <p:cNvPr id="94210" name="Rectangle 7"/>
+          <p:cNvPr id="95234" name="Rectangle 7"/>
           <p:cNvSpPr>
             <a:spLocks noGrp="1" noChangeArrowheads="1"/>
           </p:cNvSpPr>
@@ -6368,10 +6366,10 @@
             </a:lvl9pPr>
           </a:lstStyle>
           <a:p>
-            <a:fld id="{1F642C14-A02B-4B0F-ABC2-14A05F54496B}" type="slidenum">
+            <a:fld id="{14B3C990-1D56-420D-A442-4422CD6CD73C}" type="slidenum">
               <a:rPr lang="zh-TW" altLang="en-US" sz="1300" smtClean="0"/>
               <a:pPr/>
-              <a:t>39</a:t>
+              <a:t>40</a:t>
             </a:fld>
             <a:endParaRPr lang="en-US" altLang="zh-TW" sz="1300" smtClean="0"/>
           </a:p>
@@ -6379,7 +6377,7 @@
       </p:sp>
       <p:sp>
         <p:nvSpPr>
-          <p:cNvPr id="94211" name="Rectangle 2"/>
+          <p:cNvPr id="95235" name="Rectangle 2"/>
           <p:cNvSpPr>
             <a:spLocks noGrp="1" noRot="1" noChangeAspect="1" noChangeArrowheads="1" noTextEdit="1"/>
           </p:cNvSpPr>
@@ -6393,7 +6391,7 @@
       </p:sp>
       <p:sp>
         <p:nvSpPr>
-          <p:cNvPr id="94212" name="Rectangle 3"/>
+          <p:cNvPr id="95236" name="Rectangle 3"/>
           <p:cNvSpPr>
             <a:spLocks noGrp="1" noChangeArrowheads="1"/>
           </p:cNvSpPr>
@@ -6437,7 +6435,7 @@
     </p:spTree>
     <p:extLst>
       <p:ext uri="{BB962C8B-B14F-4D97-AF65-F5344CB8AC3E}">
-        <p14:creationId xmlns:p14="http://schemas.microsoft.com/office/powerpoint/2010/main" val="572660336"/>
+        <p14:creationId xmlns:p14="http://schemas.microsoft.com/office/powerpoint/2010/main" val="1159126505"/>
       </p:ext>
     </p:extLst>
   </p:cSld>
@@ -6466,7 +6464,7 @@
       </p:grpSpPr>
       <p:sp>
         <p:nvSpPr>
-          <p:cNvPr id="95234" name="Rectangle 7"/>
+          <p:cNvPr id="96258" name="Rectangle 7"/>
           <p:cNvSpPr>
             <a:spLocks noGrp="1" noChangeArrowheads="1"/>
           </p:cNvSpPr>
@@ -6598,7 +6596,7 @@
             </a:lvl9pPr>
           </a:lstStyle>
           <a:p>
-            <a:fld id="{14B3C990-1D56-420D-A442-4422CD6CD73C}" type="slidenum">
+            <a:fld id="{92086C54-0068-4BC4-AAC8-8AA54FFEE134}" type="slidenum">
               <a:rPr lang="zh-TW" altLang="en-US" sz="1300" smtClean="0"/>
               <a:pPr/>
               <a:t>41</a:t>
@@ -6609,7 +6607,7 @@
       </p:sp>
       <p:sp>
         <p:nvSpPr>
-          <p:cNvPr id="95235" name="Rectangle 2"/>
+          <p:cNvPr id="96259" name="Rectangle 2"/>
           <p:cNvSpPr>
             <a:spLocks noGrp="1" noRot="1" noChangeAspect="1" noChangeArrowheads="1" noTextEdit="1"/>
           </p:cNvSpPr>
@@ -6623,7 +6621,7 @@
       </p:sp>
       <p:sp>
         <p:nvSpPr>
-          <p:cNvPr id="95236" name="Rectangle 3"/>
+          <p:cNvPr id="96260" name="Rectangle 3"/>
           <p:cNvSpPr>
             <a:spLocks noGrp="1" noChangeArrowheads="1"/>
           </p:cNvSpPr>
@@ -6667,7 +6665,7 @@
     </p:spTree>
     <p:extLst>
       <p:ext uri="{BB962C8B-B14F-4D97-AF65-F5344CB8AC3E}">
-        <p14:creationId xmlns:p14="http://schemas.microsoft.com/office/powerpoint/2010/main" val="1159126505"/>
+        <p14:creationId xmlns:p14="http://schemas.microsoft.com/office/powerpoint/2010/main" val="805750846"/>
       </p:ext>
     </p:extLst>
   </p:cSld>
@@ -6696,7 +6694,7 @@
       </p:grpSpPr>
       <p:sp>
         <p:nvSpPr>
-          <p:cNvPr id="96258" name="Rectangle 7"/>
+          <p:cNvPr id="97282" name="Rectangle 7"/>
           <p:cNvSpPr>
             <a:spLocks noGrp="1" noChangeArrowheads="1"/>
           </p:cNvSpPr>
@@ -6828,7 +6826,7 @@
             </a:lvl9pPr>
           </a:lstStyle>
           <a:p>
-            <a:fld id="{92086C54-0068-4BC4-AAC8-8AA54FFEE134}" type="slidenum">
+            <a:fld id="{76FDDD61-0CF2-4001-9487-7D8396DFCB4A}" type="slidenum">
               <a:rPr lang="zh-TW" altLang="en-US" sz="1300" smtClean="0"/>
               <a:pPr/>
               <a:t>42</a:t>
@@ -6839,7 +6837,7 @@
       </p:sp>
       <p:sp>
         <p:nvSpPr>
-          <p:cNvPr id="96259" name="Rectangle 2"/>
+          <p:cNvPr id="97283" name="Rectangle 2"/>
           <p:cNvSpPr>
             <a:spLocks noGrp="1" noRot="1" noChangeAspect="1" noChangeArrowheads="1" noTextEdit="1"/>
           </p:cNvSpPr>
@@ -6853,7 +6851,7 @@
       </p:sp>
       <p:sp>
         <p:nvSpPr>
-          <p:cNvPr id="96260" name="Rectangle 3"/>
+          <p:cNvPr id="97284" name="Rectangle 3"/>
           <p:cNvSpPr>
             <a:spLocks noGrp="1" noChangeArrowheads="1"/>
           </p:cNvSpPr>
@@ -6897,7 +6895,7 @@
     </p:spTree>
     <p:extLst>
       <p:ext uri="{BB962C8B-B14F-4D97-AF65-F5344CB8AC3E}">
-        <p14:creationId xmlns:p14="http://schemas.microsoft.com/office/powerpoint/2010/main" val="805750846"/>
+        <p14:creationId xmlns:p14="http://schemas.microsoft.com/office/powerpoint/2010/main" val="1632621729"/>
       </p:ext>
     </p:extLst>
   </p:cSld>
@@ -6926,7 +6924,7 @@
       </p:grpSpPr>
       <p:sp>
         <p:nvSpPr>
-          <p:cNvPr id="97282" name="Rectangle 7"/>
+          <p:cNvPr id="98306" name="Rectangle 7"/>
           <p:cNvSpPr>
             <a:spLocks noGrp="1" noChangeArrowheads="1"/>
           </p:cNvSpPr>
@@ -7058,10 +7056,10 @@
             </a:lvl9pPr>
           </a:lstStyle>
           <a:p>
-            <a:fld id="{76FDDD61-0CF2-4001-9487-7D8396DFCB4A}" type="slidenum">
+            <a:fld id="{65F63C84-6F96-483D-BEDF-8BC5AA5BE80D}" type="slidenum">
               <a:rPr lang="zh-TW" altLang="en-US" sz="1300" smtClean="0"/>
               <a:pPr/>
-              <a:t>43</a:t>
+              <a:t>44</a:t>
             </a:fld>
             <a:endParaRPr lang="en-US" altLang="zh-TW" sz="1300" smtClean="0"/>
           </a:p>
@@ -7069,7 +7067,7 @@
       </p:sp>
       <p:sp>
         <p:nvSpPr>
-          <p:cNvPr id="97283" name="Rectangle 2"/>
+          <p:cNvPr id="98307" name="Rectangle 2"/>
           <p:cNvSpPr>
             <a:spLocks noGrp="1" noRot="1" noChangeAspect="1" noChangeArrowheads="1" noTextEdit="1"/>
           </p:cNvSpPr>
@@ -7083,7 +7081,7 @@
       </p:sp>
       <p:sp>
         <p:nvSpPr>
-          <p:cNvPr id="97284" name="Rectangle 3"/>
+          <p:cNvPr id="98308" name="Rectangle 3"/>
           <p:cNvSpPr>
             <a:spLocks noGrp="1" noChangeArrowheads="1"/>
           </p:cNvSpPr>
@@ -7127,7 +7125,7 @@
     </p:spTree>
     <p:extLst>
       <p:ext uri="{BB962C8B-B14F-4D97-AF65-F5344CB8AC3E}">
-        <p14:creationId xmlns:p14="http://schemas.microsoft.com/office/powerpoint/2010/main" val="1632621729"/>
+        <p14:creationId xmlns:p14="http://schemas.microsoft.com/office/powerpoint/2010/main" val="1100661313"/>
       </p:ext>
     </p:extLst>
   </p:cSld>
@@ -7156,7 +7154,7 @@
       </p:grpSpPr>
       <p:sp>
         <p:nvSpPr>
-          <p:cNvPr id="98306" name="Rectangle 7"/>
+          <p:cNvPr id="99330" name="Rectangle 7"/>
           <p:cNvSpPr>
             <a:spLocks noGrp="1" noChangeArrowheads="1"/>
           </p:cNvSpPr>
@@ -7288,7 +7286,7 @@
             </a:lvl9pPr>
           </a:lstStyle>
           <a:p>
-            <a:fld id="{65F63C84-6F96-483D-BEDF-8BC5AA5BE80D}" type="slidenum">
+            <a:fld id="{7B6D5E4E-BC30-472C-B163-A0FDE8C2E9C9}" type="slidenum">
               <a:rPr lang="zh-TW" altLang="en-US" sz="1300" smtClean="0"/>
               <a:pPr/>
               <a:t>45</a:t>
@@ -7299,7 +7297,7 @@
       </p:sp>
       <p:sp>
         <p:nvSpPr>
-          <p:cNvPr id="98307" name="Rectangle 2"/>
+          <p:cNvPr id="99331" name="Rectangle 2"/>
           <p:cNvSpPr>
             <a:spLocks noGrp="1" noRot="1" noChangeAspect="1" noChangeArrowheads="1" noTextEdit="1"/>
           </p:cNvSpPr>
@@ -7313,7 +7311,7 @@
       </p:sp>
       <p:sp>
         <p:nvSpPr>
-          <p:cNvPr id="98308" name="Rectangle 3"/>
+          <p:cNvPr id="99332" name="Rectangle 3"/>
           <p:cNvSpPr>
             <a:spLocks noGrp="1" noChangeArrowheads="1"/>
           </p:cNvSpPr>
@@ -7357,7 +7355,7 @@
     </p:spTree>
     <p:extLst>
       <p:ext uri="{BB962C8B-B14F-4D97-AF65-F5344CB8AC3E}">
-        <p14:creationId xmlns:p14="http://schemas.microsoft.com/office/powerpoint/2010/main" val="1100661313"/>
+        <p14:creationId xmlns:p14="http://schemas.microsoft.com/office/powerpoint/2010/main" val="1433925857"/>
       </p:ext>
     </p:extLst>
   </p:cSld>
@@ -7386,7 +7384,7 @@
       </p:grpSpPr>
       <p:sp>
         <p:nvSpPr>
-          <p:cNvPr id="99330" name="Rectangle 7"/>
+          <p:cNvPr id="100354" name="Rectangle 7"/>
           <p:cNvSpPr>
             <a:spLocks noGrp="1" noChangeArrowheads="1"/>
           </p:cNvSpPr>
@@ -7518,7 +7516,7 @@
             </a:lvl9pPr>
           </a:lstStyle>
           <a:p>
-            <a:fld id="{7B6D5E4E-BC30-472C-B163-A0FDE8C2E9C9}" type="slidenum">
+            <a:fld id="{428FCC26-6C01-4A40-8C69-099DC2F34F5B}" type="slidenum">
               <a:rPr lang="zh-TW" altLang="en-US" sz="1300" smtClean="0"/>
               <a:pPr/>
               <a:t>46</a:t>
@@ -7529,7 +7527,7 @@
       </p:sp>
       <p:sp>
         <p:nvSpPr>
-          <p:cNvPr id="99331" name="Rectangle 2"/>
+          <p:cNvPr id="100355" name="Rectangle 2"/>
           <p:cNvSpPr>
             <a:spLocks noGrp="1" noRot="1" noChangeAspect="1" noChangeArrowheads="1" noTextEdit="1"/>
           </p:cNvSpPr>
@@ -7543,7 +7541,7 @@
       </p:sp>
       <p:sp>
         <p:nvSpPr>
-          <p:cNvPr id="99332" name="Rectangle 3"/>
+          <p:cNvPr id="100356" name="Rectangle 3"/>
           <p:cNvSpPr>
             <a:spLocks noGrp="1" noChangeArrowheads="1"/>
           </p:cNvSpPr>
@@ -7587,7 +7585,7 @@
     </p:spTree>
     <p:extLst>
       <p:ext uri="{BB962C8B-B14F-4D97-AF65-F5344CB8AC3E}">
-        <p14:creationId xmlns:p14="http://schemas.microsoft.com/office/powerpoint/2010/main" val="1433925857"/>
+        <p14:creationId xmlns:p14="http://schemas.microsoft.com/office/powerpoint/2010/main" val="1141616124"/>
       </p:ext>
     </p:extLst>
   </p:cSld>
@@ -7616,7 +7614,7 @@
       </p:grpSpPr>
       <p:sp>
         <p:nvSpPr>
-          <p:cNvPr id="100354" name="Rectangle 7"/>
+          <p:cNvPr id="101378" name="Rectangle 7"/>
           <p:cNvSpPr>
             <a:spLocks noGrp="1" noChangeArrowheads="1"/>
           </p:cNvSpPr>
@@ -7748,7 +7746,7 @@
             </a:lvl9pPr>
           </a:lstStyle>
           <a:p>
-            <a:fld id="{428FCC26-6C01-4A40-8C69-099DC2F34F5B}" type="slidenum">
+            <a:fld id="{1B80D191-93BF-413A-84D4-B7D05D81D792}" type="slidenum">
               <a:rPr lang="zh-TW" altLang="en-US" sz="1300" smtClean="0"/>
               <a:pPr/>
               <a:t>47</a:t>
@@ -7759,7 +7757,7 @@
       </p:sp>
       <p:sp>
         <p:nvSpPr>
-          <p:cNvPr id="100355" name="Rectangle 2"/>
+          <p:cNvPr id="101379" name="Rectangle 2"/>
           <p:cNvSpPr>
             <a:spLocks noGrp="1" noRot="1" noChangeAspect="1" noChangeArrowheads="1" noTextEdit="1"/>
           </p:cNvSpPr>
@@ -7773,7 +7771,7 @@
       </p:sp>
       <p:sp>
         <p:nvSpPr>
-          <p:cNvPr id="100356" name="Rectangle 3"/>
+          <p:cNvPr id="101380" name="Rectangle 3"/>
           <p:cNvSpPr>
             <a:spLocks noGrp="1" noChangeArrowheads="1"/>
           </p:cNvSpPr>
@@ -7817,7 +7815,7 @@
     </p:spTree>
     <p:extLst>
       <p:ext uri="{BB962C8B-B14F-4D97-AF65-F5344CB8AC3E}">
-        <p14:creationId xmlns:p14="http://schemas.microsoft.com/office/powerpoint/2010/main" val="1141616124"/>
+        <p14:creationId xmlns:p14="http://schemas.microsoft.com/office/powerpoint/2010/main" val="84353895"/>
       </p:ext>
     </p:extLst>
   </p:cSld>
@@ -8047,7 +8045,7 @@
     </p:spTree>
     <p:extLst>
       <p:ext uri="{BB962C8B-B14F-4D97-AF65-F5344CB8AC3E}">
-        <p14:creationId xmlns:p14="http://schemas.microsoft.com/office/powerpoint/2010/main" val="84353895"/>
+        <p14:creationId xmlns:p14="http://schemas.microsoft.com/office/powerpoint/2010/main" val="699690861"/>
       </p:ext>
     </p:extLst>
   </p:cSld>
@@ -8076,7 +8074,7 @@
       </p:grpSpPr>
       <p:sp>
         <p:nvSpPr>
-          <p:cNvPr id="101378" name="Rectangle 7"/>
+          <p:cNvPr id="102402" name="Rectangle 7"/>
           <p:cNvSpPr>
             <a:spLocks noGrp="1" noChangeArrowheads="1"/>
           </p:cNvSpPr>
@@ -8208,7 +8206,7 @@
             </a:lvl9pPr>
           </a:lstStyle>
           <a:p>
-            <a:fld id="{1B80D191-93BF-413A-84D4-B7D05D81D792}" type="slidenum">
+            <a:fld id="{874A9086-56B5-487B-B477-1FAA6332E284}" type="slidenum">
               <a:rPr lang="zh-TW" altLang="en-US" sz="1300" smtClean="0"/>
               <a:pPr/>
               <a:t>49</a:t>
@@ -8219,7 +8217,7 @@
       </p:sp>
       <p:sp>
         <p:nvSpPr>
-          <p:cNvPr id="101379" name="Rectangle 2"/>
+          <p:cNvPr id="102403" name="Rectangle 2"/>
           <p:cNvSpPr>
             <a:spLocks noGrp="1" noRot="1" noChangeAspect="1" noChangeArrowheads="1" noTextEdit="1"/>
           </p:cNvSpPr>
@@ -8233,7 +8231,7 @@
       </p:sp>
       <p:sp>
         <p:nvSpPr>
-          <p:cNvPr id="101380" name="Rectangle 3"/>
+          <p:cNvPr id="102404" name="Rectangle 3"/>
           <p:cNvSpPr>
             <a:spLocks noGrp="1" noChangeArrowheads="1"/>
           </p:cNvSpPr>
@@ -8277,7 +8275,7 @@
     </p:spTree>
     <p:extLst>
       <p:ext uri="{BB962C8B-B14F-4D97-AF65-F5344CB8AC3E}">
-        <p14:creationId xmlns:p14="http://schemas.microsoft.com/office/powerpoint/2010/main" val="699690861"/>
+        <p14:creationId xmlns:p14="http://schemas.microsoft.com/office/powerpoint/2010/main" val="939819582"/>
       </p:ext>
     </p:extLst>
   </p:cSld>
@@ -8306,7 +8304,7 @@
       </p:grpSpPr>
       <p:sp>
         <p:nvSpPr>
-          <p:cNvPr id="102402" name="Rectangle 7"/>
+          <p:cNvPr id="103426" name="Rectangle 7"/>
           <p:cNvSpPr>
             <a:spLocks noGrp="1" noChangeArrowheads="1"/>
           </p:cNvSpPr>
@@ -8438,7 +8436,7 @@
             </a:lvl9pPr>
           </a:lstStyle>
           <a:p>
-            <a:fld id="{874A9086-56B5-487B-B477-1FAA6332E284}" type="slidenum">
+            <a:fld id="{F33B9B09-6922-4727-914C-1484DFB2F967}" type="slidenum">
               <a:rPr lang="zh-TW" altLang="en-US" sz="1300" smtClean="0"/>
               <a:pPr/>
               <a:t>50</a:t>
@@ -8449,7 +8447,7 @@
       </p:sp>
       <p:sp>
         <p:nvSpPr>
-          <p:cNvPr id="102403" name="Rectangle 2"/>
+          <p:cNvPr id="103427" name="Rectangle 2"/>
           <p:cNvSpPr>
             <a:spLocks noGrp="1" noRot="1" noChangeAspect="1" noChangeArrowheads="1" noTextEdit="1"/>
           </p:cNvSpPr>
@@ -8463,7 +8461,7 @@
       </p:sp>
       <p:sp>
         <p:nvSpPr>
-          <p:cNvPr id="102404" name="Rectangle 3"/>
+          <p:cNvPr id="103428" name="Rectangle 3"/>
           <p:cNvSpPr>
             <a:spLocks noGrp="1" noChangeArrowheads="1"/>
           </p:cNvSpPr>
@@ -8507,7 +8505,7 @@
     </p:spTree>
     <p:extLst>
       <p:ext uri="{BB962C8B-B14F-4D97-AF65-F5344CB8AC3E}">
-        <p14:creationId xmlns:p14="http://schemas.microsoft.com/office/powerpoint/2010/main" val="939819582"/>
+        <p14:creationId xmlns:p14="http://schemas.microsoft.com/office/powerpoint/2010/main" val="2001100545"/>
       </p:ext>
     </p:extLst>
   </p:cSld>
@@ -8766,7 +8764,7 @@
       </p:grpSpPr>
       <p:sp>
         <p:nvSpPr>
-          <p:cNvPr id="103426" name="Rectangle 7"/>
+          <p:cNvPr id="104450" name="Rectangle 7"/>
           <p:cNvSpPr>
             <a:spLocks noGrp="1" noChangeArrowheads="1"/>
           </p:cNvSpPr>
@@ -8898,240 +8896,10 @@
             </a:lvl9pPr>
           </a:lstStyle>
           <a:p>
-            <a:fld id="{F33B9B09-6922-4727-914C-1484DFB2F967}" type="slidenum">
-              <a:rPr lang="zh-TW" altLang="en-US" sz="1300" smtClean="0"/>
-              <a:pPr/>
-              <a:t>51</a:t>
-            </a:fld>
-            <a:endParaRPr lang="en-US" altLang="zh-TW" sz="1300" smtClean="0"/>
-          </a:p>
-        </p:txBody>
-      </p:sp>
-      <p:sp>
-        <p:nvSpPr>
-          <p:cNvPr id="103427" name="Rectangle 2"/>
-          <p:cNvSpPr>
-            <a:spLocks noGrp="1" noRot="1" noChangeAspect="1" noChangeArrowheads="1" noTextEdit="1"/>
-          </p:cNvSpPr>
-          <p:nvPr>
-            <p:ph type="sldImg"/>
-          </p:nvPr>
-        </p:nvSpPr>
-        <p:spPr>
-          <a:ln/>
-        </p:spPr>
-      </p:sp>
-      <p:sp>
-        <p:nvSpPr>
-          <p:cNvPr id="103428" name="Rectangle 3"/>
-          <p:cNvSpPr>
-            <a:spLocks noGrp="1" noChangeArrowheads="1"/>
-          </p:cNvSpPr>
-          <p:nvPr>
-            <p:ph type="body" idx="1"/>
-          </p:nvPr>
-        </p:nvSpPr>
-        <p:spPr>
-          <a:noFill/>
-          <a:ln w="9525"/>
-          <a:extLst>
-            <a:ext uri="{909E8E84-426E-40DD-AFC4-6F175D3DCCD1}">
-              <a14:hiddenFill xmlns:a14="http://schemas.microsoft.com/office/drawing/2010/main">
-                <a:solidFill>
-                  <a:srgbClr val="FFFFFF"/>
-                </a:solidFill>
-              </a14:hiddenFill>
-            </a:ext>
-            <a:ext uri="{91240B29-F687-4F45-9708-019B960494DF}">
-              <a14:hiddenLine xmlns:a14="http://schemas.microsoft.com/office/drawing/2010/main" w="9525">
-                <a:solidFill>
-                  <a:srgbClr val="000000"/>
-                </a:solidFill>
-                <a:miter lim="800000"/>
-                <a:headEnd type="none" w="sm" len="sm"/>
-                <a:tailEnd type="none" w="sm" len="sm"/>
-              </a14:hiddenLine>
-            </a:ext>
-          </a:extLst>
-        </p:spPr>
-        <p:txBody>
-          <a:bodyPr/>
-          <a:lstStyle/>
-          <a:p>
-            <a:endParaRPr lang="zh-TW" altLang="zh-TW" smtClean="0">
-              <a:latin typeface="Times New Roman" pitchFamily="18" charset="0"/>
-            </a:endParaRPr>
-          </a:p>
-        </p:txBody>
-      </p:sp>
-    </p:spTree>
-    <p:extLst>
-      <p:ext uri="{BB962C8B-B14F-4D97-AF65-F5344CB8AC3E}">
-        <p14:creationId xmlns:p14="http://schemas.microsoft.com/office/powerpoint/2010/main" val="2001100545"/>
-      </p:ext>
-    </p:extLst>
-  </p:cSld>
-  <p:clrMapOvr>
-    <a:masterClrMapping/>
-  </p:clrMapOvr>
-</p:notes>
-</file>
-
-<file path=ppt/notesSlides/notesSlide41.xml><?xml version="1.0" encoding="utf-8"?>
-<p:notes xmlns:a="http://schemas.openxmlformats.org/drawingml/2006/main" xmlns:r="http://schemas.openxmlformats.org/officeDocument/2006/relationships" xmlns:p="http://schemas.openxmlformats.org/presentationml/2006/main">
-  <p:cSld>
-    <p:spTree>
-      <p:nvGrpSpPr>
-        <p:cNvPr id="1" name=""/>
-        <p:cNvGrpSpPr/>
-        <p:nvPr/>
-      </p:nvGrpSpPr>
-      <p:grpSpPr>
-        <a:xfrm>
-          <a:off x="0" y="0"/>
-          <a:ext cx="0" cy="0"/>
-          <a:chOff x="0" y="0"/>
-          <a:chExt cx="0" cy="0"/>
-        </a:xfrm>
-      </p:grpSpPr>
-      <p:sp>
-        <p:nvSpPr>
-          <p:cNvPr id="104450" name="Rectangle 7"/>
-          <p:cNvSpPr>
-            <a:spLocks noGrp="1" noChangeArrowheads="1"/>
-          </p:cNvSpPr>
-          <p:nvPr>
-            <p:ph type="sldNum" sz="quarter" idx="5"/>
-          </p:nvPr>
-        </p:nvSpPr>
-        <p:spPr>
-          <a:noFill/>
-          <a:ln w="9525"/>
-          <a:extLst>
-            <a:ext uri="{909E8E84-426E-40DD-AFC4-6F175D3DCCD1}">
-              <a14:hiddenFill xmlns:a14="http://schemas.microsoft.com/office/drawing/2010/main">
-                <a:solidFill>
-                  <a:srgbClr val="FFFFFF"/>
-                </a:solidFill>
-              </a14:hiddenFill>
-            </a:ext>
-            <a:ext uri="{91240B29-F687-4F45-9708-019B960494DF}">
-              <a14:hiddenLine xmlns:a14="http://schemas.microsoft.com/office/drawing/2010/main" w="12700">
-                <a:solidFill>
-                  <a:srgbClr val="000000"/>
-                </a:solidFill>
-                <a:miter lim="800000"/>
-                <a:headEnd type="none" w="sm" len="sm"/>
-                <a:tailEnd type="none" w="sm" len="sm"/>
-              </a14:hiddenLine>
-            </a:ext>
-          </a:extLst>
-        </p:spPr>
-        <p:txBody>
-          <a:bodyPr/>
-          <a:lstStyle>
-            <a:lvl1pPr eaLnBrk="0" hangingPunct="0">
-              <a:defRPr sz="2400">
-                <a:solidFill>
-                  <a:schemeClr val="tx1"/>
-                </a:solidFill>
-                <a:latin typeface="Times New Roman" pitchFamily="18" charset="0"/>
-              </a:defRPr>
-            </a:lvl1pPr>
-            <a:lvl2pPr marL="742950" indent="-285750" eaLnBrk="0" hangingPunct="0">
-              <a:defRPr sz="2400">
-                <a:solidFill>
-                  <a:schemeClr val="tx1"/>
-                </a:solidFill>
-                <a:latin typeface="Times New Roman" pitchFamily="18" charset="0"/>
-              </a:defRPr>
-            </a:lvl2pPr>
-            <a:lvl3pPr marL="1143000" indent="-228600" eaLnBrk="0" hangingPunct="0">
-              <a:defRPr sz="2400">
-                <a:solidFill>
-                  <a:schemeClr val="tx1"/>
-                </a:solidFill>
-                <a:latin typeface="Times New Roman" pitchFamily="18" charset="0"/>
-              </a:defRPr>
-            </a:lvl3pPr>
-            <a:lvl4pPr marL="1600200" indent="-228600" eaLnBrk="0" hangingPunct="0">
-              <a:defRPr sz="2400">
-                <a:solidFill>
-                  <a:schemeClr val="tx1"/>
-                </a:solidFill>
-                <a:latin typeface="Times New Roman" pitchFamily="18" charset="0"/>
-              </a:defRPr>
-            </a:lvl4pPr>
-            <a:lvl5pPr marL="2057400" indent="-228600" eaLnBrk="0" hangingPunct="0">
-              <a:defRPr sz="2400">
-                <a:solidFill>
-                  <a:schemeClr val="tx1"/>
-                </a:solidFill>
-                <a:latin typeface="Times New Roman" pitchFamily="18" charset="0"/>
-              </a:defRPr>
-            </a:lvl5pPr>
-            <a:lvl6pPr marL="2514600" indent="-228600" eaLnBrk="0" fontAlgn="base" hangingPunct="0">
-              <a:spcBef>
-                <a:spcPct val="0"/>
-              </a:spcBef>
-              <a:spcAft>
-                <a:spcPct val="0"/>
-              </a:spcAft>
-              <a:defRPr sz="2400">
-                <a:solidFill>
-                  <a:schemeClr val="tx1"/>
-                </a:solidFill>
-                <a:latin typeface="Times New Roman" pitchFamily="18" charset="0"/>
-              </a:defRPr>
-            </a:lvl6pPr>
-            <a:lvl7pPr marL="2971800" indent="-228600" eaLnBrk="0" fontAlgn="base" hangingPunct="0">
-              <a:spcBef>
-                <a:spcPct val="0"/>
-              </a:spcBef>
-              <a:spcAft>
-                <a:spcPct val="0"/>
-              </a:spcAft>
-              <a:defRPr sz="2400">
-                <a:solidFill>
-                  <a:schemeClr val="tx1"/>
-                </a:solidFill>
-                <a:latin typeface="Times New Roman" pitchFamily="18" charset="0"/>
-              </a:defRPr>
-            </a:lvl7pPr>
-            <a:lvl8pPr marL="3429000" indent="-228600" eaLnBrk="0" fontAlgn="base" hangingPunct="0">
-              <a:spcBef>
-                <a:spcPct val="0"/>
-              </a:spcBef>
-              <a:spcAft>
-                <a:spcPct val="0"/>
-              </a:spcAft>
-              <a:defRPr sz="2400">
-                <a:solidFill>
-                  <a:schemeClr val="tx1"/>
-                </a:solidFill>
-                <a:latin typeface="Times New Roman" pitchFamily="18" charset="0"/>
-              </a:defRPr>
-            </a:lvl8pPr>
-            <a:lvl9pPr marL="3886200" indent="-228600" eaLnBrk="0" fontAlgn="base" hangingPunct="0">
-              <a:spcBef>
-                <a:spcPct val="0"/>
-              </a:spcBef>
-              <a:spcAft>
-                <a:spcPct val="0"/>
-              </a:spcAft>
-              <a:defRPr sz="2400">
-                <a:solidFill>
-                  <a:schemeClr val="tx1"/>
-                </a:solidFill>
-                <a:latin typeface="Times New Roman" pitchFamily="18" charset="0"/>
-              </a:defRPr>
-            </a:lvl9pPr>
-          </a:lstStyle>
-          <a:p>
             <a:fld id="{07346091-4DA9-4583-A58B-8B16EE350C73}" type="slidenum">
               <a:rPr lang="zh-TW" altLang="en-US" sz="1300" smtClean="0"/>
               <a:pPr/>
-              <a:t>54</a:t>
+              <a:t>52</a:t>
             </a:fld>
             <a:endParaRPr lang="en-US" altLang="zh-TW" sz="1300" smtClean="0"/>
           </a:p>
@@ -10981,8 +10749,8 @@
             <a:noFill/>
           </a:ln>
           <a:extLst>
-            <a:ext uri="{91240B29-F687-4f45-9708-019B960494DF}">
-              <a14:hiddenLine xmlns:a14="http://schemas.microsoft.com/office/drawing/2010/main" xmlns="" w="9525">
+            <a:ext uri="{91240B29-F687-4F45-9708-019B960494DF}">
+              <a14:hiddenLine xmlns:a14="http://schemas.microsoft.com/office/drawing/2010/main" w="9525">
                 <a:solidFill>
                   <a:srgbClr val="000000"/>
                 </a:solidFill>
@@ -11036,8 +10804,8 @@
             <a:noFill/>
           </a:ln>
           <a:extLst>
-            <a:ext uri="{91240B29-F687-4f45-9708-019B960494DF}">
-              <a14:hiddenLine xmlns:a14="http://schemas.microsoft.com/office/drawing/2010/main" xmlns="" w="9525">
+            <a:ext uri="{91240B29-F687-4F45-9708-019B960494DF}">
+              <a14:hiddenLine xmlns:a14="http://schemas.microsoft.com/office/drawing/2010/main" w="9525">
                 <a:solidFill>
                   <a:srgbClr val="000000"/>
                 </a:solidFill>
@@ -18253,19 +18021,36 @@
           <a:p>
             <a:r>
               <a:rPr lang="en-US" altLang="zh-TW" dirty="0" smtClean="0"/>
-              <a:t>Compatible for Linux, Unix, Mac OS X and Windows</a:t>
-            </a:r>
-          </a:p>
-          <a:p>
+              <a:t>Compatible for Linux</a:t>
+            </a:r>
             <a:r>
               <a:rPr lang="en-US" altLang="zh-TW" dirty="0" smtClean="0"/>
-              <a:t>Comes with Red Hat 9.0</a:t>
-            </a:r>
-          </a:p>
-          <a:p>
+              <a:t>, </a:t>
+            </a:r>
             <a:r>
               <a:rPr lang="en-US" altLang="zh-TW" dirty="0" smtClean="0"/>
-              <a:t>Best work with Apache, </a:t>
+              <a:t>Mac OS X and </a:t>
+            </a:r>
+            <a:r>
+              <a:rPr lang="en-US" altLang="zh-TW" dirty="0" smtClean="0"/>
+              <a:t>Windows</a:t>
+            </a:r>
+          </a:p>
+          <a:p>
+            <a:r>
+              <a:rPr lang="en-US" altLang="zh-TW" dirty="0" smtClean="0"/>
+              <a:t>Android</a:t>
+            </a:r>
+            <a:endParaRPr lang="en-US" altLang="zh-TW" dirty="0" smtClean="0"/>
+          </a:p>
+          <a:p>
+            <a:r>
+              <a:rPr lang="en-US" altLang="zh-TW" dirty="0" smtClean="0"/>
+              <a:t>Best </a:t>
+            </a:r>
+            <a:r>
+              <a:rPr lang="en-US" altLang="zh-TW" dirty="0" smtClean="0"/>
+              <a:t>work with Apache, </a:t>
             </a:r>
             <a:r>
               <a:rPr lang="en-US" altLang="zh-TW" dirty="0" err="1" smtClean="0"/>
@@ -18276,7 +18061,11 @@
           <a:p>
             <a:r>
               <a:rPr lang="en-US" altLang="zh-TW" dirty="0" smtClean="0"/>
-              <a:t>Works on IIS</a:t>
+              <a:t>Also work </a:t>
+            </a:r>
+            <a:r>
+              <a:rPr lang="en-US" altLang="zh-TW" dirty="0" smtClean="0"/>
+              <a:t>on IIS</a:t>
             </a:r>
           </a:p>
         </p:txBody>
@@ -18504,13 +18293,11 @@
           <a:p>
             <a:r>
               <a:rPr lang="en-US" altLang="zh-TW" dirty="0" smtClean="0"/>
-              <a:t>Using CGI concepts</a:t>
-            </a:r>
-          </a:p>
-          <a:p>
+              <a:t>Using </a:t>
+            </a:r>
             <a:r>
               <a:rPr lang="en-US" altLang="zh-TW" dirty="0" smtClean="0"/>
-              <a:t>Using programming syntax</a:t>
+              <a:t>programming syntax</a:t>
             </a:r>
           </a:p>
         </p:txBody>
@@ -18593,7 +18380,9 @@
         </p:nvSpPr>
         <p:spPr/>
         <p:txBody>
-          <a:bodyPr/>
+          <a:bodyPr>
+            <a:normAutofit lnSpcReduction="10000"/>
+          </a:bodyPr>
           <a:lstStyle/>
           <a:p>
             <a:r>
@@ -18610,8 +18399,19 @@
           <a:p>
             <a:r>
               <a:rPr lang="en-US" altLang="zh-TW" dirty="0" smtClean="0"/>
-              <a:t>Built-in libraries for many common web tasks</a:t>
-            </a:r>
+              <a:t>Built-in libraries for many common web </a:t>
+            </a:r>
+            <a:r>
+              <a:rPr lang="en-US" altLang="zh-TW" dirty="0" smtClean="0"/>
+              <a:t>tasks</a:t>
+            </a:r>
+          </a:p>
+          <a:p>
+            <a:r>
+              <a:rPr lang="en-US" altLang="zh-TW" dirty="0" smtClean="0"/>
+              <a:t>Many free out-of-the-box system ready to use</a:t>
+            </a:r>
+            <a:endParaRPr lang="en-US" altLang="zh-TW" dirty="0" smtClean="0"/>
           </a:p>
           <a:p>
             <a:r>
@@ -18717,46 +18517,53 @@
           <a:lstStyle/>
           <a:p>
             <a:r>
-              <a:rPr lang="en-US" altLang="zh-TW" smtClean="0"/>
+              <a:rPr lang="en-US" altLang="zh-TW" dirty="0" smtClean="0"/>
               <a:t>How to upload</a:t>
             </a:r>
           </a:p>
           <a:p>
             <a:r>
-              <a:rPr lang="en-US" altLang="zh-TW" smtClean="0"/>
-              <a:t>Phpinfo();</a:t>
-            </a:r>
-          </a:p>
-          <a:p>
-            <a:r>
-              <a:rPr lang="en-US" altLang="zh-TW" smtClean="0"/>
+              <a:rPr lang="en-US" altLang="zh-TW" dirty="0" err="1"/>
+              <a:t>p</a:t>
+            </a:r>
+            <a:r>
+              <a:rPr lang="en-US" altLang="zh-TW" dirty="0" err="1" smtClean="0"/>
+              <a:t>hpinfo</a:t>
+            </a:r>
+            <a:r>
+              <a:rPr lang="en-US" altLang="zh-TW" dirty="0" smtClean="0"/>
+              <a:t>();</a:t>
+            </a:r>
+          </a:p>
+          <a:p>
+            <a:r>
+              <a:rPr lang="en-US" altLang="zh-TW" dirty="0" smtClean="0"/>
               <a:t>echo</a:t>
             </a:r>
           </a:p>
           <a:p>
             <a:r>
-              <a:rPr lang="en-US" altLang="zh-TW" smtClean="0"/>
+              <a:rPr lang="en-US" altLang="zh-TW" dirty="0" smtClean="0"/>
               <a:t>Function</a:t>
             </a:r>
           </a:p>
           <a:p>
             <a:r>
-              <a:rPr lang="en-US" altLang="zh-TW" smtClean="0"/>
+              <a:rPr lang="en-US" altLang="zh-TW" dirty="0" smtClean="0"/>
               <a:t>Variables</a:t>
             </a:r>
           </a:p>
           <a:p>
             <a:r>
-              <a:rPr lang="en-US" altLang="zh-TW" smtClean="0"/>
+              <a:rPr lang="en-US" altLang="zh-TW" dirty="0" smtClean="0"/>
               <a:t>Operands</a:t>
             </a:r>
           </a:p>
           <a:p>
             <a:r>
-              <a:rPr lang="en-US" altLang="zh-TW" smtClean="0"/>
+              <a:rPr lang="en-US" altLang="zh-TW" dirty="0" smtClean="0"/>
               <a:t>pre- &amp; post-increment</a:t>
             </a:r>
-            <a:endParaRPr lang="en-US" altLang="zh-TW" dirty="0" smtClean="0"/>
           </a:p>
         </p:txBody>
       </p:sp>
@@ -18856,8 +18663,19 @@
           <a:p>
             <a:r>
               <a:rPr lang="en-US" altLang="zh-TW" dirty="0"/>
-              <a:t>Save it to C:\AppServ\www</a:t>
-            </a:r>
+              <a:t>Save it to C:\</a:t>
+            </a:r>
+            <a:r>
+              <a:rPr lang="en-US" altLang="zh-TW" dirty="0" smtClean="0"/>
+              <a:t>AppServ\www</a:t>
+            </a:r>
+          </a:p>
+          <a:p>
+            <a:r>
+              <a:rPr lang="en-US" altLang="zh-TW" dirty="0" smtClean="0"/>
+              <a:t>Save as index.html</a:t>
+            </a:r>
+            <a:endParaRPr lang="en-US" altLang="zh-TW" dirty="0"/>
           </a:p>
           <a:p>
             <a:r>
@@ -19038,9 +18856,238 @@
           <a:chExt cx="0" cy="0"/>
         </a:xfrm>
       </p:grpSpPr>
-      <p:sp>
-        <p:nvSpPr>
-          <p:cNvPr id="36866" name="Rectangle 2"/>
+      <p:pic>
+        <p:nvPicPr>
+          <p:cNvPr id="1027" name="Picture 3"/>
+          <p:cNvPicPr>
+            <a:picLocks noChangeAspect="1" noChangeArrowheads="1"/>
+          </p:cNvPicPr>
+          <p:nvPr/>
+        </p:nvPicPr>
+        <p:blipFill>
+          <a:blip r:embed="rId2">
+            <a:extLst>
+              <a:ext uri="{28A0092B-C50C-407E-A947-70E740481C1C}">
+                <a14:useLocalDpi xmlns:a14="http://schemas.microsoft.com/office/drawing/2010/main" val="0"/>
+              </a:ext>
+            </a:extLst>
+          </a:blip>
+          <a:srcRect/>
+          <a:stretch>
+            <a:fillRect/>
+          </a:stretch>
+        </p:blipFill>
+        <p:spPr bwMode="auto">
+          <a:xfrm>
+            <a:off x="0" y="21377"/>
+            <a:ext cx="5715000" cy="4762500"/>
+          </a:xfrm>
+          <a:prstGeom prst="rect">
+            <a:avLst/>
+          </a:prstGeom>
+          <a:noFill/>
+          <a:ln>
+            <a:noFill/>
+          </a:ln>
+          <a:effectLst/>
+          <a:extLst>
+            <a:ext uri="{909E8E84-426E-40DD-AFC4-6F175D3DCCD1}">
+              <a14:hiddenFill xmlns:a14="http://schemas.microsoft.com/office/drawing/2010/main">
+                <a:solidFill>
+                  <a:schemeClr val="accent1"/>
+                </a:solidFill>
+              </a14:hiddenFill>
+            </a:ext>
+            <a:ext uri="{91240B29-F687-4F45-9708-019B960494DF}">
+              <a14:hiddenLine xmlns:a14="http://schemas.microsoft.com/office/drawing/2010/main" w="9525">
+                <a:solidFill>
+                  <a:schemeClr val="tx1"/>
+                </a:solidFill>
+                <a:miter lim="800000"/>
+                <a:headEnd/>
+                <a:tailEnd/>
+              </a14:hiddenLine>
+            </a:ext>
+            <a:ext uri="{AF507438-7753-43E0-B8FC-AC1667EBCBE1}">
+              <a14:hiddenEffects xmlns:a14="http://schemas.microsoft.com/office/drawing/2010/main">
+                <a:effectLst>
+                  <a:outerShdw dist="35921" dir="2700000" algn="ctr" rotWithShape="0">
+                    <a:schemeClr val="bg2"/>
+                  </a:outerShdw>
+                </a:effectLst>
+              </a14:hiddenEffects>
+            </a:ext>
+          </a:extLst>
+        </p:spPr>
+      </p:pic>
+      <p:pic>
+        <p:nvPicPr>
+          <p:cNvPr id="1026" name="Picture 2"/>
+          <p:cNvPicPr>
+            <a:picLocks noChangeAspect="1" noChangeArrowheads="1"/>
+          </p:cNvPicPr>
+          <p:nvPr/>
+        </p:nvPicPr>
+        <p:blipFill>
+          <a:blip r:embed="rId3">
+            <a:extLst>
+              <a:ext uri="{28A0092B-C50C-407E-A947-70E740481C1C}">
+                <a14:useLocalDpi xmlns:a14="http://schemas.microsoft.com/office/drawing/2010/main" val="0"/>
+              </a:ext>
+            </a:extLst>
+          </a:blip>
+          <a:srcRect/>
+          <a:stretch>
+            <a:fillRect/>
+          </a:stretch>
+        </p:blipFill>
+        <p:spPr bwMode="auto">
+          <a:xfrm>
+            <a:off x="1979712" y="1612069"/>
+            <a:ext cx="6086475" cy="4181475"/>
+          </a:xfrm>
+          <a:prstGeom prst="rect">
+            <a:avLst/>
+          </a:prstGeom>
+          <a:noFill/>
+          <a:ln>
+            <a:noFill/>
+          </a:ln>
+          <a:effectLst/>
+          <a:extLst>
+            <a:ext uri="{909E8E84-426E-40DD-AFC4-6F175D3DCCD1}">
+              <a14:hiddenFill xmlns:a14="http://schemas.microsoft.com/office/drawing/2010/main">
+                <a:solidFill>
+                  <a:schemeClr val="accent1"/>
+                </a:solidFill>
+              </a14:hiddenFill>
+            </a:ext>
+            <a:ext uri="{91240B29-F687-4F45-9708-019B960494DF}">
+              <a14:hiddenLine xmlns:a14="http://schemas.microsoft.com/office/drawing/2010/main" w="9525">
+                <a:solidFill>
+                  <a:schemeClr val="tx1"/>
+                </a:solidFill>
+                <a:miter lim="800000"/>
+                <a:headEnd/>
+                <a:tailEnd/>
+              </a14:hiddenLine>
+            </a:ext>
+            <a:ext uri="{AF507438-7753-43E0-B8FC-AC1667EBCBE1}">
+              <a14:hiddenEffects xmlns:a14="http://schemas.microsoft.com/office/drawing/2010/main">
+                <a:effectLst>
+                  <a:outerShdw dist="35921" dir="2700000" algn="ctr" rotWithShape="0">
+                    <a:schemeClr val="bg2"/>
+                  </a:outerShdw>
+                </a:effectLst>
+              </a14:hiddenEffects>
+            </a:ext>
+          </a:extLst>
+        </p:spPr>
+      </p:pic>
+      <p:pic>
+        <p:nvPicPr>
+          <p:cNvPr id="1028" name="Picture 4"/>
+          <p:cNvPicPr>
+            <a:picLocks noChangeAspect="1" noChangeArrowheads="1"/>
+          </p:cNvPicPr>
+          <p:nvPr/>
+        </p:nvPicPr>
+        <p:blipFill>
+          <a:blip r:embed="rId4">
+            <a:extLst>
+              <a:ext uri="{28A0092B-C50C-407E-A947-70E740481C1C}">
+                <a14:useLocalDpi xmlns:a14="http://schemas.microsoft.com/office/drawing/2010/main" val="0"/>
+              </a:ext>
+            </a:extLst>
+          </a:blip>
+          <a:srcRect/>
+          <a:stretch>
+            <a:fillRect/>
+          </a:stretch>
+        </p:blipFill>
+        <p:spPr bwMode="auto">
+          <a:xfrm>
+            <a:off x="5343814" y="4731507"/>
+            <a:ext cx="3819525" cy="2124075"/>
+          </a:xfrm>
+          <a:prstGeom prst="rect">
+            <a:avLst/>
+          </a:prstGeom>
+          <a:noFill/>
+          <a:ln>
+            <a:noFill/>
+          </a:ln>
+          <a:effectLst/>
+          <a:extLst>
+            <a:ext uri="{909E8E84-426E-40DD-AFC4-6F175D3DCCD1}">
+              <a14:hiddenFill xmlns:a14="http://schemas.microsoft.com/office/drawing/2010/main">
+                <a:solidFill>
+                  <a:schemeClr val="accent1"/>
+                </a:solidFill>
+              </a14:hiddenFill>
+            </a:ext>
+            <a:ext uri="{91240B29-F687-4F45-9708-019B960494DF}">
+              <a14:hiddenLine xmlns:a14="http://schemas.microsoft.com/office/drawing/2010/main" w="9525">
+                <a:solidFill>
+                  <a:schemeClr val="tx1"/>
+                </a:solidFill>
+                <a:miter lim="800000"/>
+                <a:headEnd/>
+                <a:tailEnd/>
+              </a14:hiddenLine>
+            </a:ext>
+            <a:ext uri="{AF507438-7753-43E0-B8FC-AC1667EBCBE1}">
+              <a14:hiddenEffects xmlns:a14="http://schemas.microsoft.com/office/drawing/2010/main">
+                <a:effectLst>
+                  <a:outerShdw dist="35921" dir="2700000" algn="ctr" rotWithShape="0">
+                    <a:schemeClr val="bg2"/>
+                  </a:outerShdw>
+                </a:effectLst>
+              </a14:hiddenEffects>
+            </a:ext>
+          </a:extLst>
+        </p:spPr>
+      </p:pic>
+    </p:spTree>
+  </p:cSld>
+  <p:clrMapOvr>
+    <a:masterClrMapping/>
+  </p:clrMapOvr>
+  <mc:AlternateContent xmlns:mc="http://schemas.openxmlformats.org/markup-compatibility/2006" xmlns:p14="http://schemas.microsoft.com/office/powerpoint/2010/main">
+    <mc:Choice Requires="p14">
+      <p:transition spd="slow" p14:dur="3900">
+        <p14:glitter pattern="hexagon"/>
+      </p:transition>
+    </mc:Choice>
+    <mc:Fallback xmlns="">
+      <p:transition spd="slow">
+        <p:fade/>
+      </p:transition>
+    </mc:Fallback>
+  </mc:AlternateContent>
+</p:sld>
+</file>
+
+<file path=ppt/slides/slide21.xml><?xml version="1.0" encoding="utf-8"?>
+<p:sld xmlns:a="http://schemas.openxmlformats.org/drawingml/2006/main" xmlns:r="http://schemas.openxmlformats.org/officeDocument/2006/relationships" xmlns:p="http://schemas.openxmlformats.org/presentationml/2006/main">
+  <p:cSld>
+    <p:spTree>
+      <p:nvGrpSpPr>
+        <p:cNvPr id="1" name=""/>
+        <p:cNvGrpSpPr/>
+        <p:nvPr/>
+      </p:nvGrpSpPr>
+      <p:grpSpPr>
+        <a:xfrm>
+          <a:off x="0" y="0"/>
+          <a:ext cx="0" cy="0"/>
+          <a:chOff x="0" y="0"/>
+          <a:chExt cx="0" cy="0"/>
+        </a:xfrm>
+      </p:grpSpPr>
+      <p:sp>
+        <p:nvSpPr>
+          <p:cNvPr id="132098" name="Rectangle 2"/>
           <p:cNvSpPr>
             <a:spLocks noGrp="1" noChangeArrowheads="1"/>
           </p:cNvSpPr>
@@ -19055,7 +19102,7 @@
           <a:p>
             <a:r>
               <a:rPr lang="en-US" altLang="zh-TW" smtClean="0"/>
-              <a:t>Uploading</a:t>
+              <a:t>First PHP page</a:t>
             </a:r>
             <a:endParaRPr lang="en-US" altLang="zh-TW" dirty="0" smtClean="0"/>
           </a:p>
@@ -19063,7 +19110,7 @@
       </p:sp>
       <p:sp>
         <p:nvSpPr>
-          <p:cNvPr id="29699" name="Rectangle 3"/>
+          <p:cNvPr id="31747" name="Rectangle 3"/>
           <p:cNvSpPr>
             <a:spLocks noGrp="1" noChangeArrowheads="1"/>
           </p:cNvSpPr>
@@ -19077,18 +19124,35 @@
           <a:lstStyle/>
           <a:p>
             <a:r>
-              <a:rPr lang="en-US" altLang="zh-TW" dirty="0"/>
-              <a:t>Save it to C:\</a:t>
-            </a:r>
-            <a:r>
-              <a:rPr lang="en-US" altLang="zh-TW" dirty="0" smtClean="0"/>
-              <a:t>AppServ\www folder.</a:t>
-            </a:r>
-          </a:p>
-          <a:p>
-            <a:r>
-              <a:rPr lang="en-US" altLang="zh-TW" dirty="0" smtClean="0"/>
-              <a:t>http://localhost:8080/filename.php</a:t>
+              <a:rPr lang="en-US" altLang="zh-TW" smtClean="0"/>
+              <a:t>Dreamweaver -&gt; File -&gt; new -&gt; Dynamic page -&gt; PHP</a:t>
+            </a:r>
+          </a:p>
+          <a:p>
+            <a:r>
+              <a:rPr lang="en-US" altLang="zh-TW" smtClean="0"/>
+              <a:t>&lt;?php</a:t>
+            </a:r>
+          </a:p>
+          <a:p>
+            <a:r>
+              <a:rPr lang="en-US" altLang="zh-TW" smtClean="0"/>
+              <a:t>phpinfo();</a:t>
+            </a:r>
+          </a:p>
+          <a:p>
+            <a:r>
+              <a:rPr lang="en-US" altLang="zh-TW" smtClean="0"/>
+              <a:t>?&gt;</a:t>
+            </a:r>
+          </a:p>
+          <a:p>
+            <a:endParaRPr lang="en-US" altLang="zh-TW" smtClean="0"/>
+          </a:p>
+          <a:p>
+            <a:r>
+              <a:rPr lang="en-US" altLang="zh-TW" smtClean="0"/>
+              <a:t>phpinfo.php</a:t>
             </a:r>
           </a:p>
         </p:txBody>
@@ -19120,135 +19184,6 @@
 </p:sld>
 </file>
 
-<file path=ppt/slides/slide21.xml><?xml version="1.0" encoding="utf-8"?>
-<p:sld xmlns:a="http://schemas.openxmlformats.org/drawingml/2006/main" xmlns:r="http://schemas.openxmlformats.org/officeDocument/2006/relationships" xmlns:p="http://schemas.openxmlformats.org/presentationml/2006/main">
-  <p:cSld>
-    <p:spTree>
-      <p:nvGrpSpPr>
-        <p:cNvPr id="1" name=""/>
-        <p:cNvGrpSpPr/>
-        <p:nvPr/>
-      </p:nvGrpSpPr>
-      <p:grpSpPr>
-        <a:xfrm>
-          <a:off x="0" y="0"/>
-          <a:ext cx="0" cy="0"/>
-          <a:chOff x="0" y="0"/>
-          <a:chExt cx="0" cy="0"/>
-        </a:xfrm>
-      </p:grpSpPr>
-      <p:sp>
-        <p:nvSpPr>
-          <p:cNvPr id="3" name="Title 2"/>
-          <p:cNvSpPr>
-            <a:spLocks noGrp="1"/>
-          </p:cNvSpPr>
-          <p:nvPr>
-            <p:ph type="title"/>
-          </p:nvPr>
-        </p:nvSpPr>
-        <p:spPr/>
-        <p:txBody>
-          <a:bodyPr/>
-          <a:lstStyle/>
-          <a:p>
-            <a:endParaRPr lang="zh-HK" altLang="en-US"/>
-          </a:p>
-        </p:txBody>
-      </p:sp>
-      <p:sp>
-        <p:nvSpPr>
-          <p:cNvPr id="4" name="Content Placeholder 3"/>
-          <p:cNvSpPr>
-            <a:spLocks noGrp="1"/>
-          </p:cNvSpPr>
-          <p:nvPr>
-            <p:ph idx="1"/>
-          </p:nvPr>
-        </p:nvSpPr>
-        <p:spPr/>
-        <p:txBody>
-          <a:bodyPr/>
-          <a:lstStyle/>
-          <a:p>
-            <a:endParaRPr lang="zh-HK" altLang="en-US"/>
-          </a:p>
-        </p:txBody>
-      </p:sp>
-      <p:pic>
-        <p:nvPicPr>
-          <p:cNvPr id="30724" name="Picture 2"/>
-          <p:cNvPicPr>
-            <a:picLocks noChangeAspect="1" noChangeArrowheads="1"/>
-          </p:cNvPicPr>
-          <p:nvPr/>
-        </p:nvPicPr>
-        <p:blipFill>
-          <a:blip r:embed="rId2">
-            <a:extLst>
-              <a:ext uri="{28A0092B-C50C-407E-A947-70E740481C1C}">
-                <a14:useLocalDpi xmlns:a14="http://schemas.microsoft.com/office/drawing/2010/main" val="0"/>
-              </a:ext>
-            </a:extLst>
-          </a:blip>
-          <a:srcRect/>
-          <a:stretch>
-            <a:fillRect/>
-          </a:stretch>
-        </p:blipFill>
-        <p:spPr bwMode="auto">
-          <a:xfrm>
-            <a:off x="285750" y="214313"/>
-            <a:ext cx="8477250" cy="6357937"/>
-          </a:xfrm>
-          <a:prstGeom prst="rect">
-            <a:avLst/>
-          </a:prstGeom>
-          <a:noFill/>
-          <a:ln>
-            <a:noFill/>
-          </a:ln>
-          <a:extLst>
-            <a:ext uri="{909E8E84-426E-40DD-AFC4-6F175D3DCCD1}">
-              <a14:hiddenFill xmlns:a14="http://schemas.microsoft.com/office/drawing/2010/main">
-                <a:solidFill>
-                  <a:srgbClr val="FFFFFF"/>
-                </a:solidFill>
-              </a14:hiddenFill>
-            </a:ext>
-            <a:ext uri="{91240B29-F687-4F45-9708-019B960494DF}">
-              <a14:hiddenLine xmlns:a14="http://schemas.microsoft.com/office/drawing/2010/main" w="12700">
-                <a:solidFill>
-                  <a:srgbClr val="000000"/>
-                </a:solidFill>
-                <a:miter lim="800000"/>
-                <a:headEnd type="none" w="sm" len="sm"/>
-                <a:tailEnd type="none" w="sm" len="sm"/>
-              </a14:hiddenLine>
-            </a:ext>
-          </a:extLst>
-        </p:spPr>
-      </p:pic>
-    </p:spTree>
-  </p:cSld>
-  <p:clrMapOvr>
-    <a:masterClrMapping/>
-  </p:clrMapOvr>
-  <mc:AlternateContent xmlns:mc="http://schemas.openxmlformats.org/markup-compatibility/2006" xmlns:p14="http://schemas.microsoft.com/office/powerpoint/2010/main">
-    <mc:Choice Requires="p14">
-      <p:transition spd="slow" p14:dur="3900">
-        <p14:glitter pattern="hexagon"/>
-      </p:transition>
-    </mc:Choice>
-    <mc:Fallback xmlns="">
-      <p:transition spd="slow">
-        <p:fade/>
-      </p:transition>
-    </mc:Fallback>
-  </mc:AlternateContent>
-</p:sld>
-</file>
-
 <file path=ppt/slides/slide22.xml><?xml version="1.0" encoding="utf-8"?>
 <p:sld xmlns:a="http://schemas.openxmlformats.org/drawingml/2006/main" xmlns:r="http://schemas.openxmlformats.org/officeDocument/2006/relationships" xmlns:p="http://schemas.openxmlformats.org/presentationml/2006/main">
   <p:cSld>
@@ -19268,7 +19203,7 @@
       </p:grpSpPr>
       <p:sp>
         <p:nvSpPr>
-          <p:cNvPr id="132098" name="Rectangle 2"/>
+          <p:cNvPr id="133122" name="Rectangle 2"/>
           <p:cNvSpPr>
             <a:spLocks noGrp="1" noChangeArrowheads="1"/>
           </p:cNvSpPr>
@@ -19282,16 +19217,23 @@
           <a:lstStyle/>
           <a:p>
             <a:r>
-              <a:rPr lang="en-US" altLang="zh-TW" smtClean="0"/>
-              <a:t>First PHP page</a:t>
-            </a:r>
-            <a:endParaRPr lang="en-US" altLang="zh-TW" dirty="0" smtClean="0"/>
-          </a:p>
-        </p:txBody>
-      </p:sp>
-      <p:sp>
-        <p:nvSpPr>
-          <p:cNvPr id="31747" name="Rectangle 3"/>
+              <a:rPr lang="en-US" altLang="zh-TW" dirty="0" err="1"/>
+              <a:t>p</a:t>
+            </a:r>
+            <a:r>
+              <a:rPr lang="en-US" altLang="zh-TW" dirty="0" err="1" smtClean="0"/>
+              <a:t>hpinfo</a:t>
+            </a:r>
+            <a:r>
+              <a:rPr lang="en-US" altLang="zh-TW" dirty="0" smtClean="0"/>
+              <a:t>();</a:t>
+            </a:r>
+          </a:p>
+        </p:txBody>
+      </p:sp>
+      <p:sp>
+        <p:nvSpPr>
+          <p:cNvPr id="32771" name="Rectangle 3"/>
           <p:cNvSpPr>
             <a:spLocks noGrp="1" noChangeArrowheads="1"/>
           </p:cNvSpPr>
@@ -19306,35 +19248,21 @@
           <a:p>
             <a:r>
               <a:rPr lang="en-US" altLang="zh-TW" smtClean="0"/>
-              <a:t>Dreamweaver -&gt; File -&gt; new -&gt; Dynamic page -&gt; PHP</a:t>
+              <a:t>Outputs information about PHP's configuration</a:t>
             </a:r>
           </a:p>
           <a:p>
             <a:r>
               <a:rPr lang="en-US" altLang="zh-TW" smtClean="0"/>
-              <a:t>&lt;?php</a:t>
+              <a:t>Commonly used to check configuration settings</a:t>
             </a:r>
           </a:p>
           <a:p>
             <a:r>
               <a:rPr lang="en-US" altLang="zh-TW" smtClean="0"/>
-              <a:t>phpinfo();</a:t>
-            </a:r>
-          </a:p>
-          <a:p>
-            <a:r>
-              <a:rPr lang="en-US" altLang="zh-TW" smtClean="0"/>
-              <a:t>?&gt;</a:t>
-            </a:r>
-          </a:p>
-          <a:p>
-            <a:endParaRPr lang="en-US" altLang="zh-TW" smtClean="0"/>
-          </a:p>
-          <a:p>
-            <a:r>
-              <a:rPr lang="en-US" altLang="zh-TW" smtClean="0"/>
-              <a:t>phpinfo.php</a:t>
-            </a:r>
+              <a:t>Usually used for testing the PHP engine on the web server</a:t>
+            </a:r>
+            <a:endParaRPr lang="en-US" altLang="zh-TW" dirty="0" smtClean="0"/>
           </a:p>
         </p:txBody>
       </p:sp>
@@ -19384,7 +19312,7 @@
       </p:grpSpPr>
       <p:sp>
         <p:nvSpPr>
-          <p:cNvPr id="133122" name="Rectangle 2"/>
+          <p:cNvPr id="159746" name="Rectangle 2"/>
           <p:cNvSpPr>
             <a:spLocks noGrp="1" noChangeArrowheads="1"/>
           </p:cNvSpPr>
@@ -19398,23 +19326,15 @@
           <a:lstStyle/>
           <a:p>
             <a:r>
-              <a:rPr lang="en-US" altLang="zh-TW" dirty="0" err="1"/>
-              <a:t>p</a:t>
-            </a:r>
-            <a:r>
-              <a:rPr lang="en-US" altLang="zh-TW" dirty="0" err="1" smtClean="0"/>
-              <a:t>hpinfo</a:t>
-            </a:r>
-            <a:r>
-              <a:rPr lang="en-US" altLang="zh-TW" dirty="0" smtClean="0"/>
-              <a:t>();</a:t>
-            </a:r>
-          </a:p>
-        </p:txBody>
-      </p:sp>
-      <p:sp>
-        <p:nvSpPr>
-          <p:cNvPr id="32771" name="Rectangle 3"/>
+              <a:rPr lang="en-US" altLang="zh-TW" smtClean="0"/>
+              <a:t>PHP style</a:t>
+            </a:r>
+          </a:p>
+        </p:txBody>
+      </p:sp>
+      <p:sp>
+        <p:nvSpPr>
+          <p:cNvPr id="33795" name="Rectangle 3"/>
           <p:cNvSpPr>
             <a:spLocks noGrp="1" noChangeArrowheads="1"/>
           </p:cNvSpPr>
@@ -19428,22 +19348,75 @@
           <a:lstStyle/>
           <a:p>
             <a:r>
-              <a:rPr lang="en-US" altLang="zh-TW" smtClean="0"/>
-              <a:t>Outputs information about PHP's configuration</a:t>
-            </a:r>
-          </a:p>
-          <a:p>
-            <a:r>
-              <a:rPr lang="en-US" altLang="zh-TW" smtClean="0"/>
-              <a:t>Commonly used to check configuration settings</a:t>
-            </a:r>
-          </a:p>
-          <a:p>
-            <a:r>
-              <a:rPr lang="en-US" altLang="zh-TW" smtClean="0"/>
-              <a:t>Usually used for testing the PHP engine on the web server</a:t>
-            </a:r>
-            <a:endParaRPr lang="en-US" altLang="zh-TW" dirty="0" smtClean="0"/>
+              <a:rPr lang="zh-TW" altLang="en-US" dirty="0" smtClean="0"/>
+              <a:t>&lt;?	</a:t>
+            </a:r>
+            <a:r>
+              <a:rPr lang="en-US" altLang="zh-TW" dirty="0" err="1" smtClean="0"/>
+              <a:t>phpinfo</a:t>
+            </a:r>
+            <a:r>
+              <a:rPr lang="en-US" altLang="zh-TW" dirty="0" smtClean="0"/>
+              <a:t>();	?&gt; - short style</a:t>
+            </a:r>
+          </a:p>
+          <a:p>
+            <a:r>
+              <a:rPr lang="en-US" altLang="zh-TW" dirty="0" smtClean="0"/>
+              <a:t>&lt;?</a:t>
+            </a:r>
+            <a:r>
+              <a:rPr lang="en-US" altLang="zh-TW" dirty="0" err="1" smtClean="0"/>
+              <a:t>php</a:t>
+            </a:r>
+            <a:r>
+              <a:rPr lang="en-US" altLang="zh-TW" dirty="0" smtClean="0"/>
+              <a:t>	</a:t>
+            </a:r>
+            <a:r>
+              <a:rPr lang="en-US" altLang="zh-TW" dirty="0" err="1" smtClean="0"/>
+              <a:t>phpinfo</a:t>
+            </a:r>
+            <a:r>
+              <a:rPr lang="en-US" altLang="zh-TW" dirty="0" smtClean="0"/>
+              <a:t>();	?&gt; - XML style</a:t>
+            </a:r>
+          </a:p>
+          <a:p>
+            <a:r>
+              <a:rPr lang="en-US" altLang="zh-TW" dirty="0" smtClean="0"/>
+              <a:t>&lt;script Language=‘</a:t>
+            </a:r>
+            <a:r>
+              <a:rPr lang="en-US" altLang="zh-TW" dirty="0" err="1" smtClean="0"/>
+              <a:t>php</a:t>
+            </a:r>
+            <a:r>
+              <a:rPr lang="en-US" altLang="zh-TW" dirty="0" smtClean="0"/>
+              <a:t>’&gt; </a:t>
+            </a:r>
+            <a:r>
+              <a:rPr lang="en-US" altLang="zh-TW" dirty="0" err="1" smtClean="0"/>
+              <a:t>phpinfo</a:t>
+            </a:r>
+            <a:r>
+              <a:rPr lang="en-US" altLang="zh-TW" dirty="0" smtClean="0"/>
+              <a:t>(); &lt;/script&gt; - script style</a:t>
+            </a:r>
+          </a:p>
+          <a:p>
+            <a:r>
+              <a:rPr lang="en-US" altLang="zh-TW" dirty="0" smtClean="0"/>
+              <a:t>&lt;%		</a:t>
+            </a:r>
+            <a:r>
+              <a:rPr lang="en-US" altLang="zh-TW" dirty="0" err="1" smtClean="0"/>
+              <a:t>phpinfo</a:t>
+            </a:r>
+            <a:r>
+              <a:rPr lang="en-US" altLang="zh-TW" dirty="0" smtClean="0"/>
+              <a:t>();	%&gt; - ASP style</a:t>
+            </a:r>
           </a:p>
         </p:txBody>
       </p:sp>
@@ -19493,7 +19466,7 @@
       </p:grpSpPr>
       <p:sp>
         <p:nvSpPr>
-          <p:cNvPr id="159746" name="Rectangle 2"/>
+          <p:cNvPr id="134146" name="Rectangle 2"/>
           <p:cNvSpPr>
             <a:spLocks noGrp="1" noChangeArrowheads="1"/>
           </p:cNvSpPr>
@@ -19508,14 +19481,14 @@
           <a:p>
             <a:r>
               <a:rPr lang="en-US" altLang="zh-TW" smtClean="0"/>
-              <a:t>PHP style</a:t>
-            </a:r>
-          </a:p>
-        </p:txBody>
-      </p:sp>
-      <p:sp>
-        <p:nvSpPr>
-          <p:cNvPr id="33795" name="Rectangle 3"/>
+              <a:t>Statements</a:t>
+            </a:r>
+          </a:p>
+        </p:txBody>
+      </p:sp>
+      <p:sp>
+        <p:nvSpPr>
+          <p:cNvPr id="34819" name="Rectangle 3"/>
           <p:cNvSpPr>
             <a:spLocks noGrp="1" noChangeArrowheads="1"/>
           </p:cNvSpPr>
@@ -19529,74 +19502,20 @@
           <a:lstStyle/>
           <a:p>
             <a:r>
-              <a:rPr lang="zh-TW" altLang="en-US" dirty="0" smtClean="0"/>
-              <a:t>&lt;?	</a:t>
-            </a:r>
-            <a:r>
-              <a:rPr lang="en-US" altLang="zh-TW" dirty="0" err="1" smtClean="0"/>
-              <a:t>phpinfo</a:t>
-            </a:r>
-            <a:r>
-              <a:rPr lang="en-US" altLang="zh-TW" dirty="0" smtClean="0"/>
-              <a:t>();	?&gt; - short style</a:t>
-            </a:r>
-          </a:p>
-          <a:p>
-            <a:r>
-              <a:rPr lang="en-US" altLang="zh-TW" dirty="0" smtClean="0"/>
-              <a:t>&lt;?</a:t>
-            </a:r>
-            <a:r>
-              <a:rPr lang="en-US" altLang="zh-TW" dirty="0" err="1" smtClean="0"/>
-              <a:t>php</a:t>
-            </a:r>
-            <a:r>
-              <a:rPr lang="en-US" altLang="zh-TW" dirty="0" smtClean="0"/>
-              <a:t>	</a:t>
-            </a:r>
-            <a:r>
-              <a:rPr lang="en-US" altLang="zh-TW" dirty="0" err="1" smtClean="0"/>
-              <a:t>phpinfo</a:t>
-            </a:r>
-            <a:r>
-              <a:rPr lang="en-US" altLang="zh-TW" dirty="0" smtClean="0"/>
-              <a:t>();	?&gt; - XML style</a:t>
-            </a:r>
-          </a:p>
-          <a:p>
-            <a:r>
-              <a:rPr lang="en-US" altLang="zh-TW" dirty="0" smtClean="0"/>
-              <a:t>&lt;script Language=‘</a:t>
-            </a:r>
-            <a:r>
-              <a:rPr lang="en-US" altLang="zh-TW" dirty="0" err="1" smtClean="0"/>
-              <a:t>php</a:t>
-            </a:r>
-            <a:r>
-              <a:rPr lang="en-US" altLang="zh-TW" dirty="0" smtClean="0"/>
-              <a:t>’&gt; </a:t>
-            </a:r>
-            <a:r>
-              <a:rPr lang="en-US" altLang="zh-TW" dirty="0" err="1" smtClean="0"/>
-              <a:t>phpinfo</a:t>
-            </a:r>
-            <a:r>
-              <a:rPr lang="en-US" altLang="zh-TW" dirty="0" smtClean="0"/>
-              <a:t>(); &lt;/script&gt; - script style</a:t>
-            </a:r>
-          </a:p>
-          <a:p>
-            <a:r>
-              <a:rPr lang="en-US" altLang="zh-TW" dirty="0" smtClean="0"/>
-              <a:t>&lt;%		</a:t>
-            </a:r>
-            <a:r>
-              <a:rPr lang="en-US" altLang="zh-TW" dirty="0" err="1" smtClean="0"/>
-              <a:t>phpinfo</a:t>
-            </a:r>
-            <a:r>
-              <a:rPr lang="en-US" altLang="zh-TW" dirty="0" smtClean="0"/>
-              <a:t>();	%&gt; - ASP style</a:t>
+              <a:rPr lang="en-US" altLang="zh-TW" smtClean="0"/>
+              <a:t>Tell the PHP interpreter what to do</a:t>
+            </a:r>
+          </a:p>
+          <a:p>
+            <a:r>
+              <a:rPr lang="en-US" altLang="zh-TW" smtClean="0"/>
+              <a:t>Ends with a semicolon</a:t>
+            </a:r>
+          </a:p>
+          <a:p>
+            <a:r>
+              <a:rPr lang="en-US" altLang="zh-TW" smtClean="0"/>
+              <a:t>Without a semicolon, you will see an error page indicating the line with an error</a:t>
             </a:r>
           </a:p>
         </p:txBody>
@@ -19647,7 +19566,7 @@
       </p:grpSpPr>
       <p:sp>
         <p:nvSpPr>
-          <p:cNvPr id="134146" name="Rectangle 2"/>
+          <p:cNvPr id="135170" name="Rectangle 2"/>
           <p:cNvSpPr>
             <a:spLocks noGrp="1" noChangeArrowheads="1"/>
           </p:cNvSpPr>
@@ -19662,14 +19581,14 @@
           <a:p>
             <a:r>
               <a:rPr lang="en-US" altLang="zh-TW" smtClean="0"/>
-              <a:t>Statements</a:t>
-            </a:r>
-          </a:p>
-        </p:txBody>
-      </p:sp>
-      <p:sp>
-        <p:nvSpPr>
-          <p:cNvPr id="34819" name="Rectangle 3"/>
+              <a:t>White space</a:t>
+            </a:r>
+          </a:p>
+        </p:txBody>
+      </p:sp>
+      <p:sp>
+        <p:nvSpPr>
+          <p:cNvPr id="35843" name="Rectangle 3"/>
           <p:cNvSpPr>
             <a:spLocks noGrp="1" noChangeArrowheads="1"/>
           </p:cNvSpPr>
@@ -19684,19 +19603,19 @@
           <a:p>
             <a:r>
               <a:rPr lang="en-US" altLang="zh-TW" smtClean="0"/>
-              <a:t>Tell the PHP interpreter what to do</a:t>
+              <a:t>White space include new line, spaces, tabs</a:t>
             </a:r>
           </a:p>
           <a:p>
             <a:r>
               <a:rPr lang="en-US" altLang="zh-TW" smtClean="0"/>
-              <a:t>Ends with a semicolon</a:t>
+              <a:t>Browsers ignore white spaces in both html and PHP</a:t>
             </a:r>
           </a:p>
           <a:p>
             <a:r>
               <a:rPr lang="en-US" altLang="zh-TW" smtClean="0"/>
-              <a:t>Without a semicolon, you will see an error page indicating the line with an error</a:t>
+              <a:t>Encourage to use white space for readability – usually one statement per line</a:t>
             </a:r>
           </a:p>
         </p:txBody>
@@ -19747,7 +19666,7 @@
       </p:grpSpPr>
       <p:sp>
         <p:nvSpPr>
-          <p:cNvPr id="135170" name="Rectangle 2"/>
+          <p:cNvPr id="136194" name="Rectangle 2"/>
           <p:cNvSpPr>
             <a:spLocks noGrp="1" noChangeArrowheads="1"/>
           </p:cNvSpPr>
@@ -19762,14 +19681,14 @@
           <a:p>
             <a:r>
               <a:rPr lang="en-US" altLang="zh-TW" smtClean="0"/>
-              <a:t>White space</a:t>
-            </a:r>
-          </a:p>
-        </p:txBody>
-      </p:sp>
-      <p:sp>
-        <p:nvSpPr>
-          <p:cNvPr id="35843" name="Rectangle 3"/>
+              <a:t>Comments</a:t>
+            </a:r>
+          </a:p>
+        </p:txBody>
+      </p:sp>
+      <p:sp>
+        <p:nvSpPr>
+          <p:cNvPr id="36867" name="Rectangle 3"/>
           <p:cNvSpPr>
             <a:spLocks noGrp="1" noChangeArrowheads="1"/>
           </p:cNvSpPr>
@@ -19783,20 +19702,56 @@
           <a:lstStyle/>
           <a:p>
             <a:r>
-              <a:rPr lang="en-US" altLang="zh-TW" smtClean="0"/>
-              <a:t>White space include new line, spaces, tabs</a:t>
-            </a:r>
-          </a:p>
-          <a:p>
-            <a:r>
-              <a:rPr lang="en-US" altLang="zh-TW" smtClean="0"/>
-              <a:t>Browsers ignore white spaces in both html and PHP</a:t>
-            </a:r>
-          </a:p>
-          <a:p>
-            <a:r>
-              <a:rPr lang="en-US" altLang="zh-TW" smtClean="0"/>
-              <a:t>Encourage to use white space for readability – usually one statement per line</a:t>
+              <a:rPr lang="en-US" altLang="zh-TW" dirty="0" smtClean="0"/>
+              <a:t>Notes for reading the code</a:t>
+            </a:r>
+          </a:p>
+          <a:p>
+            <a:r>
+              <a:rPr lang="en-US" altLang="zh-TW" dirty="0" smtClean="0"/>
+              <a:t>Usually used to explain the purpose of the script, when it was last modified</a:t>
+            </a:r>
+          </a:p>
+          <a:p>
+            <a:r>
+              <a:rPr lang="en-US" altLang="zh-TW" dirty="0" smtClean="0"/>
+              <a:t>/*	</a:t>
+            </a:r>
+            <a:r>
+              <a:rPr lang="en-US" altLang="zh-TW" dirty="0" err="1" smtClean="0"/>
+              <a:t>Author:Ray</a:t>
+            </a:r>
+            <a:r>
+              <a:rPr lang="en-US" altLang="zh-TW" dirty="0" smtClean="0"/>
+              <a:t>	*/ - multiline comment</a:t>
+            </a:r>
+          </a:p>
+          <a:p>
+            <a:r>
+              <a:rPr lang="en-US" altLang="zh-TW" dirty="0" smtClean="0"/>
+              <a:t>//		</a:t>
+            </a:r>
+            <a:r>
+              <a:rPr lang="en-US" altLang="zh-TW" dirty="0" err="1" smtClean="0"/>
+              <a:t>Author:Ray</a:t>
+            </a:r>
+            <a:r>
+              <a:rPr lang="en-US" altLang="zh-TW" dirty="0" smtClean="0"/>
+              <a:t>	- single line comment (programming style)</a:t>
+            </a:r>
+          </a:p>
+          <a:p>
+            <a:r>
+              <a:rPr lang="en-US" altLang="zh-TW" dirty="0" smtClean="0"/>
+              <a:t>#	</a:t>
+            </a:r>
+            <a:r>
+              <a:rPr lang="en-US" altLang="zh-TW" dirty="0" err="1" smtClean="0"/>
+              <a:t>Author:Ray</a:t>
+            </a:r>
+            <a:r>
+              <a:rPr lang="en-US" altLang="zh-TW" dirty="0" smtClean="0"/>
+              <a:t>	- single line comment (shell style)</a:t>
             </a:r>
           </a:p>
         </p:txBody>
@@ -19847,7 +19802,7 @@
       </p:grpSpPr>
       <p:sp>
         <p:nvSpPr>
-          <p:cNvPr id="136194" name="Rectangle 2"/>
+          <p:cNvPr id="138242" name="Rectangle 2"/>
           <p:cNvSpPr>
             <a:spLocks noGrp="1" noChangeArrowheads="1"/>
           </p:cNvSpPr>
@@ -19862,14 +19817,15 @@
           <a:p>
             <a:r>
               <a:rPr lang="en-US" altLang="zh-TW" smtClean="0"/>
-              <a:t>Comments</a:t>
-            </a:r>
-          </a:p>
-        </p:txBody>
-      </p:sp>
-      <p:sp>
-        <p:nvSpPr>
-          <p:cNvPr id="36867" name="Rectangle 3"/>
+              <a:t>Echo</a:t>
+            </a:r>
+            <a:endParaRPr lang="en-US" altLang="zh-TW" dirty="0" smtClean="0"/>
+          </a:p>
+        </p:txBody>
+      </p:sp>
+      <p:sp>
+        <p:nvSpPr>
+          <p:cNvPr id="37891" name="Rectangle 3"/>
           <p:cNvSpPr>
             <a:spLocks noGrp="1" noChangeArrowheads="1"/>
           </p:cNvSpPr>
@@ -19884,56 +19840,45 @@
           <a:p>
             <a:r>
               <a:rPr lang="en-US" altLang="zh-TW" dirty="0" smtClean="0"/>
-              <a:t>Notes for reading the code</a:t>
+              <a:t>Outputs all parameters</a:t>
             </a:r>
           </a:p>
           <a:p>
             <a:r>
               <a:rPr lang="en-US" altLang="zh-TW" dirty="0" smtClean="0"/>
-              <a:t>Usually used to explain the purpose of the script, when it was last modified</a:t>
-            </a:r>
-          </a:p>
-          <a:p>
+              <a:t>echo </a:t>
+            </a:r>
+            <a:r>
+              <a:rPr lang="mr-IN" altLang="zh-TW" dirty="0" smtClean="0"/>
+              <a:t>"</a:t>
+            </a:r>
             <a:r>
               <a:rPr lang="en-US" altLang="zh-TW" dirty="0" smtClean="0"/>
-              <a:t>/*	</a:t>
+              <a:t>Hello, this is my first </a:t>
             </a:r>
             <a:r>
               <a:rPr lang="en-US" altLang="zh-TW" dirty="0" err="1" smtClean="0"/>
-              <a:t>Author:Ray</a:t>
+              <a:t>php</a:t>
             </a:r>
             <a:r>
               <a:rPr lang="en-US" altLang="zh-TW" dirty="0" smtClean="0"/>
-              <a:t>	*/ - multiline comment</a:t>
-            </a:r>
-          </a:p>
-          <a:p>
+              <a:t> page</a:t>
+            </a:r>
+            <a:r>
+              <a:rPr lang="mr-IN" altLang="zh-TW" dirty="0" smtClean="0"/>
+              <a:t>"</a:t>
+            </a:r>
             <a:r>
               <a:rPr lang="en-US" altLang="zh-TW" dirty="0" smtClean="0"/>
-              <a:t>//		</a:t>
-            </a:r>
+              <a:t>;</a:t>
+            </a:r>
+          </a:p>
+          <a:p>
             <a:r>
               <a:rPr lang="en-US" altLang="zh-TW" dirty="0" err="1" smtClean="0"/>
-              <a:t>Author:Ray</a:t>
-            </a:r>
-            <a:r>
-              <a:rPr lang="en-US" altLang="zh-TW" dirty="0" smtClean="0"/>
-              <a:t>	- single line comment (programming style)</a:t>
-            </a:r>
-          </a:p>
-          <a:p>
-            <a:r>
-              <a:rPr lang="en-US" altLang="zh-TW" dirty="0" smtClean="0"/>
-              <a:t>#	</a:t>
-            </a:r>
-            <a:r>
-              <a:rPr lang="en-US" altLang="zh-TW" dirty="0" err="1" smtClean="0"/>
-              <a:t>Author:Ray</a:t>
-            </a:r>
-            <a:r>
-              <a:rPr lang="en-US" altLang="zh-TW" dirty="0" smtClean="0"/>
-              <a:t>	- single line comment (shell style)</a:t>
-            </a:r>
+              <a:t>echo.php</a:t>
+            </a:r>
+            <a:endParaRPr lang="en-US" altLang="zh-TW" dirty="0" smtClean="0"/>
           </a:p>
         </p:txBody>
       </p:sp>
@@ -19983,7 +19928,7 @@
       </p:grpSpPr>
       <p:sp>
         <p:nvSpPr>
-          <p:cNvPr id="138242" name="Rectangle 2"/>
+          <p:cNvPr id="172034" name="Rectangle 2"/>
           <p:cNvSpPr>
             <a:spLocks noGrp="1" noChangeArrowheads="1"/>
           </p:cNvSpPr>
@@ -19998,66 +19943,52 @@
           <a:p>
             <a:r>
               <a:rPr lang="en-US" altLang="zh-TW" smtClean="0"/>
-              <a:t>Echo</a:t>
-            </a:r>
+              <a:t>Print</a:t>
+            </a:r>
+          </a:p>
+        </p:txBody>
+      </p:sp>
+      <p:sp>
+        <p:nvSpPr>
+          <p:cNvPr id="38915" name="Rectangle 3"/>
+          <p:cNvSpPr>
+            <a:spLocks noGrp="1" noChangeArrowheads="1"/>
+          </p:cNvSpPr>
+          <p:nvPr>
+            <p:ph idx="1"/>
+          </p:nvPr>
+        </p:nvSpPr>
+        <p:spPr/>
+        <p:txBody>
+          <a:bodyPr>
+            <a:normAutofit fontScale="92500" lnSpcReduction="10000"/>
+          </a:bodyPr>
+          <a:lstStyle/>
+          <a:p>
+            <a:r>
+              <a:rPr lang="en-US" altLang="zh-TW" dirty="0" smtClean="0"/>
+              <a:t>Similar to echo, it also outputs all parameters.</a:t>
+            </a:r>
+          </a:p>
+          <a:p>
+            <a:r>
+              <a:rPr lang="en-US" altLang="zh-TW" dirty="0" smtClean="0"/>
+              <a:t>Print returns a value of 1 and has precedence so that it can be used in the middle of a longer expression. However, the need for this is rare, and the fact that is returns a value makes it ever so slightly slower than echo. So we use echo.</a:t>
+            </a:r>
+          </a:p>
+          <a:p>
             <a:endParaRPr lang="en-US" altLang="zh-TW" dirty="0" smtClean="0"/>
           </a:p>
-        </p:txBody>
-      </p:sp>
-      <p:sp>
-        <p:nvSpPr>
-          <p:cNvPr id="37891" name="Rectangle 3"/>
-          <p:cNvSpPr>
-            <a:spLocks noGrp="1" noChangeArrowheads="1"/>
-          </p:cNvSpPr>
-          <p:nvPr>
-            <p:ph idx="1"/>
-          </p:nvPr>
-        </p:nvSpPr>
-        <p:spPr/>
-        <p:txBody>
-          <a:bodyPr/>
-          <a:lstStyle/>
           <a:p>
             <a:r>
               <a:rPr lang="en-US" altLang="zh-TW" dirty="0" smtClean="0"/>
-              <a:t>Outputs all parameters</a:t>
-            </a:r>
-          </a:p>
-          <a:p>
-            <a:r>
-              <a:rPr lang="en-US" altLang="zh-TW" dirty="0" smtClean="0"/>
-              <a:t>echo </a:t>
-            </a:r>
-            <a:r>
-              <a:rPr lang="mr-IN" altLang="zh-TW" dirty="0" smtClean="0"/>
-              <a:t>"</a:t>
-            </a:r>
-            <a:r>
-              <a:rPr lang="en-US" altLang="zh-TW" dirty="0" smtClean="0"/>
-              <a:t>Hello, this is my first </a:t>
-            </a:r>
+              <a:t>Using with &lt;&lt;&lt;, it prints all html</a:t>
+            </a:r>
+          </a:p>
+          <a:p>
             <a:r>
               <a:rPr lang="en-US" altLang="zh-TW" dirty="0" err="1" smtClean="0"/>
-              <a:t>php</a:t>
-            </a:r>
-            <a:r>
-              <a:rPr lang="en-US" altLang="zh-TW" dirty="0" smtClean="0"/>
-              <a:t> page</a:t>
-            </a:r>
-            <a:r>
-              <a:rPr lang="mr-IN" altLang="zh-TW" dirty="0" smtClean="0"/>
-              <a:t>"</a:t>
-            </a:r>
-            <a:r>
-              <a:rPr lang="en-US" altLang="zh-TW" dirty="0" smtClean="0"/>
-              <a:t>;</a:t>
-            </a:r>
-          </a:p>
-          <a:p>
-            <a:r>
-              <a:rPr lang="en-US" altLang="zh-TW" dirty="0" err="1" smtClean="0"/>
-              <a:t>echo.php</a:t>
+              <a:t>print.php</a:t>
             </a:r>
             <a:endParaRPr lang="en-US" altLang="zh-TW" dirty="0" smtClean="0"/>
           </a:p>
@@ -20109,7 +20040,7 @@
       </p:grpSpPr>
       <p:sp>
         <p:nvSpPr>
-          <p:cNvPr id="172034" name="Rectangle 2"/>
+          <p:cNvPr id="160770" name="Rectangle 2"/>
           <p:cNvSpPr>
             <a:spLocks noGrp="1" noChangeArrowheads="1"/>
           </p:cNvSpPr>
@@ -20124,14 +20055,14 @@
           <a:p>
             <a:r>
               <a:rPr lang="en-US" altLang="zh-TW" smtClean="0"/>
-              <a:t>Print</a:t>
-            </a:r>
-          </a:p>
-        </p:txBody>
-      </p:sp>
-      <p:sp>
-        <p:nvSpPr>
-          <p:cNvPr id="38915" name="Rectangle 3"/>
+              <a:t>html in PHP</a:t>
+            </a:r>
+          </a:p>
+        </p:txBody>
+      </p:sp>
+      <p:sp>
+        <p:nvSpPr>
+          <p:cNvPr id="39939" name="Rectangle 3"/>
           <p:cNvSpPr>
             <a:spLocks noGrp="1" noChangeArrowheads="1"/>
           </p:cNvSpPr>
@@ -20141,37 +20072,49 @@
         </p:nvSpPr>
         <p:spPr/>
         <p:txBody>
-          <a:bodyPr>
-            <a:normAutofit fontScale="92500" lnSpcReduction="10000"/>
-          </a:bodyPr>
+          <a:bodyPr/>
           <a:lstStyle/>
           <a:p>
             <a:r>
               <a:rPr lang="en-US" altLang="zh-TW" dirty="0" smtClean="0"/>
-              <a:t>Similar to echo, it also outputs all parameters.</a:t>
+              <a:t>Nothing to change for the html code</a:t>
             </a:r>
           </a:p>
           <a:p>
             <a:r>
               <a:rPr lang="en-US" altLang="zh-TW" dirty="0" smtClean="0"/>
-              <a:t>Print returns a value of 1 and has precedence so that it can be used in the middle of a longer expression. However, the need for this is rare, and the fact that is returns a value makes it ever so slightly slower than echo. So we use echo.</a:t>
-            </a:r>
-          </a:p>
-          <a:p>
-            <a:endParaRPr lang="en-US" altLang="zh-TW" dirty="0" smtClean="0"/>
+              <a:t>Encapsulate PHP code before and after html code</a:t>
+            </a:r>
           </a:p>
           <a:p>
             <a:r>
               <a:rPr lang="en-US" altLang="zh-TW" dirty="0" smtClean="0"/>
-              <a:t>Using with &lt;&lt;&lt;, it prints all html</a:t>
-            </a:r>
-          </a:p>
-          <a:p>
+              <a:t>echo </a:t>
+            </a:r>
+            <a:r>
+              <a:rPr lang="mr-IN" altLang="zh-TW" dirty="0" smtClean="0"/>
+              <a:t>"</a:t>
+            </a:r>
+            <a:r>
+              <a:rPr lang="en-US" altLang="zh-TW" dirty="0" smtClean="0"/>
+              <a:t>Hello&lt;</a:t>
+            </a:r>
             <a:r>
               <a:rPr lang="en-US" altLang="zh-TW" dirty="0" err="1" smtClean="0"/>
-              <a:t>print.php</a:t>
-            </a:r>
-            <a:endParaRPr lang="en-US" altLang="zh-TW" dirty="0" smtClean="0"/>
+              <a:t>br</a:t>
+            </a:r>
+            <a:r>
+              <a:rPr lang="en-US" altLang="zh-TW" dirty="0" smtClean="0"/>
+              <a:t> /&gt;</a:t>
+            </a:r>
+            <a:r>
+              <a:rPr lang="mr-IN" altLang="zh-TW" dirty="0" smtClean="0"/>
+              <a:t>"</a:t>
+            </a:r>
+            <a:r>
+              <a:rPr lang="en-US" altLang="zh-TW" dirty="0" smtClean="0"/>
+              <a:t>;</a:t>
+            </a:r>
           </a:p>
         </p:txBody>
       </p:sp>
@@ -20361,9 +20304,9 @@
       </p:grpSpPr>
       <p:sp>
         <p:nvSpPr>
-          <p:cNvPr id="160770" name="Rectangle 2"/>
-          <p:cNvSpPr>
-            <a:spLocks noGrp="1" noChangeArrowheads="1"/>
+          <p:cNvPr id="2" name="Title 1"/>
+          <p:cNvSpPr>
+            <a:spLocks noGrp="1"/>
           </p:cNvSpPr>
           <p:nvPr>
             <p:ph type="title"/>
@@ -20375,17 +20318,18 @@
           <a:lstStyle/>
           <a:p>
             <a:r>
-              <a:rPr lang="en-US" altLang="zh-TW" smtClean="0"/>
-              <a:t>html in PHP</a:t>
-            </a:r>
-          </a:p>
-        </p:txBody>
-      </p:sp>
-      <p:sp>
-        <p:nvSpPr>
-          <p:cNvPr id="39939" name="Rectangle 3"/>
-          <p:cNvSpPr>
-            <a:spLocks noGrp="1" noChangeArrowheads="1"/>
+              <a:rPr lang="en-US" smtClean="0"/>
+              <a:t>Homework</a:t>
+            </a:r>
+            <a:endParaRPr lang="en-US" dirty="0"/>
+          </a:p>
+        </p:txBody>
+      </p:sp>
+      <p:sp>
+        <p:nvSpPr>
+          <p:cNvPr id="40963" name="Content Placeholder 2"/>
+          <p:cNvSpPr>
+            <a:spLocks noGrp="1"/>
           </p:cNvSpPr>
           <p:nvPr>
             <p:ph idx="1"/>
@@ -20398,43 +20342,40 @@
           <a:p>
             <a:r>
               <a:rPr lang="en-US" altLang="zh-TW" dirty="0" smtClean="0"/>
-              <a:t>Nothing to change for the html code</a:t>
-            </a:r>
-          </a:p>
-          <a:p>
+              <a:t>Open a new </a:t>
+            </a:r>
+            <a:r>
+              <a:rPr lang="en-US" altLang="zh-TW" dirty="0" err="1" smtClean="0"/>
+              <a:t>php</a:t>
+            </a:r>
             <a:r>
               <a:rPr lang="en-US" altLang="zh-TW" dirty="0" smtClean="0"/>
-              <a:t>Encapsulate PHP code before and after html code</a:t>
-            </a:r>
-          </a:p>
-          <a:p>
-            <a:r>
-              <a:rPr lang="en-US" altLang="zh-TW" dirty="0" smtClean="0"/>
-              <a:t>echo </a:t>
+              <a:t> file and save as </a:t>
             </a:r>
             <a:r>
               <a:rPr lang="mr-IN" altLang="zh-TW" dirty="0" smtClean="0"/>
               <a:t>"</a:t>
             </a:r>
             <a:r>
-              <a:rPr lang="en-US" altLang="zh-TW" dirty="0" smtClean="0"/>
-              <a:t>Hello&lt;</a:t>
-            </a:r>
-            <a:r>
               <a:rPr lang="en-US" altLang="zh-TW" dirty="0" err="1" smtClean="0"/>
-              <a:t>br</a:t>
-            </a:r>
-            <a:r>
-              <a:rPr lang="en-US" altLang="zh-TW" dirty="0" smtClean="0"/>
-              <a:t> /&gt;</a:t>
+              <a:t>birthday.php</a:t>
             </a:r>
             <a:r>
               <a:rPr lang="mr-IN" altLang="zh-TW" dirty="0" smtClean="0"/>
               <a:t>"</a:t>
             </a:r>
+            <a:endParaRPr lang="en-US" altLang="zh-TW" dirty="0" smtClean="0"/>
+          </a:p>
+          <a:p>
             <a:r>
               <a:rPr lang="en-US" altLang="zh-TW" dirty="0" smtClean="0"/>
-              <a:t>;</a:t>
+              <a:t>Echo your name in PHP</a:t>
+            </a:r>
+          </a:p>
+          <a:p>
+            <a:r>
+              <a:rPr lang="en-US" altLang="zh-TW" dirty="0" smtClean="0"/>
+              <a:t>Browse http://localhost/birthday.php</a:t>
             </a:r>
           </a:p>
         </p:txBody>
@@ -20485,9 +20426,9 @@
       </p:grpSpPr>
       <p:sp>
         <p:nvSpPr>
-          <p:cNvPr id="2" name="Title 1"/>
-          <p:cNvSpPr>
-            <a:spLocks noGrp="1"/>
+          <p:cNvPr id="219138" name="Rectangle 2"/>
+          <p:cNvSpPr>
+            <a:spLocks noGrp="1" noChangeArrowheads="1"/>
           </p:cNvSpPr>
           <p:nvPr>
             <p:ph type="title"/>
@@ -20499,18 +20440,18 @@
           <a:lstStyle/>
           <a:p>
             <a:r>
-              <a:rPr lang="en-US" smtClean="0"/>
-              <a:t>Homework</a:t>
-            </a:r>
-            <a:endParaRPr lang="en-US" dirty="0"/>
-          </a:p>
-        </p:txBody>
-      </p:sp>
-      <p:sp>
-        <p:nvSpPr>
-          <p:cNvPr id="40963" name="Content Placeholder 2"/>
-          <p:cNvSpPr>
-            <a:spLocks noGrp="1"/>
+              <a:rPr lang="en-US" altLang="zh-TW" smtClean="0"/>
+              <a:t>Install PHP + MySQL</a:t>
+            </a:r>
+            <a:endParaRPr lang="zh-TW" altLang="en-US" dirty="0" smtClean="0"/>
+          </a:p>
+        </p:txBody>
+      </p:sp>
+      <p:sp>
+        <p:nvSpPr>
+          <p:cNvPr id="41987" name="Rectangle 3"/>
+          <p:cNvSpPr>
+            <a:spLocks noGrp="1" noChangeArrowheads="1"/>
           </p:cNvSpPr>
           <p:nvPr>
             <p:ph idx="1"/>
@@ -20523,7 +20464,31 @@
           <a:p>
             <a:r>
               <a:rPr lang="en-US" altLang="zh-TW" dirty="0" smtClean="0"/>
-              <a:t>Open a new </a:t>
+              <a:t>Download XAMPP from http://www.xampp.org</a:t>
+            </a:r>
+          </a:p>
+          <a:p>
+            <a:r>
+              <a:rPr lang="en-US" altLang="zh-TW" dirty="0" smtClean="0"/>
+              <a:t>Install to c:\</a:t>
+            </a:r>
+          </a:p>
+          <a:p>
+            <a:r>
+              <a:rPr lang="en-US" altLang="zh-TW" dirty="0" smtClean="0"/>
+              <a:t>Open XAMPP Control Panel, start Apache, MySQL</a:t>
+            </a:r>
+          </a:p>
+          <a:p>
+            <a:r>
+              <a:rPr lang="en-US" altLang="zh-TW" dirty="0" smtClean="0"/>
+              <a:t>Test Apache http://localhost</a:t>
+            </a:r>
+          </a:p>
+          <a:p>
+            <a:r>
+              <a:rPr lang="en-US" altLang="zh-TW" dirty="0" smtClean="0"/>
+              <a:t>Test PHP. Save your </a:t>
             </a:r>
             <a:r>
               <a:rPr lang="en-US" altLang="zh-TW" dirty="0" err="1" smtClean="0"/>
@@ -20531,32 +20496,13 @@
             </a:r>
             <a:r>
               <a:rPr lang="en-US" altLang="zh-TW" dirty="0" smtClean="0"/>
-              <a:t> file and save as </a:t>
-            </a:r>
-            <a:r>
-              <a:rPr lang="mr-IN" altLang="zh-TW" dirty="0" smtClean="0"/>
-              <a:t>"</a:t>
-            </a:r>
-            <a:r>
-              <a:rPr lang="en-US" altLang="zh-TW" dirty="0" err="1" smtClean="0"/>
-              <a:t>birthday.php</a:t>
-            </a:r>
-            <a:r>
-              <a:rPr lang="mr-IN" altLang="zh-TW" dirty="0" smtClean="0"/>
-              <a:t>"</a:t>
-            </a:r>
-            <a:endParaRPr lang="en-US" altLang="zh-TW" dirty="0" smtClean="0"/>
+              <a:t> files under c:\xampp\htdocs\</a:t>
+            </a:r>
           </a:p>
           <a:p>
             <a:r>
               <a:rPr lang="en-US" altLang="zh-TW" dirty="0" smtClean="0"/>
-              <a:t>Echo your name in PHP</a:t>
-            </a:r>
-          </a:p>
-          <a:p>
-            <a:r>
-              <a:rPr lang="en-US" altLang="zh-TW" dirty="0" smtClean="0"/>
-              <a:t>Browse http://localhost/birthday.php</a:t>
+              <a:t>Test your web page: http://localhost/filename.php</a:t>
             </a:r>
           </a:p>
         </p:txBody>
@@ -20607,7 +20553,7 @@
       </p:grpSpPr>
       <p:sp>
         <p:nvSpPr>
-          <p:cNvPr id="219138" name="Rectangle 2"/>
+          <p:cNvPr id="157698" name="Rectangle 2"/>
           <p:cNvSpPr>
             <a:spLocks noGrp="1" noChangeArrowheads="1"/>
           </p:cNvSpPr>
@@ -20622,15 +20568,14 @@
           <a:p>
             <a:r>
               <a:rPr lang="en-US" altLang="zh-TW" smtClean="0"/>
-              <a:t>Install PHP + MySQL</a:t>
-            </a:r>
-            <a:endParaRPr lang="zh-TW" altLang="en-US" dirty="0" smtClean="0"/>
-          </a:p>
-        </p:txBody>
-      </p:sp>
-      <p:sp>
-        <p:nvSpPr>
-          <p:cNvPr id="41987" name="Rectangle 3"/>
+              <a:t>Functions</a:t>
+            </a:r>
+          </a:p>
+        </p:txBody>
+      </p:sp>
+      <p:sp>
+        <p:nvSpPr>
+          <p:cNvPr id="44035" name="Rectangle 3"/>
           <p:cNvSpPr>
             <a:spLocks noGrp="1" noChangeArrowheads="1"/>
           </p:cNvSpPr>
@@ -20640,50 +20585,135 @@
         </p:nvSpPr>
         <p:spPr/>
         <p:txBody>
-          <a:bodyPr/>
+          <a:bodyPr>
+            <a:normAutofit lnSpcReduction="10000"/>
+          </a:bodyPr>
           <a:lstStyle/>
           <a:p>
             <a:r>
               <a:rPr lang="en-US" altLang="zh-TW" dirty="0" smtClean="0"/>
-              <a:t>Download XAMPP from http://www.xampp.org</a:t>
-            </a:r>
-          </a:p>
-          <a:p>
+              <a:t>echo date(</a:t>
+            </a:r>
+            <a:r>
+              <a:rPr lang="mr-IN" altLang="zh-TW" dirty="0" smtClean="0"/>
+              <a:t>"</a:t>
+            </a:r>
+            <a:r>
+              <a:rPr lang="en-US" altLang="zh-TW" dirty="0" err="1" smtClean="0"/>
+              <a:t>H:i</a:t>
+            </a:r>
             <a:r>
               <a:rPr lang="en-US" altLang="zh-TW" dirty="0" smtClean="0"/>
-              <a:t>Install to c:\</a:t>
-            </a:r>
-          </a:p>
-          <a:p>
+              <a:t>, </a:t>
+            </a:r>
+            <a:r>
+              <a:rPr lang="en-US" altLang="zh-TW" dirty="0" err="1" smtClean="0"/>
+              <a:t>jS</a:t>
+            </a:r>
             <a:r>
               <a:rPr lang="en-US" altLang="zh-TW" dirty="0" smtClean="0"/>
-              <a:t>Open XAMPP Control Panel, start Apache, MySQL</a:t>
-            </a:r>
-          </a:p>
-          <a:p>
+              <a:t> F</a:t>
+            </a:r>
+            <a:r>
+              <a:rPr lang="mr-IN" altLang="zh-TW" dirty="0" smtClean="0"/>
+              <a:t>"</a:t>
+            </a:r>
             <a:r>
               <a:rPr lang="en-US" altLang="zh-TW" dirty="0" smtClean="0"/>
-              <a:t>Test Apache http://localhost</a:t>
+              <a:t>);</a:t>
             </a:r>
           </a:p>
           <a:p>
             <a:r>
               <a:rPr lang="en-US" altLang="zh-TW" dirty="0" smtClean="0"/>
-              <a:t>Test PHP. Save your </a:t>
+              <a:t>echo date(</a:t>
+            </a:r>
+            <a:r>
+              <a:rPr lang="mr-IN" altLang="zh-TW" dirty="0" smtClean="0"/>
+              <a:t>"</a:t>
+            </a:r>
+            <a:r>
+              <a:rPr lang="en-US" altLang="zh-TW" dirty="0" smtClean="0"/>
+              <a:t>l </a:t>
             </a:r>
             <a:r>
               <a:rPr lang="en-US" altLang="zh-TW" dirty="0" err="1" smtClean="0"/>
-              <a:t>php</a:t>
+              <a:t>dS</a:t>
             </a:r>
             <a:r>
               <a:rPr lang="en-US" altLang="zh-TW" dirty="0" smtClean="0"/>
-              <a:t> files under c:\xampp\htdocs\</a:t>
-            </a:r>
-          </a:p>
-          <a:p>
+              <a:t> of F Y </a:t>
+            </a:r>
+            <a:r>
+              <a:rPr lang="en-US" altLang="zh-TW" dirty="0" err="1" smtClean="0"/>
+              <a:t>h:i:s</a:t>
+            </a:r>
             <a:r>
               <a:rPr lang="en-US" altLang="zh-TW" dirty="0" smtClean="0"/>
-              <a:t>Test your web page: http://localhost/filename.php</a:t>
+              <a:t> A</a:t>
+            </a:r>
+            <a:r>
+              <a:rPr lang="mr-IN" altLang="zh-TW" dirty="0" smtClean="0"/>
+              <a:t>"</a:t>
+            </a:r>
+            <a:r>
+              <a:rPr lang="en-US" altLang="zh-TW" dirty="0" smtClean="0"/>
+              <a:t>);</a:t>
+            </a:r>
+          </a:p>
+          <a:p>
+            <a:r>
+              <a:rPr lang="en-US" altLang="zh-TW" dirty="0" smtClean="0"/>
+              <a:t>Case sensitive</a:t>
+            </a:r>
+          </a:p>
+          <a:p>
+            <a:r>
+              <a:rPr lang="en-US" altLang="zh-TW" dirty="0" err="1" smtClean="0"/>
+              <a:t>date.php</a:t>
+            </a:r>
+            <a:endParaRPr lang="en-US" altLang="zh-TW" dirty="0" smtClean="0"/>
+          </a:p>
+          <a:p>
+            <a:r>
+              <a:rPr lang="en-US" altLang="zh-TW" dirty="0" err="1" smtClean="0"/>
+              <a:t>gmdate</a:t>
+            </a:r>
+            <a:r>
+              <a:rPr lang="en-US" altLang="zh-TW" dirty="0" smtClean="0"/>
+              <a:t>('</a:t>
+            </a:r>
+            <a:r>
+              <a:rPr lang="en-US" altLang="zh-TW" dirty="0" err="1" smtClean="0"/>
+              <a:t>H:i:s</a:t>
+            </a:r>
+            <a:r>
+              <a:rPr lang="en-US" altLang="zh-TW" dirty="0" smtClean="0"/>
+              <a:t>', time()+8*3600);</a:t>
+            </a:r>
+          </a:p>
+          <a:p>
+            <a:r>
+              <a:rPr lang="en-US" altLang="zh-TW" dirty="0" err="1" smtClean="0"/>
+              <a:t>date_default_timezone_set</a:t>
+            </a:r>
+            <a:r>
+              <a:rPr lang="en-US" altLang="zh-TW" dirty="0" smtClean="0"/>
+              <a:t>('Asia/</a:t>
+            </a:r>
+            <a:r>
+              <a:rPr lang="en-US" altLang="zh-TW" dirty="0" err="1" smtClean="0"/>
+              <a:t>Hong_Kong</a:t>
+            </a:r>
+            <a:r>
+              <a:rPr lang="en-US" altLang="zh-TW" dirty="0" smtClean="0"/>
+              <a:t>');</a:t>
+            </a:r>
+          </a:p>
+          <a:p>
+            <a:r>
+              <a:rPr lang="en-US" altLang="zh-TW" dirty="0" smtClean="0"/>
+              <a:t>http://hk2.php.net/manual/en/function.date.php</a:t>
             </a:r>
           </a:p>
         </p:txBody>
@@ -20734,9 +20764,9 @@
       </p:grpSpPr>
       <p:sp>
         <p:nvSpPr>
-          <p:cNvPr id="157698" name="Rectangle 2"/>
-          <p:cNvSpPr>
-            <a:spLocks noGrp="1" noChangeArrowheads="1"/>
+          <p:cNvPr id="2" name="Title 1"/>
+          <p:cNvSpPr>
+            <a:spLocks noGrp="1"/>
           </p:cNvSpPr>
           <p:nvPr>
             <p:ph type="title"/>
@@ -20748,17 +20778,18 @@
           <a:lstStyle/>
           <a:p>
             <a:r>
-              <a:rPr lang="en-US" altLang="zh-TW" smtClean="0"/>
-              <a:t>Functions</a:t>
-            </a:r>
-          </a:p>
-        </p:txBody>
-      </p:sp>
-      <p:sp>
-        <p:nvSpPr>
-          <p:cNvPr id="44035" name="Rectangle 3"/>
-          <p:cNvSpPr>
-            <a:spLocks noGrp="1" noChangeArrowheads="1"/>
+              <a:rPr lang="en-US" smtClean="0"/>
+              <a:t>Homework</a:t>
+            </a:r>
+            <a:endParaRPr lang="en-US" dirty="0"/>
+          </a:p>
+        </p:txBody>
+      </p:sp>
+      <p:sp>
+        <p:nvSpPr>
+          <p:cNvPr id="43011" name="Content Placeholder 2"/>
+          <p:cNvSpPr>
+            <a:spLocks noGrp="1"/>
           </p:cNvSpPr>
           <p:nvPr>
             <p:ph idx="1"/>
@@ -20766,34 +20797,37 @@
         </p:nvSpPr>
         <p:spPr/>
         <p:txBody>
-          <a:bodyPr>
-            <a:normAutofit lnSpcReduction="10000"/>
-          </a:bodyPr>
+          <a:bodyPr/>
           <a:lstStyle/>
           <a:p>
             <a:r>
               <a:rPr lang="en-US" altLang="zh-TW" dirty="0" smtClean="0"/>
-              <a:t>echo date(</a:t>
+              <a:t>Open </a:t>
+            </a:r>
+            <a:r>
+              <a:rPr lang="en-US" altLang="zh-TW" dirty="0" err="1" smtClean="0"/>
+              <a:t>birthday.php</a:t>
+            </a:r>
+            <a:endParaRPr lang="en-US" altLang="zh-TW" dirty="0" smtClean="0"/>
+          </a:p>
+          <a:p>
+            <a:r>
+              <a:rPr lang="en-US" altLang="zh-TW" dirty="0" smtClean="0"/>
+              <a:t>Echo your birthday as YYYYMMDD format.</a:t>
+            </a:r>
+          </a:p>
+          <a:p>
+            <a:r>
+              <a:rPr lang="en-US" altLang="zh-TW" dirty="0" smtClean="0"/>
+              <a:t>EG. (31-Jan-1990)  echo </a:t>
             </a:r>
             <a:r>
               <a:rPr lang="mr-IN" altLang="zh-TW" dirty="0" smtClean="0"/>
               <a:t>"</a:t>
             </a:r>
             <a:r>
-              <a:rPr lang="en-US" altLang="zh-TW" dirty="0" err="1" smtClean="0"/>
-              <a:t>H:i</a:t>
-            </a:r>
-            <a:r>
               <a:rPr lang="en-US" altLang="zh-TW" dirty="0" smtClean="0"/>
-              <a:t>, </a:t>
-            </a:r>
-            <a:r>
-              <a:rPr lang="en-US" altLang="zh-TW" dirty="0" err="1" smtClean="0"/>
-              <a:t>jS</a:t>
-            </a:r>
-            <a:r>
-              <a:rPr lang="en-US" altLang="zh-TW" dirty="0" smtClean="0"/>
-              <a:t> F</a:t>
+              <a:t>19900131</a:t>
             </a:r>
             <a:r>
               <a:rPr lang="mr-IN" altLang="zh-TW" dirty="0" smtClean="0"/>
@@ -20801,13 +20835,19 @@
             </a:r>
             <a:r>
               <a:rPr lang="en-US" altLang="zh-TW" dirty="0" smtClean="0"/>
-              <a:t>);</a:t>
+              <a:t>;</a:t>
             </a:r>
           </a:p>
           <a:p>
             <a:r>
               <a:rPr lang="en-US" altLang="zh-TW" dirty="0" smtClean="0"/>
-              <a:t>echo date(</a:t>
+              <a:t>Echo today date as YYYYMMDD format</a:t>
+            </a:r>
+          </a:p>
+          <a:p>
+            <a:r>
+              <a:rPr lang="en-US" altLang="zh-TW" dirty="0" smtClean="0"/>
+              <a:t>EG. echo date(</a:t>
             </a:r>
             <a:r>
               <a:rPr lang="mr-IN" altLang="zh-TW" dirty="0" smtClean="0"/>
@@ -20815,23 +20855,7 @@
             </a:r>
             <a:r>
               <a:rPr lang="en-US" altLang="zh-TW" dirty="0" smtClean="0"/>
-              <a:t>l </a:t>
-            </a:r>
-            <a:r>
-              <a:rPr lang="en-US" altLang="zh-TW" dirty="0" err="1" smtClean="0"/>
-              <a:t>dS</a:t>
-            </a:r>
-            <a:r>
-              <a:rPr lang="en-US" altLang="zh-TW" dirty="0" smtClean="0"/>
-              <a:t> of F Y </a:t>
-            </a:r>
-            <a:r>
-              <a:rPr lang="en-US" altLang="zh-TW" dirty="0" err="1" smtClean="0"/>
-              <a:t>h:i:s</a:t>
-            </a:r>
-            <a:r>
-              <a:rPr lang="en-US" altLang="zh-TW" dirty="0" smtClean="0"/>
-              <a:t> A</a:t>
+              <a:t>xxx</a:t>
             </a:r>
             <a:r>
               <a:rPr lang="mr-IN" altLang="zh-TW" dirty="0" smtClean="0"/>
@@ -20840,61 +20864,6 @@
             <a:r>
               <a:rPr lang="en-US" altLang="zh-TW" dirty="0" smtClean="0"/>
               <a:t>);</a:t>
-            </a:r>
-          </a:p>
-          <a:p>
-            <a:r>
-              <a:rPr lang="en-US" altLang="zh-TW" dirty="0" smtClean="0"/>
-              <a:t>Case sensitive</a:t>
-            </a:r>
-          </a:p>
-          <a:p>
-            <a:r>
-              <a:rPr lang="en-US" altLang="zh-TW" dirty="0" err="1" smtClean="0"/>
-              <a:t>date.php</a:t>
-            </a:r>
-            <a:endParaRPr lang="en-US" altLang="zh-TW" dirty="0" smtClean="0"/>
-          </a:p>
-          <a:p>
-            <a:r>
-              <a:rPr lang="en-US" altLang="zh-TW" dirty="0" err="1" smtClean="0"/>
-              <a:t>gmdate</a:t>
-            </a:r>
-            <a:r>
-              <a:rPr lang="en-US" altLang="zh-TW" dirty="0" smtClean="0"/>
-              <a:t>('</a:t>
-            </a:r>
-            <a:r>
-              <a:rPr lang="en-US" altLang="zh-TW" dirty="0" err="1" smtClean="0"/>
-              <a:t>H:i:s</a:t>
-            </a:r>
-            <a:r>
-              <a:rPr lang="en-US" altLang="zh-TW" dirty="0" smtClean="0"/>
-              <a:t>', time()+8*3600);</a:t>
-            </a:r>
-          </a:p>
-          <a:p>
-            <a:r>
-              <a:rPr lang="en-US" altLang="zh-TW" dirty="0" err="1" smtClean="0"/>
-              <a:t>date_default_timezone_set</a:t>
-            </a:r>
-            <a:r>
-              <a:rPr lang="en-US" altLang="zh-TW" dirty="0" smtClean="0"/>
-              <a:t>('Asia/</a:t>
-            </a:r>
-            <a:r>
-              <a:rPr lang="en-US" altLang="zh-TW" dirty="0" err="1" smtClean="0"/>
-              <a:t>Hong_Kong</a:t>
-            </a:r>
-            <a:r>
-              <a:rPr lang="en-US" altLang="zh-TW" dirty="0" smtClean="0"/>
-              <a:t>');</a:t>
-            </a:r>
-          </a:p>
-          <a:p>
-            <a:r>
-              <a:rPr lang="en-US" altLang="zh-TW" dirty="0" smtClean="0"/>
-              <a:t>http://hk2.php.net/manual/en/function.date.php</a:t>
             </a:r>
           </a:p>
         </p:txBody>
@@ -20945,9 +20914,9 @@
       </p:grpSpPr>
       <p:sp>
         <p:nvSpPr>
-          <p:cNvPr id="2" name="Title 1"/>
-          <p:cNvSpPr>
-            <a:spLocks noGrp="1"/>
+          <p:cNvPr id="171010" name="Rectangle 2"/>
+          <p:cNvSpPr>
+            <a:spLocks noGrp="1" noChangeArrowheads="1"/>
           </p:cNvSpPr>
           <p:nvPr>
             <p:ph type="title"/>
@@ -20959,18 +20928,17 @@
           <a:lstStyle/>
           <a:p>
             <a:r>
-              <a:rPr lang="en-US" smtClean="0"/>
-              <a:t>Homework</a:t>
-            </a:r>
-            <a:endParaRPr lang="en-US" dirty="0"/>
-          </a:p>
-        </p:txBody>
-      </p:sp>
-      <p:sp>
-        <p:nvSpPr>
-          <p:cNvPr id="43011" name="Content Placeholder 2"/>
-          <p:cNvSpPr>
-            <a:spLocks noGrp="1"/>
+              <a:rPr lang="en-US" altLang="zh-TW" smtClean="0"/>
+              <a:t>Functions</a:t>
+            </a:r>
+          </a:p>
+        </p:txBody>
+      </p:sp>
+      <p:sp>
+        <p:nvSpPr>
+          <p:cNvPr id="46083" name="Rectangle 3"/>
+          <p:cNvSpPr>
+            <a:spLocks noGrp="1" noChangeArrowheads="1"/>
           </p:cNvSpPr>
           <p:nvPr>
             <p:ph idx="1"/>
@@ -20978,74 +20946,55 @@
         </p:nvSpPr>
         <p:spPr/>
         <p:txBody>
-          <a:bodyPr/>
+          <a:bodyPr>
+            <a:normAutofit fontScale="92500" lnSpcReduction="20000"/>
+          </a:bodyPr>
           <a:lstStyle/>
           <a:p>
             <a:r>
-              <a:rPr lang="en-US" altLang="zh-TW" dirty="0" smtClean="0"/>
-              <a:t>Open </a:t>
-            </a:r>
-            <a:r>
-              <a:rPr lang="en-US" altLang="zh-TW" dirty="0" err="1" smtClean="0"/>
-              <a:t>birthday.php</a:t>
+              <a:rPr lang="en-US" altLang="zh-TW" smtClean="0"/>
+              <a:t>Find an integer of a decimal number</a:t>
+            </a:r>
+          </a:p>
+          <a:p>
+            <a:r>
+              <a:rPr lang="en-US" altLang="zh-TW" smtClean="0"/>
+              <a:t>echo round(3.4);</a:t>
+            </a:r>
+          </a:p>
+          <a:p>
+            <a:r>
+              <a:rPr lang="en-US" altLang="zh-TW" smtClean="0"/>
+              <a:t>echo round(3.5);</a:t>
+            </a:r>
+          </a:p>
+          <a:p>
+            <a:r>
+              <a:rPr lang="en-US" altLang="zh-TW" smtClean="0"/>
+              <a:t>echo floor(3.4); </a:t>
+            </a:r>
+          </a:p>
+          <a:p>
+            <a:r>
+              <a:rPr lang="en-US" altLang="zh-TW" smtClean="0"/>
+              <a:t>echo floor(3.5);</a:t>
+            </a:r>
+          </a:p>
+          <a:p>
+            <a:r>
+              <a:rPr lang="en-US" altLang="zh-TW" smtClean="0"/>
+              <a:t>roundFloor.php</a:t>
+            </a:r>
+          </a:p>
+          <a:p>
+            <a:endParaRPr lang="en-US" altLang="zh-TW" smtClean="0"/>
+          </a:p>
+          <a:p>
+            <a:r>
+              <a:rPr lang="en-US" altLang="zh-TW" smtClean="0"/>
+              <a:t>Q: How to find the next integer value?</a:t>
             </a:r>
             <a:endParaRPr lang="en-US" altLang="zh-TW" dirty="0" smtClean="0"/>
-          </a:p>
-          <a:p>
-            <a:r>
-              <a:rPr lang="en-US" altLang="zh-TW" dirty="0" smtClean="0"/>
-              <a:t>Echo your birthday as YYYYMMDD format.</a:t>
-            </a:r>
-          </a:p>
-          <a:p>
-            <a:r>
-              <a:rPr lang="en-US" altLang="zh-TW" dirty="0" smtClean="0"/>
-              <a:t>EG. (31-Jan-1990)  echo </a:t>
-            </a:r>
-            <a:r>
-              <a:rPr lang="mr-IN" altLang="zh-TW" dirty="0" smtClean="0"/>
-              <a:t>"</a:t>
-            </a:r>
-            <a:r>
-              <a:rPr lang="en-US" altLang="zh-TW" dirty="0" smtClean="0"/>
-              <a:t>19900131</a:t>
-            </a:r>
-            <a:r>
-              <a:rPr lang="mr-IN" altLang="zh-TW" dirty="0" smtClean="0"/>
-              <a:t>"</a:t>
-            </a:r>
-            <a:r>
-              <a:rPr lang="en-US" altLang="zh-TW" dirty="0" smtClean="0"/>
-              <a:t>;</a:t>
-            </a:r>
-          </a:p>
-          <a:p>
-            <a:r>
-              <a:rPr lang="en-US" altLang="zh-TW" dirty="0" smtClean="0"/>
-              <a:t>Echo today date as YYYYMMDD format</a:t>
-            </a:r>
-          </a:p>
-          <a:p>
-            <a:r>
-              <a:rPr lang="en-US" altLang="zh-TW" dirty="0" smtClean="0"/>
-              <a:t>EG. echo date(</a:t>
-            </a:r>
-            <a:r>
-              <a:rPr lang="mr-IN" altLang="zh-TW" dirty="0" smtClean="0"/>
-              <a:t>"</a:t>
-            </a:r>
-            <a:r>
-              <a:rPr lang="en-US" altLang="zh-TW" dirty="0" smtClean="0"/>
-              <a:t>xxx</a:t>
-            </a:r>
-            <a:r>
-              <a:rPr lang="mr-IN" altLang="zh-TW" dirty="0" smtClean="0"/>
-              <a:t>"</a:t>
-            </a:r>
-            <a:r>
-              <a:rPr lang="en-US" altLang="zh-TW" dirty="0" smtClean="0"/>
-              <a:t>);</a:t>
-            </a:r>
           </a:p>
         </p:txBody>
       </p:sp>
@@ -21095,7 +21044,7 @@
       </p:grpSpPr>
       <p:sp>
         <p:nvSpPr>
-          <p:cNvPr id="171010" name="Rectangle 2"/>
+          <p:cNvPr id="139266" name="Rectangle 2"/>
           <p:cNvSpPr>
             <a:spLocks noGrp="1" noChangeArrowheads="1"/>
           </p:cNvSpPr>
@@ -21110,14 +21059,15 @@
           <a:p>
             <a:r>
               <a:rPr lang="en-US" altLang="zh-TW" smtClean="0"/>
-              <a:t>Functions</a:t>
-            </a:r>
-          </a:p>
-        </p:txBody>
-      </p:sp>
-      <p:sp>
-        <p:nvSpPr>
-          <p:cNvPr id="46083" name="Rectangle 3"/>
+              <a:t>Variable I</a:t>
+            </a:r>
+            <a:endParaRPr lang="en-US" altLang="zh-TW" dirty="0" smtClean="0"/>
+          </a:p>
+        </p:txBody>
+      </p:sp>
+      <p:sp>
+        <p:nvSpPr>
+          <p:cNvPr id="47107" name="Rectangle 3"/>
           <p:cNvSpPr>
             <a:spLocks noGrp="1" noChangeArrowheads="1"/>
           </p:cNvSpPr>
@@ -21127,53 +21077,24 @@
         </p:nvSpPr>
         <p:spPr/>
         <p:txBody>
-          <a:bodyPr>
-            <a:normAutofit fontScale="92500" lnSpcReduction="20000"/>
-          </a:bodyPr>
+          <a:bodyPr/>
           <a:lstStyle/>
           <a:p>
             <a:r>
               <a:rPr lang="en-US" altLang="zh-TW" smtClean="0"/>
-              <a:t>Find an integer of a decimal number</a:t>
+              <a:t>Each variable start with a dollar sign ($)</a:t>
             </a:r>
           </a:p>
           <a:p>
             <a:r>
               <a:rPr lang="en-US" altLang="zh-TW" smtClean="0"/>
-              <a:t>echo round(3.4);</a:t>
+              <a:t>PHP is case sensitive $car&lt;&gt;$Car</a:t>
             </a:r>
           </a:p>
           <a:p>
             <a:r>
               <a:rPr lang="en-US" altLang="zh-TW" smtClean="0"/>
-              <a:t>echo round(3.5);</a:t>
-            </a:r>
-          </a:p>
-          <a:p>
-            <a:r>
-              <a:rPr lang="en-US" altLang="zh-TW" smtClean="0"/>
-              <a:t>echo floor(3.4); </a:t>
-            </a:r>
-          </a:p>
-          <a:p>
-            <a:r>
-              <a:rPr lang="en-US" altLang="zh-TW" smtClean="0"/>
-              <a:t>echo floor(3.5);</a:t>
-            </a:r>
-          </a:p>
-          <a:p>
-            <a:r>
-              <a:rPr lang="en-US" altLang="zh-TW" smtClean="0"/>
-              <a:t>roundFloor.php</a:t>
-            </a:r>
-          </a:p>
-          <a:p>
-            <a:endParaRPr lang="en-US" altLang="zh-TW" smtClean="0"/>
-          </a:p>
-          <a:p>
-            <a:r>
-              <a:rPr lang="en-US" altLang="zh-TW" smtClean="0"/>
-              <a:t>Q: How to find the next integer value?</a:t>
+              <a:t>Hello.php</a:t>
             </a:r>
             <a:endParaRPr lang="en-US" altLang="zh-TW" dirty="0" smtClean="0"/>
           </a:p>
@@ -21225,7 +21146,7 @@
       </p:grpSpPr>
       <p:sp>
         <p:nvSpPr>
-          <p:cNvPr id="139266" name="Rectangle 2"/>
+          <p:cNvPr id="154626" name="Rectangle 2"/>
           <p:cNvSpPr>
             <a:spLocks noGrp="1" noChangeArrowheads="1"/>
           </p:cNvSpPr>
@@ -21240,7 +21161,7 @@
           <a:p>
             <a:r>
               <a:rPr lang="en-US" altLang="zh-TW" smtClean="0"/>
-              <a:t>Variable I</a:t>
+              <a:t>Variable II</a:t>
             </a:r>
             <a:endParaRPr lang="en-US" altLang="zh-TW" dirty="0" smtClean="0"/>
           </a:p>
@@ -21248,7 +21169,7 @@
       </p:sp>
       <p:sp>
         <p:nvSpPr>
-          <p:cNvPr id="47107" name="Rectangle 3"/>
+          <p:cNvPr id="48131" name="Rectangle 3"/>
           <p:cNvSpPr>
             <a:spLocks noGrp="1" noChangeArrowheads="1"/>
           </p:cNvSpPr>
@@ -21258,26 +21179,155 @@
         </p:nvSpPr>
         <p:spPr/>
         <p:txBody>
-          <a:bodyPr/>
+          <a:bodyPr>
+            <a:normAutofit lnSpcReduction="10000"/>
+          </a:bodyPr>
           <a:lstStyle/>
           <a:p>
             <a:r>
-              <a:rPr lang="en-US" altLang="zh-TW" smtClean="0"/>
-              <a:t>Each variable start with a dollar sign ($)</a:t>
-            </a:r>
-          </a:p>
-          <a:p>
-            <a:r>
-              <a:rPr lang="en-US" altLang="zh-TW" smtClean="0"/>
-              <a:t>PHP is case sensitive $car&lt;&gt;$Car</a:t>
-            </a:r>
-          </a:p>
-          <a:p>
-            <a:r>
-              <a:rPr lang="en-US" altLang="zh-TW" smtClean="0"/>
-              <a:t>Hello.php</a:t>
-            </a:r>
-            <a:endParaRPr lang="en-US" altLang="zh-TW" dirty="0" smtClean="0"/>
+              <a:rPr lang="mr-IN" altLang="zh-TW" dirty="0" smtClean="0"/>
+              <a:t>"</a:t>
+            </a:r>
+            <a:r>
+              <a:rPr lang="zh-TW" altLang="en-US" dirty="0" smtClean="0"/>
+              <a:t>\</a:t>
+            </a:r>
+            <a:r>
+              <a:rPr lang="mr-IN" altLang="zh-TW" dirty="0" smtClean="0"/>
+              <a:t>"</a:t>
+            </a:r>
+            <a:r>
+              <a:rPr lang="zh-TW" altLang="en-US" dirty="0" smtClean="0"/>
+              <a:t> </a:t>
+            </a:r>
+            <a:r>
+              <a:rPr lang="en-US" altLang="zh-TW" dirty="0" smtClean="0"/>
+              <a:t>is used for special command or character</a:t>
+            </a:r>
+          </a:p>
+          <a:p>
+            <a:r>
+              <a:rPr lang="mr-IN" altLang="zh-TW" dirty="0" smtClean="0"/>
+              <a:t>"</a:t>
+            </a:r>
+            <a:r>
+              <a:rPr lang="en-US" altLang="zh-TW" dirty="0" smtClean="0"/>
+              <a:t> \n </a:t>
+            </a:r>
+            <a:r>
+              <a:rPr lang="mr-IN" altLang="zh-TW" dirty="0" smtClean="0"/>
+              <a:t>"</a:t>
+            </a:r>
+            <a:r>
+              <a:rPr lang="en-US" altLang="zh-TW" dirty="0" smtClean="0"/>
+              <a:t> is next line in email, same as &lt;</a:t>
+            </a:r>
+            <a:r>
+              <a:rPr lang="en-US" altLang="zh-TW" dirty="0" err="1" smtClean="0"/>
+              <a:t>br</a:t>
+            </a:r>
+            <a:r>
+              <a:rPr lang="en-US" altLang="zh-TW" dirty="0" smtClean="0"/>
+              <a:t>&gt; in html</a:t>
+            </a:r>
+          </a:p>
+          <a:p>
+            <a:r>
+              <a:rPr lang="mr-IN" altLang="zh-TW" dirty="0" smtClean="0"/>
+              <a:t>"</a:t>
+            </a:r>
+            <a:r>
+              <a:rPr lang="en-US" altLang="zh-TW" dirty="0" smtClean="0"/>
+              <a:t> \r </a:t>
+            </a:r>
+            <a:r>
+              <a:rPr lang="mr-IN" altLang="zh-TW" dirty="0" smtClean="0"/>
+              <a:t>"</a:t>
+            </a:r>
+            <a:r>
+              <a:rPr lang="en-US" altLang="zh-TW" dirty="0" smtClean="0"/>
+              <a:t> = carriage return</a:t>
+            </a:r>
+          </a:p>
+          <a:p>
+            <a:r>
+              <a:rPr lang="mr-IN" altLang="zh-TW" dirty="0" smtClean="0"/>
+              <a:t>"</a:t>
+            </a:r>
+            <a:r>
+              <a:rPr lang="en-US" altLang="zh-TW" dirty="0" smtClean="0"/>
+              <a:t> \t </a:t>
+            </a:r>
+            <a:r>
+              <a:rPr lang="mr-IN" altLang="zh-TW" dirty="0" smtClean="0"/>
+              <a:t>"</a:t>
+            </a:r>
+            <a:r>
+              <a:rPr lang="en-US" altLang="zh-TW" dirty="0" smtClean="0"/>
+              <a:t> = tab</a:t>
+            </a:r>
+          </a:p>
+          <a:p>
+            <a:r>
+              <a:rPr lang="mr-IN" altLang="zh-TW" dirty="0" smtClean="0"/>
+              <a:t>"</a:t>
+            </a:r>
+            <a:r>
+              <a:rPr lang="en-US" altLang="zh-TW" dirty="0" smtClean="0"/>
+              <a:t> \$ </a:t>
+            </a:r>
+            <a:r>
+              <a:rPr lang="mr-IN" altLang="zh-TW" dirty="0" smtClean="0"/>
+              <a:t>"</a:t>
+            </a:r>
+            <a:r>
+              <a:rPr lang="en-US" altLang="zh-TW" dirty="0" smtClean="0"/>
+              <a:t> is printing the $ sign</a:t>
+            </a:r>
+          </a:p>
+          <a:p>
+            <a:r>
+              <a:rPr lang="mr-IN" altLang="zh-TW" dirty="0" smtClean="0"/>
+              <a:t>"</a:t>
+            </a:r>
+            <a:r>
+              <a:rPr lang="en-US" altLang="zh-TW" dirty="0" smtClean="0"/>
+              <a:t> \\ </a:t>
+            </a:r>
+            <a:r>
+              <a:rPr lang="mr-IN" altLang="zh-TW" dirty="0" smtClean="0"/>
+              <a:t>"</a:t>
+            </a:r>
+            <a:r>
+              <a:rPr lang="en-US" altLang="zh-TW" dirty="0" smtClean="0"/>
+              <a:t> is printing the \ sign</a:t>
+            </a:r>
+          </a:p>
+          <a:p>
+            <a:r>
+              <a:rPr lang="mr-IN" altLang="zh-TW" dirty="0" smtClean="0"/>
+              <a:t>"</a:t>
+            </a:r>
+            <a:r>
+              <a:rPr lang="en-US" altLang="zh-TW" dirty="0" smtClean="0"/>
+              <a:t> \</a:t>
+            </a:r>
+            <a:r>
+              <a:rPr lang="mr-IN" altLang="zh-TW" dirty="0" smtClean="0"/>
+              <a:t>"</a:t>
+            </a:r>
+            <a:r>
+              <a:rPr lang="en-US" altLang="zh-TW" dirty="0" smtClean="0"/>
+              <a:t> </a:t>
+            </a:r>
+            <a:r>
+              <a:rPr lang="mr-IN" altLang="zh-TW" dirty="0" smtClean="0"/>
+              <a:t>"</a:t>
+            </a:r>
+            <a:r>
+              <a:rPr lang="en-US" altLang="zh-TW" dirty="0" smtClean="0"/>
+              <a:t> = ?</a:t>
+            </a:r>
           </a:p>
         </p:txBody>
       </p:sp>
@@ -21327,7 +21377,7 @@
       </p:grpSpPr>
       <p:sp>
         <p:nvSpPr>
-          <p:cNvPr id="154626" name="Rectangle 2"/>
+          <p:cNvPr id="163842" name="Rectangle 2050"/>
           <p:cNvSpPr>
             <a:spLocks noGrp="1" noChangeArrowheads="1"/>
           </p:cNvSpPr>
@@ -21342,7 +21392,7 @@
           <a:p>
             <a:r>
               <a:rPr lang="en-US" altLang="zh-TW" smtClean="0"/>
-              <a:t>Variable II</a:t>
+              <a:t>Variable III</a:t>
             </a:r>
             <a:endParaRPr lang="en-US" altLang="zh-TW" dirty="0" smtClean="0"/>
           </a:p>
@@ -21350,7 +21400,7 @@
       </p:sp>
       <p:sp>
         <p:nvSpPr>
-          <p:cNvPr id="48131" name="Rectangle 3"/>
+          <p:cNvPr id="49155" name="Rectangle 2051"/>
           <p:cNvSpPr>
             <a:spLocks noGrp="1" noChangeArrowheads="1"/>
           </p:cNvSpPr>
@@ -21360,155 +21410,49 @@
         </p:nvSpPr>
         <p:spPr/>
         <p:txBody>
-          <a:bodyPr>
-            <a:normAutofit lnSpcReduction="10000"/>
-          </a:bodyPr>
+          <a:bodyPr/>
           <a:lstStyle/>
           <a:p>
             <a:r>
-              <a:rPr lang="mr-IN" altLang="zh-TW" dirty="0" smtClean="0"/>
-              <a:t>"</a:t>
-            </a:r>
-            <a:r>
-              <a:rPr lang="zh-TW" altLang="en-US" dirty="0" smtClean="0"/>
-              <a:t>\</a:t>
-            </a:r>
-            <a:r>
-              <a:rPr lang="mr-IN" altLang="zh-TW" dirty="0" smtClean="0"/>
-              <a:t>"</a:t>
-            </a:r>
-            <a:r>
-              <a:rPr lang="zh-TW" altLang="en-US" dirty="0" smtClean="0"/>
-              <a:t> </a:t>
-            </a:r>
-            <a:r>
               <a:rPr lang="en-US" altLang="zh-TW" dirty="0" smtClean="0"/>
-              <a:t>is used for special command or character</a:t>
-            </a:r>
-          </a:p>
-          <a:p>
-            <a:r>
-              <a:rPr lang="mr-IN" altLang="zh-TW" dirty="0" smtClean="0"/>
-              <a:t>"</a:t>
-            </a:r>
+              <a:t>Examples of valid variables names are: $total, $_cell1, $</a:t>
+            </a:r>
+            <a:r>
+              <a:rPr lang="en-US" altLang="zh-TW" dirty="0" err="1" smtClean="0"/>
+              <a:t>length_of_string</a:t>
+            </a:r>
+            <a:endParaRPr lang="en-US" altLang="zh-TW" dirty="0" smtClean="0"/>
+          </a:p>
+          <a:p>
             <a:r>
               <a:rPr lang="en-US" altLang="zh-TW" dirty="0" smtClean="0"/>
-              <a:t> \n </a:t>
-            </a:r>
-            <a:r>
-              <a:rPr lang="mr-IN" altLang="zh-TW" dirty="0" smtClean="0"/>
-              <a:t>"</a:t>
-            </a:r>
+              <a:t>Examples of invalid variables names are: $1_total, $2_length, $!total </a:t>
+            </a:r>
+          </a:p>
+          <a:p>
             <a:r>
               <a:rPr lang="en-US" altLang="zh-TW" dirty="0" smtClean="0"/>
-              <a:t> is next line in email, same as &lt;</a:t>
+              <a:t>$</a:t>
             </a:r>
             <a:r>
               <a:rPr lang="en-US" altLang="zh-TW" dirty="0" err="1" smtClean="0"/>
-              <a:t>br</a:t>
-            </a:r>
+              <a:t>oneTwoThreeFour</a:t>
+            </a:r>
+            <a:endParaRPr lang="en-US" altLang="zh-TW" dirty="0" smtClean="0"/>
+          </a:p>
+          <a:p>
             <a:r>
               <a:rPr lang="en-US" altLang="zh-TW" dirty="0" smtClean="0"/>
-              <a:t>&gt; in html</a:t>
-            </a:r>
-          </a:p>
-          <a:p>
-            <a:r>
-              <a:rPr lang="mr-IN" altLang="zh-TW" dirty="0" smtClean="0"/>
-              <a:t>"</a:t>
-            </a:r>
-            <a:r>
-              <a:rPr lang="en-US" altLang="zh-TW" dirty="0" smtClean="0"/>
-              <a:t> \r </a:t>
-            </a:r>
-            <a:r>
-              <a:rPr lang="mr-IN" altLang="zh-TW" dirty="0" smtClean="0"/>
-              <a:t>"</a:t>
-            </a:r>
-            <a:r>
-              <a:rPr lang="en-US" altLang="zh-TW" dirty="0" smtClean="0"/>
-              <a:t> = carriage return</a:t>
-            </a:r>
-          </a:p>
-          <a:p>
-            <a:r>
-              <a:rPr lang="mr-IN" altLang="zh-TW" dirty="0" smtClean="0"/>
-              <a:t>"</a:t>
-            </a:r>
-            <a:r>
-              <a:rPr lang="en-US" altLang="zh-TW" dirty="0" smtClean="0"/>
-              <a:t> \t </a:t>
-            </a:r>
-            <a:r>
-              <a:rPr lang="mr-IN" altLang="zh-TW" dirty="0" smtClean="0"/>
-              <a:t>"</a:t>
-            </a:r>
-            <a:r>
-              <a:rPr lang="en-US" altLang="zh-TW" dirty="0" smtClean="0"/>
-              <a:t> = tab</a:t>
-            </a:r>
-          </a:p>
-          <a:p>
-            <a:r>
-              <a:rPr lang="mr-IN" altLang="zh-TW" dirty="0" smtClean="0"/>
-              <a:t>"</a:t>
-            </a:r>
-            <a:r>
-              <a:rPr lang="en-US" altLang="zh-TW" dirty="0" smtClean="0"/>
-              <a:t> \$ </a:t>
-            </a:r>
-            <a:r>
-              <a:rPr lang="mr-IN" altLang="zh-TW" dirty="0" smtClean="0"/>
-              <a:t>"</a:t>
-            </a:r>
-            <a:r>
-              <a:rPr lang="en-US" altLang="zh-TW" dirty="0" smtClean="0"/>
-              <a:t> is printing the $ sign</a:t>
-            </a:r>
-          </a:p>
-          <a:p>
-            <a:r>
-              <a:rPr lang="mr-IN" altLang="zh-TW" dirty="0" smtClean="0"/>
-              <a:t>"</a:t>
-            </a:r>
-            <a:r>
-              <a:rPr lang="en-US" altLang="zh-TW" dirty="0" smtClean="0"/>
-              <a:t> \\ </a:t>
-            </a:r>
-            <a:r>
-              <a:rPr lang="mr-IN" altLang="zh-TW" dirty="0" smtClean="0"/>
-              <a:t>"</a:t>
-            </a:r>
-            <a:r>
-              <a:rPr lang="en-US" altLang="zh-TW" dirty="0" smtClean="0"/>
-              <a:t> is printing the \ sign</a:t>
-            </a:r>
-          </a:p>
-          <a:p>
-            <a:r>
-              <a:rPr lang="mr-IN" altLang="zh-TW" dirty="0" smtClean="0"/>
-              <a:t>"</a:t>
-            </a:r>
-            <a:r>
-              <a:rPr lang="en-US" altLang="zh-TW" dirty="0" smtClean="0"/>
-              <a:t> \</a:t>
-            </a:r>
-            <a:r>
-              <a:rPr lang="mr-IN" altLang="zh-TW" dirty="0" smtClean="0"/>
-              <a:t>"</a:t>
-            </a:r>
-            <a:r>
-              <a:rPr lang="en-US" altLang="zh-TW" dirty="0" smtClean="0"/>
-              <a:t> </a:t>
-            </a:r>
-            <a:r>
-              <a:rPr lang="mr-IN" altLang="zh-TW" dirty="0" smtClean="0"/>
-              <a:t>"</a:t>
-            </a:r>
-            <a:r>
-              <a:rPr lang="en-US" altLang="zh-TW" dirty="0" smtClean="0"/>
-              <a:t> = ?</a:t>
-            </a:r>
+              <a:t>$</a:t>
+            </a:r>
+            <a:r>
+              <a:rPr lang="en-US" altLang="zh-TW" dirty="0" err="1" smtClean="0"/>
+              <a:t>thisIsVariable</a:t>
+            </a:r>
+            <a:endParaRPr lang="en-US" altLang="zh-TW" dirty="0" smtClean="0"/>
+          </a:p>
+          <a:p>
+            <a:endParaRPr lang="en-US" altLang="zh-TW" dirty="0" smtClean="0"/>
           </a:p>
         </p:txBody>
       </p:sp>
@@ -21558,7 +21502,7 @@
       </p:grpSpPr>
       <p:sp>
         <p:nvSpPr>
-          <p:cNvPr id="163842" name="Rectangle 2050"/>
+          <p:cNvPr id="141314" name="Rectangle 2"/>
           <p:cNvSpPr>
             <a:spLocks noGrp="1" noChangeArrowheads="1"/>
           </p:cNvSpPr>
@@ -21573,66 +21517,185 @@
           <a:p>
             <a:r>
               <a:rPr lang="en-US" altLang="zh-TW" smtClean="0"/>
-              <a:t>Variable III</a:t>
+              <a:t>Variable Types</a:t>
+            </a:r>
+          </a:p>
+        </p:txBody>
+      </p:sp>
+      <p:sp>
+        <p:nvSpPr>
+          <p:cNvPr id="50179" name="Rectangle 3"/>
+          <p:cNvSpPr>
+            <a:spLocks noGrp="1" noChangeArrowheads="1"/>
+          </p:cNvSpPr>
+          <p:nvPr>
+            <p:ph idx="1"/>
+          </p:nvPr>
+        </p:nvSpPr>
+        <p:spPr/>
+        <p:txBody>
+          <a:bodyPr>
+            <a:normAutofit lnSpcReduction="10000"/>
+          </a:bodyPr>
+          <a:lstStyle/>
+          <a:p>
+            <a:r>
+              <a:rPr lang="en-US" altLang="zh-TW" dirty="0" smtClean="0"/>
+              <a:t>Integer – whole number, </a:t>
+            </a:r>
+            <a:r>
+              <a:rPr lang="mr-IN" altLang="zh-TW" dirty="0" smtClean="0"/>
+              <a:t>"</a:t>
+            </a:r>
+            <a:r>
+              <a:rPr lang="en-US" altLang="zh-TW" dirty="0" smtClean="0"/>
+              <a:t>1</a:t>
+            </a:r>
+            <a:r>
+              <a:rPr lang="mr-IN" altLang="zh-TW" dirty="0" smtClean="0"/>
+              <a:t>"</a:t>
             </a:r>
             <a:endParaRPr lang="en-US" altLang="zh-TW" dirty="0" smtClean="0"/>
           </a:p>
-        </p:txBody>
-      </p:sp>
-      <p:sp>
-        <p:nvSpPr>
-          <p:cNvPr id="49155" name="Rectangle 2051"/>
-          <p:cNvSpPr>
-            <a:spLocks noGrp="1" noChangeArrowheads="1"/>
-          </p:cNvSpPr>
-          <p:nvPr>
-            <p:ph idx="1"/>
-          </p:nvPr>
-        </p:nvSpPr>
-        <p:spPr/>
-        <p:txBody>
-          <a:bodyPr/>
-          <a:lstStyle/>
           <a:p>
             <a:r>
               <a:rPr lang="en-US" altLang="zh-TW" dirty="0" smtClean="0"/>
-              <a:t>Examples of valid variables names are: $total, $_cell1, $</a:t>
+              <a:t>Double – real number, </a:t>
+            </a:r>
+            <a:r>
+              <a:rPr lang="mr-IN" altLang="zh-TW" dirty="0" smtClean="0"/>
+              <a:t>"</a:t>
+            </a:r>
+            <a:r>
+              <a:rPr lang="en-US" altLang="zh-TW" dirty="0" smtClean="0"/>
+              <a:t>1.00</a:t>
+            </a:r>
+            <a:r>
+              <a:rPr lang="mr-IN" altLang="zh-TW" dirty="0" smtClean="0"/>
+              <a:t>"</a:t>
+            </a:r>
+            <a:endParaRPr lang="en-US" altLang="zh-TW" dirty="0" smtClean="0"/>
+          </a:p>
+          <a:p>
+            <a:r>
+              <a:rPr lang="en-US" altLang="zh-TW" dirty="0" smtClean="0"/>
+              <a:t>Character – </a:t>
+            </a:r>
+            <a:r>
+              <a:rPr lang="mr-IN" altLang="zh-TW" dirty="0" smtClean="0"/>
+              <a:t>"</a:t>
+            </a:r>
+            <a:r>
+              <a:rPr lang="en-US" altLang="zh-TW" dirty="0" smtClean="0"/>
+              <a:t>A</a:t>
+            </a:r>
+            <a:r>
+              <a:rPr lang="mr-IN" altLang="zh-TW" dirty="0" smtClean="0"/>
+              <a:t>"</a:t>
+            </a:r>
+            <a:r>
+              <a:rPr lang="en-US" altLang="zh-TW" dirty="0" smtClean="0"/>
+              <a:t>, </a:t>
+            </a:r>
+            <a:r>
+              <a:rPr lang="mr-IN" altLang="zh-TW" dirty="0" smtClean="0"/>
+              <a:t>"</a:t>
+            </a:r>
+            <a:r>
+              <a:rPr lang="en-US" altLang="zh-TW" dirty="0" smtClean="0"/>
+              <a:t>B</a:t>
+            </a:r>
+            <a:r>
+              <a:rPr lang="mr-IN" altLang="zh-TW" dirty="0" smtClean="0"/>
+              <a:t>"</a:t>
+            </a:r>
+            <a:r>
+              <a:rPr lang="en-US" altLang="zh-TW" dirty="0" smtClean="0"/>
+              <a:t> .. </a:t>
+            </a:r>
+            <a:r>
+              <a:rPr lang="mr-IN" altLang="zh-TW" dirty="0" smtClean="0"/>
+              <a:t>"</a:t>
+            </a:r>
+            <a:r>
+              <a:rPr lang="en-US" altLang="zh-TW" dirty="0" smtClean="0"/>
+              <a:t>z</a:t>
+            </a:r>
+            <a:r>
+              <a:rPr lang="mr-IN" altLang="zh-TW" dirty="0" smtClean="0"/>
+              <a:t>"</a:t>
+            </a:r>
+            <a:endParaRPr lang="en-US" altLang="zh-TW" dirty="0" smtClean="0"/>
+          </a:p>
+          <a:p>
+            <a:r>
+              <a:rPr lang="en-US" altLang="zh-TW" dirty="0" smtClean="0"/>
+              <a:t>String – strings of characters, </a:t>
+            </a:r>
+            <a:r>
+              <a:rPr lang="mr-IN" altLang="zh-TW" dirty="0" smtClean="0"/>
+              <a:t>"</a:t>
+            </a:r>
+            <a:r>
+              <a:rPr lang="en-US" altLang="zh-TW" dirty="0" smtClean="0"/>
+              <a:t>Hello</a:t>
+            </a:r>
+            <a:r>
+              <a:rPr lang="mr-IN" altLang="zh-TW" dirty="0" smtClean="0"/>
+              <a:t>"</a:t>
+            </a:r>
+            <a:endParaRPr lang="en-US" altLang="zh-TW" dirty="0" smtClean="0"/>
+          </a:p>
+          <a:p>
+            <a:r>
+              <a:rPr lang="en-US" altLang="zh-TW" dirty="0" smtClean="0"/>
+              <a:t>Boolean – true or false, 1 or 0</a:t>
+            </a:r>
+          </a:p>
+          <a:p>
+            <a:r>
+              <a:rPr lang="en-US" altLang="zh-TW" dirty="0" smtClean="0"/>
+              <a:t>Array – multiple data types items, </a:t>
+            </a:r>
+            <a:r>
+              <a:rPr lang="mr-IN" altLang="zh-TW" dirty="0" smtClean="0"/>
+              <a:t>"</a:t>
+            </a:r>
+            <a:r>
+              <a:rPr lang="en-US" altLang="zh-TW" dirty="0" smtClean="0"/>
+              <a:t>$car[I]</a:t>
+            </a:r>
+            <a:r>
+              <a:rPr lang="mr-IN" altLang="zh-TW" dirty="0" smtClean="0"/>
+              <a:t>"</a:t>
+            </a:r>
+            <a:r>
+              <a:rPr lang="en-US" altLang="zh-TW" dirty="0" smtClean="0"/>
+              <a:t>, </a:t>
             </a:r>
             <a:r>
               <a:rPr lang="en-US" altLang="zh-TW" dirty="0" err="1" smtClean="0"/>
-              <a:t>length_of_string</a:t>
+              <a:t>array.php</a:t>
             </a:r>
             <a:endParaRPr lang="en-US" altLang="zh-TW" dirty="0" smtClean="0"/>
           </a:p>
           <a:p>
             <a:r>
               <a:rPr lang="en-US" altLang="zh-TW" dirty="0" smtClean="0"/>
-              <a:t>Examples of invalid variables names are: $1_total, $2_length, $!total </a:t>
-            </a:r>
-          </a:p>
-          <a:p>
+              <a:t>Object – instances of classes, </a:t>
+            </a:r>
+            <a:r>
+              <a:rPr lang="mr-IN" altLang="zh-TW" dirty="0" smtClean="0"/>
+              <a:t>"</a:t>
+            </a:r>
             <a:r>
               <a:rPr lang="en-US" altLang="zh-TW" dirty="0" smtClean="0"/>
-              <a:t>$</a:t>
-            </a:r>
-            <a:r>
-              <a:rPr lang="en-US" altLang="zh-TW" dirty="0" err="1" smtClean="0"/>
-              <a:t>oneTwoThree</a:t>
-            </a:r>
-            <a:endParaRPr lang="en-US" altLang="zh-TW" dirty="0" smtClean="0"/>
-          </a:p>
-          <a:p>
-            <a:r>
-              <a:rPr lang="en-US" altLang="zh-TW" dirty="0" smtClean="0"/>
-              <a:t>$</a:t>
-            </a:r>
-            <a:r>
-              <a:rPr lang="en-US" altLang="zh-TW" dirty="0" err="1" smtClean="0"/>
-              <a:t>thisIsVariable</a:t>
-            </a:r>
-            <a:endParaRPr lang="en-US" altLang="zh-TW" dirty="0" smtClean="0"/>
-          </a:p>
-          <a:p>
+              <a:t>$car-&gt;tire=good</a:t>
+            </a:r>
+            <a:r>
+              <a:rPr lang="mr-IN" altLang="zh-TW" dirty="0" smtClean="0"/>
+              <a:t>"</a:t>
+            </a:r>
             <a:endParaRPr lang="en-US" altLang="zh-TW" dirty="0" smtClean="0"/>
           </a:p>
         </p:txBody>
@@ -21683,9 +21746,9 @@
       </p:grpSpPr>
       <p:sp>
         <p:nvSpPr>
-          <p:cNvPr id="141314" name="Rectangle 2"/>
-          <p:cNvSpPr>
-            <a:spLocks noGrp="1" noChangeArrowheads="1"/>
+          <p:cNvPr id="2" name="Title 1"/>
+          <p:cNvSpPr>
+            <a:spLocks noGrp="1"/>
           </p:cNvSpPr>
           <p:nvPr>
             <p:ph type="title"/>
@@ -21697,185 +21760,55 @@
           <a:lstStyle/>
           <a:p>
             <a:r>
+              <a:rPr lang="en-US" smtClean="0"/>
+              <a:t>Homework</a:t>
+            </a:r>
+            <a:endParaRPr lang="en-US" dirty="0"/>
+          </a:p>
+        </p:txBody>
+      </p:sp>
+      <p:sp>
+        <p:nvSpPr>
+          <p:cNvPr id="51203" name="Content Placeholder 2"/>
+          <p:cNvSpPr>
+            <a:spLocks noGrp="1"/>
+          </p:cNvSpPr>
+          <p:nvPr>
+            <p:ph idx="1"/>
+          </p:nvPr>
+        </p:nvSpPr>
+        <p:spPr/>
+        <p:txBody>
+          <a:bodyPr/>
+          <a:lstStyle/>
+          <a:p>
+            <a:r>
               <a:rPr lang="en-US" altLang="zh-TW" smtClean="0"/>
-              <a:t>Variable Types</a:t>
-            </a:r>
-          </a:p>
-        </p:txBody>
-      </p:sp>
-      <p:sp>
-        <p:nvSpPr>
-          <p:cNvPr id="50179" name="Rectangle 3"/>
-          <p:cNvSpPr>
-            <a:spLocks noGrp="1" noChangeArrowheads="1"/>
-          </p:cNvSpPr>
-          <p:nvPr>
-            <p:ph idx="1"/>
-          </p:nvPr>
-        </p:nvSpPr>
-        <p:spPr/>
-        <p:txBody>
-          <a:bodyPr>
-            <a:normAutofit lnSpcReduction="10000"/>
-          </a:bodyPr>
-          <a:lstStyle/>
-          <a:p>
-            <a:r>
-              <a:rPr lang="en-US" altLang="zh-TW" dirty="0" smtClean="0"/>
-              <a:t>Integer – whole number, </a:t>
-            </a:r>
-            <a:r>
-              <a:rPr lang="mr-IN" altLang="zh-TW" dirty="0" smtClean="0"/>
-              <a:t>"</a:t>
-            </a:r>
-            <a:r>
-              <a:rPr lang="en-US" altLang="zh-TW" dirty="0" smtClean="0"/>
-              <a:t>1</a:t>
-            </a:r>
-            <a:r>
-              <a:rPr lang="mr-IN" altLang="zh-TW" dirty="0" smtClean="0"/>
-              <a:t>"</a:t>
-            </a:r>
-            <a:endParaRPr lang="en-US" altLang="zh-TW" dirty="0" smtClean="0"/>
-          </a:p>
-          <a:p>
-            <a:r>
-              <a:rPr lang="en-US" altLang="zh-TW" dirty="0" smtClean="0"/>
-              <a:t>Double – real number, </a:t>
-            </a:r>
-            <a:r>
-              <a:rPr lang="mr-IN" altLang="zh-TW" dirty="0" smtClean="0"/>
-              <a:t>"</a:t>
-            </a:r>
-            <a:r>
-              <a:rPr lang="en-US" altLang="zh-TW" dirty="0" smtClean="0"/>
-              <a:t>1.00</a:t>
-            </a:r>
-            <a:r>
-              <a:rPr lang="mr-IN" altLang="zh-TW" dirty="0" smtClean="0"/>
-              <a:t>"</a:t>
-            </a:r>
-            <a:endParaRPr lang="en-US" altLang="zh-TW" dirty="0" smtClean="0"/>
-          </a:p>
-          <a:p>
-            <a:r>
-              <a:rPr lang="en-US" altLang="zh-TW" dirty="0" smtClean="0"/>
-              <a:t>Character – </a:t>
-            </a:r>
-            <a:r>
-              <a:rPr lang="mr-IN" altLang="zh-TW" dirty="0" smtClean="0"/>
-              <a:t>"</a:t>
-            </a:r>
-            <a:r>
-              <a:rPr lang="en-US" altLang="zh-TW" dirty="0" smtClean="0"/>
-              <a:t>A</a:t>
-            </a:r>
-            <a:r>
-              <a:rPr lang="mr-IN" altLang="zh-TW" dirty="0" smtClean="0"/>
-              <a:t>"</a:t>
-            </a:r>
-            <a:r>
-              <a:rPr lang="en-US" altLang="zh-TW" dirty="0" smtClean="0"/>
-              <a:t>, </a:t>
-            </a:r>
-            <a:r>
-              <a:rPr lang="mr-IN" altLang="zh-TW" dirty="0" smtClean="0"/>
-              <a:t>"</a:t>
-            </a:r>
-            <a:r>
-              <a:rPr lang="en-US" altLang="zh-TW" dirty="0" smtClean="0"/>
-              <a:t>B</a:t>
-            </a:r>
-            <a:r>
-              <a:rPr lang="mr-IN" altLang="zh-TW" dirty="0" smtClean="0"/>
-              <a:t>"</a:t>
-            </a:r>
-            <a:r>
-              <a:rPr lang="en-US" altLang="zh-TW" dirty="0" smtClean="0"/>
-              <a:t> .. </a:t>
-            </a:r>
-            <a:r>
-              <a:rPr lang="mr-IN" altLang="zh-TW" dirty="0" smtClean="0"/>
-              <a:t>"</a:t>
-            </a:r>
-            <a:r>
-              <a:rPr lang="en-US" altLang="zh-TW" dirty="0" smtClean="0"/>
-              <a:t>z</a:t>
-            </a:r>
-            <a:r>
-              <a:rPr lang="mr-IN" altLang="zh-TW" dirty="0" smtClean="0"/>
-              <a:t>"</a:t>
-            </a:r>
-            <a:endParaRPr lang="en-US" altLang="zh-TW" dirty="0" smtClean="0"/>
-          </a:p>
-          <a:p>
-            <a:r>
-              <a:rPr lang="en-US" altLang="zh-TW" dirty="0" smtClean="0"/>
-              <a:t>String – strings of characters, </a:t>
-            </a:r>
-            <a:r>
-              <a:rPr lang="mr-IN" altLang="zh-TW" dirty="0" smtClean="0"/>
-              <a:t>"</a:t>
-            </a:r>
-            <a:r>
-              <a:rPr lang="en-US" altLang="zh-TW" dirty="0" smtClean="0"/>
-              <a:t>Hello</a:t>
-            </a:r>
-            <a:r>
-              <a:rPr lang="mr-IN" altLang="zh-TW" dirty="0" smtClean="0"/>
-              <a:t>"</a:t>
-            </a:r>
-            <a:endParaRPr lang="en-US" altLang="zh-TW" dirty="0" smtClean="0"/>
-          </a:p>
-          <a:p>
-            <a:r>
-              <a:rPr lang="en-US" altLang="zh-TW" dirty="0" smtClean="0"/>
-              <a:t>Boolean – true or false, 1 or 0</a:t>
-            </a:r>
-          </a:p>
-          <a:p>
-            <a:r>
-              <a:rPr lang="en-US" altLang="zh-TW" dirty="0" smtClean="0"/>
-              <a:t>Array – multiple data types items, </a:t>
-            </a:r>
-            <a:r>
-              <a:rPr lang="mr-IN" altLang="zh-TW" dirty="0" smtClean="0"/>
-              <a:t>"</a:t>
-            </a:r>
-            <a:r>
-              <a:rPr lang="en-US" altLang="zh-TW" dirty="0" smtClean="0"/>
-              <a:t>$car[I]</a:t>
-            </a:r>
-            <a:r>
-              <a:rPr lang="mr-IN" altLang="zh-TW" dirty="0" smtClean="0"/>
-              <a:t>"</a:t>
-            </a:r>
-            <a:r>
-              <a:rPr lang="en-US" altLang="zh-TW" dirty="0" smtClean="0"/>
-              <a:t>, </a:t>
-            </a:r>
-            <a:r>
-              <a:rPr lang="en-US" altLang="zh-TW" dirty="0" err="1" smtClean="0"/>
-              <a:t>array.php</a:t>
-            </a:r>
-            <a:endParaRPr lang="en-US" altLang="zh-TW" dirty="0" smtClean="0"/>
-          </a:p>
-          <a:p>
-            <a:r>
-              <a:rPr lang="en-US" altLang="zh-TW" dirty="0" smtClean="0"/>
-              <a:t>Object – instances of classes, </a:t>
-            </a:r>
-            <a:r>
-              <a:rPr lang="mr-IN" altLang="zh-TW" dirty="0" smtClean="0"/>
-              <a:t>"</a:t>
-            </a:r>
-            <a:r>
-              <a:rPr lang="en-US" altLang="zh-TW" dirty="0" smtClean="0"/>
-              <a:t>$car-&gt;tire=good</a:t>
-            </a:r>
-            <a:r>
-              <a:rPr lang="mr-IN" altLang="zh-TW" dirty="0" smtClean="0"/>
-              <a:t>"</a:t>
+              <a:t>Open birthday.php</a:t>
+            </a:r>
+          </a:p>
+          <a:p>
+            <a:r>
+              <a:rPr lang="en-US" altLang="zh-TW" smtClean="0"/>
+              <a:t>Store your name in variable $name</a:t>
+            </a:r>
+          </a:p>
+          <a:p>
+            <a:r>
+              <a:rPr lang="en-US" altLang="zh-TW" smtClean="0"/>
+              <a:t>Store your birth year in $birthday</a:t>
+            </a:r>
+          </a:p>
+          <a:p>
+            <a:r>
+              <a:rPr lang="en-US" altLang="zh-TW" smtClean="0"/>
+              <a:t>Store today date  in $today</a:t>
+            </a:r>
+          </a:p>
+          <a:p>
+            <a:r>
+              <a:rPr lang="en-US" altLang="zh-TW" smtClean="0"/>
+              <a:t>Echo the value in the variables so people can see your name and date of birth in the web page.</a:t>
             </a:r>
             <a:endParaRPr lang="en-US" altLang="zh-TW" dirty="0" smtClean="0"/>
           </a:p>
@@ -21986,9 +21919,9 @@
       </p:grpSpPr>
       <p:sp>
         <p:nvSpPr>
-          <p:cNvPr id="2" name="Title 1"/>
-          <p:cNvSpPr>
-            <a:spLocks noGrp="1"/>
+          <p:cNvPr id="144386" name="Rectangle 2"/>
+          <p:cNvSpPr>
+            <a:spLocks noGrp="1" noChangeArrowheads="1"/>
           </p:cNvSpPr>
           <p:nvPr>
             <p:ph type="title"/>
@@ -22000,55 +21933,102 @@
           <a:lstStyle/>
           <a:p>
             <a:r>
+              <a:rPr lang="en-US" altLang="zh-TW" smtClean="0"/>
+              <a:t>Operands I</a:t>
+            </a:r>
+          </a:p>
+        </p:txBody>
+      </p:sp>
+      <p:sp>
+        <p:nvSpPr>
+          <p:cNvPr id="52227" name="Rectangle 3"/>
+          <p:cNvSpPr>
+            <a:spLocks noGrp="1" noChangeArrowheads="1"/>
+          </p:cNvSpPr>
+          <p:nvPr>
+            <p:ph idx="1"/>
+          </p:nvPr>
+        </p:nvSpPr>
+        <p:spPr/>
+        <p:txBody>
+          <a:bodyPr>
+            <a:normAutofit fontScale="92500" lnSpcReduction="20000"/>
+          </a:bodyPr>
+          <a:lstStyle/>
+          <a:p>
+            <a:r>
+              <a:rPr lang="zh-TW" altLang="en-US" smtClean="0"/>
+              <a:t>+, -, *, /, %</a:t>
+            </a:r>
+          </a:p>
+          <a:p>
+            <a:r>
+              <a:rPr lang="zh-TW" altLang="en-US" smtClean="0"/>
+              <a:t>$</a:t>
+            </a:r>
+            <a:r>
+              <a:rPr lang="en-US" altLang="zh-TW" smtClean="0"/>
+              <a:t>a=7; $b=3;</a:t>
+            </a:r>
+          </a:p>
+          <a:p>
+            <a:r>
+              <a:rPr lang="en-US" altLang="zh-TW" smtClean="0"/>
+              <a:t>$sum=$a+$b;</a:t>
+            </a:r>
+          </a:p>
+          <a:p>
+            <a:r>
+              <a:rPr lang="en-US" altLang="zh-TW" smtClean="0"/>
+              <a:t>$</a:t>
+            </a:r>
+            <a:r>
               <a:rPr lang="en-US" smtClean="0"/>
-              <a:t>Homework</a:t>
-            </a:r>
-            <a:endParaRPr lang="en-US" dirty="0"/>
-          </a:p>
-        </p:txBody>
-      </p:sp>
-      <p:sp>
-        <p:nvSpPr>
-          <p:cNvPr id="51203" name="Content Placeholder 2"/>
-          <p:cNvSpPr>
-            <a:spLocks noGrp="1"/>
-          </p:cNvSpPr>
-          <p:nvPr>
-            <p:ph idx="1"/>
-          </p:nvPr>
-        </p:nvSpPr>
-        <p:spPr/>
-        <p:txBody>
-          <a:bodyPr/>
-          <a:lstStyle/>
-          <a:p>
+              <a:t>difference</a:t>
+            </a:r>
             <a:r>
               <a:rPr lang="en-US" altLang="zh-TW" smtClean="0"/>
-              <a:t>Open birthday.php</a:t>
+              <a:t>=$a-$b;</a:t>
             </a:r>
           </a:p>
           <a:p>
             <a:r>
               <a:rPr lang="en-US" altLang="zh-TW" smtClean="0"/>
-              <a:t>Store your name in variable $name</a:t>
-            </a:r>
-          </a:p>
-          <a:p>
+              <a:t>$</a:t>
+            </a:r>
+            <a:r>
+              <a:rPr lang="en-US" smtClean="0"/>
+              <a:t>product</a:t>
+            </a:r>
             <a:r>
               <a:rPr lang="en-US" altLang="zh-TW" smtClean="0"/>
-              <a:t>Store your birth year in $birthday</a:t>
+              <a:t>=$a*$b;</a:t>
             </a:r>
           </a:p>
           <a:p>
             <a:r>
               <a:rPr lang="en-US" altLang="zh-TW" smtClean="0"/>
-              <a:t>Store today date  in $today</a:t>
-            </a:r>
-          </a:p>
-          <a:p>
+              <a:t>$</a:t>
+            </a:r>
+            <a:r>
+              <a:rPr lang="en-US" smtClean="0"/>
+              <a:t>quotient</a:t>
+            </a:r>
             <a:r>
               <a:rPr lang="en-US" altLang="zh-TW" smtClean="0"/>
-              <a:t>Echo the value in the variables so people can see your name and date of birth in the web page.</a:t>
+              <a:t>=$a/$b;</a:t>
+            </a:r>
+          </a:p>
+          <a:p>
+            <a:r>
+              <a:rPr lang="en-US" altLang="zh-TW" smtClean="0"/>
+              <a:t>$mod=$a%$b;</a:t>
+            </a:r>
+          </a:p>
+          <a:p>
+            <a:r>
+              <a:rPr lang="en-US" altLang="zh-TW" smtClean="0"/>
+              <a:t>operand.php</a:t>
             </a:r>
             <a:endParaRPr lang="en-US" altLang="zh-TW" dirty="0" smtClean="0"/>
           </a:p>
@@ -22100,7 +22080,7 @@
       </p:grpSpPr>
       <p:sp>
         <p:nvSpPr>
-          <p:cNvPr id="144386" name="Rectangle 2"/>
+          <p:cNvPr id="145410" name="Rectangle 2"/>
           <p:cNvSpPr>
             <a:spLocks noGrp="1" noChangeArrowheads="1"/>
           </p:cNvSpPr>
@@ -22115,14 +22095,14 @@
           <a:p>
             <a:r>
               <a:rPr lang="en-US" altLang="zh-TW" smtClean="0"/>
-              <a:t>Operands I</a:t>
-            </a:r>
-          </a:p>
-        </p:txBody>
-      </p:sp>
-      <p:sp>
-        <p:nvSpPr>
-          <p:cNvPr id="52227" name="Rectangle 3"/>
+              <a:t>Errors</a:t>
+            </a:r>
+          </a:p>
+        </p:txBody>
+      </p:sp>
+      <p:sp>
+        <p:nvSpPr>
+          <p:cNvPr id="53251" name="Rectangle 3"/>
           <p:cNvSpPr>
             <a:spLocks noGrp="1" noChangeArrowheads="1"/>
           </p:cNvSpPr>
@@ -22132,86 +22112,19 @@
         </p:nvSpPr>
         <p:spPr/>
         <p:txBody>
-          <a:bodyPr>
-            <a:normAutofit fontScale="92500" lnSpcReduction="20000"/>
-          </a:bodyPr>
+          <a:bodyPr/>
           <a:lstStyle/>
           <a:p>
             <a:r>
-              <a:rPr lang="zh-TW" altLang="en-US" smtClean="0"/>
-              <a:t>+, -, *, /, %</a:t>
-            </a:r>
-          </a:p>
-          <a:p>
-            <a:r>
-              <a:rPr lang="zh-TW" altLang="en-US" smtClean="0"/>
-              <a:t>$</a:t>
-            </a:r>
-            <a:r>
               <a:rPr lang="en-US" altLang="zh-TW" smtClean="0"/>
-              <a:t>a=7; $b=3;</a:t>
+              <a:t>Errors will be shown in the page with line number</a:t>
             </a:r>
           </a:p>
           <a:p>
             <a:r>
               <a:rPr lang="en-US" altLang="zh-TW" smtClean="0"/>
-              <a:t>$sum=$a+$b;</a:t>
-            </a:r>
-          </a:p>
-          <a:p>
-            <a:r>
-              <a:rPr lang="en-US" altLang="zh-TW" smtClean="0"/>
-              <a:t>$</a:t>
-            </a:r>
-            <a:r>
-              <a:rPr lang="en-US" smtClean="0"/>
-              <a:t>difference</a:t>
-            </a:r>
-            <a:r>
-              <a:rPr lang="en-US" altLang="zh-TW" smtClean="0"/>
-              <a:t>=$a-$b;</a:t>
-            </a:r>
-          </a:p>
-          <a:p>
-            <a:r>
-              <a:rPr lang="en-US" altLang="zh-TW" smtClean="0"/>
-              <a:t>$</a:t>
-            </a:r>
-            <a:r>
-              <a:rPr lang="en-US" smtClean="0"/>
-              <a:t>product</a:t>
-            </a:r>
-            <a:r>
-              <a:rPr lang="en-US" altLang="zh-TW" smtClean="0"/>
-              <a:t>=$a*$b;</a:t>
-            </a:r>
-          </a:p>
-          <a:p>
-            <a:r>
-              <a:rPr lang="en-US" altLang="zh-TW" smtClean="0"/>
-              <a:t>$</a:t>
-            </a:r>
-            <a:r>
-              <a:rPr lang="en-US" smtClean="0"/>
-              <a:t>quotient</a:t>
-            </a:r>
-            <a:r>
-              <a:rPr lang="en-US" altLang="zh-TW" smtClean="0"/>
-              <a:t>=$a/$b;</a:t>
-            </a:r>
-          </a:p>
-          <a:p>
-            <a:r>
-              <a:rPr lang="en-US" altLang="zh-TW" smtClean="0"/>
-              <a:t>$mod=$a%$b;</a:t>
-            </a:r>
-          </a:p>
-          <a:p>
-            <a:r>
-              <a:rPr lang="en-US" altLang="zh-TW" smtClean="0"/>
-              <a:t>operand.php</a:t>
-            </a:r>
-            <a:endParaRPr lang="en-US" altLang="zh-TW" dirty="0" smtClean="0"/>
+              <a:t>Ctrl+G to go the line</a:t>
+            </a:r>
           </a:p>
         </p:txBody>
       </p:sp>
@@ -22261,7 +22174,7 @@
       </p:grpSpPr>
       <p:sp>
         <p:nvSpPr>
-          <p:cNvPr id="145410" name="Rectangle 2"/>
+          <p:cNvPr id="165890" name="Rectangle 2"/>
           <p:cNvSpPr>
             <a:spLocks noGrp="1" noChangeArrowheads="1"/>
           </p:cNvSpPr>
@@ -22276,14 +22189,14 @@
           <a:p>
             <a:r>
               <a:rPr lang="en-US" altLang="zh-TW" smtClean="0"/>
-              <a:t>Errors</a:t>
-            </a:r>
-          </a:p>
-        </p:txBody>
-      </p:sp>
-      <p:sp>
-        <p:nvSpPr>
-          <p:cNvPr id="53251" name="Rectangle 3"/>
+              <a:t>Debug</a:t>
+            </a:r>
+          </a:p>
+        </p:txBody>
+      </p:sp>
+      <p:sp>
+        <p:nvSpPr>
+          <p:cNvPr id="54275" name="Rectangle 3"/>
           <p:cNvSpPr>
             <a:spLocks noGrp="1" noChangeArrowheads="1"/>
           </p:cNvSpPr>
@@ -22298,13 +22211,13 @@
           <a:p>
             <a:r>
               <a:rPr lang="en-US" altLang="zh-TW" smtClean="0"/>
-              <a:t>Errors will be shown in the page with line number</a:t>
+              <a:t>Ctrl+backspace - Delete a word on the left</a:t>
             </a:r>
           </a:p>
           <a:p>
             <a:r>
               <a:rPr lang="en-US" altLang="zh-TW" smtClean="0"/>
-              <a:t>Ctrl+G to go the line</a:t>
+              <a:t>Ctrl+Delete - Delete a word on the right</a:t>
             </a:r>
           </a:p>
         </p:txBody>
@@ -22355,9 +22268,9 @@
       </p:grpSpPr>
       <p:sp>
         <p:nvSpPr>
-          <p:cNvPr id="165890" name="Rectangle 2"/>
-          <p:cNvSpPr>
-            <a:spLocks noGrp="1" noChangeArrowheads="1"/>
+          <p:cNvPr id="2" name="Title 1"/>
+          <p:cNvSpPr>
+            <a:spLocks noGrp="1"/>
           </p:cNvSpPr>
           <p:nvPr>
             <p:ph type="title"/>
@@ -22369,17 +22282,18 @@
           <a:lstStyle/>
           <a:p>
             <a:r>
-              <a:rPr lang="en-US" altLang="zh-TW" smtClean="0"/>
-              <a:t>Debug</a:t>
-            </a:r>
-          </a:p>
-        </p:txBody>
-      </p:sp>
-      <p:sp>
-        <p:nvSpPr>
-          <p:cNvPr id="54275" name="Rectangle 3"/>
-          <p:cNvSpPr>
-            <a:spLocks noGrp="1" noChangeArrowheads="1"/>
+              <a:rPr lang="en-US" smtClean="0"/>
+              <a:t>Exercise</a:t>
+            </a:r>
+            <a:endParaRPr lang="en-US" dirty="0"/>
+          </a:p>
+        </p:txBody>
+      </p:sp>
+      <p:sp>
+        <p:nvSpPr>
+          <p:cNvPr id="55299" name="Content Placeholder 2"/>
+          <p:cNvSpPr>
+            <a:spLocks noGrp="1"/>
           </p:cNvSpPr>
           <p:nvPr>
             <p:ph idx="1"/>
@@ -22391,15 +22305,343 @@
           <a:lstStyle/>
           <a:p>
             <a:r>
+              <a:rPr lang="en-US" altLang="zh-TW" dirty="0" smtClean="0"/>
+              <a:t>Find out your age</a:t>
+            </a:r>
+          </a:p>
+          <a:p>
+            <a:r>
+              <a:rPr lang="en-US" altLang="zh-TW" dirty="0" smtClean="0"/>
+              <a:t>Age = this year – your birth year</a:t>
+            </a:r>
+          </a:p>
+          <a:p>
+            <a:r>
+              <a:rPr lang="en-US" altLang="zh-TW" dirty="0" smtClean="0"/>
+              <a:t>Use date function to find out this year in the format (</a:t>
+            </a:r>
+            <a:r>
+              <a:rPr lang="en-US" altLang="zh-TW" dirty="0" err="1" smtClean="0"/>
+              <a:t>yyyy</a:t>
+            </a:r>
+            <a:r>
+              <a:rPr lang="en-US" altLang="zh-TW" dirty="0" smtClean="0"/>
+              <a:t>).  EG. </a:t>
+            </a:r>
+            <a:r>
+              <a:rPr lang="en-US" altLang="zh-TW" dirty="0" smtClean="0"/>
+              <a:t>2017</a:t>
+            </a:r>
+            <a:endParaRPr lang="en-US" altLang="zh-TW" dirty="0" smtClean="0"/>
+          </a:p>
+          <a:p>
+            <a:r>
+              <a:rPr lang="en-US" altLang="zh-TW" dirty="0" smtClean="0"/>
+              <a:t>Calculate your age.</a:t>
+            </a:r>
+          </a:p>
+          <a:p>
+            <a:r>
+              <a:rPr lang="en-US" altLang="zh-TW" dirty="0" smtClean="0"/>
+              <a:t>Display your age.</a:t>
+            </a:r>
+          </a:p>
+        </p:txBody>
+      </p:sp>
+    </p:spTree>
+  </p:cSld>
+  <p:clrMapOvr>
+    <a:masterClrMapping/>
+  </p:clrMapOvr>
+  <mc:AlternateContent xmlns:mc="http://schemas.openxmlformats.org/markup-compatibility/2006" xmlns:p14="http://schemas.microsoft.com/office/powerpoint/2010/main">
+    <mc:Choice Requires="p14">
+      <p:transition spd="slow" p14:dur="3900">
+        <p14:glitter pattern="hexagon"/>
+      </p:transition>
+    </mc:Choice>
+    <mc:Fallback xmlns="">
+      <p:transition spd="slow">
+        <p:fade/>
+      </p:transition>
+    </mc:Fallback>
+  </mc:AlternateContent>
+</p:sld>
+</file>
+
+<file path=ppt/slides/slide44.xml><?xml version="1.0" encoding="utf-8"?>
+<p:sld xmlns:a="http://schemas.openxmlformats.org/drawingml/2006/main" xmlns:r="http://schemas.openxmlformats.org/officeDocument/2006/relationships" xmlns:p="http://schemas.openxmlformats.org/presentationml/2006/main">
+  <p:cSld>
+    <p:spTree>
+      <p:nvGrpSpPr>
+        <p:cNvPr id="1" name=""/>
+        <p:cNvGrpSpPr/>
+        <p:nvPr/>
+      </p:nvGrpSpPr>
+      <p:grpSpPr>
+        <a:xfrm>
+          <a:off x="0" y="0"/>
+          <a:ext cx="0" cy="0"/>
+          <a:chOff x="0" y="0"/>
+          <a:chExt cx="0" cy="0"/>
+        </a:xfrm>
+      </p:grpSpPr>
+      <p:sp>
+        <p:nvSpPr>
+          <p:cNvPr id="164866" name="Rectangle 1026"/>
+          <p:cNvSpPr>
+            <a:spLocks noGrp="1" noChangeArrowheads="1"/>
+          </p:cNvSpPr>
+          <p:nvPr>
+            <p:ph type="title"/>
+          </p:nvPr>
+        </p:nvSpPr>
+        <p:spPr/>
+        <p:txBody>
+          <a:bodyPr/>
+          <a:lstStyle/>
+          <a:p>
+            <a:r>
               <a:rPr lang="en-US" altLang="zh-TW" smtClean="0"/>
-              <a:t>Ctrl+backspace - Delete a word on the left</a:t>
-            </a:r>
-          </a:p>
-          <a:p>
-            <a:r>
-              <a:rPr lang="en-US" altLang="zh-TW" smtClean="0"/>
-              <a:t>Ctrl+Delete - Delete a word on the right</a:t>
-            </a:r>
+              <a:t>More Exercise</a:t>
+            </a:r>
+            <a:endParaRPr lang="en-US" altLang="zh-TW" dirty="0" smtClean="0"/>
+          </a:p>
+        </p:txBody>
+      </p:sp>
+      <p:sp>
+        <p:nvSpPr>
+          <p:cNvPr id="56323" name="Rectangle 1027"/>
+          <p:cNvSpPr>
+            <a:spLocks noGrp="1" noChangeArrowheads="1"/>
+          </p:cNvSpPr>
+          <p:nvPr>
+            <p:ph idx="1"/>
+          </p:nvPr>
+        </p:nvSpPr>
+        <p:spPr/>
+        <p:txBody>
+          <a:bodyPr/>
+          <a:lstStyle/>
+          <a:p>
+            <a:r>
+              <a:rPr lang="en-US" altLang="zh-TW" dirty="0" smtClean="0"/>
+              <a:t>Open </a:t>
+            </a:r>
+            <a:r>
+              <a:rPr lang="en-US" altLang="zh-TW" dirty="0" err="1" smtClean="0"/>
+              <a:t>birthday.php</a:t>
+            </a:r>
+            <a:endParaRPr lang="en-US" altLang="zh-TW" dirty="0" smtClean="0"/>
+          </a:p>
+          <a:p>
+            <a:r>
+              <a:rPr lang="en-US" altLang="zh-TW" dirty="0" smtClean="0"/>
+              <a:t>Find your age by $age=$today-$birthday</a:t>
+            </a:r>
+          </a:p>
+          <a:p>
+            <a:r>
+              <a:rPr lang="en-US" altLang="zh-TW" dirty="0" smtClean="0"/>
+              <a:t>How to remove the last four digit?</a:t>
+            </a:r>
+          </a:p>
+          <a:p>
+            <a:r>
+              <a:rPr lang="en-US" altLang="zh-TW" dirty="0" smtClean="0"/>
+              <a:t>How to cut off the decimal places?</a:t>
+            </a:r>
+          </a:p>
+          <a:p>
+            <a:endParaRPr lang="en-US" altLang="zh-TW" dirty="0" smtClean="0"/>
+          </a:p>
+          <a:p>
+            <a:endParaRPr lang="en-US" altLang="zh-TW" dirty="0" smtClean="0"/>
+          </a:p>
+        </p:txBody>
+      </p:sp>
+      <p:sp>
+        <p:nvSpPr>
+          <p:cNvPr id="56324" name="文字方塊 4"/>
+          <p:cNvSpPr txBox="1">
+            <a:spLocks noChangeArrowheads="1"/>
+          </p:cNvSpPr>
+          <p:nvPr/>
+        </p:nvSpPr>
+        <p:spPr bwMode="auto">
+          <a:xfrm>
+            <a:off x="5602592" y="4358741"/>
+            <a:ext cx="3071813" cy="2308225"/>
+          </a:xfrm>
+          <a:prstGeom prst="rect">
+            <a:avLst/>
+          </a:prstGeom>
+          <a:noFill/>
+          <a:ln>
+            <a:noFill/>
+          </a:ln>
+          <a:extLst>
+            <a:ext uri="{909E8E84-426E-40DD-AFC4-6F175D3DCCD1}">
+              <a14:hiddenFill xmlns:a14="http://schemas.microsoft.com/office/drawing/2010/main">
+                <a:solidFill>
+                  <a:srgbClr val="FFFFFF"/>
+                </a:solidFill>
+              </a14:hiddenFill>
+            </a:ext>
+            <a:ext uri="{91240B29-F687-4F45-9708-019B960494DF}">
+              <a14:hiddenLine xmlns:a14="http://schemas.microsoft.com/office/drawing/2010/main" w="9525">
+                <a:solidFill>
+                  <a:srgbClr val="000000"/>
+                </a:solidFill>
+                <a:miter lim="800000"/>
+                <a:headEnd/>
+                <a:tailEnd/>
+              </a14:hiddenLine>
+            </a:ext>
+          </a:extLst>
+        </p:spPr>
+        <p:txBody>
+          <a:bodyPr>
+            <a:spAutoFit/>
+          </a:bodyPr>
+          <a:lstStyle>
+            <a:lvl1pPr eaLnBrk="0" hangingPunct="0">
+              <a:defRPr sz="2400">
+                <a:solidFill>
+                  <a:schemeClr val="tx1"/>
+                </a:solidFill>
+                <a:latin typeface="Times New Roman" pitchFamily="18" charset="0"/>
+              </a:defRPr>
+            </a:lvl1pPr>
+            <a:lvl2pPr marL="742950" indent="-285750" eaLnBrk="0" hangingPunct="0">
+              <a:defRPr sz="2400">
+                <a:solidFill>
+                  <a:schemeClr val="tx1"/>
+                </a:solidFill>
+                <a:latin typeface="Times New Roman" pitchFamily="18" charset="0"/>
+              </a:defRPr>
+            </a:lvl2pPr>
+            <a:lvl3pPr marL="1143000" indent="-228600" eaLnBrk="0" hangingPunct="0">
+              <a:defRPr sz="2400">
+                <a:solidFill>
+                  <a:schemeClr val="tx1"/>
+                </a:solidFill>
+                <a:latin typeface="Times New Roman" pitchFamily="18" charset="0"/>
+              </a:defRPr>
+            </a:lvl3pPr>
+            <a:lvl4pPr marL="1600200" indent="-228600" eaLnBrk="0" hangingPunct="0">
+              <a:defRPr sz="2400">
+                <a:solidFill>
+                  <a:schemeClr val="tx1"/>
+                </a:solidFill>
+                <a:latin typeface="Times New Roman" pitchFamily="18" charset="0"/>
+              </a:defRPr>
+            </a:lvl4pPr>
+            <a:lvl5pPr marL="2057400" indent="-228600" eaLnBrk="0" hangingPunct="0">
+              <a:defRPr sz="2400">
+                <a:solidFill>
+                  <a:schemeClr val="tx1"/>
+                </a:solidFill>
+                <a:latin typeface="Times New Roman" pitchFamily="18" charset="0"/>
+              </a:defRPr>
+            </a:lvl5pPr>
+            <a:lvl6pPr marL="2514600" indent="-228600" eaLnBrk="0" fontAlgn="base" hangingPunct="0">
+              <a:spcBef>
+                <a:spcPct val="0"/>
+              </a:spcBef>
+              <a:spcAft>
+                <a:spcPct val="0"/>
+              </a:spcAft>
+              <a:defRPr sz="2400">
+                <a:solidFill>
+                  <a:schemeClr val="tx1"/>
+                </a:solidFill>
+                <a:latin typeface="Times New Roman" pitchFamily="18" charset="0"/>
+              </a:defRPr>
+            </a:lvl6pPr>
+            <a:lvl7pPr marL="2971800" indent="-228600" eaLnBrk="0" fontAlgn="base" hangingPunct="0">
+              <a:spcBef>
+                <a:spcPct val="0"/>
+              </a:spcBef>
+              <a:spcAft>
+                <a:spcPct val="0"/>
+              </a:spcAft>
+              <a:defRPr sz="2400">
+                <a:solidFill>
+                  <a:schemeClr val="tx1"/>
+                </a:solidFill>
+                <a:latin typeface="Times New Roman" pitchFamily="18" charset="0"/>
+              </a:defRPr>
+            </a:lvl7pPr>
+            <a:lvl8pPr marL="3429000" indent="-228600" eaLnBrk="0" fontAlgn="base" hangingPunct="0">
+              <a:spcBef>
+                <a:spcPct val="0"/>
+              </a:spcBef>
+              <a:spcAft>
+                <a:spcPct val="0"/>
+              </a:spcAft>
+              <a:defRPr sz="2400">
+                <a:solidFill>
+                  <a:schemeClr val="tx1"/>
+                </a:solidFill>
+                <a:latin typeface="Times New Roman" pitchFamily="18" charset="0"/>
+              </a:defRPr>
+            </a:lvl8pPr>
+            <a:lvl9pPr marL="3886200" indent="-228600" eaLnBrk="0" fontAlgn="base" hangingPunct="0">
+              <a:spcBef>
+                <a:spcPct val="0"/>
+              </a:spcBef>
+              <a:spcAft>
+                <a:spcPct val="0"/>
+              </a:spcAft>
+              <a:defRPr sz="2400">
+                <a:solidFill>
+                  <a:schemeClr val="tx1"/>
+                </a:solidFill>
+                <a:latin typeface="Times New Roman" pitchFamily="18" charset="0"/>
+              </a:defRPr>
+            </a:lvl9pPr>
+          </a:lstStyle>
+          <a:p>
+            <a:pPr algn="r" eaLnBrk="1" hangingPunct="1"/>
+            <a:r>
+              <a:rPr lang="en-US" altLang="zh-TW" sz="3600" dirty="0" smtClean="0">
+                <a:ea typeface="新細明體" pitchFamily="18" charset="-120"/>
+              </a:rPr>
+              <a:t>20170131</a:t>
+            </a:r>
+            <a:endParaRPr lang="en-US" altLang="zh-TW" sz="3600" dirty="0">
+              <a:ea typeface="新細明體" pitchFamily="18" charset="-120"/>
+            </a:endParaRPr>
+          </a:p>
+          <a:p>
+            <a:pPr algn="r" eaLnBrk="1" hangingPunct="1"/>
+            <a:r>
+              <a:rPr lang="en-US" altLang="zh-TW" sz="3600" u="sng" dirty="0" smtClean="0">
+                <a:ea typeface="新細明體" pitchFamily="18" charset="-120"/>
+              </a:rPr>
+              <a:t>-20001231</a:t>
+            </a:r>
+            <a:endParaRPr lang="en-US" altLang="zh-TW" sz="3600" u="sng" dirty="0">
+              <a:ea typeface="新細明體" pitchFamily="18" charset="-120"/>
+            </a:endParaRPr>
+          </a:p>
+          <a:p>
+            <a:pPr algn="r" eaLnBrk="1" hangingPunct="1"/>
+            <a:r>
+              <a:rPr lang="en-US" altLang="zh-TW" sz="3600" dirty="0" smtClean="0">
+                <a:ea typeface="新細明體" pitchFamily="18" charset="-120"/>
+              </a:rPr>
+              <a:t>168900</a:t>
+            </a:r>
+            <a:endParaRPr lang="en-US" altLang="zh-TW" sz="3600" dirty="0">
+              <a:ea typeface="新細明體" pitchFamily="18" charset="-120"/>
+            </a:endParaRPr>
+          </a:p>
+          <a:p>
+            <a:pPr algn="r" eaLnBrk="1" hangingPunct="1"/>
+            <a:endParaRPr lang="zh-TW" altLang="en-US" sz="3600" dirty="0">
+              <a:ea typeface="新細明體" pitchFamily="18" charset="-120"/>
+            </a:endParaRPr>
           </a:p>
         </p:txBody>
       </p:sp>
@@ -22430,120 +22672,6 @@
 </p:sld>
 </file>
 
-<file path=ppt/slides/slide44.xml><?xml version="1.0" encoding="utf-8"?>
-<p:sld xmlns:a="http://schemas.openxmlformats.org/drawingml/2006/main" xmlns:r="http://schemas.openxmlformats.org/officeDocument/2006/relationships" xmlns:p="http://schemas.openxmlformats.org/presentationml/2006/main">
-  <p:cSld>
-    <p:spTree>
-      <p:nvGrpSpPr>
-        <p:cNvPr id="1" name=""/>
-        <p:cNvGrpSpPr/>
-        <p:nvPr/>
-      </p:nvGrpSpPr>
-      <p:grpSpPr>
-        <a:xfrm>
-          <a:off x="0" y="0"/>
-          <a:ext cx="0" cy="0"/>
-          <a:chOff x="0" y="0"/>
-          <a:chExt cx="0" cy="0"/>
-        </a:xfrm>
-      </p:grpSpPr>
-      <p:sp>
-        <p:nvSpPr>
-          <p:cNvPr id="2" name="Title 1"/>
-          <p:cNvSpPr>
-            <a:spLocks noGrp="1"/>
-          </p:cNvSpPr>
-          <p:nvPr>
-            <p:ph type="title"/>
-          </p:nvPr>
-        </p:nvSpPr>
-        <p:spPr/>
-        <p:txBody>
-          <a:bodyPr/>
-          <a:lstStyle/>
-          <a:p>
-            <a:r>
-              <a:rPr lang="en-US" smtClean="0"/>
-              <a:t>Exercise</a:t>
-            </a:r>
-            <a:endParaRPr lang="en-US" dirty="0"/>
-          </a:p>
-        </p:txBody>
-      </p:sp>
-      <p:sp>
-        <p:nvSpPr>
-          <p:cNvPr id="55299" name="Content Placeholder 2"/>
-          <p:cNvSpPr>
-            <a:spLocks noGrp="1"/>
-          </p:cNvSpPr>
-          <p:nvPr>
-            <p:ph idx="1"/>
-          </p:nvPr>
-        </p:nvSpPr>
-        <p:spPr/>
-        <p:txBody>
-          <a:bodyPr/>
-          <a:lstStyle/>
-          <a:p>
-            <a:r>
-              <a:rPr lang="en-US" altLang="zh-TW" dirty="0" smtClean="0"/>
-              <a:t>Find out your age</a:t>
-            </a:r>
-          </a:p>
-          <a:p>
-            <a:r>
-              <a:rPr lang="en-US" altLang="zh-TW" dirty="0" smtClean="0"/>
-              <a:t>Age = this year – your birth year</a:t>
-            </a:r>
-          </a:p>
-          <a:p>
-            <a:r>
-              <a:rPr lang="en-US" altLang="zh-TW" dirty="0" smtClean="0"/>
-              <a:t>Use date function to find out this year in the format (</a:t>
-            </a:r>
-            <a:r>
-              <a:rPr lang="en-US" altLang="zh-TW" dirty="0" err="1" smtClean="0"/>
-              <a:t>yyyy</a:t>
-            </a:r>
-            <a:r>
-              <a:rPr lang="en-US" altLang="zh-TW" dirty="0" smtClean="0"/>
-              <a:t>).  EG. 2009</a:t>
-            </a:r>
-          </a:p>
-          <a:p>
-            <a:r>
-              <a:rPr lang="en-US" altLang="zh-TW" dirty="0" smtClean="0"/>
-              <a:t>Calculate your age.</a:t>
-            </a:r>
-          </a:p>
-          <a:p>
-            <a:r>
-              <a:rPr lang="en-US" altLang="zh-TW" dirty="0" smtClean="0"/>
-              <a:t>Display your age.</a:t>
-            </a:r>
-          </a:p>
-        </p:txBody>
-      </p:sp>
-    </p:spTree>
-  </p:cSld>
-  <p:clrMapOvr>
-    <a:masterClrMapping/>
-  </p:clrMapOvr>
-  <mc:AlternateContent xmlns:mc="http://schemas.openxmlformats.org/markup-compatibility/2006" xmlns:p14="http://schemas.microsoft.com/office/powerpoint/2010/main">
-    <mc:Choice Requires="p14">
-      <p:transition spd="slow" p14:dur="3900">
-        <p14:glitter pattern="hexagon"/>
-      </p:transition>
-    </mc:Choice>
-    <mc:Fallback xmlns="">
-      <p:transition spd="slow">
-        <p:fade/>
-      </p:transition>
-    </mc:Fallback>
-  </mc:AlternateContent>
-</p:sld>
-</file>
-
 <file path=ppt/slides/slide45.xml><?xml version="1.0" encoding="utf-8"?>
 <p:sld xmlns:a="http://schemas.openxmlformats.org/drawingml/2006/main" xmlns:r="http://schemas.openxmlformats.org/officeDocument/2006/relationships" xmlns:p="http://schemas.openxmlformats.org/presentationml/2006/main">
   <p:cSld>
@@ -22563,7 +22691,7 @@
       </p:grpSpPr>
       <p:sp>
         <p:nvSpPr>
-          <p:cNvPr id="164866" name="Rectangle 1026"/>
+          <p:cNvPr id="104450" name="Rectangle 2"/>
           <p:cNvSpPr>
             <a:spLocks noGrp="1" noChangeArrowheads="1"/>
           </p:cNvSpPr>
@@ -22578,7 +22706,7 @@
           <a:p>
             <a:r>
               <a:rPr lang="en-US" altLang="zh-TW" smtClean="0"/>
-              <a:t>More Exercise</a:t>
+              <a:t>Best hosting server</a:t>
             </a:r>
             <a:endParaRPr lang="en-US" altLang="zh-TW" dirty="0" smtClean="0"/>
           </a:p>
@@ -22586,7 +22714,7 @@
       </p:sp>
       <p:sp>
         <p:nvSpPr>
-          <p:cNvPr id="56323" name="Rectangle 1027"/>
+          <p:cNvPr id="57347" name="Rectangle 3"/>
           <p:cNvSpPr>
             <a:spLocks noGrp="1" noChangeArrowheads="1"/>
           </p:cNvSpPr>
@@ -22601,223 +22729,8 @@
           <a:p>
             <a:r>
               <a:rPr lang="en-US" altLang="zh-TW" dirty="0" smtClean="0"/>
-              <a:t>Open </a:t>
-            </a:r>
-            <a:r>
-              <a:rPr lang="en-US" altLang="zh-TW" dirty="0" err="1" smtClean="0"/>
-              <a:t>birthday.php</a:t>
-            </a:r>
-            <a:endParaRPr lang="en-US" altLang="zh-TW" dirty="0" smtClean="0"/>
-          </a:p>
-          <a:p>
-            <a:r>
-              <a:rPr lang="en-US" altLang="zh-TW" dirty="0" smtClean="0"/>
-              <a:t>Find your age by $age=$today-$birthday</a:t>
-            </a:r>
-          </a:p>
-          <a:p>
-            <a:r>
-              <a:rPr lang="en-US" altLang="zh-TW" dirty="0" smtClean="0"/>
-              <a:t>How to remove the last four digit?</a:t>
-            </a:r>
-          </a:p>
-          <a:p>
-            <a:r>
-              <a:rPr lang="en-US" altLang="zh-TW" dirty="0" smtClean="0"/>
-              <a:t>How to cut off the decimal places?</a:t>
-            </a:r>
-          </a:p>
-          <a:p>
-            <a:endParaRPr lang="en-US" altLang="zh-TW" dirty="0" smtClean="0"/>
-          </a:p>
-          <a:p>
-            <a:endParaRPr lang="en-US" altLang="zh-TW" dirty="0" smtClean="0"/>
-          </a:p>
-        </p:txBody>
-      </p:sp>
-      <p:sp>
-        <p:nvSpPr>
-          <p:cNvPr id="56324" name="文字方塊 4"/>
-          <p:cNvSpPr txBox="1">
-            <a:spLocks noChangeArrowheads="1"/>
-          </p:cNvSpPr>
-          <p:nvPr/>
-        </p:nvSpPr>
-        <p:spPr bwMode="auto">
-          <a:xfrm>
-            <a:off x="5602592" y="4358741"/>
-            <a:ext cx="3071813" cy="2308225"/>
-          </a:xfrm>
-          <a:prstGeom prst="rect">
-            <a:avLst/>
-          </a:prstGeom>
-          <a:noFill/>
-          <a:ln>
-            <a:noFill/>
-          </a:ln>
-          <a:extLst>
-            <a:ext uri="{909E8E84-426E-40DD-AFC4-6F175D3DCCD1}">
-              <a14:hiddenFill xmlns:a14="http://schemas.microsoft.com/office/drawing/2010/main">
-                <a:solidFill>
-                  <a:srgbClr val="FFFFFF"/>
-                </a:solidFill>
-              </a14:hiddenFill>
-            </a:ext>
-            <a:ext uri="{91240B29-F687-4F45-9708-019B960494DF}">
-              <a14:hiddenLine xmlns:a14="http://schemas.microsoft.com/office/drawing/2010/main" w="9525">
-                <a:solidFill>
-                  <a:srgbClr val="000000"/>
-                </a:solidFill>
-                <a:miter lim="800000"/>
-                <a:headEnd/>
-                <a:tailEnd/>
-              </a14:hiddenLine>
-            </a:ext>
-          </a:extLst>
-        </p:spPr>
-        <p:txBody>
-          <a:bodyPr>
-            <a:spAutoFit/>
-          </a:bodyPr>
-          <a:lstStyle>
-            <a:lvl1pPr eaLnBrk="0" hangingPunct="0">
-              <a:defRPr sz="2400">
-                <a:solidFill>
-                  <a:schemeClr val="tx1"/>
-                </a:solidFill>
-                <a:latin typeface="Times New Roman" pitchFamily="18" charset="0"/>
-              </a:defRPr>
-            </a:lvl1pPr>
-            <a:lvl2pPr marL="742950" indent="-285750" eaLnBrk="0" hangingPunct="0">
-              <a:defRPr sz="2400">
-                <a:solidFill>
-                  <a:schemeClr val="tx1"/>
-                </a:solidFill>
-                <a:latin typeface="Times New Roman" pitchFamily="18" charset="0"/>
-              </a:defRPr>
-            </a:lvl2pPr>
-            <a:lvl3pPr marL="1143000" indent="-228600" eaLnBrk="0" hangingPunct="0">
-              <a:defRPr sz="2400">
-                <a:solidFill>
-                  <a:schemeClr val="tx1"/>
-                </a:solidFill>
-                <a:latin typeface="Times New Roman" pitchFamily="18" charset="0"/>
-              </a:defRPr>
-            </a:lvl3pPr>
-            <a:lvl4pPr marL="1600200" indent="-228600" eaLnBrk="0" hangingPunct="0">
-              <a:defRPr sz="2400">
-                <a:solidFill>
-                  <a:schemeClr val="tx1"/>
-                </a:solidFill>
-                <a:latin typeface="Times New Roman" pitchFamily="18" charset="0"/>
-              </a:defRPr>
-            </a:lvl4pPr>
-            <a:lvl5pPr marL="2057400" indent="-228600" eaLnBrk="0" hangingPunct="0">
-              <a:defRPr sz="2400">
-                <a:solidFill>
-                  <a:schemeClr val="tx1"/>
-                </a:solidFill>
-                <a:latin typeface="Times New Roman" pitchFamily="18" charset="0"/>
-              </a:defRPr>
-            </a:lvl5pPr>
-            <a:lvl6pPr marL="2514600" indent="-228600" eaLnBrk="0" fontAlgn="base" hangingPunct="0">
-              <a:spcBef>
-                <a:spcPct val="0"/>
-              </a:spcBef>
-              <a:spcAft>
-                <a:spcPct val="0"/>
-              </a:spcAft>
-              <a:defRPr sz="2400">
-                <a:solidFill>
-                  <a:schemeClr val="tx1"/>
-                </a:solidFill>
-                <a:latin typeface="Times New Roman" pitchFamily="18" charset="0"/>
-              </a:defRPr>
-            </a:lvl6pPr>
-            <a:lvl7pPr marL="2971800" indent="-228600" eaLnBrk="0" fontAlgn="base" hangingPunct="0">
-              <a:spcBef>
-                <a:spcPct val="0"/>
-              </a:spcBef>
-              <a:spcAft>
-                <a:spcPct val="0"/>
-              </a:spcAft>
-              <a:defRPr sz="2400">
-                <a:solidFill>
-                  <a:schemeClr val="tx1"/>
-                </a:solidFill>
-                <a:latin typeface="Times New Roman" pitchFamily="18" charset="0"/>
-              </a:defRPr>
-            </a:lvl7pPr>
-            <a:lvl8pPr marL="3429000" indent="-228600" eaLnBrk="0" fontAlgn="base" hangingPunct="0">
-              <a:spcBef>
-                <a:spcPct val="0"/>
-              </a:spcBef>
-              <a:spcAft>
-                <a:spcPct val="0"/>
-              </a:spcAft>
-              <a:defRPr sz="2400">
-                <a:solidFill>
-                  <a:schemeClr val="tx1"/>
-                </a:solidFill>
-                <a:latin typeface="Times New Roman" pitchFamily="18" charset="0"/>
-              </a:defRPr>
-            </a:lvl8pPr>
-            <a:lvl9pPr marL="3886200" indent="-228600" eaLnBrk="0" fontAlgn="base" hangingPunct="0">
-              <a:spcBef>
-                <a:spcPct val="0"/>
-              </a:spcBef>
-              <a:spcAft>
-                <a:spcPct val="0"/>
-              </a:spcAft>
-              <a:defRPr sz="2400">
-                <a:solidFill>
-                  <a:schemeClr val="tx1"/>
-                </a:solidFill>
-                <a:latin typeface="Times New Roman" pitchFamily="18" charset="0"/>
-              </a:defRPr>
-            </a:lvl9pPr>
-          </a:lstStyle>
-          <a:p>
-            <a:pPr algn="r" eaLnBrk="1" hangingPunct="1"/>
-            <a:r>
-              <a:rPr lang="en-US" altLang="zh-TW" sz="3600" dirty="0" smtClean="0">
-                <a:ea typeface="新細明體" pitchFamily="18" charset="-120"/>
-              </a:rPr>
-              <a:t>20160131</a:t>
-            </a:r>
-            <a:endParaRPr lang="en-US" altLang="zh-TW" sz="3600" dirty="0">
-              <a:ea typeface="新細明體" pitchFamily="18" charset="-120"/>
-            </a:endParaRPr>
-          </a:p>
-          <a:p>
-            <a:pPr algn="r" eaLnBrk="1" hangingPunct="1"/>
-            <a:r>
-              <a:rPr lang="en-US" altLang="zh-TW" sz="3600" u="sng" dirty="0" smtClean="0">
-                <a:ea typeface="新細明體" pitchFamily="18" charset="-120"/>
-              </a:rPr>
-              <a:t>-20001231</a:t>
-            </a:r>
-            <a:endParaRPr lang="en-US" altLang="zh-TW" sz="3600" u="sng" dirty="0">
-              <a:ea typeface="新細明體" pitchFamily="18" charset="-120"/>
-            </a:endParaRPr>
-          </a:p>
-          <a:p>
-            <a:pPr algn="r" eaLnBrk="1" hangingPunct="1"/>
-            <a:r>
-              <a:rPr lang="en-US" altLang="zh-TW" sz="3600" dirty="0" smtClean="0">
-                <a:ea typeface="新細明體" pitchFamily="18" charset="-120"/>
-              </a:rPr>
-              <a:t>158900</a:t>
-            </a:r>
-            <a:endParaRPr lang="en-US" altLang="zh-TW" sz="3600" dirty="0">
-              <a:ea typeface="新細明體" pitchFamily="18" charset="-120"/>
-            </a:endParaRPr>
-          </a:p>
-          <a:p>
-            <a:pPr algn="r" eaLnBrk="1" hangingPunct="1"/>
-            <a:endParaRPr lang="zh-TW" altLang="en-US" sz="3600" dirty="0">
-              <a:ea typeface="新細明體" pitchFamily="18" charset="-120"/>
-            </a:endParaRPr>
+              <a:t>http://www.zaturday.com</a:t>
+            </a:r>
           </a:p>
         </p:txBody>
       </p:sp>
@@ -22867,7 +22780,7 @@
       </p:grpSpPr>
       <p:sp>
         <p:nvSpPr>
-          <p:cNvPr id="104450" name="Rectangle 2"/>
+          <p:cNvPr id="221186" name="Rectangle 2"/>
           <p:cNvSpPr>
             <a:spLocks noGrp="1" noChangeArrowheads="1"/>
           </p:cNvSpPr>
@@ -22882,15 +22795,14 @@
           <a:p>
             <a:r>
               <a:rPr lang="en-US" altLang="zh-TW" smtClean="0"/>
-              <a:t>Best hosting server</a:t>
-            </a:r>
-            <a:endParaRPr lang="en-US" altLang="zh-TW" dirty="0" smtClean="0"/>
-          </a:p>
-        </p:txBody>
-      </p:sp>
-      <p:sp>
-        <p:nvSpPr>
-          <p:cNvPr id="57347" name="Rectangle 3"/>
+              <a:t>Sites (eng)</a:t>
+            </a:r>
+          </a:p>
+        </p:txBody>
+      </p:sp>
+      <p:sp>
+        <p:nvSpPr>
+          <p:cNvPr id="58371" name="Rectangle 3"/>
           <p:cNvSpPr>
             <a:spLocks noGrp="1" noChangeArrowheads="1"/>
           </p:cNvSpPr>
@@ -22905,7 +22817,37 @@
           <a:p>
             <a:r>
               <a:rPr lang="en-US" altLang="zh-TW" dirty="0" smtClean="0"/>
-              <a:t>http://www.zaturday.com</a:t>
+              <a:t>http://www.php.net</a:t>
+            </a:r>
+          </a:p>
+          <a:p>
+            <a:r>
+              <a:rPr lang="en-US" altLang="zh-TW" dirty="0" smtClean="0"/>
+              <a:t>http://www.phpbuilder.com</a:t>
+            </a:r>
+          </a:p>
+          <a:p>
+            <a:r>
+              <a:rPr lang="en-US" altLang="zh-TW" dirty="0" smtClean="0"/>
+              <a:t>http://www.phpfreaks.com/</a:t>
+            </a:r>
+          </a:p>
+          <a:p>
+            <a:r>
+              <a:rPr lang="en-US" altLang="zh-TW" dirty="0" smtClean="0"/>
+              <a:t>http://phpnuke.org</a:t>
+            </a:r>
+          </a:p>
+          <a:p>
+            <a:r>
+              <a:rPr lang="en-US" altLang="zh-TW" dirty="0" smtClean="0"/>
+              <a:t>http://www.phpbuddy.com</a:t>
+            </a:r>
+          </a:p>
+          <a:p>
+            <a:r>
+              <a:rPr lang="en-US" altLang="zh-TW" dirty="0" smtClean="0"/>
+              <a:t>http://www.php-security.org/</a:t>
             </a:r>
           </a:p>
         </p:txBody>
@@ -22971,14 +22913,15 @@
           <a:p>
             <a:r>
               <a:rPr lang="en-US" altLang="zh-TW" smtClean="0"/>
-              <a:t>Sites (eng)</a:t>
-            </a:r>
-          </a:p>
-        </p:txBody>
-      </p:sp>
-      <p:sp>
-        <p:nvSpPr>
-          <p:cNvPr id="58371" name="Rectangle 3"/>
+              <a:t>Sites (eng) 2</a:t>
+            </a:r>
+            <a:endParaRPr lang="en-US" altLang="zh-TW" dirty="0" smtClean="0"/>
+          </a:p>
+        </p:txBody>
+      </p:sp>
+      <p:sp>
+        <p:nvSpPr>
+          <p:cNvPr id="59395" name="Rectangle 3"/>
           <p:cNvSpPr>
             <a:spLocks noGrp="1" noChangeArrowheads="1"/>
           </p:cNvSpPr>
@@ -22988,42 +22931,32 @@
         </p:nvSpPr>
         <p:spPr/>
         <p:txBody>
-          <a:bodyPr/>
+          <a:bodyPr>
+            <a:normAutofit/>
+          </a:bodyPr>
           <a:lstStyle/>
           <a:p>
             <a:r>
               <a:rPr lang="en-US" altLang="zh-TW" dirty="0" smtClean="0"/>
-              <a:t>http://www.php.net</a:t>
+              <a:t>http://www.devshed.com</a:t>
             </a:r>
           </a:p>
           <a:p>
             <a:r>
               <a:rPr lang="en-US" altLang="zh-TW" dirty="0" smtClean="0"/>
-              <a:t>http://www.phpbuilder.com</a:t>
+              <a:t>http://px.sklar.com/</a:t>
             </a:r>
           </a:p>
           <a:p>
             <a:r>
               <a:rPr lang="en-US" altLang="zh-TW" dirty="0" smtClean="0"/>
-              <a:t>http://www.phpfreaks.com/</a:t>
+              <a:t>http://www.phpgroupware.org</a:t>
             </a:r>
           </a:p>
           <a:p>
             <a:r>
               <a:rPr lang="en-US" altLang="zh-TW" dirty="0" smtClean="0"/>
-              <a:t>http://phpnuke.org</a:t>
-            </a:r>
-          </a:p>
-          <a:p>
-            <a:r>
-              <a:rPr lang="en-US" altLang="zh-TW" dirty="0" smtClean="0"/>
-              <a:t>http://www.phpbuddy.com</a:t>
-            </a:r>
-          </a:p>
-          <a:p>
-            <a:r>
-              <a:rPr lang="en-US" altLang="zh-TW" dirty="0" smtClean="0"/>
-              <a:t>http://www.php-security.org/</a:t>
+              <a:t>http://www.phpclasses.org</a:t>
             </a:r>
           </a:p>
         </p:txBody>
@@ -23045,13 +22978,6 @@
       </p:transition>
     </mc:Fallback>
   </mc:AlternateContent>
-  <p:timing>
-    <p:tnLst>
-      <p:par>
-        <p:cTn id="1" dur="indefinite" restart="never" nodeType="tmRoot"/>
-      </p:par>
-    </p:tnLst>
-  </p:timing>
 </p:sld>
 </file>
 
@@ -23088,10 +23014,17 @@
           <a:lstStyle/>
           <a:p>
             <a:r>
-              <a:rPr lang="en-US" altLang="zh-TW" smtClean="0"/>
-              <a:t>Sites (eng) 2</a:t>
-            </a:r>
-            <a:endParaRPr lang="en-US" altLang="zh-TW" dirty="0" smtClean="0"/>
+              <a:rPr lang="en-US" altLang="zh-TW" dirty="0" smtClean="0"/>
+              <a:t>Sites (</a:t>
+            </a:r>
+            <a:r>
+              <a:rPr lang="en-US" altLang="zh-TW" dirty="0" err="1" smtClean="0"/>
+              <a:t>eng</a:t>
+            </a:r>
+            <a:r>
+              <a:rPr lang="en-US" altLang="zh-TW" dirty="0" smtClean="0"/>
+              <a:t>) 2</a:t>
+            </a:r>
           </a:p>
         </p:txBody>
       </p:sp>
@@ -23113,31 +23046,68 @@
           <a:lstStyle/>
           <a:p>
             <a:r>
+              <a:rPr lang="en-US" altLang="zh-TW" dirty="0"/>
+              <a:t>https://</a:t>
+            </a:r>
+            <a:r>
+              <a:rPr lang="en-US" altLang="zh-TW" dirty="0" err="1" smtClean="0"/>
+              <a:t>github.com</a:t>
+            </a:r>
+            <a:r>
               <a:rPr lang="en-US" altLang="zh-TW" dirty="0" smtClean="0"/>
-              <a:t>http://www.devshed.com</a:t>
-            </a:r>
-          </a:p>
-          <a:p>
+              <a:t>/</a:t>
+            </a:r>
+            <a:r>
+              <a:rPr lang="en-US" altLang="zh-TW" dirty="0" err="1" smtClean="0"/>
+              <a:t>ziadoz</a:t>
+            </a:r>
             <a:r>
               <a:rPr lang="en-US" altLang="zh-TW" dirty="0" smtClean="0"/>
-              <a:t>http://px.sklar.com/</a:t>
-            </a:r>
-          </a:p>
-          <a:p>
+              <a:t>/awesome-</a:t>
+            </a:r>
+            <a:r>
+              <a:rPr lang="en-US" altLang="zh-TW" dirty="0" err="1" smtClean="0"/>
+              <a:t>php</a:t>
+            </a:r>
+            <a:endParaRPr lang="en-US" altLang="zh-TW" dirty="0" smtClean="0"/>
+          </a:p>
+          <a:p>
+            <a:r>
+              <a:rPr lang="en-US" altLang="zh-TW" dirty="0"/>
+              <a:t>http://</a:t>
+            </a:r>
+            <a:r>
+              <a:rPr lang="en-US" altLang="zh-TW" dirty="0" err="1"/>
+              <a:t>www.phptherightway.com</a:t>
+            </a:r>
             <a:r>
               <a:rPr lang="en-US" altLang="zh-TW" dirty="0" smtClean="0"/>
-              <a:t>http://www.phpgroupware.org</a:t>
-            </a:r>
-          </a:p>
-          <a:p>
-            <a:r>
-              <a:rPr lang="en-US" altLang="zh-TW" dirty="0" smtClean="0"/>
-              <a:t>http://www.phpclasses.org</a:t>
-            </a:r>
+              <a:t>/</a:t>
+            </a:r>
+          </a:p>
+          <a:p>
+            <a:r>
+              <a:rPr lang="en-US" altLang="zh-TW" dirty="0"/>
+              <a:t>https://</a:t>
+            </a:r>
+            <a:r>
+              <a:rPr lang="en-US" altLang="zh-TW" dirty="0" err="1"/>
+              <a:t>packagist.org</a:t>
+            </a:r>
+            <a:r>
+              <a:rPr lang="en-US" altLang="zh-TW" dirty="0"/>
+              <a:t>/</a:t>
+            </a:r>
+            <a:endParaRPr lang="en-US" altLang="zh-TW" dirty="0" smtClean="0"/>
           </a:p>
         </p:txBody>
       </p:sp>
     </p:spTree>
+    <p:extLst>
+      <p:ext uri="{BB962C8B-B14F-4D97-AF65-F5344CB8AC3E}">
+        <p14:creationId xmlns:p14="http://schemas.microsoft.com/office/powerpoint/2010/main" val="302991814"/>
+      </p:ext>
+    </p:extLst>
   </p:cSld>
   <p:clrMapOvr>
     <a:masterClrMapping/>
@@ -23176,7 +23146,7 @@
       </p:grpSpPr>
       <p:sp>
         <p:nvSpPr>
-          <p:cNvPr id="221186" name="Rectangle 2"/>
+          <p:cNvPr id="166914" name="Rectangle 2"/>
           <p:cNvSpPr>
             <a:spLocks noGrp="1" noChangeArrowheads="1"/>
           </p:cNvSpPr>
@@ -23190,23 +23160,19 @@
           <a:lstStyle/>
           <a:p>
             <a:r>
-              <a:rPr lang="en-US" altLang="zh-TW" dirty="0" smtClean="0"/>
+              <a:rPr lang="en-US" altLang="zh-TW" smtClean="0"/>
               <a:t>Sites (</a:t>
             </a:r>
             <a:r>
-              <a:rPr lang="en-US" altLang="zh-TW" dirty="0" err="1" smtClean="0"/>
-              <a:t>eng</a:t>
-            </a:r>
-            <a:r>
-              <a:rPr lang="en-US" altLang="zh-TW" dirty="0" smtClean="0"/>
-              <a:t>) 2</a:t>
-            </a:r>
-          </a:p>
-        </p:txBody>
-      </p:sp>
-      <p:sp>
-        <p:nvSpPr>
-          <p:cNvPr id="59395" name="Rectangle 3"/>
+              <a:rPr lang="zh-TW" altLang="en-US" smtClean="0"/>
+              <a:t>中文)</a:t>
+            </a:r>
+          </a:p>
+        </p:txBody>
+      </p:sp>
+      <p:sp>
+        <p:nvSpPr>
+          <p:cNvPr id="60419" name="Rectangle 3"/>
           <p:cNvSpPr>
             <a:spLocks noGrp="1" noChangeArrowheads="1"/>
           </p:cNvSpPr>
@@ -23216,74 +23182,18 @@
         </p:nvSpPr>
         <p:spPr/>
         <p:txBody>
-          <a:bodyPr>
-            <a:normAutofit/>
-          </a:bodyPr>
+          <a:bodyPr/>
           <a:lstStyle/>
           <a:p>
             <a:r>
               <a:rPr lang="en-US" altLang="zh-TW" dirty="0"/>
-              <a:t>https://</a:t>
-            </a:r>
-            <a:r>
-              <a:rPr lang="en-US" altLang="zh-TW" dirty="0" err="1" smtClean="0"/>
-              <a:t>github.com</a:t>
-            </a:r>
-            <a:r>
-              <a:rPr lang="en-US" altLang="zh-TW" dirty="0" smtClean="0"/>
-              <a:t>/</a:t>
-            </a:r>
-            <a:r>
-              <a:rPr lang="en-US" altLang="zh-TW" dirty="0" err="1" smtClean="0"/>
-              <a:t>ziadoz</a:t>
-            </a:r>
-            <a:r>
-              <a:rPr lang="en-US" altLang="zh-TW" dirty="0" smtClean="0"/>
-              <a:t>/awesome-</a:t>
-            </a:r>
-            <a:r>
-              <a:rPr lang="en-US" altLang="zh-TW" dirty="0" err="1" smtClean="0"/>
-              <a:t>php</a:t>
+              <a:t>http://www.phpini.com/</a:t>
             </a:r>
             <a:endParaRPr lang="en-US" altLang="zh-TW" dirty="0" smtClean="0"/>
           </a:p>
-          <a:p>
-            <a:r>
-              <a:rPr lang="en-US" altLang="zh-TW" dirty="0"/>
-              <a:t>http://</a:t>
-            </a:r>
-            <a:r>
-              <a:rPr lang="en-US" altLang="zh-TW" dirty="0" err="1"/>
-              <a:t>www.phptherightway.com</a:t>
-            </a:r>
-            <a:r>
-              <a:rPr lang="en-US" altLang="zh-TW" dirty="0" smtClean="0"/>
-              <a:t>/</a:t>
-            </a:r>
-          </a:p>
-          <a:p>
-            <a:r>
-              <a:rPr lang="en-US" altLang="zh-TW" dirty="0"/>
-              <a:t>https://</a:t>
-            </a:r>
-            <a:r>
-              <a:rPr lang="en-US" altLang="zh-TW" dirty="0" err="1"/>
-              <a:t>packagist.org</a:t>
-            </a:r>
-            <a:r>
-              <a:rPr lang="en-US" altLang="zh-TW" dirty="0"/>
-              <a:t>/</a:t>
-            </a:r>
-            <a:endParaRPr lang="en-US" altLang="zh-TW" dirty="0" smtClean="0"/>
-          </a:p>
         </p:txBody>
       </p:sp>
     </p:spTree>
-    <p:extLst>
-      <p:ext uri="{BB962C8B-B14F-4D97-AF65-F5344CB8AC3E}">
-        <p14:creationId xmlns:p14="http://schemas.microsoft.com/office/powerpoint/2010/main" val="302991814"/>
-      </p:ext>
-    </p:extLst>
   </p:cSld>
   <p:clrMapOvr>
     <a:masterClrMapping/>
@@ -23381,7 +23291,7 @@
       </p:grpSpPr>
       <p:sp>
         <p:nvSpPr>
-          <p:cNvPr id="166914" name="Rectangle 2"/>
+          <p:cNvPr id="219138" name="Rectangle 2"/>
           <p:cNvSpPr>
             <a:spLocks noGrp="1" noChangeArrowheads="1"/>
           </p:cNvSpPr>
@@ -23396,18 +23306,15 @@
           <a:p>
             <a:r>
               <a:rPr lang="en-US" altLang="zh-TW" smtClean="0"/>
-              <a:t>Sites (</a:t>
-            </a:r>
-            <a:r>
-              <a:rPr lang="zh-TW" altLang="en-US" smtClean="0"/>
-              <a:t>中文)</a:t>
-            </a:r>
-          </a:p>
-        </p:txBody>
-      </p:sp>
-      <p:sp>
-        <p:nvSpPr>
-          <p:cNvPr id="60419" name="Rectangle 3"/>
+              <a:t>Download Server</a:t>
+            </a:r>
+            <a:endParaRPr lang="zh-TW" altLang="en-US" smtClean="0"/>
+          </a:p>
+        </p:txBody>
+      </p:sp>
+      <p:sp>
+        <p:nvSpPr>
+          <p:cNvPr id="61443" name="Rectangle 3"/>
           <p:cNvSpPr>
             <a:spLocks noGrp="1" noChangeArrowheads="1"/>
           </p:cNvSpPr>
@@ -23417,14 +23324,51 @@
         </p:nvSpPr>
         <p:spPr/>
         <p:txBody>
-          <a:bodyPr/>
+          <a:bodyPr>
+            <a:normAutofit lnSpcReduction="10000"/>
+          </a:bodyPr>
           <a:lstStyle/>
           <a:p>
             <a:r>
-              <a:rPr lang="en-US" altLang="zh-TW" dirty="0"/>
-              <a:t>http://www.phpini.com/</a:t>
-            </a:r>
-            <a:endParaRPr lang="en-US" altLang="zh-TW" dirty="0" smtClean="0"/>
+              <a:rPr lang="en-US" altLang="zh-TW" dirty="0" smtClean="0"/>
+              <a:t>http://www.apache.org/</a:t>
+            </a:r>
+          </a:p>
+          <a:p>
+            <a:r>
+              <a:rPr lang="en-US" altLang="zh-TW" dirty="0" smtClean="0"/>
+              <a:t>http://www.php.net</a:t>
+            </a:r>
+          </a:p>
+          <a:p>
+            <a:r>
+              <a:rPr lang="en-US" altLang="zh-TW" dirty="0" smtClean="0"/>
+              <a:t>http://www.mysql.com/</a:t>
+            </a:r>
+          </a:p>
+          <a:p>
+            <a:r>
+              <a:rPr lang="en-US" altLang="zh-TW" dirty="0" smtClean="0"/>
+              <a:t>http://www.phpmyadmin.com</a:t>
+            </a:r>
+          </a:p>
+          <a:p>
+            <a:r>
+              <a:rPr lang="en-US" altLang="zh-TW" dirty="0" smtClean="0"/>
+              <a:t>http://www.appservnetwork.com/</a:t>
+            </a:r>
+          </a:p>
+          <a:p>
+            <a:r>
+              <a:rPr lang="en-US" altLang="zh-TW" dirty="0" smtClean="0"/>
+              <a:t>http://www.apachefriends.org</a:t>
+            </a:r>
+          </a:p>
+          <a:p>
+            <a:r>
+              <a:rPr lang="en-US" altLang="zh-TW" dirty="0" smtClean="0"/>
+              <a:t>http://www.xampp.org</a:t>
+            </a:r>
           </a:p>
         </p:txBody>
       </p:sp>
@@ -23467,202 +23411,6 @@
       </p:grpSpPr>
       <p:sp>
         <p:nvSpPr>
-          <p:cNvPr id="219138" name="Rectangle 2"/>
-          <p:cNvSpPr>
-            <a:spLocks noGrp="1" noChangeArrowheads="1"/>
-          </p:cNvSpPr>
-          <p:nvPr>
-            <p:ph type="title"/>
-          </p:nvPr>
-        </p:nvSpPr>
-        <p:spPr/>
-        <p:txBody>
-          <a:bodyPr/>
-          <a:lstStyle/>
-          <a:p>
-            <a:r>
-              <a:rPr lang="en-US" altLang="zh-TW" smtClean="0"/>
-              <a:t>Download Server</a:t>
-            </a:r>
-            <a:endParaRPr lang="zh-TW" altLang="en-US" smtClean="0"/>
-          </a:p>
-        </p:txBody>
-      </p:sp>
-      <p:sp>
-        <p:nvSpPr>
-          <p:cNvPr id="61443" name="Rectangle 3"/>
-          <p:cNvSpPr>
-            <a:spLocks noGrp="1" noChangeArrowheads="1"/>
-          </p:cNvSpPr>
-          <p:nvPr>
-            <p:ph idx="1"/>
-          </p:nvPr>
-        </p:nvSpPr>
-        <p:spPr/>
-        <p:txBody>
-          <a:bodyPr>
-            <a:normAutofit lnSpcReduction="10000"/>
-          </a:bodyPr>
-          <a:lstStyle/>
-          <a:p>
-            <a:r>
-              <a:rPr lang="en-US" altLang="zh-TW" dirty="0" smtClean="0"/>
-              <a:t>http://www.apache.org/</a:t>
-            </a:r>
-          </a:p>
-          <a:p>
-            <a:r>
-              <a:rPr lang="en-US" altLang="zh-TW" dirty="0" smtClean="0"/>
-              <a:t>http://www.php.net</a:t>
-            </a:r>
-          </a:p>
-          <a:p>
-            <a:r>
-              <a:rPr lang="en-US" altLang="zh-TW" dirty="0" smtClean="0"/>
-              <a:t>http://www.mysql.com/</a:t>
-            </a:r>
-          </a:p>
-          <a:p>
-            <a:r>
-              <a:rPr lang="en-US" altLang="zh-TW" dirty="0" smtClean="0"/>
-              <a:t>http://www.phpmyadmin.com</a:t>
-            </a:r>
-          </a:p>
-          <a:p>
-            <a:r>
-              <a:rPr lang="en-US" altLang="zh-TW" dirty="0" smtClean="0"/>
-              <a:t>http://www.appservnetwork.com/</a:t>
-            </a:r>
-          </a:p>
-          <a:p>
-            <a:r>
-              <a:rPr lang="en-US" altLang="zh-TW" dirty="0" smtClean="0"/>
-              <a:t>http://www.apachefriends.org</a:t>
-            </a:r>
-          </a:p>
-          <a:p>
-            <a:r>
-              <a:rPr lang="en-US" altLang="zh-TW" dirty="0" smtClean="0"/>
-              <a:t>http://www.xampp.org</a:t>
-            </a:r>
-          </a:p>
-        </p:txBody>
-      </p:sp>
-    </p:spTree>
-  </p:cSld>
-  <p:clrMapOvr>
-    <a:masterClrMapping/>
-  </p:clrMapOvr>
-  <mc:AlternateContent xmlns:mc="http://schemas.openxmlformats.org/markup-compatibility/2006" xmlns:p14="http://schemas.microsoft.com/office/powerpoint/2010/main">
-    <mc:Choice Requires="p14">
-      <p:transition spd="slow" p14:dur="3900">
-        <p14:glitter pattern="hexagon"/>
-      </p:transition>
-    </mc:Choice>
-    <mc:Fallback xmlns="">
-      <p:transition spd="slow">
-        <p:fade/>
-      </p:transition>
-    </mc:Fallback>
-  </mc:AlternateContent>
-</p:sld>
-</file>
-
-<file path=ppt/slides/slide52.xml><?xml version="1.0" encoding="utf-8"?>
-<p:sld xmlns:a="http://schemas.openxmlformats.org/drawingml/2006/main" xmlns:r="http://schemas.openxmlformats.org/officeDocument/2006/relationships" xmlns:p="http://schemas.openxmlformats.org/presentationml/2006/main">
-  <p:cSld>
-    <p:spTree>
-      <p:nvGrpSpPr>
-        <p:cNvPr id="1" name=""/>
-        <p:cNvGrpSpPr/>
-        <p:nvPr/>
-      </p:nvGrpSpPr>
-      <p:grpSpPr>
-        <a:xfrm>
-          <a:off x="0" y="0"/>
-          <a:ext cx="0" cy="0"/>
-          <a:chOff x="0" y="0"/>
-          <a:chExt cx="0" cy="0"/>
-        </a:xfrm>
-      </p:grpSpPr>
-      <p:sp>
-        <p:nvSpPr>
-          <p:cNvPr id="2" name="Title 1"/>
-          <p:cNvSpPr>
-            <a:spLocks noGrp="1"/>
-          </p:cNvSpPr>
-          <p:nvPr>
-            <p:ph type="title"/>
-          </p:nvPr>
-        </p:nvSpPr>
-        <p:spPr/>
-        <p:txBody>
-          <a:bodyPr/>
-          <a:lstStyle/>
-          <a:p>
-            <a:r>
-              <a:rPr lang="en-US" smtClean="0"/>
-              <a:t>ebooks</a:t>
-            </a:r>
-            <a:endParaRPr lang="en-US" dirty="0"/>
-          </a:p>
-        </p:txBody>
-      </p:sp>
-      <p:sp>
-        <p:nvSpPr>
-          <p:cNvPr id="3" name="Content Placeholder 2"/>
-          <p:cNvSpPr>
-            <a:spLocks noGrp="1"/>
-          </p:cNvSpPr>
-          <p:nvPr>
-            <p:ph idx="1"/>
-          </p:nvPr>
-        </p:nvSpPr>
-        <p:spPr/>
-        <p:txBody>
-          <a:bodyPr/>
-          <a:lstStyle/>
-          <a:p>
-            <a:r>
-              <a:rPr lang="en-US" dirty="0" smtClean="0"/>
-              <a:t>http://precisebench.com/best-free-books-for-learning-php/</a:t>
-            </a:r>
-            <a:endParaRPr lang="en-US" dirty="0"/>
-          </a:p>
-        </p:txBody>
-      </p:sp>
-    </p:spTree>
-    <p:extLst>
-      <p:ext uri="{BB962C8B-B14F-4D97-AF65-F5344CB8AC3E}">
-        <p14:creationId xmlns:p14="http://schemas.microsoft.com/office/powerpoint/2010/main" val="129834447"/>
-      </p:ext>
-    </p:extLst>
-  </p:cSld>
-  <p:clrMapOvr>
-    <a:masterClrMapping/>
-  </p:clrMapOvr>
-</p:sld>
-</file>
-
-<file path=ppt/slides/slide53.xml><?xml version="1.0" encoding="utf-8"?>
-<p:sld xmlns:a="http://schemas.openxmlformats.org/drawingml/2006/main" xmlns:r="http://schemas.openxmlformats.org/officeDocument/2006/relationships" xmlns:p="http://schemas.openxmlformats.org/presentationml/2006/main">
-  <p:cSld>
-    <p:spTree>
-      <p:nvGrpSpPr>
-        <p:cNvPr id="1" name=""/>
-        <p:cNvGrpSpPr/>
-        <p:nvPr/>
-      </p:nvGrpSpPr>
-      <p:grpSpPr>
-        <a:xfrm>
-          <a:off x="0" y="0"/>
-          <a:ext cx="0" cy="0"/>
-          <a:chOff x="0" y="0"/>
-          <a:chExt cx="0" cy="0"/>
-        </a:xfrm>
-      </p:grpSpPr>
-      <p:sp>
-        <p:nvSpPr>
           <p:cNvPr id="2" name="Title 1"/>
           <p:cNvSpPr>
             <a:spLocks noGrp="1"/>
@@ -23725,7 +23473,7 @@
 </p:sld>
 </file>
 
-<file path=ppt/slides/slide54.xml><?xml version="1.0" encoding="utf-8"?>
+<file path=ppt/slides/slide52.xml><?xml version="1.0" encoding="utf-8"?>
 <p:sld xmlns:a="http://schemas.openxmlformats.org/drawingml/2006/main" xmlns:r="http://schemas.openxmlformats.org/officeDocument/2006/relationships" xmlns:p="http://schemas.openxmlformats.org/presentationml/2006/main">
   <p:cSld>
     <p:spTree>
@@ -24415,7 +24163,7 @@
     </a:clrScheme>
     <a:fontScheme name="Parallax">
       <a:majorFont>
-        <a:latin typeface="Corbel" panose="020B0503020204020204"/>
+        <a:latin typeface="Corbel"/>
         <a:ea typeface=""/>
         <a:cs typeface=""/>
         <a:font script="Jpan" typeface="HGｺﾞｼｯｸM"/>
@@ -24450,7 +24198,7 @@
         <a:font script="Geor" typeface="Sylfaen"/>
       </a:majorFont>
       <a:minorFont>
-        <a:latin typeface="Corbel" panose="020B0503020204020204"/>
+        <a:latin typeface="Corbel"/>
         <a:ea typeface=""/>
         <a:cs typeface=""/>
         <a:font script="Jpan" typeface="HGｺﾞｼｯｸM"/>
@@ -24622,7 +24370,7 @@
   <a:extraClrSchemeLst/>
   <a:extLst>
     <a:ext uri="{05A4C25C-085E-4340-85A3-A5531E510DB2}">
-      <thm15:themeFamily xmlns:thm15="http://schemas.microsoft.com/office/thememl/2012/main" name="Parallax" id="{3388167B-A2EB-4685-9635-1831D9AEF8C4}" vid="{4F7A876A-7598-49CA-AFC8-8EDA2551E4A7}"/>
+      <thm15:themeFamily xmlns:thm15="http://schemas.microsoft.com/office/thememl/2012/main" xmlns="" name="Parallax" id="{3388167B-A2EB-4685-9635-1831D9AEF8C4}" vid="{4F7A876A-7598-49CA-AFC8-8EDA2551E4A7}"/>
     </a:ext>
   </a:extLst>
 </a:theme>

--- a/php-fw1/lesson1.pptx
+++ b/php-fw1/lesson1.pptx
@@ -193,7 +193,7 @@
   </p:defaultTextStyle>
   <p:extLst>
     <p:ext uri="{EFAFB233-063F-42B5-8137-9DF3F51BA10A}">
-      <p15:sldGuideLst xmlns:p15="http://schemas.microsoft.com/office/powerpoint/2012/main" xmlns="">
+      <p15:sldGuideLst xmlns="" xmlns:p15="http://schemas.microsoft.com/office/powerpoint/2012/main">
         <p15:guide id="1" orient="horz" pos="2160">
           <p15:clr>
             <a:srgbClr val="A4A3A4"/>
@@ -207,7 +207,7 @@
       </p15:sldGuideLst>
     </p:ext>
     <p:ext uri="{2D200454-40CA-4A62-9FC3-DE9A4176ACB9}">
-      <p15:notesGuideLst xmlns:p15="http://schemas.microsoft.com/office/powerpoint/2012/main" xmlns="">
+      <p15:notesGuideLst xmlns="" xmlns:p15="http://schemas.microsoft.com/office/powerpoint/2012/main">
         <p15:guide id="1" orient="horz" pos="3224">
           <p15:clr>
             <a:srgbClr val="A4A3A4"/>
@@ -18021,19 +18021,7 @@
           <a:p>
             <a:r>
               <a:rPr lang="en-US" altLang="zh-TW" dirty="0" smtClean="0"/>
-              <a:t>Compatible for Linux</a:t>
-            </a:r>
-            <a:r>
-              <a:rPr lang="en-US" altLang="zh-TW" dirty="0" smtClean="0"/>
-              <a:t>, </a:t>
-            </a:r>
-            <a:r>
-              <a:rPr lang="en-US" altLang="zh-TW" dirty="0" smtClean="0"/>
-              <a:t>Mac OS X and </a:t>
-            </a:r>
-            <a:r>
-              <a:rPr lang="en-US" altLang="zh-TW" dirty="0" smtClean="0"/>
-              <a:t>Windows</a:t>
+              <a:t>Compatible for Linux, Mac OS X and Windows</a:t>
             </a:r>
           </a:p>
           <a:p>
@@ -18041,16 +18029,11 @@
               <a:rPr lang="en-US" altLang="zh-TW" dirty="0" smtClean="0"/>
               <a:t>Android</a:t>
             </a:r>
-            <a:endParaRPr lang="en-US" altLang="zh-TW" dirty="0" smtClean="0"/>
           </a:p>
           <a:p>
             <a:r>
               <a:rPr lang="en-US" altLang="zh-TW" dirty="0" smtClean="0"/>
-              <a:t>Best </a:t>
-            </a:r>
-            <a:r>
-              <a:rPr lang="en-US" altLang="zh-TW" dirty="0" smtClean="0"/>
-              <a:t>work with Apache, </a:t>
+              <a:t>Best work with Apache, </a:t>
             </a:r>
             <a:r>
               <a:rPr lang="en-US" altLang="zh-TW" dirty="0" err="1" smtClean="0"/>
@@ -18061,11 +18044,7 @@
           <a:p>
             <a:r>
               <a:rPr lang="en-US" altLang="zh-TW" dirty="0" smtClean="0"/>
-              <a:t>Also work </a:t>
-            </a:r>
-            <a:r>
-              <a:rPr lang="en-US" altLang="zh-TW" dirty="0" smtClean="0"/>
-              <a:t>on IIS</a:t>
+              <a:t>Also work on IIS</a:t>
             </a:r>
           </a:p>
         </p:txBody>
@@ -18293,11 +18272,7 @@
           <a:p>
             <a:r>
               <a:rPr lang="en-US" altLang="zh-TW" dirty="0" smtClean="0"/>
-              <a:t>Using </a:t>
-            </a:r>
-            <a:r>
-              <a:rPr lang="en-US" altLang="zh-TW" dirty="0" smtClean="0"/>
-              <a:t>programming syntax</a:t>
+              <a:t>Using programming syntax</a:t>
             </a:r>
           </a:p>
         </p:txBody>
@@ -18399,11 +18374,7 @@
           <a:p>
             <a:r>
               <a:rPr lang="en-US" altLang="zh-TW" dirty="0" smtClean="0"/>
-              <a:t>Built-in libraries for many common web </a:t>
-            </a:r>
-            <a:r>
-              <a:rPr lang="en-US" altLang="zh-TW" dirty="0" smtClean="0"/>
-              <a:t>tasks</a:t>
+              <a:t>Built-in libraries for many common web tasks</a:t>
             </a:r>
           </a:p>
           <a:p>
@@ -18411,7 +18382,6 @@
               <a:rPr lang="en-US" altLang="zh-TW" dirty="0" smtClean="0"/>
               <a:t>Many free out-of-the-box system ready to use</a:t>
             </a:r>
-            <a:endParaRPr lang="en-US" altLang="zh-TW" dirty="0" smtClean="0"/>
           </a:p>
           <a:p>
             <a:r>
@@ -20318,8 +20288,8 @@
           <a:lstStyle/>
           <a:p>
             <a:r>
-              <a:rPr lang="en-US" smtClean="0"/>
-              <a:t>Homework</a:t>
+              <a:rPr lang="en-US" dirty="0" smtClean="0"/>
+              <a:t>Classwork</a:t>
             </a:r>
             <a:endParaRPr lang="en-US" dirty="0"/>
           </a:p>
@@ -20375,8 +20345,13 @@
           <a:p>
             <a:r>
               <a:rPr lang="en-US" altLang="zh-TW" dirty="0" smtClean="0"/>
-              <a:t>Browse http://localhost/birthday.php</a:t>
-            </a:r>
+              <a:t>Browse http://</a:t>
+            </a:r>
+            <a:r>
+              <a:rPr lang="en-US" altLang="zh-TW" dirty="0" smtClean="0"/>
+              <a:t>localhost:8080/birthday.php</a:t>
+            </a:r>
+            <a:endParaRPr lang="en-US" altLang="zh-TW" dirty="0" smtClean="0"/>
           </a:p>
         </p:txBody>
       </p:sp>
@@ -20642,15 +20617,15 @@
             </a:r>
             <a:r>
               <a:rPr lang="en-US" altLang="zh-TW" dirty="0" smtClean="0"/>
-              <a:t> of F Y </a:t>
-            </a:r>
-            <a:r>
-              <a:rPr lang="en-US" altLang="zh-TW" dirty="0" err="1" smtClean="0"/>
-              <a:t>h:i:s</a:t>
+              <a:t> </a:t>
             </a:r>
             <a:r>
               <a:rPr lang="en-US" altLang="zh-TW" dirty="0" smtClean="0"/>
-              <a:t> A</a:t>
+              <a:t>\of </a:t>
+            </a:r>
+            <a:r>
+              <a:rPr lang="en-US" altLang="zh-TW" dirty="0" smtClean="0"/>
+              <a:t>F Y h:i:s A</a:t>
             </a:r>
             <a:r>
               <a:rPr lang="mr-IN" altLang="zh-TW" dirty="0" smtClean="0"/>
@@ -20778,8 +20753,8 @@
           <a:lstStyle/>
           <a:p>
             <a:r>
-              <a:rPr lang="en-US" smtClean="0"/>
-              <a:t>Homework</a:t>
+              <a:rPr lang="en-US" dirty="0" smtClean="0"/>
+              <a:t>Classwork</a:t>
             </a:r>
             <a:endParaRPr lang="en-US" dirty="0"/>
           </a:p>
@@ -21760,8 +21735,8 @@
           <a:lstStyle/>
           <a:p>
             <a:r>
-              <a:rPr lang="en-US" smtClean="0"/>
-              <a:t>Homework</a:t>
+              <a:rPr lang="en-US" dirty="0" smtClean="0"/>
+              <a:t>Classwork</a:t>
             </a:r>
             <a:endParaRPr lang="en-US" dirty="0"/>
           </a:p>
@@ -22326,13 +22301,8 @@
             </a:r>
             <a:r>
               <a:rPr lang="en-US" altLang="zh-TW" dirty="0" smtClean="0"/>
-              <a:t>).  EG. </a:t>
-            </a:r>
-            <a:r>
-              <a:rPr lang="en-US" altLang="zh-TW" dirty="0" smtClean="0"/>
-              <a:t>2017</a:t>
-            </a:r>
-            <a:endParaRPr lang="en-US" altLang="zh-TW" dirty="0" smtClean="0"/>
+              <a:t>).  EG. 2017</a:t>
+            </a:r>
           </a:p>
           <a:p>
             <a:r>
@@ -24370,7 +24340,7 @@
   <a:extraClrSchemeLst/>
   <a:extLst>
     <a:ext uri="{05A4C25C-085E-4340-85A3-A5531E510DB2}">
-      <thm15:themeFamily xmlns:thm15="http://schemas.microsoft.com/office/thememl/2012/main" xmlns="" name="Parallax" id="{3388167B-A2EB-4685-9635-1831D9AEF8C4}" vid="{4F7A876A-7598-49CA-AFC8-8EDA2551E4A7}"/>
+      <thm15:themeFamily xmlns="" xmlns:thm15="http://schemas.microsoft.com/office/thememl/2012/main" name="Parallax" id="{3388167B-A2EB-4685-9635-1831D9AEF8C4}" vid="{4F7A876A-7598-49CA-AFC8-8EDA2551E4A7}"/>
     </a:ext>
   </a:extLst>
 </a:theme>

--- a/php-fw1/lesson1.pptx
+++ b/php-fw1/lesson1.pptx
@@ -193,7 +193,7 @@
   </p:defaultTextStyle>
   <p:extLst>
     <p:ext uri="{EFAFB233-063F-42B5-8137-9DF3F51BA10A}">
-      <p15:sldGuideLst xmlns="" xmlns:p15="http://schemas.microsoft.com/office/powerpoint/2012/main">
+      <p15:sldGuideLst xmlns:p15="http://schemas.microsoft.com/office/powerpoint/2012/main" xmlns="">
         <p15:guide id="1" orient="horz" pos="2160">
           <p15:clr>
             <a:srgbClr val="A4A3A4"/>
@@ -207,7 +207,7 @@
       </p15:sldGuideLst>
     </p:ext>
     <p:ext uri="{2D200454-40CA-4A62-9FC3-DE9A4176ACB9}">
-      <p15:notesGuideLst xmlns="" xmlns:p15="http://schemas.microsoft.com/office/powerpoint/2012/main">
+      <p15:notesGuideLst xmlns:p15="http://schemas.microsoft.com/office/powerpoint/2012/main" xmlns="">
         <p15:guide id="1" orient="horz" pos="3224">
           <p15:clr>
             <a:srgbClr val="A4A3A4"/>
@@ -20345,13 +20345,8 @@
           <a:p>
             <a:r>
               <a:rPr lang="en-US" altLang="zh-TW" dirty="0" smtClean="0"/>
-              <a:t>Browse http://</a:t>
-            </a:r>
-            <a:r>
-              <a:rPr lang="en-US" altLang="zh-TW" dirty="0" smtClean="0"/>
-              <a:t>localhost:8080/birthday.php</a:t>
-            </a:r>
-            <a:endParaRPr lang="en-US" altLang="zh-TW" dirty="0" smtClean="0"/>
+              <a:t>Browse http://localhost:8080/birthday.php</a:t>
+            </a:r>
           </a:p>
         </p:txBody>
       </p:sp>
@@ -20617,15 +20612,7 @@
             </a:r>
             <a:r>
               <a:rPr lang="en-US" altLang="zh-TW" dirty="0" smtClean="0"/>
-              <a:t> </a:t>
-            </a:r>
-            <a:r>
-              <a:rPr lang="en-US" altLang="zh-TW" dirty="0" smtClean="0"/>
-              <a:t>\of </a:t>
-            </a:r>
-            <a:r>
-              <a:rPr lang="en-US" altLang="zh-TW" dirty="0" smtClean="0"/>
-              <a:t>F Y h:i:s A</a:t>
+              <a:t> \of F Y h:i:s A</a:t>
             </a:r>
             <a:r>
               <a:rPr lang="mr-IN" altLang="zh-TW" dirty="0" smtClean="0"/>
@@ -20801,11 +20788,11 @@
               <a:t>"</a:t>
             </a:r>
             <a:r>
-              <a:rPr lang="en-US" altLang="zh-TW" dirty="0" smtClean="0"/>
-              <a:t>19900131</a:t>
-            </a:r>
-            <a:r>
-              <a:rPr lang="mr-IN" altLang="zh-TW" dirty="0" smtClean="0"/>
+              <a:rPr lang="en-US" altLang="zh-TW" smtClean="0"/>
+              <a:t>19900911</a:t>
+            </a:r>
+            <a:r>
+              <a:rPr lang="mr-IN" altLang="zh-TW" smtClean="0"/>
               <a:t>"</a:t>
             </a:r>
             <a:r>
@@ -22993,8 +22980,13 @@
             </a:r>
             <a:r>
               <a:rPr lang="en-US" altLang="zh-TW" dirty="0" smtClean="0"/>
-              <a:t>) 2</a:t>
-            </a:r>
+              <a:t>) </a:t>
+            </a:r>
+            <a:r>
+              <a:rPr lang="en-US" altLang="zh-TW" dirty="0" smtClean="0"/>
+              <a:t>3</a:t>
+            </a:r>
+            <a:endParaRPr lang="en-US" altLang="zh-TW" dirty="0" smtClean="0"/>
           </a:p>
         </p:txBody>
       </p:sp>
@@ -24340,7 +24332,7 @@
   <a:extraClrSchemeLst/>
   <a:extLst>
     <a:ext uri="{05A4C25C-085E-4340-85A3-A5531E510DB2}">
-      <thm15:themeFamily xmlns="" xmlns:thm15="http://schemas.microsoft.com/office/thememl/2012/main" name="Parallax" id="{3388167B-A2EB-4685-9635-1831D9AEF8C4}" vid="{4F7A876A-7598-49CA-AFC8-8EDA2551E4A7}"/>
+      <thm15:themeFamily xmlns:thm15="http://schemas.microsoft.com/office/thememl/2012/main" xmlns="" name="Parallax" id="{3388167B-A2EB-4685-9635-1831D9AEF8C4}" vid="{4F7A876A-7598-49CA-AFC8-8EDA2551E4A7}"/>
     </a:ext>
   </a:extLst>
 </a:theme>

--- a/php-fw1/lesson1.pptx
+++ b/php-fw1/lesson1.pptx
@@ -193,7 +193,7 @@
   </p:defaultTextStyle>
   <p:extLst>
     <p:ext uri="{EFAFB233-063F-42B5-8137-9DF3F51BA10A}">
-      <p15:sldGuideLst xmlns:p15="http://schemas.microsoft.com/office/powerpoint/2012/main" xmlns="">
+      <p15:sldGuideLst xmlns:p15="http://schemas.microsoft.com/office/powerpoint/2012/main">
         <p15:guide id="1" orient="horz" pos="2160">
           <p15:clr>
             <a:srgbClr val="A4A3A4"/>
@@ -207,7 +207,7 @@
       </p15:sldGuideLst>
     </p:ext>
     <p:ext uri="{2D200454-40CA-4A62-9FC3-DE9A4176ACB9}">
-      <p15:notesGuideLst xmlns:p15="http://schemas.microsoft.com/office/powerpoint/2012/main" xmlns="">
+      <p15:notesGuideLst xmlns:p15="http://schemas.microsoft.com/office/powerpoint/2012/main">
         <p15:guide id="1" orient="horz" pos="3224">
           <p15:clr>
             <a:srgbClr val="A4A3A4"/>
@@ -20429,7 +20429,9 @@
         </p:nvSpPr>
         <p:spPr/>
         <p:txBody>
-          <a:bodyPr/>
+          <a:bodyPr>
+            <a:normAutofit fontScale="92500"/>
+          </a:bodyPr>
           <a:lstStyle/>
           <a:p>
             <a:r>
@@ -20440,8 +20442,13 @@
           <a:p>
             <a:r>
               <a:rPr lang="en-US" altLang="zh-TW" dirty="0" smtClean="0"/>
-              <a:t>Install to c:\</a:t>
-            </a:r>
+              <a:t>Install to c</a:t>
+            </a:r>
+            <a:r>
+              <a:rPr lang="en-US" altLang="zh-TW" dirty="0" smtClean="0"/>
+              <a:t>:\(Windows)  or  /Application/(MAC)</a:t>
+            </a:r>
+            <a:endParaRPr lang="en-US" altLang="zh-TW" dirty="0" smtClean="0"/>
           </a:p>
           <a:p>
             <a:r>
@@ -20466,8 +20473,21 @@
             </a:r>
             <a:r>
               <a:rPr lang="en-US" altLang="zh-TW" dirty="0" smtClean="0"/>
-              <a:t> files under c:\xampp\htdocs\</a:t>
-            </a:r>
+              <a:t> files under c:\xampp\htdocs</a:t>
+            </a:r>
+            <a:r>
+              <a:rPr lang="en-US" altLang="zh-TW" dirty="0" smtClean="0"/>
+              <a:t>\(Windows)  /Application/XAMPP/</a:t>
+            </a:r>
+            <a:r>
+              <a:rPr lang="en-US" altLang="zh-TW" dirty="0" err="1" smtClean="0"/>
+              <a:t>htdocs</a:t>
+            </a:r>
+            <a:r>
+              <a:rPr lang="en-US" altLang="zh-TW" smtClean="0"/>
+              <a:t>/(MAC)</a:t>
+            </a:r>
+            <a:endParaRPr lang="en-US" altLang="zh-TW" dirty="0" smtClean="0"/>
           </a:p>
           <a:p>
             <a:r>
@@ -22980,13 +23000,8 @@
             </a:r>
             <a:r>
               <a:rPr lang="en-US" altLang="zh-TW" dirty="0" smtClean="0"/>
-              <a:t>) </a:t>
-            </a:r>
-            <a:r>
-              <a:rPr lang="en-US" altLang="zh-TW" dirty="0" smtClean="0"/>
-              <a:t>3</a:t>
-            </a:r>
-            <a:endParaRPr lang="en-US" altLang="zh-TW" dirty="0" smtClean="0"/>
+              <a:t>) 3</a:t>
+            </a:r>
           </a:p>
         </p:txBody>
       </p:sp>
@@ -24332,7 +24347,7 @@
   <a:extraClrSchemeLst/>
   <a:extLst>
     <a:ext uri="{05A4C25C-085E-4340-85A3-A5531E510DB2}">
-      <thm15:themeFamily xmlns:thm15="http://schemas.microsoft.com/office/thememl/2012/main" xmlns="" name="Parallax" id="{3388167B-A2EB-4685-9635-1831D9AEF8C4}" vid="{4F7A876A-7598-49CA-AFC8-8EDA2551E4A7}"/>
+      <thm15:themeFamily xmlns:thm15="http://schemas.microsoft.com/office/thememl/2012/main" name="Parallax" id="{3388167B-A2EB-4685-9635-1831D9AEF8C4}" vid="{4F7A876A-7598-49CA-AFC8-8EDA2551E4A7}"/>
     </a:ext>
   </a:extLst>
 </a:theme>

--- a/php-fw1/lesson1.pptx
+++ b/php-fw1/lesson1.pptx
@@ -5,10 +5,10 @@
     <p:sldMasterId id="2147484484" r:id="rId1"/>
   </p:sldMasterIdLst>
   <p:notesMasterIdLst>
-    <p:notesMasterId r:id="rId54"/>
+    <p:notesMasterId r:id="rId56"/>
   </p:notesMasterIdLst>
   <p:handoutMasterIdLst>
-    <p:handoutMasterId r:id="rId55"/>
+    <p:handoutMasterId r:id="rId57"/>
   </p:handoutMasterIdLst>
   <p:sldIdLst>
     <p:sldId id="256" r:id="rId2"/>
@@ -22,47 +22,49 @@
     <p:sldId id="390" r:id="rId10"/>
     <p:sldId id="391" r:id="rId11"/>
     <p:sldId id="404" r:id="rId12"/>
-    <p:sldId id="384" r:id="rId13"/>
-    <p:sldId id="403" r:id="rId14"/>
-    <p:sldId id="333" r:id="rId15"/>
-    <p:sldId id="342" r:id="rId16"/>
-    <p:sldId id="343" r:id="rId17"/>
-    <p:sldId id="334" r:id="rId18"/>
-    <p:sldId id="373" r:id="rId19"/>
-    <p:sldId id="395" r:id="rId20"/>
-    <p:sldId id="394" r:id="rId21"/>
-    <p:sldId id="344" r:id="rId22"/>
-    <p:sldId id="345" r:id="rId23"/>
-    <p:sldId id="371" r:id="rId24"/>
-    <p:sldId id="346" r:id="rId25"/>
-    <p:sldId id="347" r:id="rId26"/>
-    <p:sldId id="348" r:id="rId27"/>
-    <p:sldId id="350" r:id="rId28"/>
-    <p:sldId id="381" r:id="rId29"/>
-    <p:sldId id="372" r:id="rId30"/>
-    <p:sldId id="392" r:id="rId31"/>
-    <p:sldId id="397" r:id="rId32"/>
-    <p:sldId id="369" r:id="rId33"/>
-    <p:sldId id="398" r:id="rId34"/>
-    <p:sldId id="380" r:id="rId35"/>
-    <p:sldId id="351" r:id="rId36"/>
-    <p:sldId id="366" r:id="rId37"/>
-    <p:sldId id="374" r:id="rId38"/>
-    <p:sldId id="353" r:id="rId39"/>
-    <p:sldId id="399" r:id="rId40"/>
-    <p:sldId id="356" r:id="rId41"/>
-    <p:sldId id="357" r:id="rId42"/>
-    <p:sldId id="376" r:id="rId43"/>
-    <p:sldId id="396" r:id="rId44"/>
-    <p:sldId id="375" r:id="rId45"/>
-    <p:sldId id="329" r:id="rId46"/>
-    <p:sldId id="383" r:id="rId47"/>
-    <p:sldId id="400" r:id="rId48"/>
-    <p:sldId id="409" r:id="rId49"/>
-    <p:sldId id="377" r:id="rId50"/>
-    <p:sldId id="382" r:id="rId51"/>
-    <p:sldId id="407" r:id="rId52"/>
-    <p:sldId id="269" r:id="rId53"/>
+    <p:sldId id="410" r:id="rId13"/>
+    <p:sldId id="411" r:id="rId14"/>
+    <p:sldId id="412" r:id="rId15"/>
+    <p:sldId id="403" r:id="rId16"/>
+    <p:sldId id="333" r:id="rId17"/>
+    <p:sldId id="342" r:id="rId18"/>
+    <p:sldId id="343" r:id="rId19"/>
+    <p:sldId id="334" r:id="rId20"/>
+    <p:sldId id="373" r:id="rId21"/>
+    <p:sldId id="395" r:id="rId22"/>
+    <p:sldId id="394" r:id="rId23"/>
+    <p:sldId id="344" r:id="rId24"/>
+    <p:sldId id="345" r:id="rId25"/>
+    <p:sldId id="371" r:id="rId26"/>
+    <p:sldId id="346" r:id="rId27"/>
+    <p:sldId id="347" r:id="rId28"/>
+    <p:sldId id="348" r:id="rId29"/>
+    <p:sldId id="350" r:id="rId30"/>
+    <p:sldId id="381" r:id="rId31"/>
+    <p:sldId id="372" r:id="rId32"/>
+    <p:sldId id="392" r:id="rId33"/>
+    <p:sldId id="397" r:id="rId34"/>
+    <p:sldId id="369" r:id="rId35"/>
+    <p:sldId id="398" r:id="rId36"/>
+    <p:sldId id="380" r:id="rId37"/>
+    <p:sldId id="351" r:id="rId38"/>
+    <p:sldId id="366" r:id="rId39"/>
+    <p:sldId id="374" r:id="rId40"/>
+    <p:sldId id="353" r:id="rId41"/>
+    <p:sldId id="399" r:id="rId42"/>
+    <p:sldId id="356" r:id="rId43"/>
+    <p:sldId id="357" r:id="rId44"/>
+    <p:sldId id="376" r:id="rId45"/>
+    <p:sldId id="396" r:id="rId46"/>
+    <p:sldId id="375" r:id="rId47"/>
+    <p:sldId id="329" r:id="rId48"/>
+    <p:sldId id="383" r:id="rId49"/>
+    <p:sldId id="400" r:id="rId50"/>
+    <p:sldId id="409" r:id="rId51"/>
+    <p:sldId id="377" r:id="rId52"/>
+    <p:sldId id="382" r:id="rId53"/>
+    <p:sldId id="407" r:id="rId54"/>
+    <p:sldId id="269" r:id="rId55"/>
   </p:sldIdLst>
   <p:sldSz cx="9144000" cy="6858000" type="screen4x3"/>
   <p:notesSz cx="7099300" cy="10234613"/>
@@ -1174,7 +1176,7 @@
       </p:grpSpPr>
       <p:sp>
         <p:nvSpPr>
-          <p:cNvPr id="72706" name="Rectangle 7"/>
+          <p:cNvPr id="71682" name="Rectangle 7"/>
           <p:cNvSpPr>
             <a:spLocks noGrp="1" noChangeArrowheads="1"/>
           </p:cNvSpPr>
@@ -1306,10 +1308,10 @@
             </a:lvl9pPr>
           </a:lstStyle>
           <a:p>
-            <a:fld id="{CA9DCA92-6216-4CA8-B5B2-63988BC073CF}" type="slidenum">
+            <a:fld id="{0A4E903F-79C7-46BD-9272-46AAF192CF50}" type="slidenum">
               <a:rPr lang="zh-TW" altLang="en-US" sz="1300" smtClean="0"/>
               <a:pPr/>
-              <a:t>15</a:t>
+              <a:t>16</a:t>
             </a:fld>
             <a:endParaRPr lang="en-US" altLang="zh-TW" sz="1300" smtClean="0"/>
           </a:p>
@@ -1317,7 +1319,7 @@
       </p:sp>
       <p:sp>
         <p:nvSpPr>
-          <p:cNvPr id="72707" name="Rectangle 2"/>
+          <p:cNvPr id="71683" name="Rectangle 2"/>
           <p:cNvSpPr>
             <a:spLocks noGrp="1" noRot="1" noChangeAspect="1" noChangeArrowheads="1" noTextEdit="1"/>
           </p:cNvSpPr>
@@ -1331,7 +1333,7 @@
       </p:sp>
       <p:sp>
         <p:nvSpPr>
-          <p:cNvPr id="72708" name="Rectangle 3"/>
+          <p:cNvPr id="71684" name="Rectangle 3"/>
           <p:cNvSpPr>
             <a:spLocks noGrp="1" noChangeArrowheads="1"/>
           </p:cNvSpPr>
@@ -1375,7 +1377,7 @@
     </p:spTree>
     <p:extLst>
       <p:ext uri="{BB962C8B-B14F-4D97-AF65-F5344CB8AC3E}">
-        <p14:creationId xmlns:p14="http://schemas.microsoft.com/office/powerpoint/2010/main" val="1025202362"/>
+        <p14:creationId xmlns:p14="http://schemas.microsoft.com/office/powerpoint/2010/main" val="1189641421"/>
       </p:ext>
     </p:extLst>
   </p:cSld>
@@ -1404,7 +1406,7 @@
       </p:grpSpPr>
       <p:sp>
         <p:nvSpPr>
-          <p:cNvPr id="73730" name="Rectangle 7"/>
+          <p:cNvPr id="72706" name="Rectangle 7"/>
           <p:cNvSpPr>
             <a:spLocks noGrp="1" noChangeArrowheads="1"/>
           </p:cNvSpPr>
@@ -1536,10 +1538,10 @@
             </a:lvl9pPr>
           </a:lstStyle>
           <a:p>
-            <a:fld id="{5F96EC4F-9042-40E0-8261-699C2B691216}" type="slidenum">
+            <a:fld id="{CA9DCA92-6216-4CA8-B5B2-63988BC073CF}" type="slidenum">
               <a:rPr lang="zh-TW" altLang="en-US" sz="1300" smtClean="0"/>
               <a:pPr/>
-              <a:t>16</a:t>
+              <a:t>17</a:t>
             </a:fld>
             <a:endParaRPr lang="en-US" altLang="zh-TW" sz="1300" smtClean="0"/>
           </a:p>
@@ -1547,7 +1549,7 @@
       </p:sp>
       <p:sp>
         <p:nvSpPr>
-          <p:cNvPr id="73731" name="Rectangle 2"/>
+          <p:cNvPr id="72707" name="Rectangle 2"/>
           <p:cNvSpPr>
             <a:spLocks noGrp="1" noRot="1" noChangeAspect="1" noChangeArrowheads="1" noTextEdit="1"/>
           </p:cNvSpPr>
@@ -1561,7 +1563,7 @@
       </p:sp>
       <p:sp>
         <p:nvSpPr>
-          <p:cNvPr id="73732" name="Rectangle 3"/>
+          <p:cNvPr id="72708" name="Rectangle 3"/>
           <p:cNvSpPr>
             <a:spLocks noGrp="1" noChangeArrowheads="1"/>
           </p:cNvSpPr>
@@ -1605,7 +1607,7 @@
     </p:spTree>
     <p:extLst>
       <p:ext uri="{BB962C8B-B14F-4D97-AF65-F5344CB8AC3E}">
-        <p14:creationId xmlns:p14="http://schemas.microsoft.com/office/powerpoint/2010/main" val="1350490027"/>
+        <p14:creationId xmlns:p14="http://schemas.microsoft.com/office/powerpoint/2010/main" val="1025202362"/>
       </p:ext>
     </p:extLst>
   </p:cSld>
@@ -1634,7 +1636,7 @@
       </p:grpSpPr>
       <p:sp>
         <p:nvSpPr>
-          <p:cNvPr id="74754" name="Rectangle 7"/>
+          <p:cNvPr id="73730" name="Rectangle 7"/>
           <p:cNvSpPr>
             <a:spLocks noGrp="1" noChangeArrowheads="1"/>
           </p:cNvSpPr>
@@ -1766,10 +1768,10 @@
             </a:lvl9pPr>
           </a:lstStyle>
           <a:p>
-            <a:fld id="{C46E017D-F16A-4818-B3A2-4991D735618E}" type="slidenum">
+            <a:fld id="{5F96EC4F-9042-40E0-8261-699C2B691216}" type="slidenum">
               <a:rPr lang="zh-TW" altLang="en-US" sz="1300" smtClean="0"/>
               <a:pPr/>
-              <a:t>17</a:t>
+              <a:t>18</a:t>
             </a:fld>
             <a:endParaRPr lang="en-US" altLang="zh-TW" sz="1300" smtClean="0"/>
           </a:p>
@@ -1777,7 +1779,7 @@
       </p:sp>
       <p:sp>
         <p:nvSpPr>
-          <p:cNvPr id="74755" name="Rectangle 2"/>
+          <p:cNvPr id="73731" name="Rectangle 2"/>
           <p:cNvSpPr>
             <a:spLocks noGrp="1" noRot="1" noChangeAspect="1" noChangeArrowheads="1" noTextEdit="1"/>
           </p:cNvSpPr>
@@ -1791,7 +1793,7 @@
       </p:sp>
       <p:sp>
         <p:nvSpPr>
-          <p:cNvPr id="74756" name="Rectangle 3"/>
+          <p:cNvPr id="73732" name="Rectangle 3"/>
           <p:cNvSpPr>
             <a:spLocks noGrp="1" noChangeArrowheads="1"/>
           </p:cNvSpPr>
@@ -1835,7 +1837,7 @@
     </p:spTree>
     <p:extLst>
       <p:ext uri="{BB962C8B-B14F-4D97-AF65-F5344CB8AC3E}">
-        <p14:creationId xmlns:p14="http://schemas.microsoft.com/office/powerpoint/2010/main" val="783368690"/>
+        <p14:creationId xmlns:p14="http://schemas.microsoft.com/office/powerpoint/2010/main" val="1350490027"/>
       </p:ext>
     </p:extLst>
   </p:cSld>
@@ -1864,7 +1866,7 @@
       </p:grpSpPr>
       <p:sp>
         <p:nvSpPr>
-          <p:cNvPr id="75778" name="Rectangle 7"/>
+          <p:cNvPr id="74754" name="Rectangle 7"/>
           <p:cNvSpPr>
             <a:spLocks noGrp="1" noChangeArrowheads="1"/>
           </p:cNvSpPr>
@@ -1996,10 +1998,10 @@
             </a:lvl9pPr>
           </a:lstStyle>
           <a:p>
-            <a:fld id="{E560E540-EE1D-4C09-AB5F-75FF0BBFC43C}" type="slidenum">
+            <a:fld id="{C46E017D-F16A-4818-B3A2-4991D735618E}" type="slidenum">
               <a:rPr lang="zh-TW" altLang="en-US" sz="1300" smtClean="0"/>
               <a:pPr/>
-              <a:t>18</a:t>
+              <a:t>19</a:t>
             </a:fld>
             <a:endParaRPr lang="en-US" altLang="zh-TW" sz="1300" smtClean="0"/>
           </a:p>
@@ -2007,7 +2009,7 @@
       </p:sp>
       <p:sp>
         <p:nvSpPr>
-          <p:cNvPr id="75779" name="Rectangle 2"/>
+          <p:cNvPr id="74755" name="Rectangle 2"/>
           <p:cNvSpPr>
             <a:spLocks noGrp="1" noRot="1" noChangeAspect="1" noChangeArrowheads="1" noTextEdit="1"/>
           </p:cNvSpPr>
@@ -2021,7 +2023,7 @@
       </p:sp>
       <p:sp>
         <p:nvSpPr>
-          <p:cNvPr id="75780" name="Rectangle 3"/>
+          <p:cNvPr id="74756" name="Rectangle 3"/>
           <p:cNvSpPr>
             <a:spLocks noGrp="1" noChangeArrowheads="1"/>
           </p:cNvSpPr>
@@ -2065,7 +2067,7 @@
     </p:spTree>
     <p:extLst>
       <p:ext uri="{BB962C8B-B14F-4D97-AF65-F5344CB8AC3E}">
-        <p14:creationId xmlns:p14="http://schemas.microsoft.com/office/powerpoint/2010/main" val="1102520059"/>
+        <p14:creationId xmlns:p14="http://schemas.microsoft.com/office/powerpoint/2010/main" val="783368690"/>
       </p:ext>
     </p:extLst>
   </p:cSld>
@@ -2094,7 +2096,7 @@
       </p:grpSpPr>
       <p:sp>
         <p:nvSpPr>
-          <p:cNvPr id="77826" name="Rectangle 7"/>
+          <p:cNvPr id="75778" name="Rectangle 7"/>
           <p:cNvSpPr>
             <a:spLocks noGrp="1" noChangeArrowheads="1"/>
           </p:cNvSpPr>
@@ -2226,10 +2228,10 @@
             </a:lvl9pPr>
           </a:lstStyle>
           <a:p>
-            <a:fld id="{C45E8E27-2D80-47DF-A8CA-CC543FCE8B75}" type="slidenum">
+            <a:fld id="{E560E540-EE1D-4C09-AB5F-75FF0BBFC43C}" type="slidenum">
               <a:rPr lang="zh-TW" altLang="en-US" sz="1300" smtClean="0"/>
               <a:pPr/>
-              <a:t>21</a:t>
+              <a:t>20</a:t>
             </a:fld>
             <a:endParaRPr lang="en-US" altLang="zh-TW" sz="1300" smtClean="0"/>
           </a:p>
@@ -2237,7 +2239,7 @@
       </p:sp>
       <p:sp>
         <p:nvSpPr>
-          <p:cNvPr id="77827" name="Rectangle 2"/>
+          <p:cNvPr id="75779" name="Rectangle 2"/>
           <p:cNvSpPr>
             <a:spLocks noGrp="1" noRot="1" noChangeAspect="1" noChangeArrowheads="1" noTextEdit="1"/>
           </p:cNvSpPr>
@@ -2251,7 +2253,7 @@
       </p:sp>
       <p:sp>
         <p:nvSpPr>
-          <p:cNvPr id="77828" name="Rectangle 3"/>
+          <p:cNvPr id="75780" name="Rectangle 3"/>
           <p:cNvSpPr>
             <a:spLocks noGrp="1" noChangeArrowheads="1"/>
           </p:cNvSpPr>
@@ -2295,7 +2297,7 @@
     </p:spTree>
     <p:extLst>
       <p:ext uri="{BB962C8B-B14F-4D97-AF65-F5344CB8AC3E}">
-        <p14:creationId xmlns:p14="http://schemas.microsoft.com/office/powerpoint/2010/main" val="1801979802"/>
+        <p14:creationId xmlns:p14="http://schemas.microsoft.com/office/powerpoint/2010/main" val="1102520059"/>
       </p:ext>
     </p:extLst>
   </p:cSld>
@@ -2324,7 +2326,7 @@
       </p:grpSpPr>
       <p:sp>
         <p:nvSpPr>
-          <p:cNvPr id="78850" name="Rectangle 7"/>
+          <p:cNvPr id="77826" name="Rectangle 7"/>
           <p:cNvSpPr>
             <a:spLocks noGrp="1" noChangeArrowheads="1"/>
           </p:cNvSpPr>
@@ -2456,10 +2458,10 @@
             </a:lvl9pPr>
           </a:lstStyle>
           <a:p>
-            <a:fld id="{84D0CD6C-F363-4689-A77C-408F57F87425}" type="slidenum">
+            <a:fld id="{C45E8E27-2D80-47DF-A8CA-CC543FCE8B75}" type="slidenum">
               <a:rPr lang="zh-TW" altLang="en-US" sz="1300" smtClean="0"/>
               <a:pPr/>
-              <a:t>22</a:t>
+              <a:t>23</a:t>
             </a:fld>
             <a:endParaRPr lang="en-US" altLang="zh-TW" sz="1300" smtClean="0"/>
           </a:p>
@@ -2467,7 +2469,7 @@
       </p:sp>
       <p:sp>
         <p:nvSpPr>
-          <p:cNvPr id="78851" name="Rectangle 2"/>
+          <p:cNvPr id="77827" name="Rectangle 2"/>
           <p:cNvSpPr>
             <a:spLocks noGrp="1" noRot="1" noChangeAspect="1" noChangeArrowheads="1" noTextEdit="1"/>
           </p:cNvSpPr>
@@ -2481,7 +2483,7 @@
       </p:sp>
       <p:sp>
         <p:nvSpPr>
-          <p:cNvPr id="78852" name="Rectangle 3"/>
+          <p:cNvPr id="77828" name="Rectangle 3"/>
           <p:cNvSpPr>
             <a:spLocks noGrp="1" noChangeArrowheads="1"/>
           </p:cNvSpPr>
@@ -2525,7 +2527,7 @@
     </p:spTree>
     <p:extLst>
       <p:ext uri="{BB962C8B-B14F-4D97-AF65-F5344CB8AC3E}">
-        <p14:creationId xmlns:p14="http://schemas.microsoft.com/office/powerpoint/2010/main" val="1315634022"/>
+        <p14:creationId xmlns:p14="http://schemas.microsoft.com/office/powerpoint/2010/main" val="1801979802"/>
       </p:ext>
     </p:extLst>
   </p:cSld>
@@ -2554,7 +2556,7 @@
       </p:grpSpPr>
       <p:sp>
         <p:nvSpPr>
-          <p:cNvPr id="79874" name="Rectangle 7"/>
+          <p:cNvPr id="78850" name="Rectangle 7"/>
           <p:cNvSpPr>
             <a:spLocks noGrp="1" noChangeArrowheads="1"/>
           </p:cNvSpPr>
@@ -2686,10 +2688,10 @@
             </a:lvl9pPr>
           </a:lstStyle>
           <a:p>
-            <a:fld id="{ADD67C44-68D8-49E4-BAFA-EA87DEF5D213}" type="slidenum">
+            <a:fld id="{84D0CD6C-F363-4689-A77C-408F57F87425}" type="slidenum">
               <a:rPr lang="zh-TW" altLang="en-US" sz="1300" smtClean="0"/>
               <a:pPr/>
-              <a:t>23</a:t>
+              <a:t>24</a:t>
             </a:fld>
             <a:endParaRPr lang="en-US" altLang="zh-TW" sz="1300" smtClean="0"/>
           </a:p>
@@ -2697,7 +2699,7 @@
       </p:sp>
       <p:sp>
         <p:nvSpPr>
-          <p:cNvPr id="79875" name="Rectangle 2"/>
+          <p:cNvPr id="78851" name="Rectangle 2"/>
           <p:cNvSpPr>
             <a:spLocks noGrp="1" noRot="1" noChangeAspect="1" noChangeArrowheads="1" noTextEdit="1"/>
           </p:cNvSpPr>
@@ -2711,7 +2713,7 @@
       </p:sp>
       <p:sp>
         <p:nvSpPr>
-          <p:cNvPr id="79876" name="Rectangle 3"/>
+          <p:cNvPr id="78852" name="Rectangle 3"/>
           <p:cNvSpPr>
             <a:spLocks noGrp="1" noChangeArrowheads="1"/>
           </p:cNvSpPr>
@@ -2755,7 +2757,7 @@
     </p:spTree>
     <p:extLst>
       <p:ext uri="{BB962C8B-B14F-4D97-AF65-F5344CB8AC3E}">
-        <p14:creationId xmlns:p14="http://schemas.microsoft.com/office/powerpoint/2010/main" val="635723058"/>
+        <p14:creationId xmlns:p14="http://schemas.microsoft.com/office/powerpoint/2010/main" val="1315634022"/>
       </p:ext>
     </p:extLst>
   </p:cSld>
@@ -2784,7 +2786,7 @@
       </p:grpSpPr>
       <p:sp>
         <p:nvSpPr>
-          <p:cNvPr id="80898" name="Rectangle 7"/>
+          <p:cNvPr id="79874" name="Rectangle 7"/>
           <p:cNvSpPr>
             <a:spLocks noGrp="1" noChangeArrowheads="1"/>
           </p:cNvSpPr>
@@ -2916,10 +2918,10 @@
             </a:lvl9pPr>
           </a:lstStyle>
           <a:p>
-            <a:fld id="{D38F7238-3CB8-48AE-A601-A99E0EA8DE3D}" type="slidenum">
+            <a:fld id="{ADD67C44-68D8-49E4-BAFA-EA87DEF5D213}" type="slidenum">
               <a:rPr lang="zh-TW" altLang="en-US" sz="1300" smtClean="0"/>
               <a:pPr/>
-              <a:t>24</a:t>
+              <a:t>25</a:t>
             </a:fld>
             <a:endParaRPr lang="en-US" altLang="zh-TW" sz="1300" smtClean="0"/>
           </a:p>
@@ -2927,7 +2929,7 @@
       </p:sp>
       <p:sp>
         <p:nvSpPr>
-          <p:cNvPr id="80899" name="Rectangle 2"/>
+          <p:cNvPr id="79875" name="Rectangle 2"/>
           <p:cNvSpPr>
             <a:spLocks noGrp="1" noRot="1" noChangeAspect="1" noChangeArrowheads="1" noTextEdit="1"/>
           </p:cNvSpPr>
@@ -2941,7 +2943,7 @@
       </p:sp>
       <p:sp>
         <p:nvSpPr>
-          <p:cNvPr id="80900" name="Rectangle 3"/>
+          <p:cNvPr id="79876" name="Rectangle 3"/>
           <p:cNvSpPr>
             <a:spLocks noGrp="1" noChangeArrowheads="1"/>
           </p:cNvSpPr>
@@ -2985,7 +2987,7 @@
     </p:spTree>
     <p:extLst>
       <p:ext uri="{BB962C8B-B14F-4D97-AF65-F5344CB8AC3E}">
-        <p14:creationId xmlns:p14="http://schemas.microsoft.com/office/powerpoint/2010/main" val="1369133069"/>
+        <p14:creationId xmlns:p14="http://schemas.microsoft.com/office/powerpoint/2010/main" val="635723058"/>
       </p:ext>
     </p:extLst>
   </p:cSld>
@@ -3014,7 +3016,7 @@
       </p:grpSpPr>
       <p:sp>
         <p:nvSpPr>
-          <p:cNvPr id="81922" name="Rectangle 7"/>
+          <p:cNvPr id="80898" name="Rectangle 7"/>
           <p:cNvSpPr>
             <a:spLocks noGrp="1" noChangeArrowheads="1"/>
           </p:cNvSpPr>
@@ -3146,10 +3148,10 @@
             </a:lvl9pPr>
           </a:lstStyle>
           <a:p>
-            <a:fld id="{6FBAA514-01BA-4551-950E-ED87887F7715}" type="slidenum">
+            <a:fld id="{D38F7238-3CB8-48AE-A601-A99E0EA8DE3D}" type="slidenum">
               <a:rPr lang="zh-TW" altLang="en-US" sz="1300" smtClean="0"/>
               <a:pPr/>
-              <a:t>25</a:t>
+              <a:t>26</a:t>
             </a:fld>
             <a:endParaRPr lang="en-US" altLang="zh-TW" sz="1300" smtClean="0"/>
           </a:p>
@@ -3157,7 +3159,7 @@
       </p:sp>
       <p:sp>
         <p:nvSpPr>
-          <p:cNvPr id="81923" name="Rectangle 2"/>
+          <p:cNvPr id="80899" name="Rectangle 2"/>
           <p:cNvSpPr>
             <a:spLocks noGrp="1" noRot="1" noChangeAspect="1" noChangeArrowheads="1" noTextEdit="1"/>
           </p:cNvSpPr>
@@ -3171,7 +3173,7 @@
       </p:sp>
       <p:sp>
         <p:nvSpPr>
-          <p:cNvPr id="81924" name="Rectangle 3"/>
+          <p:cNvPr id="80900" name="Rectangle 3"/>
           <p:cNvSpPr>
             <a:spLocks noGrp="1" noChangeArrowheads="1"/>
           </p:cNvSpPr>
@@ -3215,7 +3217,7 @@
     </p:spTree>
     <p:extLst>
       <p:ext uri="{BB962C8B-B14F-4D97-AF65-F5344CB8AC3E}">
-        <p14:creationId xmlns:p14="http://schemas.microsoft.com/office/powerpoint/2010/main" val="1125898167"/>
+        <p14:creationId xmlns:p14="http://schemas.microsoft.com/office/powerpoint/2010/main" val="1369133069"/>
       </p:ext>
     </p:extLst>
   </p:cSld>
@@ -3244,7 +3246,7 @@
       </p:grpSpPr>
       <p:sp>
         <p:nvSpPr>
-          <p:cNvPr id="82946" name="Rectangle 7"/>
+          <p:cNvPr id="81922" name="Rectangle 7"/>
           <p:cNvSpPr>
             <a:spLocks noGrp="1" noChangeArrowheads="1"/>
           </p:cNvSpPr>
@@ -3376,10 +3378,10 @@
             </a:lvl9pPr>
           </a:lstStyle>
           <a:p>
-            <a:fld id="{C2A49AB0-38E3-48FB-B9C7-F3148CD01756}" type="slidenum">
+            <a:fld id="{6FBAA514-01BA-4551-950E-ED87887F7715}" type="slidenum">
               <a:rPr lang="zh-TW" altLang="en-US" sz="1300" smtClean="0"/>
               <a:pPr/>
-              <a:t>26</a:t>
+              <a:t>27</a:t>
             </a:fld>
             <a:endParaRPr lang="en-US" altLang="zh-TW" sz="1300" smtClean="0"/>
           </a:p>
@@ -3387,7 +3389,7 @@
       </p:sp>
       <p:sp>
         <p:nvSpPr>
-          <p:cNvPr id="82947" name="Rectangle 2"/>
+          <p:cNvPr id="81923" name="Rectangle 2"/>
           <p:cNvSpPr>
             <a:spLocks noGrp="1" noRot="1" noChangeAspect="1" noChangeArrowheads="1" noTextEdit="1"/>
           </p:cNvSpPr>
@@ -3401,7 +3403,7 @@
       </p:sp>
       <p:sp>
         <p:nvSpPr>
-          <p:cNvPr id="82948" name="Rectangle 3"/>
+          <p:cNvPr id="81924" name="Rectangle 3"/>
           <p:cNvSpPr>
             <a:spLocks noGrp="1" noChangeArrowheads="1"/>
           </p:cNvSpPr>
@@ -3445,7 +3447,7 @@
     </p:spTree>
     <p:extLst>
       <p:ext uri="{BB962C8B-B14F-4D97-AF65-F5344CB8AC3E}">
-        <p14:creationId xmlns:p14="http://schemas.microsoft.com/office/powerpoint/2010/main" val="1059961393"/>
+        <p14:creationId xmlns:p14="http://schemas.microsoft.com/office/powerpoint/2010/main" val="1125898167"/>
       </p:ext>
     </p:extLst>
   </p:cSld>
@@ -3704,7 +3706,7 @@
       </p:grpSpPr>
       <p:sp>
         <p:nvSpPr>
-          <p:cNvPr id="83970" name="Rectangle 7"/>
+          <p:cNvPr id="82946" name="Rectangle 7"/>
           <p:cNvSpPr>
             <a:spLocks noGrp="1" noChangeArrowheads="1"/>
           </p:cNvSpPr>
@@ -3836,10 +3838,10 @@
             </a:lvl9pPr>
           </a:lstStyle>
           <a:p>
-            <a:fld id="{2DBB294E-D159-4B0D-8B7C-485162A22FF7}" type="slidenum">
+            <a:fld id="{C2A49AB0-38E3-48FB-B9C7-F3148CD01756}" type="slidenum">
               <a:rPr lang="zh-TW" altLang="en-US" sz="1300" smtClean="0"/>
               <a:pPr/>
-              <a:t>27</a:t>
+              <a:t>28</a:t>
             </a:fld>
             <a:endParaRPr lang="en-US" altLang="zh-TW" sz="1300" smtClean="0"/>
           </a:p>
@@ -3847,7 +3849,7 @@
       </p:sp>
       <p:sp>
         <p:nvSpPr>
-          <p:cNvPr id="83971" name="Rectangle 2"/>
+          <p:cNvPr id="82947" name="Rectangle 2"/>
           <p:cNvSpPr>
             <a:spLocks noGrp="1" noRot="1" noChangeAspect="1" noChangeArrowheads="1" noTextEdit="1"/>
           </p:cNvSpPr>
@@ -3861,7 +3863,7 @@
       </p:sp>
       <p:sp>
         <p:nvSpPr>
-          <p:cNvPr id="83972" name="Rectangle 3"/>
+          <p:cNvPr id="82948" name="Rectangle 3"/>
           <p:cNvSpPr>
             <a:spLocks noGrp="1" noChangeArrowheads="1"/>
           </p:cNvSpPr>
@@ -3905,7 +3907,7 @@
     </p:spTree>
     <p:extLst>
       <p:ext uri="{BB962C8B-B14F-4D97-AF65-F5344CB8AC3E}">
-        <p14:creationId xmlns:p14="http://schemas.microsoft.com/office/powerpoint/2010/main" val="2089018456"/>
+        <p14:creationId xmlns:p14="http://schemas.microsoft.com/office/powerpoint/2010/main" val="1059961393"/>
       </p:ext>
     </p:extLst>
   </p:cSld>
@@ -3934,7 +3936,7 @@
       </p:grpSpPr>
       <p:sp>
         <p:nvSpPr>
-          <p:cNvPr id="84994" name="Rectangle 7"/>
+          <p:cNvPr id="83970" name="Rectangle 7"/>
           <p:cNvSpPr>
             <a:spLocks noGrp="1" noChangeArrowheads="1"/>
           </p:cNvSpPr>
@@ -4066,10 +4068,10 @@
             </a:lvl9pPr>
           </a:lstStyle>
           <a:p>
-            <a:fld id="{83E6493E-F04F-492F-8D95-3031AC6C8C5A}" type="slidenum">
+            <a:fld id="{2DBB294E-D159-4B0D-8B7C-485162A22FF7}" type="slidenum">
               <a:rPr lang="zh-TW" altLang="en-US" sz="1300" smtClean="0"/>
               <a:pPr/>
-              <a:t>28</a:t>
+              <a:t>29</a:t>
             </a:fld>
             <a:endParaRPr lang="en-US" altLang="zh-TW" sz="1300" smtClean="0"/>
           </a:p>
@@ -4077,7 +4079,7 @@
       </p:sp>
       <p:sp>
         <p:nvSpPr>
-          <p:cNvPr id="84995" name="Rectangle 2"/>
+          <p:cNvPr id="83971" name="Rectangle 2"/>
           <p:cNvSpPr>
             <a:spLocks noGrp="1" noRot="1" noChangeAspect="1" noChangeArrowheads="1" noTextEdit="1"/>
           </p:cNvSpPr>
@@ -4091,7 +4093,7 @@
       </p:sp>
       <p:sp>
         <p:nvSpPr>
-          <p:cNvPr id="84996" name="Rectangle 3"/>
+          <p:cNvPr id="83972" name="Rectangle 3"/>
           <p:cNvSpPr>
             <a:spLocks noGrp="1" noChangeArrowheads="1"/>
           </p:cNvSpPr>
@@ -4135,7 +4137,7 @@
     </p:spTree>
     <p:extLst>
       <p:ext uri="{BB962C8B-B14F-4D97-AF65-F5344CB8AC3E}">
-        <p14:creationId xmlns:p14="http://schemas.microsoft.com/office/powerpoint/2010/main" val="628175011"/>
+        <p14:creationId xmlns:p14="http://schemas.microsoft.com/office/powerpoint/2010/main" val="2089018456"/>
       </p:ext>
     </p:extLst>
   </p:cSld>
@@ -4164,7 +4166,7 @@
       </p:grpSpPr>
       <p:sp>
         <p:nvSpPr>
-          <p:cNvPr id="86018" name="Rectangle 7"/>
+          <p:cNvPr id="84994" name="Rectangle 7"/>
           <p:cNvSpPr>
             <a:spLocks noGrp="1" noChangeArrowheads="1"/>
           </p:cNvSpPr>
@@ -4296,10 +4298,10 @@
             </a:lvl9pPr>
           </a:lstStyle>
           <a:p>
-            <a:fld id="{74D58637-8846-4395-9EC3-5163009C4F1D}" type="slidenum">
+            <a:fld id="{83E6493E-F04F-492F-8D95-3031AC6C8C5A}" type="slidenum">
               <a:rPr lang="zh-TW" altLang="en-US" sz="1300" smtClean="0"/>
               <a:pPr/>
-              <a:t>29</a:t>
+              <a:t>30</a:t>
             </a:fld>
             <a:endParaRPr lang="en-US" altLang="zh-TW" sz="1300" smtClean="0"/>
           </a:p>
@@ -4307,7 +4309,7 @@
       </p:sp>
       <p:sp>
         <p:nvSpPr>
-          <p:cNvPr id="86019" name="Rectangle 2"/>
+          <p:cNvPr id="84995" name="Rectangle 2"/>
           <p:cNvSpPr>
             <a:spLocks noGrp="1" noRot="1" noChangeAspect="1" noChangeArrowheads="1" noTextEdit="1"/>
           </p:cNvSpPr>
@@ -4321,7 +4323,7 @@
       </p:sp>
       <p:sp>
         <p:nvSpPr>
-          <p:cNvPr id="86020" name="Rectangle 3"/>
+          <p:cNvPr id="84996" name="Rectangle 3"/>
           <p:cNvSpPr>
             <a:spLocks noGrp="1" noChangeArrowheads="1"/>
           </p:cNvSpPr>
@@ -4365,7 +4367,7 @@
     </p:spTree>
     <p:extLst>
       <p:ext uri="{BB962C8B-B14F-4D97-AF65-F5344CB8AC3E}">
-        <p14:creationId xmlns:p14="http://schemas.microsoft.com/office/powerpoint/2010/main" val="1656478042"/>
+        <p14:creationId xmlns:p14="http://schemas.microsoft.com/office/powerpoint/2010/main" val="628175011"/>
       </p:ext>
     </p:extLst>
   </p:cSld>
@@ -4394,7 +4396,7 @@
       </p:grpSpPr>
       <p:sp>
         <p:nvSpPr>
-          <p:cNvPr id="87042" name="Rectangle 7"/>
+          <p:cNvPr id="86018" name="Rectangle 7"/>
           <p:cNvSpPr>
             <a:spLocks noGrp="1" noChangeArrowheads="1"/>
           </p:cNvSpPr>
@@ -4526,7 +4528,7 @@
             </a:lvl9pPr>
           </a:lstStyle>
           <a:p>
-            <a:fld id="{32305C3B-1A3F-4509-B958-4912958B602C}" type="slidenum">
+            <a:fld id="{74D58637-8846-4395-9EC3-5163009C4F1D}" type="slidenum">
               <a:rPr lang="zh-TW" altLang="en-US" sz="1300" smtClean="0"/>
               <a:pPr/>
               <a:t>31</a:t>
@@ -4537,7 +4539,7 @@
       </p:sp>
       <p:sp>
         <p:nvSpPr>
-          <p:cNvPr id="87043" name="Rectangle 2"/>
+          <p:cNvPr id="86019" name="Rectangle 2"/>
           <p:cNvSpPr>
             <a:spLocks noGrp="1" noRot="1" noChangeAspect="1" noChangeArrowheads="1" noTextEdit="1"/>
           </p:cNvSpPr>
@@ -4551,7 +4553,7 @@
       </p:sp>
       <p:sp>
         <p:nvSpPr>
-          <p:cNvPr id="87044" name="Rectangle 3"/>
+          <p:cNvPr id="86020" name="Rectangle 3"/>
           <p:cNvSpPr>
             <a:spLocks noGrp="1" noChangeArrowheads="1"/>
           </p:cNvSpPr>
@@ -4595,7 +4597,7 @@
     </p:spTree>
     <p:extLst>
       <p:ext uri="{BB962C8B-B14F-4D97-AF65-F5344CB8AC3E}">
-        <p14:creationId xmlns:p14="http://schemas.microsoft.com/office/powerpoint/2010/main" val="1131176229"/>
+        <p14:creationId xmlns:p14="http://schemas.microsoft.com/office/powerpoint/2010/main" val="1656478042"/>
       </p:ext>
     </p:extLst>
   </p:cSld>
@@ -4624,7 +4626,7 @@
       </p:grpSpPr>
       <p:sp>
         <p:nvSpPr>
-          <p:cNvPr id="89090" name="Rectangle 7"/>
+          <p:cNvPr id="87042" name="Rectangle 7"/>
           <p:cNvSpPr>
             <a:spLocks noGrp="1" noChangeArrowheads="1"/>
           </p:cNvSpPr>
@@ -4756,10 +4758,10 @@
             </a:lvl9pPr>
           </a:lstStyle>
           <a:p>
-            <a:fld id="{1EE69E31-FB8A-43EF-90E8-8F1A6E67C714}" type="slidenum">
+            <a:fld id="{32305C3B-1A3F-4509-B958-4912958B602C}" type="slidenum">
               <a:rPr lang="zh-TW" altLang="en-US" sz="1300" smtClean="0"/>
               <a:pPr/>
-              <a:t>32</a:t>
+              <a:t>33</a:t>
             </a:fld>
             <a:endParaRPr lang="en-US" altLang="zh-TW" sz="1300" smtClean="0"/>
           </a:p>
@@ -4767,7 +4769,7 @@
       </p:sp>
       <p:sp>
         <p:nvSpPr>
-          <p:cNvPr id="89091" name="Rectangle 2"/>
+          <p:cNvPr id="87043" name="Rectangle 2"/>
           <p:cNvSpPr>
             <a:spLocks noGrp="1" noRot="1" noChangeAspect="1" noChangeArrowheads="1" noTextEdit="1"/>
           </p:cNvSpPr>
@@ -4781,7 +4783,7 @@
       </p:sp>
       <p:sp>
         <p:nvSpPr>
-          <p:cNvPr id="89092" name="Rectangle 3"/>
+          <p:cNvPr id="87044" name="Rectangle 3"/>
           <p:cNvSpPr>
             <a:spLocks noGrp="1" noChangeArrowheads="1"/>
           </p:cNvSpPr>
@@ -4825,7 +4827,7 @@
     </p:spTree>
     <p:extLst>
       <p:ext uri="{BB962C8B-B14F-4D97-AF65-F5344CB8AC3E}">
-        <p14:creationId xmlns:p14="http://schemas.microsoft.com/office/powerpoint/2010/main" val="1653377373"/>
+        <p14:creationId xmlns:p14="http://schemas.microsoft.com/office/powerpoint/2010/main" val="1131176229"/>
       </p:ext>
     </p:extLst>
   </p:cSld>
@@ -4854,7 +4856,7 @@
       </p:grpSpPr>
       <p:sp>
         <p:nvSpPr>
-          <p:cNvPr id="90114" name="Rectangle 7"/>
+          <p:cNvPr id="89090" name="Rectangle 7"/>
           <p:cNvSpPr>
             <a:spLocks noGrp="1" noChangeArrowheads="1"/>
           </p:cNvSpPr>
@@ -4986,7 +4988,7 @@
             </a:lvl9pPr>
           </a:lstStyle>
           <a:p>
-            <a:fld id="{5989445E-84BC-4EEC-8764-21DC13B39430}" type="slidenum">
+            <a:fld id="{1EE69E31-FB8A-43EF-90E8-8F1A6E67C714}" type="slidenum">
               <a:rPr lang="zh-TW" altLang="en-US" sz="1300" smtClean="0"/>
               <a:pPr/>
               <a:t>34</a:t>
@@ -4997,7 +4999,7 @@
       </p:sp>
       <p:sp>
         <p:nvSpPr>
-          <p:cNvPr id="90115" name="Rectangle 2"/>
+          <p:cNvPr id="89091" name="Rectangle 2"/>
           <p:cNvSpPr>
             <a:spLocks noGrp="1" noRot="1" noChangeAspect="1" noChangeArrowheads="1" noTextEdit="1"/>
           </p:cNvSpPr>
@@ -5011,7 +5013,7 @@
       </p:sp>
       <p:sp>
         <p:nvSpPr>
-          <p:cNvPr id="90116" name="Rectangle 3"/>
+          <p:cNvPr id="89092" name="Rectangle 3"/>
           <p:cNvSpPr>
             <a:spLocks noGrp="1" noChangeArrowheads="1"/>
           </p:cNvSpPr>
@@ -5055,7 +5057,7 @@
     </p:spTree>
     <p:extLst>
       <p:ext uri="{BB962C8B-B14F-4D97-AF65-F5344CB8AC3E}">
-        <p14:creationId xmlns:p14="http://schemas.microsoft.com/office/powerpoint/2010/main" val="859484421"/>
+        <p14:creationId xmlns:p14="http://schemas.microsoft.com/office/powerpoint/2010/main" val="1653377373"/>
       </p:ext>
     </p:extLst>
   </p:cSld>
@@ -5084,7 +5086,7 @@
       </p:grpSpPr>
       <p:sp>
         <p:nvSpPr>
-          <p:cNvPr id="91138" name="Rectangle 7"/>
+          <p:cNvPr id="90114" name="Rectangle 7"/>
           <p:cNvSpPr>
             <a:spLocks noGrp="1" noChangeArrowheads="1"/>
           </p:cNvSpPr>
@@ -5216,10 +5218,10 @@
             </a:lvl9pPr>
           </a:lstStyle>
           <a:p>
-            <a:fld id="{80CD10D2-66F0-4658-A409-6AB42591A917}" type="slidenum">
+            <a:fld id="{5989445E-84BC-4EEC-8764-21DC13B39430}" type="slidenum">
               <a:rPr lang="zh-TW" altLang="en-US" sz="1300" smtClean="0"/>
               <a:pPr/>
-              <a:t>35</a:t>
+              <a:t>36</a:t>
             </a:fld>
             <a:endParaRPr lang="en-US" altLang="zh-TW" sz="1300" smtClean="0"/>
           </a:p>
@@ -5227,7 +5229,7 @@
       </p:sp>
       <p:sp>
         <p:nvSpPr>
-          <p:cNvPr id="91139" name="Rectangle 2"/>
+          <p:cNvPr id="90115" name="Rectangle 2"/>
           <p:cNvSpPr>
             <a:spLocks noGrp="1" noRot="1" noChangeAspect="1" noChangeArrowheads="1" noTextEdit="1"/>
           </p:cNvSpPr>
@@ -5241,7 +5243,7 @@
       </p:sp>
       <p:sp>
         <p:nvSpPr>
-          <p:cNvPr id="91140" name="Rectangle 3"/>
+          <p:cNvPr id="90116" name="Rectangle 3"/>
           <p:cNvSpPr>
             <a:spLocks noGrp="1" noChangeArrowheads="1"/>
           </p:cNvSpPr>
@@ -5285,7 +5287,7 @@
     </p:spTree>
     <p:extLst>
       <p:ext uri="{BB962C8B-B14F-4D97-AF65-F5344CB8AC3E}">
-        <p14:creationId xmlns:p14="http://schemas.microsoft.com/office/powerpoint/2010/main" val="1914544919"/>
+        <p14:creationId xmlns:p14="http://schemas.microsoft.com/office/powerpoint/2010/main" val="859484421"/>
       </p:ext>
     </p:extLst>
   </p:cSld>
@@ -5314,7 +5316,7 @@
       </p:grpSpPr>
       <p:sp>
         <p:nvSpPr>
-          <p:cNvPr id="92162" name="Rectangle 7"/>
+          <p:cNvPr id="91138" name="Rectangle 7"/>
           <p:cNvSpPr>
             <a:spLocks noGrp="1" noChangeArrowheads="1"/>
           </p:cNvSpPr>
@@ -5446,10 +5448,10 @@
             </a:lvl9pPr>
           </a:lstStyle>
           <a:p>
-            <a:fld id="{88EB6BBE-7BAC-447E-A856-77ACA0CACF66}" type="slidenum">
+            <a:fld id="{80CD10D2-66F0-4658-A409-6AB42591A917}" type="slidenum">
               <a:rPr lang="zh-TW" altLang="en-US" sz="1300" smtClean="0"/>
               <a:pPr/>
-              <a:t>36</a:t>
+              <a:t>37</a:t>
             </a:fld>
             <a:endParaRPr lang="en-US" altLang="zh-TW" sz="1300" smtClean="0"/>
           </a:p>
@@ -5457,7 +5459,7 @@
       </p:sp>
       <p:sp>
         <p:nvSpPr>
-          <p:cNvPr id="92163" name="Rectangle 2"/>
+          <p:cNvPr id="91139" name="Rectangle 2"/>
           <p:cNvSpPr>
             <a:spLocks noGrp="1" noRot="1" noChangeAspect="1" noChangeArrowheads="1" noTextEdit="1"/>
           </p:cNvSpPr>
@@ -5471,7 +5473,7 @@
       </p:sp>
       <p:sp>
         <p:nvSpPr>
-          <p:cNvPr id="92164" name="Rectangle 3"/>
+          <p:cNvPr id="91140" name="Rectangle 3"/>
           <p:cNvSpPr>
             <a:spLocks noGrp="1" noChangeArrowheads="1"/>
           </p:cNvSpPr>
@@ -5515,7 +5517,7 @@
     </p:spTree>
     <p:extLst>
       <p:ext uri="{BB962C8B-B14F-4D97-AF65-F5344CB8AC3E}">
-        <p14:creationId xmlns:p14="http://schemas.microsoft.com/office/powerpoint/2010/main" val="608413784"/>
+        <p14:creationId xmlns:p14="http://schemas.microsoft.com/office/powerpoint/2010/main" val="1914544919"/>
       </p:ext>
     </p:extLst>
   </p:cSld>
@@ -5544,7 +5546,7 @@
       </p:grpSpPr>
       <p:sp>
         <p:nvSpPr>
-          <p:cNvPr id="93186" name="Rectangle 7"/>
+          <p:cNvPr id="92162" name="Rectangle 7"/>
           <p:cNvSpPr>
             <a:spLocks noGrp="1" noChangeArrowheads="1"/>
           </p:cNvSpPr>
@@ -5676,10 +5678,10 @@
             </a:lvl9pPr>
           </a:lstStyle>
           <a:p>
-            <a:fld id="{2F44924E-F5AC-403F-90FF-10A034454374}" type="slidenum">
+            <a:fld id="{88EB6BBE-7BAC-447E-A856-77ACA0CACF66}" type="slidenum">
               <a:rPr lang="zh-TW" altLang="en-US" sz="1300" smtClean="0"/>
               <a:pPr/>
-              <a:t>37</a:t>
+              <a:t>38</a:t>
             </a:fld>
             <a:endParaRPr lang="en-US" altLang="zh-TW" sz="1300" smtClean="0"/>
           </a:p>
@@ -5687,7 +5689,7 @@
       </p:sp>
       <p:sp>
         <p:nvSpPr>
-          <p:cNvPr id="93187" name="Rectangle 2"/>
+          <p:cNvPr id="92163" name="Rectangle 2"/>
           <p:cNvSpPr>
             <a:spLocks noGrp="1" noRot="1" noChangeAspect="1" noChangeArrowheads="1" noTextEdit="1"/>
           </p:cNvSpPr>
@@ -5701,7 +5703,7 @@
       </p:sp>
       <p:sp>
         <p:nvSpPr>
-          <p:cNvPr id="93188" name="Rectangle 3"/>
+          <p:cNvPr id="92164" name="Rectangle 3"/>
           <p:cNvSpPr>
             <a:spLocks noGrp="1" noChangeArrowheads="1"/>
           </p:cNvSpPr>
@@ -5745,7 +5747,7 @@
     </p:spTree>
     <p:extLst>
       <p:ext uri="{BB962C8B-B14F-4D97-AF65-F5344CB8AC3E}">
-        <p14:creationId xmlns:p14="http://schemas.microsoft.com/office/powerpoint/2010/main" val="756898537"/>
+        <p14:creationId xmlns:p14="http://schemas.microsoft.com/office/powerpoint/2010/main" val="608413784"/>
       </p:ext>
     </p:extLst>
   </p:cSld>
@@ -5774,7 +5776,7 @@
       </p:grpSpPr>
       <p:sp>
         <p:nvSpPr>
-          <p:cNvPr id="94210" name="Rectangle 7"/>
+          <p:cNvPr id="93186" name="Rectangle 7"/>
           <p:cNvSpPr>
             <a:spLocks noGrp="1" noChangeArrowheads="1"/>
           </p:cNvSpPr>
@@ -5906,10 +5908,10 @@
             </a:lvl9pPr>
           </a:lstStyle>
           <a:p>
-            <a:fld id="{1F642C14-A02B-4B0F-ABC2-14A05F54496B}" type="slidenum">
+            <a:fld id="{2F44924E-F5AC-403F-90FF-10A034454374}" type="slidenum">
               <a:rPr lang="zh-TW" altLang="en-US" sz="1300" smtClean="0"/>
               <a:pPr/>
-              <a:t>38</a:t>
+              <a:t>39</a:t>
             </a:fld>
             <a:endParaRPr lang="en-US" altLang="zh-TW" sz="1300" smtClean="0"/>
           </a:p>
@@ -5917,7 +5919,7 @@
       </p:sp>
       <p:sp>
         <p:nvSpPr>
-          <p:cNvPr id="94211" name="Rectangle 2"/>
+          <p:cNvPr id="93187" name="Rectangle 2"/>
           <p:cNvSpPr>
             <a:spLocks noGrp="1" noRot="1" noChangeAspect="1" noChangeArrowheads="1" noTextEdit="1"/>
           </p:cNvSpPr>
@@ -5931,7 +5933,7 @@
       </p:sp>
       <p:sp>
         <p:nvSpPr>
-          <p:cNvPr id="94212" name="Rectangle 3"/>
+          <p:cNvPr id="93188" name="Rectangle 3"/>
           <p:cNvSpPr>
             <a:spLocks noGrp="1" noChangeArrowheads="1"/>
           </p:cNvSpPr>
@@ -5975,7 +5977,7 @@
     </p:spTree>
     <p:extLst>
       <p:ext uri="{BB962C8B-B14F-4D97-AF65-F5344CB8AC3E}">
-        <p14:creationId xmlns:p14="http://schemas.microsoft.com/office/powerpoint/2010/main" val="572660336"/>
+        <p14:creationId xmlns:p14="http://schemas.microsoft.com/office/powerpoint/2010/main" val="756898537"/>
       </p:ext>
     </p:extLst>
   </p:cSld>
@@ -6234,7 +6236,7 @@
       </p:grpSpPr>
       <p:sp>
         <p:nvSpPr>
-          <p:cNvPr id="95234" name="Rectangle 7"/>
+          <p:cNvPr id="94210" name="Rectangle 7"/>
           <p:cNvSpPr>
             <a:spLocks noGrp="1" noChangeArrowheads="1"/>
           </p:cNvSpPr>
@@ -6366,7 +6368,7 @@
             </a:lvl9pPr>
           </a:lstStyle>
           <a:p>
-            <a:fld id="{14B3C990-1D56-420D-A442-4422CD6CD73C}" type="slidenum">
+            <a:fld id="{1F642C14-A02B-4B0F-ABC2-14A05F54496B}" type="slidenum">
               <a:rPr lang="zh-TW" altLang="en-US" sz="1300" smtClean="0"/>
               <a:pPr/>
               <a:t>40</a:t>
@@ -6377,7 +6379,7 @@
       </p:sp>
       <p:sp>
         <p:nvSpPr>
-          <p:cNvPr id="95235" name="Rectangle 2"/>
+          <p:cNvPr id="94211" name="Rectangle 2"/>
           <p:cNvSpPr>
             <a:spLocks noGrp="1" noRot="1" noChangeAspect="1" noChangeArrowheads="1" noTextEdit="1"/>
           </p:cNvSpPr>
@@ -6391,7 +6393,7 @@
       </p:sp>
       <p:sp>
         <p:nvSpPr>
-          <p:cNvPr id="95236" name="Rectangle 3"/>
+          <p:cNvPr id="94212" name="Rectangle 3"/>
           <p:cNvSpPr>
             <a:spLocks noGrp="1" noChangeArrowheads="1"/>
           </p:cNvSpPr>
@@ -6435,7 +6437,7 @@
     </p:spTree>
     <p:extLst>
       <p:ext uri="{BB962C8B-B14F-4D97-AF65-F5344CB8AC3E}">
-        <p14:creationId xmlns:p14="http://schemas.microsoft.com/office/powerpoint/2010/main" val="1159126505"/>
+        <p14:creationId xmlns:p14="http://schemas.microsoft.com/office/powerpoint/2010/main" val="572660336"/>
       </p:ext>
     </p:extLst>
   </p:cSld>
@@ -6464,7 +6466,7 @@
       </p:grpSpPr>
       <p:sp>
         <p:nvSpPr>
-          <p:cNvPr id="96258" name="Rectangle 7"/>
+          <p:cNvPr id="95234" name="Rectangle 7"/>
           <p:cNvSpPr>
             <a:spLocks noGrp="1" noChangeArrowheads="1"/>
           </p:cNvSpPr>
@@ -6596,10 +6598,10 @@
             </a:lvl9pPr>
           </a:lstStyle>
           <a:p>
-            <a:fld id="{92086C54-0068-4BC4-AAC8-8AA54FFEE134}" type="slidenum">
+            <a:fld id="{14B3C990-1D56-420D-A442-4422CD6CD73C}" type="slidenum">
               <a:rPr lang="zh-TW" altLang="en-US" sz="1300" smtClean="0"/>
               <a:pPr/>
-              <a:t>41</a:t>
+              <a:t>42</a:t>
             </a:fld>
             <a:endParaRPr lang="en-US" altLang="zh-TW" sz="1300" smtClean="0"/>
           </a:p>
@@ -6607,7 +6609,7 @@
       </p:sp>
       <p:sp>
         <p:nvSpPr>
-          <p:cNvPr id="96259" name="Rectangle 2"/>
+          <p:cNvPr id="95235" name="Rectangle 2"/>
           <p:cNvSpPr>
             <a:spLocks noGrp="1" noRot="1" noChangeAspect="1" noChangeArrowheads="1" noTextEdit="1"/>
           </p:cNvSpPr>
@@ -6621,7 +6623,7 @@
       </p:sp>
       <p:sp>
         <p:nvSpPr>
-          <p:cNvPr id="96260" name="Rectangle 3"/>
+          <p:cNvPr id="95236" name="Rectangle 3"/>
           <p:cNvSpPr>
             <a:spLocks noGrp="1" noChangeArrowheads="1"/>
           </p:cNvSpPr>
@@ -6665,7 +6667,7 @@
     </p:spTree>
     <p:extLst>
       <p:ext uri="{BB962C8B-B14F-4D97-AF65-F5344CB8AC3E}">
-        <p14:creationId xmlns:p14="http://schemas.microsoft.com/office/powerpoint/2010/main" val="805750846"/>
+        <p14:creationId xmlns:p14="http://schemas.microsoft.com/office/powerpoint/2010/main" val="1159126505"/>
       </p:ext>
     </p:extLst>
   </p:cSld>
@@ -6694,7 +6696,7 @@
       </p:grpSpPr>
       <p:sp>
         <p:nvSpPr>
-          <p:cNvPr id="97282" name="Rectangle 7"/>
+          <p:cNvPr id="96258" name="Rectangle 7"/>
           <p:cNvSpPr>
             <a:spLocks noGrp="1" noChangeArrowheads="1"/>
           </p:cNvSpPr>
@@ -6826,10 +6828,10 @@
             </a:lvl9pPr>
           </a:lstStyle>
           <a:p>
-            <a:fld id="{76FDDD61-0CF2-4001-9487-7D8396DFCB4A}" type="slidenum">
+            <a:fld id="{92086C54-0068-4BC4-AAC8-8AA54FFEE134}" type="slidenum">
               <a:rPr lang="zh-TW" altLang="en-US" sz="1300" smtClean="0"/>
               <a:pPr/>
-              <a:t>42</a:t>
+              <a:t>43</a:t>
             </a:fld>
             <a:endParaRPr lang="en-US" altLang="zh-TW" sz="1300" smtClean="0"/>
           </a:p>
@@ -6837,7 +6839,7 @@
       </p:sp>
       <p:sp>
         <p:nvSpPr>
-          <p:cNvPr id="97283" name="Rectangle 2"/>
+          <p:cNvPr id="96259" name="Rectangle 2"/>
           <p:cNvSpPr>
             <a:spLocks noGrp="1" noRot="1" noChangeAspect="1" noChangeArrowheads="1" noTextEdit="1"/>
           </p:cNvSpPr>
@@ -6851,7 +6853,7 @@
       </p:sp>
       <p:sp>
         <p:nvSpPr>
-          <p:cNvPr id="97284" name="Rectangle 3"/>
+          <p:cNvPr id="96260" name="Rectangle 3"/>
           <p:cNvSpPr>
             <a:spLocks noGrp="1" noChangeArrowheads="1"/>
           </p:cNvSpPr>
@@ -6895,7 +6897,7 @@
     </p:spTree>
     <p:extLst>
       <p:ext uri="{BB962C8B-B14F-4D97-AF65-F5344CB8AC3E}">
-        <p14:creationId xmlns:p14="http://schemas.microsoft.com/office/powerpoint/2010/main" val="1632621729"/>
+        <p14:creationId xmlns:p14="http://schemas.microsoft.com/office/powerpoint/2010/main" val="805750846"/>
       </p:ext>
     </p:extLst>
   </p:cSld>
@@ -6924,7 +6926,7 @@
       </p:grpSpPr>
       <p:sp>
         <p:nvSpPr>
-          <p:cNvPr id="98306" name="Rectangle 7"/>
+          <p:cNvPr id="97282" name="Rectangle 7"/>
           <p:cNvSpPr>
             <a:spLocks noGrp="1" noChangeArrowheads="1"/>
           </p:cNvSpPr>
@@ -7056,7 +7058,7 @@
             </a:lvl9pPr>
           </a:lstStyle>
           <a:p>
-            <a:fld id="{65F63C84-6F96-483D-BEDF-8BC5AA5BE80D}" type="slidenum">
+            <a:fld id="{76FDDD61-0CF2-4001-9487-7D8396DFCB4A}" type="slidenum">
               <a:rPr lang="zh-TW" altLang="en-US" sz="1300" smtClean="0"/>
               <a:pPr/>
               <a:t>44</a:t>
@@ -7067,7 +7069,7 @@
       </p:sp>
       <p:sp>
         <p:nvSpPr>
-          <p:cNvPr id="98307" name="Rectangle 2"/>
+          <p:cNvPr id="97283" name="Rectangle 2"/>
           <p:cNvSpPr>
             <a:spLocks noGrp="1" noRot="1" noChangeAspect="1" noChangeArrowheads="1" noTextEdit="1"/>
           </p:cNvSpPr>
@@ -7081,7 +7083,7 @@
       </p:sp>
       <p:sp>
         <p:nvSpPr>
-          <p:cNvPr id="98308" name="Rectangle 3"/>
+          <p:cNvPr id="97284" name="Rectangle 3"/>
           <p:cNvSpPr>
             <a:spLocks noGrp="1" noChangeArrowheads="1"/>
           </p:cNvSpPr>
@@ -7125,7 +7127,7 @@
     </p:spTree>
     <p:extLst>
       <p:ext uri="{BB962C8B-B14F-4D97-AF65-F5344CB8AC3E}">
-        <p14:creationId xmlns:p14="http://schemas.microsoft.com/office/powerpoint/2010/main" val="1100661313"/>
+        <p14:creationId xmlns:p14="http://schemas.microsoft.com/office/powerpoint/2010/main" val="1632621729"/>
       </p:ext>
     </p:extLst>
   </p:cSld>
@@ -7154,7 +7156,7 @@
       </p:grpSpPr>
       <p:sp>
         <p:nvSpPr>
-          <p:cNvPr id="99330" name="Rectangle 7"/>
+          <p:cNvPr id="98306" name="Rectangle 7"/>
           <p:cNvSpPr>
             <a:spLocks noGrp="1" noChangeArrowheads="1"/>
           </p:cNvSpPr>
@@ -7286,10 +7288,10 @@
             </a:lvl9pPr>
           </a:lstStyle>
           <a:p>
-            <a:fld id="{7B6D5E4E-BC30-472C-B163-A0FDE8C2E9C9}" type="slidenum">
+            <a:fld id="{65F63C84-6F96-483D-BEDF-8BC5AA5BE80D}" type="slidenum">
               <a:rPr lang="zh-TW" altLang="en-US" sz="1300" smtClean="0"/>
               <a:pPr/>
-              <a:t>45</a:t>
+              <a:t>46</a:t>
             </a:fld>
             <a:endParaRPr lang="en-US" altLang="zh-TW" sz="1300" smtClean="0"/>
           </a:p>
@@ -7297,7 +7299,7 @@
       </p:sp>
       <p:sp>
         <p:nvSpPr>
-          <p:cNvPr id="99331" name="Rectangle 2"/>
+          <p:cNvPr id="98307" name="Rectangle 2"/>
           <p:cNvSpPr>
             <a:spLocks noGrp="1" noRot="1" noChangeAspect="1" noChangeArrowheads="1" noTextEdit="1"/>
           </p:cNvSpPr>
@@ -7311,7 +7313,7 @@
       </p:sp>
       <p:sp>
         <p:nvSpPr>
-          <p:cNvPr id="99332" name="Rectangle 3"/>
+          <p:cNvPr id="98308" name="Rectangle 3"/>
           <p:cNvSpPr>
             <a:spLocks noGrp="1" noChangeArrowheads="1"/>
           </p:cNvSpPr>
@@ -7355,7 +7357,7 @@
     </p:spTree>
     <p:extLst>
       <p:ext uri="{BB962C8B-B14F-4D97-AF65-F5344CB8AC3E}">
-        <p14:creationId xmlns:p14="http://schemas.microsoft.com/office/powerpoint/2010/main" val="1433925857"/>
+        <p14:creationId xmlns:p14="http://schemas.microsoft.com/office/powerpoint/2010/main" val="1100661313"/>
       </p:ext>
     </p:extLst>
   </p:cSld>
@@ -7384,7 +7386,7 @@
       </p:grpSpPr>
       <p:sp>
         <p:nvSpPr>
-          <p:cNvPr id="100354" name="Rectangle 7"/>
+          <p:cNvPr id="99330" name="Rectangle 7"/>
           <p:cNvSpPr>
             <a:spLocks noGrp="1" noChangeArrowheads="1"/>
           </p:cNvSpPr>
@@ -7516,10 +7518,10 @@
             </a:lvl9pPr>
           </a:lstStyle>
           <a:p>
-            <a:fld id="{428FCC26-6C01-4A40-8C69-099DC2F34F5B}" type="slidenum">
+            <a:fld id="{7B6D5E4E-BC30-472C-B163-A0FDE8C2E9C9}" type="slidenum">
               <a:rPr lang="zh-TW" altLang="en-US" sz="1300" smtClean="0"/>
               <a:pPr/>
-              <a:t>46</a:t>
+              <a:t>47</a:t>
             </a:fld>
             <a:endParaRPr lang="en-US" altLang="zh-TW" sz="1300" smtClean="0"/>
           </a:p>
@@ -7527,7 +7529,7 @@
       </p:sp>
       <p:sp>
         <p:nvSpPr>
-          <p:cNvPr id="100355" name="Rectangle 2"/>
+          <p:cNvPr id="99331" name="Rectangle 2"/>
           <p:cNvSpPr>
             <a:spLocks noGrp="1" noRot="1" noChangeAspect="1" noChangeArrowheads="1" noTextEdit="1"/>
           </p:cNvSpPr>
@@ -7541,7 +7543,7 @@
       </p:sp>
       <p:sp>
         <p:nvSpPr>
-          <p:cNvPr id="100356" name="Rectangle 3"/>
+          <p:cNvPr id="99332" name="Rectangle 3"/>
           <p:cNvSpPr>
             <a:spLocks noGrp="1" noChangeArrowheads="1"/>
           </p:cNvSpPr>
@@ -7585,7 +7587,7 @@
     </p:spTree>
     <p:extLst>
       <p:ext uri="{BB962C8B-B14F-4D97-AF65-F5344CB8AC3E}">
-        <p14:creationId xmlns:p14="http://schemas.microsoft.com/office/powerpoint/2010/main" val="1141616124"/>
+        <p14:creationId xmlns:p14="http://schemas.microsoft.com/office/powerpoint/2010/main" val="1433925857"/>
       </p:ext>
     </p:extLst>
   </p:cSld>
@@ -7614,7 +7616,7 @@
       </p:grpSpPr>
       <p:sp>
         <p:nvSpPr>
-          <p:cNvPr id="101378" name="Rectangle 7"/>
+          <p:cNvPr id="100354" name="Rectangle 7"/>
           <p:cNvSpPr>
             <a:spLocks noGrp="1" noChangeArrowheads="1"/>
           </p:cNvSpPr>
@@ -7746,10 +7748,10 @@
             </a:lvl9pPr>
           </a:lstStyle>
           <a:p>
-            <a:fld id="{1B80D191-93BF-413A-84D4-B7D05D81D792}" type="slidenum">
+            <a:fld id="{428FCC26-6C01-4A40-8C69-099DC2F34F5B}" type="slidenum">
               <a:rPr lang="zh-TW" altLang="en-US" sz="1300" smtClean="0"/>
               <a:pPr/>
-              <a:t>47</a:t>
+              <a:t>48</a:t>
             </a:fld>
             <a:endParaRPr lang="en-US" altLang="zh-TW" sz="1300" smtClean="0"/>
           </a:p>
@@ -7757,7 +7759,7 @@
       </p:sp>
       <p:sp>
         <p:nvSpPr>
-          <p:cNvPr id="101379" name="Rectangle 2"/>
+          <p:cNvPr id="100355" name="Rectangle 2"/>
           <p:cNvSpPr>
             <a:spLocks noGrp="1" noRot="1" noChangeAspect="1" noChangeArrowheads="1" noTextEdit="1"/>
           </p:cNvSpPr>
@@ -7771,7 +7773,7 @@
       </p:sp>
       <p:sp>
         <p:nvSpPr>
-          <p:cNvPr id="101380" name="Rectangle 3"/>
+          <p:cNvPr id="100356" name="Rectangle 3"/>
           <p:cNvSpPr>
             <a:spLocks noGrp="1" noChangeArrowheads="1"/>
           </p:cNvSpPr>
@@ -7815,7 +7817,7 @@
     </p:spTree>
     <p:extLst>
       <p:ext uri="{BB962C8B-B14F-4D97-AF65-F5344CB8AC3E}">
-        <p14:creationId xmlns:p14="http://schemas.microsoft.com/office/powerpoint/2010/main" val="84353895"/>
+        <p14:creationId xmlns:p14="http://schemas.microsoft.com/office/powerpoint/2010/main" val="1141616124"/>
       </p:ext>
     </p:extLst>
   </p:cSld>
@@ -7979,7 +7981,7 @@
             <a:fld id="{1B80D191-93BF-413A-84D4-B7D05D81D792}" type="slidenum">
               <a:rPr lang="zh-TW" altLang="en-US" sz="1300" smtClean="0"/>
               <a:pPr/>
-              <a:t>48</a:t>
+              <a:t>49</a:t>
             </a:fld>
             <a:endParaRPr lang="en-US" altLang="zh-TW" sz="1300" smtClean="0"/>
           </a:p>
@@ -8045,7 +8047,7 @@
     </p:spTree>
     <p:extLst>
       <p:ext uri="{BB962C8B-B14F-4D97-AF65-F5344CB8AC3E}">
-        <p14:creationId xmlns:p14="http://schemas.microsoft.com/office/powerpoint/2010/main" val="699690861"/>
+        <p14:creationId xmlns:p14="http://schemas.microsoft.com/office/powerpoint/2010/main" val="84353895"/>
       </p:ext>
     </p:extLst>
   </p:cSld>
@@ -8074,7 +8076,7 @@
       </p:grpSpPr>
       <p:sp>
         <p:nvSpPr>
-          <p:cNvPr id="102402" name="Rectangle 7"/>
+          <p:cNvPr id="101378" name="Rectangle 7"/>
           <p:cNvSpPr>
             <a:spLocks noGrp="1" noChangeArrowheads="1"/>
           </p:cNvSpPr>
@@ -8206,10 +8208,10 @@
             </a:lvl9pPr>
           </a:lstStyle>
           <a:p>
-            <a:fld id="{874A9086-56B5-487B-B477-1FAA6332E284}" type="slidenum">
+            <a:fld id="{1B80D191-93BF-413A-84D4-B7D05D81D792}" type="slidenum">
               <a:rPr lang="zh-TW" altLang="en-US" sz="1300" smtClean="0"/>
               <a:pPr/>
-              <a:t>49</a:t>
+              <a:t>50</a:t>
             </a:fld>
             <a:endParaRPr lang="en-US" altLang="zh-TW" sz="1300" smtClean="0"/>
           </a:p>
@@ -8217,7 +8219,7 @@
       </p:sp>
       <p:sp>
         <p:nvSpPr>
-          <p:cNvPr id="102403" name="Rectangle 2"/>
+          <p:cNvPr id="101379" name="Rectangle 2"/>
           <p:cNvSpPr>
             <a:spLocks noGrp="1" noRot="1" noChangeAspect="1" noChangeArrowheads="1" noTextEdit="1"/>
           </p:cNvSpPr>
@@ -8231,7 +8233,7 @@
       </p:sp>
       <p:sp>
         <p:nvSpPr>
-          <p:cNvPr id="102404" name="Rectangle 3"/>
+          <p:cNvPr id="101380" name="Rectangle 3"/>
           <p:cNvSpPr>
             <a:spLocks noGrp="1" noChangeArrowheads="1"/>
           </p:cNvSpPr>
@@ -8275,7 +8277,7 @@
     </p:spTree>
     <p:extLst>
       <p:ext uri="{BB962C8B-B14F-4D97-AF65-F5344CB8AC3E}">
-        <p14:creationId xmlns:p14="http://schemas.microsoft.com/office/powerpoint/2010/main" val="939819582"/>
+        <p14:creationId xmlns:p14="http://schemas.microsoft.com/office/powerpoint/2010/main" val="699690861"/>
       </p:ext>
     </p:extLst>
   </p:cSld>
@@ -8304,7 +8306,7 @@
       </p:grpSpPr>
       <p:sp>
         <p:nvSpPr>
-          <p:cNvPr id="103426" name="Rectangle 7"/>
+          <p:cNvPr id="102402" name="Rectangle 7"/>
           <p:cNvSpPr>
             <a:spLocks noGrp="1" noChangeArrowheads="1"/>
           </p:cNvSpPr>
@@ -8436,10 +8438,10 @@
             </a:lvl9pPr>
           </a:lstStyle>
           <a:p>
-            <a:fld id="{F33B9B09-6922-4727-914C-1484DFB2F967}" type="slidenum">
+            <a:fld id="{874A9086-56B5-487B-B477-1FAA6332E284}" type="slidenum">
               <a:rPr lang="zh-TW" altLang="en-US" sz="1300" smtClean="0"/>
               <a:pPr/>
-              <a:t>50</a:t>
+              <a:t>51</a:t>
             </a:fld>
             <a:endParaRPr lang="en-US" altLang="zh-TW" sz="1300" smtClean="0"/>
           </a:p>
@@ -8447,7 +8449,7 @@
       </p:sp>
       <p:sp>
         <p:nvSpPr>
-          <p:cNvPr id="103427" name="Rectangle 2"/>
+          <p:cNvPr id="102403" name="Rectangle 2"/>
           <p:cNvSpPr>
             <a:spLocks noGrp="1" noRot="1" noChangeAspect="1" noChangeArrowheads="1" noTextEdit="1"/>
           </p:cNvSpPr>
@@ -8461,7 +8463,7 @@
       </p:sp>
       <p:sp>
         <p:nvSpPr>
-          <p:cNvPr id="103428" name="Rectangle 3"/>
+          <p:cNvPr id="102404" name="Rectangle 3"/>
           <p:cNvSpPr>
             <a:spLocks noGrp="1" noChangeArrowheads="1"/>
           </p:cNvSpPr>
@@ -8505,7 +8507,7 @@
     </p:spTree>
     <p:extLst>
       <p:ext uri="{BB962C8B-B14F-4D97-AF65-F5344CB8AC3E}">
-        <p14:creationId xmlns:p14="http://schemas.microsoft.com/office/powerpoint/2010/main" val="2001100545"/>
+        <p14:creationId xmlns:p14="http://schemas.microsoft.com/office/powerpoint/2010/main" val="939819582"/>
       </p:ext>
     </p:extLst>
   </p:cSld>
@@ -8764,7 +8766,7 @@
       </p:grpSpPr>
       <p:sp>
         <p:nvSpPr>
-          <p:cNvPr id="104450" name="Rectangle 7"/>
+          <p:cNvPr id="103426" name="Rectangle 7"/>
           <p:cNvSpPr>
             <a:spLocks noGrp="1" noChangeArrowheads="1"/>
           </p:cNvSpPr>
@@ -8896,10 +8898,240 @@
             </a:lvl9pPr>
           </a:lstStyle>
           <a:p>
+            <a:fld id="{F33B9B09-6922-4727-914C-1484DFB2F967}" type="slidenum">
+              <a:rPr lang="zh-TW" altLang="en-US" sz="1300" smtClean="0"/>
+              <a:pPr/>
+              <a:t>52</a:t>
+            </a:fld>
+            <a:endParaRPr lang="en-US" altLang="zh-TW" sz="1300" smtClean="0"/>
+          </a:p>
+        </p:txBody>
+      </p:sp>
+      <p:sp>
+        <p:nvSpPr>
+          <p:cNvPr id="103427" name="Rectangle 2"/>
+          <p:cNvSpPr>
+            <a:spLocks noGrp="1" noRot="1" noChangeAspect="1" noChangeArrowheads="1" noTextEdit="1"/>
+          </p:cNvSpPr>
+          <p:nvPr>
+            <p:ph type="sldImg"/>
+          </p:nvPr>
+        </p:nvSpPr>
+        <p:spPr>
+          <a:ln/>
+        </p:spPr>
+      </p:sp>
+      <p:sp>
+        <p:nvSpPr>
+          <p:cNvPr id="103428" name="Rectangle 3"/>
+          <p:cNvSpPr>
+            <a:spLocks noGrp="1" noChangeArrowheads="1"/>
+          </p:cNvSpPr>
+          <p:nvPr>
+            <p:ph type="body" idx="1"/>
+          </p:nvPr>
+        </p:nvSpPr>
+        <p:spPr>
+          <a:noFill/>
+          <a:ln w="9525"/>
+          <a:extLst>
+            <a:ext uri="{909E8E84-426E-40DD-AFC4-6F175D3DCCD1}">
+              <a14:hiddenFill xmlns:a14="http://schemas.microsoft.com/office/drawing/2010/main">
+                <a:solidFill>
+                  <a:srgbClr val="FFFFFF"/>
+                </a:solidFill>
+              </a14:hiddenFill>
+            </a:ext>
+            <a:ext uri="{91240B29-F687-4F45-9708-019B960494DF}">
+              <a14:hiddenLine xmlns:a14="http://schemas.microsoft.com/office/drawing/2010/main" w="9525">
+                <a:solidFill>
+                  <a:srgbClr val="000000"/>
+                </a:solidFill>
+                <a:miter lim="800000"/>
+                <a:headEnd type="none" w="sm" len="sm"/>
+                <a:tailEnd type="none" w="sm" len="sm"/>
+              </a14:hiddenLine>
+            </a:ext>
+          </a:extLst>
+        </p:spPr>
+        <p:txBody>
+          <a:bodyPr/>
+          <a:lstStyle/>
+          <a:p>
+            <a:endParaRPr lang="zh-TW" altLang="zh-TW" smtClean="0">
+              <a:latin typeface="Times New Roman" pitchFamily="18" charset="0"/>
+            </a:endParaRPr>
+          </a:p>
+        </p:txBody>
+      </p:sp>
+    </p:spTree>
+    <p:extLst>
+      <p:ext uri="{BB962C8B-B14F-4D97-AF65-F5344CB8AC3E}">
+        <p14:creationId xmlns:p14="http://schemas.microsoft.com/office/powerpoint/2010/main" val="2001100545"/>
+      </p:ext>
+    </p:extLst>
+  </p:cSld>
+  <p:clrMapOvr>
+    <a:masterClrMapping/>
+  </p:clrMapOvr>
+</p:notes>
+</file>
+
+<file path=ppt/notesSlides/notesSlide41.xml><?xml version="1.0" encoding="utf-8"?>
+<p:notes xmlns:a="http://schemas.openxmlformats.org/drawingml/2006/main" xmlns:r="http://schemas.openxmlformats.org/officeDocument/2006/relationships" xmlns:p="http://schemas.openxmlformats.org/presentationml/2006/main">
+  <p:cSld>
+    <p:spTree>
+      <p:nvGrpSpPr>
+        <p:cNvPr id="1" name=""/>
+        <p:cNvGrpSpPr/>
+        <p:nvPr/>
+      </p:nvGrpSpPr>
+      <p:grpSpPr>
+        <a:xfrm>
+          <a:off x="0" y="0"/>
+          <a:ext cx="0" cy="0"/>
+          <a:chOff x="0" y="0"/>
+          <a:chExt cx="0" cy="0"/>
+        </a:xfrm>
+      </p:grpSpPr>
+      <p:sp>
+        <p:nvSpPr>
+          <p:cNvPr id="104450" name="Rectangle 7"/>
+          <p:cNvSpPr>
+            <a:spLocks noGrp="1" noChangeArrowheads="1"/>
+          </p:cNvSpPr>
+          <p:nvPr>
+            <p:ph type="sldNum" sz="quarter" idx="5"/>
+          </p:nvPr>
+        </p:nvSpPr>
+        <p:spPr>
+          <a:noFill/>
+          <a:ln w="9525"/>
+          <a:extLst>
+            <a:ext uri="{909E8E84-426E-40DD-AFC4-6F175D3DCCD1}">
+              <a14:hiddenFill xmlns:a14="http://schemas.microsoft.com/office/drawing/2010/main">
+                <a:solidFill>
+                  <a:srgbClr val="FFFFFF"/>
+                </a:solidFill>
+              </a14:hiddenFill>
+            </a:ext>
+            <a:ext uri="{91240B29-F687-4F45-9708-019B960494DF}">
+              <a14:hiddenLine xmlns:a14="http://schemas.microsoft.com/office/drawing/2010/main" w="12700">
+                <a:solidFill>
+                  <a:srgbClr val="000000"/>
+                </a:solidFill>
+                <a:miter lim="800000"/>
+                <a:headEnd type="none" w="sm" len="sm"/>
+                <a:tailEnd type="none" w="sm" len="sm"/>
+              </a14:hiddenLine>
+            </a:ext>
+          </a:extLst>
+        </p:spPr>
+        <p:txBody>
+          <a:bodyPr/>
+          <a:lstStyle>
+            <a:lvl1pPr eaLnBrk="0" hangingPunct="0">
+              <a:defRPr sz="2400">
+                <a:solidFill>
+                  <a:schemeClr val="tx1"/>
+                </a:solidFill>
+                <a:latin typeface="Times New Roman" pitchFamily="18" charset="0"/>
+              </a:defRPr>
+            </a:lvl1pPr>
+            <a:lvl2pPr marL="742950" indent="-285750" eaLnBrk="0" hangingPunct="0">
+              <a:defRPr sz="2400">
+                <a:solidFill>
+                  <a:schemeClr val="tx1"/>
+                </a:solidFill>
+                <a:latin typeface="Times New Roman" pitchFamily="18" charset="0"/>
+              </a:defRPr>
+            </a:lvl2pPr>
+            <a:lvl3pPr marL="1143000" indent="-228600" eaLnBrk="0" hangingPunct="0">
+              <a:defRPr sz="2400">
+                <a:solidFill>
+                  <a:schemeClr val="tx1"/>
+                </a:solidFill>
+                <a:latin typeface="Times New Roman" pitchFamily="18" charset="0"/>
+              </a:defRPr>
+            </a:lvl3pPr>
+            <a:lvl4pPr marL="1600200" indent="-228600" eaLnBrk="0" hangingPunct="0">
+              <a:defRPr sz="2400">
+                <a:solidFill>
+                  <a:schemeClr val="tx1"/>
+                </a:solidFill>
+                <a:latin typeface="Times New Roman" pitchFamily="18" charset="0"/>
+              </a:defRPr>
+            </a:lvl4pPr>
+            <a:lvl5pPr marL="2057400" indent="-228600" eaLnBrk="0" hangingPunct="0">
+              <a:defRPr sz="2400">
+                <a:solidFill>
+                  <a:schemeClr val="tx1"/>
+                </a:solidFill>
+                <a:latin typeface="Times New Roman" pitchFamily="18" charset="0"/>
+              </a:defRPr>
+            </a:lvl5pPr>
+            <a:lvl6pPr marL="2514600" indent="-228600" eaLnBrk="0" fontAlgn="base" hangingPunct="0">
+              <a:spcBef>
+                <a:spcPct val="0"/>
+              </a:spcBef>
+              <a:spcAft>
+                <a:spcPct val="0"/>
+              </a:spcAft>
+              <a:defRPr sz="2400">
+                <a:solidFill>
+                  <a:schemeClr val="tx1"/>
+                </a:solidFill>
+                <a:latin typeface="Times New Roman" pitchFamily="18" charset="0"/>
+              </a:defRPr>
+            </a:lvl6pPr>
+            <a:lvl7pPr marL="2971800" indent="-228600" eaLnBrk="0" fontAlgn="base" hangingPunct="0">
+              <a:spcBef>
+                <a:spcPct val="0"/>
+              </a:spcBef>
+              <a:spcAft>
+                <a:spcPct val="0"/>
+              </a:spcAft>
+              <a:defRPr sz="2400">
+                <a:solidFill>
+                  <a:schemeClr val="tx1"/>
+                </a:solidFill>
+                <a:latin typeface="Times New Roman" pitchFamily="18" charset="0"/>
+              </a:defRPr>
+            </a:lvl7pPr>
+            <a:lvl8pPr marL="3429000" indent="-228600" eaLnBrk="0" fontAlgn="base" hangingPunct="0">
+              <a:spcBef>
+                <a:spcPct val="0"/>
+              </a:spcBef>
+              <a:spcAft>
+                <a:spcPct val="0"/>
+              </a:spcAft>
+              <a:defRPr sz="2400">
+                <a:solidFill>
+                  <a:schemeClr val="tx1"/>
+                </a:solidFill>
+                <a:latin typeface="Times New Roman" pitchFamily="18" charset="0"/>
+              </a:defRPr>
+            </a:lvl8pPr>
+            <a:lvl9pPr marL="3886200" indent="-228600" eaLnBrk="0" fontAlgn="base" hangingPunct="0">
+              <a:spcBef>
+                <a:spcPct val="0"/>
+              </a:spcBef>
+              <a:spcAft>
+                <a:spcPct val="0"/>
+              </a:spcAft>
+              <a:defRPr sz="2400">
+                <a:solidFill>
+                  <a:schemeClr val="tx1"/>
+                </a:solidFill>
+                <a:latin typeface="Times New Roman" pitchFamily="18" charset="0"/>
+              </a:defRPr>
+            </a:lvl9pPr>
+          </a:lstStyle>
+          <a:p>
             <a:fld id="{07346091-4DA9-4583-A58B-8B16EE350C73}" type="slidenum">
               <a:rPr lang="zh-TW" altLang="en-US" sz="1300" smtClean="0"/>
               <a:pPr/>
-              <a:t>52</a:t>
+              <a:t>54</a:t>
             </a:fld>
             <a:endParaRPr lang="en-US" altLang="zh-TW" sz="1300" smtClean="0"/>
           </a:p>
@@ -9655,7 +9887,7 @@
     </p:spTree>
     <p:extLst>
       <p:ext uri="{BB962C8B-B14F-4D97-AF65-F5344CB8AC3E}">
-        <p14:creationId xmlns:p14="http://schemas.microsoft.com/office/powerpoint/2010/main" val="1649760492"/>
+        <p14:creationId xmlns:p14="http://schemas.microsoft.com/office/powerpoint/2010/main" val="1008629848"/>
       </p:ext>
     </p:extLst>
   </p:cSld>
@@ -9885,7 +10117,7 @@
     </p:spTree>
     <p:extLst>
       <p:ext uri="{BB962C8B-B14F-4D97-AF65-F5344CB8AC3E}">
-        <p14:creationId xmlns:p14="http://schemas.microsoft.com/office/powerpoint/2010/main" val="596516649"/>
+        <p14:creationId xmlns:p14="http://schemas.microsoft.com/office/powerpoint/2010/main" val="560703619"/>
       </p:ext>
     </p:extLst>
   </p:cSld>
@@ -9914,7 +10146,7 @@
       </p:grpSpPr>
       <p:sp>
         <p:nvSpPr>
-          <p:cNvPr id="71682" name="Rectangle 7"/>
+          <p:cNvPr id="70658" name="Rectangle 7"/>
           <p:cNvSpPr>
             <a:spLocks noGrp="1" noChangeArrowheads="1"/>
           </p:cNvSpPr>
@@ -10046,10 +10278,10 @@
             </a:lvl9pPr>
           </a:lstStyle>
           <a:p>
-            <a:fld id="{0A4E903F-79C7-46BD-9272-46AAF192CF50}" type="slidenum">
+            <a:fld id="{2CC355A3-C03C-420D-92C5-DA919C5C1A2E}" type="slidenum">
               <a:rPr lang="zh-TW" altLang="en-US" sz="1300" smtClean="0"/>
               <a:pPr/>
-              <a:t>14</a:t>
+              <a:t>15</a:t>
             </a:fld>
             <a:endParaRPr lang="en-US" altLang="zh-TW" sz="1300" smtClean="0"/>
           </a:p>
@@ -10057,7 +10289,7 @@
       </p:sp>
       <p:sp>
         <p:nvSpPr>
-          <p:cNvPr id="71683" name="Rectangle 2"/>
+          <p:cNvPr id="70659" name="Rectangle 2"/>
           <p:cNvSpPr>
             <a:spLocks noGrp="1" noRot="1" noChangeAspect="1" noChangeArrowheads="1" noTextEdit="1"/>
           </p:cNvSpPr>
@@ -10071,7 +10303,7 @@
       </p:sp>
       <p:sp>
         <p:nvSpPr>
-          <p:cNvPr id="71684" name="Rectangle 3"/>
+          <p:cNvPr id="70660" name="Rectangle 3"/>
           <p:cNvSpPr>
             <a:spLocks noGrp="1" noChangeArrowheads="1"/>
           </p:cNvSpPr>
@@ -10106,7 +10338,7 @@
           <a:bodyPr/>
           <a:lstStyle/>
           <a:p>
-            <a:endParaRPr lang="zh-TW" altLang="zh-TW" smtClean="0">
+            <a:endParaRPr lang="zh-TW" altLang="en-US" smtClean="0">
               <a:latin typeface="Times New Roman" pitchFamily="18" charset="0"/>
             </a:endParaRPr>
           </a:p>
@@ -10115,7 +10347,7 @@
     </p:spTree>
     <p:extLst>
       <p:ext uri="{BB962C8B-B14F-4D97-AF65-F5344CB8AC3E}">
-        <p14:creationId xmlns:p14="http://schemas.microsoft.com/office/powerpoint/2010/main" val="1189641421"/>
+        <p14:creationId xmlns:p14="http://schemas.microsoft.com/office/powerpoint/2010/main" val="596516649"/>
       </p:ext>
     </p:extLst>
   </p:cSld>
@@ -17020,7 +17252,7 @@
         <p:spPr/>
         <p:txBody>
           <a:bodyPr>
-            <a:normAutofit lnSpcReduction="10000"/>
+            <a:normAutofit/>
           </a:bodyPr>
           <a:lstStyle/>
           <a:p>
@@ -17032,7 +17264,39 @@
           <a:p>
             <a:r>
               <a:rPr lang="en-US" altLang="zh-TW" dirty="0" smtClean="0"/>
-              <a:t>Flickr, Facebook, Friendster, Second life, Hong Kong Art Festival</a:t>
+              <a:t>Flickr, Facebook, Friendster, Second life</a:t>
+            </a:r>
+            <a:r>
+              <a:rPr lang="en-US" altLang="zh-TW" dirty="0"/>
+              <a:t>, </a:t>
+            </a:r>
+            <a:r>
+              <a:rPr lang="en-US" altLang="zh-TW" dirty="0" err="1"/>
+              <a:t>iStockPhoto</a:t>
+            </a:r>
+            <a:r>
+              <a:rPr lang="en-US" altLang="zh-TW" dirty="0"/>
+              <a:t>, Tumblr, </a:t>
+            </a:r>
+            <a:r>
+              <a:rPr lang="en-US" altLang="zh-TW" dirty="0" err="1" smtClean="0"/>
+              <a:t>Mailchimp</a:t>
+            </a:r>
+            <a:r>
+              <a:rPr lang="en-US" altLang="zh-TW" dirty="0" smtClean="0"/>
+              <a:t>, </a:t>
+            </a:r>
+            <a:r>
+              <a:rPr lang="en-US" altLang="zh-TW" dirty="0" err="1" smtClean="0"/>
+              <a:t>SourceForge</a:t>
+            </a:r>
+            <a:r>
+              <a:rPr lang="en-US" altLang="zh-TW" dirty="0" smtClean="0"/>
+              <a:t>, Alibaba, Baidu, </a:t>
+            </a:r>
+            <a:r>
+              <a:rPr lang="en-US" altLang="zh-TW" dirty="0" smtClean="0"/>
+              <a:t>Hong Kong Art Festival</a:t>
             </a:r>
           </a:p>
           <a:p>
@@ -17042,33 +17306,21 @@
             </a:r>
             <a:r>
               <a:rPr lang="en-US" altLang="zh-TW" dirty="0" smtClean="0"/>
-              <a:t>, WordPress, Joomla, Drupal, Discus</a:t>
-            </a:r>
-          </a:p>
-          <a:p>
+              <a:t>, WordPress, Joomla, Drupal, </a:t>
+            </a:r>
             <a:r>
               <a:rPr lang="en-US" altLang="zh-TW" dirty="0" smtClean="0"/>
-              <a:t>www.php.net/usage.php</a:t>
-            </a:r>
-          </a:p>
-          <a:p>
-            <a:r>
-              <a:rPr lang="en-US" altLang="zh-TW" dirty="0" smtClean="0"/>
-              <a:t>https://www.google.com.hk/trends/explore#q=php</a:t>
-            </a:r>
-          </a:p>
-          <a:p>
-            <a:r>
-              <a:rPr lang="en-US" altLang="zh-TW" dirty="0" smtClean="0"/>
-              <a:t>http://trends.builtwith.com/framework/PHP</a:t>
-            </a:r>
-          </a:p>
-          <a:p>
-            <a:endParaRPr lang="en-US" altLang="zh-TW" dirty="0" smtClean="0"/>
+              <a:t>Discus</a:t>
+            </a:r>
           </a:p>
         </p:txBody>
       </p:sp>
     </p:spTree>
+    <p:extLst>
+      <p:ext uri="{BB962C8B-B14F-4D97-AF65-F5344CB8AC3E}">
+        <p14:creationId xmlns:p14="http://schemas.microsoft.com/office/powerpoint/2010/main" val="1090092915"/>
+      </p:ext>
+    </p:extLst>
   </p:cSld>
   <p:clrMapOvr>
     <a:masterClrMapping/>
@@ -17128,8 +17380,8 @@
           <a:lstStyle/>
           <a:p>
             <a:r>
-              <a:rPr lang="en-US" altLang="zh-TW" smtClean="0"/>
-              <a:t>Who is using Zend</a:t>
+              <a:rPr lang="en-US" altLang="zh-TW" dirty="0" smtClean="0"/>
+              <a:t>PHP usage statistics</a:t>
             </a:r>
             <a:endParaRPr lang="en-US" altLang="zh-TW" dirty="0" smtClean="0"/>
           </a:p>
@@ -17137,9 +17389,9 @@
       </p:sp>
       <p:sp>
         <p:nvSpPr>
-          <p:cNvPr id="3" name="Content Placeholder 2"/>
-          <p:cNvSpPr>
-            <a:spLocks noGrp="1"/>
+          <p:cNvPr id="22531" name="Rectangle 3"/>
+          <p:cNvSpPr>
+            <a:spLocks noGrp="1" noChangeArrowheads="1"/>
           </p:cNvSpPr>
           <p:nvPr>
             <p:ph idx="1"/>
@@ -17147,796 +17399,102 @@
         </p:nvSpPr>
         <p:spPr/>
         <p:txBody>
-          <a:bodyPr/>
+          <a:bodyPr>
+            <a:normAutofit/>
+          </a:bodyPr>
           <a:lstStyle/>
           <a:p>
-            <a:endParaRPr lang="zh-HK" altLang="en-US"/>
-          </a:p>
-        </p:txBody>
-      </p:sp>
-      <p:pic>
-        <p:nvPicPr>
-          <p:cNvPr id="117762" name="Picture 2" descr="C:\Users\hatted\Desktop\OpenVPN\s01.gif"/>
-          <p:cNvPicPr>
-            <a:picLocks noChangeAspect="1" noChangeArrowheads="1"/>
-          </p:cNvPicPr>
-          <p:nvPr/>
-        </p:nvPicPr>
-        <p:blipFill>
-          <a:blip r:embed="rId3">
-            <a:extLst>
-              <a:ext uri="{28A0092B-C50C-407E-A947-70E740481C1C}">
-                <a14:useLocalDpi xmlns:a14="http://schemas.microsoft.com/office/drawing/2010/main" val="0"/>
-              </a:ext>
-            </a:extLst>
-          </a:blip>
-          <a:srcRect/>
-          <a:stretch>
-            <a:fillRect/>
-          </a:stretch>
-        </p:blipFill>
-        <p:spPr bwMode="auto">
-          <a:xfrm>
-            <a:off x="5475859" y="1659616"/>
-            <a:ext cx="2190750" cy="523876"/>
-          </a:xfrm>
-          <a:prstGeom prst="rect">
-            <a:avLst/>
-          </a:prstGeom>
-          <a:noFill/>
-          <a:extLst>
-            <a:ext uri="{909E8E84-426E-40DD-AFC4-6F175D3DCCD1}">
-              <a14:hiddenFill xmlns:a14="http://schemas.microsoft.com/office/drawing/2010/main">
-                <a:solidFill>
-                  <a:srgbClr val="FFFFFF"/>
-                </a:solidFill>
-              </a14:hiddenFill>
-            </a:ext>
-          </a:extLst>
-        </p:spPr>
-      </p:pic>
-      <p:pic>
-        <p:nvPicPr>
-          <p:cNvPr id="117763" name="Picture 3" descr="C:\Users\hatted\Desktop\OpenVPN\s02.gif"/>
-          <p:cNvPicPr>
-            <a:picLocks noChangeAspect="1" noChangeArrowheads="1"/>
-          </p:cNvPicPr>
-          <p:nvPr/>
-        </p:nvPicPr>
-        <p:blipFill>
-          <a:blip r:embed="rId4">
-            <a:extLst>
-              <a:ext uri="{28A0092B-C50C-407E-A947-70E740481C1C}">
-                <a14:useLocalDpi xmlns:a14="http://schemas.microsoft.com/office/drawing/2010/main" val="0"/>
-              </a:ext>
-            </a:extLst>
-          </a:blip>
-          <a:srcRect/>
-          <a:stretch>
-            <a:fillRect/>
-          </a:stretch>
-        </p:blipFill>
-        <p:spPr bwMode="auto">
-          <a:xfrm>
-            <a:off x="576249" y="3046026"/>
-            <a:ext cx="2190750" cy="523876"/>
-          </a:xfrm>
-          <a:prstGeom prst="rect">
-            <a:avLst/>
-          </a:prstGeom>
-          <a:noFill/>
-          <a:extLst>
-            <a:ext uri="{909E8E84-426E-40DD-AFC4-6F175D3DCCD1}">
-              <a14:hiddenFill xmlns:a14="http://schemas.microsoft.com/office/drawing/2010/main">
-                <a:solidFill>
-                  <a:srgbClr val="FFFFFF"/>
-                </a:solidFill>
-              </a14:hiddenFill>
-            </a:ext>
-          </a:extLst>
-        </p:spPr>
-      </p:pic>
-      <p:pic>
-        <p:nvPicPr>
-          <p:cNvPr id="117764" name="Picture 4" descr="C:\Users\hatted\Desktop\OpenVPN\s03.gif"/>
-          <p:cNvPicPr>
-            <a:picLocks noChangeAspect="1" noChangeArrowheads="1"/>
-          </p:cNvPicPr>
-          <p:nvPr/>
-        </p:nvPicPr>
-        <p:blipFill>
-          <a:blip r:embed="rId5">
-            <a:extLst>
-              <a:ext uri="{28A0092B-C50C-407E-A947-70E740481C1C}">
-                <a14:useLocalDpi xmlns:a14="http://schemas.microsoft.com/office/drawing/2010/main" val="0"/>
-              </a:ext>
-            </a:extLst>
-          </a:blip>
-          <a:srcRect/>
-          <a:stretch>
-            <a:fillRect/>
-          </a:stretch>
-        </p:blipFill>
-        <p:spPr bwMode="auto">
-          <a:xfrm>
-            <a:off x="3087334" y="2306416"/>
-            <a:ext cx="2190750" cy="523876"/>
-          </a:xfrm>
-          <a:prstGeom prst="rect">
-            <a:avLst/>
-          </a:prstGeom>
-          <a:noFill/>
-          <a:extLst>
-            <a:ext uri="{909E8E84-426E-40DD-AFC4-6F175D3DCCD1}">
-              <a14:hiddenFill xmlns:a14="http://schemas.microsoft.com/office/drawing/2010/main">
-                <a:solidFill>
-                  <a:srgbClr val="FFFFFF"/>
-                </a:solidFill>
-              </a14:hiddenFill>
-            </a:ext>
-          </a:extLst>
-        </p:spPr>
-      </p:pic>
-      <p:pic>
-        <p:nvPicPr>
-          <p:cNvPr id="117765" name="Picture 5" descr="C:\Users\hatted\Desktop\OpenVPN\s04.gif"/>
-          <p:cNvPicPr>
-            <a:picLocks noChangeAspect="1" noChangeArrowheads="1"/>
-          </p:cNvPicPr>
-          <p:nvPr/>
-        </p:nvPicPr>
-        <p:blipFill>
-          <a:blip r:embed="rId6">
-            <a:extLst>
-              <a:ext uri="{28A0092B-C50C-407E-A947-70E740481C1C}">
-                <a14:useLocalDpi xmlns:a14="http://schemas.microsoft.com/office/drawing/2010/main" val="0"/>
-              </a:ext>
-            </a:extLst>
-          </a:blip>
-          <a:srcRect/>
-          <a:stretch>
-            <a:fillRect/>
-          </a:stretch>
-        </p:blipFill>
-        <p:spPr bwMode="auto">
-          <a:xfrm>
-            <a:off x="5541360" y="2345765"/>
-            <a:ext cx="2190750" cy="523876"/>
-          </a:xfrm>
-          <a:prstGeom prst="rect">
-            <a:avLst/>
-          </a:prstGeom>
-          <a:noFill/>
-          <a:extLst>
-            <a:ext uri="{909E8E84-426E-40DD-AFC4-6F175D3DCCD1}">
-              <a14:hiddenFill xmlns:a14="http://schemas.microsoft.com/office/drawing/2010/main">
-                <a:solidFill>
-                  <a:srgbClr val="FFFFFF"/>
-                </a:solidFill>
-              </a14:hiddenFill>
-            </a:ext>
-          </a:extLst>
-        </p:spPr>
-      </p:pic>
-      <p:pic>
-        <p:nvPicPr>
-          <p:cNvPr id="117766" name="Picture 6" descr="C:\Users\hatted\Desktop\OpenVPN\s05.gif"/>
-          <p:cNvPicPr>
-            <a:picLocks noChangeAspect="1" noChangeArrowheads="1"/>
-          </p:cNvPicPr>
-          <p:nvPr/>
-        </p:nvPicPr>
-        <p:blipFill>
-          <a:blip r:embed="rId7">
-            <a:extLst>
-              <a:ext uri="{28A0092B-C50C-407E-A947-70E740481C1C}">
-                <a14:useLocalDpi xmlns:a14="http://schemas.microsoft.com/office/drawing/2010/main" val="0"/>
-              </a:ext>
-            </a:extLst>
-          </a:blip>
-          <a:srcRect/>
-          <a:stretch>
-            <a:fillRect/>
-          </a:stretch>
-        </p:blipFill>
-        <p:spPr bwMode="auto">
-          <a:xfrm>
-            <a:off x="567188" y="2258614"/>
-            <a:ext cx="2190750" cy="523876"/>
-          </a:xfrm>
-          <a:prstGeom prst="rect">
-            <a:avLst/>
-          </a:prstGeom>
-          <a:noFill/>
-          <a:extLst>
-            <a:ext uri="{909E8E84-426E-40DD-AFC4-6F175D3DCCD1}">
-              <a14:hiddenFill xmlns:a14="http://schemas.microsoft.com/office/drawing/2010/main">
-                <a:solidFill>
-                  <a:srgbClr val="FFFFFF"/>
-                </a:solidFill>
-              </a14:hiddenFill>
-            </a:ext>
-          </a:extLst>
-        </p:spPr>
-      </p:pic>
-      <p:pic>
-        <p:nvPicPr>
-          <p:cNvPr id="117767" name="Picture 7" descr="C:\Users\hatted\Desktop\OpenVPN\s06.gif"/>
-          <p:cNvPicPr>
-            <a:picLocks noChangeAspect="1" noChangeArrowheads="1"/>
-          </p:cNvPicPr>
-          <p:nvPr/>
-        </p:nvPicPr>
-        <p:blipFill>
-          <a:blip r:embed="rId8">
-            <a:extLst>
-              <a:ext uri="{28A0092B-C50C-407E-A947-70E740481C1C}">
-                <a14:useLocalDpi xmlns:a14="http://schemas.microsoft.com/office/drawing/2010/main" val="0"/>
-              </a:ext>
-            </a:extLst>
-          </a:blip>
-          <a:srcRect/>
-          <a:stretch>
-            <a:fillRect/>
-          </a:stretch>
-        </p:blipFill>
-        <p:spPr bwMode="auto">
-          <a:xfrm>
-            <a:off x="3097273" y="2989161"/>
-            <a:ext cx="2190750" cy="523876"/>
-          </a:xfrm>
-          <a:prstGeom prst="rect">
-            <a:avLst/>
-          </a:prstGeom>
-          <a:noFill/>
-          <a:extLst>
-            <a:ext uri="{909E8E84-426E-40DD-AFC4-6F175D3DCCD1}">
-              <a14:hiddenFill xmlns:a14="http://schemas.microsoft.com/office/drawing/2010/main">
-                <a:solidFill>
-                  <a:srgbClr val="FFFFFF"/>
-                </a:solidFill>
-              </a14:hiddenFill>
-            </a:ext>
-          </a:extLst>
-        </p:spPr>
-      </p:pic>
-      <p:pic>
-        <p:nvPicPr>
-          <p:cNvPr id="117768" name="Picture 8" descr="C:\Users\hatted\Desktop\OpenVPN\s07.gif"/>
-          <p:cNvPicPr>
-            <a:picLocks noChangeAspect="1" noChangeArrowheads="1"/>
-          </p:cNvPicPr>
-          <p:nvPr/>
-        </p:nvPicPr>
-        <p:blipFill>
-          <a:blip r:embed="rId9">
-            <a:extLst>
-              <a:ext uri="{28A0092B-C50C-407E-A947-70E740481C1C}">
-                <a14:useLocalDpi xmlns:a14="http://schemas.microsoft.com/office/drawing/2010/main" val="0"/>
-              </a:ext>
-            </a:extLst>
-          </a:blip>
-          <a:srcRect/>
-          <a:stretch>
-            <a:fillRect/>
-          </a:stretch>
-        </p:blipFill>
-        <p:spPr bwMode="auto">
-          <a:xfrm>
-            <a:off x="5560571" y="2998424"/>
-            <a:ext cx="2190750" cy="523876"/>
-          </a:xfrm>
-          <a:prstGeom prst="rect">
-            <a:avLst/>
-          </a:prstGeom>
-          <a:noFill/>
-          <a:extLst>
-            <a:ext uri="{909E8E84-426E-40DD-AFC4-6F175D3DCCD1}">
-              <a14:hiddenFill xmlns:a14="http://schemas.microsoft.com/office/drawing/2010/main">
-                <a:solidFill>
-                  <a:srgbClr val="FFFFFF"/>
-                </a:solidFill>
-              </a14:hiddenFill>
-            </a:ext>
-          </a:extLst>
-        </p:spPr>
-      </p:pic>
-      <p:pic>
-        <p:nvPicPr>
-          <p:cNvPr id="117769" name="Picture 9" descr="C:\Users\hatted\Desktop\OpenVPN\s08.gif"/>
-          <p:cNvPicPr>
-            <a:picLocks noChangeAspect="1" noChangeArrowheads="1"/>
-          </p:cNvPicPr>
-          <p:nvPr/>
-        </p:nvPicPr>
-        <p:blipFill>
-          <a:blip r:embed="rId10">
-            <a:extLst>
-              <a:ext uri="{28A0092B-C50C-407E-A947-70E740481C1C}">
-                <a14:useLocalDpi xmlns:a14="http://schemas.microsoft.com/office/drawing/2010/main" val="0"/>
-              </a:ext>
-            </a:extLst>
-          </a:blip>
-          <a:srcRect/>
-          <a:stretch>
-            <a:fillRect/>
-          </a:stretch>
-        </p:blipFill>
-        <p:spPr bwMode="auto">
-          <a:xfrm>
-            <a:off x="576249" y="3736017"/>
-            <a:ext cx="2190750" cy="523876"/>
-          </a:xfrm>
-          <a:prstGeom prst="rect">
-            <a:avLst/>
-          </a:prstGeom>
-          <a:noFill/>
-          <a:extLst>
-            <a:ext uri="{909E8E84-426E-40DD-AFC4-6F175D3DCCD1}">
-              <a14:hiddenFill xmlns:a14="http://schemas.microsoft.com/office/drawing/2010/main">
-                <a:solidFill>
-                  <a:srgbClr val="FFFFFF"/>
-                </a:solidFill>
-              </a14:hiddenFill>
-            </a:ext>
-          </a:extLst>
-        </p:spPr>
-      </p:pic>
-      <p:pic>
-        <p:nvPicPr>
-          <p:cNvPr id="117770" name="Picture 10" descr="C:\Users\hatted\Desktop\OpenVPN\s09.gif"/>
-          <p:cNvPicPr>
-            <a:picLocks noChangeAspect="1" noChangeArrowheads="1"/>
-          </p:cNvPicPr>
-          <p:nvPr/>
-        </p:nvPicPr>
-        <p:blipFill>
-          <a:blip r:embed="rId11">
-            <a:extLst>
-              <a:ext uri="{28A0092B-C50C-407E-A947-70E740481C1C}">
-                <a14:useLocalDpi xmlns:a14="http://schemas.microsoft.com/office/drawing/2010/main" val="0"/>
-              </a:ext>
-            </a:extLst>
-          </a:blip>
-          <a:srcRect/>
-          <a:stretch>
-            <a:fillRect/>
-          </a:stretch>
-        </p:blipFill>
-        <p:spPr bwMode="auto">
-          <a:xfrm>
-            <a:off x="3141128" y="3736018"/>
-            <a:ext cx="2190750" cy="523876"/>
-          </a:xfrm>
-          <a:prstGeom prst="rect">
-            <a:avLst/>
-          </a:prstGeom>
-          <a:noFill/>
-          <a:extLst>
-            <a:ext uri="{909E8E84-426E-40DD-AFC4-6F175D3DCCD1}">
-              <a14:hiddenFill xmlns:a14="http://schemas.microsoft.com/office/drawing/2010/main">
-                <a:solidFill>
-                  <a:srgbClr val="FFFFFF"/>
-                </a:solidFill>
-              </a14:hiddenFill>
-            </a:ext>
-          </a:extLst>
-        </p:spPr>
-      </p:pic>
-      <p:pic>
-        <p:nvPicPr>
-          <p:cNvPr id="117771" name="Picture 11" descr="C:\Users\hatted\Desktop\OpenVPN\s10.gif"/>
-          <p:cNvPicPr>
-            <a:picLocks noChangeAspect="1" noChangeArrowheads="1"/>
-          </p:cNvPicPr>
-          <p:nvPr/>
-        </p:nvPicPr>
-        <p:blipFill>
-          <a:blip r:embed="rId12">
-            <a:extLst>
-              <a:ext uri="{28A0092B-C50C-407E-A947-70E740481C1C}">
-                <a14:useLocalDpi xmlns:a14="http://schemas.microsoft.com/office/drawing/2010/main" val="0"/>
-              </a:ext>
-            </a:extLst>
-          </a:blip>
-          <a:srcRect/>
-          <a:stretch>
-            <a:fillRect/>
-          </a:stretch>
-        </p:blipFill>
-        <p:spPr bwMode="auto">
-          <a:xfrm>
-            <a:off x="5560571" y="3766106"/>
-            <a:ext cx="2190750" cy="523876"/>
-          </a:xfrm>
-          <a:prstGeom prst="rect">
-            <a:avLst/>
-          </a:prstGeom>
-          <a:noFill/>
-          <a:extLst>
-            <a:ext uri="{909E8E84-426E-40DD-AFC4-6F175D3DCCD1}">
-              <a14:hiddenFill xmlns:a14="http://schemas.microsoft.com/office/drawing/2010/main">
-                <a:solidFill>
-                  <a:srgbClr val="FFFFFF"/>
-                </a:solidFill>
-              </a14:hiddenFill>
-            </a:ext>
-          </a:extLst>
-        </p:spPr>
-      </p:pic>
-      <p:pic>
-        <p:nvPicPr>
-          <p:cNvPr id="117772" name="Picture 12" descr="C:\Users\hatted\Desktop\OpenVPN\s11.gif"/>
-          <p:cNvPicPr>
-            <a:picLocks noChangeAspect="1" noChangeArrowheads="1"/>
-          </p:cNvPicPr>
-          <p:nvPr/>
-        </p:nvPicPr>
-        <p:blipFill>
-          <a:blip r:embed="rId13">
-            <a:extLst>
-              <a:ext uri="{28A0092B-C50C-407E-A947-70E740481C1C}">
-                <a14:useLocalDpi xmlns:a14="http://schemas.microsoft.com/office/drawing/2010/main" val="0"/>
-              </a:ext>
-            </a:extLst>
-          </a:blip>
-          <a:srcRect/>
-          <a:stretch>
-            <a:fillRect/>
-          </a:stretch>
-        </p:blipFill>
-        <p:spPr bwMode="auto">
-          <a:xfrm>
-            <a:off x="541834" y="4486186"/>
-            <a:ext cx="2190750" cy="523876"/>
-          </a:xfrm>
-          <a:prstGeom prst="rect">
-            <a:avLst/>
-          </a:prstGeom>
-          <a:noFill/>
-          <a:extLst>
-            <a:ext uri="{909E8E84-426E-40DD-AFC4-6F175D3DCCD1}">
-              <a14:hiddenFill xmlns:a14="http://schemas.microsoft.com/office/drawing/2010/main">
-                <a:solidFill>
-                  <a:srgbClr val="FFFFFF"/>
-                </a:solidFill>
-              </a14:hiddenFill>
-            </a:ext>
-          </a:extLst>
-        </p:spPr>
-      </p:pic>
-      <p:pic>
-        <p:nvPicPr>
-          <p:cNvPr id="117773" name="Picture 13" descr="C:\Users\hatted\Desktop\OpenVPN\s12.gif"/>
-          <p:cNvPicPr>
-            <a:picLocks noChangeAspect="1" noChangeArrowheads="1"/>
-          </p:cNvPicPr>
-          <p:nvPr/>
-        </p:nvPicPr>
-        <p:blipFill>
-          <a:blip r:embed="rId14">
-            <a:extLst>
-              <a:ext uri="{28A0092B-C50C-407E-A947-70E740481C1C}">
-                <a14:useLocalDpi xmlns:a14="http://schemas.microsoft.com/office/drawing/2010/main" val="0"/>
-              </a:ext>
-            </a:extLst>
-          </a:blip>
-          <a:srcRect/>
-          <a:stretch>
-            <a:fillRect/>
-          </a:stretch>
-        </p:blipFill>
-        <p:spPr bwMode="auto">
-          <a:xfrm>
-            <a:off x="3135990" y="4558194"/>
-            <a:ext cx="2190750" cy="523876"/>
-          </a:xfrm>
-          <a:prstGeom prst="rect">
-            <a:avLst/>
-          </a:prstGeom>
-          <a:noFill/>
-          <a:extLst>
-            <a:ext uri="{909E8E84-426E-40DD-AFC4-6F175D3DCCD1}">
-              <a14:hiddenFill xmlns:a14="http://schemas.microsoft.com/office/drawing/2010/main">
-                <a:solidFill>
-                  <a:srgbClr val="FFFFFF"/>
-                </a:solidFill>
-              </a14:hiddenFill>
-            </a:ext>
-          </a:extLst>
-        </p:spPr>
-      </p:pic>
-      <p:pic>
-        <p:nvPicPr>
-          <p:cNvPr id="117774" name="Picture 14" descr="C:\Users\hatted\Desktop\OpenVPN\s13.gif"/>
-          <p:cNvPicPr>
-            <a:picLocks noChangeAspect="1" noChangeArrowheads="1"/>
-          </p:cNvPicPr>
-          <p:nvPr/>
-        </p:nvPicPr>
-        <p:blipFill>
-          <a:blip r:embed="rId15">
-            <a:extLst>
-              <a:ext uri="{28A0092B-C50C-407E-A947-70E740481C1C}">
-                <a14:useLocalDpi xmlns:a14="http://schemas.microsoft.com/office/drawing/2010/main" val="0"/>
-              </a:ext>
-            </a:extLst>
-          </a:blip>
-          <a:srcRect/>
-          <a:stretch>
-            <a:fillRect/>
-          </a:stretch>
-        </p:blipFill>
-        <p:spPr bwMode="auto">
-          <a:xfrm>
-            <a:off x="5612862" y="4558194"/>
-            <a:ext cx="2190750" cy="523876"/>
-          </a:xfrm>
-          <a:prstGeom prst="rect">
-            <a:avLst/>
-          </a:prstGeom>
-          <a:noFill/>
-          <a:extLst>
-            <a:ext uri="{909E8E84-426E-40DD-AFC4-6F175D3DCCD1}">
-              <a14:hiddenFill xmlns:a14="http://schemas.microsoft.com/office/drawing/2010/main">
-                <a:solidFill>
-                  <a:srgbClr val="FFFFFF"/>
-                </a:solidFill>
-              </a14:hiddenFill>
-            </a:ext>
-          </a:extLst>
-        </p:spPr>
-      </p:pic>
-      <p:pic>
-        <p:nvPicPr>
-          <p:cNvPr id="117775" name="Picture 15" descr="C:\Users\hatted\Desktop\OpenVPN\s14.gif"/>
-          <p:cNvPicPr>
-            <a:picLocks noChangeAspect="1" noChangeArrowheads="1"/>
-          </p:cNvPicPr>
-          <p:nvPr/>
-        </p:nvPicPr>
-        <p:blipFill>
-          <a:blip r:embed="rId16">
-            <a:extLst>
-              <a:ext uri="{28A0092B-C50C-407E-A947-70E740481C1C}">
-                <a14:useLocalDpi xmlns:a14="http://schemas.microsoft.com/office/drawing/2010/main" val="0"/>
-              </a:ext>
-            </a:extLst>
-          </a:blip>
-          <a:srcRect/>
-          <a:stretch>
-            <a:fillRect/>
-          </a:stretch>
-        </p:blipFill>
-        <p:spPr bwMode="auto">
-          <a:xfrm>
-            <a:off x="541834" y="5278273"/>
-            <a:ext cx="2190750" cy="523876"/>
-          </a:xfrm>
-          <a:prstGeom prst="rect">
-            <a:avLst/>
-          </a:prstGeom>
-          <a:noFill/>
-          <a:extLst>
-            <a:ext uri="{909E8E84-426E-40DD-AFC4-6F175D3DCCD1}">
-              <a14:hiddenFill xmlns:a14="http://schemas.microsoft.com/office/drawing/2010/main">
-                <a:solidFill>
-                  <a:srgbClr val="FFFFFF"/>
-                </a:solidFill>
-              </a14:hiddenFill>
-            </a:ext>
-          </a:extLst>
-        </p:spPr>
-      </p:pic>
-      <p:pic>
-        <p:nvPicPr>
-          <p:cNvPr id="117776" name="Picture 16" descr="C:\Users\hatted\Desktop\OpenVPN\s15.gif"/>
-          <p:cNvPicPr>
-            <a:picLocks noChangeAspect="1" noChangeArrowheads="1"/>
-          </p:cNvPicPr>
-          <p:nvPr/>
-        </p:nvPicPr>
-        <p:blipFill>
-          <a:blip r:embed="rId17">
-            <a:extLst>
-              <a:ext uri="{28A0092B-C50C-407E-A947-70E740481C1C}">
-                <a14:useLocalDpi xmlns:a14="http://schemas.microsoft.com/office/drawing/2010/main" val="0"/>
-              </a:ext>
-            </a:extLst>
-          </a:blip>
-          <a:srcRect/>
-          <a:stretch>
-            <a:fillRect/>
-          </a:stretch>
-        </p:blipFill>
-        <p:spPr bwMode="auto">
-          <a:xfrm>
-            <a:off x="3101330" y="5278274"/>
-            <a:ext cx="2190750" cy="523876"/>
-          </a:xfrm>
-          <a:prstGeom prst="rect">
-            <a:avLst/>
-          </a:prstGeom>
-          <a:noFill/>
-          <a:extLst>
-            <a:ext uri="{909E8E84-426E-40DD-AFC4-6F175D3DCCD1}">
-              <a14:hiddenFill xmlns:a14="http://schemas.microsoft.com/office/drawing/2010/main">
-                <a:solidFill>
-                  <a:srgbClr val="FFFFFF"/>
-                </a:solidFill>
-              </a14:hiddenFill>
-            </a:ext>
-          </a:extLst>
-        </p:spPr>
-      </p:pic>
-      <p:pic>
-        <p:nvPicPr>
-          <p:cNvPr id="117777" name="Picture 17" descr="C:\Users\hatted\Desktop\OpenVPN\s16.gif"/>
-          <p:cNvPicPr>
-            <a:picLocks noChangeAspect="1" noChangeArrowheads="1"/>
-          </p:cNvPicPr>
-          <p:nvPr/>
-        </p:nvPicPr>
-        <p:blipFill>
-          <a:blip r:embed="rId18">
-            <a:extLst>
-              <a:ext uri="{28A0092B-C50C-407E-A947-70E740481C1C}">
-                <a14:useLocalDpi xmlns:a14="http://schemas.microsoft.com/office/drawing/2010/main" val="0"/>
-              </a:ext>
-            </a:extLst>
-          </a:blip>
-          <a:srcRect/>
-          <a:stretch>
-            <a:fillRect/>
-          </a:stretch>
-        </p:blipFill>
-        <p:spPr bwMode="auto">
-          <a:xfrm>
-            <a:off x="5621610" y="5278274"/>
-            <a:ext cx="2190750" cy="523876"/>
-          </a:xfrm>
-          <a:prstGeom prst="rect">
-            <a:avLst/>
-          </a:prstGeom>
-          <a:noFill/>
-          <a:extLst>
-            <a:ext uri="{909E8E84-426E-40DD-AFC4-6F175D3DCCD1}">
-              <a14:hiddenFill xmlns:a14="http://schemas.microsoft.com/office/drawing/2010/main">
-                <a:solidFill>
-                  <a:srgbClr val="FFFFFF"/>
-                </a:solidFill>
-              </a14:hiddenFill>
-            </a:ext>
-          </a:extLst>
-        </p:spPr>
-      </p:pic>
-      <p:pic>
-        <p:nvPicPr>
-          <p:cNvPr id="117778" name="Picture 18" descr="C:\Users\hatted\Desktop\OpenVPN\s17.gif"/>
-          <p:cNvPicPr>
-            <a:picLocks noChangeAspect="1" noChangeArrowheads="1"/>
-          </p:cNvPicPr>
-          <p:nvPr/>
-        </p:nvPicPr>
-        <p:blipFill>
-          <a:blip r:embed="rId19">
-            <a:extLst>
-              <a:ext uri="{28A0092B-C50C-407E-A947-70E740481C1C}">
-                <a14:useLocalDpi xmlns:a14="http://schemas.microsoft.com/office/drawing/2010/main" val="0"/>
-              </a:ext>
-            </a:extLst>
-          </a:blip>
-          <a:srcRect/>
-          <a:stretch>
-            <a:fillRect/>
-          </a:stretch>
-        </p:blipFill>
-        <p:spPr bwMode="auto">
-          <a:xfrm>
-            <a:off x="509042" y="6040141"/>
-            <a:ext cx="2190750" cy="523876"/>
-          </a:xfrm>
-          <a:prstGeom prst="rect">
-            <a:avLst/>
-          </a:prstGeom>
-          <a:noFill/>
-          <a:extLst>
-            <a:ext uri="{909E8E84-426E-40DD-AFC4-6F175D3DCCD1}">
-              <a14:hiddenFill xmlns:a14="http://schemas.microsoft.com/office/drawing/2010/main">
-                <a:solidFill>
-                  <a:srgbClr val="FFFFFF"/>
-                </a:solidFill>
-              </a14:hiddenFill>
-            </a:ext>
-          </a:extLst>
-        </p:spPr>
-      </p:pic>
-      <p:pic>
-        <p:nvPicPr>
-          <p:cNvPr id="117779" name="Picture 19" descr="C:\Users\hatted\Desktop\OpenVPN\s18.gif"/>
-          <p:cNvPicPr>
-            <a:picLocks noChangeAspect="1" noChangeArrowheads="1"/>
-          </p:cNvPicPr>
-          <p:nvPr/>
-        </p:nvPicPr>
-        <p:blipFill>
-          <a:blip r:embed="rId20">
-            <a:extLst>
-              <a:ext uri="{28A0092B-C50C-407E-A947-70E740481C1C}">
-                <a14:useLocalDpi xmlns:a14="http://schemas.microsoft.com/office/drawing/2010/main" val="0"/>
-              </a:ext>
-            </a:extLst>
-          </a:blip>
-          <a:srcRect/>
-          <a:stretch>
-            <a:fillRect/>
-          </a:stretch>
-        </p:blipFill>
-        <p:spPr bwMode="auto">
-          <a:xfrm>
-            <a:off x="3101330" y="6040142"/>
-            <a:ext cx="2190750" cy="523876"/>
-          </a:xfrm>
-          <a:prstGeom prst="rect">
-            <a:avLst/>
-          </a:prstGeom>
-          <a:noFill/>
-          <a:extLst>
-            <a:ext uri="{909E8E84-426E-40DD-AFC4-6F175D3DCCD1}">
-              <a14:hiddenFill xmlns:a14="http://schemas.microsoft.com/office/drawing/2010/main">
-                <a:solidFill>
-                  <a:srgbClr val="FFFFFF"/>
-                </a:solidFill>
-              </a14:hiddenFill>
-            </a:ext>
-          </a:extLst>
-        </p:spPr>
-      </p:pic>
-      <p:pic>
-        <p:nvPicPr>
-          <p:cNvPr id="117780" name="Picture 20" descr="C:\Users\hatted\Desktop\OpenVPN\s19.gif"/>
-          <p:cNvPicPr>
-            <a:picLocks noChangeAspect="1" noChangeArrowheads="1"/>
-          </p:cNvPicPr>
-          <p:nvPr/>
-        </p:nvPicPr>
-        <p:blipFill>
-          <a:blip r:embed="rId21">
-            <a:extLst>
-              <a:ext uri="{28A0092B-C50C-407E-A947-70E740481C1C}">
-                <a14:useLocalDpi xmlns:a14="http://schemas.microsoft.com/office/drawing/2010/main" val="0"/>
-              </a:ext>
-            </a:extLst>
-          </a:blip>
-          <a:srcRect/>
-          <a:stretch>
-            <a:fillRect/>
-          </a:stretch>
-        </p:blipFill>
-        <p:spPr bwMode="auto">
-          <a:xfrm>
-            <a:off x="5693618" y="6070362"/>
-            <a:ext cx="2190750" cy="523876"/>
-          </a:xfrm>
-          <a:prstGeom prst="rect">
-            <a:avLst/>
-          </a:prstGeom>
-          <a:noFill/>
-          <a:extLst>
-            <a:ext uri="{909E8E84-426E-40DD-AFC4-6F175D3DCCD1}">
-              <a14:hiddenFill xmlns:a14="http://schemas.microsoft.com/office/drawing/2010/main">
-                <a:solidFill>
-                  <a:srgbClr val="FFFFFF"/>
-                </a:solidFill>
-              </a14:hiddenFill>
-            </a:ext>
-          </a:extLst>
-        </p:spPr>
-      </p:pic>
+            <a:r>
+              <a:rPr lang="en-US" altLang="zh-TW" dirty="0">
+                <a:hlinkClick r:id="rId3"/>
+              </a:rPr>
+              <a:t>https://w3techs.com/</a:t>
+            </a:r>
+          </a:p>
+          <a:p>
+            <a:r>
+              <a:rPr lang="en-US" altLang="zh-TW" dirty="0" smtClean="0">
+                <a:hlinkClick r:id="rId3"/>
+              </a:rPr>
+              <a:t>https</a:t>
+            </a:r>
+            <a:r>
+              <a:rPr lang="en-US" altLang="zh-TW" dirty="0">
+                <a:hlinkClick r:id="rId3"/>
+              </a:rPr>
+              <a:t>://</a:t>
+            </a:r>
+            <a:r>
+              <a:rPr lang="en-US" altLang="zh-TW" dirty="0" smtClean="0">
+                <a:hlinkClick r:id="rId3"/>
+              </a:rPr>
+              <a:t>wappalyzer.com/applications/php</a:t>
+            </a:r>
+            <a:endParaRPr lang="en-US" altLang="zh-TW" dirty="0" smtClean="0"/>
+          </a:p>
+          <a:p>
+            <a:r>
+              <a:rPr lang="en-US" altLang="zh-TW" dirty="0" smtClean="0">
+                <a:hlinkClick r:id="rId4"/>
+              </a:rPr>
+              <a:t>http://www.php.net/usage.php</a:t>
+            </a:r>
+            <a:endParaRPr lang="en-US" altLang="zh-TW" dirty="0" smtClean="0"/>
+          </a:p>
+          <a:p>
+            <a:r>
+              <a:rPr lang="en-US" altLang="zh-TW" dirty="0" smtClean="0">
+                <a:hlinkClick r:id="rId5"/>
+              </a:rPr>
+              <a:t>https</a:t>
+            </a:r>
+            <a:r>
+              <a:rPr lang="en-US" altLang="zh-TW" dirty="0" smtClean="0">
+                <a:hlinkClick r:id="rId5"/>
+              </a:rPr>
+              <a:t>://</a:t>
+            </a:r>
+            <a:r>
+              <a:rPr lang="en-US" altLang="zh-TW" dirty="0" smtClean="0">
+                <a:hlinkClick r:id="rId5"/>
+              </a:rPr>
+              <a:t>www.google.com.hk/trends/explore#q=php</a:t>
+            </a:r>
+            <a:endParaRPr lang="en-US" altLang="zh-TW" dirty="0" smtClean="0"/>
+          </a:p>
+          <a:p>
+            <a:r>
+              <a:rPr lang="en-US" altLang="zh-TW" dirty="0" smtClean="0">
+                <a:hlinkClick r:id="rId6"/>
+              </a:rPr>
+              <a:t>http</a:t>
+            </a:r>
+            <a:r>
+              <a:rPr lang="en-US" altLang="zh-TW" dirty="0" smtClean="0">
+                <a:hlinkClick r:id="rId6"/>
+              </a:rPr>
+              <a:t>://</a:t>
+            </a:r>
+            <a:r>
+              <a:rPr lang="en-US" altLang="zh-TW" dirty="0" smtClean="0">
+                <a:hlinkClick r:id="rId6"/>
+              </a:rPr>
+              <a:t>trends.builtwith.com/framework/PHP</a:t>
+            </a:r>
+            <a:endParaRPr lang="en-US" altLang="zh-TW" dirty="0"/>
+          </a:p>
+          <a:p>
+            <a:endParaRPr lang="en-US" altLang="zh-TW" dirty="0" smtClean="0"/>
+          </a:p>
+          <a:p>
+            <a:endParaRPr lang="en-US" altLang="zh-TW" dirty="0" smtClean="0"/>
+          </a:p>
+        </p:txBody>
+      </p:sp>
     </p:spTree>
     <p:extLst>
       <p:ext uri="{BB962C8B-B14F-4D97-AF65-F5344CB8AC3E}">
-        <p14:creationId xmlns:p14="http://schemas.microsoft.com/office/powerpoint/2010/main" val="1550935308"/>
+        <p14:creationId xmlns:p14="http://schemas.microsoft.com/office/powerpoint/2010/main" val="1953429565"/>
       </p:ext>
     </p:extLst>
   </p:cSld>
@@ -17984,9 +17542,9 @@
       </p:grpSpPr>
       <p:sp>
         <p:nvSpPr>
-          <p:cNvPr id="119810" name="Rectangle 2"/>
-          <p:cNvSpPr>
-            <a:spLocks noGrp="1" noChangeArrowheads="1"/>
+          <p:cNvPr id="2" name="Title 1"/>
+          <p:cNvSpPr>
+            <a:spLocks noGrp="1"/>
           </p:cNvSpPr>
           <p:nvPr>
             <p:ph type="title"/>
@@ -17997,82 +17555,49 @@
           <a:bodyPr/>
           <a:lstStyle/>
           <a:p>
-            <a:r>
-              <a:rPr lang="en-US" altLang="zh-TW" smtClean="0"/>
-              <a:t>Platform</a:t>
-            </a:r>
-          </a:p>
-        </p:txBody>
-      </p:sp>
-      <p:sp>
-        <p:nvSpPr>
-          <p:cNvPr id="23555" name="Rectangle 3"/>
-          <p:cNvSpPr>
-            <a:spLocks noGrp="1" noChangeArrowheads="1"/>
-          </p:cNvSpPr>
+            <a:endParaRPr lang="en-US" dirty="0"/>
+          </a:p>
+        </p:txBody>
+      </p:sp>
+      <p:pic>
+        <p:nvPicPr>
+          <p:cNvPr id="4" name="Content Placeholder 3"/>
+          <p:cNvPicPr>
+            <a:picLocks noGrp="1" noChangeAspect="1"/>
+          </p:cNvPicPr>
           <p:nvPr>
             <p:ph idx="1"/>
           </p:nvPr>
-        </p:nvSpPr>
-        <p:spPr/>
-        <p:txBody>
-          <a:bodyPr/>
-          <a:lstStyle/>
-          <a:p>
-            <a:r>
-              <a:rPr lang="en-US" altLang="zh-TW" dirty="0" smtClean="0"/>
-              <a:t>Compatible for Linux, Mac OS X and Windows</a:t>
-            </a:r>
-          </a:p>
-          <a:p>
-            <a:r>
-              <a:rPr lang="en-US" altLang="zh-TW" dirty="0" smtClean="0"/>
-              <a:t>Android</a:t>
-            </a:r>
-          </a:p>
-          <a:p>
-            <a:r>
-              <a:rPr lang="en-US" altLang="zh-TW" dirty="0" smtClean="0"/>
-              <a:t>Best work with Apache, </a:t>
-            </a:r>
-            <a:r>
-              <a:rPr lang="en-US" altLang="zh-TW" dirty="0" err="1" smtClean="0"/>
-              <a:t>Ngnix</a:t>
-            </a:r>
-            <a:endParaRPr lang="en-US" altLang="zh-TW" dirty="0" smtClean="0"/>
-          </a:p>
-          <a:p>
-            <a:r>
-              <a:rPr lang="en-US" altLang="zh-TW" dirty="0" smtClean="0"/>
-              <a:t>Also work on IIS</a:t>
-            </a:r>
-          </a:p>
-        </p:txBody>
-      </p:sp>
+        </p:nvPicPr>
+        <p:blipFill>
+          <a:blip r:embed="rId2">
+            <a:extLst>
+              <a:ext uri="{28A0092B-C50C-407E-A947-70E740481C1C}">
+                <a14:useLocalDpi xmlns:a14="http://schemas.microsoft.com/office/drawing/2010/main" val="0"/>
+              </a:ext>
+            </a:extLst>
+          </a:blip>
+          <a:stretch>
+            <a:fillRect/>
+          </a:stretch>
+        </p:blipFill>
+        <p:spPr>
+          <a:xfrm>
+            <a:off x="2074507" y="2667000"/>
+            <a:ext cx="5520449" cy="3332163"/>
+          </a:xfrm>
+        </p:spPr>
+      </p:pic>
     </p:spTree>
+    <p:extLst>
+      <p:ext uri="{BB962C8B-B14F-4D97-AF65-F5344CB8AC3E}">
+        <p14:creationId xmlns:p14="http://schemas.microsoft.com/office/powerpoint/2010/main" val="587481497"/>
+      </p:ext>
+    </p:extLst>
   </p:cSld>
   <p:clrMapOvr>
     <a:masterClrMapping/>
   </p:clrMapOvr>
-  <mc:AlternateContent xmlns:mc="http://schemas.openxmlformats.org/markup-compatibility/2006" xmlns:p14="http://schemas.microsoft.com/office/powerpoint/2010/main">
-    <mc:Choice Requires="p14">
-      <p:transition spd="slow" p14:dur="3900">
-        <p14:glitter pattern="hexagon"/>
-      </p:transition>
-    </mc:Choice>
-    <mc:Fallback xmlns="">
-      <p:transition spd="slow">
-        <p:fade/>
-      </p:transition>
-    </mc:Fallback>
-  </mc:AlternateContent>
-  <p:timing>
-    <p:tnLst>
-      <p:par>
-        <p:cTn id="1" dur="indefinite" restart="never" nodeType="tmRoot"/>
-      </p:par>
-    </p:tnLst>
-  </p:timing>
 </p:sld>
 </file>
 
@@ -18095,7 +17620,7 @@
       </p:grpSpPr>
       <p:sp>
         <p:nvSpPr>
-          <p:cNvPr id="130050" name="Rectangle 2"/>
+          <p:cNvPr id="97282" name="Rectangle 2"/>
           <p:cNvSpPr>
             <a:spLocks noGrp="1" noChangeArrowheads="1"/>
           </p:cNvSpPr>
@@ -18110,7 +17635,7 @@
           <a:p>
             <a:r>
               <a:rPr lang="en-US" altLang="zh-TW" smtClean="0"/>
-              <a:t>Using PHP for</a:t>
+              <a:t>Who is using Zend</a:t>
             </a:r>
             <a:endParaRPr lang="en-US" altLang="zh-TW" dirty="0" smtClean="0"/>
           </a:p>
@@ -18118,9 +17643,9 @@
       </p:sp>
       <p:sp>
         <p:nvSpPr>
-          <p:cNvPr id="24579" name="Rectangle 3"/>
-          <p:cNvSpPr>
-            <a:spLocks noGrp="1" noChangeArrowheads="1"/>
+          <p:cNvPr id="3" name="Content Placeholder 2"/>
+          <p:cNvSpPr>
+            <a:spLocks noGrp="1"/>
           </p:cNvSpPr>
           <p:nvPr>
             <p:ph idx="1"/>
@@ -18128,55 +17653,798 @@
         </p:nvSpPr>
         <p:spPr/>
         <p:txBody>
-          <a:bodyPr>
-            <a:normAutofit lnSpcReduction="10000"/>
-          </a:bodyPr>
+          <a:bodyPr/>
           <a:lstStyle/>
           <a:p>
-            <a:r>
-              <a:rPr lang="en-US" altLang="zh-TW" dirty="0" smtClean="0"/>
-              <a:t>User authentication and personalization</a:t>
-            </a:r>
-          </a:p>
-          <a:p>
-            <a:r>
-              <a:rPr lang="en-US" altLang="zh-TW" dirty="0" smtClean="0"/>
-              <a:t>Shopping carts</a:t>
-            </a:r>
-          </a:p>
-          <a:p>
-            <a:r>
-              <a:rPr lang="en-US" altLang="zh-TW" dirty="0" smtClean="0"/>
-              <a:t>Content management systems</a:t>
-            </a:r>
-          </a:p>
-          <a:p>
-            <a:r>
-              <a:rPr lang="en-US" altLang="zh-TW" dirty="0" smtClean="0"/>
-              <a:t>Web-based email</a:t>
-            </a:r>
-          </a:p>
-          <a:p>
-            <a:r>
-              <a:rPr lang="en-US" altLang="zh-TW" dirty="0" smtClean="0"/>
-              <a:t>Mailing list managers</a:t>
-            </a:r>
-          </a:p>
-          <a:p>
-            <a:r>
-              <a:rPr lang="en-US" altLang="zh-TW" dirty="0" smtClean="0"/>
-              <a:t>Web forums</a:t>
-            </a:r>
-          </a:p>
-          <a:p>
-            <a:r>
-              <a:rPr lang="en-US" altLang="zh-TW" dirty="0" smtClean="0"/>
-              <a:t>Document generation</a:t>
-            </a:r>
-          </a:p>
-        </p:txBody>
-      </p:sp>
+            <a:endParaRPr lang="zh-HK" altLang="en-US"/>
+          </a:p>
+        </p:txBody>
+      </p:sp>
+      <p:pic>
+        <p:nvPicPr>
+          <p:cNvPr id="117762" name="Picture 2" descr="C:\Users\hatted\Desktop\OpenVPN\s01.gif"/>
+          <p:cNvPicPr>
+            <a:picLocks noChangeAspect="1" noChangeArrowheads="1"/>
+          </p:cNvPicPr>
+          <p:nvPr/>
+        </p:nvPicPr>
+        <p:blipFill>
+          <a:blip r:embed="rId3">
+            <a:extLst>
+              <a:ext uri="{28A0092B-C50C-407E-A947-70E740481C1C}">
+                <a14:useLocalDpi xmlns:a14="http://schemas.microsoft.com/office/drawing/2010/main" val="0"/>
+              </a:ext>
+            </a:extLst>
+          </a:blip>
+          <a:srcRect/>
+          <a:stretch>
+            <a:fillRect/>
+          </a:stretch>
+        </p:blipFill>
+        <p:spPr bwMode="auto">
+          <a:xfrm>
+            <a:off x="5475859" y="1659616"/>
+            <a:ext cx="2190750" cy="523876"/>
+          </a:xfrm>
+          <a:prstGeom prst="rect">
+            <a:avLst/>
+          </a:prstGeom>
+          <a:noFill/>
+          <a:extLst>
+            <a:ext uri="{909E8E84-426E-40DD-AFC4-6F175D3DCCD1}">
+              <a14:hiddenFill xmlns:a14="http://schemas.microsoft.com/office/drawing/2010/main">
+                <a:solidFill>
+                  <a:srgbClr val="FFFFFF"/>
+                </a:solidFill>
+              </a14:hiddenFill>
+            </a:ext>
+          </a:extLst>
+        </p:spPr>
+      </p:pic>
+      <p:pic>
+        <p:nvPicPr>
+          <p:cNvPr id="117763" name="Picture 3" descr="C:\Users\hatted\Desktop\OpenVPN\s02.gif"/>
+          <p:cNvPicPr>
+            <a:picLocks noChangeAspect="1" noChangeArrowheads="1"/>
+          </p:cNvPicPr>
+          <p:nvPr/>
+        </p:nvPicPr>
+        <p:blipFill>
+          <a:blip r:embed="rId4">
+            <a:extLst>
+              <a:ext uri="{28A0092B-C50C-407E-A947-70E740481C1C}">
+                <a14:useLocalDpi xmlns:a14="http://schemas.microsoft.com/office/drawing/2010/main" val="0"/>
+              </a:ext>
+            </a:extLst>
+          </a:blip>
+          <a:srcRect/>
+          <a:stretch>
+            <a:fillRect/>
+          </a:stretch>
+        </p:blipFill>
+        <p:spPr bwMode="auto">
+          <a:xfrm>
+            <a:off x="576249" y="3046026"/>
+            <a:ext cx="2190750" cy="523876"/>
+          </a:xfrm>
+          <a:prstGeom prst="rect">
+            <a:avLst/>
+          </a:prstGeom>
+          <a:noFill/>
+          <a:extLst>
+            <a:ext uri="{909E8E84-426E-40DD-AFC4-6F175D3DCCD1}">
+              <a14:hiddenFill xmlns:a14="http://schemas.microsoft.com/office/drawing/2010/main">
+                <a:solidFill>
+                  <a:srgbClr val="FFFFFF"/>
+                </a:solidFill>
+              </a14:hiddenFill>
+            </a:ext>
+          </a:extLst>
+        </p:spPr>
+      </p:pic>
+      <p:pic>
+        <p:nvPicPr>
+          <p:cNvPr id="117764" name="Picture 4" descr="C:\Users\hatted\Desktop\OpenVPN\s03.gif"/>
+          <p:cNvPicPr>
+            <a:picLocks noChangeAspect="1" noChangeArrowheads="1"/>
+          </p:cNvPicPr>
+          <p:nvPr/>
+        </p:nvPicPr>
+        <p:blipFill>
+          <a:blip r:embed="rId5">
+            <a:extLst>
+              <a:ext uri="{28A0092B-C50C-407E-A947-70E740481C1C}">
+                <a14:useLocalDpi xmlns:a14="http://schemas.microsoft.com/office/drawing/2010/main" val="0"/>
+              </a:ext>
+            </a:extLst>
+          </a:blip>
+          <a:srcRect/>
+          <a:stretch>
+            <a:fillRect/>
+          </a:stretch>
+        </p:blipFill>
+        <p:spPr bwMode="auto">
+          <a:xfrm>
+            <a:off x="3087334" y="2306416"/>
+            <a:ext cx="2190750" cy="523876"/>
+          </a:xfrm>
+          <a:prstGeom prst="rect">
+            <a:avLst/>
+          </a:prstGeom>
+          <a:noFill/>
+          <a:extLst>
+            <a:ext uri="{909E8E84-426E-40DD-AFC4-6F175D3DCCD1}">
+              <a14:hiddenFill xmlns:a14="http://schemas.microsoft.com/office/drawing/2010/main">
+                <a:solidFill>
+                  <a:srgbClr val="FFFFFF"/>
+                </a:solidFill>
+              </a14:hiddenFill>
+            </a:ext>
+          </a:extLst>
+        </p:spPr>
+      </p:pic>
+      <p:pic>
+        <p:nvPicPr>
+          <p:cNvPr id="117765" name="Picture 5" descr="C:\Users\hatted\Desktop\OpenVPN\s04.gif"/>
+          <p:cNvPicPr>
+            <a:picLocks noChangeAspect="1" noChangeArrowheads="1"/>
+          </p:cNvPicPr>
+          <p:nvPr/>
+        </p:nvPicPr>
+        <p:blipFill>
+          <a:blip r:embed="rId6">
+            <a:extLst>
+              <a:ext uri="{28A0092B-C50C-407E-A947-70E740481C1C}">
+                <a14:useLocalDpi xmlns:a14="http://schemas.microsoft.com/office/drawing/2010/main" val="0"/>
+              </a:ext>
+            </a:extLst>
+          </a:blip>
+          <a:srcRect/>
+          <a:stretch>
+            <a:fillRect/>
+          </a:stretch>
+        </p:blipFill>
+        <p:spPr bwMode="auto">
+          <a:xfrm>
+            <a:off x="5541360" y="2345765"/>
+            <a:ext cx="2190750" cy="523876"/>
+          </a:xfrm>
+          <a:prstGeom prst="rect">
+            <a:avLst/>
+          </a:prstGeom>
+          <a:noFill/>
+          <a:extLst>
+            <a:ext uri="{909E8E84-426E-40DD-AFC4-6F175D3DCCD1}">
+              <a14:hiddenFill xmlns:a14="http://schemas.microsoft.com/office/drawing/2010/main">
+                <a:solidFill>
+                  <a:srgbClr val="FFFFFF"/>
+                </a:solidFill>
+              </a14:hiddenFill>
+            </a:ext>
+          </a:extLst>
+        </p:spPr>
+      </p:pic>
+      <p:pic>
+        <p:nvPicPr>
+          <p:cNvPr id="117766" name="Picture 6" descr="C:\Users\hatted\Desktop\OpenVPN\s05.gif"/>
+          <p:cNvPicPr>
+            <a:picLocks noChangeAspect="1" noChangeArrowheads="1"/>
+          </p:cNvPicPr>
+          <p:nvPr/>
+        </p:nvPicPr>
+        <p:blipFill>
+          <a:blip r:embed="rId7">
+            <a:extLst>
+              <a:ext uri="{28A0092B-C50C-407E-A947-70E740481C1C}">
+                <a14:useLocalDpi xmlns:a14="http://schemas.microsoft.com/office/drawing/2010/main" val="0"/>
+              </a:ext>
+            </a:extLst>
+          </a:blip>
+          <a:srcRect/>
+          <a:stretch>
+            <a:fillRect/>
+          </a:stretch>
+        </p:blipFill>
+        <p:spPr bwMode="auto">
+          <a:xfrm>
+            <a:off x="567188" y="2258614"/>
+            <a:ext cx="2190750" cy="523876"/>
+          </a:xfrm>
+          <a:prstGeom prst="rect">
+            <a:avLst/>
+          </a:prstGeom>
+          <a:noFill/>
+          <a:extLst>
+            <a:ext uri="{909E8E84-426E-40DD-AFC4-6F175D3DCCD1}">
+              <a14:hiddenFill xmlns:a14="http://schemas.microsoft.com/office/drawing/2010/main">
+                <a:solidFill>
+                  <a:srgbClr val="FFFFFF"/>
+                </a:solidFill>
+              </a14:hiddenFill>
+            </a:ext>
+          </a:extLst>
+        </p:spPr>
+      </p:pic>
+      <p:pic>
+        <p:nvPicPr>
+          <p:cNvPr id="117767" name="Picture 7" descr="C:\Users\hatted\Desktop\OpenVPN\s06.gif"/>
+          <p:cNvPicPr>
+            <a:picLocks noChangeAspect="1" noChangeArrowheads="1"/>
+          </p:cNvPicPr>
+          <p:nvPr/>
+        </p:nvPicPr>
+        <p:blipFill>
+          <a:blip r:embed="rId8">
+            <a:extLst>
+              <a:ext uri="{28A0092B-C50C-407E-A947-70E740481C1C}">
+                <a14:useLocalDpi xmlns:a14="http://schemas.microsoft.com/office/drawing/2010/main" val="0"/>
+              </a:ext>
+            </a:extLst>
+          </a:blip>
+          <a:srcRect/>
+          <a:stretch>
+            <a:fillRect/>
+          </a:stretch>
+        </p:blipFill>
+        <p:spPr bwMode="auto">
+          <a:xfrm>
+            <a:off x="3097273" y="2989161"/>
+            <a:ext cx="2190750" cy="523876"/>
+          </a:xfrm>
+          <a:prstGeom prst="rect">
+            <a:avLst/>
+          </a:prstGeom>
+          <a:noFill/>
+          <a:extLst>
+            <a:ext uri="{909E8E84-426E-40DD-AFC4-6F175D3DCCD1}">
+              <a14:hiddenFill xmlns:a14="http://schemas.microsoft.com/office/drawing/2010/main">
+                <a:solidFill>
+                  <a:srgbClr val="FFFFFF"/>
+                </a:solidFill>
+              </a14:hiddenFill>
+            </a:ext>
+          </a:extLst>
+        </p:spPr>
+      </p:pic>
+      <p:pic>
+        <p:nvPicPr>
+          <p:cNvPr id="117768" name="Picture 8" descr="C:\Users\hatted\Desktop\OpenVPN\s07.gif"/>
+          <p:cNvPicPr>
+            <a:picLocks noChangeAspect="1" noChangeArrowheads="1"/>
+          </p:cNvPicPr>
+          <p:nvPr/>
+        </p:nvPicPr>
+        <p:blipFill>
+          <a:blip r:embed="rId9">
+            <a:extLst>
+              <a:ext uri="{28A0092B-C50C-407E-A947-70E740481C1C}">
+                <a14:useLocalDpi xmlns:a14="http://schemas.microsoft.com/office/drawing/2010/main" val="0"/>
+              </a:ext>
+            </a:extLst>
+          </a:blip>
+          <a:srcRect/>
+          <a:stretch>
+            <a:fillRect/>
+          </a:stretch>
+        </p:blipFill>
+        <p:spPr bwMode="auto">
+          <a:xfrm>
+            <a:off x="5560571" y="2998424"/>
+            <a:ext cx="2190750" cy="523876"/>
+          </a:xfrm>
+          <a:prstGeom prst="rect">
+            <a:avLst/>
+          </a:prstGeom>
+          <a:noFill/>
+          <a:extLst>
+            <a:ext uri="{909E8E84-426E-40DD-AFC4-6F175D3DCCD1}">
+              <a14:hiddenFill xmlns:a14="http://schemas.microsoft.com/office/drawing/2010/main">
+                <a:solidFill>
+                  <a:srgbClr val="FFFFFF"/>
+                </a:solidFill>
+              </a14:hiddenFill>
+            </a:ext>
+          </a:extLst>
+        </p:spPr>
+      </p:pic>
+      <p:pic>
+        <p:nvPicPr>
+          <p:cNvPr id="117769" name="Picture 9" descr="C:\Users\hatted\Desktop\OpenVPN\s08.gif"/>
+          <p:cNvPicPr>
+            <a:picLocks noChangeAspect="1" noChangeArrowheads="1"/>
+          </p:cNvPicPr>
+          <p:nvPr/>
+        </p:nvPicPr>
+        <p:blipFill>
+          <a:blip r:embed="rId10">
+            <a:extLst>
+              <a:ext uri="{28A0092B-C50C-407E-A947-70E740481C1C}">
+                <a14:useLocalDpi xmlns:a14="http://schemas.microsoft.com/office/drawing/2010/main" val="0"/>
+              </a:ext>
+            </a:extLst>
+          </a:blip>
+          <a:srcRect/>
+          <a:stretch>
+            <a:fillRect/>
+          </a:stretch>
+        </p:blipFill>
+        <p:spPr bwMode="auto">
+          <a:xfrm>
+            <a:off x="576249" y="3736017"/>
+            <a:ext cx="2190750" cy="523876"/>
+          </a:xfrm>
+          <a:prstGeom prst="rect">
+            <a:avLst/>
+          </a:prstGeom>
+          <a:noFill/>
+          <a:extLst>
+            <a:ext uri="{909E8E84-426E-40DD-AFC4-6F175D3DCCD1}">
+              <a14:hiddenFill xmlns:a14="http://schemas.microsoft.com/office/drawing/2010/main">
+                <a:solidFill>
+                  <a:srgbClr val="FFFFFF"/>
+                </a:solidFill>
+              </a14:hiddenFill>
+            </a:ext>
+          </a:extLst>
+        </p:spPr>
+      </p:pic>
+      <p:pic>
+        <p:nvPicPr>
+          <p:cNvPr id="117770" name="Picture 10" descr="C:\Users\hatted\Desktop\OpenVPN\s09.gif"/>
+          <p:cNvPicPr>
+            <a:picLocks noChangeAspect="1" noChangeArrowheads="1"/>
+          </p:cNvPicPr>
+          <p:nvPr/>
+        </p:nvPicPr>
+        <p:blipFill>
+          <a:blip r:embed="rId11">
+            <a:extLst>
+              <a:ext uri="{28A0092B-C50C-407E-A947-70E740481C1C}">
+                <a14:useLocalDpi xmlns:a14="http://schemas.microsoft.com/office/drawing/2010/main" val="0"/>
+              </a:ext>
+            </a:extLst>
+          </a:blip>
+          <a:srcRect/>
+          <a:stretch>
+            <a:fillRect/>
+          </a:stretch>
+        </p:blipFill>
+        <p:spPr bwMode="auto">
+          <a:xfrm>
+            <a:off x="3141128" y="3736018"/>
+            <a:ext cx="2190750" cy="523876"/>
+          </a:xfrm>
+          <a:prstGeom prst="rect">
+            <a:avLst/>
+          </a:prstGeom>
+          <a:noFill/>
+          <a:extLst>
+            <a:ext uri="{909E8E84-426E-40DD-AFC4-6F175D3DCCD1}">
+              <a14:hiddenFill xmlns:a14="http://schemas.microsoft.com/office/drawing/2010/main">
+                <a:solidFill>
+                  <a:srgbClr val="FFFFFF"/>
+                </a:solidFill>
+              </a14:hiddenFill>
+            </a:ext>
+          </a:extLst>
+        </p:spPr>
+      </p:pic>
+      <p:pic>
+        <p:nvPicPr>
+          <p:cNvPr id="117771" name="Picture 11" descr="C:\Users\hatted\Desktop\OpenVPN\s10.gif"/>
+          <p:cNvPicPr>
+            <a:picLocks noChangeAspect="1" noChangeArrowheads="1"/>
+          </p:cNvPicPr>
+          <p:nvPr/>
+        </p:nvPicPr>
+        <p:blipFill>
+          <a:blip r:embed="rId12">
+            <a:extLst>
+              <a:ext uri="{28A0092B-C50C-407E-A947-70E740481C1C}">
+                <a14:useLocalDpi xmlns:a14="http://schemas.microsoft.com/office/drawing/2010/main" val="0"/>
+              </a:ext>
+            </a:extLst>
+          </a:blip>
+          <a:srcRect/>
+          <a:stretch>
+            <a:fillRect/>
+          </a:stretch>
+        </p:blipFill>
+        <p:spPr bwMode="auto">
+          <a:xfrm>
+            <a:off x="5560571" y="3766106"/>
+            <a:ext cx="2190750" cy="523876"/>
+          </a:xfrm>
+          <a:prstGeom prst="rect">
+            <a:avLst/>
+          </a:prstGeom>
+          <a:noFill/>
+          <a:extLst>
+            <a:ext uri="{909E8E84-426E-40DD-AFC4-6F175D3DCCD1}">
+              <a14:hiddenFill xmlns:a14="http://schemas.microsoft.com/office/drawing/2010/main">
+                <a:solidFill>
+                  <a:srgbClr val="FFFFFF"/>
+                </a:solidFill>
+              </a14:hiddenFill>
+            </a:ext>
+          </a:extLst>
+        </p:spPr>
+      </p:pic>
+      <p:pic>
+        <p:nvPicPr>
+          <p:cNvPr id="117772" name="Picture 12" descr="C:\Users\hatted\Desktop\OpenVPN\s11.gif"/>
+          <p:cNvPicPr>
+            <a:picLocks noChangeAspect="1" noChangeArrowheads="1"/>
+          </p:cNvPicPr>
+          <p:nvPr/>
+        </p:nvPicPr>
+        <p:blipFill>
+          <a:blip r:embed="rId13">
+            <a:extLst>
+              <a:ext uri="{28A0092B-C50C-407E-A947-70E740481C1C}">
+                <a14:useLocalDpi xmlns:a14="http://schemas.microsoft.com/office/drawing/2010/main" val="0"/>
+              </a:ext>
+            </a:extLst>
+          </a:blip>
+          <a:srcRect/>
+          <a:stretch>
+            <a:fillRect/>
+          </a:stretch>
+        </p:blipFill>
+        <p:spPr bwMode="auto">
+          <a:xfrm>
+            <a:off x="541834" y="4486186"/>
+            <a:ext cx="2190750" cy="523876"/>
+          </a:xfrm>
+          <a:prstGeom prst="rect">
+            <a:avLst/>
+          </a:prstGeom>
+          <a:noFill/>
+          <a:extLst>
+            <a:ext uri="{909E8E84-426E-40DD-AFC4-6F175D3DCCD1}">
+              <a14:hiddenFill xmlns:a14="http://schemas.microsoft.com/office/drawing/2010/main">
+                <a:solidFill>
+                  <a:srgbClr val="FFFFFF"/>
+                </a:solidFill>
+              </a14:hiddenFill>
+            </a:ext>
+          </a:extLst>
+        </p:spPr>
+      </p:pic>
+      <p:pic>
+        <p:nvPicPr>
+          <p:cNvPr id="117773" name="Picture 13" descr="C:\Users\hatted\Desktop\OpenVPN\s12.gif"/>
+          <p:cNvPicPr>
+            <a:picLocks noChangeAspect="1" noChangeArrowheads="1"/>
+          </p:cNvPicPr>
+          <p:nvPr/>
+        </p:nvPicPr>
+        <p:blipFill>
+          <a:blip r:embed="rId14">
+            <a:extLst>
+              <a:ext uri="{28A0092B-C50C-407E-A947-70E740481C1C}">
+                <a14:useLocalDpi xmlns:a14="http://schemas.microsoft.com/office/drawing/2010/main" val="0"/>
+              </a:ext>
+            </a:extLst>
+          </a:blip>
+          <a:srcRect/>
+          <a:stretch>
+            <a:fillRect/>
+          </a:stretch>
+        </p:blipFill>
+        <p:spPr bwMode="auto">
+          <a:xfrm>
+            <a:off x="3135990" y="4558194"/>
+            <a:ext cx="2190750" cy="523876"/>
+          </a:xfrm>
+          <a:prstGeom prst="rect">
+            <a:avLst/>
+          </a:prstGeom>
+          <a:noFill/>
+          <a:extLst>
+            <a:ext uri="{909E8E84-426E-40DD-AFC4-6F175D3DCCD1}">
+              <a14:hiddenFill xmlns:a14="http://schemas.microsoft.com/office/drawing/2010/main">
+                <a:solidFill>
+                  <a:srgbClr val="FFFFFF"/>
+                </a:solidFill>
+              </a14:hiddenFill>
+            </a:ext>
+          </a:extLst>
+        </p:spPr>
+      </p:pic>
+      <p:pic>
+        <p:nvPicPr>
+          <p:cNvPr id="117774" name="Picture 14" descr="C:\Users\hatted\Desktop\OpenVPN\s13.gif"/>
+          <p:cNvPicPr>
+            <a:picLocks noChangeAspect="1" noChangeArrowheads="1"/>
+          </p:cNvPicPr>
+          <p:nvPr/>
+        </p:nvPicPr>
+        <p:blipFill>
+          <a:blip r:embed="rId15">
+            <a:extLst>
+              <a:ext uri="{28A0092B-C50C-407E-A947-70E740481C1C}">
+                <a14:useLocalDpi xmlns:a14="http://schemas.microsoft.com/office/drawing/2010/main" val="0"/>
+              </a:ext>
+            </a:extLst>
+          </a:blip>
+          <a:srcRect/>
+          <a:stretch>
+            <a:fillRect/>
+          </a:stretch>
+        </p:blipFill>
+        <p:spPr bwMode="auto">
+          <a:xfrm>
+            <a:off x="5612862" y="4558194"/>
+            <a:ext cx="2190750" cy="523876"/>
+          </a:xfrm>
+          <a:prstGeom prst="rect">
+            <a:avLst/>
+          </a:prstGeom>
+          <a:noFill/>
+          <a:extLst>
+            <a:ext uri="{909E8E84-426E-40DD-AFC4-6F175D3DCCD1}">
+              <a14:hiddenFill xmlns:a14="http://schemas.microsoft.com/office/drawing/2010/main">
+                <a:solidFill>
+                  <a:srgbClr val="FFFFFF"/>
+                </a:solidFill>
+              </a14:hiddenFill>
+            </a:ext>
+          </a:extLst>
+        </p:spPr>
+      </p:pic>
+      <p:pic>
+        <p:nvPicPr>
+          <p:cNvPr id="117775" name="Picture 15" descr="C:\Users\hatted\Desktop\OpenVPN\s14.gif"/>
+          <p:cNvPicPr>
+            <a:picLocks noChangeAspect="1" noChangeArrowheads="1"/>
+          </p:cNvPicPr>
+          <p:nvPr/>
+        </p:nvPicPr>
+        <p:blipFill>
+          <a:blip r:embed="rId16">
+            <a:extLst>
+              <a:ext uri="{28A0092B-C50C-407E-A947-70E740481C1C}">
+                <a14:useLocalDpi xmlns:a14="http://schemas.microsoft.com/office/drawing/2010/main" val="0"/>
+              </a:ext>
+            </a:extLst>
+          </a:blip>
+          <a:srcRect/>
+          <a:stretch>
+            <a:fillRect/>
+          </a:stretch>
+        </p:blipFill>
+        <p:spPr bwMode="auto">
+          <a:xfrm>
+            <a:off x="541834" y="5278273"/>
+            <a:ext cx="2190750" cy="523876"/>
+          </a:xfrm>
+          <a:prstGeom prst="rect">
+            <a:avLst/>
+          </a:prstGeom>
+          <a:noFill/>
+          <a:extLst>
+            <a:ext uri="{909E8E84-426E-40DD-AFC4-6F175D3DCCD1}">
+              <a14:hiddenFill xmlns:a14="http://schemas.microsoft.com/office/drawing/2010/main">
+                <a:solidFill>
+                  <a:srgbClr val="FFFFFF"/>
+                </a:solidFill>
+              </a14:hiddenFill>
+            </a:ext>
+          </a:extLst>
+        </p:spPr>
+      </p:pic>
+      <p:pic>
+        <p:nvPicPr>
+          <p:cNvPr id="117776" name="Picture 16" descr="C:\Users\hatted\Desktop\OpenVPN\s15.gif"/>
+          <p:cNvPicPr>
+            <a:picLocks noChangeAspect="1" noChangeArrowheads="1"/>
+          </p:cNvPicPr>
+          <p:nvPr/>
+        </p:nvPicPr>
+        <p:blipFill>
+          <a:blip r:embed="rId17">
+            <a:extLst>
+              <a:ext uri="{28A0092B-C50C-407E-A947-70E740481C1C}">
+                <a14:useLocalDpi xmlns:a14="http://schemas.microsoft.com/office/drawing/2010/main" val="0"/>
+              </a:ext>
+            </a:extLst>
+          </a:blip>
+          <a:srcRect/>
+          <a:stretch>
+            <a:fillRect/>
+          </a:stretch>
+        </p:blipFill>
+        <p:spPr bwMode="auto">
+          <a:xfrm>
+            <a:off x="3101330" y="5278274"/>
+            <a:ext cx="2190750" cy="523876"/>
+          </a:xfrm>
+          <a:prstGeom prst="rect">
+            <a:avLst/>
+          </a:prstGeom>
+          <a:noFill/>
+          <a:extLst>
+            <a:ext uri="{909E8E84-426E-40DD-AFC4-6F175D3DCCD1}">
+              <a14:hiddenFill xmlns:a14="http://schemas.microsoft.com/office/drawing/2010/main">
+                <a:solidFill>
+                  <a:srgbClr val="FFFFFF"/>
+                </a:solidFill>
+              </a14:hiddenFill>
+            </a:ext>
+          </a:extLst>
+        </p:spPr>
+      </p:pic>
+      <p:pic>
+        <p:nvPicPr>
+          <p:cNvPr id="117777" name="Picture 17" descr="C:\Users\hatted\Desktop\OpenVPN\s16.gif"/>
+          <p:cNvPicPr>
+            <a:picLocks noChangeAspect="1" noChangeArrowheads="1"/>
+          </p:cNvPicPr>
+          <p:nvPr/>
+        </p:nvPicPr>
+        <p:blipFill>
+          <a:blip r:embed="rId18">
+            <a:extLst>
+              <a:ext uri="{28A0092B-C50C-407E-A947-70E740481C1C}">
+                <a14:useLocalDpi xmlns:a14="http://schemas.microsoft.com/office/drawing/2010/main" val="0"/>
+              </a:ext>
+            </a:extLst>
+          </a:blip>
+          <a:srcRect/>
+          <a:stretch>
+            <a:fillRect/>
+          </a:stretch>
+        </p:blipFill>
+        <p:spPr bwMode="auto">
+          <a:xfrm>
+            <a:off x="5621610" y="5278274"/>
+            <a:ext cx="2190750" cy="523876"/>
+          </a:xfrm>
+          <a:prstGeom prst="rect">
+            <a:avLst/>
+          </a:prstGeom>
+          <a:noFill/>
+          <a:extLst>
+            <a:ext uri="{909E8E84-426E-40DD-AFC4-6F175D3DCCD1}">
+              <a14:hiddenFill xmlns:a14="http://schemas.microsoft.com/office/drawing/2010/main">
+                <a:solidFill>
+                  <a:srgbClr val="FFFFFF"/>
+                </a:solidFill>
+              </a14:hiddenFill>
+            </a:ext>
+          </a:extLst>
+        </p:spPr>
+      </p:pic>
+      <p:pic>
+        <p:nvPicPr>
+          <p:cNvPr id="117778" name="Picture 18" descr="C:\Users\hatted\Desktop\OpenVPN\s17.gif"/>
+          <p:cNvPicPr>
+            <a:picLocks noChangeAspect="1" noChangeArrowheads="1"/>
+          </p:cNvPicPr>
+          <p:nvPr/>
+        </p:nvPicPr>
+        <p:blipFill>
+          <a:blip r:embed="rId19">
+            <a:extLst>
+              <a:ext uri="{28A0092B-C50C-407E-A947-70E740481C1C}">
+                <a14:useLocalDpi xmlns:a14="http://schemas.microsoft.com/office/drawing/2010/main" val="0"/>
+              </a:ext>
+            </a:extLst>
+          </a:blip>
+          <a:srcRect/>
+          <a:stretch>
+            <a:fillRect/>
+          </a:stretch>
+        </p:blipFill>
+        <p:spPr bwMode="auto">
+          <a:xfrm>
+            <a:off x="509042" y="6040141"/>
+            <a:ext cx="2190750" cy="523876"/>
+          </a:xfrm>
+          <a:prstGeom prst="rect">
+            <a:avLst/>
+          </a:prstGeom>
+          <a:noFill/>
+          <a:extLst>
+            <a:ext uri="{909E8E84-426E-40DD-AFC4-6F175D3DCCD1}">
+              <a14:hiddenFill xmlns:a14="http://schemas.microsoft.com/office/drawing/2010/main">
+                <a:solidFill>
+                  <a:srgbClr val="FFFFFF"/>
+                </a:solidFill>
+              </a14:hiddenFill>
+            </a:ext>
+          </a:extLst>
+        </p:spPr>
+      </p:pic>
+      <p:pic>
+        <p:nvPicPr>
+          <p:cNvPr id="117779" name="Picture 19" descr="C:\Users\hatted\Desktop\OpenVPN\s18.gif"/>
+          <p:cNvPicPr>
+            <a:picLocks noChangeAspect="1" noChangeArrowheads="1"/>
+          </p:cNvPicPr>
+          <p:nvPr/>
+        </p:nvPicPr>
+        <p:blipFill>
+          <a:blip r:embed="rId20">
+            <a:extLst>
+              <a:ext uri="{28A0092B-C50C-407E-A947-70E740481C1C}">
+                <a14:useLocalDpi xmlns:a14="http://schemas.microsoft.com/office/drawing/2010/main" val="0"/>
+              </a:ext>
+            </a:extLst>
+          </a:blip>
+          <a:srcRect/>
+          <a:stretch>
+            <a:fillRect/>
+          </a:stretch>
+        </p:blipFill>
+        <p:spPr bwMode="auto">
+          <a:xfrm>
+            <a:off x="3101330" y="6040142"/>
+            <a:ext cx="2190750" cy="523876"/>
+          </a:xfrm>
+          <a:prstGeom prst="rect">
+            <a:avLst/>
+          </a:prstGeom>
+          <a:noFill/>
+          <a:extLst>
+            <a:ext uri="{909E8E84-426E-40DD-AFC4-6F175D3DCCD1}">
+              <a14:hiddenFill xmlns:a14="http://schemas.microsoft.com/office/drawing/2010/main">
+                <a:solidFill>
+                  <a:srgbClr val="FFFFFF"/>
+                </a:solidFill>
+              </a14:hiddenFill>
+            </a:ext>
+          </a:extLst>
+        </p:spPr>
+      </p:pic>
+      <p:pic>
+        <p:nvPicPr>
+          <p:cNvPr id="117780" name="Picture 20" descr="C:\Users\hatted\Desktop\OpenVPN\s19.gif"/>
+          <p:cNvPicPr>
+            <a:picLocks noChangeAspect="1" noChangeArrowheads="1"/>
+          </p:cNvPicPr>
+          <p:nvPr/>
+        </p:nvPicPr>
+        <p:blipFill>
+          <a:blip r:embed="rId21">
+            <a:extLst>
+              <a:ext uri="{28A0092B-C50C-407E-A947-70E740481C1C}">
+                <a14:useLocalDpi xmlns:a14="http://schemas.microsoft.com/office/drawing/2010/main" val="0"/>
+              </a:ext>
+            </a:extLst>
+          </a:blip>
+          <a:srcRect/>
+          <a:stretch>
+            <a:fillRect/>
+          </a:stretch>
+        </p:blipFill>
+        <p:spPr bwMode="auto">
+          <a:xfrm>
+            <a:off x="5693618" y="6070362"/>
+            <a:ext cx="2190750" cy="523876"/>
+          </a:xfrm>
+          <a:prstGeom prst="rect">
+            <a:avLst/>
+          </a:prstGeom>
+          <a:noFill/>
+          <a:extLst>
+            <a:ext uri="{909E8E84-426E-40DD-AFC4-6F175D3DCCD1}">
+              <a14:hiddenFill xmlns:a14="http://schemas.microsoft.com/office/drawing/2010/main">
+                <a:solidFill>
+                  <a:srgbClr val="FFFFFF"/>
+                </a:solidFill>
+              </a14:hiddenFill>
+            </a:ext>
+          </a:extLst>
+        </p:spPr>
+      </p:pic>
     </p:spTree>
+    <p:extLst>
+      <p:ext uri="{BB962C8B-B14F-4D97-AF65-F5344CB8AC3E}">
+        <p14:creationId xmlns:p14="http://schemas.microsoft.com/office/powerpoint/2010/main" val="1550935308"/>
+      </p:ext>
+    </p:extLst>
   </p:cSld>
   <p:clrMapOvr>
     <a:masterClrMapping/>
@@ -18222,7 +18490,7 @@
       </p:grpSpPr>
       <p:sp>
         <p:nvSpPr>
-          <p:cNvPr id="131074" name="Rectangle 2"/>
+          <p:cNvPr id="119810" name="Rectangle 2"/>
           <p:cNvSpPr>
             <a:spLocks noGrp="1" noChangeArrowheads="1"/>
           </p:cNvSpPr>
@@ -18237,15 +18505,14 @@
           <a:p>
             <a:r>
               <a:rPr lang="en-US" altLang="zh-TW" smtClean="0"/>
-              <a:t>Why do we use PHP</a:t>
-            </a:r>
-            <a:endParaRPr lang="en-US" altLang="zh-TW" dirty="0" smtClean="0"/>
-          </a:p>
-        </p:txBody>
-      </p:sp>
-      <p:sp>
-        <p:nvSpPr>
-          <p:cNvPr id="25603" name="Rectangle 3"/>
+              <a:t>Platform</a:t>
+            </a:r>
+          </a:p>
+        </p:txBody>
+      </p:sp>
+      <p:sp>
+        <p:nvSpPr>
+          <p:cNvPr id="23555" name="Rectangle 3"/>
           <p:cNvSpPr>
             <a:spLocks noGrp="1" noChangeArrowheads="1"/>
           </p:cNvSpPr>
@@ -18260,19 +18527,30 @@
           <a:p>
             <a:r>
               <a:rPr lang="en-US" altLang="zh-TW" dirty="0" smtClean="0"/>
-              <a:t>Similar to html</a:t>
+              <a:t>Compatible for Linux, Mac OS X and Windows</a:t>
             </a:r>
           </a:p>
           <a:p>
             <a:r>
               <a:rPr lang="en-US" altLang="zh-TW" dirty="0" smtClean="0"/>
-              <a:t>Script – no need to compile</a:t>
+              <a:t>Android</a:t>
             </a:r>
           </a:p>
           <a:p>
             <a:r>
               <a:rPr lang="en-US" altLang="zh-TW" dirty="0" smtClean="0"/>
-              <a:t>Using programming syntax</a:t>
+              <a:t>Best work with Apache, </a:t>
+            </a:r>
+            <a:r>
+              <a:rPr lang="en-US" altLang="zh-TW" dirty="0" err="1" smtClean="0"/>
+              <a:t>Ngnix</a:t>
+            </a:r>
+            <a:endParaRPr lang="en-US" altLang="zh-TW" dirty="0" smtClean="0"/>
+          </a:p>
+          <a:p>
+            <a:r>
+              <a:rPr lang="en-US" altLang="zh-TW" dirty="0" smtClean="0"/>
+              <a:t>Also work on IIS</a:t>
             </a:r>
           </a:p>
         </p:txBody>
@@ -18323,7 +18601,7 @@
       </p:grpSpPr>
       <p:sp>
         <p:nvSpPr>
-          <p:cNvPr id="120834" name="Rectangle 2"/>
+          <p:cNvPr id="130050" name="Rectangle 2"/>
           <p:cNvSpPr>
             <a:spLocks noGrp="1" noChangeArrowheads="1"/>
           </p:cNvSpPr>
@@ -18338,14 +18616,15 @@
           <a:p>
             <a:r>
               <a:rPr lang="en-US" altLang="zh-TW" smtClean="0"/>
-              <a:t>Strengths</a:t>
-            </a:r>
-          </a:p>
-        </p:txBody>
-      </p:sp>
-      <p:sp>
-        <p:nvSpPr>
-          <p:cNvPr id="26627" name="Rectangle 3"/>
+              <a:t>Using PHP for</a:t>
+            </a:r>
+            <a:endParaRPr lang="en-US" altLang="zh-TW" dirty="0" smtClean="0"/>
+          </a:p>
+        </p:txBody>
+      </p:sp>
+      <p:sp>
+        <p:nvSpPr>
+          <p:cNvPr id="24579" name="Rectangle 3"/>
           <p:cNvSpPr>
             <a:spLocks noGrp="1" noChangeArrowheads="1"/>
           </p:cNvSpPr>
@@ -18362,43 +18641,43 @@
           <a:p>
             <a:r>
               <a:rPr lang="en-US" altLang="zh-TW" dirty="0" smtClean="0"/>
-              <a:t>High performance</a:t>
+              <a:t>User authentication and personalization</a:t>
             </a:r>
           </a:p>
           <a:p>
             <a:r>
               <a:rPr lang="en-US" altLang="zh-TW" dirty="0" smtClean="0"/>
-              <a:t>Interfaces to many different database systems</a:t>
+              <a:t>Shopping carts</a:t>
             </a:r>
           </a:p>
           <a:p>
             <a:r>
               <a:rPr lang="en-US" altLang="zh-TW" dirty="0" smtClean="0"/>
-              <a:t>Built-in libraries for many common web tasks</a:t>
+              <a:t>Content management systems</a:t>
             </a:r>
           </a:p>
           <a:p>
             <a:r>
               <a:rPr lang="en-US" altLang="zh-TW" dirty="0" smtClean="0"/>
-              <a:t>Many free out-of-the-box system ready to use</a:t>
+              <a:t>Web-based email</a:t>
             </a:r>
           </a:p>
           <a:p>
             <a:r>
               <a:rPr lang="en-US" altLang="zh-TW" dirty="0" smtClean="0"/>
-              <a:t>Low cost</a:t>
+              <a:t>Mailing list managers</a:t>
             </a:r>
           </a:p>
           <a:p>
             <a:r>
               <a:rPr lang="en-US" altLang="zh-TW" dirty="0" smtClean="0"/>
-              <a:t>Ease of learning and use</a:t>
+              <a:t>Web forums</a:t>
             </a:r>
           </a:p>
           <a:p>
             <a:r>
               <a:rPr lang="en-US" altLang="zh-TW" dirty="0" smtClean="0"/>
-              <a:t>Portability</a:t>
+              <a:t>Document generation</a:t>
             </a:r>
           </a:p>
         </p:txBody>
@@ -18449,7 +18728,7 @@
       </p:grpSpPr>
       <p:sp>
         <p:nvSpPr>
-          <p:cNvPr id="161794" name="Rectangle 2"/>
+          <p:cNvPr id="131074" name="Rectangle 2"/>
           <p:cNvSpPr>
             <a:spLocks noGrp="1" noChangeArrowheads="1"/>
           </p:cNvSpPr>
@@ -18464,14 +18743,15 @@
           <a:p>
             <a:r>
               <a:rPr lang="en-US" altLang="zh-TW" smtClean="0"/>
-              <a:t>Overview</a:t>
-            </a:r>
-          </a:p>
-        </p:txBody>
-      </p:sp>
-      <p:sp>
-        <p:nvSpPr>
-          <p:cNvPr id="27651" name="Rectangle 3"/>
+              <a:t>Why do we use PHP</a:t>
+            </a:r>
+            <a:endParaRPr lang="en-US" altLang="zh-TW" dirty="0" smtClean="0"/>
+          </a:p>
+        </p:txBody>
+      </p:sp>
+      <p:sp>
+        <p:nvSpPr>
+          <p:cNvPr id="25603" name="Rectangle 3"/>
           <p:cNvSpPr>
             <a:spLocks noGrp="1" noChangeArrowheads="1"/>
           </p:cNvSpPr>
@@ -18481,58 +18761,24 @@
         </p:nvSpPr>
         <p:spPr/>
         <p:txBody>
-          <a:bodyPr>
-            <a:normAutofit lnSpcReduction="10000"/>
-          </a:bodyPr>
+          <a:bodyPr/>
           <a:lstStyle/>
           <a:p>
             <a:r>
               <a:rPr lang="en-US" altLang="zh-TW" dirty="0" smtClean="0"/>
-              <a:t>How to upload</a:t>
-            </a:r>
-          </a:p>
-          <a:p>
-            <a:r>
-              <a:rPr lang="en-US" altLang="zh-TW" dirty="0" err="1"/>
-              <a:t>p</a:t>
-            </a:r>
-            <a:r>
-              <a:rPr lang="en-US" altLang="zh-TW" dirty="0" err="1" smtClean="0"/>
-              <a:t>hpinfo</a:t>
-            </a:r>
+              <a:t>Similar to html</a:t>
+            </a:r>
+          </a:p>
+          <a:p>
             <a:r>
               <a:rPr lang="en-US" altLang="zh-TW" dirty="0" smtClean="0"/>
-              <a:t>();</a:t>
+              <a:t>Script – no need to compile</a:t>
             </a:r>
           </a:p>
           <a:p>
             <a:r>
               <a:rPr lang="en-US" altLang="zh-TW" dirty="0" smtClean="0"/>
-              <a:t>echo</a:t>
-            </a:r>
-          </a:p>
-          <a:p>
-            <a:r>
-              <a:rPr lang="en-US" altLang="zh-TW" dirty="0" smtClean="0"/>
-              <a:t>Function</a:t>
-            </a:r>
-          </a:p>
-          <a:p>
-            <a:r>
-              <a:rPr lang="en-US" altLang="zh-TW" dirty="0" smtClean="0"/>
-              <a:t>Variables</a:t>
-            </a:r>
-          </a:p>
-          <a:p>
-            <a:r>
-              <a:rPr lang="en-US" altLang="zh-TW" dirty="0" smtClean="0"/>
-              <a:t>Operands</a:t>
-            </a:r>
-          </a:p>
-          <a:p>
-            <a:r>
-              <a:rPr lang="en-US" altLang="zh-TW" dirty="0" smtClean="0"/>
-              <a:t>pre- &amp; post-increment</a:t>
+              <a:t>Using programming syntax</a:t>
             </a:r>
           </a:p>
         </p:txBody>
@@ -18583,9 +18829,9 @@
       </p:grpSpPr>
       <p:sp>
         <p:nvSpPr>
-          <p:cNvPr id="2" name="標題 1"/>
-          <p:cNvSpPr>
-            <a:spLocks noGrp="1"/>
+          <p:cNvPr id="120834" name="Rectangle 2"/>
+          <p:cNvSpPr>
+            <a:spLocks noGrp="1" noChangeArrowheads="1"/>
           </p:cNvSpPr>
           <p:nvPr>
             <p:ph type="title"/>
@@ -18598,17 +18844,16 @@
           <a:p>
             <a:r>
               <a:rPr lang="en-US" altLang="zh-TW" smtClean="0"/>
-              <a:t>First html</a:t>
-            </a:r>
-            <a:endParaRPr lang="zh-TW" altLang="en-US" smtClean="0"/>
-          </a:p>
-        </p:txBody>
-      </p:sp>
-      <p:sp>
-        <p:nvSpPr>
-          <p:cNvPr id="28675" name="內容版面配置區 2"/>
-          <p:cNvSpPr>
-            <a:spLocks noGrp="1"/>
+              <a:t>Strengths</a:t>
+            </a:r>
+          </a:p>
+        </p:txBody>
+      </p:sp>
+      <p:sp>
+        <p:nvSpPr>
+          <p:cNvPr id="26627" name="Rectangle 3"/>
+          <p:cNvSpPr>
+            <a:spLocks noGrp="1" noChangeArrowheads="1"/>
           </p:cNvSpPr>
           <p:nvPr>
             <p:ph idx="1"/>
@@ -18616,41 +18861,50 @@
         </p:nvSpPr>
         <p:spPr/>
         <p:txBody>
-          <a:bodyPr/>
+          <a:bodyPr>
+            <a:normAutofit lnSpcReduction="10000"/>
+          </a:bodyPr>
           <a:lstStyle/>
           <a:p>
             <a:r>
               <a:rPr lang="en-US" altLang="zh-TW" dirty="0" smtClean="0"/>
-              <a:t>Open Dreamweaver -&gt; New Document -&gt; HTML</a:t>
+              <a:t>High performance</a:t>
             </a:r>
           </a:p>
           <a:p>
             <a:r>
               <a:rPr lang="en-US" altLang="zh-TW" dirty="0" smtClean="0"/>
-              <a:t>Type your name</a:t>
-            </a:r>
-          </a:p>
-          <a:p>
-            <a:r>
-              <a:rPr lang="en-US" altLang="zh-TW" dirty="0"/>
-              <a:t>Save it to C:\</a:t>
-            </a:r>
+              <a:t>Interfaces to many different database systems</a:t>
+            </a:r>
+          </a:p>
+          <a:p>
             <a:r>
               <a:rPr lang="en-US" altLang="zh-TW" dirty="0" smtClean="0"/>
-              <a:t>AppServ\www</a:t>
+              <a:t>Built-in libraries for many common web tasks</a:t>
             </a:r>
           </a:p>
           <a:p>
             <a:r>
               <a:rPr lang="en-US" altLang="zh-TW" dirty="0" smtClean="0"/>
-              <a:t>Save as index.html</a:t>
-            </a:r>
-            <a:endParaRPr lang="en-US" altLang="zh-TW" dirty="0"/>
+              <a:t>Many free out-of-the-box system ready to use</a:t>
+            </a:r>
           </a:p>
           <a:p>
             <a:r>
               <a:rPr lang="en-US" altLang="zh-TW" dirty="0" smtClean="0"/>
-              <a:t>http://localhost:8080/index.html</a:t>
+              <a:t>Low cost</a:t>
+            </a:r>
+          </a:p>
+          <a:p>
+            <a:r>
+              <a:rPr lang="en-US" altLang="zh-TW" dirty="0" smtClean="0"/>
+              <a:t>Ease of learning and use</a:t>
+            </a:r>
+          </a:p>
+          <a:p>
+            <a:r>
+              <a:rPr lang="en-US" altLang="zh-TW" dirty="0" smtClean="0"/>
+              <a:t>Portability</a:t>
             </a:r>
           </a:p>
         </p:txBody>
@@ -18810,6 +19064,258 @@
 </file>
 
 <file path=ppt/slides/slide20.xml><?xml version="1.0" encoding="utf-8"?>
+<p:sld xmlns:a="http://schemas.openxmlformats.org/drawingml/2006/main" xmlns:r="http://schemas.openxmlformats.org/officeDocument/2006/relationships" xmlns:p="http://schemas.openxmlformats.org/presentationml/2006/main">
+  <p:cSld>
+    <p:spTree>
+      <p:nvGrpSpPr>
+        <p:cNvPr id="1" name=""/>
+        <p:cNvGrpSpPr/>
+        <p:nvPr/>
+      </p:nvGrpSpPr>
+      <p:grpSpPr>
+        <a:xfrm>
+          <a:off x="0" y="0"/>
+          <a:ext cx="0" cy="0"/>
+          <a:chOff x="0" y="0"/>
+          <a:chExt cx="0" cy="0"/>
+        </a:xfrm>
+      </p:grpSpPr>
+      <p:sp>
+        <p:nvSpPr>
+          <p:cNvPr id="161794" name="Rectangle 2"/>
+          <p:cNvSpPr>
+            <a:spLocks noGrp="1" noChangeArrowheads="1"/>
+          </p:cNvSpPr>
+          <p:nvPr>
+            <p:ph type="title"/>
+          </p:nvPr>
+        </p:nvSpPr>
+        <p:spPr/>
+        <p:txBody>
+          <a:bodyPr/>
+          <a:lstStyle/>
+          <a:p>
+            <a:r>
+              <a:rPr lang="en-US" altLang="zh-TW" smtClean="0"/>
+              <a:t>Overview</a:t>
+            </a:r>
+          </a:p>
+        </p:txBody>
+      </p:sp>
+      <p:sp>
+        <p:nvSpPr>
+          <p:cNvPr id="27651" name="Rectangle 3"/>
+          <p:cNvSpPr>
+            <a:spLocks noGrp="1" noChangeArrowheads="1"/>
+          </p:cNvSpPr>
+          <p:nvPr>
+            <p:ph idx="1"/>
+          </p:nvPr>
+        </p:nvSpPr>
+        <p:spPr/>
+        <p:txBody>
+          <a:bodyPr>
+            <a:normAutofit lnSpcReduction="10000"/>
+          </a:bodyPr>
+          <a:lstStyle/>
+          <a:p>
+            <a:r>
+              <a:rPr lang="en-US" altLang="zh-TW" dirty="0" smtClean="0"/>
+              <a:t>How to upload</a:t>
+            </a:r>
+          </a:p>
+          <a:p>
+            <a:r>
+              <a:rPr lang="en-US" altLang="zh-TW" dirty="0" err="1"/>
+              <a:t>p</a:t>
+            </a:r>
+            <a:r>
+              <a:rPr lang="en-US" altLang="zh-TW" dirty="0" err="1" smtClean="0"/>
+              <a:t>hpinfo</a:t>
+            </a:r>
+            <a:r>
+              <a:rPr lang="en-US" altLang="zh-TW" dirty="0" smtClean="0"/>
+              <a:t>();</a:t>
+            </a:r>
+          </a:p>
+          <a:p>
+            <a:r>
+              <a:rPr lang="en-US" altLang="zh-TW" dirty="0" smtClean="0"/>
+              <a:t>echo</a:t>
+            </a:r>
+          </a:p>
+          <a:p>
+            <a:r>
+              <a:rPr lang="en-US" altLang="zh-TW" dirty="0" smtClean="0"/>
+              <a:t>Function</a:t>
+            </a:r>
+          </a:p>
+          <a:p>
+            <a:r>
+              <a:rPr lang="en-US" altLang="zh-TW" dirty="0" smtClean="0"/>
+              <a:t>Variables</a:t>
+            </a:r>
+          </a:p>
+          <a:p>
+            <a:r>
+              <a:rPr lang="en-US" altLang="zh-TW" dirty="0" smtClean="0"/>
+              <a:t>Operands</a:t>
+            </a:r>
+          </a:p>
+          <a:p>
+            <a:r>
+              <a:rPr lang="en-US" altLang="zh-TW" dirty="0" smtClean="0"/>
+              <a:t>pre- &amp; post-increment</a:t>
+            </a:r>
+          </a:p>
+        </p:txBody>
+      </p:sp>
+    </p:spTree>
+  </p:cSld>
+  <p:clrMapOvr>
+    <a:masterClrMapping/>
+  </p:clrMapOvr>
+  <mc:AlternateContent xmlns:mc="http://schemas.openxmlformats.org/markup-compatibility/2006" xmlns:p14="http://schemas.microsoft.com/office/powerpoint/2010/main">
+    <mc:Choice Requires="p14">
+      <p:transition spd="slow" p14:dur="3900">
+        <p14:glitter pattern="hexagon"/>
+      </p:transition>
+    </mc:Choice>
+    <mc:Fallback xmlns="">
+      <p:transition spd="slow">
+        <p:fade/>
+      </p:transition>
+    </mc:Fallback>
+  </mc:AlternateContent>
+  <p:timing>
+    <p:tnLst>
+      <p:par>
+        <p:cTn id="1" dur="indefinite" restart="never" nodeType="tmRoot"/>
+      </p:par>
+    </p:tnLst>
+  </p:timing>
+</p:sld>
+</file>
+
+<file path=ppt/slides/slide21.xml><?xml version="1.0" encoding="utf-8"?>
+<p:sld xmlns:a="http://schemas.openxmlformats.org/drawingml/2006/main" xmlns:r="http://schemas.openxmlformats.org/officeDocument/2006/relationships" xmlns:p="http://schemas.openxmlformats.org/presentationml/2006/main">
+  <p:cSld>
+    <p:spTree>
+      <p:nvGrpSpPr>
+        <p:cNvPr id="1" name=""/>
+        <p:cNvGrpSpPr/>
+        <p:nvPr/>
+      </p:nvGrpSpPr>
+      <p:grpSpPr>
+        <a:xfrm>
+          <a:off x="0" y="0"/>
+          <a:ext cx="0" cy="0"/>
+          <a:chOff x="0" y="0"/>
+          <a:chExt cx="0" cy="0"/>
+        </a:xfrm>
+      </p:grpSpPr>
+      <p:sp>
+        <p:nvSpPr>
+          <p:cNvPr id="2" name="標題 1"/>
+          <p:cNvSpPr>
+            <a:spLocks noGrp="1"/>
+          </p:cNvSpPr>
+          <p:nvPr>
+            <p:ph type="title"/>
+          </p:nvPr>
+        </p:nvSpPr>
+        <p:spPr/>
+        <p:txBody>
+          <a:bodyPr/>
+          <a:lstStyle/>
+          <a:p>
+            <a:r>
+              <a:rPr lang="en-US" altLang="zh-TW" smtClean="0"/>
+              <a:t>First html</a:t>
+            </a:r>
+            <a:endParaRPr lang="zh-TW" altLang="en-US" smtClean="0"/>
+          </a:p>
+        </p:txBody>
+      </p:sp>
+      <p:sp>
+        <p:nvSpPr>
+          <p:cNvPr id="28675" name="內容版面配置區 2"/>
+          <p:cNvSpPr>
+            <a:spLocks noGrp="1"/>
+          </p:cNvSpPr>
+          <p:nvPr>
+            <p:ph idx="1"/>
+          </p:nvPr>
+        </p:nvSpPr>
+        <p:spPr/>
+        <p:txBody>
+          <a:bodyPr/>
+          <a:lstStyle/>
+          <a:p>
+            <a:r>
+              <a:rPr lang="en-US" altLang="zh-TW" dirty="0" smtClean="0"/>
+              <a:t>Open Dreamweaver -&gt; New Document -&gt; HTML</a:t>
+            </a:r>
+          </a:p>
+          <a:p>
+            <a:r>
+              <a:rPr lang="en-US" altLang="zh-TW" dirty="0" smtClean="0"/>
+              <a:t>Type your name</a:t>
+            </a:r>
+          </a:p>
+          <a:p>
+            <a:r>
+              <a:rPr lang="en-US" altLang="zh-TW" dirty="0"/>
+              <a:t>Save it to C:\</a:t>
+            </a:r>
+            <a:r>
+              <a:rPr lang="en-US" altLang="zh-TW" dirty="0" smtClean="0"/>
+              <a:t>AppServ\www</a:t>
+            </a:r>
+          </a:p>
+          <a:p>
+            <a:r>
+              <a:rPr lang="en-US" altLang="zh-TW" dirty="0" smtClean="0"/>
+              <a:t>Save as index.html</a:t>
+            </a:r>
+            <a:endParaRPr lang="en-US" altLang="zh-TW" dirty="0"/>
+          </a:p>
+          <a:p>
+            <a:r>
+              <a:rPr lang="en-US" altLang="zh-TW" dirty="0" smtClean="0"/>
+              <a:t>http://localhost:8080/index.html</a:t>
+            </a:r>
+          </a:p>
+        </p:txBody>
+      </p:sp>
+    </p:spTree>
+  </p:cSld>
+  <p:clrMapOvr>
+    <a:masterClrMapping/>
+  </p:clrMapOvr>
+  <mc:AlternateContent xmlns:mc="http://schemas.openxmlformats.org/markup-compatibility/2006" xmlns:p14="http://schemas.microsoft.com/office/powerpoint/2010/main">
+    <mc:Choice Requires="p14">
+      <p:transition spd="slow" p14:dur="3900">
+        <p14:glitter pattern="hexagon"/>
+      </p:transition>
+    </mc:Choice>
+    <mc:Fallback xmlns="">
+      <p:transition spd="slow">
+        <p:fade/>
+      </p:transition>
+    </mc:Fallback>
+  </mc:AlternateContent>
+  <p:timing>
+    <p:tnLst>
+      <p:par>
+        <p:cTn id="1" dur="indefinite" restart="never" nodeType="tmRoot"/>
+      </p:par>
+    </p:tnLst>
+  </p:timing>
+</p:sld>
+</file>
+
+<file path=ppt/slides/slide22.xml><?xml version="1.0" encoding="utf-8"?>
 <p:sld xmlns:a="http://schemas.openxmlformats.org/drawingml/2006/main" xmlns:r="http://schemas.openxmlformats.org/officeDocument/2006/relationships" xmlns:p="http://schemas.openxmlformats.org/presentationml/2006/main">
   <p:cSld>
     <p:spTree>
@@ -19038,231 +19544,6 @@
 </p:sld>
 </file>
 
-<file path=ppt/slides/slide21.xml><?xml version="1.0" encoding="utf-8"?>
-<p:sld xmlns:a="http://schemas.openxmlformats.org/drawingml/2006/main" xmlns:r="http://schemas.openxmlformats.org/officeDocument/2006/relationships" xmlns:p="http://schemas.openxmlformats.org/presentationml/2006/main">
-  <p:cSld>
-    <p:spTree>
-      <p:nvGrpSpPr>
-        <p:cNvPr id="1" name=""/>
-        <p:cNvGrpSpPr/>
-        <p:nvPr/>
-      </p:nvGrpSpPr>
-      <p:grpSpPr>
-        <a:xfrm>
-          <a:off x="0" y="0"/>
-          <a:ext cx="0" cy="0"/>
-          <a:chOff x="0" y="0"/>
-          <a:chExt cx="0" cy="0"/>
-        </a:xfrm>
-      </p:grpSpPr>
-      <p:sp>
-        <p:nvSpPr>
-          <p:cNvPr id="132098" name="Rectangle 2"/>
-          <p:cNvSpPr>
-            <a:spLocks noGrp="1" noChangeArrowheads="1"/>
-          </p:cNvSpPr>
-          <p:nvPr>
-            <p:ph type="title"/>
-          </p:nvPr>
-        </p:nvSpPr>
-        <p:spPr/>
-        <p:txBody>
-          <a:bodyPr/>
-          <a:lstStyle/>
-          <a:p>
-            <a:r>
-              <a:rPr lang="en-US" altLang="zh-TW" smtClean="0"/>
-              <a:t>First PHP page</a:t>
-            </a:r>
-            <a:endParaRPr lang="en-US" altLang="zh-TW" dirty="0" smtClean="0"/>
-          </a:p>
-        </p:txBody>
-      </p:sp>
-      <p:sp>
-        <p:nvSpPr>
-          <p:cNvPr id="31747" name="Rectangle 3"/>
-          <p:cNvSpPr>
-            <a:spLocks noGrp="1" noChangeArrowheads="1"/>
-          </p:cNvSpPr>
-          <p:nvPr>
-            <p:ph idx="1"/>
-          </p:nvPr>
-        </p:nvSpPr>
-        <p:spPr/>
-        <p:txBody>
-          <a:bodyPr/>
-          <a:lstStyle/>
-          <a:p>
-            <a:r>
-              <a:rPr lang="en-US" altLang="zh-TW" smtClean="0"/>
-              <a:t>Dreamweaver -&gt; File -&gt; new -&gt; Dynamic page -&gt; PHP</a:t>
-            </a:r>
-          </a:p>
-          <a:p>
-            <a:r>
-              <a:rPr lang="en-US" altLang="zh-TW" smtClean="0"/>
-              <a:t>&lt;?php</a:t>
-            </a:r>
-          </a:p>
-          <a:p>
-            <a:r>
-              <a:rPr lang="en-US" altLang="zh-TW" smtClean="0"/>
-              <a:t>phpinfo();</a:t>
-            </a:r>
-          </a:p>
-          <a:p>
-            <a:r>
-              <a:rPr lang="en-US" altLang="zh-TW" smtClean="0"/>
-              <a:t>?&gt;</a:t>
-            </a:r>
-          </a:p>
-          <a:p>
-            <a:endParaRPr lang="en-US" altLang="zh-TW" smtClean="0"/>
-          </a:p>
-          <a:p>
-            <a:r>
-              <a:rPr lang="en-US" altLang="zh-TW" smtClean="0"/>
-              <a:t>phpinfo.php</a:t>
-            </a:r>
-          </a:p>
-        </p:txBody>
-      </p:sp>
-    </p:spTree>
-  </p:cSld>
-  <p:clrMapOvr>
-    <a:masterClrMapping/>
-  </p:clrMapOvr>
-  <mc:AlternateContent xmlns:mc="http://schemas.openxmlformats.org/markup-compatibility/2006" xmlns:p14="http://schemas.microsoft.com/office/powerpoint/2010/main">
-    <mc:Choice Requires="p14">
-      <p:transition spd="slow" p14:dur="3900">
-        <p14:glitter pattern="hexagon"/>
-      </p:transition>
-    </mc:Choice>
-    <mc:Fallback xmlns="">
-      <p:transition spd="slow">
-        <p:fade/>
-      </p:transition>
-    </mc:Fallback>
-  </mc:AlternateContent>
-  <p:timing>
-    <p:tnLst>
-      <p:par>
-        <p:cTn id="1" dur="indefinite" restart="never" nodeType="tmRoot"/>
-      </p:par>
-    </p:tnLst>
-  </p:timing>
-</p:sld>
-</file>
-
-<file path=ppt/slides/slide22.xml><?xml version="1.0" encoding="utf-8"?>
-<p:sld xmlns:a="http://schemas.openxmlformats.org/drawingml/2006/main" xmlns:r="http://schemas.openxmlformats.org/officeDocument/2006/relationships" xmlns:p="http://schemas.openxmlformats.org/presentationml/2006/main">
-  <p:cSld>
-    <p:spTree>
-      <p:nvGrpSpPr>
-        <p:cNvPr id="1" name=""/>
-        <p:cNvGrpSpPr/>
-        <p:nvPr/>
-      </p:nvGrpSpPr>
-      <p:grpSpPr>
-        <a:xfrm>
-          <a:off x="0" y="0"/>
-          <a:ext cx="0" cy="0"/>
-          <a:chOff x="0" y="0"/>
-          <a:chExt cx="0" cy="0"/>
-        </a:xfrm>
-      </p:grpSpPr>
-      <p:sp>
-        <p:nvSpPr>
-          <p:cNvPr id="133122" name="Rectangle 2"/>
-          <p:cNvSpPr>
-            <a:spLocks noGrp="1" noChangeArrowheads="1"/>
-          </p:cNvSpPr>
-          <p:nvPr>
-            <p:ph type="title"/>
-          </p:nvPr>
-        </p:nvSpPr>
-        <p:spPr/>
-        <p:txBody>
-          <a:bodyPr/>
-          <a:lstStyle/>
-          <a:p>
-            <a:r>
-              <a:rPr lang="en-US" altLang="zh-TW" dirty="0" err="1"/>
-              <a:t>p</a:t>
-            </a:r>
-            <a:r>
-              <a:rPr lang="en-US" altLang="zh-TW" dirty="0" err="1" smtClean="0"/>
-              <a:t>hpinfo</a:t>
-            </a:r>
-            <a:r>
-              <a:rPr lang="en-US" altLang="zh-TW" dirty="0" smtClean="0"/>
-              <a:t>();</a:t>
-            </a:r>
-          </a:p>
-        </p:txBody>
-      </p:sp>
-      <p:sp>
-        <p:nvSpPr>
-          <p:cNvPr id="32771" name="Rectangle 3"/>
-          <p:cNvSpPr>
-            <a:spLocks noGrp="1" noChangeArrowheads="1"/>
-          </p:cNvSpPr>
-          <p:nvPr>
-            <p:ph idx="1"/>
-          </p:nvPr>
-        </p:nvSpPr>
-        <p:spPr/>
-        <p:txBody>
-          <a:bodyPr/>
-          <a:lstStyle/>
-          <a:p>
-            <a:r>
-              <a:rPr lang="en-US" altLang="zh-TW" smtClean="0"/>
-              <a:t>Outputs information about PHP's configuration</a:t>
-            </a:r>
-          </a:p>
-          <a:p>
-            <a:r>
-              <a:rPr lang="en-US" altLang="zh-TW" smtClean="0"/>
-              <a:t>Commonly used to check configuration settings</a:t>
-            </a:r>
-          </a:p>
-          <a:p>
-            <a:r>
-              <a:rPr lang="en-US" altLang="zh-TW" smtClean="0"/>
-              <a:t>Usually used for testing the PHP engine on the web server</a:t>
-            </a:r>
-            <a:endParaRPr lang="en-US" altLang="zh-TW" dirty="0" smtClean="0"/>
-          </a:p>
-        </p:txBody>
-      </p:sp>
-    </p:spTree>
-  </p:cSld>
-  <p:clrMapOvr>
-    <a:masterClrMapping/>
-  </p:clrMapOvr>
-  <mc:AlternateContent xmlns:mc="http://schemas.openxmlformats.org/markup-compatibility/2006" xmlns:p14="http://schemas.microsoft.com/office/powerpoint/2010/main">
-    <mc:Choice Requires="p14">
-      <p:transition spd="slow" p14:dur="3900">
-        <p14:glitter pattern="hexagon"/>
-      </p:transition>
-    </mc:Choice>
-    <mc:Fallback xmlns="">
-      <p:transition spd="slow">
-        <p:fade/>
-      </p:transition>
-    </mc:Fallback>
-  </mc:AlternateContent>
-  <p:timing>
-    <p:tnLst>
-      <p:par>
-        <p:cTn id="1" dur="indefinite" restart="never" nodeType="tmRoot"/>
-      </p:par>
-    </p:tnLst>
-  </p:timing>
-</p:sld>
-</file>
-
 <file path=ppt/slides/slide23.xml><?xml version="1.0" encoding="utf-8"?>
 <p:sld xmlns:a="http://schemas.openxmlformats.org/drawingml/2006/main" xmlns:r="http://schemas.openxmlformats.org/officeDocument/2006/relationships" xmlns:p="http://schemas.openxmlformats.org/presentationml/2006/main">
   <p:cSld>
@@ -19282,7 +19563,7 @@
       </p:grpSpPr>
       <p:sp>
         <p:nvSpPr>
-          <p:cNvPr id="159746" name="Rectangle 2"/>
+          <p:cNvPr id="132098" name="Rectangle 2"/>
           <p:cNvSpPr>
             <a:spLocks noGrp="1" noChangeArrowheads="1"/>
           </p:cNvSpPr>
@@ -19297,14 +19578,15 @@
           <a:p>
             <a:r>
               <a:rPr lang="en-US" altLang="zh-TW" smtClean="0"/>
-              <a:t>PHP style</a:t>
-            </a:r>
-          </a:p>
-        </p:txBody>
-      </p:sp>
-      <p:sp>
-        <p:nvSpPr>
-          <p:cNvPr id="33795" name="Rectangle 3"/>
+              <a:t>First PHP page</a:t>
+            </a:r>
+            <a:endParaRPr lang="en-US" altLang="zh-TW" dirty="0" smtClean="0"/>
+          </a:p>
+        </p:txBody>
+      </p:sp>
+      <p:sp>
+        <p:nvSpPr>
+          <p:cNvPr id="31747" name="Rectangle 3"/>
           <p:cNvSpPr>
             <a:spLocks noGrp="1" noChangeArrowheads="1"/>
           </p:cNvSpPr>
@@ -19318,74 +19600,35 @@
           <a:lstStyle/>
           <a:p>
             <a:r>
-              <a:rPr lang="zh-TW" altLang="en-US" dirty="0" smtClean="0"/>
-              <a:t>&lt;?	</a:t>
-            </a:r>
-            <a:r>
-              <a:rPr lang="en-US" altLang="zh-TW" dirty="0" err="1" smtClean="0"/>
-              <a:t>phpinfo</a:t>
-            </a:r>
-            <a:r>
-              <a:rPr lang="en-US" altLang="zh-TW" dirty="0" smtClean="0"/>
-              <a:t>();	?&gt; - short style</a:t>
-            </a:r>
-          </a:p>
-          <a:p>
-            <a:r>
-              <a:rPr lang="en-US" altLang="zh-TW" dirty="0" smtClean="0"/>
-              <a:t>&lt;?</a:t>
-            </a:r>
-            <a:r>
-              <a:rPr lang="en-US" altLang="zh-TW" dirty="0" err="1" smtClean="0"/>
-              <a:t>php</a:t>
-            </a:r>
-            <a:r>
-              <a:rPr lang="en-US" altLang="zh-TW" dirty="0" smtClean="0"/>
-              <a:t>	</a:t>
-            </a:r>
-            <a:r>
-              <a:rPr lang="en-US" altLang="zh-TW" dirty="0" err="1" smtClean="0"/>
-              <a:t>phpinfo</a:t>
-            </a:r>
-            <a:r>
-              <a:rPr lang="en-US" altLang="zh-TW" dirty="0" smtClean="0"/>
-              <a:t>();	?&gt; - XML style</a:t>
-            </a:r>
-          </a:p>
-          <a:p>
-            <a:r>
-              <a:rPr lang="en-US" altLang="zh-TW" dirty="0" smtClean="0"/>
-              <a:t>&lt;script Language=‘</a:t>
-            </a:r>
-            <a:r>
-              <a:rPr lang="en-US" altLang="zh-TW" dirty="0" err="1" smtClean="0"/>
-              <a:t>php</a:t>
-            </a:r>
-            <a:r>
-              <a:rPr lang="en-US" altLang="zh-TW" dirty="0" smtClean="0"/>
-              <a:t>’&gt; </a:t>
-            </a:r>
-            <a:r>
-              <a:rPr lang="en-US" altLang="zh-TW" dirty="0" err="1" smtClean="0"/>
-              <a:t>phpinfo</a:t>
-            </a:r>
-            <a:r>
-              <a:rPr lang="en-US" altLang="zh-TW" dirty="0" smtClean="0"/>
-              <a:t>(); &lt;/script&gt; - script style</a:t>
-            </a:r>
-          </a:p>
-          <a:p>
-            <a:r>
-              <a:rPr lang="en-US" altLang="zh-TW" dirty="0" smtClean="0"/>
-              <a:t>&lt;%		</a:t>
-            </a:r>
-            <a:r>
-              <a:rPr lang="en-US" altLang="zh-TW" dirty="0" err="1" smtClean="0"/>
-              <a:t>phpinfo</a:t>
-            </a:r>
-            <a:r>
-              <a:rPr lang="en-US" altLang="zh-TW" dirty="0" smtClean="0"/>
-              <a:t>();	%&gt; - ASP style</a:t>
+              <a:rPr lang="en-US" altLang="zh-TW" smtClean="0"/>
+              <a:t>Dreamweaver -&gt; File -&gt; new -&gt; Dynamic page -&gt; PHP</a:t>
+            </a:r>
+          </a:p>
+          <a:p>
+            <a:r>
+              <a:rPr lang="en-US" altLang="zh-TW" smtClean="0"/>
+              <a:t>&lt;?php</a:t>
+            </a:r>
+          </a:p>
+          <a:p>
+            <a:r>
+              <a:rPr lang="en-US" altLang="zh-TW" smtClean="0"/>
+              <a:t>phpinfo();</a:t>
+            </a:r>
+          </a:p>
+          <a:p>
+            <a:r>
+              <a:rPr lang="en-US" altLang="zh-TW" smtClean="0"/>
+              <a:t>?&gt;</a:t>
+            </a:r>
+          </a:p>
+          <a:p>
+            <a:endParaRPr lang="en-US" altLang="zh-TW" smtClean="0"/>
+          </a:p>
+          <a:p>
+            <a:r>
+              <a:rPr lang="en-US" altLang="zh-TW" smtClean="0"/>
+              <a:t>phpinfo.php</a:t>
             </a:r>
           </a:p>
         </p:txBody>
@@ -19436,7 +19679,7 @@
       </p:grpSpPr>
       <p:sp>
         <p:nvSpPr>
-          <p:cNvPr id="134146" name="Rectangle 2"/>
+          <p:cNvPr id="133122" name="Rectangle 2"/>
           <p:cNvSpPr>
             <a:spLocks noGrp="1" noChangeArrowheads="1"/>
           </p:cNvSpPr>
@@ -19450,15 +19693,23 @@
           <a:lstStyle/>
           <a:p>
             <a:r>
-              <a:rPr lang="en-US" altLang="zh-TW" smtClean="0"/>
-              <a:t>Statements</a:t>
-            </a:r>
-          </a:p>
-        </p:txBody>
-      </p:sp>
-      <p:sp>
-        <p:nvSpPr>
-          <p:cNvPr id="34819" name="Rectangle 3"/>
+              <a:rPr lang="en-US" altLang="zh-TW" dirty="0" err="1"/>
+              <a:t>p</a:t>
+            </a:r>
+            <a:r>
+              <a:rPr lang="en-US" altLang="zh-TW" dirty="0" err="1" smtClean="0"/>
+              <a:t>hpinfo</a:t>
+            </a:r>
+            <a:r>
+              <a:rPr lang="en-US" altLang="zh-TW" dirty="0" smtClean="0"/>
+              <a:t>();</a:t>
+            </a:r>
+          </a:p>
+        </p:txBody>
+      </p:sp>
+      <p:sp>
+        <p:nvSpPr>
+          <p:cNvPr id="32771" name="Rectangle 3"/>
           <p:cNvSpPr>
             <a:spLocks noGrp="1" noChangeArrowheads="1"/>
           </p:cNvSpPr>
@@ -19473,20 +19724,21 @@
           <a:p>
             <a:r>
               <a:rPr lang="en-US" altLang="zh-TW" smtClean="0"/>
-              <a:t>Tell the PHP interpreter what to do</a:t>
+              <a:t>Outputs information about PHP's configuration</a:t>
             </a:r>
           </a:p>
           <a:p>
             <a:r>
               <a:rPr lang="en-US" altLang="zh-TW" smtClean="0"/>
-              <a:t>Ends with a semicolon</a:t>
+              <a:t>Commonly used to check configuration settings</a:t>
             </a:r>
           </a:p>
           <a:p>
             <a:r>
               <a:rPr lang="en-US" altLang="zh-TW" smtClean="0"/>
-              <a:t>Without a semicolon, you will see an error page indicating the line with an error</a:t>
-            </a:r>
+              <a:t>Usually used for testing the PHP engine on the web server</a:t>
+            </a:r>
+            <a:endParaRPr lang="en-US" altLang="zh-TW" dirty="0" smtClean="0"/>
           </a:p>
         </p:txBody>
       </p:sp>
@@ -19536,7 +19788,7 @@
       </p:grpSpPr>
       <p:sp>
         <p:nvSpPr>
-          <p:cNvPr id="135170" name="Rectangle 2"/>
+          <p:cNvPr id="159746" name="Rectangle 2"/>
           <p:cNvSpPr>
             <a:spLocks noGrp="1" noChangeArrowheads="1"/>
           </p:cNvSpPr>
@@ -19551,14 +19803,14 @@
           <a:p>
             <a:r>
               <a:rPr lang="en-US" altLang="zh-TW" smtClean="0"/>
-              <a:t>White space</a:t>
-            </a:r>
-          </a:p>
-        </p:txBody>
-      </p:sp>
-      <p:sp>
-        <p:nvSpPr>
-          <p:cNvPr id="35843" name="Rectangle 3"/>
+              <a:t>PHP style</a:t>
+            </a:r>
+          </a:p>
+        </p:txBody>
+      </p:sp>
+      <p:sp>
+        <p:nvSpPr>
+          <p:cNvPr id="33795" name="Rectangle 3"/>
           <p:cNvSpPr>
             <a:spLocks noGrp="1" noChangeArrowheads="1"/>
           </p:cNvSpPr>
@@ -19572,20 +19824,74 @@
           <a:lstStyle/>
           <a:p>
             <a:r>
-              <a:rPr lang="en-US" altLang="zh-TW" smtClean="0"/>
-              <a:t>White space include new line, spaces, tabs</a:t>
-            </a:r>
-          </a:p>
-          <a:p>
-            <a:r>
-              <a:rPr lang="en-US" altLang="zh-TW" smtClean="0"/>
-              <a:t>Browsers ignore white spaces in both html and PHP</a:t>
-            </a:r>
-          </a:p>
-          <a:p>
-            <a:r>
-              <a:rPr lang="en-US" altLang="zh-TW" smtClean="0"/>
-              <a:t>Encourage to use white space for readability – usually one statement per line</a:t>
+              <a:rPr lang="zh-TW" altLang="en-US" dirty="0" smtClean="0"/>
+              <a:t>&lt;?	</a:t>
+            </a:r>
+            <a:r>
+              <a:rPr lang="en-US" altLang="zh-TW" dirty="0" err="1" smtClean="0"/>
+              <a:t>phpinfo</a:t>
+            </a:r>
+            <a:r>
+              <a:rPr lang="en-US" altLang="zh-TW" dirty="0" smtClean="0"/>
+              <a:t>();	?&gt; - short style</a:t>
+            </a:r>
+          </a:p>
+          <a:p>
+            <a:r>
+              <a:rPr lang="en-US" altLang="zh-TW" dirty="0" smtClean="0"/>
+              <a:t>&lt;?</a:t>
+            </a:r>
+            <a:r>
+              <a:rPr lang="en-US" altLang="zh-TW" dirty="0" err="1" smtClean="0"/>
+              <a:t>php</a:t>
+            </a:r>
+            <a:r>
+              <a:rPr lang="en-US" altLang="zh-TW" dirty="0" smtClean="0"/>
+              <a:t>	</a:t>
+            </a:r>
+            <a:r>
+              <a:rPr lang="en-US" altLang="zh-TW" dirty="0" err="1" smtClean="0"/>
+              <a:t>phpinfo</a:t>
+            </a:r>
+            <a:r>
+              <a:rPr lang="en-US" altLang="zh-TW" dirty="0" smtClean="0"/>
+              <a:t>();	?&gt; - XML style</a:t>
+            </a:r>
+          </a:p>
+          <a:p>
+            <a:r>
+              <a:rPr lang="en-US" altLang="zh-TW" dirty="0" smtClean="0"/>
+              <a:t>&lt;script Language=‘</a:t>
+            </a:r>
+            <a:r>
+              <a:rPr lang="en-US" altLang="zh-TW" dirty="0" err="1" smtClean="0"/>
+              <a:t>php</a:t>
+            </a:r>
+            <a:r>
+              <a:rPr lang="en-US" altLang="zh-TW" dirty="0" smtClean="0"/>
+              <a:t>’&gt; </a:t>
+            </a:r>
+            <a:r>
+              <a:rPr lang="en-US" altLang="zh-TW" dirty="0" err="1" smtClean="0"/>
+              <a:t>phpinfo</a:t>
+            </a:r>
+            <a:r>
+              <a:rPr lang="en-US" altLang="zh-TW" dirty="0" smtClean="0"/>
+              <a:t>(); &lt;/script&gt; - script style</a:t>
+            </a:r>
+          </a:p>
+          <a:p>
+            <a:r>
+              <a:rPr lang="en-US" altLang="zh-TW" dirty="0" smtClean="0"/>
+              <a:t>&lt;%		</a:t>
+            </a:r>
+            <a:r>
+              <a:rPr lang="en-US" altLang="zh-TW" dirty="0" err="1" smtClean="0"/>
+              <a:t>phpinfo</a:t>
+            </a:r>
+            <a:r>
+              <a:rPr lang="en-US" altLang="zh-TW" dirty="0" smtClean="0"/>
+              <a:t>();	%&gt; - ASP style</a:t>
             </a:r>
           </a:p>
         </p:txBody>
@@ -19636,7 +19942,7 @@
       </p:grpSpPr>
       <p:sp>
         <p:nvSpPr>
-          <p:cNvPr id="136194" name="Rectangle 2"/>
+          <p:cNvPr id="134146" name="Rectangle 2"/>
           <p:cNvSpPr>
             <a:spLocks noGrp="1" noChangeArrowheads="1"/>
           </p:cNvSpPr>
@@ -19651,14 +19957,14 @@
           <a:p>
             <a:r>
               <a:rPr lang="en-US" altLang="zh-TW" smtClean="0"/>
-              <a:t>Comments</a:t>
-            </a:r>
-          </a:p>
-        </p:txBody>
-      </p:sp>
-      <p:sp>
-        <p:nvSpPr>
-          <p:cNvPr id="36867" name="Rectangle 3"/>
+              <a:t>Statements</a:t>
+            </a:r>
+          </a:p>
+        </p:txBody>
+      </p:sp>
+      <p:sp>
+        <p:nvSpPr>
+          <p:cNvPr id="34819" name="Rectangle 3"/>
           <p:cNvSpPr>
             <a:spLocks noGrp="1" noChangeArrowheads="1"/>
           </p:cNvSpPr>
@@ -19672,56 +19978,20 @@
           <a:lstStyle/>
           <a:p>
             <a:r>
-              <a:rPr lang="en-US" altLang="zh-TW" dirty="0" smtClean="0"/>
-              <a:t>Notes for reading the code</a:t>
-            </a:r>
-          </a:p>
-          <a:p>
-            <a:r>
-              <a:rPr lang="en-US" altLang="zh-TW" dirty="0" smtClean="0"/>
-              <a:t>Usually used to explain the purpose of the script, when it was last modified</a:t>
-            </a:r>
-          </a:p>
-          <a:p>
-            <a:r>
-              <a:rPr lang="en-US" altLang="zh-TW" dirty="0" smtClean="0"/>
-              <a:t>/*	</a:t>
-            </a:r>
-            <a:r>
-              <a:rPr lang="en-US" altLang="zh-TW" dirty="0" err="1" smtClean="0"/>
-              <a:t>Author:Ray</a:t>
-            </a:r>
-            <a:r>
-              <a:rPr lang="en-US" altLang="zh-TW" dirty="0" smtClean="0"/>
-              <a:t>	*/ - multiline comment</a:t>
-            </a:r>
-          </a:p>
-          <a:p>
-            <a:r>
-              <a:rPr lang="en-US" altLang="zh-TW" dirty="0" smtClean="0"/>
-              <a:t>//		</a:t>
-            </a:r>
-            <a:r>
-              <a:rPr lang="en-US" altLang="zh-TW" dirty="0" err="1" smtClean="0"/>
-              <a:t>Author:Ray</a:t>
-            </a:r>
-            <a:r>
-              <a:rPr lang="en-US" altLang="zh-TW" dirty="0" smtClean="0"/>
-              <a:t>	- single line comment (programming style)</a:t>
-            </a:r>
-          </a:p>
-          <a:p>
-            <a:r>
-              <a:rPr lang="en-US" altLang="zh-TW" dirty="0" smtClean="0"/>
-              <a:t>#	</a:t>
-            </a:r>
-            <a:r>
-              <a:rPr lang="en-US" altLang="zh-TW" dirty="0" err="1" smtClean="0"/>
-              <a:t>Author:Ray</a:t>
-            </a:r>
-            <a:r>
-              <a:rPr lang="en-US" altLang="zh-TW" dirty="0" smtClean="0"/>
-              <a:t>	- single line comment (shell style)</a:t>
+              <a:rPr lang="en-US" altLang="zh-TW" smtClean="0"/>
+              <a:t>Tell the PHP interpreter what to do</a:t>
+            </a:r>
+          </a:p>
+          <a:p>
+            <a:r>
+              <a:rPr lang="en-US" altLang="zh-TW" smtClean="0"/>
+              <a:t>Ends with a semicolon</a:t>
+            </a:r>
+          </a:p>
+          <a:p>
+            <a:r>
+              <a:rPr lang="en-US" altLang="zh-TW" smtClean="0"/>
+              <a:t>Without a semicolon, you will see an error page indicating the line with an error</a:t>
             </a:r>
           </a:p>
         </p:txBody>
@@ -19772,7 +20042,7 @@
       </p:grpSpPr>
       <p:sp>
         <p:nvSpPr>
-          <p:cNvPr id="138242" name="Rectangle 2"/>
+          <p:cNvPr id="135170" name="Rectangle 2"/>
           <p:cNvSpPr>
             <a:spLocks noGrp="1" noChangeArrowheads="1"/>
           </p:cNvSpPr>
@@ -19787,15 +20057,14 @@
           <a:p>
             <a:r>
               <a:rPr lang="en-US" altLang="zh-TW" smtClean="0"/>
-              <a:t>Echo</a:t>
-            </a:r>
-            <a:endParaRPr lang="en-US" altLang="zh-TW" dirty="0" smtClean="0"/>
-          </a:p>
-        </p:txBody>
-      </p:sp>
-      <p:sp>
-        <p:nvSpPr>
-          <p:cNvPr id="37891" name="Rectangle 3"/>
+              <a:t>White space</a:t>
+            </a:r>
+          </a:p>
+        </p:txBody>
+      </p:sp>
+      <p:sp>
+        <p:nvSpPr>
+          <p:cNvPr id="35843" name="Rectangle 3"/>
           <p:cNvSpPr>
             <a:spLocks noGrp="1" noChangeArrowheads="1"/>
           </p:cNvSpPr>
@@ -19809,46 +20078,21 @@
           <a:lstStyle/>
           <a:p>
             <a:r>
-              <a:rPr lang="en-US" altLang="zh-TW" dirty="0" smtClean="0"/>
-              <a:t>Outputs all parameters</a:t>
-            </a:r>
-          </a:p>
-          <a:p>
-            <a:r>
-              <a:rPr lang="en-US" altLang="zh-TW" dirty="0" smtClean="0"/>
-              <a:t>echo </a:t>
-            </a:r>
-            <a:r>
-              <a:rPr lang="mr-IN" altLang="zh-TW" dirty="0" smtClean="0"/>
-              <a:t>"</a:t>
-            </a:r>
-            <a:r>
-              <a:rPr lang="en-US" altLang="zh-TW" dirty="0" smtClean="0"/>
-              <a:t>Hello, this is my first </a:t>
-            </a:r>
-            <a:r>
-              <a:rPr lang="en-US" altLang="zh-TW" dirty="0" err="1" smtClean="0"/>
-              <a:t>php</a:t>
-            </a:r>
-            <a:r>
-              <a:rPr lang="en-US" altLang="zh-TW" dirty="0" smtClean="0"/>
-              <a:t> page</a:t>
-            </a:r>
-            <a:r>
-              <a:rPr lang="mr-IN" altLang="zh-TW" dirty="0" smtClean="0"/>
-              <a:t>"</a:t>
-            </a:r>
-            <a:r>
-              <a:rPr lang="en-US" altLang="zh-TW" dirty="0" smtClean="0"/>
-              <a:t>;</a:t>
-            </a:r>
-          </a:p>
-          <a:p>
-            <a:r>
-              <a:rPr lang="en-US" altLang="zh-TW" dirty="0" err="1" smtClean="0"/>
-              <a:t>echo.php</a:t>
-            </a:r>
-            <a:endParaRPr lang="en-US" altLang="zh-TW" dirty="0" smtClean="0"/>
+              <a:rPr lang="en-US" altLang="zh-TW" smtClean="0"/>
+              <a:t>White space include new line, spaces, tabs</a:t>
+            </a:r>
+          </a:p>
+          <a:p>
+            <a:r>
+              <a:rPr lang="en-US" altLang="zh-TW" smtClean="0"/>
+              <a:t>Browsers ignore white spaces in both html and PHP</a:t>
+            </a:r>
+          </a:p>
+          <a:p>
+            <a:r>
+              <a:rPr lang="en-US" altLang="zh-TW" smtClean="0"/>
+              <a:t>Encourage to use white space for readability – usually one statement per line</a:t>
+            </a:r>
           </a:p>
         </p:txBody>
       </p:sp>
@@ -19898,7 +20142,7 @@
       </p:grpSpPr>
       <p:sp>
         <p:nvSpPr>
-          <p:cNvPr id="172034" name="Rectangle 2"/>
+          <p:cNvPr id="136194" name="Rectangle 2"/>
           <p:cNvSpPr>
             <a:spLocks noGrp="1" noChangeArrowheads="1"/>
           </p:cNvSpPr>
@@ -19913,14 +20157,14 @@
           <a:p>
             <a:r>
               <a:rPr lang="en-US" altLang="zh-TW" smtClean="0"/>
-              <a:t>Print</a:t>
-            </a:r>
-          </a:p>
-        </p:txBody>
-      </p:sp>
-      <p:sp>
-        <p:nvSpPr>
-          <p:cNvPr id="38915" name="Rectangle 3"/>
+              <a:t>Comments</a:t>
+            </a:r>
+          </a:p>
+        </p:txBody>
+      </p:sp>
+      <p:sp>
+        <p:nvSpPr>
+          <p:cNvPr id="36867" name="Rectangle 3"/>
           <p:cNvSpPr>
             <a:spLocks noGrp="1" noChangeArrowheads="1"/>
           </p:cNvSpPr>
@@ -19930,37 +20174,61 @@
         </p:nvSpPr>
         <p:spPr/>
         <p:txBody>
-          <a:bodyPr>
-            <a:normAutofit fontScale="92500" lnSpcReduction="10000"/>
-          </a:bodyPr>
+          <a:bodyPr/>
           <a:lstStyle/>
           <a:p>
             <a:r>
               <a:rPr lang="en-US" altLang="zh-TW" dirty="0" smtClean="0"/>
-              <a:t>Similar to echo, it also outputs all parameters.</a:t>
+              <a:t>Notes for reading the code</a:t>
             </a:r>
           </a:p>
           <a:p>
             <a:r>
               <a:rPr lang="en-US" altLang="zh-TW" dirty="0" smtClean="0"/>
-              <a:t>Print returns a value of 1 and has precedence so that it can be used in the middle of a longer expression. However, the need for this is rare, and the fact that is returns a value makes it ever so slightly slower than echo. So we use echo.</a:t>
-            </a:r>
-          </a:p>
-          <a:p>
-            <a:endParaRPr lang="en-US" altLang="zh-TW" dirty="0" smtClean="0"/>
+              <a:t>Usually used to explain the purpose of the script, when it was last modified</a:t>
+            </a:r>
           </a:p>
           <a:p>
             <a:r>
               <a:rPr lang="en-US" altLang="zh-TW" dirty="0" smtClean="0"/>
-              <a:t>Using with &lt;&lt;&lt;, it prints all html</a:t>
-            </a:r>
-          </a:p>
-          <a:p>
+              <a:t>/*	</a:t>
+            </a:r>
             <a:r>
               <a:rPr lang="en-US" altLang="zh-TW" dirty="0" err="1" smtClean="0"/>
-              <a:t>print.php</a:t>
-            </a:r>
-            <a:endParaRPr lang="en-US" altLang="zh-TW" dirty="0" smtClean="0"/>
+              <a:t>Author:Ray</a:t>
+            </a:r>
+            <a:r>
+              <a:rPr lang="en-US" altLang="zh-TW" dirty="0" smtClean="0"/>
+              <a:t>	*/ - multiline comment</a:t>
+            </a:r>
+          </a:p>
+          <a:p>
+            <a:r>
+              <a:rPr lang="en-US" altLang="zh-TW" dirty="0" smtClean="0"/>
+              <a:t>//		</a:t>
+            </a:r>
+            <a:r>
+              <a:rPr lang="en-US" altLang="zh-TW" dirty="0" err="1" smtClean="0"/>
+              <a:t>Author:Ray</a:t>
+            </a:r>
+            <a:r>
+              <a:rPr lang="en-US" altLang="zh-TW" dirty="0" smtClean="0"/>
+              <a:t>	- single line comment (programming style)</a:t>
+            </a:r>
+          </a:p>
+          <a:p>
+            <a:r>
+              <a:rPr lang="en-US" altLang="zh-TW" dirty="0" smtClean="0"/>
+              <a:t>#	</a:t>
+            </a:r>
+            <a:r>
+              <a:rPr lang="en-US" altLang="zh-TW" dirty="0" err="1" smtClean="0"/>
+              <a:t>Author:Ray</a:t>
+            </a:r>
+            <a:r>
+              <a:rPr lang="en-US" altLang="zh-TW" dirty="0" smtClean="0"/>
+              <a:t>	- single line comment (shell style)</a:t>
+            </a:r>
           </a:p>
         </p:txBody>
       </p:sp>
@@ -20010,7 +20278,7 @@
       </p:grpSpPr>
       <p:sp>
         <p:nvSpPr>
-          <p:cNvPr id="160770" name="Rectangle 2"/>
+          <p:cNvPr id="138242" name="Rectangle 2"/>
           <p:cNvSpPr>
             <a:spLocks noGrp="1" noChangeArrowheads="1"/>
           </p:cNvSpPr>
@@ -20025,14 +20293,15 @@
           <a:p>
             <a:r>
               <a:rPr lang="en-US" altLang="zh-TW" smtClean="0"/>
-              <a:t>html in PHP</a:t>
-            </a:r>
-          </a:p>
-        </p:txBody>
-      </p:sp>
-      <p:sp>
-        <p:nvSpPr>
-          <p:cNvPr id="39939" name="Rectangle 3"/>
+              <a:t>Echo</a:t>
+            </a:r>
+            <a:endParaRPr lang="en-US" altLang="zh-TW" dirty="0" smtClean="0"/>
+          </a:p>
+        </p:txBody>
+      </p:sp>
+      <p:sp>
+        <p:nvSpPr>
+          <p:cNvPr id="37891" name="Rectangle 3"/>
           <p:cNvSpPr>
             <a:spLocks noGrp="1" noChangeArrowheads="1"/>
           </p:cNvSpPr>
@@ -20047,13 +20316,7 @@
           <a:p>
             <a:r>
               <a:rPr lang="en-US" altLang="zh-TW" dirty="0" smtClean="0"/>
-              <a:t>Nothing to change for the html code</a:t>
-            </a:r>
-          </a:p>
-          <a:p>
-            <a:r>
-              <a:rPr lang="en-US" altLang="zh-TW" dirty="0" smtClean="0"/>
-              <a:t>Encapsulate PHP code before and after html code</a:t>
+              <a:t>Outputs all parameters</a:t>
             </a:r>
           </a:p>
           <a:p>
@@ -20067,15 +20330,15 @@
             </a:r>
             <a:r>
               <a:rPr lang="en-US" altLang="zh-TW" dirty="0" smtClean="0"/>
-              <a:t>Hello&lt;</a:t>
+              <a:t>Hello, this is my first </a:t>
             </a:r>
             <a:r>
               <a:rPr lang="en-US" altLang="zh-TW" dirty="0" err="1" smtClean="0"/>
-              <a:t>br</a:t>
+              <a:t>php</a:t>
             </a:r>
             <a:r>
               <a:rPr lang="en-US" altLang="zh-TW" dirty="0" smtClean="0"/>
-              <a:t> /&gt;</a:t>
+              <a:t> page</a:t>
             </a:r>
             <a:r>
               <a:rPr lang="mr-IN" altLang="zh-TW" dirty="0" smtClean="0"/>
@@ -20085,6 +20348,13 @@
               <a:rPr lang="en-US" altLang="zh-TW" dirty="0" smtClean="0"/>
               <a:t>;</a:t>
             </a:r>
+          </a:p>
+          <a:p>
+            <a:r>
+              <a:rPr lang="en-US" altLang="zh-TW" dirty="0" err="1" smtClean="0"/>
+              <a:t>echo.php</a:t>
+            </a:r>
+            <a:endParaRPr lang="en-US" altLang="zh-TW" dirty="0" smtClean="0"/>
           </a:p>
         </p:txBody>
       </p:sp>
@@ -20274,9 +20544,9 @@
       </p:grpSpPr>
       <p:sp>
         <p:nvSpPr>
-          <p:cNvPr id="2" name="Title 1"/>
-          <p:cNvSpPr>
-            <a:spLocks noGrp="1"/>
+          <p:cNvPr id="172034" name="Rectangle 2"/>
+          <p:cNvSpPr>
+            <a:spLocks noGrp="1" noChangeArrowheads="1"/>
           </p:cNvSpPr>
           <p:nvPr>
             <p:ph type="title"/>
@@ -20288,18 +20558,17 @@
           <a:lstStyle/>
           <a:p>
             <a:r>
-              <a:rPr lang="en-US" dirty="0" smtClean="0"/>
-              <a:t>Classwork</a:t>
-            </a:r>
-            <a:endParaRPr lang="en-US" dirty="0"/>
-          </a:p>
-        </p:txBody>
-      </p:sp>
-      <p:sp>
-        <p:nvSpPr>
-          <p:cNvPr id="40963" name="Content Placeholder 2"/>
-          <p:cNvSpPr>
-            <a:spLocks noGrp="1"/>
+              <a:rPr lang="en-US" altLang="zh-TW" smtClean="0"/>
+              <a:t>Print</a:t>
+            </a:r>
+          </a:p>
+        </p:txBody>
+      </p:sp>
+      <p:sp>
+        <p:nvSpPr>
+          <p:cNvPr id="38915" name="Rectangle 3"/>
+          <p:cNvSpPr>
+            <a:spLocks noGrp="1" noChangeArrowheads="1"/>
           </p:cNvSpPr>
           <p:nvPr>
             <p:ph idx="1"/>
@@ -20307,46 +20576,37 @@
         </p:nvSpPr>
         <p:spPr/>
         <p:txBody>
-          <a:bodyPr/>
+          <a:bodyPr>
+            <a:normAutofit fontScale="92500" lnSpcReduction="10000"/>
+          </a:bodyPr>
           <a:lstStyle/>
           <a:p>
             <a:r>
               <a:rPr lang="en-US" altLang="zh-TW" dirty="0" smtClean="0"/>
-              <a:t>Open a new </a:t>
-            </a:r>
+              <a:t>Similar to echo, it also outputs all parameters.</a:t>
+            </a:r>
+          </a:p>
+          <a:p>
+            <a:r>
+              <a:rPr lang="en-US" altLang="zh-TW" dirty="0" smtClean="0"/>
+              <a:t>Print returns a value of 1 and has precedence so that it can be used in the middle of a longer expression. However, the need for this is rare, and the fact that is returns a value makes it ever so slightly slower than echo. So we use echo.</a:t>
+            </a:r>
+          </a:p>
+          <a:p>
+            <a:endParaRPr lang="en-US" altLang="zh-TW" dirty="0" smtClean="0"/>
+          </a:p>
+          <a:p>
+            <a:r>
+              <a:rPr lang="en-US" altLang="zh-TW" dirty="0" smtClean="0"/>
+              <a:t>Using with &lt;&lt;&lt;, it prints all html</a:t>
+            </a:r>
+          </a:p>
+          <a:p>
             <a:r>
               <a:rPr lang="en-US" altLang="zh-TW" dirty="0" err="1" smtClean="0"/>
-              <a:t>php</a:t>
-            </a:r>
-            <a:r>
-              <a:rPr lang="en-US" altLang="zh-TW" dirty="0" smtClean="0"/>
-              <a:t> file and save as </a:t>
-            </a:r>
-            <a:r>
-              <a:rPr lang="mr-IN" altLang="zh-TW" dirty="0" smtClean="0"/>
-              <a:t>"</a:t>
-            </a:r>
-            <a:r>
-              <a:rPr lang="en-US" altLang="zh-TW" dirty="0" err="1" smtClean="0"/>
-              <a:t>birthday.php</a:t>
-            </a:r>
-            <a:r>
-              <a:rPr lang="mr-IN" altLang="zh-TW" dirty="0" smtClean="0"/>
-              <a:t>"</a:t>
+              <a:t>print.php</a:t>
             </a:r>
             <a:endParaRPr lang="en-US" altLang="zh-TW" dirty="0" smtClean="0"/>
-          </a:p>
-          <a:p>
-            <a:r>
-              <a:rPr lang="en-US" altLang="zh-TW" dirty="0" smtClean="0"/>
-              <a:t>Echo your name in PHP</a:t>
-            </a:r>
-          </a:p>
-          <a:p>
-            <a:r>
-              <a:rPr lang="en-US" altLang="zh-TW" dirty="0" smtClean="0"/>
-              <a:t>Browse http://localhost:8080/birthday.php</a:t>
-            </a:r>
           </a:p>
         </p:txBody>
       </p:sp>
@@ -20396,7 +20656,7 @@
       </p:grpSpPr>
       <p:sp>
         <p:nvSpPr>
-          <p:cNvPr id="219138" name="Rectangle 2"/>
+          <p:cNvPr id="160770" name="Rectangle 2"/>
           <p:cNvSpPr>
             <a:spLocks noGrp="1" noChangeArrowheads="1"/>
           </p:cNvSpPr>
@@ -20411,15 +20671,14 @@
           <a:p>
             <a:r>
               <a:rPr lang="en-US" altLang="zh-TW" smtClean="0"/>
-              <a:t>Install PHP + MySQL</a:t>
-            </a:r>
-            <a:endParaRPr lang="zh-TW" altLang="en-US" dirty="0" smtClean="0"/>
-          </a:p>
-        </p:txBody>
-      </p:sp>
-      <p:sp>
-        <p:nvSpPr>
-          <p:cNvPr id="41987" name="Rectangle 3"/>
+              <a:t>html in PHP</a:t>
+            </a:r>
+          </a:p>
+        </p:txBody>
+      </p:sp>
+      <p:sp>
+        <p:nvSpPr>
+          <p:cNvPr id="39939" name="Rectangle 3"/>
           <p:cNvSpPr>
             <a:spLocks noGrp="1" noChangeArrowheads="1"/>
           </p:cNvSpPr>
@@ -20429,70 +20688,48 @@
         </p:nvSpPr>
         <p:spPr/>
         <p:txBody>
-          <a:bodyPr>
-            <a:normAutofit fontScale="92500"/>
-          </a:bodyPr>
+          <a:bodyPr/>
           <a:lstStyle/>
           <a:p>
             <a:r>
               <a:rPr lang="en-US" altLang="zh-TW" dirty="0" smtClean="0"/>
-              <a:t>Download XAMPP from http://www.xampp.org</a:t>
+              <a:t>Nothing to change for the html code</a:t>
             </a:r>
           </a:p>
           <a:p>
             <a:r>
               <a:rPr lang="en-US" altLang="zh-TW" dirty="0" smtClean="0"/>
-              <a:t>Install to c</a:t>
-            </a:r>
+              <a:t>Encapsulate PHP code before and after html code</a:t>
+            </a:r>
+          </a:p>
+          <a:p>
             <a:r>
               <a:rPr lang="en-US" altLang="zh-TW" dirty="0" smtClean="0"/>
-              <a:t>:\(Windows)  or  /Application/(MAC)</a:t>
-            </a:r>
-            <a:endParaRPr lang="en-US" altLang="zh-TW" dirty="0" smtClean="0"/>
-          </a:p>
-          <a:p>
+              <a:t>echo </a:t>
+            </a:r>
+            <a:r>
+              <a:rPr lang="mr-IN" altLang="zh-TW" dirty="0" smtClean="0"/>
+              <a:t>"</a:t>
+            </a:r>
             <a:r>
               <a:rPr lang="en-US" altLang="zh-TW" dirty="0" smtClean="0"/>
-              <a:t>Open XAMPP Control Panel, start Apache, MySQL</a:t>
-            </a:r>
-          </a:p>
-          <a:p>
+              <a:t>Hello&lt;</a:t>
+            </a:r>
+            <a:r>
+              <a:rPr lang="en-US" altLang="zh-TW" dirty="0" err="1" smtClean="0"/>
+              <a:t>br</a:t>
+            </a:r>
             <a:r>
               <a:rPr lang="en-US" altLang="zh-TW" dirty="0" smtClean="0"/>
-              <a:t>Test Apache http://localhost</a:t>
-            </a:r>
-          </a:p>
-          <a:p>
+              <a:t> /&gt;</a:t>
+            </a:r>
+            <a:r>
+              <a:rPr lang="mr-IN" altLang="zh-TW" dirty="0" smtClean="0"/>
+              <a:t>"</a:t>
+            </a:r>
             <a:r>
               <a:rPr lang="en-US" altLang="zh-TW" dirty="0" smtClean="0"/>
-              <a:t>Test PHP. Save your </a:t>
-            </a:r>
-            <a:r>
-              <a:rPr lang="en-US" altLang="zh-TW" dirty="0" err="1" smtClean="0"/>
-              <a:t>php</a:t>
-            </a:r>
-            <a:r>
-              <a:rPr lang="en-US" altLang="zh-TW" dirty="0" smtClean="0"/>
-              <a:t> files under c:\xampp\htdocs</a:t>
-            </a:r>
-            <a:r>
-              <a:rPr lang="en-US" altLang="zh-TW" dirty="0" smtClean="0"/>
-              <a:t>\(Windows)  /Application/XAMPP/</a:t>
-            </a:r>
-            <a:r>
-              <a:rPr lang="en-US" altLang="zh-TW" dirty="0" err="1" smtClean="0"/>
-              <a:t>htdocs</a:t>
-            </a:r>
-            <a:r>
-              <a:rPr lang="en-US" altLang="zh-TW" smtClean="0"/>
-              <a:t>/(MAC)</a:t>
-            </a:r>
-            <a:endParaRPr lang="en-US" altLang="zh-TW" dirty="0" smtClean="0"/>
-          </a:p>
-          <a:p>
-            <a:r>
-              <a:rPr lang="en-US" altLang="zh-TW" dirty="0" smtClean="0"/>
-              <a:t>Test your web page: http://localhost/filename.php</a:t>
+              <a:t>;</a:t>
             </a:r>
           </a:p>
         </p:txBody>
@@ -20543,9 +20780,9 @@
       </p:grpSpPr>
       <p:sp>
         <p:nvSpPr>
-          <p:cNvPr id="157698" name="Rectangle 2"/>
-          <p:cNvSpPr>
-            <a:spLocks noGrp="1" noChangeArrowheads="1"/>
+          <p:cNvPr id="2" name="Title 1"/>
+          <p:cNvSpPr>
+            <a:spLocks noGrp="1"/>
           </p:cNvSpPr>
           <p:nvPr>
             <p:ph type="title"/>
@@ -20557,17 +20794,18 @@
           <a:lstStyle/>
           <a:p>
             <a:r>
-              <a:rPr lang="en-US" altLang="zh-TW" smtClean="0"/>
-              <a:t>Functions</a:t>
-            </a:r>
-          </a:p>
-        </p:txBody>
-      </p:sp>
-      <p:sp>
-        <p:nvSpPr>
-          <p:cNvPr id="44035" name="Rectangle 3"/>
-          <p:cNvSpPr>
-            <a:spLocks noGrp="1" noChangeArrowheads="1"/>
+              <a:rPr lang="en-US" dirty="0" smtClean="0"/>
+              <a:t>Classwork</a:t>
+            </a:r>
+            <a:endParaRPr lang="en-US" dirty="0"/>
+          </a:p>
+        </p:txBody>
+      </p:sp>
+      <p:sp>
+        <p:nvSpPr>
+          <p:cNvPr id="40963" name="Content Placeholder 2"/>
+          <p:cNvSpPr>
+            <a:spLocks noGrp="1"/>
           </p:cNvSpPr>
           <p:nvPr>
             <p:ph idx="1"/>
@@ -20575,14 +20813,20 @@
         </p:nvSpPr>
         <p:spPr/>
         <p:txBody>
-          <a:bodyPr>
-            <a:normAutofit lnSpcReduction="10000"/>
-          </a:bodyPr>
+          <a:bodyPr/>
           <a:lstStyle/>
           <a:p>
             <a:r>
               <a:rPr lang="en-US" altLang="zh-TW" dirty="0" smtClean="0"/>
-              <a:t>echo date(</a:t>
+              <a:t>Open a new </a:t>
+            </a:r>
+            <a:r>
+              <a:rPr lang="en-US" altLang="zh-TW" dirty="0" err="1" smtClean="0"/>
+              <a:t>php</a:t>
+            </a:r>
+            <a:r>
+              <a:rPr lang="en-US" altLang="zh-TW" dirty="0" smtClean="0"/>
+              <a:t> file and save as </a:t>
             </a:r>
             <a:r>
               <a:rPr lang="mr-IN" altLang="zh-TW" dirty="0" smtClean="0"/>
@@ -20590,112 +20834,24 @@
             </a:r>
             <a:r>
               <a:rPr lang="en-US" altLang="zh-TW" dirty="0" err="1" smtClean="0"/>
-              <a:t>H:i</a:t>
-            </a:r>
-            <a:r>
-              <a:rPr lang="en-US" altLang="zh-TW" dirty="0" smtClean="0"/>
-              <a:t>, </a:t>
-            </a:r>
-            <a:r>
-              <a:rPr lang="en-US" altLang="zh-TW" dirty="0" err="1" smtClean="0"/>
-              <a:t>jS</a:t>
-            </a:r>
-            <a:r>
-              <a:rPr lang="en-US" altLang="zh-TW" dirty="0" smtClean="0"/>
-              <a:t> F</a:t>
+              <a:t>birthday.php</a:t>
             </a:r>
             <a:r>
               <a:rPr lang="mr-IN" altLang="zh-TW" dirty="0" smtClean="0"/>
               <a:t>"</a:t>
             </a:r>
+            <a:endParaRPr lang="en-US" altLang="zh-TW" dirty="0" smtClean="0"/>
+          </a:p>
+          <a:p>
             <a:r>
               <a:rPr lang="en-US" altLang="zh-TW" dirty="0" smtClean="0"/>
-              <a:t>);</a:t>
+              <a:t>Echo your name in PHP</a:t>
             </a:r>
           </a:p>
           <a:p>
             <a:r>
               <a:rPr lang="en-US" altLang="zh-TW" dirty="0" smtClean="0"/>
-              <a:t>echo date(</a:t>
-            </a:r>
-            <a:r>
-              <a:rPr lang="mr-IN" altLang="zh-TW" dirty="0" smtClean="0"/>
-              <a:t>"</a:t>
-            </a:r>
-            <a:r>
-              <a:rPr lang="en-US" altLang="zh-TW" dirty="0" smtClean="0"/>
-              <a:t>l </a:t>
-            </a:r>
-            <a:r>
-              <a:rPr lang="en-US" altLang="zh-TW" dirty="0" err="1" smtClean="0"/>
-              <a:t>dS</a:t>
-            </a:r>
-            <a:r>
-              <a:rPr lang="en-US" altLang="zh-TW" dirty="0" smtClean="0"/>
-              <a:t> \of F Y h:i:s A</a:t>
-            </a:r>
-            <a:r>
-              <a:rPr lang="mr-IN" altLang="zh-TW" dirty="0" smtClean="0"/>
-              <a:t>"</a:t>
-            </a:r>
-            <a:r>
-              <a:rPr lang="en-US" altLang="zh-TW" dirty="0" smtClean="0"/>
-              <a:t>);</a:t>
-            </a:r>
-          </a:p>
-          <a:p>
-            <a:r>
-              <a:rPr lang="en-US" altLang="zh-TW" dirty="0" smtClean="0"/>
-              <a:t>Case sensitive</a:t>
-            </a:r>
-          </a:p>
-          <a:p>
-            <a:r>
-              <a:rPr lang="en-US" altLang="zh-TW" dirty="0" err="1" smtClean="0"/>
-              <a:t>date.php</a:t>
-            </a:r>
-            <a:endParaRPr lang="en-US" altLang="zh-TW" dirty="0" smtClean="0"/>
-          </a:p>
-          <a:p>
-            <a:r>
-              <a:rPr lang="en-US" altLang="zh-TW" dirty="0" err="1" smtClean="0"/>
-              <a:t>gmdate</a:t>
-            </a:r>
-            <a:r>
-              <a:rPr lang="en-US" altLang="zh-TW" dirty="0" smtClean="0"/>
-              <a:t>('</a:t>
-            </a:r>
-            <a:r>
-              <a:rPr lang="en-US" altLang="zh-TW" dirty="0" err="1" smtClean="0"/>
-              <a:t>H:i:s</a:t>
-            </a:r>
-            <a:r>
-              <a:rPr lang="en-US" altLang="zh-TW" dirty="0" smtClean="0"/>
-              <a:t>', time()+8*3600);</a:t>
-            </a:r>
-          </a:p>
-          <a:p>
-            <a:r>
-              <a:rPr lang="en-US" altLang="zh-TW" dirty="0" err="1" smtClean="0"/>
-              <a:t>date_default_timezone_set</a:t>
-            </a:r>
-            <a:r>
-              <a:rPr lang="en-US" altLang="zh-TW" dirty="0" smtClean="0"/>
-              <a:t>('Asia/</a:t>
-            </a:r>
-            <a:r>
-              <a:rPr lang="en-US" altLang="zh-TW" dirty="0" err="1" smtClean="0"/>
-              <a:t>Hong_Kong</a:t>
-            </a:r>
-            <a:r>
-              <a:rPr lang="en-US" altLang="zh-TW" dirty="0" smtClean="0"/>
-              <a:t>');</a:t>
-            </a:r>
-          </a:p>
-          <a:p>
-            <a:r>
-              <a:rPr lang="en-US" altLang="zh-TW" dirty="0" smtClean="0"/>
-              <a:t>http://hk2.php.net/manual/en/function.date.php</a:t>
+              <a:t>Browse http://localhost:8080/birthday.php</a:t>
             </a:r>
           </a:p>
         </p:txBody>
@@ -20746,9 +20902,9 @@
       </p:grpSpPr>
       <p:sp>
         <p:nvSpPr>
-          <p:cNvPr id="2" name="Title 1"/>
-          <p:cNvSpPr>
-            <a:spLocks noGrp="1"/>
+          <p:cNvPr id="219138" name="Rectangle 2"/>
+          <p:cNvSpPr>
+            <a:spLocks noGrp="1" noChangeArrowheads="1"/>
           </p:cNvSpPr>
           <p:nvPr>
             <p:ph type="title"/>
@@ -20760,18 +20916,18 @@
           <a:lstStyle/>
           <a:p>
             <a:r>
-              <a:rPr lang="en-US" dirty="0" smtClean="0"/>
-              <a:t>Classwork</a:t>
-            </a:r>
-            <a:endParaRPr lang="en-US" dirty="0"/>
-          </a:p>
-        </p:txBody>
-      </p:sp>
-      <p:sp>
-        <p:nvSpPr>
-          <p:cNvPr id="43011" name="Content Placeholder 2"/>
-          <p:cNvSpPr>
-            <a:spLocks noGrp="1"/>
+              <a:rPr lang="en-US" altLang="zh-TW" smtClean="0"/>
+              <a:t>Install PHP + MySQL</a:t>
+            </a:r>
+            <a:endParaRPr lang="zh-TW" altLang="en-US" dirty="0" smtClean="0"/>
+          </a:p>
+        </p:txBody>
+      </p:sp>
+      <p:sp>
+        <p:nvSpPr>
+          <p:cNvPr id="41987" name="Rectangle 3"/>
+          <p:cNvSpPr>
+            <a:spLocks noGrp="1" noChangeArrowheads="1"/>
           </p:cNvSpPr>
           <p:nvPr>
             <p:ph idx="1"/>
@@ -20779,73 +20935,61 @@
         </p:nvSpPr>
         <p:spPr/>
         <p:txBody>
-          <a:bodyPr/>
+          <a:bodyPr>
+            <a:normAutofit fontScale="92500"/>
+          </a:bodyPr>
           <a:lstStyle/>
           <a:p>
             <a:r>
               <a:rPr lang="en-US" altLang="zh-TW" dirty="0" smtClean="0"/>
-              <a:t>Open </a:t>
+              <a:t>Download XAMPP from http://www.xampp.org</a:t>
+            </a:r>
+          </a:p>
+          <a:p>
+            <a:r>
+              <a:rPr lang="en-US" altLang="zh-TW" dirty="0" smtClean="0"/>
+              <a:t>Install to c:\(Windows)  or  /Application/(MAC)</a:t>
+            </a:r>
+          </a:p>
+          <a:p>
+            <a:r>
+              <a:rPr lang="en-US" altLang="zh-TW" dirty="0" smtClean="0"/>
+              <a:t>Open XAMPP Control Panel, start Apache, MySQL</a:t>
+            </a:r>
+          </a:p>
+          <a:p>
+            <a:r>
+              <a:rPr lang="en-US" altLang="zh-TW" dirty="0" smtClean="0"/>
+              <a:t>Test Apache http://localhost</a:t>
+            </a:r>
+          </a:p>
+          <a:p>
+            <a:r>
+              <a:rPr lang="en-US" altLang="zh-TW" dirty="0" smtClean="0"/>
+              <a:t>Test PHP. Save your </a:t>
             </a:r>
             <a:r>
               <a:rPr lang="en-US" altLang="zh-TW" dirty="0" err="1" smtClean="0"/>
-              <a:t>birthday.php</a:t>
+              <a:t>php</a:t>
+            </a:r>
+            <a:r>
+              <a:rPr lang="en-US" altLang="zh-TW" dirty="0" smtClean="0"/>
+              <a:t> files under c:\xampp\htdocs\(Windows)  /Application/XAMPP/</a:t>
+            </a:r>
+            <a:r>
+              <a:rPr lang="en-US" altLang="zh-TW" dirty="0" err="1" smtClean="0"/>
+              <a:t>htdocs</a:t>
+            </a:r>
+            <a:r>
+              <a:rPr lang="en-US" altLang="zh-TW" smtClean="0"/>
+              <a:t>/(MAC)</a:t>
             </a:r>
             <a:endParaRPr lang="en-US" altLang="zh-TW" dirty="0" smtClean="0"/>
           </a:p>
           <a:p>
             <a:r>
               <a:rPr lang="en-US" altLang="zh-TW" dirty="0" smtClean="0"/>
-              <a:t>Echo your birthday as YYYYMMDD format.</a:t>
-            </a:r>
-          </a:p>
-          <a:p>
-            <a:r>
-              <a:rPr lang="en-US" altLang="zh-TW" dirty="0" smtClean="0"/>
-              <a:t>EG. (31-Jan-1990)  echo </a:t>
-            </a:r>
-            <a:r>
-              <a:rPr lang="mr-IN" altLang="zh-TW" dirty="0" smtClean="0"/>
-              <a:t>"</a:t>
-            </a:r>
-            <a:r>
-              <a:rPr lang="en-US" altLang="zh-TW" smtClean="0"/>
-              <a:t>19900911</a:t>
-            </a:r>
-            <a:r>
-              <a:rPr lang="mr-IN" altLang="zh-TW" smtClean="0"/>
-              <a:t>"</a:t>
-            </a:r>
-            <a:r>
-              <a:rPr lang="en-US" altLang="zh-TW" dirty="0" smtClean="0"/>
-              <a:t>;</a:t>
-            </a:r>
-          </a:p>
-          <a:p>
-            <a:r>
-              <a:rPr lang="en-US" altLang="zh-TW" dirty="0" smtClean="0"/>
-              <a:t>Echo today date as YYYYMMDD format</a:t>
-            </a:r>
-          </a:p>
-          <a:p>
-            <a:r>
-              <a:rPr lang="en-US" altLang="zh-TW" dirty="0" smtClean="0"/>
-              <a:t>EG. echo date(</a:t>
-            </a:r>
-            <a:r>
-              <a:rPr lang="mr-IN" altLang="zh-TW" dirty="0" smtClean="0"/>
-              <a:t>"</a:t>
-            </a:r>
-            <a:r>
-              <a:rPr lang="en-US" altLang="zh-TW" dirty="0" smtClean="0"/>
-              <a:t>xxx</a:t>
-            </a:r>
-            <a:r>
-              <a:rPr lang="mr-IN" altLang="zh-TW" dirty="0" smtClean="0"/>
-              <a:t>"</a:t>
-            </a:r>
-            <a:r>
-              <a:rPr lang="en-US" altLang="zh-TW" dirty="0" smtClean="0"/>
-              <a:t>);</a:t>
+              <a:t>Test your web page: http://localhost/filename.php</a:t>
             </a:r>
           </a:p>
         </p:txBody>
@@ -20896,7 +21040,7 @@
       </p:grpSpPr>
       <p:sp>
         <p:nvSpPr>
-          <p:cNvPr id="171010" name="Rectangle 2"/>
+          <p:cNvPr id="157698" name="Rectangle 2"/>
           <p:cNvSpPr>
             <a:spLocks noGrp="1" noChangeArrowheads="1"/>
           </p:cNvSpPr>
@@ -20918,7 +21062,7 @@
       </p:sp>
       <p:sp>
         <p:nvSpPr>
-          <p:cNvPr id="46083" name="Rectangle 3"/>
+          <p:cNvPr id="44035" name="Rectangle 3"/>
           <p:cNvSpPr>
             <a:spLocks noGrp="1" noChangeArrowheads="1"/>
           </p:cNvSpPr>
@@ -20929,54 +21073,127 @@
         <p:spPr/>
         <p:txBody>
           <a:bodyPr>
-            <a:normAutofit fontScale="92500" lnSpcReduction="20000"/>
+            <a:normAutofit lnSpcReduction="10000"/>
           </a:bodyPr>
           <a:lstStyle/>
           <a:p>
             <a:r>
-              <a:rPr lang="en-US" altLang="zh-TW" smtClean="0"/>
-              <a:t>Find an integer of a decimal number</a:t>
-            </a:r>
-          </a:p>
-          <a:p>
-            <a:r>
-              <a:rPr lang="en-US" altLang="zh-TW" smtClean="0"/>
-              <a:t>echo round(3.4);</a:t>
-            </a:r>
-          </a:p>
-          <a:p>
-            <a:r>
-              <a:rPr lang="en-US" altLang="zh-TW" smtClean="0"/>
-              <a:t>echo round(3.5);</a:t>
-            </a:r>
-          </a:p>
-          <a:p>
-            <a:r>
-              <a:rPr lang="en-US" altLang="zh-TW" smtClean="0"/>
-              <a:t>echo floor(3.4); </a:t>
-            </a:r>
-          </a:p>
-          <a:p>
-            <a:r>
-              <a:rPr lang="en-US" altLang="zh-TW" smtClean="0"/>
-              <a:t>echo floor(3.5);</a:t>
-            </a:r>
-          </a:p>
-          <a:p>
-            <a:r>
-              <a:rPr lang="en-US" altLang="zh-TW" smtClean="0"/>
-              <a:t>roundFloor.php</a:t>
-            </a:r>
-          </a:p>
-          <a:p>
-            <a:endParaRPr lang="en-US" altLang="zh-TW" smtClean="0"/>
-          </a:p>
-          <a:p>
-            <a:r>
-              <a:rPr lang="en-US" altLang="zh-TW" smtClean="0"/>
-              <a:t>Q: How to find the next integer value?</a:t>
+              <a:rPr lang="en-US" altLang="zh-TW" dirty="0" smtClean="0"/>
+              <a:t>echo date(</a:t>
+            </a:r>
+            <a:r>
+              <a:rPr lang="mr-IN" altLang="zh-TW" dirty="0" smtClean="0"/>
+              <a:t>"</a:t>
+            </a:r>
+            <a:r>
+              <a:rPr lang="en-US" altLang="zh-TW" dirty="0" err="1" smtClean="0"/>
+              <a:t>H:i</a:t>
+            </a:r>
+            <a:r>
+              <a:rPr lang="en-US" altLang="zh-TW" dirty="0" smtClean="0"/>
+              <a:t>, </a:t>
+            </a:r>
+            <a:r>
+              <a:rPr lang="en-US" altLang="zh-TW" dirty="0" err="1" smtClean="0"/>
+              <a:t>jS</a:t>
+            </a:r>
+            <a:r>
+              <a:rPr lang="en-US" altLang="zh-TW" dirty="0" smtClean="0"/>
+              <a:t> F</a:t>
+            </a:r>
+            <a:r>
+              <a:rPr lang="mr-IN" altLang="zh-TW" dirty="0" smtClean="0"/>
+              <a:t>"</a:t>
+            </a:r>
+            <a:r>
+              <a:rPr lang="en-US" altLang="zh-TW" dirty="0" smtClean="0"/>
+              <a:t>);</a:t>
+            </a:r>
+          </a:p>
+          <a:p>
+            <a:r>
+              <a:rPr lang="en-US" altLang="zh-TW" dirty="0" smtClean="0"/>
+              <a:t>echo date(</a:t>
+            </a:r>
+            <a:r>
+              <a:rPr lang="mr-IN" altLang="zh-TW" dirty="0" smtClean="0"/>
+              <a:t>"</a:t>
+            </a:r>
+            <a:r>
+              <a:rPr lang="en-US" altLang="zh-TW" dirty="0" smtClean="0"/>
+              <a:t>l </a:t>
+            </a:r>
+            <a:r>
+              <a:rPr lang="en-US" altLang="zh-TW" dirty="0" err="1" smtClean="0"/>
+              <a:t>dS</a:t>
+            </a:r>
+            <a:r>
+              <a:rPr lang="en-US" altLang="zh-TW" dirty="0" smtClean="0"/>
+              <a:t> \of F Y h:i:s A</a:t>
+            </a:r>
+            <a:r>
+              <a:rPr lang="mr-IN" altLang="zh-TW" dirty="0" smtClean="0"/>
+              <a:t>"</a:t>
+            </a:r>
+            <a:r>
+              <a:rPr lang="en-US" altLang="zh-TW" dirty="0" smtClean="0"/>
+              <a:t>);</a:t>
+            </a:r>
+          </a:p>
+          <a:p>
+            <a:r>
+              <a:rPr lang="en-US" altLang="zh-TW" dirty="0" smtClean="0"/>
+              <a:t>Case sensitive</a:t>
+            </a:r>
+          </a:p>
+          <a:p>
+            <a:r>
+              <a:rPr lang="en-US" altLang="zh-TW" dirty="0" err="1" smtClean="0"/>
+              <a:t>date.php</a:t>
             </a:r>
             <a:endParaRPr lang="en-US" altLang="zh-TW" dirty="0" smtClean="0"/>
+          </a:p>
+          <a:p>
+            <a:r>
+              <a:rPr lang="en-US" altLang="zh-TW" dirty="0" err="1" smtClean="0"/>
+              <a:t>gmdate</a:t>
+            </a:r>
+            <a:r>
+              <a:rPr lang="en-US" altLang="zh-TW" dirty="0" smtClean="0"/>
+              <a:t>('</a:t>
+            </a:r>
+            <a:r>
+              <a:rPr lang="en-US" altLang="zh-TW" dirty="0" err="1" smtClean="0"/>
+              <a:t>H:i:s</a:t>
+            </a:r>
+            <a:r>
+              <a:rPr lang="en-US" altLang="zh-TW" dirty="0" smtClean="0"/>
+              <a:t>', time()+8*3600);</a:t>
+            </a:r>
+          </a:p>
+          <a:p>
+            <a:r>
+              <a:rPr lang="en-US" altLang="zh-TW" dirty="0" err="1" smtClean="0"/>
+              <a:t>date_default_timezone_set</a:t>
+            </a:r>
+            <a:r>
+              <a:rPr lang="en-US" altLang="zh-TW" dirty="0" smtClean="0"/>
+              <a:t>('Asia/</a:t>
+            </a:r>
+            <a:r>
+              <a:rPr lang="en-US" altLang="zh-TW" dirty="0" err="1" smtClean="0"/>
+              <a:t>Hong_Kong</a:t>
+            </a:r>
+            <a:r>
+              <a:rPr lang="en-US" altLang="zh-TW" dirty="0" smtClean="0"/>
+              <a:t>');</a:t>
+            </a:r>
+          </a:p>
+          <a:p>
+            <a:r>
+              <a:rPr lang="en-US" altLang="zh-TW" dirty="0" smtClean="0"/>
+              <a:t>http://hk2.php.net/manual/en/function.date.php</a:t>
+            </a:r>
           </a:p>
         </p:txBody>
       </p:sp>
@@ -21026,9 +21243,9 @@
       </p:grpSpPr>
       <p:sp>
         <p:nvSpPr>
-          <p:cNvPr id="139266" name="Rectangle 2"/>
-          <p:cNvSpPr>
-            <a:spLocks noGrp="1" noChangeArrowheads="1"/>
+          <p:cNvPr id="2" name="Title 1"/>
+          <p:cNvSpPr>
+            <a:spLocks noGrp="1"/>
           </p:cNvSpPr>
           <p:nvPr>
             <p:ph type="title"/>
@@ -21040,18 +21257,18 @@
           <a:lstStyle/>
           <a:p>
             <a:r>
-              <a:rPr lang="en-US" altLang="zh-TW" smtClean="0"/>
-              <a:t>Variable I</a:t>
-            </a:r>
-            <a:endParaRPr lang="en-US" altLang="zh-TW" dirty="0" smtClean="0"/>
-          </a:p>
-        </p:txBody>
-      </p:sp>
-      <p:sp>
-        <p:nvSpPr>
-          <p:cNvPr id="47107" name="Rectangle 3"/>
-          <p:cNvSpPr>
-            <a:spLocks noGrp="1" noChangeArrowheads="1"/>
+              <a:rPr lang="en-US" dirty="0" smtClean="0"/>
+              <a:t>Classwork</a:t>
+            </a:r>
+            <a:endParaRPr lang="en-US" dirty="0"/>
+          </a:p>
+        </p:txBody>
+      </p:sp>
+      <p:sp>
+        <p:nvSpPr>
+          <p:cNvPr id="43011" name="Content Placeholder 2"/>
+          <p:cNvSpPr>
+            <a:spLocks noGrp="1"/>
           </p:cNvSpPr>
           <p:nvPr>
             <p:ph idx="1"/>
@@ -21063,22 +21280,70 @@
           <a:lstStyle/>
           <a:p>
             <a:r>
+              <a:rPr lang="en-US" altLang="zh-TW" dirty="0" smtClean="0"/>
+              <a:t>Open </a:t>
+            </a:r>
+            <a:r>
+              <a:rPr lang="en-US" altLang="zh-TW" dirty="0" err="1" smtClean="0"/>
+              <a:t>birthday.php</a:t>
+            </a:r>
+            <a:endParaRPr lang="en-US" altLang="zh-TW" dirty="0" smtClean="0"/>
+          </a:p>
+          <a:p>
+            <a:r>
+              <a:rPr lang="en-US" altLang="zh-TW" dirty="0" smtClean="0"/>
+              <a:t>Echo your birthday as YYYYMMDD format.</a:t>
+            </a:r>
+          </a:p>
+          <a:p>
+            <a:r>
+              <a:rPr lang="en-US" altLang="zh-TW" dirty="0" smtClean="0"/>
+              <a:t>EG. (31-Jan-1990)  echo </a:t>
+            </a:r>
+            <a:r>
+              <a:rPr lang="mr-IN" altLang="zh-TW" dirty="0" smtClean="0"/>
+              <a:t>"</a:t>
+            </a:r>
+            <a:r>
               <a:rPr lang="en-US" altLang="zh-TW" smtClean="0"/>
-              <a:t>Each variable start with a dollar sign ($)</a:t>
-            </a:r>
-          </a:p>
-          <a:p>
-            <a:r>
-              <a:rPr lang="en-US" altLang="zh-TW" smtClean="0"/>
-              <a:t>PHP is case sensitive $car&lt;&gt;$Car</a:t>
-            </a:r>
-          </a:p>
-          <a:p>
-            <a:r>
-              <a:rPr lang="en-US" altLang="zh-TW" smtClean="0"/>
-              <a:t>Hello.php</a:t>
-            </a:r>
-            <a:endParaRPr lang="en-US" altLang="zh-TW" dirty="0" smtClean="0"/>
+              <a:t>19900911</a:t>
+            </a:r>
+            <a:r>
+              <a:rPr lang="mr-IN" altLang="zh-TW" smtClean="0"/>
+              <a:t>"</a:t>
+            </a:r>
+            <a:r>
+              <a:rPr lang="en-US" altLang="zh-TW" dirty="0" smtClean="0"/>
+              <a:t>;</a:t>
+            </a:r>
+          </a:p>
+          <a:p>
+            <a:r>
+              <a:rPr lang="en-US" altLang="zh-TW" dirty="0" smtClean="0"/>
+              <a:t>Echo today date as YYYYMMDD format</a:t>
+            </a:r>
+          </a:p>
+          <a:p>
+            <a:r>
+              <a:rPr lang="en-US" altLang="zh-TW" dirty="0" smtClean="0"/>
+              <a:t>EG. echo date(</a:t>
+            </a:r>
+            <a:r>
+              <a:rPr lang="mr-IN" altLang="zh-TW" dirty="0" smtClean="0"/>
+              <a:t>"</a:t>
+            </a:r>
+            <a:r>
+              <a:rPr lang="en-US" altLang="zh-TW" dirty="0" smtClean="0"/>
+              <a:t>xxx</a:t>
+            </a:r>
+            <a:r>
+              <a:rPr lang="mr-IN" altLang="zh-TW" dirty="0" smtClean="0"/>
+              <a:t>"</a:t>
+            </a:r>
+            <a:r>
+              <a:rPr lang="en-US" altLang="zh-TW" dirty="0" smtClean="0"/>
+              <a:t>);</a:t>
+            </a:r>
           </a:p>
         </p:txBody>
       </p:sp>
@@ -21128,7 +21393,7 @@
       </p:grpSpPr>
       <p:sp>
         <p:nvSpPr>
-          <p:cNvPr id="154626" name="Rectangle 2"/>
+          <p:cNvPr id="171010" name="Rectangle 2"/>
           <p:cNvSpPr>
             <a:spLocks noGrp="1" noChangeArrowheads="1"/>
           </p:cNvSpPr>
@@ -21143,15 +21408,14 @@
           <a:p>
             <a:r>
               <a:rPr lang="en-US" altLang="zh-TW" smtClean="0"/>
-              <a:t>Variable II</a:t>
-            </a:r>
-            <a:endParaRPr lang="en-US" altLang="zh-TW" dirty="0" smtClean="0"/>
-          </a:p>
-        </p:txBody>
-      </p:sp>
-      <p:sp>
-        <p:nvSpPr>
-          <p:cNvPr id="48131" name="Rectangle 3"/>
+              <a:t>Functions</a:t>
+            </a:r>
+          </a:p>
+        </p:txBody>
+      </p:sp>
+      <p:sp>
+        <p:nvSpPr>
+          <p:cNvPr id="46083" name="Rectangle 3"/>
           <p:cNvSpPr>
             <a:spLocks noGrp="1" noChangeArrowheads="1"/>
           </p:cNvSpPr>
@@ -21162,154 +21426,54 @@
         <p:spPr/>
         <p:txBody>
           <a:bodyPr>
-            <a:normAutofit lnSpcReduction="10000"/>
+            <a:normAutofit fontScale="92500" lnSpcReduction="20000"/>
           </a:bodyPr>
           <a:lstStyle/>
           <a:p>
             <a:r>
-              <a:rPr lang="mr-IN" altLang="zh-TW" dirty="0" smtClean="0"/>
-              <a:t>"</a:t>
-            </a:r>
-            <a:r>
-              <a:rPr lang="zh-TW" altLang="en-US" dirty="0" smtClean="0"/>
-              <a:t>\</a:t>
-            </a:r>
-            <a:r>
-              <a:rPr lang="mr-IN" altLang="zh-TW" dirty="0" smtClean="0"/>
-              <a:t>"</a:t>
-            </a:r>
-            <a:r>
-              <a:rPr lang="zh-TW" altLang="en-US" dirty="0" smtClean="0"/>
-              <a:t> </a:t>
-            </a:r>
-            <a:r>
-              <a:rPr lang="en-US" altLang="zh-TW" dirty="0" smtClean="0"/>
-              <a:t>is used for special command or character</a:t>
-            </a:r>
-          </a:p>
-          <a:p>
-            <a:r>
-              <a:rPr lang="mr-IN" altLang="zh-TW" dirty="0" smtClean="0"/>
-              <a:t>"</a:t>
-            </a:r>
-            <a:r>
-              <a:rPr lang="en-US" altLang="zh-TW" dirty="0" smtClean="0"/>
-              <a:t> \n </a:t>
-            </a:r>
-            <a:r>
-              <a:rPr lang="mr-IN" altLang="zh-TW" dirty="0" smtClean="0"/>
-              <a:t>"</a:t>
-            </a:r>
-            <a:r>
-              <a:rPr lang="en-US" altLang="zh-TW" dirty="0" smtClean="0"/>
-              <a:t> is next line in email, same as &lt;</a:t>
-            </a:r>
-            <a:r>
-              <a:rPr lang="en-US" altLang="zh-TW" dirty="0" err="1" smtClean="0"/>
-              <a:t>br</a:t>
-            </a:r>
-            <a:r>
-              <a:rPr lang="en-US" altLang="zh-TW" dirty="0" smtClean="0"/>
-              <a:t>&gt; in html</a:t>
-            </a:r>
-          </a:p>
-          <a:p>
-            <a:r>
-              <a:rPr lang="mr-IN" altLang="zh-TW" dirty="0" smtClean="0"/>
-              <a:t>"</a:t>
-            </a:r>
-            <a:r>
-              <a:rPr lang="en-US" altLang="zh-TW" dirty="0" smtClean="0"/>
-              <a:t> \r </a:t>
-            </a:r>
-            <a:r>
-              <a:rPr lang="mr-IN" altLang="zh-TW" dirty="0" smtClean="0"/>
-              <a:t>"</a:t>
-            </a:r>
-            <a:r>
-              <a:rPr lang="en-US" altLang="zh-TW" dirty="0" smtClean="0"/>
-              <a:t> = carriage return</a:t>
-            </a:r>
-          </a:p>
-          <a:p>
-            <a:r>
-              <a:rPr lang="mr-IN" altLang="zh-TW" dirty="0" smtClean="0"/>
-              <a:t>"</a:t>
-            </a:r>
-            <a:r>
-              <a:rPr lang="en-US" altLang="zh-TW" dirty="0" smtClean="0"/>
-              <a:t> \t </a:t>
-            </a:r>
-            <a:r>
-              <a:rPr lang="mr-IN" altLang="zh-TW" dirty="0" smtClean="0"/>
-              <a:t>"</a:t>
-            </a:r>
-            <a:r>
-              <a:rPr lang="en-US" altLang="zh-TW" dirty="0" smtClean="0"/>
-              <a:t> = tab</a:t>
-            </a:r>
-          </a:p>
-          <a:p>
-            <a:r>
-              <a:rPr lang="mr-IN" altLang="zh-TW" dirty="0" smtClean="0"/>
-              <a:t>"</a:t>
-            </a:r>
-            <a:r>
-              <a:rPr lang="en-US" altLang="zh-TW" dirty="0" smtClean="0"/>
-              <a:t> \$ </a:t>
-            </a:r>
-            <a:r>
-              <a:rPr lang="mr-IN" altLang="zh-TW" dirty="0" smtClean="0"/>
-              <a:t>"</a:t>
-            </a:r>
-            <a:r>
-              <a:rPr lang="en-US" altLang="zh-TW" dirty="0" smtClean="0"/>
-              <a:t> is printing the $ sign</a:t>
-            </a:r>
-          </a:p>
-          <a:p>
-            <a:r>
-              <a:rPr lang="mr-IN" altLang="zh-TW" dirty="0" smtClean="0"/>
-              <a:t>"</a:t>
-            </a:r>
-            <a:r>
-              <a:rPr lang="en-US" altLang="zh-TW" dirty="0" smtClean="0"/>
-              <a:t> \\ </a:t>
-            </a:r>
-            <a:r>
-              <a:rPr lang="mr-IN" altLang="zh-TW" dirty="0" smtClean="0"/>
-              <a:t>"</a:t>
-            </a:r>
-            <a:r>
-              <a:rPr lang="en-US" altLang="zh-TW" dirty="0" smtClean="0"/>
-              <a:t> is printing the \ sign</a:t>
-            </a:r>
-          </a:p>
-          <a:p>
-            <a:r>
-              <a:rPr lang="mr-IN" altLang="zh-TW" dirty="0" smtClean="0"/>
-              <a:t>"</a:t>
-            </a:r>
-            <a:r>
-              <a:rPr lang="en-US" altLang="zh-TW" dirty="0" smtClean="0"/>
-              <a:t> \</a:t>
-            </a:r>
-            <a:r>
-              <a:rPr lang="mr-IN" altLang="zh-TW" dirty="0" smtClean="0"/>
-              <a:t>"</a:t>
-            </a:r>
-            <a:r>
-              <a:rPr lang="en-US" altLang="zh-TW" dirty="0" smtClean="0"/>
-              <a:t> </a:t>
-            </a:r>
-            <a:r>
-              <a:rPr lang="mr-IN" altLang="zh-TW" dirty="0" smtClean="0"/>
-              <a:t>"</a:t>
-            </a:r>
-            <a:r>
-              <a:rPr lang="en-US" altLang="zh-TW" dirty="0" smtClean="0"/>
-              <a:t> = ?</a:t>
-            </a:r>
+              <a:rPr lang="en-US" altLang="zh-TW" smtClean="0"/>
+              <a:t>Find an integer of a decimal number</a:t>
+            </a:r>
+          </a:p>
+          <a:p>
+            <a:r>
+              <a:rPr lang="en-US" altLang="zh-TW" smtClean="0"/>
+              <a:t>echo round(3.4);</a:t>
+            </a:r>
+          </a:p>
+          <a:p>
+            <a:r>
+              <a:rPr lang="en-US" altLang="zh-TW" smtClean="0"/>
+              <a:t>echo round(3.5);</a:t>
+            </a:r>
+          </a:p>
+          <a:p>
+            <a:r>
+              <a:rPr lang="en-US" altLang="zh-TW" smtClean="0"/>
+              <a:t>echo floor(3.4); </a:t>
+            </a:r>
+          </a:p>
+          <a:p>
+            <a:r>
+              <a:rPr lang="en-US" altLang="zh-TW" smtClean="0"/>
+              <a:t>echo floor(3.5);</a:t>
+            </a:r>
+          </a:p>
+          <a:p>
+            <a:r>
+              <a:rPr lang="en-US" altLang="zh-TW" smtClean="0"/>
+              <a:t>roundFloor.php</a:t>
+            </a:r>
+          </a:p>
+          <a:p>
+            <a:endParaRPr lang="en-US" altLang="zh-TW" smtClean="0"/>
+          </a:p>
+          <a:p>
+            <a:r>
+              <a:rPr lang="en-US" altLang="zh-TW" smtClean="0"/>
+              <a:t>Q: How to find the next integer value?</a:t>
+            </a:r>
+            <a:endParaRPr lang="en-US" altLang="zh-TW" dirty="0" smtClean="0"/>
           </a:p>
         </p:txBody>
       </p:sp>
@@ -21359,7 +21523,7 @@
       </p:grpSpPr>
       <p:sp>
         <p:nvSpPr>
-          <p:cNvPr id="163842" name="Rectangle 2050"/>
+          <p:cNvPr id="139266" name="Rectangle 2"/>
           <p:cNvSpPr>
             <a:spLocks noGrp="1" noChangeArrowheads="1"/>
           </p:cNvSpPr>
@@ -21374,7 +21538,7 @@
           <a:p>
             <a:r>
               <a:rPr lang="en-US" altLang="zh-TW" smtClean="0"/>
-              <a:t>Variable III</a:t>
+              <a:t>Variable I</a:t>
             </a:r>
             <a:endParaRPr lang="en-US" altLang="zh-TW" dirty="0" smtClean="0"/>
           </a:p>
@@ -21382,7 +21546,7 @@
       </p:sp>
       <p:sp>
         <p:nvSpPr>
-          <p:cNvPr id="49155" name="Rectangle 2051"/>
+          <p:cNvPr id="47107" name="Rectangle 3"/>
           <p:cNvSpPr>
             <a:spLocks noGrp="1" noChangeArrowheads="1"/>
           </p:cNvSpPr>
@@ -21396,44 +21560,21 @@
           <a:lstStyle/>
           <a:p>
             <a:r>
-              <a:rPr lang="en-US" altLang="zh-TW" dirty="0" smtClean="0"/>
-              <a:t>Examples of valid variables names are: $total, $_cell1, $</a:t>
-            </a:r>
-            <a:r>
-              <a:rPr lang="en-US" altLang="zh-TW" dirty="0" err="1" smtClean="0"/>
-              <a:t>length_of_string</a:t>
-            </a:r>
-            <a:endParaRPr lang="en-US" altLang="zh-TW" dirty="0" smtClean="0"/>
-          </a:p>
-          <a:p>
-            <a:r>
-              <a:rPr lang="en-US" altLang="zh-TW" dirty="0" smtClean="0"/>
-              <a:t>Examples of invalid variables names are: $1_total, $2_length, $!total </a:t>
-            </a:r>
-          </a:p>
-          <a:p>
-            <a:r>
-              <a:rPr lang="en-US" altLang="zh-TW" dirty="0" smtClean="0"/>
-              <a:t>$</a:t>
-            </a:r>
-            <a:r>
-              <a:rPr lang="en-US" altLang="zh-TW" dirty="0" err="1" smtClean="0"/>
-              <a:t>oneTwoThreeFour</a:t>
-            </a:r>
-            <a:endParaRPr lang="en-US" altLang="zh-TW" dirty="0" smtClean="0"/>
-          </a:p>
-          <a:p>
-            <a:r>
-              <a:rPr lang="en-US" altLang="zh-TW" dirty="0" smtClean="0"/>
-              <a:t>$</a:t>
-            </a:r>
-            <a:r>
-              <a:rPr lang="en-US" altLang="zh-TW" dirty="0" err="1" smtClean="0"/>
-              <a:t>thisIsVariable</a:t>
-            </a:r>
-            <a:endParaRPr lang="en-US" altLang="zh-TW" dirty="0" smtClean="0"/>
-          </a:p>
-          <a:p>
+              <a:rPr lang="en-US" altLang="zh-TW" smtClean="0"/>
+              <a:t>Each variable start with a dollar sign ($)</a:t>
+            </a:r>
+          </a:p>
+          <a:p>
+            <a:r>
+              <a:rPr lang="en-US" altLang="zh-TW" smtClean="0"/>
+              <a:t>PHP is case sensitive $car&lt;&gt;$Car</a:t>
+            </a:r>
+          </a:p>
+          <a:p>
+            <a:r>
+              <a:rPr lang="en-US" altLang="zh-TW" smtClean="0"/>
+              <a:t>Hello.php</a:t>
+            </a:r>
             <a:endParaRPr lang="en-US" altLang="zh-TW" dirty="0" smtClean="0"/>
           </a:p>
         </p:txBody>
@@ -21484,7 +21625,7 @@
       </p:grpSpPr>
       <p:sp>
         <p:nvSpPr>
-          <p:cNvPr id="141314" name="Rectangle 2"/>
+          <p:cNvPr id="154626" name="Rectangle 2"/>
           <p:cNvSpPr>
             <a:spLocks noGrp="1" noChangeArrowheads="1"/>
           </p:cNvSpPr>
@@ -21499,14 +21640,15 @@
           <a:p>
             <a:r>
               <a:rPr lang="en-US" altLang="zh-TW" smtClean="0"/>
-              <a:t>Variable Types</a:t>
-            </a:r>
-          </a:p>
-        </p:txBody>
-      </p:sp>
-      <p:sp>
-        <p:nvSpPr>
-          <p:cNvPr id="50179" name="Rectangle 3"/>
+              <a:t>Variable II</a:t>
+            </a:r>
+            <a:endParaRPr lang="en-US" altLang="zh-TW" dirty="0" smtClean="0"/>
+          </a:p>
+        </p:txBody>
+      </p:sp>
+      <p:sp>
+        <p:nvSpPr>
+          <p:cNvPr id="48131" name="Rectangle 3"/>
           <p:cNvSpPr>
             <a:spLocks noGrp="1" noChangeArrowheads="1"/>
           </p:cNvSpPr>
@@ -21522,54 +21664,60 @@
           <a:lstStyle/>
           <a:p>
             <a:r>
-              <a:rPr lang="en-US" altLang="zh-TW" dirty="0" smtClean="0"/>
-              <a:t>Integer – whole number, </a:t>
-            </a:r>
-            <a:r>
               <a:rPr lang="mr-IN" altLang="zh-TW" dirty="0" smtClean="0"/>
               <a:t>"</a:t>
             </a:r>
             <a:r>
-              <a:rPr lang="en-US" altLang="zh-TW" dirty="0" smtClean="0"/>
-              <a:t>1</a:t>
+              <a:rPr lang="zh-TW" altLang="en-US" dirty="0" smtClean="0"/>
+              <a:t>\</a:t>
             </a:r>
             <a:r>
               <a:rPr lang="mr-IN" altLang="zh-TW" dirty="0" smtClean="0"/>
               <a:t>"</a:t>
             </a:r>
-            <a:endParaRPr lang="en-US" altLang="zh-TW" dirty="0" smtClean="0"/>
-          </a:p>
-          <a:p>
+            <a:r>
+              <a:rPr lang="zh-TW" altLang="en-US" dirty="0" smtClean="0"/>
+              <a:t> </a:t>
+            </a:r>
             <a:r>
               <a:rPr lang="en-US" altLang="zh-TW" dirty="0" smtClean="0"/>
-              <a:t>Double – real number, </a:t>
-            </a:r>
+              <a:t>is used for special command or character</a:t>
+            </a:r>
+          </a:p>
+          <a:p>
             <a:r>
               <a:rPr lang="mr-IN" altLang="zh-TW" dirty="0" smtClean="0"/>
               <a:t>"</a:t>
             </a:r>
             <a:r>
               <a:rPr lang="en-US" altLang="zh-TW" dirty="0" smtClean="0"/>
-              <a:t>1.00</a:t>
+              <a:t> \n </a:t>
             </a:r>
             <a:r>
               <a:rPr lang="mr-IN" altLang="zh-TW" dirty="0" smtClean="0"/>
               <a:t>"</a:t>
             </a:r>
-            <a:endParaRPr lang="en-US" altLang="zh-TW" dirty="0" smtClean="0"/>
-          </a:p>
-          <a:p>
             <a:r>
               <a:rPr lang="en-US" altLang="zh-TW" dirty="0" smtClean="0"/>
-              <a:t>Character – </a:t>
-            </a:r>
+              <a:t> is next line in email, same as &lt;</a:t>
+            </a:r>
+            <a:r>
+              <a:rPr lang="en-US" altLang="zh-TW" dirty="0" err="1" smtClean="0"/>
+              <a:t>br</a:t>
+            </a:r>
+            <a:r>
+              <a:rPr lang="en-US" altLang="zh-TW" dirty="0" smtClean="0"/>
+              <a:t>&gt; in html</a:t>
+            </a:r>
+          </a:p>
+          <a:p>
             <a:r>
               <a:rPr lang="mr-IN" altLang="zh-TW" dirty="0" smtClean="0"/>
               <a:t>"</a:t>
             </a:r>
             <a:r>
               <a:rPr lang="en-US" altLang="zh-TW" dirty="0" smtClean="0"/>
-              <a:t>A</a:t>
+              <a:t> \r </a:t>
             </a:r>
             <a:r>
               <a:rPr lang="mr-IN" altLang="zh-TW" dirty="0" smtClean="0"/>
@@ -21577,15 +21725,17 @@
             </a:r>
             <a:r>
               <a:rPr lang="en-US" altLang="zh-TW" dirty="0" smtClean="0"/>
-              <a:t>, </a:t>
-            </a:r>
+              <a:t> = carriage return</a:t>
+            </a:r>
+          </a:p>
+          <a:p>
             <a:r>
               <a:rPr lang="mr-IN" altLang="zh-TW" dirty="0" smtClean="0"/>
               <a:t>"</a:t>
             </a:r>
             <a:r>
               <a:rPr lang="en-US" altLang="zh-TW" dirty="0" smtClean="0"/>
-              <a:t>B</a:t>
+              <a:t> \t </a:t>
             </a:r>
             <a:r>
               <a:rPr lang="mr-IN" altLang="zh-TW" dirty="0" smtClean="0"/>
@@ -21593,59 +21743,53 @@
             </a:r>
             <a:r>
               <a:rPr lang="en-US" altLang="zh-TW" dirty="0" smtClean="0"/>
-              <a:t> .. </a:t>
-            </a:r>
+              <a:t> = tab</a:t>
+            </a:r>
+          </a:p>
+          <a:p>
             <a:r>
               <a:rPr lang="mr-IN" altLang="zh-TW" dirty="0" smtClean="0"/>
               <a:t>"</a:t>
             </a:r>
             <a:r>
               <a:rPr lang="en-US" altLang="zh-TW" dirty="0" smtClean="0"/>
-              <a:t>z</a:t>
+              <a:t> \$ </a:t>
             </a:r>
             <a:r>
               <a:rPr lang="mr-IN" altLang="zh-TW" dirty="0" smtClean="0"/>
               <a:t>"</a:t>
             </a:r>
-            <a:endParaRPr lang="en-US" altLang="zh-TW" dirty="0" smtClean="0"/>
-          </a:p>
-          <a:p>
             <a:r>
               <a:rPr lang="en-US" altLang="zh-TW" dirty="0" smtClean="0"/>
-              <a:t>String – strings of characters, </a:t>
-            </a:r>
+              <a:t> is printing the $ sign</a:t>
+            </a:r>
+          </a:p>
+          <a:p>
             <a:r>
               <a:rPr lang="mr-IN" altLang="zh-TW" dirty="0" smtClean="0"/>
               <a:t>"</a:t>
             </a:r>
             <a:r>
               <a:rPr lang="en-US" altLang="zh-TW" dirty="0" smtClean="0"/>
-              <a:t>Hello</a:t>
+              <a:t> \\ </a:t>
             </a:r>
             <a:r>
               <a:rPr lang="mr-IN" altLang="zh-TW" dirty="0" smtClean="0"/>
               <a:t>"</a:t>
             </a:r>
-            <a:endParaRPr lang="en-US" altLang="zh-TW" dirty="0" smtClean="0"/>
-          </a:p>
-          <a:p>
             <a:r>
               <a:rPr lang="en-US" altLang="zh-TW" dirty="0" smtClean="0"/>
-              <a:t>Boolean – true or false, 1 or 0</a:t>
-            </a:r>
-          </a:p>
-          <a:p>
-            <a:r>
-              <a:rPr lang="en-US" altLang="zh-TW" dirty="0" smtClean="0"/>
-              <a:t>Array – multiple data types items, </a:t>
-            </a:r>
+              <a:t> is printing the \ sign</a:t>
+            </a:r>
+          </a:p>
+          <a:p>
             <a:r>
               <a:rPr lang="mr-IN" altLang="zh-TW" dirty="0" smtClean="0"/>
               <a:t>"</a:t>
             </a:r>
             <a:r>
               <a:rPr lang="en-US" altLang="zh-TW" dirty="0" smtClean="0"/>
-              <a:t>$car[I]</a:t>
+              <a:t> \</a:t>
             </a:r>
             <a:r>
               <a:rPr lang="mr-IN" altLang="zh-TW" dirty="0" smtClean="0"/>
@@ -21653,18 +21797,7 @@
             </a:r>
             <a:r>
               <a:rPr lang="en-US" altLang="zh-TW" dirty="0" smtClean="0"/>
-              <a:t>, </a:t>
-            </a:r>
-            <a:r>
-              <a:rPr lang="en-US" altLang="zh-TW" dirty="0" err="1" smtClean="0"/>
-              <a:t>array.php</a:t>
-            </a:r>
-            <a:endParaRPr lang="en-US" altLang="zh-TW" dirty="0" smtClean="0"/>
-          </a:p>
-          <a:p>
-            <a:r>
-              <a:rPr lang="en-US" altLang="zh-TW" dirty="0" smtClean="0"/>
-              <a:t>Object – instances of classes, </a:t>
+              <a:t> </a:t>
             </a:r>
             <a:r>
               <a:rPr lang="mr-IN" altLang="zh-TW" dirty="0" smtClean="0"/>
@@ -21672,13 +21805,8 @@
             </a:r>
             <a:r>
               <a:rPr lang="en-US" altLang="zh-TW" dirty="0" smtClean="0"/>
-              <a:t>$car-&gt;tire=good</a:t>
-            </a:r>
-            <a:r>
-              <a:rPr lang="mr-IN" altLang="zh-TW" dirty="0" smtClean="0"/>
-              <a:t>"</a:t>
-            </a:r>
-            <a:endParaRPr lang="en-US" altLang="zh-TW" dirty="0" smtClean="0"/>
+              <a:t> = ?</a:t>
+            </a:r>
           </a:p>
         </p:txBody>
       </p:sp>
@@ -21728,9 +21856,9 @@
       </p:grpSpPr>
       <p:sp>
         <p:nvSpPr>
-          <p:cNvPr id="2" name="Title 1"/>
-          <p:cNvSpPr>
-            <a:spLocks noGrp="1"/>
+          <p:cNvPr id="163842" name="Rectangle 2050"/>
+          <p:cNvSpPr>
+            <a:spLocks noGrp="1" noChangeArrowheads="1"/>
           </p:cNvSpPr>
           <p:nvPr>
             <p:ph type="title"/>
@@ -21742,18 +21870,18 @@
           <a:lstStyle/>
           <a:p>
             <a:r>
-              <a:rPr lang="en-US" dirty="0" smtClean="0"/>
-              <a:t>Classwork</a:t>
-            </a:r>
-            <a:endParaRPr lang="en-US" dirty="0"/>
-          </a:p>
-        </p:txBody>
-      </p:sp>
-      <p:sp>
-        <p:nvSpPr>
-          <p:cNvPr id="51203" name="Content Placeholder 2"/>
-          <p:cNvSpPr>
-            <a:spLocks noGrp="1"/>
+              <a:rPr lang="en-US" altLang="zh-TW" smtClean="0"/>
+              <a:t>Variable III</a:t>
+            </a:r>
+            <a:endParaRPr lang="en-US" altLang="zh-TW" dirty="0" smtClean="0"/>
+          </a:p>
+        </p:txBody>
+      </p:sp>
+      <p:sp>
+        <p:nvSpPr>
+          <p:cNvPr id="49155" name="Rectangle 2051"/>
+          <p:cNvSpPr>
+            <a:spLocks noGrp="1" noChangeArrowheads="1"/>
           </p:cNvSpPr>
           <p:nvPr>
             <p:ph idx="1"/>
@@ -21765,33 +21893,44 @@
           <a:lstStyle/>
           <a:p>
             <a:r>
-              <a:rPr lang="en-US" altLang="zh-TW" smtClean="0"/>
-              <a:t>Open birthday.php</a:t>
-            </a:r>
-          </a:p>
-          <a:p>
-            <a:r>
-              <a:rPr lang="en-US" altLang="zh-TW" smtClean="0"/>
-              <a:t>Store your name in variable $name</a:t>
-            </a:r>
-          </a:p>
-          <a:p>
-            <a:r>
-              <a:rPr lang="en-US" altLang="zh-TW" smtClean="0"/>
-              <a:t>Store your birth year in $birthday</a:t>
-            </a:r>
-          </a:p>
-          <a:p>
-            <a:r>
-              <a:rPr lang="en-US" altLang="zh-TW" smtClean="0"/>
-              <a:t>Store today date  in $today</a:t>
-            </a:r>
-          </a:p>
-          <a:p>
-            <a:r>
-              <a:rPr lang="en-US" altLang="zh-TW" smtClean="0"/>
-              <a:t>Echo the value in the variables so people can see your name and date of birth in the web page.</a:t>
-            </a:r>
+              <a:rPr lang="en-US" altLang="zh-TW" dirty="0" smtClean="0"/>
+              <a:t>Examples of valid variables names are: $total, $_cell1, $</a:t>
+            </a:r>
+            <a:r>
+              <a:rPr lang="en-US" altLang="zh-TW" dirty="0" err="1" smtClean="0"/>
+              <a:t>length_of_string</a:t>
+            </a:r>
+            <a:endParaRPr lang="en-US" altLang="zh-TW" dirty="0" smtClean="0"/>
+          </a:p>
+          <a:p>
+            <a:r>
+              <a:rPr lang="en-US" altLang="zh-TW" dirty="0" smtClean="0"/>
+              <a:t>Examples of invalid variables names are: $1_total, $2_length, $!total </a:t>
+            </a:r>
+          </a:p>
+          <a:p>
+            <a:r>
+              <a:rPr lang="en-US" altLang="zh-TW" dirty="0" smtClean="0"/>
+              <a:t>$</a:t>
+            </a:r>
+            <a:r>
+              <a:rPr lang="en-US" altLang="zh-TW" dirty="0" err="1" smtClean="0"/>
+              <a:t>oneTwoThreeFour</a:t>
+            </a:r>
+            <a:endParaRPr lang="en-US" altLang="zh-TW" dirty="0" smtClean="0"/>
+          </a:p>
+          <a:p>
+            <a:r>
+              <a:rPr lang="en-US" altLang="zh-TW" dirty="0" smtClean="0"/>
+              <a:t>$</a:t>
+            </a:r>
+            <a:r>
+              <a:rPr lang="en-US" altLang="zh-TW" dirty="0" err="1" smtClean="0"/>
+              <a:t>thisIsVariable</a:t>
+            </a:r>
+            <a:endParaRPr lang="en-US" altLang="zh-TW" dirty="0" smtClean="0"/>
+          </a:p>
+          <a:p>
             <a:endParaRPr lang="en-US" altLang="zh-TW" dirty="0" smtClean="0"/>
           </a:p>
         </p:txBody>
@@ -21901,7 +22040,7 @@
       </p:grpSpPr>
       <p:sp>
         <p:nvSpPr>
-          <p:cNvPr id="144386" name="Rectangle 2"/>
+          <p:cNvPr id="141314" name="Rectangle 2"/>
           <p:cNvSpPr>
             <a:spLocks noGrp="1" noChangeArrowheads="1"/>
           </p:cNvSpPr>
@@ -21916,14 +22055,14 @@
           <a:p>
             <a:r>
               <a:rPr lang="en-US" altLang="zh-TW" smtClean="0"/>
-              <a:t>Operands I</a:t>
-            </a:r>
-          </a:p>
-        </p:txBody>
-      </p:sp>
-      <p:sp>
-        <p:nvSpPr>
-          <p:cNvPr id="52227" name="Rectangle 3"/>
+              <a:t>Variable Types</a:t>
+            </a:r>
+          </a:p>
+        </p:txBody>
+      </p:sp>
+      <p:sp>
+        <p:nvSpPr>
+          <p:cNvPr id="50179" name="Rectangle 3"/>
           <p:cNvSpPr>
             <a:spLocks noGrp="1" noChangeArrowheads="1"/>
           </p:cNvSpPr>
@@ -21934,83 +22073,166 @@
         <p:spPr/>
         <p:txBody>
           <a:bodyPr>
-            <a:normAutofit fontScale="92500" lnSpcReduction="20000"/>
+            <a:normAutofit lnSpcReduction="10000"/>
           </a:bodyPr>
           <a:lstStyle/>
           <a:p>
             <a:r>
-              <a:rPr lang="zh-TW" altLang="en-US" smtClean="0"/>
-              <a:t>+, -, *, /, %</a:t>
-            </a:r>
-          </a:p>
-          <a:p>
-            <a:r>
-              <a:rPr lang="zh-TW" altLang="en-US" smtClean="0"/>
-              <a:t>$</a:t>
-            </a:r>
-            <a:r>
-              <a:rPr lang="en-US" altLang="zh-TW" smtClean="0"/>
-              <a:t>a=7; $b=3;</a:t>
-            </a:r>
-          </a:p>
-          <a:p>
-            <a:r>
-              <a:rPr lang="en-US" altLang="zh-TW" smtClean="0"/>
-              <a:t>$sum=$a+$b;</a:t>
-            </a:r>
-          </a:p>
-          <a:p>
-            <a:r>
-              <a:rPr lang="en-US" altLang="zh-TW" smtClean="0"/>
-              <a:t>$</a:t>
-            </a:r>
-            <a:r>
-              <a:rPr lang="en-US" smtClean="0"/>
-              <a:t>difference</a:t>
-            </a:r>
-            <a:r>
-              <a:rPr lang="en-US" altLang="zh-TW" smtClean="0"/>
-              <a:t>=$a-$b;</a:t>
-            </a:r>
-          </a:p>
-          <a:p>
-            <a:r>
-              <a:rPr lang="en-US" altLang="zh-TW" smtClean="0"/>
-              <a:t>$</a:t>
-            </a:r>
-            <a:r>
-              <a:rPr lang="en-US" smtClean="0"/>
-              <a:t>product</a:t>
-            </a:r>
-            <a:r>
-              <a:rPr lang="en-US" altLang="zh-TW" smtClean="0"/>
-              <a:t>=$a*$b;</a:t>
-            </a:r>
-          </a:p>
-          <a:p>
-            <a:r>
-              <a:rPr lang="en-US" altLang="zh-TW" smtClean="0"/>
-              <a:t>$</a:t>
-            </a:r>
-            <a:r>
-              <a:rPr lang="en-US" smtClean="0"/>
-              <a:t>quotient</a:t>
-            </a:r>
-            <a:r>
-              <a:rPr lang="en-US" altLang="zh-TW" smtClean="0"/>
-              <a:t>=$a/$b;</a:t>
-            </a:r>
-          </a:p>
-          <a:p>
-            <a:r>
-              <a:rPr lang="en-US" altLang="zh-TW" smtClean="0"/>
-              <a:t>$mod=$a%$b;</a:t>
-            </a:r>
-          </a:p>
-          <a:p>
-            <a:r>
-              <a:rPr lang="en-US" altLang="zh-TW" smtClean="0"/>
-              <a:t>operand.php</a:t>
+              <a:rPr lang="en-US" altLang="zh-TW" dirty="0" smtClean="0"/>
+              <a:t>Integer – whole number, </a:t>
+            </a:r>
+            <a:r>
+              <a:rPr lang="mr-IN" altLang="zh-TW" dirty="0" smtClean="0"/>
+              <a:t>"</a:t>
+            </a:r>
+            <a:r>
+              <a:rPr lang="en-US" altLang="zh-TW" dirty="0" smtClean="0"/>
+              <a:t>1</a:t>
+            </a:r>
+            <a:r>
+              <a:rPr lang="mr-IN" altLang="zh-TW" dirty="0" smtClean="0"/>
+              <a:t>"</a:t>
+            </a:r>
+            <a:endParaRPr lang="en-US" altLang="zh-TW" dirty="0" smtClean="0"/>
+          </a:p>
+          <a:p>
+            <a:r>
+              <a:rPr lang="en-US" altLang="zh-TW" dirty="0" smtClean="0"/>
+              <a:t>Double – real number, </a:t>
+            </a:r>
+            <a:r>
+              <a:rPr lang="mr-IN" altLang="zh-TW" dirty="0" smtClean="0"/>
+              <a:t>"</a:t>
+            </a:r>
+            <a:r>
+              <a:rPr lang="en-US" altLang="zh-TW" dirty="0" smtClean="0"/>
+              <a:t>1.00</a:t>
+            </a:r>
+            <a:r>
+              <a:rPr lang="mr-IN" altLang="zh-TW" dirty="0" smtClean="0"/>
+              <a:t>"</a:t>
+            </a:r>
+            <a:endParaRPr lang="en-US" altLang="zh-TW" dirty="0" smtClean="0"/>
+          </a:p>
+          <a:p>
+            <a:r>
+              <a:rPr lang="en-US" altLang="zh-TW" dirty="0" smtClean="0"/>
+              <a:t>Character – </a:t>
+            </a:r>
+            <a:r>
+              <a:rPr lang="mr-IN" altLang="zh-TW" dirty="0" smtClean="0"/>
+              <a:t>"</a:t>
+            </a:r>
+            <a:r>
+              <a:rPr lang="en-US" altLang="zh-TW" dirty="0" smtClean="0"/>
+              <a:t>A</a:t>
+            </a:r>
+            <a:r>
+              <a:rPr lang="mr-IN" altLang="zh-TW" dirty="0" smtClean="0"/>
+              <a:t>"</a:t>
+            </a:r>
+            <a:r>
+              <a:rPr lang="en-US" altLang="zh-TW" dirty="0" smtClean="0"/>
+              <a:t>, </a:t>
+            </a:r>
+            <a:r>
+              <a:rPr lang="mr-IN" altLang="zh-TW" dirty="0" smtClean="0"/>
+              <a:t>"</a:t>
+            </a:r>
+            <a:r>
+              <a:rPr lang="en-US" altLang="zh-TW" dirty="0" smtClean="0"/>
+              <a:t>B</a:t>
+            </a:r>
+            <a:r>
+              <a:rPr lang="mr-IN" altLang="zh-TW" dirty="0" smtClean="0"/>
+              <a:t>"</a:t>
+            </a:r>
+            <a:r>
+              <a:rPr lang="en-US" altLang="zh-TW" dirty="0" smtClean="0"/>
+              <a:t> .. </a:t>
+            </a:r>
+            <a:r>
+              <a:rPr lang="mr-IN" altLang="zh-TW" dirty="0" smtClean="0"/>
+              <a:t>"</a:t>
+            </a:r>
+            <a:r>
+              <a:rPr lang="en-US" altLang="zh-TW" dirty="0" smtClean="0"/>
+              <a:t>z</a:t>
+            </a:r>
+            <a:r>
+              <a:rPr lang="mr-IN" altLang="zh-TW" dirty="0" smtClean="0"/>
+              <a:t>"</a:t>
+            </a:r>
+            <a:endParaRPr lang="en-US" altLang="zh-TW" dirty="0" smtClean="0"/>
+          </a:p>
+          <a:p>
+            <a:r>
+              <a:rPr lang="en-US" altLang="zh-TW" dirty="0" smtClean="0"/>
+              <a:t>String – strings of characters, </a:t>
+            </a:r>
+            <a:r>
+              <a:rPr lang="mr-IN" altLang="zh-TW" dirty="0" smtClean="0"/>
+              <a:t>"</a:t>
+            </a:r>
+            <a:r>
+              <a:rPr lang="en-US" altLang="zh-TW" dirty="0" smtClean="0"/>
+              <a:t>Hello</a:t>
+            </a:r>
+            <a:r>
+              <a:rPr lang="mr-IN" altLang="zh-TW" dirty="0" smtClean="0"/>
+              <a:t>"</a:t>
+            </a:r>
+            <a:endParaRPr lang="en-US" altLang="zh-TW" dirty="0" smtClean="0"/>
+          </a:p>
+          <a:p>
+            <a:r>
+              <a:rPr lang="en-US" altLang="zh-TW" dirty="0" smtClean="0"/>
+              <a:t>Boolean – true or false, 1 or 0</a:t>
+            </a:r>
+          </a:p>
+          <a:p>
+            <a:r>
+              <a:rPr lang="en-US" altLang="zh-TW" dirty="0" smtClean="0"/>
+              <a:t>Array – multiple data types items, </a:t>
+            </a:r>
+            <a:r>
+              <a:rPr lang="mr-IN" altLang="zh-TW" dirty="0" smtClean="0"/>
+              <a:t>"</a:t>
+            </a:r>
+            <a:r>
+              <a:rPr lang="en-US" altLang="zh-TW" dirty="0" smtClean="0"/>
+              <a:t>$car[I]</a:t>
+            </a:r>
+            <a:r>
+              <a:rPr lang="mr-IN" altLang="zh-TW" dirty="0" smtClean="0"/>
+              <a:t>"</a:t>
+            </a:r>
+            <a:r>
+              <a:rPr lang="en-US" altLang="zh-TW" dirty="0" smtClean="0"/>
+              <a:t>, </a:t>
+            </a:r>
+            <a:r>
+              <a:rPr lang="en-US" altLang="zh-TW" dirty="0" err="1" smtClean="0"/>
+              <a:t>array.php</a:t>
+            </a:r>
+            <a:endParaRPr lang="en-US" altLang="zh-TW" dirty="0" smtClean="0"/>
+          </a:p>
+          <a:p>
+            <a:r>
+              <a:rPr lang="en-US" altLang="zh-TW" dirty="0" smtClean="0"/>
+              <a:t>Object – instances of classes, </a:t>
+            </a:r>
+            <a:r>
+              <a:rPr lang="mr-IN" altLang="zh-TW" dirty="0" smtClean="0"/>
+              <a:t>"</a:t>
+            </a:r>
+            <a:r>
+              <a:rPr lang="en-US" altLang="zh-TW" dirty="0" smtClean="0"/>
+              <a:t>$car-&gt;tire=good</a:t>
+            </a:r>
+            <a:r>
+              <a:rPr lang="mr-IN" altLang="zh-TW" dirty="0" smtClean="0"/>
+              <a:t>"</a:t>
             </a:r>
             <a:endParaRPr lang="en-US" altLang="zh-TW" dirty="0" smtClean="0"/>
           </a:p>
@@ -22062,9 +22284,9 @@
       </p:grpSpPr>
       <p:sp>
         <p:nvSpPr>
-          <p:cNvPr id="145410" name="Rectangle 2"/>
-          <p:cNvSpPr>
-            <a:spLocks noGrp="1" noChangeArrowheads="1"/>
+          <p:cNvPr id="2" name="Title 1"/>
+          <p:cNvSpPr>
+            <a:spLocks noGrp="1"/>
           </p:cNvSpPr>
           <p:nvPr>
             <p:ph type="title"/>
@@ -22076,17 +22298,18 @@
           <a:lstStyle/>
           <a:p>
             <a:r>
-              <a:rPr lang="en-US" altLang="zh-TW" smtClean="0"/>
-              <a:t>Errors</a:t>
-            </a:r>
-          </a:p>
-        </p:txBody>
-      </p:sp>
-      <p:sp>
-        <p:nvSpPr>
-          <p:cNvPr id="53251" name="Rectangle 3"/>
-          <p:cNvSpPr>
-            <a:spLocks noGrp="1" noChangeArrowheads="1"/>
+              <a:rPr lang="en-US" dirty="0" smtClean="0"/>
+              <a:t>Classwork</a:t>
+            </a:r>
+            <a:endParaRPr lang="en-US" dirty="0"/>
+          </a:p>
+        </p:txBody>
+      </p:sp>
+      <p:sp>
+        <p:nvSpPr>
+          <p:cNvPr id="51203" name="Content Placeholder 2"/>
+          <p:cNvSpPr>
+            <a:spLocks noGrp="1"/>
           </p:cNvSpPr>
           <p:nvPr>
             <p:ph idx="1"/>
@@ -22099,14 +22322,33 @@
           <a:p>
             <a:r>
               <a:rPr lang="en-US" altLang="zh-TW" smtClean="0"/>
-              <a:t>Errors will be shown in the page with line number</a:t>
+              <a:t>Open birthday.php</a:t>
             </a:r>
           </a:p>
           <a:p>
             <a:r>
               <a:rPr lang="en-US" altLang="zh-TW" smtClean="0"/>
-              <a:t>Ctrl+G to go the line</a:t>
-            </a:r>
+              <a:t>Store your name in variable $name</a:t>
+            </a:r>
+          </a:p>
+          <a:p>
+            <a:r>
+              <a:rPr lang="en-US" altLang="zh-TW" smtClean="0"/>
+              <a:t>Store your birth year in $birthday</a:t>
+            </a:r>
+          </a:p>
+          <a:p>
+            <a:r>
+              <a:rPr lang="en-US" altLang="zh-TW" smtClean="0"/>
+              <a:t>Store today date  in $today</a:t>
+            </a:r>
+          </a:p>
+          <a:p>
+            <a:r>
+              <a:rPr lang="en-US" altLang="zh-TW" smtClean="0"/>
+              <a:t>Echo the value in the variables so people can see your name and date of birth in the web page.</a:t>
+            </a:r>
+            <a:endParaRPr lang="en-US" altLang="zh-TW" dirty="0" smtClean="0"/>
           </a:p>
         </p:txBody>
       </p:sp>
@@ -22156,7 +22398,7 @@
       </p:grpSpPr>
       <p:sp>
         <p:nvSpPr>
-          <p:cNvPr id="165890" name="Rectangle 2"/>
+          <p:cNvPr id="144386" name="Rectangle 2"/>
           <p:cNvSpPr>
             <a:spLocks noGrp="1" noChangeArrowheads="1"/>
           </p:cNvSpPr>
@@ -22171,14 +22413,14 @@
           <a:p>
             <a:r>
               <a:rPr lang="en-US" altLang="zh-TW" smtClean="0"/>
-              <a:t>Debug</a:t>
-            </a:r>
-          </a:p>
-        </p:txBody>
-      </p:sp>
-      <p:sp>
-        <p:nvSpPr>
-          <p:cNvPr id="54275" name="Rectangle 3"/>
+              <a:t>Operands I</a:t>
+            </a:r>
+          </a:p>
+        </p:txBody>
+      </p:sp>
+      <p:sp>
+        <p:nvSpPr>
+          <p:cNvPr id="52227" name="Rectangle 3"/>
           <p:cNvSpPr>
             <a:spLocks noGrp="1" noChangeArrowheads="1"/>
           </p:cNvSpPr>
@@ -22188,19 +22430,86 @@
         </p:nvSpPr>
         <p:spPr/>
         <p:txBody>
-          <a:bodyPr/>
+          <a:bodyPr>
+            <a:normAutofit fontScale="92500" lnSpcReduction="20000"/>
+          </a:bodyPr>
           <a:lstStyle/>
           <a:p>
             <a:r>
+              <a:rPr lang="zh-TW" altLang="en-US" smtClean="0"/>
+              <a:t>+, -, *, /, %</a:t>
+            </a:r>
+          </a:p>
+          <a:p>
+            <a:r>
+              <a:rPr lang="zh-TW" altLang="en-US" smtClean="0"/>
+              <a:t>$</a:t>
+            </a:r>
+            <a:r>
               <a:rPr lang="en-US" altLang="zh-TW" smtClean="0"/>
-              <a:t>Ctrl+backspace - Delete a word on the left</a:t>
+              <a:t>a=7; $b=3;</a:t>
             </a:r>
           </a:p>
           <a:p>
             <a:r>
               <a:rPr lang="en-US" altLang="zh-TW" smtClean="0"/>
-              <a:t>Ctrl+Delete - Delete a word on the right</a:t>
-            </a:r>
+              <a:t>$sum=$a+$b;</a:t>
+            </a:r>
+          </a:p>
+          <a:p>
+            <a:r>
+              <a:rPr lang="en-US" altLang="zh-TW" smtClean="0"/>
+              <a:t>$</a:t>
+            </a:r>
+            <a:r>
+              <a:rPr lang="en-US" smtClean="0"/>
+              <a:t>difference</a:t>
+            </a:r>
+            <a:r>
+              <a:rPr lang="en-US" altLang="zh-TW" smtClean="0"/>
+              <a:t>=$a-$b;</a:t>
+            </a:r>
+          </a:p>
+          <a:p>
+            <a:r>
+              <a:rPr lang="en-US" altLang="zh-TW" smtClean="0"/>
+              <a:t>$</a:t>
+            </a:r>
+            <a:r>
+              <a:rPr lang="en-US" smtClean="0"/>
+              <a:t>product</a:t>
+            </a:r>
+            <a:r>
+              <a:rPr lang="en-US" altLang="zh-TW" smtClean="0"/>
+              <a:t>=$a*$b;</a:t>
+            </a:r>
+          </a:p>
+          <a:p>
+            <a:r>
+              <a:rPr lang="en-US" altLang="zh-TW" smtClean="0"/>
+              <a:t>$</a:t>
+            </a:r>
+            <a:r>
+              <a:rPr lang="en-US" smtClean="0"/>
+              <a:t>quotient</a:t>
+            </a:r>
+            <a:r>
+              <a:rPr lang="en-US" altLang="zh-TW" smtClean="0"/>
+              <a:t>=$a/$b;</a:t>
+            </a:r>
+          </a:p>
+          <a:p>
+            <a:r>
+              <a:rPr lang="en-US" altLang="zh-TW" smtClean="0"/>
+              <a:t>$mod=$a%$b;</a:t>
+            </a:r>
+          </a:p>
+          <a:p>
+            <a:r>
+              <a:rPr lang="en-US" altLang="zh-TW" smtClean="0"/>
+              <a:t>operand.php</a:t>
+            </a:r>
+            <a:endParaRPr lang="en-US" altLang="zh-TW" dirty="0" smtClean="0"/>
           </a:p>
         </p:txBody>
       </p:sp>
@@ -22250,9 +22559,9 @@
       </p:grpSpPr>
       <p:sp>
         <p:nvSpPr>
-          <p:cNvPr id="2" name="Title 1"/>
-          <p:cNvSpPr>
-            <a:spLocks noGrp="1"/>
+          <p:cNvPr id="145410" name="Rectangle 2"/>
+          <p:cNvSpPr>
+            <a:spLocks noGrp="1" noChangeArrowheads="1"/>
           </p:cNvSpPr>
           <p:nvPr>
             <p:ph type="title"/>
@@ -22264,18 +22573,17 @@
           <a:lstStyle/>
           <a:p>
             <a:r>
-              <a:rPr lang="en-US" smtClean="0"/>
-              <a:t>Exercise</a:t>
-            </a:r>
-            <a:endParaRPr lang="en-US" dirty="0"/>
-          </a:p>
-        </p:txBody>
-      </p:sp>
-      <p:sp>
-        <p:nvSpPr>
-          <p:cNvPr id="55299" name="Content Placeholder 2"/>
-          <p:cNvSpPr>
-            <a:spLocks noGrp="1"/>
+              <a:rPr lang="en-US" altLang="zh-TW" smtClean="0"/>
+              <a:t>Errors</a:t>
+            </a:r>
+          </a:p>
+        </p:txBody>
+      </p:sp>
+      <p:sp>
+        <p:nvSpPr>
+          <p:cNvPr id="53251" name="Rectangle 3"/>
+          <p:cNvSpPr>
+            <a:spLocks noGrp="1" noChangeArrowheads="1"/>
           </p:cNvSpPr>
           <p:nvPr>
             <p:ph idx="1"/>
@@ -22287,40 +22595,14 @@
           <a:lstStyle/>
           <a:p>
             <a:r>
-              <a:rPr lang="en-US" altLang="zh-TW" dirty="0" smtClean="0"/>
-              <a:t>Find out your age</a:t>
-            </a:r>
-          </a:p>
-          <a:p>
-            <a:r>
-              <a:rPr lang="en-US" altLang="zh-TW" dirty="0" smtClean="0"/>
-              <a:t>Age = this year – your birth year</a:t>
-            </a:r>
-          </a:p>
-          <a:p>
-            <a:r>
-              <a:rPr lang="en-US" altLang="zh-TW" dirty="0" smtClean="0"/>
-              <a:t>Use date function to find out this year in the format (</a:t>
-            </a:r>
-            <a:r>
-              <a:rPr lang="en-US" altLang="zh-TW" dirty="0" err="1" smtClean="0"/>
-              <a:t>yyyy</a:t>
-            </a:r>
-            <a:r>
-              <a:rPr lang="en-US" altLang="zh-TW" dirty="0" smtClean="0"/>
-              <a:t>).  EG. 2017</a:t>
-            </a:r>
-          </a:p>
-          <a:p>
-            <a:r>
-              <a:rPr lang="en-US" altLang="zh-TW" dirty="0" smtClean="0"/>
-              <a:t>Calculate your age.</a:t>
-            </a:r>
-          </a:p>
-          <a:p>
-            <a:r>
-              <a:rPr lang="en-US" altLang="zh-TW" dirty="0" smtClean="0"/>
-              <a:t>Display your age.</a:t>
+              <a:rPr lang="en-US" altLang="zh-TW" smtClean="0"/>
+              <a:t>Errors will be shown in the page with line number</a:t>
+            </a:r>
+          </a:p>
+          <a:p>
+            <a:r>
+              <a:rPr lang="en-US" altLang="zh-TW" smtClean="0"/>
+              <a:t>Ctrl+G to go the line</a:t>
             </a:r>
           </a:p>
         </p:txBody>
@@ -22342,6 +22624,13 @@
       </p:transition>
     </mc:Fallback>
   </mc:AlternateContent>
+  <p:timing>
+    <p:tnLst>
+      <p:par>
+        <p:cTn id="1" dur="indefinite" restart="never" nodeType="tmRoot"/>
+      </p:par>
+    </p:tnLst>
+  </p:timing>
 </p:sld>
 </file>
 
@@ -22364,7 +22653,7 @@
       </p:grpSpPr>
       <p:sp>
         <p:nvSpPr>
-          <p:cNvPr id="164866" name="Rectangle 1026"/>
+          <p:cNvPr id="165890" name="Rectangle 2"/>
           <p:cNvSpPr>
             <a:spLocks noGrp="1" noChangeArrowheads="1"/>
           </p:cNvSpPr>
@@ -22379,15 +22668,14 @@
           <a:p>
             <a:r>
               <a:rPr lang="en-US" altLang="zh-TW" smtClean="0"/>
-              <a:t>More Exercise</a:t>
-            </a:r>
-            <a:endParaRPr lang="en-US" altLang="zh-TW" dirty="0" smtClean="0"/>
-          </a:p>
-        </p:txBody>
-      </p:sp>
-      <p:sp>
-        <p:nvSpPr>
-          <p:cNvPr id="56323" name="Rectangle 1027"/>
+              <a:t>Debug</a:t>
+            </a:r>
+          </a:p>
+        </p:txBody>
+      </p:sp>
+      <p:sp>
+        <p:nvSpPr>
+          <p:cNvPr id="54275" name="Rectangle 3"/>
           <p:cNvSpPr>
             <a:spLocks noGrp="1" noChangeArrowheads="1"/>
           </p:cNvSpPr>
@@ -22401,224 +22689,15 @@
           <a:lstStyle/>
           <a:p>
             <a:r>
-              <a:rPr lang="en-US" altLang="zh-TW" dirty="0" smtClean="0"/>
-              <a:t>Open </a:t>
-            </a:r>
-            <a:r>
-              <a:rPr lang="en-US" altLang="zh-TW" dirty="0" err="1" smtClean="0"/>
-              <a:t>birthday.php</a:t>
-            </a:r>
-            <a:endParaRPr lang="en-US" altLang="zh-TW" dirty="0" smtClean="0"/>
-          </a:p>
-          <a:p>
-            <a:r>
-              <a:rPr lang="en-US" altLang="zh-TW" dirty="0" smtClean="0"/>
-              <a:t>Find your age by $age=$today-$birthday</a:t>
-            </a:r>
-          </a:p>
-          <a:p>
-            <a:r>
-              <a:rPr lang="en-US" altLang="zh-TW" dirty="0" smtClean="0"/>
-              <a:t>How to remove the last four digit?</a:t>
-            </a:r>
-          </a:p>
-          <a:p>
-            <a:r>
-              <a:rPr lang="en-US" altLang="zh-TW" dirty="0" smtClean="0"/>
-              <a:t>How to cut off the decimal places?</a:t>
-            </a:r>
-          </a:p>
-          <a:p>
-            <a:endParaRPr lang="en-US" altLang="zh-TW" dirty="0" smtClean="0"/>
-          </a:p>
-          <a:p>
-            <a:endParaRPr lang="en-US" altLang="zh-TW" dirty="0" smtClean="0"/>
-          </a:p>
-        </p:txBody>
-      </p:sp>
-      <p:sp>
-        <p:nvSpPr>
-          <p:cNvPr id="56324" name="文字方塊 4"/>
-          <p:cNvSpPr txBox="1">
-            <a:spLocks noChangeArrowheads="1"/>
-          </p:cNvSpPr>
-          <p:nvPr/>
-        </p:nvSpPr>
-        <p:spPr bwMode="auto">
-          <a:xfrm>
-            <a:off x="5602592" y="4358741"/>
-            <a:ext cx="3071813" cy="2308225"/>
-          </a:xfrm>
-          <a:prstGeom prst="rect">
-            <a:avLst/>
-          </a:prstGeom>
-          <a:noFill/>
-          <a:ln>
-            <a:noFill/>
-          </a:ln>
-          <a:extLst>
-            <a:ext uri="{909E8E84-426E-40DD-AFC4-6F175D3DCCD1}">
-              <a14:hiddenFill xmlns:a14="http://schemas.microsoft.com/office/drawing/2010/main">
-                <a:solidFill>
-                  <a:srgbClr val="FFFFFF"/>
-                </a:solidFill>
-              </a14:hiddenFill>
-            </a:ext>
-            <a:ext uri="{91240B29-F687-4F45-9708-019B960494DF}">
-              <a14:hiddenLine xmlns:a14="http://schemas.microsoft.com/office/drawing/2010/main" w="9525">
-                <a:solidFill>
-                  <a:srgbClr val="000000"/>
-                </a:solidFill>
-                <a:miter lim="800000"/>
-                <a:headEnd/>
-                <a:tailEnd/>
-              </a14:hiddenLine>
-            </a:ext>
-          </a:extLst>
-        </p:spPr>
-        <p:txBody>
-          <a:bodyPr>
-            <a:spAutoFit/>
-          </a:bodyPr>
-          <a:lstStyle>
-            <a:lvl1pPr eaLnBrk="0" hangingPunct="0">
-              <a:defRPr sz="2400">
-                <a:solidFill>
-                  <a:schemeClr val="tx1"/>
-                </a:solidFill>
-                <a:latin typeface="Times New Roman" pitchFamily="18" charset="0"/>
-              </a:defRPr>
-            </a:lvl1pPr>
-            <a:lvl2pPr marL="742950" indent="-285750" eaLnBrk="0" hangingPunct="0">
-              <a:defRPr sz="2400">
-                <a:solidFill>
-                  <a:schemeClr val="tx1"/>
-                </a:solidFill>
-                <a:latin typeface="Times New Roman" pitchFamily="18" charset="0"/>
-              </a:defRPr>
-            </a:lvl2pPr>
-            <a:lvl3pPr marL="1143000" indent="-228600" eaLnBrk="0" hangingPunct="0">
-              <a:defRPr sz="2400">
-                <a:solidFill>
-                  <a:schemeClr val="tx1"/>
-                </a:solidFill>
-                <a:latin typeface="Times New Roman" pitchFamily="18" charset="0"/>
-              </a:defRPr>
-            </a:lvl3pPr>
-            <a:lvl4pPr marL="1600200" indent="-228600" eaLnBrk="0" hangingPunct="0">
-              <a:defRPr sz="2400">
-                <a:solidFill>
-                  <a:schemeClr val="tx1"/>
-                </a:solidFill>
-                <a:latin typeface="Times New Roman" pitchFamily="18" charset="0"/>
-              </a:defRPr>
-            </a:lvl4pPr>
-            <a:lvl5pPr marL="2057400" indent="-228600" eaLnBrk="0" hangingPunct="0">
-              <a:defRPr sz="2400">
-                <a:solidFill>
-                  <a:schemeClr val="tx1"/>
-                </a:solidFill>
-                <a:latin typeface="Times New Roman" pitchFamily="18" charset="0"/>
-              </a:defRPr>
-            </a:lvl5pPr>
-            <a:lvl6pPr marL="2514600" indent="-228600" eaLnBrk="0" fontAlgn="base" hangingPunct="0">
-              <a:spcBef>
-                <a:spcPct val="0"/>
-              </a:spcBef>
-              <a:spcAft>
-                <a:spcPct val="0"/>
-              </a:spcAft>
-              <a:defRPr sz="2400">
-                <a:solidFill>
-                  <a:schemeClr val="tx1"/>
-                </a:solidFill>
-                <a:latin typeface="Times New Roman" pitchFamily="18" charset="0"/>
-              </a:defRPr>
-            </a:lvl6pPr>
-            <a:lvl7pPr marL="2971800" indent="-228600" eaLnBrk="0" fontAlgn="base" hangingPunct="0">
-              <a:spcBef>
-                <a:spcPct val="0"/>
-              </a:spcBef>
-              <a:spcAft>
-                <a:spcPct val="0"/>
-              </a:spcAft>
-              <a:defRPr sz="2400">
-                <a:solidFill>
-                  <a:schemeClr val="tx1"/>
-                </a:solidFill>
-                <a:latin typeface="Times New Roman" pitchFamily="18" charset="0"/>
-              </a:defRPr>
-            </a:lvl7pPr>
-            <a:lvl8pPr marL="3429000" indent="-228600" eaLnBrk="0" fontAlgn="base" hangingPunct="0">
-              <a:spcBef>
-                <a:spcPct val="0"/>
-              </a:spcBef>
-              <a:spcAft>
-                <a:spcPct val="0"/>
-              </a:spcAft>
-              <a:defRPr sz="2400">
-                <a:solidFill>
-                  <a:schemeClr val="tx1"/>
-                </a:solidFill>
-                <a:latin typeface="Times New Roman" pitchFamily="18" charset="0"/>
-              </a:defRPr>
-            </a:lvl8pPr>
-            <a:lvl9pPr marL="3886200" indent="-228600" eaLnBrk="0" fontAlgn="base" hangingPunct="0">
-              <a:spcBef>
-                <a:spcPct val="0"/>
-              </a:spcBef>
-              <a:spcAft>
-                <a:spcPct val="0"/>
-              </a:spcAft>
-              <a:defRPr sz="2400">
-                <a:solidFill>
-                  <a:schemeClr val="tx1"/>
-                </a:solidFill>
-                <a:latin typeface="Times New Roman" pitchFamily="18" charset="0"/>
-              </a:defRPr>
-            </a:lvl9pPr>
-          </a:lstStyle>
-          <a:p>
-            <a:pPr algn="r" eaLnBrk="1" hangingPunct="1"/>
-            <a:r>
-              <a:rPr lang="en-US" altLang="zh-TW" sz="3600" dirty="0" smtClean="0">
-                <a:ea typeface="新細明體" pitchFamily="18" charset="-120"/>
-              </a:rPr>
-              <a:t>20170131</a:t>
-            </a:r>
-            <a:endParaRPr lang="en-US" altLang="zh-TW" sz="3600" dirty="0">
-              <a:ea typeface="新細明體" pitchFamily="18" charset="-120"/>
-            </a:endParaRPr>
-          </a:p>
-          <a:p>
-            <a:pPr algn="r" eaLnBrk="1" hangingPunct="1"/>
-            <a:r>
-              <a:rPr lang="en-US" altLang="zh-TW" sz="3600" u="sng" dirty="0" smtClean="0">
-                <a:ea typeface="新細明體" pitchFamily="18" charset="-120"/>
-              </a:rPr>
-              <a:t>-20001231</a:t>
-            </a:r>
-            <a:endParaRPr lang="en-US" altLang="zh-TW" sz="3600" u="sng" dirty="0">
-              <a:ea typeface="新細明體" pitchFamily="18" charset="-120"/>
-            </a:endParaRPr>
-          </a:p>
-          <a:p>
-            <a:pPr algn="r" eaLnBrk="1" hangingPunct="1"/>
-            <a:r>
-              <a:rPr lang="en-US" altLang="zh-TW" sz="3600" dirty="0" smtClean="0">
-                <a:ea typeface="新細明體" pitchFamily="18" charset="-120"/>
-              </a:rPr>
-              <a:t>168900</a:t>
-            </a:r>
-            <a:endParaRPr lang="en-US" altLang="zh-TW" sz="3600" dirty="0">
-              <a:ea typeface="新細明體" pitchFamily="18" charset="-120"/>
-            </a:endParaRPr>
-          </a:p>
-          <a:p>
-            <a:pPr algn="r" eaLnBrk="1" hangingPunct="1"/>
-            <a:endParaRPr lang="zh-TW" altLang="en-US" sz="3600" dirty="0">
-              <a:ea typeface="新細明體" pitchFamily="18" charset="-120"/>
-            </a:endParaRPr>
+              <a:rPr lang="en-US" altLang="zh-TW" smtClean="0"/>
+              <a:t>Ctrl+backspace - Delete a word on the left</a:t>
+            </a:r>
+          </a:p>
+          <a:p>
+            <a:r>
+              <a:rPr lang="en-US" altLang="zh-TW" smtClean="0"/>
+              <a:t>Ctrl+Delete - Delete a word on the right</a:t>
+            </a:r>
           </a:p>
         </p:txBody>
       </p:sp>
@@ -22668,9 +22747,9 @@
       </p:grpSpPr>
       <p:sp>
         <p:nvSpPr>
-          <p:cNvPr id="104450" name="Rectangle 2"/>
-          <p:cNvSpPr>
-            <a:spLocks noGrp="1" noChangeArrowheads="1"/>
+          <p:cNvPr id="2" name="Title 1"/>
+          <p:cNvSpPr>
+            <a:spLocks noGrp="1"/>
           </p:cNvSpPr>
           <p:nvPr>
             <p:ph type="title"/>
@@ -22682,18 +22761,18 @@
           <a:lstStyle/>
           <a:p>
             <a:r>
-              <a:rPr lang="en-US" altLang="zh-TW" smtClean="0"/>
-              <a:t>Best hosting server</a:t>
-            </a:r>
-            <a:endParaRPr lang="en-US" altLang="zh-TW" dirty="0" smtClean="0"/>
-          </a:p>
-        </p:txBody>
-      </p:sp>
-      <p:sp>
-        <p:nvSpPr>
-          <p:cNvPr id="57347" name="Rectangle 3"/>
-          <p:cNvSpPr>
-            <a:spLocks noGrp="1" noChangeArrowheads="1"/>
+              <a:rPr lang="en-US" smtClean="0"/>
+              <a:t>Exercise</a:t>
+            </a:r>
+            <a:endParaRPr lang="en-US" dirty="0"/>
+          </a:p>
+        </p:txBody>
+      </p:sp>
+      <p:sp>
+        <p:nvSpPr>
+          <p:cNvPr id="55299" name="Content Placeholder 2"/>
+          <p:cNvSpPr>
+            <a:spLocks noGrp="1"/>
           </p:cNvSpPr>
           <p:nvPr>
             <p:ph idx="1"/>
@@ -22706,7 +22785,39 @@
           <a:p>
             <a:r>
               <a:rPr lang="en-US" altLang="zh-TW" dirty="0" smtClean="0"/>
-              <a:t>http://www.zaturday.com</a:t>
+              <a:t>Find out your age</a:t>
+            </a:r>
+          </a:p>
+          <a:p>
+            <a:r>
+              <a:rPr lang="en-US" altLang="zh-TW" dirty="0" smtClean="0"/>
+              <a:t>Age = this year – your birth year</a:t>
+            </a:r>
+          </a:p>
+          <a:p>
+            <a:r>
+              <a:rPr lang="en-US" altLang="zh-TW" dirty="0" smtClean="0"/>
+              <a:t>Use date function to find out this year in the format (</a:t>
+            </a:r>
+            <a:r>
+              <a:rPr lang="en-US" altLang="zh-TW" dirty="0" err="1" smtClean="0"/>
+              <a:t>yyyy</a:t>
+            </a:r>
+            <a:r>
+              <a:rPr lang="en-US" altLang="zh-TW" dirty="0" smtClean="0"/>
+              <a:t>).  EG. 2017</a:t>
+            </a:r>
+          </a:p>
+          <a:p>
+            <a:r>
+              <a:rPr lang="en-US" altLang="zh-TW" dirty="0" smtClean="0"/>
+              <a:t>Calculate your age.</a:t>
+            </a:r>
+          </a:p>
+          <a:p>
+            <a:r>
+              <a:rPr lang="en-US" altLang="zh-TW" dirty="0" smtClean="0"/>
+              <a:t>Display your age.</a:t>
             </a:r>
           </a:p>
         </p:txBody>
@@ -22728,13 +22839,6 @@
       </p:transition>
     </mc:Fallback>
   </mc:AlternateContent>
-  <p:timing>
-    <p:tnLst>
-      <p:par>
-        <p:cTn id="1" dur="indefinite" restart="never" nodeType="tmRoot"/>
-      </p:par>
-    </p:tnLst>
-  </p:timing>
 </p:sld>
 </file>
 
@@ -22757,7 +22861,7 @@
       </p:grpSpPr>
       <p:sp>
         <p:nvSpPr>
-          <p:cNvPr id="221186" name="Rectangle 2"/>
+          <p:cNvPr id="164866" name="Rectangle 1026"/>
           <p:cNvSpPr>
             <a:spLocks noGrp="1" noChangeArrowheads="1"/>
           </p:cNvSpPr>
@@ -22772,14 +22876,15 @@
           <a:p>
             <a:r>
               <a:rPr lang="en-US" altLang="zh-TW" smtClean="0"/>
-              <a:t>Sites (eng)</a:t>
-            </a:r>
-          </a:p>
-        </p:txBody>
-      </p:sp>
-      <p:sp>
-        <p:nvSpPr>
-          <p:cNvPr id="58371" name="Rectangle 3"/>
+              <a:t>More Exercise</a:t>
+            </a:r>
+            <a:endParaRPr lang="en-US" altLang="zh-TW" dirty="0" smtClean="0"/>
+          </a:p>
+        </p:txBody>
+      </p:sp>
+      <p:sp>
+        <p:nvSpPr>
+          <p:cNvPr id="56323" name="Rectangle 1027"/>
           <p:cNvSpPr>
             <a:spLocks noGrp="1" noChangeArrowheads="1"/>
           </p:cNvSpPr>
@@ -22794,38 +22899,223 @@
           <a:p>
             <a:r>
               <a:rPr lang="en-US" altLang="zh-TW" dirty="0" smtClean="0"/>
-              <a:t>http://www.php.net</a:t>
-            </a:r>
+              <a:t>Open </a:t>
+            </a:r>
+            <a:r>
+              <a:rPr lang="en-US" altLang="zh-TW" dirty="0" err="1" smtClean="0"/>
+              <a:t>birthday.php</a:t>
+            </a:r>
+            <a:endParaRPr lang="en-US" altLang="zh-TW" dirty="0" smtClean="0"/>
           </a:p>
           <a:p>
             <a:r>
               <a:rPr lang="en-US" altLang="zh-TW" dirty="0" smtClean="0"/>
-              <a:t>http://www.phpbuilder.com</a:t>
+              <a:t>Find your age by $age=$today-$birthday</a:t>
             </a:r>
           </a:p>
           <a:p>
             <a:r>
               <a:rPr lang="en-US" altLang="zh-TW" dirty="0" smtClean="0"/>
-              <a:t>http://www.phpfreaks.com/</a:t>
+              <a:t>How to remove the last four digit?</a:t>
             </a:r>
           </a:p>
           <a:p>
             <a:r>
               <a:rPr lang="en-US" altLang="zh-TW" dirty="0" smtClean="0"/>
-              <a:t>http://phpnuke.org</a:t>
-            </a:r>
-          </a:p>
-          <a:p>
-            <a:r>
-              <a:rPr lang="en-US" altLang="zh-TW" dirty="0" smtClean="0"/>
-              <a:t>http://www.phpbuddy.com</a:t>
-            </a:r>
-          </a:p>
-          <a:p>
-            <a:r>
-              <a:rPr lang="en-US" altLang="zh-TW" dirty="0" smtClean="0"/>
-              <a:t>http://www.php-security.org/</a:t>
-            </a:r>
+              <a:t>How to cut off the decimal places?</a:t>
+            </a:r>
+          </a:p>
+          <a:p>
+            <a:endParaRPr lang="en-US" altLang="zh-TW" dirty="0" smtClean="0"/>
+          </a:p>
+          <a:p>
+            <a:endParaRPr lang="en-US" altLang="zh-TW" dirty="0" smtClean="0"/>
+          </a:p>
+        </p:txBody>
+      </p:sp>
+      <p:sp>
+        <p:nvSpPr>
+          <p:cNvPr id="56324" name="文字方塊 4"/>
+          <p:cNvSpPr txBox="1">
+            <a:spLocks noChangeArrowheads="1"/>
+          </p:cNvSpPr>
+          <p:nvPr/>
+        </p:nvSpPr>
+        <p:spPr bwMode="auto">
+          <a:xfrm>
+            <a:off x="5602592" y="4358741"/>
+            <a:ext cx="3071813" cy="2308225"/>
+          </a:xfrm>
+          <a:prstGeom prst="rect">
+            <a:avLst/>
+          </a:prstGeom>
+          <a:noFill/>
+          <a:ln>
+            <a:noFill/>
+          </a:ln>
+          <a:extLst>
+            <a:ext uri="{909E8E84-426E-40DD-AFC4-6F175D3DCCD1}">
+              <a14:hiddenFill xmlns:a14="http://schemas.microsoft.com/office/drawing/2010/main">
+                <a:solidFill>
+                  <a:srgbClr val="FFFFFF"/>
+                </a:solidFill>
+              </a14:hiddenFill>
+            </a:ext>
+            <a:ext uri="{91240B29-F687-4F45-9708-019B960494DF}">
+              <a14:hiddenLine xmlns:a14="http://schemas.microsoft.com/office/drawing/2010/main" w="9525">
+                <a:solidFill>
+                  <a:srgbClr val="000000"/>
+                </a:solidFill>
+                <a:miter lim="800000"/>
+                <a:headEnd/>
+                <a:tailEnd/>
+              </a14:hiddenLine>
+            </a:ext>
+          </a:extLst>
+        </p:spPr>
+        <p:txBody>
+          <a:bodyPr>
+            <a:spAutoFit/>
+          </a:bodyPr>
+          <a:lstStyle>
+            <a:lvl1pPr eaLnBrk="0" hangingPunct="0">
+              <a:defRPr sz="2400">
+                <a:solidFill>
+                  <a:schemeClr val="tx1"/>
+                </a:solidFill>
+                <a:latin typeface="Times New Roman" pitchFamily="18" charset="0"/>
+              </a:defRPr>
+            </a:lvl1pPr>
+            <a:lvl2pPr marL="742950" indent="-285750" eaLnBrk="0" hangingPunct="0">
+              <a:defRPr sz="2400">
+                <a:solidFill>
+                  <a:schemeClr val="tx1"/>
+                </a:solidFill>
+                <a:latin typeface="Times New Roman" pitchFamily="18" charset="0"/>
+              </a:defRPr>
+            </a:lvl2pPr>
+            <a:lvl3pPr marL="1143000" indent="-228600" eaLnBrk="0" hangingPunct="0">
+              <a:defRPr sz="2400">
+                <a:solidFill>
+                  <a:schemeClr val="tx1"/>
+                </a:solidFill>
+                <a:latin typeface="Times New Roman" pitchFamily="18" charset="0"/>
+              </a:defRPr>
+            </a:lvl3pPr>
+            <a:lvl4pPr marL="1600200" indent="-228600" eaLnBrk="0" hangingPunct="0">
+              <a:defRPr sz="2400">
+                <a:solidFill>
+                  <a:schemeClr val="tx1"/>
+                </a:solidFill>
+                <a:latin typeface="Times New Roman" pitchFamily="18" charset="0"/>
+              </a:defRPr>
+            </a:lvl4pPr>
+            <a:lvl5pPr marL="2057400" indent="-228600" eaLnBrk="0" hangingPunct="0">
+              <a:defRPr sz="2400">
+                <a:solidFill>
+                  <a:schemeClr val="tx1"/>
+                </a:solidFill>
+                <a:latin typeface="Times New Roman" pitchFamily="18" charset="0"/>
+              </a:defRPr>
+            </a:lvl5pPr>
+            <a:lvl6pPr marL="2514600" indent="-228600" eaLnBrk="0" fontAlgn="base" hangingPunct="0">
+              <a:spcBef>
+                <a:spcPct val="0"/>
+              </a:spcBef>
+              <a:spcAft>
+                <a:spcPct val="0"/>
+              </a:spcAft>
+              <a:defRPr sz="2400">
+                <a:solidFill>
+                  <a:schemeClr val="tx1"/>
+                </a:solidFill>
+                <a:latin typeface="Times New Roman" pitchFamily="18" charset="0"/>
+              </a:defRPr>
+            </a:lvl6pPr>
+            <a:lvl7pPr marL="2971800" indent="-228600" eaLnBrk="0" fontAlgn="base" hangingPunct="0">
+              <a:spcBef>
+                <a:spcPct val="0"/>
+              </a:spcBef>
+              <a:spcAft>
+                <a:spcPct val="0"/>
+              </a:spcAft>
+              <a:defRPr sz="2400">
+                <a:solidFill>
+                  <a:schemeClr val="tx1"/>
+                </a:solidFill>
+                <a:latin typeface="Times New Roman" pitchFamily="18" charset="0"/>
+              </a:defRPr>
+            </a:lvl7pPr>
+            <a:lvl8pPr marL="3429000" indent="-228600" eaLnBrk="0" fontAlgn="base" hangingPunct="0">
+              <a:spcBef>
+                <a:spcPct val="0"/>
+              </a:spcBef>
+              <a:spcAft>
+                <a:spcPct val="0"/>
+              </a:spcAft>
+              <a:defRPr sz="2400">
+                <a:solidFill>
+                  <a:schemeClr val="tx1"/>
+                </a:solidFill>
+                <a:latin typeface="Times New Roman" pitchFamily="18" charset="0"/>
+              </a:defRPr>
+            </a:lvl8pPr>
+            <a:lvl9pPr marL="3886200" indent="-228600" eaLnBrk="0" fontAlgn="base" hangingPunct="0">
+              <a:spcBef>
+                <a:spcPct val="0"/>
+              </a:spcBef>
+              <a:spcAft>
+                <a:spcPct val="0"/>
+              </a:spcAft>
+              <a:defRPr sz="2400">
+                <a:solidFill>
+                  <a:schemeClr val="tx1"/>
+                </a:solidFill>
+                <a:latin typeface="Times New Roman" pitchFamily="18" charset="0"/>
+              </a:defRPr>
+            </a:lvl9pPr>
+          </a:lstStyle>
+          <a:p>
+            <a:pPr algn="r" eaLnBrk="1" hangingPunct="1"/>
+            <a:r>
+              <a:rPr lang="en-US" altLang="zh-TW" sz="3600" dirty="0" smtClean="0">
+                <a:ea typeface="新細明體" pitchFamily="18" charset="-120"/>
+              </a:rPr>
+              <a:t>20170131</a:t>
+            </a:r>
+            <a:endParaRPr lang="en-US" altLang="zh-TW" sz="3600" dirty="0">
+              <a:ea typeface="新細明體" pitchFamily="18" charset="-120"/>
+            </a:endParaRPr>
+          </a:p>
+          <a:p>
+            <a:pPr algn="r" eaLnBrk="1" hangingPunct="1"/>
+            <a:r>
+              <a:rPr lang="en-US" altLang="zh-TW" sz="3600" u="sng" dirty="0" smtClean="0">
+                <a:ea typeface="新細明體" pitchFamily="18" charset="-120"/>
+              </a:rPr>
+              <a:t>-20001231</a:t>
+            </a:r>
+            <a:endParaRPr lang="en-US" altLang="zh-TW" sz="3600" u="sng" dirty="0">
+              <a:ea typeface="新細明體" pitchFamily="18" charset="-120"/>
+            </a:endParaRPr>
+          </a:p>
+          <a:p>
+            <a:pPr algn="r" eaLnBrk="1" hangingPunct="1"/>
+            <a:r>
+              <a:rPr lang="en-US" altLang="zh-TW" sz="3600" dirty="0" smtClean="0">
+                <a:ea typeface="新細明體" pitchFamily="18" charset="-120"/>
+              </a:rPr>
+              <a:t>168900</a:t>
+            </a:r>
+            <a:endParaRPr lang="en-US" altLang="zh-TW" sz="3600" dirty="0">
+              <a:ea typeface="新細明體" pitchFamily="18" charset="-120"/>
+            </a:endParaRPr>
+          </a:p>
+          <a:p>
+            <a:pPr algn="r" eaLnBrk="1" hangingPunct="1"/>
+            <a:endParaRPr lang="zh-TW" altLang="en-US" sz="3600" dirty="0">
+              <a:ea typeface="新細明體" pitchFamily="18" charset="-120"/>
+            </a:endParaRPr>
           </a:p>
         </p:txBody>
       </p:sp>
@@ -22875,7 +23165,7 @@
       </p:grpSpPr>
       <p:sp>
         <p:nvSpPr>
-          <p:cNvPr id="221186" name="Rectangle 2"/>
+          <p:cNvPr id="104450" name="Rectangle 2"/>
           <p:cNvSpPr>
             <a:spLocks noGrp="1" noChangeArrowheads="1"/>
           </p:cNvSpPr>
@@ -22890,7 +23180,7 @@
           <a:p>
             <a:r>
               <a:rPr lang="en-US" altLang="zh-TW" smtClean="0"/>
-              <a:t>Sites (eng) 2</a:t>
+              <a:t>Best hosting server</a:t>
             </a:r>
             <a:endParaRPr lang="en-US" altLang="zh-TW" dirty="0" smtClean="0"/>
           </a:p>
@@ -22898,7 +23188,7 @@
       </p:sp>
       <p:sp>
         <p:nvSpPr>
-          <p:cNvPr id="59395" name="Rectangle 3"/>
+          <p:cNvPr id="57347" name="Rectangle 3"/>
           <p:cNvSpPr>
             <a:spLocks noGrp="1" noChangeArrowheads="1"/>
           </p:cNvSpPr>
@@ -22908,32 +23198,12 @@
         </p:nvSpPr>
         <p:spPr/>
         <p:txBody>
-          <a:bodyPr>
-            <a:normAutofit/>
-          </a:bodyPr>
+          <a:bodyPr/>
           <a:lstStyle/>
           <a:p>
             <a:r>
               <a:rPr lang="en-US" altLang="zh-TW" dirty="0" smtClean="0"/>
-              <a:t>http://www.devshed.com</a:t>
-            </a:r>
-          </a:p>
-          <a:p>
-            <a:r>
-              <a:rPr lang="en-US" altLang="zh-TW" dirty="0" smtClean="0"/>
-              <a:t>http://px.sklar.com/</a:t>
-            </a:r>
-          </a:p>
-          <a:p>
-            <a:r>
-              <a:rPr lang="en-US" altLang="zh-TW" dirty="0" smtClean="0"/>
-              <a:t>http://www.phpgroupware.org</a:t>
-            </a:r>
-          </a:p>
-          <a:p>
-            <a:r>
-              <a:rPr lang="en-US" altLang="zh-TW" dirty="0" smtClean="0"/>
-              <a:t>http://www.phpclasses.org</a:t>
+              <a:t>http://www.zaturday.com</a:t>
             </a:r>
           </a:p>
         </p:txBody>
@@ -22955,6 +23225,13 @@
       </p:transition>
     </mc:Fallback>
   </mc:AlternateContent>
+  <p:timing>
+    <p:tnLst>
+      <p:par>
+        <p:cTn id="1" dur="indefinite" restart="never" nodeType="tmRoot"/>
+      </p:par>
+    </p:tnLst>
+  </p:timing>
 </p:sld>
 </file>
 
@@ -22991,100 +23268,65 @@
           <a:lstStyle/>
           <a:p>
             <a:r>
+              <a:rPr lang="en-US" altLang="zh-TW" smtClean="0"/>
+              <a:t>Sites (eng)</a:t>
+            </a:r>
+          </a:p>
+        </p:txBody>
+      </p:sp>
+      <p:sp>
+        <p:nvSpPr>
+          <p:cNvPr id="58371" name="Rectangle 3"/>
+          <p:cNvSpPr>
+            <a:spLocks noGrp="1" noChangeArrowheads="1"/>
+          </p:cNvSpPr>
+          <p:nvPr>
+            <p:ph idx="1"/>
+          </p:nvPr>
+        </p:nvSpPr>
+        <p:spPr/>
+        <p:txBody>
+          <a:bodyPr/>
+          <a:lstStyle/>
+          <a:p>
+            <a:r>
               <a:rPr lang="en-US" altLang="zh-TW" dirty="0" smtClean="0"/>
-              <a:t>Sites (</a:t>
-            </a:r>
-            <a:r>
-              <a:rPr lang="en-US" altLang="zh-TW" dirty="0" err="1" smtClean="0"/>
-              <a:t>eng</a:t>
-            </a:r>
+              <a:t>http://www.php.net</a:t>
+            </a:r>
+          </a:p>
+          <a:p>
             <a:r>
               <a:rPr lang="en-US" altLang="zh-TW" dirty="0" smtClean="0"/>
-              <a:t>) 3</a:t>
-            </a:r>
-          </a:p>
-        </p:txBody>
-      </p:sp>
-      <p:sp>
-        <p:nvSpPr>
-          <p:cNvPr id="59395" name="Rectangle 3"/>
-          <p:cNvSpPr>
-            <a:spLocks noGrp="1" noChangeArrowheads="1"/>
-          </p:cNvSpPr>
-          <p:nvPr>
-            <p:ph idx="1"/>
-          </p:nvPr>
-        </p:nvSpPr>
-        <p:spPr/>
-        <p:txBody>
-          <a:bodyPr>
-            <a:normAutofit/>
-          </a:bodyPr>
-          <a:lstStyle/>
-          <a:p>
-            <a:r>
-              <a:rPr lang="en-US" altLang="zh-TW" dirty="0"/>
-              <a:t>https://</a:t>
-            </a:r>
-            <a:r>
-              <a:rPr lang="en-US" altLang="zh-TW" dirty="0" err="1" smtClean="0"/>
-              <a:t>github.com</a:t>
-            </a:r>
+              <a:t>http://www.phpbuilder.com</a:t>
+            </a:r>
+          </a:p>
+          <a:p>
             <a:r>
               <a:rPr lang="en-US" altLang="zh-TW" dirty="0" smtClean="0"/>
-              <a:t>/</a:t>
-            </a:r>
-            <a:r>
-              <a:rPr lang="en-US" altLang="zh-TW" dirty="0" err="1" smtClean="0"/>
-              <a:t>ziadoz</a:t>
-            </a:r>
+              <a:t>http://www.phpfreaks.com/</a:t>
+            </a:r>
+          </a:p>
+          <a:p>
             <a:r>
               <a:rPr lang="en-US" altLang="zh-TW" dirty="0" smtClean="0"/>
-              <a:t>/awesome-</a:t>
-            </a:r>
-            <a:r>
-              <a:rPr lang="en-US" altLang="zh-TW" dirty="0" err="1" smtClean="0"/>
-              <a:t>php</a:t>
-            </a:r>
-            <a:endParaRPr lang="en-US" altLang="zh-TW" dirty="0" smtClean="0"/>
-          </a:p>
-          <a:p>
-            <a:r>
-              <a:rPr lang="en-US" altLang="zh-TW" dirty="0"/>
-              <a:t>http://</a:t>
-            </a:r>
-            <a:r>
-              <a:rPr lang="en-US" altLang="zh-TW" dirty="0" err="1"/>
-              <a:t>www.phptherightway.com</a:t>
-            </a:r>
+              <a:t>http://phpnuke.org</a:t>
+            </a:r>
+          </a:p>
+          <a:p>
             <a:r>
               <a:rPr lang="en-US" altLang="zh-TW" dirty="0" smtClean="0"/>
-              <a:t>/</a:t>
-            </a:r>
-          </a:p>
-          <a:p>
-            <a:r>
-              <a:rPr lang="en-US" altLang="zh-TW" dirty="0"/>
-              <a:t>https://</a:t>
-            </a:r>
-            <a:r>
-              <a:rPr lang="en-US" altLang="zh-TW" dirty="0" err="1"/>
-              <a:t>packagist.org</a:t>
-            </a:r>
-            <a:r>
-              <a:rPr lang="en-US" altLang="zh-TW" dirty="0"/>
-              <a:t>/</a:t>
-            </a:r>
-            <a:endParaRPr lang="en-US" altLang="zh-TW" dirty="0" smtClean="0"/>
+              <a:t>http://www.phpbuddy.com</a:t>
+            </a:r>
+          </a:p>
+          <a:p>
+            <a:r>
+              <a:rPr lang="en-US" altLang="zh-TW" dirty="0" smtClean="0"/>
+              <a:t>http://www.php-security.org/</a:t>
+            </a:r>
           </a:p>
         </p:txBody>
       </p:sp>
     </p:spTree>
-    <p:extLst>
-      <p:ext uri="{BB962C8B-B14F-4D97-AF65-F5344CB8AC3E}">
-        <p14:creationId xmlns:p14="http://schemas.microsoft.com/office/powerpoint/2010/main" val="302991814"/>
-      </p:ext>
-    </p:extLst>
   </p:cSld>
   <p:clrMapOvr>
     <a:masterClrMapping/>
@@ -23101,6 +23343,13 @@
       </p:transition>
     </mc:Fallback>
   </mc:AlternateContent>
+  <p:timing>
+    <p:tnLst>
+      <p:par>
+        <p:cTn id="1" dur="indefinite" restart="never" nodeType="tmRoot"/>
+      </p:par>
+    </p:tnLst>
+  </p:timing>
 </p:sld>
 </file>
 
@@ -23123,7 +23372,7 @@
       </p:grpSpPr>
       <p:sp>
         <p:nvSpPr>
-          <p:cNvPr id="166914" name="Rectangle 2"/>
+          <p:cNvPr id="221186" name="Rectangle 2"/>
           <p:cNvSpPr>
             <a:spLocks noGrp="1" noChangeArrowheads="1"/>
           </p:cNvSpPr>
@@ -23138,18 +23387,15 @@
           <a:p>
             <a:r>
               <a:rPr lang="en-US" altLang="zh-TW" smtClean="0"/>
-              <a:t>Sites (</a:t>
-            </a:r>
-            <a:r>
-              <a:rPr lang="zh-TW" altLang="en-US" smtClean="0"/>
-              <a:t>中文)</a:t>
-            </a:r>
-          </a:p>
-        </p:txBody>
-      </p:sp>
-      <p:sp>
-        <p:nvSpPr>
-          <p:cNvPr id="60419" name="Rectangle 3"/>
+              <a:t>Sites (eng) 2</a:t>
+            </a:r>
+            <a:endParaRPr lang="en-US" altLang="zh-TW" dirty="0" smtClean="0"/>
+          </a:p>
+        </p:txBody>
+      </p:sp>
+      <p:sp>
+        <p:nvSpPr>
+          <p:cNvPr id="59395" name="Rectangle 3"/>
           <p:cNvSpPr>
             <a:spLocks noGrp="1" noChangeArrowheads="1"/>
           </p:cNvSpPr>
@@ -23159,14 +23405,33 @@
         </p:nvSpPr>
         <p:spPr/>
         <p:txBody>
-          <a:bodyPr/>
+          <a:bodyPr>
+            <a:normAutofit/>
+          </a:bodyPr>
           <a:lstStyle/>
           <a:p>
             <a:r>
-              <a:rPr lang="en-US" altLang="zh-TW" dirty="0"/>
-              <a:t>http://www.phpini.com/</a:t>
-            </a:r>
-            <a:endParaRPr lang="en-US" altLang="zh-TW" dirty="0" smtClean="0"/>
+              <a:rPr lang="en-US" altLang="zh-TW" dirty="0" smtClean="0"/>
+              <a:t>http://www.devshed.com</a:t>
+            </a:r>
+          </a:p>
+          <a:p>
+            <a:r>
+              <a:rPr lang="en-US" altLang="zh-TW" dirty="0" smtClean="0"/>
+              <a:t>http://px.sklar.com/</a:t>
+            </a:r>
+          </a:p>
+          <a:p>
+            <a:r>
+              <a:rPr lang="en-US" altLang="zh-TW" dirty="0" smtClean="0"/>
+              <a:t>http://www.phpgroupware.org</a:t>
+            </a:r>
+          </a:p>
+          <a:p>
+            <a:r>
+              <a:rPr lang="en-US" altLang="zh-TW" dirty="0" smtClean="0"/>
+              <a:t>http://www.phpclasses.org</a:t>
+            </a:r>
           </a:p>
         </p:txBody>
       </p:sp>
@@ -23268,7 +23533,7 @@
       </p:grpSpPr>
       <p:sp>
         <p:nvSpPr>
-          <p:cNvPr id="219138" name="Rectangle 2"/>
+          <p:cNvPr id="221186" name="Rectangle 2"/>
           <p:cNvSpPr>
             <a:spLocks noGrp="1" noChangeArrowheads="1"/>
           </p:cNvSpPr>
@@ -23282,16 +23547,23 @@
           <a:lstStyle/>
           <a:p>
             <a:r>
-              <a:rPr lang="en-US" altLang="zh-TW" smtClean="0"/>
-              <a:t>Download Server</a:t>
-            </a:r>
-            <a:endParaRPr lang="zh-TW" altLang="en-US" smtClean="0"/>
-          </a:p>
-        </p:txBody>
-      </p:sp>
-      <p:sp>
-        <p:nvSpPr>
-          <p:cNvPr id="61443" name="Rectangle 3"/>
+              <a:rPr lang="en-US" altLang="zh-TW" dirty="0" smtClean="0"/>
+              <a:t>Sites (</a:t>
+            </a:r>
+            <a:r>
+              <a:rPr lang="en-US" altLang="zh-TW" dirty="0" err="1" smtClean="0"/>
+              <a:t>eng</a:t>
+            </a:r>
+            <a:r>
+              <a:rPr lang="en-US" altLang="zh-TW" dirty="0" smtClean="0"/>
+              <a:t>) 3</a:t>
+            </a:r>
+          </a:p>
+        </p:txBody>
+      </p:sp>
+      <p:sp>
+        <p:nvSpPr>
+          <p:cNvPr id="59395" name="Rectangle 3"/>
           <p:cNvSpPr>
             <a:spLocks noGrp="1" noChangeArrowheads="1"/>
           </p:cNvSpPr>
@@ -23302,54 +23574,73 @@
         <p:spPr/>
         <p:txBody>
           <a:bodyPr>
-            <a:normAutofit lnSpcReduction="10000"/>
+            <a:normAutofit/>
           </a:bodyPr>
           <a:lstStyle/>
           <a:p>
             <a:r>
+              <a:rPr lang="en-US" altLang="zh-TW" dirty="0"/>
+              <a:t>https://</a:t>
+            </a:r>
+            <a:r>
+              <a:rPr lang="en-US" altLang="zh-TW" dirty="0" err="1" smtClean="0"/>
+              <a:t>github.com</a:t>
+            </a:r>
+            <a:r>
               <a:rPr lang="en-US" altLang="zh-TW" dirty="0" smtClean="0"/>
-              <a:t>http://www.apache.org/</a:t>
-            </a:r>
-          </a:p>
-          <a:p>
+              <a:t>/</a:t>
+            </a:r>
+            <a:r>
+              <a:rPr lang="en-US" altLang="zh-TW" dirty="0" err="1" smtClean="0"/>
+              <a:t>ziadoz</a:t>
+            </a:r>
             <a:r>
               <a:rPr lang="en-US" altLang="zh-TW" dirty="0" smtClean="0"/>
-              <a:t>http://www.php.net</a:t>
-            </a:r>
-          </a:p>
-          <a:p>
+              <a:t>/awesome-</a:t>
+            </a:r>
+            <a:r>
+              <a:rPr lang="en-US" altLang="zh-TW" dirty="0" err="1" smtClean="0"/>
+              <a:t>php</a:t>
+            </a:r>
+            <a:endParaRPr lang="en-US" altLang="zh-TW" dirty="0" smtClean="0"/>
+          </a:p>
+          <a:p>
+            <a:r>
+              <a:rPr lang="en-US" altLang="zh-TW" dirty="0"/>
+              <a:t>http://</a:t>
+            </a:r>
+            <a:r>
+              <a:rPr lang="en-US" altLang="zh-TW" dirty="0" err="1"/>
+              <a:t>www.phptherightway.com</a:t>
+            </a:r>
             <a:r>
               <a:rPr lang="en-US" altLang="zh-TW" dirty="0" smtClean="0"/>
-              <a:t>http://www.mysql.com/</a:t>
-            </a:r>
-          </a:p>
-          <a:p>
-            <a:r>
-              <a:rPr lang="en-US" altLang="zh-TW" dirty="0" smtClean="0"/>
-              <a:t>http://www.phpmyadmin.com</a:t>
-            </a:r>
-          </a:p>
-          <a:p>
-            <a:r>
-              <a:rPr lang="en-US" altLang="zh-TW" dirty="0" smtClean="0"/>
-              <a:t>http://www.appservnetwork.com/</a:t>
-            </a:r>
-          </a:p>
-          <a:p>
-            <a:r>
-              <a:rPr lang="en-US" altLang="zh-TW" dirty="0" smtClean="0"/>
-              <a:t>http://www.apachefriends.org</a:t>
-            </a:r>
-          </a:p>
-          <a:p>
-            <a:r>
-              <a:rPr lang="en-US" altLang="zh-TW" dirty="0" smtClean="0"/>
-              <a:t>http://www.xampp.org</a:t>
-            </a:r>
+              <a:t>/</a:t>
+            </a:r>
+          </a:p>
+          <a:p>
+            <a:r>
+              <a:rPr lang="en-US" altLang="zh-TW" dirty="0"/>
+              <a:t>https://</a:t>
+            </a:r>
+            <a:r>
+              <a:rPr lang="en-US" altLang="zh-TW" dirty="0" err="1"/>
+              <a:t>packagist.org</a:t>
+            </a:r>
+            <a:r>
+              <a:rPr lang="en-US" altLang="zh-TW" dirty="0"/>
+              <a:t>/</a:t>
+            </a:r>
+            <a:endParaRPr lang="en-US" altLang="zh-TW" dirty="0" smtClean="0"/>
           </a:p>
         </p:txBody>
       </p:sp>
     </p:spTree>
+    <p:extLst>
+      <p:ext uri="{BB962C8B-B14F-4D97-AF65-F5344CB8AC3E}">
+        <p14:creationId xmlns:p14="http://schemas.microsoft.com/office/powerpoint/2010/main" val="302991814"/>
+      </p:ext>
+    </p:extLst>
   </p:cSld>
   <p:clrMapOvr>
     <a:masterClrMapping/>
@@ -23388,6 +23679,232 @@
       </p:grpSpPr>
       <p:sp>
         <p:nvSpPr>
+          <p:cNvPr id="166914" name="Rectangle 2"/>
+          <p:cNvSpPr>
+            <a:spLocks noGrp="1" noChangeArrowheads="1"/>
+          </p:cNvSpPr>
+          <p:nvPr>
+            <p:ph type="title"/>
+          </p:nvPr>
+        </p:nvSpPr>
+        <p:spPr/>
+        <p:txBody>
+          <a:bodyPr/>
+          <a:lstStyle/>
+          <a:p>
+            <a:r>
+              <a:rPr lang="en-US" altLang="zh-TW" smtClean="0"/>
+              <a:t>Sites (</a:t>
+            </a:r>
+            <a:r>
+              <a:rPr lang="zh-TW" altLang="en-US" smtClean="0"/>
+              <a:t>中文)</a:t>
+            </a:r>
+          </a:p>
+        </p:txBody>
+      </p:sp>
+      <p:sp>
+        <p:nvSpPr>
+          <p:cNvPr id="60419" name="Rectangle 3"/>
+          <p:cNvSpPr>
+            <a:spLocks noGrp="1" noChangeArrowheads="1"/>
+          </p:cNvSpPr>
+          <p:nvPr>
+            <p:ph idx="1"/>
+          </p:nvPr>
+        </p:nvSpPr>
+        <p:spPr/>
+        <p:txBody>
+          <a:bodyPr/>
+          <a:lstStyle/>
+          <a:p>
+            <a:r>
+              <a:rPr lang="en-US" altLang="zh-TW" dirty="0">
+                <a:hlinkClick r:id="rId3"/>
+              </a:rPr>
+              <a:t>http://www.phpini.com/</a:t>
+            </a:r>
+            <a:endParaRPr lang="en-US" altLang="zh-TW" dirty="0"/>
+          </a:p>
+          <a:p>
+            <a:r>
+              <a:rPr lang="en-US" altLang="zh-TW" dirty="0">
+                <a:hlinkClick r:id="rId4"/>
+              </a:rPr>
+              <a:t>http://www.csie.sju.edu.tw/cm/course/phpteach.htm</a:t>
+            </a:r>
+            <a:endParaRPr lang="en-US" altLang="zh-TW" dirty="0"/>
+          </a:p>
+          <a:p>
+            <a:r>
+              <a:rPr lang="en-US" altLang="zh-TW" dirty="0">
+                <a:hlinkClick r:id="rId5"/>
+              </a:rPr>
+              <a:t>http://www.twhappy.com/index.php?action=blog&amp;category=6</a:t>
+            </a:r>
+            <a:endParaRPr lang="en-US" altLang="zh-TW" dirty="0"/>
+          </a:p>
+        </p:txBody>
+      </p:sp>
+    </p:spTree>
+  </p:cSld>
+  <p:clrMapOvr>
+    <a:masterClrMapping/>
+  </p:clrMapOvr>
+  <mc:AlternateContent xmlns:mc="http://schemas.openxmlformats.org/markup-compatibility/2006" xmlns:p14="http://schemas.microsoft.com/office/powerpoint/2010/main">
+    <mc:Choice Requires="p14">
+      <p:transition spd="slow" p14:dur="3900">
+        <p14:glitter pattern="hexagon"/>
+      </p:transition>
+    </mc:Choice>
+    <mc:Fallback xmlns="">
+      <p:transition spd="slow">
+        <p:fade/>
+      </p:transition>
+    </mc:Fallback>
+  </mc:AlternateContent>
+</p:sld>
+</file>
+
+<file path=ppt/slides/slide52.xml><?xml version="1.0" encoding="utf-8"?>
+<p:sld xmlns:a="http://schemas.openxmlformats.org/drawingml/2006/main" xmlns:r="http://schemas.openxmlformats.org/officeDocument/2006/relationships" xmlns:p="http://schemas.openxmlformats.org/presentationml/2006/main">
+  <p:cSld>
+    <p:spTree>
+      <p:nvGrpSpPr>
+        <p:cNvPr id="1" name=""/>
+        <p:cNvGrpSpPr/>
+        <p:nvPr/>
+      </p:nvGrpSpPr>
+      <p:grpSpPr>
+        <a:xfrm>
+          <a:off x="0" y="0"/>
+          <a:ext cx="0" cy="0"/>
+          <a:chOff x="0" y="0"/>
+          <a:chExt cx="0" cy="0"/>
+        </a:xfrm>
+      </p:grpSpPr>
+      <p:sp>
+        <p:nvSpPr>
+          <p:cNvPr id="219138" name="Rectangle 2"/>
+          <p:cNvSpPr>
+            <a:spLocks noGrp="1" noChangeArrowheads="1"/>
+          </p:cNvSpPr>
+          <p:nvPr>
+            <p:ph type="title"/>
+          </p:nvPr>
+        </p:nvSpPr>
+        <p:spPr/>
+        <p:txBody>
+          <a:bodyPr/>
+          <a:lstStyle/>
+          <a:p>
+            <a:r>
+              <a:rPr lang="en-US" altLang="zh-TW" smtClean="0"/>
+              <a:t>Download Server</a:t>
+            </a:r>
+            <a:endParaRPr lang="zh-TW" altLang="en-US" smtClean="0"/>
+          </a:p>
+        </p:txBody>
+      </p:sp>
+      <p:sp>
+        <p:nvSpPr>
+          <p:cNvPr id="61443" name="Rectangle 3"/>
+          <p:cNvSpPr>
+            <a:spLocks noGrp="1" noChangeArrowheads="1"/>
+          </p:cNvSpPr>
+          <p:nvPr>
+            <p:ph idx="1"/>
+          </p:nvPr>
+        </p:nvSpPr>
+        <p:spPr/>
+        <p:txBody>
+          <a:bodyPr>
+            <a:normAutofit lnSpcReduction="10000"/>
+          </a:bodyPr>
+          <a:lstStyle/>
+          <a:p>
+            <a:r>
+              <a:rPr lang="en-US" altLang="zh-TW" dirty="0" smtClean="0"/>
+              <a:t>http://www.apache.org/</a:t>
+            </a:r>
+          </a:p>
+          <a:p>
+            <a:r>
+              <a:rPr lang="en-US" altLang="zh-TW" dirty="0" smtClean="0"/>
+              <a:t>http://www.php.net</a:t>
+            </a:r>
+          </a:p>
+          <a:p>
+            <a:r>
+              <a:rPr lang="en-US" altLang="zh-TW" dirty="0" smtClean="0"/>
+              <a:t>http://www.mysql.com/</a:t>
+            </a:r>
+          </a:p>
+          <a:p>
+            <a:r>
+              <a:rPr lang="en-US" altLang="zh-TW" dirty="0" smtClean="0"/>
+              <a:t>http://www.phpmyadmin.com</a:t>
+            </a:r>
+          </a:p>
+          <a:p>
+            <a:r>
+              <a:rPr lang="en-US" altLang="zh-TW" dirty="0" smtClean="0"/>
+              <a:t>http://www.appservnetwork.com/</a:t>
+            </a:r>
+          </a:p>
+          <a:p>
+            <a:r>
+              <a:rPr lang="en-US" altLang="zh-TW" dirty="0" smtClean="0"/>
+              <a:t>http://www.apachefriends.org</a:t>
+            </a:r>
+          </a:p>
+          <a:p>
+            <a:r>
+              <a:rPr lang="en-US" altLang="zh-TW" dirty="0" smtClean="0"/>
+              <a:t>http://www.xampp.org</a:t>
+            </a:r>
+          </a:p>
+        </p:txBody>
+      </p:sp>
+    </p:spTree>
+  </p:cSld>
+  <p:clrMapOvr>
+    <a:masterClrMapping/>
+  </p:clrMapOvr>
+  <mc:AlternateContent xmlns:mc="http://schemas.openxmlformats.org/markup-compatibility/2006" xmlns:p14="http://schemas.microsoft.com/office/powerpoint/2010/main">
+    <mc:Choice Requires="p14">
+      <p:transition spd="slow" p14:dur="3900">
+        <p14:glitter pattern="hexagon"/>
+      </p:transition>
+    </mc:Choice>
+    <mc:Fallback xmlns="">
+      <p:transition spd="slow">
+        <p:fade/>
+      </p:transition>
+    </mc:Fallback>
+  </mc:AlternateContent>
+</p:sld>
+</file>
+
+<file path=ppt/slides/slide53.xml><?xml version="1.0" encoding="utf-8"?>
+<p:sld xmlns:a="http://schemas.openxmlformats.org/drawingml/2006/main" xmlns:r="http://schemas.openxmlformats.org/officeDocument/2006/relationships" xmlns:p="http://schemas.openxmlformats.org/presentationml/2006/main">
+  <p:cSld>
+    <p:spTree>
+      <p:nvGrpSpPr>
+        <p:cNvPr id="1" name=""/>
+        <p:cNvGrpSpPr/>
+        <p:nvPr/>
+      </p:nvGrpSpPr>
+      <p:grpSpPr>
+        <a:xfrm>
+          <a:off x="0" y="0"/>
+          <a:ext cx="0" cy="0"/>
+          <a:chOff x="0" y="0"/>
+          <a:chExt cx="0" cy="0"/>
+        </a:xfrm>
+      </p:grpSpPr>
+      <p:sp>
+        <p:nvSpPr>
           <p:cNvPr id="2" name="Title 1"/>
           <p:cNvSpPr>
             <a:spLocks noGrp="1"/>
@@ -23450,7 +23967,7 @@
 </p:sld>
 </file>
 
-<file path=ppt/slides/slide52.xml><?xml version="1.0" encoding="utf-8"?>
+<file path=ppt/slides/slide54.xml><?xml version="1.0" encoding="utf-8"?>
 <p:sld xmlns:a="http://schemas.openxmlformats.org/drawingml/2006/main" xmlns:r="http://schemas.openxmlformats.org/officeDocument/2006/relationships" xmlns:p="http://schemas.openxmlformats.org/presentationml/2006/main">
   <p:cSld>
     <p:spTree>

--- a/php-fw1/lesson1.pptx
+++ b/php-fw1/lesson1.pptx
@@ -17292,11 +17292,7 @@
             </a:r>
             <a:r>
               <a:rPr lang="en-US" altLang="zh-TW" dirty="0" smtClean="0"/>
-              <a:t>, Alibaba, Baidu, </a:t>
-            </a:r>
-            <a:r>
-              <a:rPr lang="en-US" altLang="zh-TW" dirty="0" smtClean="0"/>
-              <a:t>Hong Kong Art Festival</a:t>
+              <a:t>, Alibaba, Baidu, Hong Kong Art Festival</a:t>
             </a:r>
           </a:p>
           <a:p>
@@ -17306,11 +17302,7 @@
             </a:r>
             <a:r>
               <a:rPr lang="en-US" altLang="zh-TW" dirty="0" smtClean="0"/>
-              <a:t>, WordPress, Joomla, Drupal, </a:t>
-            </a:r>
-            <a:r>
-              <a:rPr lang="en-US" altLang="zh-TW" dirty="0" smtClean="0"/>
-              <a:t>Discus</a:t>
+              <a:t>, WordPress, Joomla, Drupal, Discus</a:t>
             </a:r>
           </a:p>
         </p:txBody>
@@ -17383,7 +17375,6 @@
               <a:rPr lang="en-US" altLang="zh-TW" dirty="0" smtClean="0"/>
               <a:t>PHP usage statistics</a:t>
             </a:r>
-            <a:endParaRPr lang="en-US" altLang="zh-TW" dirty="0" smtClean="0"/>
           </a:p>
         </p:txBody>
       </p:sp>
@@ -17446,19 +17437,7 @@
               <a:rPr lang="en-US" altLang="zh-TW" dirty="0" smtClean="0">
                 <a:hlinkClick r:id="rId5"/>
               </a:rPr>
-              <a:t>https</a:t>
-            </a:r>
-            <a:r>
-              <a:rPr lang="en-US" altLang="zh-TW" dirty="0" smtClean="0">
-                <a:hlinkClick r:id="rId5"/>
-              </a:rPr>
-              <a:t>://</a:t>
-            </a:r>
-            <a:r>
-              <a:rPr lang="en-US" altLang="zh-TW" dirty="0" smtClean="0">
-                <a:hlinkClick r:id="rId5"/>
-              </a:rPr>
-              <a:t>www.google.com.hk/trends/explore#q=php</a:t>
+              <a:t>https://www.google.com.hk/trends/explore#q=php</a:t>
             </a:r>
             <a:endParaRPr lang="en-US" altLang="zh-TW" dirty="0" smtClean="0"/>
           </a:p>
@@ -17467,19 +17446,7 @@
               <a:rPr lang="en-US" altLang="zh-TW" dirty="0" smtClean="0">
                 <a:hlinkClick r:id="rId6"/>
               </a:rPr>
-              <a:t>http</a:t>
-            </a:r>
-            <a:r>
-              <a:rPr lang="en-US" altLang="zh-TW" dirty="0" smtClean="0">
-                <a:hlinkClick r:id="rId6"/>
-              </a:rPr>
-              <a:t>://</a:t>
-            </a:r>
-            <a:r>
-              <a:rPr lang="en-US" altLang="zh-TW" dirty="0" smtClean="0">
-                <a:hlinkClick r:id="rId6"/>
-              </a:rPr>
-              <a:t>trends.builtwith.com/framework/PHP</a:t>
+              <a:t>http://trends.builtwith.com/framework/PHP</a:t>
             </a:r>
             <a:endParaRPr lang="en-US" altLang="zh-TW" dirty="0"/>
           </a:p>
@@ -20425,77 +20392,30 @@
           </a:p>
         </p:txBody>
       </p:sp>
-      <p:sp>
-        <p:nvSpPr>
-          <p:cNvPr id="3" name="Content Placeholder 2"/>
-          <p:cNvSpPr>
-            <a:spLocks noGrp="1"/>
-          </p:cNvSpPr>
-          <p:nvPr>
-            <p:ph idx="1"/>
-          </p:nvPr>
-        </p:nvSpPr>
-        <p:spPr/>
-        <p:txBody>
-          <a:bodyPr/>
-          <a:lstStyle/>
-          <a:p>
-            <a:endParaRPr lang="zh-HK" altLang="en-US"/>
-          </a:p>
-        </p:txBody>
-      </p:sp>
       <p:pic>
         <p:nvPicPr>
-          <p:cNvPr id="14340" name="Picture 5" descr="C:\Users\hatted\Documents\computer\dreamweaver\course\php-fw1\lamp.png"/>
+          <p:cNvPr id="5" name="Content Placeholder 4"/>
           <p:cNvPicPr>
-            <a:picLocks noChangeAspect="1" noChangeArrowheads="1"/>
+            <a:picLocks noGrp="1" noChangeAspect="1"/>
           </p:cNvPicPr>
-          <p:nvPr/>
+          <p:nvPr>
+            <p:ph idx="1"/>
+          </p:nvPr>
         </p:nvPicPr>
         <p:blipFill>
-          <a:blip r:embed="rId3">
-            <a:extLst>
-              <a:ext uri="{28A0092B-C50C-407E-A947-70E740481C1C}">
-                <a14:useLocalDpi xmlns:a14="http://schemas.microsoft.com/office/drawing/2010/main" val="0"/>
-              </a:ext>
-            </a:extLst>
-          </a:blip>
-          <a:srcRect/>
+          <a:blip r:embed="rId3"/>
           <a:stretch>
             <a:fillRect/>
           </a:stretch>
         </p:blipFill>
-        <p:spPr bwMode="auto">
+        <p:spPr>
           <a:xfrm>
-            <a:off x="982133" y="1752837"/>
-            <a:ext cx="7518930" cy="4967051"/>
+            <a:off x="982662" y="1788895"/>
+            <a:ext cx="7704138" cy="5088374"/>
           </a:xfrm>
           <a:prstGeom prst="rect">
             <a:avLst/>
           </a:prstGeom>
-          <a:noFill/>
-          <a:ln>
-            <a:noFill/>
-          </a:ln>
-          <a:extLst>
-            <a:ext uri="{909E8E84-426E-40DD-AFC4-6F175D3DCCD1}">
-              <a14:hiddenFill xmlns:a14="http://schemas.microsoft.com/office/drawing/2010/main">
-                <a:solidFill>
-                  <a:srgbClr val="FFFFFF"/>
-                </a:solidFill>
-              </a14:hiddenFill>
-            </a:ext>
-            <a:ext uri="{91240B29-F687-4F45-9708-019B960494DF}">
-              <a14:hiddenLine xmlns:a14="http://schemas.microsoft.com/office/drawing/2010/main" w="9525">
-                <a:solidFill>
-                  <a:srgbClr val="000000"/>
-                </a:solidFill>
-                <a:miter lim="800000"/>
-                <a:headEnd/>
-                <a:tailEnd/>
-              </a14:hiddenLine>
-            </a:ext>
-          </a:extLst>
         </p:spPr>
       </p:pic>
     </p:spTree>
@@ -21280,68 +21200,68 @@
           <a:lstStyle/>
           <a:p>
             <a:r>
-              <a:rPr lang="en-US" altLang="zh-TW" dirty="0" smtClean="0"/>
+              <a:rPr lang="en-US" altLang="zh-TW" dirty="0"/>
               <a:t>Open </a:t>
             </a:r>
             <a:r>
-              <a:rPr lang="en-US" altLang="zh-TW" dirty="0" err="1" smtClean="0"/>
+              <a:rPr lang="en-US" altLang="zh-TW" dirty="0" err="1"/>
               <a:t>birthday.php</a:t>
             </a:r>
-            <a:endParaRPr lang="en-US" altLang="zh-TW" dirty="0" smtClean="0"/>
-          </a:p>
-          <a:p>
-            <a:r>
-              <a:rPr lang="en-US" altLang="zh-TW" dirty="0" smtClean="0"/>
+            <a:endParaRPr lang="en-US" altLang="zh-TW" dirty="0"/>
+          </a:p>
+          <a:p>
+            <a:r>
+              <a:rPr lang="en-US" altLang="zh-TW" dirty="0"/>
               <a:t>Echo your birthday as YYYYMMDD format.</a:t>
             </a:r>
           </a:p>
           <a:p>
             <a:r>
-              <a:rPr lang="en-US" altLang="zh-TW" dirty="0" smtClean="0"/>
-              <a:t>EG. (31-Jan-1990)  echo </a:t>
-            </a:r>
-            <a:r>
-              <a:rPr lang="mr-IN" altLang="zh-TW" dirty="0" smtClean="0"/>
+              <a:rPr lang="en-US" altLang="zh-TW" dirty="0"/>
+              <a:t>EG. (31-Dec-2000)  echo </a:t>
+            </a:r>
+            <a:r>
+              <a:rPr lang="mr-IN" altLang="zh-TW" dirty="0"/>
+              <a:t>”</a:t>
+            </a:r>
+            <a:r>
+              <a:rPr lang="en-US" altLang="zh-TW" dirty="0"/>
+              <a:t>20001231</a:t>
+            </a:r>
+            <a:r>
+              <a:rPr lang="mr-IN" altLang="zh-TW" dirty="0"/>
               <a:t>"</a:t>
             </a:r>
             <a:r>
-              <a:rPr lang="en-US" altLang="zh-TW" smtClean="0"/>
-              <a:t>19900911</a:t>
-            </a:r>
-            <a:r>
-              <a:rPr lang="mr-IN" altLang="zh-TW" smtClean="0"/>
+              <a:rPr lang="en-US" altLang="zh-TW" dirty="0"/>
+              <a:t>;</a:t>
+            </a:r>
+          </a:p>
+          <a:p>
+            <a:r>
+              <a:rPr lang="en-US" altLang="zh-TW" dirty="0"/>
+              <a:t>Echo today date as YYYYMMDD format</a:t>
+            </a:r>
+          </a:p>
+          <a:p>
+            <a:r>
+              <a:rPr lang="en-US" altLang="zh-TW" dirty="0"/>
+              <a:t>EG. echo date(</a:t>
+            </a:r>
+            <a:r>
+              <a:rPr lang="mr-IN" altLang="zh-TW" dirty="0"/>
               <a:t>"</a:t>
             </a:r>
             <a:r>
-              <a:rPr lang="en-US" altLang="zh-TW" dirty="0" smtClean="0"/>
-              <a:t>;</a:t>
-            </a:r>
-          </a:p>
-          <a:p>
-            <a:r>
-              <a:rPr lang="en-US" altLang="zh-TW" dirty="0" smtClean="0"/>
-              <a:t>Echo today date as YYYYMMDD format</a:t>
-            </a:r>
-          </a:p>
-          <a:p>
-            <a:r>
-              <a:rPr lang="en-US" altLang="zh-TW" dirty="0" smtClean="0"/>
-              <a:t>EG. echo date(</a:t>
-            </a:r>
-            <a:r>
-              <a:rPr lang="mr-IN" altLang="zh-TW" dirty="0" smtClean="0"/>
+              <a:rPr lang="en-US" altLang="zh-TW" dirty="0"/>
+              <a:t>xxx</a:t>
+            </a:r>
+            <a:r>
+              <a:rPr lang="mr-IN" altLang="zh-TW" dirty="0"/>
               <a:t>"</a:t>
             </a:r>
             <a:r>
-              <a:rPr lang="en-US" altLang="zh-TW" dirty="0" smtClean="0"/>
-              <a:t>xxx</a:t>
-            </a:r>
-            <a:r>
-              <a:rPr lang="mr-IN" altLang="zh-TW" dirty="0" smtClean="0"/>
-              <a:t>"</a:t>
-            </a:r>
-            <a:r>
-              <a:rPr lang="en-US" altLang="zh-TW" dirty="0" smtClean="0"/>
+              <a:rPr lang="en-US" altLang="zh-TW" dirty="0"/>
               <a:t>);</a:t>
             </a:r>
           </a:p>
@@ -22822,6 +22742,198 @@
           </a:p>
         </p:txBody>
       </p:sp>
+      <p:sp>
+        <p:nvSpPr>
+          <p:cNvPr id="4" name="文字方塊 4"/>
+          <p:cNvSpPr txBox="1">
+            <a:spLocks noChangeArrowheads="1"/>
+          </p:cNvSpPr>
+          <p:nvPr/>
+        </p:nvSpPr>
+        <p:spPr bwMode="auto">
+          <a:xfrm>
+            <a:off x="5602592" y="4358741"/>
+            <a:ext cx="3071813" cy="2308225"/>
+          </a:xfrm>
+          <a:prstGeom prst="rect">
+            <a:avLst/>
+          </a:prstGeom>
+          <a:noFill/>
+          <a:ln>
+            <a:noFill/>
+          </a:ln>
+          <a:extLst>
+            <a:ext uri="{909E8E84-426E-40DD-AFC4-6F175D3DCCD1}">
+              <a14:hiddenFill xmlns:a14="http://schemas.microsoft.com/office/drawing/2010/main">
+                <a:solidFill>
+                  <a:srgbClr val="FFFFFF"/>
+                </a:solidFill>
+              </a14:hiddenFill>
+            </a:ext>
+            <a:ext uri="{91240B29-F687-4F45-9708-019B960494DF}">
+              <a14:hiddenLine xmlns:a14="http://schemas.microsoft.com/office/drawing/2010/main" w="9525">
+                <a:solidFill>
+                  <a:srgbClr val="000000"/>
+                </a:solidFill>
+                <a:miter lim="800000"/>
+                <a:headEnd/>
+                <a:tailEnd/>
+              </a14:hiddenLine>
+            </a:ext>
+          </a:extLst>
+        </p:spPr>
+        <p:txBody>
+          <a:bodyPr>
+            <a:spAutoFit/>
+          </a:bodyPr>
+          <a:lstStyle>
+            <a:lvl1pPr eaLnBrk="0" hangingPunct="0">
+              <a:defRPr sz="2400">
+                <a:solidFill>
+                  <a:schemeClr val="tx1"/>
+                </a:solidFill>
+                <a:latin typeface="Times New Roman" pitchFamily="18" charset="0"/>
+              </a:defRPr>
+            </a:lvl1pPr>
+            <a:lvl2pPr marL="742950" indent="-285750" eaLnBrk="0" hangingPunct="0">
+              <a:defRPr sz="2400">
+                <a:solidFill>
+                  <a:schemeClr val="tx1"/>
+                </a:solidFill>
+                <a:latin typeface="Times New Roman" pitchFamily="18" charset="0"/>
+              </a:defRPr>
+            </a:lvl2pPr>
+            <a:lvl3pPr marL="1143000" indent="-228600" eaLnBrk="0" hangingPunct="0">
+              <a:defRPr sz="2400">
+                <a:solidFill>
+                  <a:schemeClr val="tx1"/>
+                </a:solidFill>
+                <a:latin typeface="Times New Roman" pitchFamily="18" charset="0"/>
+              </a:defRPr>
+            </a:lvl3pPr>
+            <a:lvl4pPr marL="1600200" indent="-228600" eaLnBrk="0" hangingPunct="0">
+              <a:defRPr sz="2400">
+                <a:solidFill>
+                  <a:schemeClr val="tx1"/>
+                </a:solidFill>
+                <a:latin typeface="Times New Roman" pitchFamily="18" charset="0"/>
+              </a:defRPr>
+            </a:lvl4pPr>
+            <a:lvl5pPr marL="2057400" indent="-228600" eaLnBrk="0" hangingPunct="0">
+              <a:defRPr sz="2400">
+                <a:solidFill>
+                  <a:schemeClr val="tx1"/>
+                </a:solidFill>
+                <a:latin typeface="Times New Roman" pitchFamily="18" charset="0"/>
+              </a:defRPr>
+            </a:lvl5pPr>
+            <a:lvl6pPr marL="2514600" indent="-228600" eaLnBrk="0" fontAlgn="base" hangingPunct="0">
+              <a:spcBef>
+                <a:spcPct val="0"/>
+              </a:spcBef>
+              <a:spcAft>
+                <a:spcPct val="0"/>
+              </a:spcAft>
+              <a:defRPr sz="2400">
+                <a:solidFill>
+                  <a:schemeClr val="tx1"/>
+                </a:solidFill>
+                <a:latin typeface="Times New Roman" pitchFamily="18" charset="0"/>
+              </a:defRPr>
+            </a:lvl6pPr>
+            <a:lvl7pPr marL="2971800" indent="-228600" eaLnBrk="0" fontAlgn="base" hangingPunct="0">
+              <a:spcBef>
+                <a:spcPct val="0"/>
+              </a:spcBef>
+              <a:spcAft>
+                <a:spcPct val="0"/>
+              </a:spcAft>
+              <a:defRPr sz="2400">
+                <a:solidFill>
+                  <a:schemeClr val="tx1"/>
+                </a:solidFill>
+                <a:latin typeface="Times New Roman" pitchFamily="18" charset="0"/>
+              </a:defRPr>
+            </a:lvl7pPr>
+            <a:lvl8pPr marL="3429000" indent="-228600" eaLnBrk="0" fontAlgn="base" hangingPunct="0">
+              <a:spcBef>
+                <a:spcPct val="0"/>
+              </a:spcBef>
+              <a:spcAft>
+                <a:spcPct val="0"/>
+              </a:spcAft>
+              <a:defRPr sz="2400">
+                <a:solidFill>
+                  <a:schemeClr val="tx1"/>
+                </a:solidFill>
+                <a:latin typeface="Times New Roman" pitchFamily="18" charset="0"/>
+              </a:defRPr>
+            </a:lvl8pPr>
+            <a:lvl9pPr marL="3886200" indent="-228600" eaLnBrk="0" fontAlgn="base" hangingPunct="0">
+              <a:spcBef>
+                <a:spcPct val="0"/>
+              </a:spcBef>
+              <a:spcAft>
+                <a:spcPct val="0"/>
+              </a:spcAft>
+              <a:defRPr sz="2400">
+                <a:solidFill>
+                  <a:schemeClr val="tx1"/>
+                </a:solidFill>
+                <a:latin typeface="Times New Roman" pitchFamily="18" charset="0"/>
+              </a:defRPr>
+            </a:lvl9pPr>
+          </a:lstStyle>
+          <a:p>
+            <a:pPr algn="r" eaLnBrk="1" hangingPunct="1"/>
+            <a:r>
+              <a:rPr lang="en-US" altLang="zh-TW" sz="3600" dirty="0" smtClean="0">
+                <a:ea typeface="新細明體" pitchFamily="18" charset="-120"/>
+              </a:rPr>
+              <a:t>2017</a:t>
+            </a:r>
+            <a:endParaRPr lang="en-US" altLang="zh-TW" sz="3600" dirty="0">
+              <a:ea typeface="新細明體" pitchFamily="18" charset="-120"/>
+            </a:endParaRPr>
+          </a:p>
+          <a:p>
+            <a:pPr algn="r" eaLnBrk="1" hangingPunct="1"/>
+            <a:r>
+              <a:rPr lang="en-US" altLang="zh-TW" sz="3600" u="sng" dirty="0" smtClean="0">
+                <a:ea typeface="新細明體" pitchFamily="18" charset="-120"/>
+              </a:rPr>
+              <a:t>-</a:t>
+            </a:r>
+            <a:r>
+              <a:rPr lang="en-US" altLang="zh-TW" sz="3600" u="sng" dirty="0" smtClean="0">
+                <a:ea typeface="新細明體" pitchFamily="18" charset="-120"/>
+              </a:rPr>
+              <a:t>2000</a:t>
+            </a:r>
+            <a:endParaRPr lang="en-US" altLang="zh-TW" sz="3600" u="sng" dirty="0">
+              <a:ea typeface="新細明體" pitchFamily="18" charset="-120"/>
+            </a:endParaRPr>
+          </a:p>
+          <a:p>
+            <a:pPr algn="r" eaLnBrk="1" hangingPunct="1"/>
+            <a:r>
+              <a:rPr lang="en-US" altLang="zh-TW" sz="3600" dirty="0" smtClean="0">
+                <a:ea typeface="新細明體" pitchFamily="18" charset="-120"/>
+              </a:rPr>
+              <a:t>17</a:t>
+            </a:r>
+            <a:endParaRPr lang="en-US" altLang="zh-TW" sz="3600" dirty="0">
+              <a:ea typeface="新細明體" pitchFamily="18" charset="-120"/>
+            </a:endParaRPr>
+          </a:p>
+          <a:p>
+            <a:pPr algn="r" eaLnBrk="1" hangingPunct="1"/>
+            <a:endParaRPr lang="zh-TW" altLang="en-US" sz="3600" dirty="0">
+              <a:ea typeface="新細明體" pitchFamily="18" charset="-120"/>
+            </a:endParaRPr>
+          </a:p>
+        </p:txBody>
+      </p:sp>
     </p:spTree>
   </p:cSld>
   <p:clrMapOvr>
@@ -22924,12 +23036,6 @@
               <a:rPr lang="en-US" altLang="zh-TW" dirty="0" smtClean="0"/>
               <a:t>How to cut off the decimal places?</a:t>
             </a:r>
-          </a:p>
-          <a:p>
-            <a:endParaRPr lang="en-US" altLang="zh-TW" dirty="0" smtClean="0"/>
-          </a:p>
-          <a:p>
-            <a:endParaRPr lang="en-US" altLang="zh-TW" dirty="0" smtClean="0"/>
           </a:p>
         </p:txBody>
       </p:sp>

--- a/php-fw1/lesson1.pptx
+++ b/php-fw1/lesson1.pptx
@@ -22902,13 +22902,7 @@
               <a:rPr lang="en-US" altLang="zh-TW" sz="3600" u="sng" dirty="0" smtClean="0">
                 <a:ea typeface="新細明體" pitchFamily="18" charset="-120"/>
               </a:rPr>
-              <a:t>-</a:t>
-            </a:r>
-            <a:r>
-              <a:rPr lang="en-US" altLang="zh-TW" sz="3600" u="sng" dirty="0" smtClean="0">
-                <a:ea typeface="新細明體" pitchFamily="18" charset="-120"/>
-              </a:rPr>
-              <a:t>2000</a:t>
+              <a:t>-2000</a:t>
             </a:r>
             <a:endParaRPr lang="en-US" altLang="zh-TW" sz="3600" u="sng" dirty="0">
               <a:ea typeface="新細明體" pitchFamily="18" charset="-120"/>
@@ -24532,45 +24526,85 @@
         <p:spPr/>
         <p:txBody>
           <a:bodyPr>
-            <a:normAutofit lnSpcReduction="10000"/>
+            <a:normAutofit fontScale="92500" lnSpcReduction="20000"/>
           </a:bodyPr>
           <a:lstStyle/>
           <a:p>
             <a:r>
-              <a:rPr lang="en-US" altLang="zh-TW" smtClean="0"/>
-              <a:t>Conceived in 1994 by Rasmus Lerdorf for simple set of Perl scripts for tracking accesses to his online resume</a:t>
-            </a:r>
-          </a:p>
-          <a:p>
-            <a:r>
-              <a:rPr lang="en-US" altLang="zh-TW" smtClean="0"/>
+              <a:rPr lang="en-US" altLang="zh-TW" dirty="0" smtClean="0"/>
+              <a:t>Conceived in 1994 by </a:t>
+            </a:r>
+            <a:r>
+              <a:rPr lang="en-US" altLang="zh-TW" dirty="0" err="1" smtClean="0"/>
+              <a:t>Rasmus</a:t>
+            </a:r>
+            <a:r>
+              <a:rPr lang="en-US" altLang="zh-TW" dirty="0" smtClean="0"/>
+              <a:t> </a:t>
+            </a:r>
+            <a:r>
+              <a:rPr lang="en-US" altLang="zh-TW" dirty="0" err="1" smtClean="0"/>
+              <a:t>Lerdorf</a:t>
+            </a:r>
+            <a:r>
+              <a:rPr lang="en-US" altLang="zh-TW" dirty="0" smtClean="0"/>
+              <a:t> for simple set of Perl scripts for tracking accesses to his online resume</a:t>
+            </a:r>
+          </a:p>
+          <a:p>
+            <a:r>
+              <a:rPr lang="en-US" altLang="zh-TW" dirty="0" smtClean="0"/>
               <a:t>Personal Home Page / Forms Interpreter 2.0 in 1997</a:t>
             </a:r>
           </a:p>
           <a:p>
             <a:r>
-              <a:rPr lang="en-US" altLang="zh-TW" smtClean="0"/>
+              <a:rPr lang="en-US" altLang="zh-TW" dirty="0" smtClean="0"/>
               <a:t>PHP Hypertext Preprocessor 3.0 in 1998</a:t>
             </a:r>
           </a:p>
           <a:p>
             <a:r>
-              <a:rPr lang="en-US" altLang="zh-TW" smtClean="0"/>
+              <a:rPr lang="en-US" altLang="zh-TW" dirty="0" smtClean="0"/>
               <a:t>Rewrite the core engine for PHP 4.0</a:t>
             </a:r>
           </a:p>
           <a:p>
             <a:r>
-              <a:rPr lang="en-US" altLang="zh-TW" smtClean="0"/>
+              <a:rPr lang="en-US" altLang="zh-TW" dirty="0" smtClean="0"/>
               <a:t>PHP 5.6 then 7.0.  No PHP 6.0</a:t>
             </a:r>
           </a:p>
           <a:p>
             <a:r>
-              <a:rPr lang="en-US" altLang="zh-TW" smtClean="0"/>
-              <a:t>Newest version is PHP 7.x now</a:t>
-            </a:r>
-            <a:endParaRPr lang="en-US" altLang="zh-TW" dirty="0" smtClean="0"/>
+              <a:rPr lang="en-US" altLang="zh-TW" dirty="0" smtClean="0"/>
+              <a:t>Newest version is PHP 7.x </a:t>
+            </a:r>
+            <a:r>
+              <a:rPr lang="en-US" altLang="zh-TW" dirty="0" smtClean="0"/>
+              <a:t>now</a:t>
+            </a:r>
+          </a:p>
+          <a:p>
+            <a:r>
+              <a:rPr lang="en-US" altLang="zh-TW" dirty="0">
+                <a:hlinkClick r:id="rId3"/>
+              </a:rPr>
+              <a:t>http://</a:t>
+            </a:r>
+            <a:r>
+              <a:rPr lang="en-US" altLang="zh-TW" dirty="0" smtClean="0">
+                <a:hlinkClick r:id="rId3"/>
+              </a:rPr>
+              <a:t>php.net/manual/en/</a:t>
+            </a:r>
+            <a:r>
+              <a:rPr lang="en-US" altLang="zh-TW" smtClean="0">
+                <a:hlinkClick r:id="rId3"/>
+              </a:rPr>
+              <a:t>history.php.php</a:t>
+            </a:r>
+            <a:endParaRPr lang="en-US" altLang="zh-TW" smtClean="0"/>
           </a:p>
         </p:txBody>
       </p:sp>

--- a/php-fw1/lesson1.pptx
+++ b/php-fw1/lesson1.pptx
@@ -5,10 +5,10 @@
     <p:sldMasterId id="2147484484" r:id="rId1"/>
   </p:sldMasterIdLst>
   <p:notesMasterIdLst>
-    <p:notesMasterId r:id="rId56"/>
+    <p:notesMasterId r:id="rId59"/>
   </p:notesMasterIdLst>
   <p:handoutMasterIdLst>
-    <p:handoutMasterId r:id="rId57"/>
+    <p:handoutMasterId r:id="rId60"/>
   </p:handoutMasterIdLst>
   <p:sldIdLst>
     <p:sldId id="256" r:id="rId2"/>
@@ -22,49 +22,52 @@
     <p:sldId id="390" r:id="rId10"/>
     <p:sldId id="391" r:id="rId11"/>
     <p:sldId id="404" r:id="rId12"/>
-    <p:sldId id="410" r:id="rId13"/>
-    <p:sldId id="411" r:id="rId14"/>
-    <p:sldId id="412" r:id="rId15"/>
-    <p:sldId id="403" r:id="rId16"/>
-    <p:sldId id="333" r:id="rId17"/>
-    <p:sldId id="342" r:id="rId18"/>
-    <p:sldId id="343" r:id="rId19"/>
-    <p:sldId id="334" r:id="rId20"/>
-    <p:sldId id="373" r:id="rId21"/>
-    <p:sldId id="395" r:id="rId22"/>
-    <p:sldId id="394" r:id="rId23"/>
-    <p:sldId id="344" r:id="rId24"/>
-    <p:sldId id="345" r:id="rId25"/>
-    <p:sldId id="371" r:id="rId26"/>
-    <p:sldId id="346" r:id="rId27"/>
-    <p:sldId id="347" r:id="rId28"/>
-    <p:sldId id="348" r:id="rId29"/>
-    <p:sldId id="350" r:id="rId30"/>
-    <p:sldId id="381" r:id="rId31"/>
-    <p:sldId id="372" r:id="rId32"/>
-    <p:sldId id="392" r:id="rId33"/>
-    <p:sldId id="397" r:id="rId34"/>
-    <p:sldId id="369" r:id="rId35"/>
-    <p:sldId id="398" r:id="rId36"/>
-    <p:sldId id="380" r:id="rId37"/>
-    <p:sldId id="351" r:id="rId38"/>
-    <p:sldId id="366" r:id="rId39"/>
-    <p:sldId id="374" r:id="rId40"/>
-    <p:sldId id="353" r:id="rId41"/>
-    <p:sldId id="399" r:id="rId42"/>
-    <p:sldId id="356" r:id="rId43"/>
-    <p:sldId id="357" r:id="rId44"/>
-    <p:sldId id="376" r:id="rId45"/>
-    <p:sldId id="396" r:id="rId46"/>
-    <p:sldId id="375" r:id="rId47"/>
-    <p:sldId id="329" r:id="rId48"/>
-    <p:sldId id="383" r:id="rId49"/>
-    <p:sldId id="400" r:id="rId50"/>
-    <p:sldId id="409" r:id="rId51"/>
-    <p:sldId id="377" r:id="rId52"/>
-    <p:sldId id="382" r:id="rId53"/>
-    <p:sldId id="407" r:id="rId54"/>
-    <p:sldId id="269" r:id="rId55"/>
+    <p:sldId id="413" r:id="rId13"/>
+    <p:sldId id="410" r:id="rId14"/>
+    <p:sldId id="411" r:id="rId15"/>
+    <p:sldId id="412" r:id="rId16"/>
+    <p:sldId id="403" r:id="rId17"/>
+    <p:sldId id="333" r:id="rId18"/>
+    <p:sldId id="342" r:id="rId19"/>
+    <p:sldId id="343" r:id="rId20"/>
+    <p:sldId id="334" r:id="rId21"/>
+    <p:sldId id="373" r:id="rId22"/>
+    <p:sldId id="395" r:id="rId23"/>
+    <p:sldId id="394" r:id="rId24"/>
+    <p:sldId id="344" r:id="rId25"/>
+    <p:sldId id="345" r:id="rId26"/>
+    <p:sldId id="371" r:id="rId27"/>
+    <p:sldId id="346" r:id="rId28"/>
+    <p:sldId id="347" r:id="rId29"/>
+    <p:sldId id="348" r:id="rId30"/>
+    <p:sldId id="350" r:id="rId31"/>
+    <p:sldId id="381" r:id="rId32"/>
+    <p:sldId id="372" r:id="rId33"/>
+    <p:sldId id="392" r:id="rId34"/>
+    <p:sldId id="397" r:id="rId35"/>
+    <p:sldId id="414" r:id="rId36"/>
+    <p:sldId id="415" r:id="rId37"/>
+    <p:sldId id="369" r:id="rId38"/>
+    <p:sldId id="398" r:id="rId39"/>
+    <p:sldId id="380" r:id="rId40"/>
+    <p:sldId id="351" r:id="rId41"/>
+    <p:sldId id="366" r:id="rId42"/>
+    <p:sldId id="374" r:id="rId43"/>
+    <p:sldId id="353" r:id="rId44"/>
+    <p:sldId id="399" r:id="rId45"/>
+    <p:sldId id="356" r:id="rId46"/>
+    <p:sldId id="357" r:id="rId47"/>
+    <p:sldId id="376" r:id="rId48"/>
+    <p:sldId id="396" r:id="rId49"/>
+    <p:sldId id="375" r:id="rId50"/>
+    <p:sldId id="329" r:id="rId51"/>
+    <p:sldId id="383" r:id="rId52"/>
+    <p:sldId id="400" r:id="rId53"/>
+    <p:sldId id="409" r:id="rId54"/>
+    <p:sldId id="377" r:id="rId55"/>
+    <p:sldId id="382" r:id="rId56"/>
+    <p:sldId id="407" r:id="rId57"/>
+    <p:sldId id="269" r:id="rId58"/>
   </p:sldIdLst>
   <p:sldSz cx="9144000" cy="6858000" type="screen4x3"/>
   <p:notesSz cx="7099300" cy="10234613"/>
@@ -194,6 +197,75 @@
     </a:lvl9pPr>
   </p:defaultTextStyle>
   <p:extLst>
+    <p:ext uri="{521415D9-36F7-43E2-AB2F-B90AF26B5E84}">
+      <p14:sectionLst xmlns:p14="http://schemas.microsoft.com/office/powerpoint/2010/main">
+        <p14:section name="Default Section" id="{021FF2B3-73C7-AE46-8DE8-775952516517}">
+          <p14:sldIdLst>
+            <p14:sldId id="256"/>
+            <p14:sldId id="259"/>
+            <p14:sldId id="278"/>
+            <p14:sldId id="405"/>
+            <p14:sldId id="408"/>
+            <p14:sldId id="402"/>
+            <p14:sldId id="370"/>
+            <p14:sldId id="322"/>
+            <p14:sldId id="390"/>
+            <p14:sldId id="391"/>
+            <p14:sldId id="404"/>
+            <p14:sldId id="413"/>
+            <p14:sldId id="410"/>
+            <p14:sldId id="411"/>
+            <p14:sldId id="412"/>
+            <p14:sldId id="403"/>
+            <p14:sldId id="333"/>
+            <p14:sldId id="342"/>
+            <p14:sldId id="343"/>
+            <p14:sldId id="334"/>
+          </p14:sldIdLst>
+        </p14:section>
+        <p14:section name="coding" id="{2368DC82-E253-F14D-B134-A7A8B29B9085}">
+          <p14:sldIdLst>
+            <p14:sldId id="373"/>
+            <p14:sldId id="395"/>
+            <p14:sldId id="394"/>
+            <p14:sldId id="344"/>
+            <p14:sldId id="345"/>
+            <p14:sldId id="371"/>
+            <p14:sldId id="346"/>
+            <p14:sldId id="347"/>
+            <p14:sldId id="348"/>
+            <p14:sldId id="350"/>
+            <p14:sldId id="381"/>
+            <p14:sldId id="372"/>
+            <p14:sldId id="392"/>
+            <p14:sldId id="397"/>
+            <p14:sldId id="414"/>
+            <p14:sldId id="415"/>
+            <p14:sldId id="369"/>
+            <p14:sldId id="398"/>
+            <p14:sldId id="380"/>
+            <p14:sldId id="351"/>
+            <p14:sldId id="366"/>
+            <p14:sldId id="374"/>
+            <p14:sldId id="353"/>
+            <p14:sldId id="399"/>
+            <p14:sldId id="356"/>
+            <p14:sldId id="357"/>
+            <p14:sldId id="376"/>
+            <p14:sldId id="396"/>
+            <p14:sldId id="375"/>
+            <p14:sldId id="329"/>
+            <p14:sldId id="383"/>
+            <p14:sldId id="400"/>
+            <p14:sldId id="409"/>
+            <p14:sldId id="377"/>
+            <p14:sldId id="382"/>
+            <p14:sldId id="407"/>
+            <p14:sldId id="269"/>
+          </p14:sldIdLst>
+        </p14:section>
+      </p14:sectionLst>
+    </p:ext>
     <p:ext uri="{EFAFB233-063F-42B5-8137-9DF3F51BA10A}">
       <p15:sldGuideLst xmlns:p15="http://schemas.microsoft.com/office/powerpoint/2012/main">
         <p15:guide id="1" orient="horz" pos="2160">
@@ -1311,7 +1383,7 @@
             <a:fld id="{0A4E903F-79C7-46BD-9272-46AAF192CF50}" type="slidenum">
               <a:rPr lang="zh-TW" altLang="en-US" sz="1300" smtClean="0"/>
               <a:pPr/>
-              <a:t>16</a:t>
+              <a:t>17</a:t>
             </a:fld>
             <a:endParaRPr lang="en-US" altLang="zh-TW" sz="1300" smtClean="0"/>
           </a:p>
@@ -1541,7 +1613,7 @@
             <a:fld id="{CA9DCA92-6216-4CA8-B5B2-63988BC073CF}" type="slidenum">
               <a:rPr lang="zh-TW" altLang="en-US" sz="1300" smtClean="0"/>
               <a:pPr/>
-              <a:t>17</a:t>
+              <a:t>18</a:t>
             </a:fld>
             <a:endParaRPr lang="en-US" altLang="zh-TW" sz="1300" smtClean="0"/>
           </a:p>
@@ -1771,7 +1843,7 @@
             <a:fld id="{5F96EC4F-9042-40E0-8261-699C2B691216}" type="slidenum">
               <a:rPr lang="zh-TW" altLang="en-US" sz="1300" smtClean="0"/>
               <a:pPr/>
-              <a:t>18</a:t>
+              <a:t>19</a:t>
             </a:fld>
             <a:endParaRPr lang="en-US" altLang="zh-TW" sz="1300" smtClean="0"/>
           </a:p>
@@ -2001,7 +2073,7 @@
             <a:fld id="{C46E017D-F16A-4818-B3A2-4991D735618E}" type="slidenum">
               <a:rPr lang="zh-TW" altLang="en-US" sz="1300" smtClean="0"/>
               <a:pPr/>
-              <a:t>19</a:t>
+              <a:t>20</a:t>
             </a:fld>
             <a:endParaRPr lang="en-US" altLang="zh-TW" sz="1300" smtClean="0"/>
           </a:p>
@@ -2231,7 +2303,7 @@
             <a:fld id="{E560E540-EE1D-4C09-AB5F-75FF0BBFC43C}" type="slidenum">
               <a:rPr lang="zh-TW" altLang="en-US" sz="1300" smtClean="0"/>
               <a:pPr/>
-              <a:t>20</a:t>
+              <a:t>21</a:t>
             </a:fld>
             <a:endParaRPr lang="en-US" altLang="zh-TW" sz="1300" smtClean="0"/>
           </a:p>
@@ -2461,7 +2533,7 @@
             <a:fld id="{C45E8E27-2D80-47DF-A8CA-CC543FCE8B75}" type="slidenum">
               <a:rPr lang="zh-TW" altLang="en-US" sz="1300" smtClean="0"/>
               <a:pPr/>
-              <a:t>23</a:t>
+              <a:t>24</a:t>
             </a:fld>
             <a:endParaRPr lang="en-US" altLang="zh-TW" sz="1300" smtClean="0"/>
           </a:p>
@@ -2691,7 +2763,7 @@
             <a:fld id="{84D0CD6C-F363-4689-A77C-408F57F87425}" type="slidenum">
               <a:rPr lang="zh-TW" altLang="en-US" sz="1300" smtClean="0"/>
               <a:pPr/>
-              <a:t>24</a:t>
+              <a:t>25</a:t>
             </a:fld>
             <a:endParaRPr lang="en-US" altLang="zh-TW" sz="1300" smtClean="0"/>
           </a:p>
@@ -2921,7 +2993,7 @@
             <a:fld id="{ADD67C44-68D8-49E4-BAFA-EA87DEF5D213}" type="slidenum">
               <a:rPr lang="zh-TW" altLang="en-US" sz="1300" smtClean="0"/>
               <a:pPr/>
-              <a:t>25</a:t>
+              <a:t>26</a:t>
             </a:fld>
             <a:endParaRPr lang="en-US" altLang="zh-TW" sz="1300" smtClean="0"/>
           </a:p>
@@ -3151,7 +3223,7 @@
             <a:fld id="{D38F7238-3CB8-48AE-A601-A99E0EA8DE3D}" type="slidenum">
               <a:rPr lang="zh-TW" altLang="en-US" sz="1300" smtClean="0"/>
               <a:pPr/>
-              <a:t>26</a:t>
+              <a:t>27</a:t>
             </a:fld>
             <a:endParaRPr lang="en-US" altLang="zh-TW" sz="1300" smtClean="0"/>
           </a:p>
@@ -3381,7 +3453,7 @@
             <a:fld id="{6FBAA514-01BA-4551-950E-ED87887F7715}" type="slidenum">
               <a:rPr lang="zh-TW" altLang="en-US" sz="1300" smtClean="0"/>
               <a:pPr/>
-              <a:t>27</a:t>
+              <a:t>28</a:t>
             </a:fld>
             <a:endParaRPr lang="en-US" altLang="zh-TW" sz="1300" smtClean="0"/>
           </a:p>
@@ -3841,7 +3913,7 @@
             <a:fld id="{C2A49AB0-38E3-48FB-B9C7-F3148CD01756}" type="slidenum">
               <a:rPr lang="zh-TW" altLang="en-US" sz="1300" smtClean="0"/>
               <a:pPr/>
-              <a:t>28</a:t>
+              <a:t>29</a:t>
             </a:fld>
             <a:endParaRPr lang="en-US" altLang="zh-TW" sz="1300" smtClean="0"/>
           </a:p>
@@ -4071,7 +4143,7 @@
             <a:fld id="{2DBB294E-D159-4B0D-8B7C-485162A22FF7}" type="slidenum">
               <a:rPr lang="zh-TW" altLang="en-US" sz="1300" smtClean="0"/>
               <a:pPr/>
-              <a:t>29</a:t>
+              <a:t>30</a:t>
             </a:fld>
             <a:endParaRPr lang="en-US" altLang="zh-TW" sz="1300" smtClean="0"/>
           </a:p>
@@ -4301,7 +4373,7 @@
             <a:fld id="{83E6493E-F04F-492F-8D95-3031AC6C8C5A}" type="slidenum">
               <a:rPr lang="zh-TW" altLang="en-US" sz="1300" smtClean="0"/>
               <a:pPr/>
-              <a:t>30</a:t>
+              <a:t>31</a:t>
             </a:fld>
             <a:endParaRPr lang="en-US" altLang="zh-TW" sz="1300" smtClean="0"/>
           </a:p>
@@ -4531,7 +4603,7 @@
             <a:fld id="{74D58637-8846-4395-9EC3-5163009C4F1D}" type="slidenum">
               <a:rPr lang="zh-TW" altLang="en-US" sz="1300" smtClean="0"/>
               <a:pPr/>
-              <a:t>31</a:t>
+              <a:t>32</a:t>
             </a:fld>
             <a:endParaRPr lang="en-US" altLang="zh-TW" sz="1300" smtClean="0"/>
           </a:p>
@@ -4761,7 +4833,7 @@
             <a:fld id="{32305C3B-1A3F-4509-B958-4912958B602C}" type="slidenum">
               <a:rPr lang="zh-TW" altLang="en-US" sz="1300" smtClean="0"/>
               <a:pPr/>
-              <a:t>33</a:t>
+              <a:t>34</a:t>
             </a:fld>
             <a:endParaRPr lang="en-US" altLang="zh-TW" sz="1300" smtClean="0"/>
           </a:p>
@@ -4991,7 +5063,7 @@
             <a:fld id="{1EE69E31-FB8A-43EF-90E8-8F1A6E67C714}" type="slidenum">
               <a:rPr lang="zh-TW" altLang="en-US" sz="1300" smtClean="0"/>
               <a:pPr/>
-              <a:t>34</a:t>
+              <a:t>37</a:t>
             </a:fld>
             <a:endParaRPr lang="en-US" altLang="zh-TW" sz="1300" smtClean="0"/>
           </a:p>
@@ -5221,7 +5293,7 @@
             <a:fld id="{5989445E-84BC-4EEC-8764-21DC13B39430}" type="slidenum">
               <a:rPr lang="zh-TW" altLang="en-US" sz="1300" smtClean="0"/>
               <a:pPr/>
-              <a:t>36</a:t>
+              <a:t>39</a:t>
             </a:fld>
             <a:endParaRPr lang="en-US" altLang="zh-TW" sz="1300" smtClean="0"/>
           </a:p>
@@ -5451,7 +5523,7 @@
             <a:fld id="{80CD10D2-66F0-4658-A409-6AB42591A917}" type="slidenum">
               <a:rPr lang="zh-TW" altLang="en-US" sz="1300" smtClean="0"/>
               <a:pPr/>
-              <a:t>37</a:t>
+              <a:t>40</a:t>
             </a:fld>
             <a:endParaRPr lang="en-US" altLang="zh-TW" sz="1300" smtClean="0"/>
           </a:p>
@@ -5681,7 +5753,7 @@
             <a:fld id="{88EB6BBE-7BAC-447E-A856-77ACA0CACF66}" type="slidenum">
               <a:rPr lang="zh-TW" altLang="en-US" sz="1300" smtClean="0"/>
               <a:pPr/>
-              <a:t>38</a:t>
+              <a:t>41</a:t>
             </a:fld>
             <a:endParaRPr lang="en-US" altLang="zh-TW" sz="1300" smtClean="0"/>
           </a:p>
@@ -5911,7 +5983,7 @@
             <a:fld id="{2F44924E-F5AC-403F-90FF-10A034454374}" type="slidenum">
               <a:rPr lang="zh-TW" altLang="en-US" sz="1300" smtClean="0"/>
               <a:pPr/>
-              <a:t>39</a:t>
+              <a:t>42</a:t>
             </a:fld>
             <a:endParaRPr lang="en-US" altLang="zh-TW" sz="1300" smtClean="0"/>
           </a:p>
@@ -6371,7 +6443,7 @@
             <a:fld id="{1F642C14-A02B-4B0F-ABC2-14A05F54496B}" type="slidenum">
               <a:rPr lang="zh-TW" altLang="en-US" sz="1300" smtClean="0"/>
               <a:pPr/>
-              <a:t>40</a:t>
+              <a:t>43</a:t>
             </a:fld>
             <a:endParaRPr lang="en-US" altLang="zh-TW" sz="1300" smtClean="0"/>
           </a:p>
@@ -6601,7 +6673,7 @@
             <a:fld id="{14B3C990-1D56-420D-A442-4422CD6CD73C}" type="slidenum">
               <a:rPr lang="zh-TW" altLang="en-US" sz="1300" smtClean="0"/>
               <a:pPr/>
-              <a:t>42</a:t>
+              <a:t>45</a:t>
             </a:fld>
             <a:endParaRPr lang="en-US" altLang="zh-TW" sz="1300" smtClean="0"/>
           </a:p>
@@ -6831,7 +6903,7 @@
             <a:fld id="{92086C54-0068-4BC4-AAC8-8AA54FFEE134}" type="slidenum">
               <a:rPr lang="zh-TW" altLang="en-US" sz="1300" smtClean="0"/>
               <a:pPr/>
-              <a:t>43</a:t>
+              <a:t>46</a:t>
             </a:fld>
             <a:endParaRPr lang="en-US" altLang="zh-TW" sz="1300" smtClean="0"/>
           </a:p>
@@ -7061,7 +7133,7 @@
             <a:fld id="{76FDDD61-0CF2-4001-9487-7D8396DFCB4A}" type="slidenum">
               <a:rPr lang="zh-TW" altLang="en-US" sz="1300" smtClean="0"/>
               <a:pPr/>
-              <a:t>44</a:t>
+              <a:t>47</a:t>
             </a:fld>
             <a:endParaRPr lang="en-US" altLang="zh-TW" sz="1300" smtClean="0"/>
           </a:p>
@@ -7291,7 +7363,7 @@
             <a:fld id="{65F63C84-6F96-483D-BEDF-8BC5AA5BE80D}" type="slidenum">
               <a:rPr lang="zh-TW" altLang="en-US" sz="1300" smtClean="0"/>
               <a:pPr/>
-              <a:t>46</a:t>
+              <a:t>49</a:t>
             </a:fld>
             <a:endParaRPr lang="en-US" altLang="zh-TW" sz="1300" smtClean="0"/>
           </a:p>
@@ -7521,7 +7593,7 @@
             <a:fld id="{7B6D5E4E-BC30-472C-B163-A0FDE8C2E9C9}" type="slidenum">
               <a:rPr lang="zh-TW" altLang="en-US" sz="1300" smtClean="0"/>
               <a:pPr/>
-              <a:t>47</a:t>
+              <a:t>50</a:t>
             </a:fld>
             <a:endParaRPr lang="en-US" altLang="zh-TW" sz="1300" smtClean="0"/>
           </a:p>
@@ -7751,7 +7823,7 @@
             <a:fld id="{428FCC26-6C01-4A40-8C69-099DC2F34F5B}" type="slidenum">
               <a:rPr lang="zh-TW" altLang="en-US" sz="1300" smtClean="0"/>
               <a:pPr/>
-              <a:t>48</a:t>
+              <a:t>51</a:t>
             </a:fld>
             <a:endParaRPr lang="en-US" altLang="zh-TW" sz="1300" smtClean="0"/>
           </a:p>
@@ -7981,7 +8053,7 @@
             <a:fld id="{1B80D191-93BF-413A-84D4-B7D05D81D792}" type="slidenum">
               <a:rPr lang="zh-TW" altLang="en-US" sz="1300" smtClean="0"/>
               <a:pPr/>
-              <a:t>49</a:t>
+              <a:t>52</a:t>
             </a:fld>
             <a:endParaRPr lang="en-US" altLang="zh-TW" sz="1300" smtClean="0"/>
           </a:p>
@@ -8211,7 +8283,7 @@
             <a:fld id="{1B80D191-93BF-413A-84D4-B7D05D81D792}" type="slidenum">
               <a:rPr lang="zh-TW" altLang="en-US" sz="1300" smtClean="0"/>
               <a:pPr/>
-              <a:t>50</a:t>
+              <a:t>53</a:t>
             </a:fld>
             <a:endParaRPr lang="en-US" altLang="zh-TW" sz="1300" smtClean="0"/>
           </a:p>
@@ -8441,7 +8513,7 @@
             <a:fld id="{874A9086-56B5-487B-B477-1FAA6332E284}" type="slidenum">
               <a:rPr lang="zh-TW" altLang="en-US" sz="1300" smtClean="0"/>
               <a:pPr/>
-              <a:t>51</a:t>
+              <a:t>54</a:t>
             </a:fld>
             <a:endParaRPr lang="en-US" altLang="zh-TW" sz="1300" smtClean="0"/>
           </a:p>
@@ -8901,7 +8973,7 @@
             <a:fld id="{F33B9B09-6922-4727-914C-1484DFB2F967}" type="slidenum">
               <a:rPr lang="zh-TW" altLang="en-US" sz="1300" smtClean="0"/>
               <a:pPr/>
-              <a:t>52</a:t>
+              <a:t>55</a:t>
             </a:fld>
             <a:endParaRPr lang="en-US" altLang="zh-TW" sz="1300" smtClean="0"/>
           </a:p>
@@ -9131,7 +9203,7 @@
             <a:fld id="{07346091-4DA9-4583-A58B-8B16EE350C73}" type="slidenum">
               <a:rPr lang="zh-TW" altLang="en-US" sz="1300" smtClean="0"/>
               <a:pPr/>
-              <a:t>54</a:t>
+              <a:t>57</a:t>
             </a:fld>
             <a:endParaRPr lang="en-US" altLang="zh-TW" sz="1300" smtClean="0"/>
           </a:p>
@@ -9821,7 +9893,7 @@
             <a:fld id="{2CC355A3-C03C-420D-92C5-DA919C5C1A2E}" type="slidenum">
               <a:rPr lang="zh-TW" altLang="en-US" sz="1300" smtClean="0"/>
               <a:pPr/>
-              <a:t>12</a:t>
+              <a:t>13</a:t>
             </a:fld>
             <a:endParaRPr lang="en-US" altLang="zh-TW" sz="1300" smtClean="0"/>
           </a:p>
@@ -10051,7 +10123,7 @@
             <a:fld id="{2CC355A3-C03C-420D-92C5-DA919C5C1A2E}" type="slidenum">
               <a:rPr lang="zh-TW" altLang="en-US" sz="1300" smtClean="0"/>
               <a:pPr/>
-              <a:t>13</a:t>
+              <a:t>14</a:t>
             </a:fld>
             <a:endParaRPr lang="en-US" altLang="zh-TW" sz="1300" smtClean="0"/>
           </a:p>
@@ -10281,7 +10353,7 @@
             <a:fld id="{2CC355A3-C03C-420D-92C5-DA919C5C1A2E}" type="slidenum">
               <a:rPr lang="zh-TW" altLang="en-US" sz="1300" smtClean="0"/>
               <a:pPr/>
-              <a:t>15</a:t>
+              <a:t>16</a:t>
             </a:fld>
             <a:endParaRPr lang="en-US" altLang="zh-TW" sz="1300" smtClean="0"/>
           </a:p>
@@ -17032,10 +17104,35 @@
           <a:lstStyle/>
           <a:p>
             <a:r>
-              <a:rPr lang="en-US" altLang="zh-TW" smtClean="0"/>
-              <a:t>The project closed down because of the bad performance.</a:t>
-            </a:r>
-            <a:endParaRPr lang="en-US" altLang="zh-TW" dirty="0" smtClean="0"/>
+              <a:rPr lang="en-US" altLang="zh-TW" dirty="0"/>
+              <a:t>Planned</a:t>
+            </a:r>
+            <a:r>
+              <a:rPr lang="zh-TW" altLang="en-US" dirty="0"/>
+              <a:t> </a:t>
+            </a:r>
+            <a:r>
+              <a:rPr lang="en-US" altLang="zh-TW" dirty="0"/>
+              <a:t>to support </a:t>
+            </a:r>
+            <a:r>
+              <a:rPr lang="en-US" altLang="zh-TW" dirty="0" err="1"/>
+              <a:t>unicode</a:t>
+            </a:r>
+            <a:r>
+              <a:rPr lang="en-US" altLang="zh-TW" dirty="0"/>
+              <a:t> in code</a:t>
+            </a:r>
+          </a:p>
+          <a:p>
+            <a:r>
+              <a:rPr lang="en-US" altLang="zh-TW" dirty="0" smtClean="0"/>
+              <a:t>The </a:t>
+            </a:r>
+            <a:r>
+              <a:rPr lang="en-US" altLang="zh-TW" dirty="0" smtClean="0"/>
+              <a:t>project closed down because of the bad performance.</a:t>
+            </a:r>
           </a:p>
         </p:txBody>
       </p:sp>
@@ -17218,9 +17315,9 @@
       </p:grpSpPr>
       <p:sp>
         <p:nvSpPr>
-          <p:cNvPr id="97282" name="Rectangle 2"/>
-          <p:cNvSpPr>
-            <a:spLocks noGrp="1" noChangeArrowheads="1"/>
+          <p:cNvPr id="2" name="標題 1"/>
+          <p:cNvSpPr>
+            <a:spLocks noGrp="1"/>
           </p:cNvSpPr>
           <p:nvPr>
             <p:ph type="title"/>
@@ -17232,18 +17329,22 @@
           <a:lstStyle/>
           <a:p>
             <a:r>
-              <a:rPr lang="en-US" altLang="zh-TW" smtClean="0"/>
-              <a:t>Who is using PHP</a:t>
-            </a:r>
-            <a:endParaRPr lang="en-US" altLang="zh-TW" dirty="0" smtClean="0"/>
-          </a:p>
-        </p:txBody>
-      </p:sp>
-      <p:sp>
-        <p:nvSpPr>
-          <p:cNvPr id="22531" name="Rectangle 3"/>
-          <p:cNvSpPr>
-            <a:spLocks noGrp="1" noChangeArrowheads="1"/>
+              <a:rPr lang="en-US" altLang="zh-HK" dirty="0"/>
+              <a:t>PHP usage </a:t>
+            </a:r>
+            <a:r>
+              <a:rPr lang="en-US" altLang="zh-HK" dirty="0" smtClean="0"/>
+              <a:t>statistics</a:t>
+            </a:r>
+            <a:endParaRPr lang="zh-HK" altLang="en-US" dirty="0"/>
+          </a:p>
+        </p:txBody>
+      </p:sp>
+      <p:sp>
+        <p:nvSpPr>
+          <p:cNvPr id="3" name="內容版面配置區 2"/>
+          <p:cNvSpPr>
+            <a:spLocks noGrp="1"/>
           </p:cNvSpPr>
           <p:nvPr>
             <p:ph idx="1"/>
@@ -17251,91 +17352,46 @@
         </p:nvSpPr>
         <p:spPr/>
         <p:txBody>
-          <a:bodyPr>
-            <a:normAutofit/>
-          </a:bodyPr>
+          <a:bodyPr/>
           <a:lstStyle/>
           <a:p>
-            <a:r>
-              <a:rPr lang="en-US" altLang="zh-TW" dirty="0" smtClean="0"/>
-              <a:t>Yahoo! – 3.5 billion/day</a:t>
-            </a:r>
-          </a:p>
-          <a:p>
-            <a:r>
-              <a:rPr lang="en-US" altLang="zh-TW" dirty="0" smtClean="0"/>
-              <a:t>Flickr, Facebook, Friendster, Second life</a:t>
-            </a:r>
-            <a:r>
-              <a:rPr lang="en-US" altLang="zh-TW" dirty="0"/>
-              <a:t>, </a:t>
-            </a:r>
-            <a:r>
-              <a:rPr lang="en-US" altLang="zh-TW" dirty="0" err="1"/>
-              <a:t>iStockPhoto</a:t>
-            </a:r>
-            <a:r>
-              <a:rPr lang="en-US" altLang="zh-TW" dirty="0"/>
-              <a:t>, Tumblr, </a:t>
-            </a:r>
-            <a:r>
-              <a:rPr lang="en-US" altLang="zh-TW" dirty="0" err="1" smtClean="0"/>
-              <a:t>Mailchimp</a:t>
-            </a:r>
-            <a:r>
-              <a:rPr lang="en-US" altLang="zh-TW" dirty="0" smtClean="0"/>
-              <a:t>, </a:t>
-            </a:r>
-            <a:r>
-              <a:rPr lang="en-US" altLang="zh-TW" dirty="0" err="1" smtClean="0"/>
-              <a:t>SourceForge</a:t>
-            </a:r>
-            <a:r>
-              <a:rPr lang="en-US" altLang="zh-TW" dirty="0" smtClean="0"/>
-              <a:t>, Alibaba, Baidu, Hong Kong Art Festival</a:t>
-            </a:r>
-          </a:p>
-          <a:p>
-            <a:r>
-              <a:rPr lang="en-US" altLang="zh-TW" dirty="0" err="1" smtClean="0"/>
-              <a:t>Magento</a:t>
-            </a:r>
-            <a:r>
-              <a:rPr lang="en-US" altLang="zh-TW" dirty="0" smtClean="0"/>
-              <a:t>, WordPress, Joomla, Drupal, Discus</a:t>
-            </a:r>
-          </a:p>
-        </p:txBody>
-      </p:sp>
+            <a:endParaRPr lang="zh-HK" altLang="en-US" dirty="0"/>
+          </a:p>
+        </p:txBody>
+      </p:sp>
+      <p:pic>
+        <p:nvPicPr>
+          <p:cNvPr id="4" name="圖片 3"/>
+          <p:cNvPicPr>
+            <a:picLocks noChangeAspect="1"/>
+          </p:cNvPicPr>
+          <p:nvPr/>
+        </p:nvPicPr>
+        <p:blipFill rotWithShape="1">
+          <a:blip r:embed="rId2"/>
+          <a:srcRect l="48431" t="19600" r="1171" b="12502"/>
+          <a:stretch/>
+        </p:blipFill>
+        <p:spPr>
+          <a:xfrm>
+            <a:off x="1522098" y="1837692"/>
+            <a:ext cx="6624736" cy="5020308"/>
+          </a:xfrm>
+          <a:prstGeom prst="rect">
+            <a:avLst/>
+          </a:prstGeom>
+        </p:spPr>
+      </p:pic>
     </p:spTree>
     <p:extLst>
       <p:ext uri="{BB962C8B-B14F-4D97-AF65-F5344CB8AC3E}">
-        <p14:creationId xmlns:p14="http://schemas.microsoft.com/office/powerpoint/2010/main" val="1090092915"/>
+        <p14:creationId xmlns:p14="http://schemas.microsoft.com/office/powerpoint/2010/main" val="84528315"/>
       </p:ext>
     </p:extLst>
   </p:cSld>
   <p:clrMapOvr>
     <a:masterClrMapping/>
   </p:clrMapOvr>
-  <mc:AlternateContent xmlns:mc="http://schemas.openxmlformats.org/markup-compatibility/2006" xmlns:p14="http://schemas.microsoft.com/office/powerpoint/2010/main">
-    <mc:Choice Requires="p14">
-      <p:transition spd="slow" p14:dur="3900">
-        <p14:glitter pattern="hexagon"/>
-      </p:transition>
-    </mc:Choice>
-    <mc:Fallback xmlns="">
-      <p:transition spd="slow">
-        <p:fade/>
-      </p:transition>
-    </mc:Fallback>
-  </mc:AlternateContent>
-  <p:timing>
-    <p:tnLst>
-      <p:par>
-        <p:cTn id="1" dur="indefinite" restart="never" nodeType="tmRoot"/>
-      </p:par>
-    </p:tnLst>
-  </p:timing>
 </p:sld>
 </file>
 
@@ -17372,9 +17428,10 @@
           <a:lstStyle/>
           <a:p>
             <a:r>
-              <a:rPr lang="en-US" altLang="zh-TW" dirty="0" smtClean="0"/>
-              <a:t>PHP usage statistics</a:t>
-            </a:r>
+              <a:rPr lang="en-US" altLang="zh-TW" smtClean="0"/>
+              <a:t>Who is using PHP</a:t>
+            </a:r>
+            <a:endParaRPr lang="en-US" altLang="zh-TW" dirty="0" smtClean="0"/>
           </a:p>
         </p:txBody>
       </p:sp>
@@ -17396,72 +17453,239 @@
           <a:lstStyle/>
           <a:p>
             <a:r>
-              <a:rPr lang="en-US" altLang="zh-TW" dirty="0">
-                <a:hlinkClick r:id="rId3"/>
-              </a:rPr>
-              <a:t>https://w3techs.com/</a:t>
-            </a:r>
-          </a:p>
-          <a:p>
-            <a:r>
-              <a:rPr lang="en-US" altLang="zh-TW" dirty="0" smtClean="0">
-                <a:hlinkClick r:id="rId3"/>
-              </a:rPr>
-              <a:t>https</a:t>
-            </a:r>
-            <a:r>
-              <a:rPr lang="en-US" altLang="zh-TW" dirty="0">
-                <a:hlinkClick r:id="rId3"/>
-              </a:rPr>
-              <a:t>://</a:t>
-            </a:r>
-            <a:r>
-              <a:rPr lang="en-US" altLang="zh-TW" dirty="0" smtClean="0">
-                <a:hlinkClick r:id="rId3"/>
-              </a:rPr>
-              <a:t>wappalyzer.com/applications/php</a:t>
-            </a:r>
-            <a:endParaRPr lang="en-US" altLang="zh-TW" dirty="0" smtClean="0"/>
-          </a:p>
-          <a:p>
-            <a:r>
-              <a:rPr lang="en-US" altLang="zh-TW" dirty="0" smtClean="0">
-                <a:hlinkClick r:id="rId4"/>
-              </a:rPr>
-              <a:t>http://www.php.net/usage.php</a:t>
-            </a:r>
-            <a:endParaRPr lang="en-US" altLang="zh-TW" dirty="0" smtClean="0"/>
-          </a:p>
-          <a:p>
-            <a:r>
-              <a:rPr lang="en-US" altLang="zh-TW" dirty="0" smtClean="0">
-                <a:hlinkClick r:id="rId5"/>
-              </a:rPr>
-              <a:t>https://www.google.com.hk/trends/explore#q=php</a:t>
-            </a:r>
-            <a:endParaRPr lang="en-US" altLang="zh-TW" dirty="0" smtClean="0"/>
-          </a:p>
-          <a:p>
-            <a:r>
-              <a:rPr lang="en-US" altLang="zh-TW" dirty="0" smtClean="0">
-                <a:hlinkClick r:id="rId6"/>
-              </a:rPr>
-              <a:t>http://trends.builtwith.com/framework/PHP</a:t>
-            </a:r>
-            <a:endParaRPr lang="en-US" altLang="zh-TW" dirty="0"/>
-          </a:p>
-          <a:p>
-            <a:endParaRPr lang="en-US" altLang="zh-TW" dirty="0" smtClean="0"/>
-          </a:p>
-          <a:p>
-            <a:endParaRPr lang="en-US" altLang="zh-TW" dirty="0" smtClean="0"/>
-          </a:p>
-        </p:txBody>
-      </p:sp>
+              <a:rPr lang="en-US" altLang="zh-TW" dirty="0" smtClean="0"/>
+              <a:t>Yahoo! – 3.5 billion/day</a:t>
+            </a:r>
+          </a:p>
+          <a:p>
+            <a:r>
+              <a:rPr lang="en-US" altLang="zh-TW" dirty="0" smtClean="0"/>
+              <a:t>Flickr, Facebook, Friendster, Second life</a:t>
+            </a:r>
+            <a:r>
+              <a:rPr lang="en-US" altLang="zh-TW" dirty="0"/>
+              <a:t>, </a:t>
+            </a:r>
+            <a:r>
+              <a:rPr lang="en-US" altLang="zh-TW" dirty="0" err="1"/>
+              <a:t>iStockPhoto</a:t>
+            </a:r>
+            <a:r>
+              <a:rPr lang="en-US" altLang="zh-TW" dirty="0"/>
+              <a:t>, Tumblr, </a:t>
+            </a:r>
+            <a:r>
+              <a:rPr lang="en-US" altLang="zh-TW" dirty="0" err="1" smtClean="0"/>
+              <a:t>Mailchimp</a:t>
+            </a:r>
+            <a:r>
+              <a:rPr lang="en-US" altLang="zh-TW" dirty="0" smtClean="0"/>
+              <a:t>, </a:t>
+            </a:r>
+            <a:r>
+              <a:rPr lang="en-US" altLang="zh-TW" dirty="0" err="1" smtClean="0"/>
+              <a:t>SourceForge</a:t>
+            </a:r>
+            <a:r>
+              <a:rPr lang="en-US" altLang="zh-TW" dirty="0" smtClean="0"/>
+              <a:t>, Alibaba, Baidu, Hong Kong Art Festival</a:t>
+            </a:r>
+          </a:p>
+          <a:p>
+            <a:r>
+              <a:rPr lang="en-US" altLang="zh-TW" dirty="0" err="1" smtClean="0"/>
+              <a:t>Magento</a:t>
+            </a:r>
+            <a:r>
+              <a:rPr lang="en-US" altLang="zh-TW" dirty="0" smtClean="0"/>
+              <a:t>, WordPress, Joomla, Drupal, Discus</a:t>
+            </a:r>
+          </a:p>
+        </p:txBody>
+      </p:sp>
+      <p:pic>
+        <p:nvPicPr>
+          <p:cNvPr id="4" name="圖片 1"/>
+          <p:cNvPicPr>
+            <a:picLocks noChangeAspect="1"/>
+          </p:cNvPicPr>
+          <p:nvPr/>
+        </p:nvPicPr>
+        <p:blipFill>
+          <a:blip r:embed="rId3" cstate="print">
+            <a:extLst>
+              <a:ext uri="{28A0092B-C50C-407E-A947-70E740481C1C}">
+                <a14:useLocalDpi xmlns:a14="http://schemas.microsoft.com/office/drawing/2010/main" val="0"/>
+              </a:ext>
+            </a:extLst>
+          </a:blip>
+          <a:stretch>
+            <a:fillRect/>
+          </a:stretch>
+        </p:blipFill>
+        <p:spPr>
+          <a:xfrm>
+            <a:off x="1519457" y="5570599"/>
+            <a:ext cx="1475656" cy="742377"/>
+          </a:xfrm>
+          <a:prstGeom prst="rect">
+            <a:avLst/>
+          </a:prstGeom>
+        </p:spPr>
+      </p:pic>
+      <p:pic>
+        <p:nvPicPr>
+          <p:cNvPr id="5" name="圖片 2"/>
+          <p:cNvPicPr>
+            <a:picLocks noChangeAspect="1"/>
+          </p:cNvPicPr>
+          <p:nvPr/>
+        </p:nvPicPr>
+        <p:blipFill>
+          <a:blip r:embed="rId4" cstate="print">
+            <a:extLst>
+              <a:ext uri="{28A0092B-C50C-407E-A947-70E740481C1C}">
+                <a14:useLocalDpi xmlns:a14="http://schemas.microsoft.com/office/drawing/2010/main" val="0"/>
+              </a:ext>
+            </a:extLst>
+          </a:blip>
+          <a:stretch>
+            <a:fillRect/>
+          </a:stretch>
+        </p:blipFill>
+        <p:spPr>
+          <a:xfrm>
+            <a:off x="0" y="5570599"/>
+            <a:ext cx="1512168" cy="735464"/>
+          </a:xfrm>
+          <a:prstGeom prst="rect">
+            <a:avLst/>
+          </a:prstGeom>
+        </p:spPr>
+      </p:pic>
+      <p:pic>
+        <p:nvPicPr>
+          <p:cNvPr id="6" name="圖片 3"/>
+          <p:cNvPicPr>
+            <a:picLocks noChangeAspect="1"/>
+          </p:cNvPicPr>
+          <p:nvPr/>
+        </p:nvPicPr>
+        <p:blipFill>
+          <a:blip r:embed="rId5" cstate="print">
+            <a:extLst>
+              <a:ext uri="{28A0092B-C50C-407E-A947-70E740481C1C}">
+                <a14:useLocalDpi xmlns:a14="http://schemas.microsoft.com/office/drawing/2010/main" val="0"/>
+              </a:ext>
+            </a:extLst>
+          </a:blip>
+          <a:stretch>
+            <a:fillRect/>
+          </a:stretch>
+        </p:blipFill>
+        <p:spPr>
+          <a:xfrm>
+            <a:off x="2994946" y="5569382"/>
+            <a:ext cx="883154" cy="883154"/>
+          </a:xfrm>
+          <a:prstGeom prst="rect">
+            <a:avLst/>
+          </a:prstGeom>
+        </p:spPr>
+      </p:pic>
+      <p:pic>
+        <p:nvPicPr>
+          <p:cNvPr id="7" name="圖片 4"/>
+          <p:cNvPicPr>
+            <a:picLocks noChangeAspect="1"/>
+          </p:cNvPicPr>
+          <p:nvPr/>
+        </p:nvPicPr>
+        <p:blipFill>
+          <a:blip r:embed="rId6">
+            <a:extLst>
+              <a:ext uri="{28A0092B-C50C-407E-A947-70E740481C1C}">
+                <a14:useLocalDpi xmlns:a14="http://schemas.microsoft.com/office/drawing/2010/main" val="0"/>
+              </a:ext>
+            </a:extLst>
+          </a:blip>
+          <a:stretch>
+            <a:fillRect/>
+          </a:stretch>
+        </p:blipFill>
+        <p:spPr>
+          <a:xfrm>
+            <a:off x="3938137" y="5567097"/>
+            <a:ext cx="1567013" cy="940208"/>
+          </a:xfrm>
+          <a:prstGeom prst="rect">
+            <a:avLst/>
+          </a:prstGeom>
+        </p:spPr>
+      </p:pic>
+      <p:pic>
+        <p:nvPicPr>
+          <p:cNvPr id="8" name="圖片 5"/>
+          <p:cNvPicPr>
+            <a:picLocks noChangeAspect="1"/>
+          </p:cNvPicPr>
+          <p:nvPr/>
+        </p:nvPicPr>
+        <p:blipFill rotWithShape="1">
+          <a:blip r:embed="rId7" cstate="print">
+            <a:extLst>
+              <a:ext uri="{28A0092B-C50C-407E-A947-70E740481C1C}">
+                <a14:useLocalDpi xmlns:a14="http://schemas.microsoft.com/office/drawing/2010/main" val="0"/>
+              </a:ext>
+            </a:extLst>
+          </a:blip>
+          <a:srcRect l="-2751" t="26250" r="2751" b="28600"/>
+          <a:stretch/>
+        </p:blipFill>
+        <p:spPr>
+          <a:xfrm>
+            <a:off x="5505150" y="5567097"/>
+            <a:ext cx="1916832" cy="865438"/>
+          </a:xfrm>
+          <a:prstGeom prst="rect">
+            <a:avLst/>
+          </a:prstGeom>
+        </p:spPr>
+      </p:pic>
+      <p:pic>
+        <p:nvPicPr>
+          <p:cNvPr id="9" name="圖片 6"/>
+          <p:cNvPicPr>
+            <a:picLocks noChangeAspect="1"/>
+          </p:cNvPicPr>
+          <p:nvPr/>
+        </p:nvPicPr>
+        <p:blipFill>
+          <a:blip r:embed="rId8" cstate="print">
+            <a:extLst>
+              <a:ext uri="{28A0092B-C50C-407E-A947-70E740481C1C}">
+                <a14:useLocalDpi xmlns:a14="http://schemas.microsoft.com/office/drawing/2010/main" val="0"/>
+              </a:ext>
+            </a:extLst>
+          </a:blip>
+          <a:stretch>
+            <a:fillRect/>
+          </a:stretch>
+        </p:blipFill>
+        <p:spPr>
+          <a:xfrm>
+            <a:off x="7457367" y="5567097"/>
+            <a:ext cx="1616568" cy="772360"/>
+          </a:xfrm>
+          <a:prstGeom prst="rect">
+            <a:avLst/>
+          </a:prstGeom>
+        </p:spPr>
+      </p:pic>
     </p:spTree>
     <p:extLst>
       <p:ext uri="{BB962C8B-B14F-4D97-AF65-F5344CB8AC3E}">
-        <p14:creationId xmlns:p14="http://schemas.microsoft.com/office/powerpoint/2010/main" val="1953429565"/>
+        <p14:creationId xmlns:p14="http://schemas.microsoft.com/office/powerpoint/2010/main" val="1090092915"/>
       </p:ext>
     </p:extLst>
   </p:cSld>
@@ -17509,6 +17733,157 @@
       </p:grpSpPr>
       <p:sp>
         <p:nvSpPr>
+          <p:cNvPr id="97282" name="Rectangle 2"/>
+          <p:cNvSpPr>
+            <a:spLocks noGrp="1" noChangeArrowheads="1"/>
+          </p:cNvSpPr>
+          <p:nvPr>
+            <p:ph type="title"/>
+          </p:nvPr>
+        </p:nvSpPr>
+        <p:spPr/>
+        <p:txBody>
+          <a:bodyPr/>
+          <a:lstStyle/>
+          <a:p>
+            <a:r>
+              <a:rPr lang="en-US" altLang="zh-TW" dirty="0" smtClean="0"/>
+              <a:t>PHP usage statistics</a:t>
+            </a:r>
+          </a:p>
+        </p:txBody>
+      </p:sp>
+      <p:sp>
+        <p:nvSpPr>
+          <p:cNvPr id="22531" name="Rectangle 3"/>
+          <p:cNvSpPr>
+            <a:spLocks noGrp="1" noChangeArrowheads="1"/>
+          </p:cNvSpPr>
+          <p:nvPr>
+            <p:ph idx="1"/>
+          </p:nvPr>
+        </p:nvSpPr>
+        <p:spPr/>
+        <p:txBody>
+          <a:bodyPr>
+            <a:normAutofit/>
+          </a:bodyPr>
+          <a:lstStyle/>
+          <a:p>
+            <a:r>
+              <a:rPr lang="en-US" altLang="zh-TW" dirty="0">
+                <a:hlinkClick r:id="rId3"/>
+              </a:rPr>
+              <a:t>https://w3techs.com/</a:t>
+            </a:r>
+          </a:p>
+          <a:p>
+            <a:r>
+              <a:rPr lang="en-US" altLang="zh-TW" dirty="0" smtClean="0">
+                <a:hlinkClick r:id="rId3"/>
+              </a:rPr>
+              <a:t>https</a:t>
+            </a:r>
+            <a:r>
+              <a:rPr lang="en-US" altLang="zh-TW" dirty="0">
+                <a:hlinkClick r:id="rId3"/>
+              </a:rPr>
+              <a:t>://</a:t>
+            </a:r>
+            <a:r>
+              <a:rPr lang="en-US" altLang="zh-TW" dirty="0" smtClean="0">
+                <a:hlinkClick r:id="rId3"/>
+              </a:rPr>
+              <a:t>wappalyzer.com/applications/php</a:t>
+            </a:r>
+            <a:endParaRPr lang="en-US" altLang="zh-TW" dirty="0" smtClean="0"/>
+          </a:p>
+          <a:p>
+            <a:r>
+              <a:rPr lang="en-US" altLang="zh-TW" dirty="0" smtClean="0">
+                <a:hlinkClick r:id="rId4"/>
+              </a:rPr>
+              <a:t>http://www.php.net/usage.php</a:t>
+            </a:r>
+            <a:endParaRPr lang="en-US" altLang="zh-TW" dirty="0" smtClean="0"/>
+          </a:p>
+          <a:p>
+            <a:r>
+              <a:rPr lang="en-US" altLang="zh-TW" dirty="0" smtClean="0">
+                <a:hlinkClick r:id="rId5"/>
+              </a:rPr>
+              <a:t>https://www.google.com.hk/trends/explore#q=php</a:t>
+            </a:r>
+            <a:endParaRPr lang="en-US" altLang="zh-TW" dirty="0" smtClean="0"/>
+          </a:p>
+          <a:p>
+            <a:r>
+              <a:rPr lang="en-US" altLang="zh-TW" dirty="0" smtClean="0">
+                <a:hlinkClick r:id="rId6"/>
+              </a:rPr>
+              <a:t>http://trends.builtwith.com/framework/PHP</a:t>
+            </a:r>
+            <a:endParaRPr lang="en-US" altLang="zh-TW" dirty="0"/>
+          </a:p>
+          <a:p>
+            <a:endParaRPr lang="en-US" altLang="zh-TW" dirty="0" smtClean="0"/>
+          </a:p>
+          <a:p>
+            <a:endParaRPr lang="en-US" altLang="zh-TW" dirty="0" smtClean="0"/>
+          </a:p>
+        </p:txBody>
+      </p:sp>
+    </p:spTree>
+    <p:extLst>
+      <p:ext uri="{BB962C8B-B14F-4D97-AF65-F5344CB8AC3E}">
+        <p14:creationId xmlns:p14="http://schemas.microsoft.com/office/powerpoint/2010/main" val="1953429565"/>
+      </p:ext>
+    </p:extLst>
+  </p:cSld>
+  <p:clrMapOvr>
+    <a:masterClrMapping/>
+  </p:clrMapOvr>
+  <mc:AlternateContent xmlns:mc="http://schemas.openxmlformats.org/markup-compatibility/2006" xmlns:p14="http://schemas.microsoft.com/office/powerpoint/2010/main">
+    <mc:Choice Requires="p14">
+      <p:transition spd="slow" p14:dur="3900">
+        <p14:glitter pattern="hexagon"/>
+      </p:transition>
+    </mc:Choice>
+    <mc:Fallback xmlns="">
+      <p:transition spd="slow">
+        <p:fade/>
+      </p:transition>
+    </mc:Fallback>
+  </mc:AlternateContent>
+  <p:timing>
+    <p:tnLst>
+      <p:par>
+        <p:cTn id="1" dur="indefinite" restart="never" nodeType="tmRoot"/>
+      </p:par>
+    </p:tnLst>
+  </p:timing>
+</p:sld>
+</file>
+
+<file path=ppt/slides/slide15.xml><?xml version="1.0" encoding="utf-8"?>
+<p:sld xmlns:a="http://schemas.openxmlformats.org/drawingml/2006/main" xmlns:r="http://schemas.openxmlformats.org/officeDocument/2006/relationships" xmlns:p="http://schemas.openxmlformats.org/presentationml/2006/main">
+  <p:cSld>
+    <p:spTree>
+      <p:nvGrpSpPr>
+        <p:cNvPr id="1" name=""/>
+        <p:cNvGrpSpPr/>
+        <p:nvPr/>
+      </p:nvGrpSpPr>
+      <p:grpSpPr>
+        <a:xfrm>
+          <a:off x="0" y="0"/>
+          <a:ext cx="0" cy="0"/>
+          <a:chOff x="0" y="0"/>
+          <a:chExt cx="0" cy="0"/>
+        </a:xfrm>
+      </p:grpSpPr>
+      <p:sp>
+        <p:nvSpPr>
           <p:cNvPr id="2" name="Title 1"/>
           <p:cNvSpPr>
             <a:spLocks noGrp="1"/>
@@ -17568,7 +17943,7 @@
 </p:sld>
 </file>
 
-<file path=ppt/slides/slide15.xml><?xml version="1.0" encoding="utf-8"?>
+<file path=ppt/slides/slide16.xml><?xml version="1.0" encoding="utf-8"?>
 <p:sld xmlns:a="http://schemas.openxmlformats.org/drawingml/2006/main" xmlns:r="http://schemas.openxmlformats.org/officeDocument/2006/relationships" xmlns:p="http://schemas.openxmlformats.org/presentationml/2006/main">
   <p:cSld>
     <p:spTree>
@@ -18412,117 +18787,6 @@
         <p14:creationId xmlns:p14="http://schemas.microsoft.com/office/powerpoint/2010/main" val="1550935308"/>
       </p:ext>
     </p:extLst>
-  </p:cSld>
-  <p:clrMapOvr>
-    <a:masterClrMapping/>
-  </p:clrMapOvr>
-  <mc:AlternateContent xmlns:mc="http://schemas.openxmlformats.org/markup-compatibility/2006" xmlns:p14="http://schemas.microsoft.com/office/powerpoint/2010/main">
-    <mc:Choice Requires="p14">
-      <p:transition spd="slow" p14:dur="3900">
-        <p14:glitter pattern="hexagon"/>
-      </p:transition>
-    </mc:Choice>
-    <mc:Fallback xmlns="">
-      <p:transition spd="slow">
-        <p:fade/>
-      </p:transition>
-    </mc:Fallback>
-  </mc:AlternateContent>
-  <p:timing>
-    <p:tnLst>
-      <p:par>
-        <p:cTn id="1" dur="indefinite" restart="never" nodeType="tmRoot"/>
-      </p:par>
-    </p:tnLst>
-  </p:timing>
-</p:sld>
-</file>
-
-<file path=ppt/slides/slide16.xml><?xml version="1.0" encoding="utf-8"?>
-<p:sld xmlns:a="http://schemas.openxmlformats.org/drawingml/2006/main" xmlns:r="http://schemas.openxmlformats.org/officeDocument/2006/relationships" xmlns:p="http://schemas.openxmlformats.org/presentationml/2006/main">
-  <p:cSld>
-    <p:spTree>
-      <p:nvGrpSpPr>
-        <p:cNvPr id="1" name=""/>
-        <p:cNvGrpSpPr/>
-        <p:nvPr/>
-      </p:nvGrpSpPr>
-      <p:grpSpPr>
-        <a:xfrm>
-          <a:off x="0" y="0"/>
-          <a:ext cx="0" cy="0"/>
-          <a:chOff x="0" y="0"/>
-          <a:chExt cx="0" cy="0"/>
-        </a:xfrm>
-      </p:grpSpPr>
-      <p:sp>
-        <p:nvSpPr>
-          <p:cNvPr id="119810" name="Rectangle 2"/>
-          <p:cNvSpPr>
-            <a:spLocks noGrp="1" noChangeArrowheads="1"/>
-          </p:cNvSpPr>
-          <p:nvPr>
-            <p:ph type="title"/>
-          </p:nvPr>
-        </p:nvSpPr>
-        <p:spPr/>
-        <p:txBody>
-          <a:bodyPr/>
-          <a:lstStyle/>
-          <a:p>
-            <a:r>
-              <a:rPr lang="en-US" altLang="zh-TW" smtClean="0"/>
-              <a:t>Platform</a:t>
-            </a:r>
-          </a:p>
-        </p:txBody>
-      </p:sp>
-      <p:sp>
-        <p:nvSpPr>
-          <p:cNvPr id="23555" name="Rectangle 3"/>
-          <p:cNvSpPr>
-            <a:spLocks noGrp="1" noChangeArrowheads="1"/>
-          </p:cNvSpPr>
-          <p:nvPr>
-            <p:ph idx="1"/>
-          </p:nvPr>
-        </p:nvSpPr>
-        <p:spPr/>
-        <p:txBody>
-          <a:bodyPr/>
-          <a:lstStyle/>
-          <a:p>
-            <a:r>
-              <a:rPr lang="en-US" altLang="zh-TW" dirty="0" smtClean="0"/>
-              <a:t>Compatible for Linux, Mac OS X and Windows</a:t>
-            </a:r>
-          </a:p>
-          <a:p>
-            <a:r>
-              <a:rPr lang="en-US" altLang="zh-TW" dirty="0" smtClean="0"/>
-              <a:t>Android</a:t>
-            </a:r>
-          </a:p>
-          <a:p>
-            <a:r>
-              <a:rPr lang="en-US" altLang="zh-TW" dirty="0" smtClean="0"/>
-              <a:t>Best work with Apache, </a:t>
-            </a:r>
-            <a:r>
-              <a:rPr lang="en-US" altLang="zh-TW" dirty="0" err="1" smtClean="0"/>
-              <a:t>Ngnix</a:t>
-            </a:r>
-            <a:endParaRPr lang="en-US" altLang="zh-TW" dirty="0" smtClean="0"/>
-          </a:p>
-          <a:p>
-            <a:r>
-              <a:rPr lang="en-US" altLang="zh-TW" dirty="0" smtClean="0"/>
-              <a:t>Also work on IIS</a:t>
-            </a:r>
-          </a:p>
-        </p:txBody>
-      </p:sp>
-    </p:spTree>
   </p:cSld>
   <p:clrMapOvr>
     <a:masterClrMapping/>
@@ -18568,7 +18832,7 @@
       </p:grpSpPr>
       <p:sp>
         <p:nvSpPr>
-          <p:cNvPr id="130050" name="Rectangle 2"/>
+          <p:cNvPr id="119810" name="Rectangle 2"/>
           <p:cNvSpPr>
             <a:spLocks noGrp="1" noChangeArrowheads="1"/>
           </p:cNvSpPr>
@@ -18583,72 +18847,266 @@
           <a:p>
             <a:r>
               <a:rPr lang="en-US" altLang="zh-TW" smtClean="0"/>
-              <a:t>Using PHP for</a:t>
+              <a:t>Platform</a:t>
+            </a:r>
+          </a:p>
+        </p:txBody>
+      </p:sp>
+      <p:sp>
+        <p:nvSpPr>
+          <p:cNvPr id="23555" name="Rectangle 3"/>
+          <p:cNvSpPr>
+            <a:spLocks noGrp="1" noChangeArrowheads="1"/>
+          </p:cNvSpPr>
+          <p:nvPr>
+            <p:ph idx="1"/>
+          </p:nvPr>
+        </p:nvSpPr>
+        <p:spPr/>
+        <p:txBody>
+          <a:bodyPr/>
+          <a:lstStyle/>
+          <a:p>
+            <a:r>
+              <a:rPr lang="en-US" altLang="zh-TW" dirty="0" smtClean="0"/>
+              <a:t>Compatible for Linux, Mac OS X and Windows</a:t>
+            </a:r>
+          </a:p>
+          <a:p>
+            <a:r>
+              <a:rPr lang="en-US" altLang="zh-TW" dirty="0" smtClean="0"/>
+              <a:t>Android</a:t>
+            </a:r>
+          </a:p>
+          <a:p>
+            <a:r>
+              <a:rPr lang="en-US" altLang="zh-TW" dirty="0" smtClean="0"/>
+              <a:t>Best work with Apache, </a:t>
+            </a:r>
+            <a:r>
+              <a:rPr lang="en-US" altLang="zh-TW" dirty="0" err="1" smtClean="0"/>
+              <a:t>Ngnix</a:t>
             </a:r>
             <a:endParaRPr lang="en-US" altLang="zh-TW" dirty="0" smtClean="0"/>
           </a:p>
-        </p:txBody>
-      </p:sp>
-      <p:sp>
-        <p:nvSpPr>
-          <p:cNvPr id="24579" name="Rectangle 3"/>
-          <p:cNvSpPr>
-            <a:spLocks noGrp="1" noChangeArrowheads="1"/>
-          </p:cNvSpPr>
-          <p:nvPr>
-            <p:ph idx="1"/>
-          </p:nvPr>
-        </p:nvSpPr>
-        <p:spPr/>
-        <p:txBody>
-          <a:bodyPr>
-            <a:normAutofit lnSpcReduction="10000"/>
-          </a:bodyPr>
-          <a:lstStyle/>
           <a:p>
             <a:r>
               <a:rPr lang="en-US" altLang="zh-TW" dirty="0" smtClean="0"/>
-              <a:t>User authentication and personalization</a:t>
-            </a:r>
-          </a:p>
-          <a:p>
-            <a:r>
-              <a:rPr lang="en-US" altLang="zh-TW" dirty="0" smtClean="0"/>
-              <a:t>Shopping carts</a:t>
-            </a:r>
-          </a:p>
-          <a:p>
-            <a:r>
-              <a:rPr lang="en-US" altLang="zh-TW" dirty="0" smtClean="0"/>
-              <a:t>Content management systems</a:t>
-            </a:r>
-          </a:p>
-          <a:p>
-            <a:r>
-              <a:rPr lang="en-US" altLang="zh-TW" dirty="0" smtClean="0"/>
-              <a:t>Web-based email</a:t>
-            </a:r>
-          </a:p>
-          <a:p>
-            <a:r>
-              <a:rPr lang="en-US" altLang="zh-TW" dirty="0" smtClean="0"/>
-              <a:t>Mailing list managers</a:t>
-            </a:r>
-          </a:p>
-          <a:p>
-            <a:r>
-              <a:rPr lang="en-US" altLang="zh-TW" dirty="0" smtClean="0"/>
-              <a:t>Web forums</a:t>
-            </a:r>
-          </a:p>
-          <a:p>
-            <a:r>
-              <a:rPr lang="en-US" altLang="zh-TW" dirty="0" smtClean="0"/>
-              <a:t>Document generation</a:t>
-            </a:r>
-          </a:p>
-        </p:txBody>
-      </p:sp>
+              <a:t>Also work on IIS</a:t>
+            </a:r>
+          </a:p>
+        </p:txBody>
+      </p:sp>
+      <p:pic>
+        <p:nvPicPr>
+          <p:cNvPr id="4" name="圖片 1"/>
+          <p:cNvPicPr>
+            <a:picLocks noChangeAspect="1"/>
+          </p:cNvPicPr>
+          <p:nvPr/>
+        </p:nvPicPr>
+        <p:blipFill>
+          <a:blip r:embed="rId3" cstate="print">
+            <a:extLst>
+              <a:ext uri="{28A0092B-C50C-407E-A947-70E740481C1C}">
+                <a14:useLocalDpi xmlns:a14="http://schemas.microsoft.com/office/drawing/2010/main" val="0"/>
+              </a:ext>
+            </a:extLst>
+          </a:blip>
+          <a:stretch>
+            <a:fillRect/>
+          </a:stretch>
+        </p:blipFill>
+        <p:spPr>
+          <a:xfrm>
+            <a:off x="7452319" y="2227613"/>
+            <a:ext cx="1478157" cy="731761"/>
+          </a:xfrm>
+          <a:prstGeom prst="rect">
+            <a:avLst/>
+          </a:prstGeom>
+        </p:spPr>
+      </p:pic>
+      <p:pic>
+        <p:nvPicPr>
+          <p:cNvPr id="5" name="圖片 2"/>
+          <p:cNvPicPr>
+            <a:picLocks noChangeAspect="1"/>
+          </p:cNvPicPr>
+          <p:nvPr/>
+        </p:nvPicPr>
+        <p:blipFill>
+          <a:blip r:embed="rId4">
+            <a:extLst>
+              <a:ext uri="{28A0092B-C50C-407E-A947-70E740481C1C}">
+                <a14:useLocalDpi xmlns:a14="http://schemas.microsoft.com/office/drawing/2010/main" val="0"/>
+              </a:ext>
+            </a:extLst>
+          </a:blip>
+          <a:stretch>
+            <a:fillRect/>
+          </a:stretch>
+        </p:blipFill>
+        <p:spPr>
+          <a:xfrm>
+            <a:off x="7559068" y="3107767"/>
+            <a:ext cx="1212303" cy="814101"/>
+          </a:xfrm>
+          <a:prstGeom prst="rect">
+            <a:avLst/>
+          </a:prstGeom>
+        </p:spPr>
+      </p:pic>
+      <p:pic>
+        <p:nvPicPr>
+          <p:cNvPr id="6" name="圖片 3"/>
+          <p:cNvPicPr>
+            <a:picLocks noChangeAspect="1"/>
+          </p:cNvPicPr>
+          <p:nvPr/>
+        </p:nvPicPr>
+        <p:blipFill>
+          <a:blip r:embed="rId5" cstate="print">
+            <a:extLst>
+              <a:ext uri="{28A0092B-C50C-407E-A947-70E740481C1C}">
+                <a14:useLocalDpi xmlns:a14="http://schemas.microsoft.com/office/drawing/2010/main" val="0"/>
+              </a:ext>
+            </a:extLst>
+          </a:blip>
+          <a:stretch>
+            <a:fillRect/>
+          </a:stretch>
+        </p:blipFill>
+        <p:spPr>
+          <a:xfrm>
+            <a:off x="7596702" y="4232052"/>
+            <a:ext cx="1189392" cy="811900"/>
+          </a:xfrm>
+          <a:prstGeom prst="rect">
+            <a:avLst/>
+          </a:prstGeom>
+        </p:spPr>
+      </p:pic>
+      <p:pic>
+        <p:nvPicPr>
+          <p:cNvPr id="7" name="圖片 4"/>
+          <p:cNvPicPr>
+            <a:picLocks noChangeAspect="1"/>
+          </p:cNvPicPr>
+          <p:nvPr/>
+        </p:nvPicPr>
+        <p:blipFill>
+          <a:blip r:embed="rId6">
+            <a:extLst>
+              <a:ext uri="{28A0092B-C50C-407E-A947-70E740481C1C}">
+                <a14:useLocalDpi xmlns:a14="http://schemas.microsoft.com/office/drawing/2010/main" val="0"/>
+              </a:ext>
+            </a:extLst>
+          </a:blip>
+          <a:stretch>
+            <a:fillRect/>
+          </a:stretch>
+        </p:blipFill>
+        <p:spPr>
+          <a:xfrm>
+            <a:off x="2267744" y="5661248"/>
+            <a:ext cx="1080120" cy="961306"/>
+          </a:xfrm>
+          <a:prstGeom prst="rect">
+            <a:avLst/>
+          </a:prstGeom>
+        </p:spPr>
+      </p:pic>
+      <p:pic>
+        <p:nvPicPr>
+          <p:cNvPr id="8" name="圖片 5"/>
+          <p:cNvPicPr>
+            <a:picLocks noChangeAspect="1"/>
+          </p:cNvPicPr>
+          <p:nvPr/>
+        </p:nvPicPr>
+        <p:blipFill>
+          <a:blip r:embed="rId7">
+            <a:extLst>
+              <a:ext uri="{28A0092B-C50C-407E-A947-70E740481C1C}">
+                <a14:useLocalDpi xmlns:a14="http://schemas.microsoft.com/office/drawing/2010/main" val="0"/>
+              </a:ext>
+            </a:extLst>
+          </a:blip>
+          <a:stretch>
+            <a:fillRect/>
+          </a:stretch>
+        </p:blipFill>
+        <p:spPr>
+          <a:xfrm>
+            <a:off x="3969126" y="5477552"/>
+            <a:ext cx="1328698" cy="1328698"/>
+          </a:xfrm>
+          <a:prstGeom prst="rect">
+            <a:avLst/>
+          </a:prstGeom>
+        </p:spPr>
+      </p:pic>
+      <p:pic>
+        <p:nvPicPr>
+          <p:cNvPr id="9" name="圖片 6"/>
+          <p:cNvPicPr>
+            <a:picLocks noChangeAspect="1"/>
+          </p:cNvPicPr>
+          <p:nvPr/>
+        </p:nvPicPr>
+        <p:blipFill>
+          <a:blip r:embed="rId8">
+            <a:extLst>
+              <a:ext uri="{28A0092B-C50C-407E-A947-70E740481C1C}">
+                <a14:useLocalDpi xmlns:a14="http://schemas.microsoft.com/office/drawing/2010/main" val="0"/>
+              </a:ext>
+            </a:extLst>
+          </a:blip>
+          <a:stretch>
+            <a:fillRect/>
+          </a:stretch>
+        </p:blipFill>
+        <p:spPr>
+          <a:xfrm>
+            <a:off x="6012160" y="5598424"/>
+            <a:ext cx="1074422" cy="1024130"/>
+          </a:xfrm>
+          <a:prstGeom prst="rect">
+            <a:avLst/>
+          </a:prstGeom>
+        </p:spPr>
+      </p:pic>
+      <p:pic>
+        <p:nvPicPr>
+          <p:cNvPr id="10" name="圖片 7"/>
+          <p:cNvPicPr>
+            <a:picLocks noChangeAspect="1"/>
+          </p:cNvPicPr>
+          <p:nvPr/>
+        </p:nvPicPr>
+        <p:blipFill>
+          <a:blip r:embed="rId9" cstate="print">
+            <a:extLst>
+              <a:ext uri="{28A0092B-C50C-407E-A947-70E740481C1C}">
+                <a14:useLocalDpi xmlns:a14="http://schemas.microsoft.com/office/drawing/2010/main" val="0"/>
+              </a:ext>
+            </a:extLst>
+          </a:blip>
+          <a:stretch>
+            <a:fillRect/>
+          </a:stretch>
+        </p:blipFill>
+        <p:spPr>
+          <a:xfrm>
+            <a:off x="7708331" y="5577693"/>
+            <a:ext cx="1044861" cy="1044861"/>
+          </a:xfrm>
+          <a:prstGeom prst="rect">
+            <a:avLst/>
+          </a:prstGeom>
+        </p:spPr>
+      </p:pic>
     </p:spTree>
   </p:cSld>
   <p:clrMapOvr>
@@ -18695,7 +19153,7 @@
       </p:grpSpPr>
       <p:sp>
         <p:nvSpPr>
-          <p:cNvPr id="131074" name="Rectangle 2"/>
+          <p:cNvPr id="130050" name="Rectangle 2"/>
           <p:cNvSpPr>
             <a:spLocks noGrp="1" noChangeArrowheads="1"/>
           </p:cNvSpPr>
@@ -18710,7 +19168,7 @@
           <a:p>
             <a:r>
               <a:rPr lang="en-US" altLang="zh-TW" smtClean="0"/>
-              <a:t>Why do we use PHP</a:t>
+              <a:t>Using PHP for</a:t>
             </a:r>
             <a:endParaRPr lang="en-US" altLang="zh-TW" dirty="0" smtClean="0"/>
           </a:p>
@@ -18718,7 +19176,7 @@
       </p:sp>
       <p:sp>
         <p:nvSpPr>
-          <p:cNvPr id="25603" name="Rectangle 3"/>
+          <p:cNvPr id="24579" name="Rectangle 3"/>
           <p:cNvSpPr>
             <a:spLocks noGrp="1" noChangeArrowheads="1"/>
           </p:cNvSpPr>
@@ -18728,24 +19186,50 @@
         </p:nvSpPr>
         <p:spPr/>
         <p:txBody>
-          <a:bodyPr/>
+          <a:bodyPr>
+            <a:normAutofit lnSpcReduction="10000"/>
+          </a:bodyPr>
           <a:lstStyle/>
           <a:p>
             <a:r>
               <a:rPr lang="en-US" altLang="zh-TW" dirty="0" smtClean="0"/>
-              <a:t>Similar to html</a:t>
+              <a:t>User authentication and personalization</a:t>
             </a:r>
           </a:p>
           <a:p>
             <a:r>
               <a:rPr lang="en-US" altLang="zh-TW" dirty="0" smtClean="0"/>
-              <a:t>Script – no need to compile</a:t>
+              <a:t>Shopping carts</a:t>
             </a:r>
           </a:p>
           <a:p>
             <a:r>
               <a:rPr lang="en-US" altLang="zh-TW" dirty="0" smtClean="0"/>
-              <a:t>Using programming syntax</a:t>
+              <a:t>Content management systems</a:t>
+            </a:r>
+          </a:p>
+          <a:p>
+            <a:r>
+              <a:rPr lang="en-US" altLang="zh-TW" dirty="0" smtClean="0"/>
+              <a:t>Web-based email</a:t>
+            </a:r>
+          </a:p>
+          <a:p>
+            <a:r>
+              <a:rPr lang="en-US" altLang="zh-TW" dirty="0" smtClean="0"/>
+              <a:t>Mailing list managers</a:t>
+            </a:r>
+          </a:p>
+          <a:p>
+            <a:r>
+              <a:rPr lang="en-US" altLang="zh-TW" dirty="0" smtClean="0"/>
+              <a:t>Web forums</a:t>
+            </a:r>
+          </a:p>
+          <a:p>
+            <a:r>
+              <a:rPr lang="en-US" altLang="zh-TW" dirty="0" smtClean="0"/>
+              <a:t>Document generation</a:t>
             </a:r>
           </a:p>
         </p:txBody>
@@ -18796,7 +19280,7 @@
       </p:grpSpPr>
       <p:sp>
         <p:nvSpPr>
-          <p:cNvPr id="120834" name="Rectangle 2"/>
+          <p:cNvPr id="131074" name="Rectangle 2"/>
           <p:cNvSpPr>
             <a:spLocks noGrp="1" noChangeArrowheads="1"/>
           </p:cNvSpPr>
@@ -18811,14 +19295,15 @@
           <a:p>
             <a:r>
               <a:rPr lang="en-US" altLang="zh-TW" smtClean="0"/>
-              <a:t>Strengths</a:t>
-            </a:r>
-          </a:p>
-        </p:txBody>
-      </p:sp>
-      <p:sp>
-        <p:nvSpPr>
-          <p:cNvPr id="26627" name="Rectangle 3"/>
+              <a:t>Why do we use PHP</a:t>
+            </a:r>
+            <a:endParaRPr lang="en-US" altLang="zh-TW" dirty="0" smtClean="0"/>
+          </a:p>
+        </p:txBody>
+      </p:sp>
+      <p:sp>
+        <p:nvSpPr>
+          <p:cNvPr id="25603" name="Rectangle 3"/>
           <p:cNvSpPr>
             <a:spLocks noGrp="1" noChangeArrowheads="1"/>
           </p:cNvSpPr>
@@ -18828,50 +19313,24 @@
         </p:nvSpPr>
         <p:spPr/>
         <p:txBody>
-          <a:bodyPr>
-            <a:normAutofit lnSpcReduction="10000"/>
-          </a:bodyPr>
+          <a:bodyPr/>
           <a:lstStyle/>
           <a:p>
             <a:r>
               <a:rPr lang="en-US" altLang="zh-TW" dirty="0" smtClean="0"/>
-              <a:t>High performance</a:t>
+              <a:t>Similar to html</a:t>
             </a:r>
           </a:p>
           <a:p>
             <a:r>
               <a:rPr lang="en-US" altLang="zh-TW" dirty="0" smtClean="0"/>
-              <a:t>Interfaces to many different database systems</a:t>
+              <a:t>Script – no need to compile</a:t>
             </a:r>
           </a:p>
           <a:p>
             <a:r>
               <a:rPr lang="en-US" altLang="zh-TW" dirty="0" smtClean="0"/>
-              <a:t>Built-in libraries for many common web tasks</a:t>
-            </a:r>
-          </a:p>
-          <a:p>
-            <a:r>
-              <a:rPr lang="en-US" altLang="zh-TW" dirty="0" smtClean="0"/>
-              <a:t>Many free out-of-the-box system ready to use</a:t>
-            </a:r>
-          </a:p>
-          <a:p>
-            <a:r>
-              <a:rPr lang="en-US" altLang="zh-TW" dirty="0" smtClean="0"/>
-              <a:t>Low cost</a:t>
-            </a:r>
-          </a:p>
-          <a:p>
-            <a:r>
-              <a:rPr lang="en-US" altLang="zh-TW" dirty="0" smtClean="0"/>
-              <a:t>Ease of learning and use</a:t>
-            </a:r>
-          </a:p>
-          <a:p>
-            <a:r>
-              <a:rPr lang="en-US" altLang="zh-TW" dirty="0" smtClean="0"/>
-              <a:t>Portability</a:t>
+              <a:t>Using programming syntax</a:t>
             </a:r>
           </a:p>
         </p:txBody>
@@ -19049,7 +19508,7 @@
       </p:grpSpPr>
       <p:sp>
         <p:nvSpPr>
-          <p:cNvPr id="161794" name="Rectangle 2"/>
+          <p:cNvPr id="120834" name="Rectangle 2"/>
           <p:cNvSpPr>
             <a:spLocks noGrp="1" noChangeArrowheads="1"/>
           </p:cNvSpPr>
@@ -19064,14 +19523,14 @@
           <a:p>
             <a:r>
               <a:rPr lang="en-US" altLang="zh-TW" smtClean="0"/>
-              <a:t>Overview</a:t>
-            </a:r>
-          </a:p>
-        </p:txBody>
-      </p:sp>
-      <p:sp>
-        <p:nvSpPr>
-          <p:cNvPr id="27651" name="Rectangle 3"/>
+              <a:t>Strengths</a:t>
+            </a:r>
+          </a:p>
+        </p:txBody>
+      </p:sp>
+      <p:sp>
+        <p:nvSpPr>
+          <p:cNvPr id="26627" name="Rectangle 3"/>
           <p:cNvSpPr>
             <a:spLocks noGrp="1" noChangeArrowheads="1"/>
           </p:cNvSpPr>
@@ -19088,55 +19547,129 @@
           <a:p>
             <a:r>
               <a:rPr lang="en-US" altLang="zh-TW" dirty="0" smtClean="0"/>
-              <a:t>How to upload</a:t>
-            </a:r>
-          </a:p>
-          <a:p>
-            <a:r>
-              <a:rPr lang="en-US" altLang="zh-TW" dirty="0" err="1"/>
-              <a:t>p</a:t>
-            </a:r>
-            <a:r>
-              <a:rPr lang="en-US" altLang="zh-TW" dirty="0" err="1" smtClean="0"/>
-              <a:t>hpinfo</a:t>
-            </a:r>
+              <a:t>High performance</a:t>
+            </a:r>
+          </a:p>
+          <a:p>
             <a:r>
               <a:rPr lang="en-US" altLang="zh-TW" dirty="0" smtClean="0"/>
-              <a:t>();</a:t>
+              <a:t>Interfaces to many different database systems</a:t>
             </a:r>
           </a:p>
           <a:p>
             <a:r>
               <a:rPr lang="en-US" altLang="zh-TW" dirty="0" smtClean="0"/>
-              <a:t>echo</a:t>
+              <a:t>Built-in libraries for many common web tasks</a:t>
             </a:r>
           </a:p>
           <a:p>
             <a:r>
               <a:rPr lang="en-US" altLang="zh-TW" dirty="0" smtClean="0"/>
-              <a:t>Function</a:t>
+              <a:t>Many free out-of-the-box system ready to use</a:t>
             </a:r>
           </a:p>
           <a:p>
             <a:r>
               <a:rPr lang="en-US" altLang="zh-TW" dirty="0" smtClean="0"/>
-              <a:t>Variables</a:t>
+              <a:t>Low cost</a:t>
             </a:r>
           </a:p>
           <a:p>
             <a:r>
               <a:rPr lang="en-US" altLang="zh-TW" dirty="0" smtClean="0"/>
-              <a:t>Operands</a:t>
+              <a:t>Ease of learning and use</a:t>
             </a:r>
           </a:p>
           <a:p>
             <a:r>
               <a:rPr lang="en-US" altLang="zh-TW" dirty="0" smtClean="0"/>
-              <a:t>pre- &amp; post-increment</a:t>
-            </a:r>
-          </a:p>
-        </p:txBody>
-      </p:sp>
+              <a:t>Portability</a:t>
+            </a:r>
+          </a:p>
+        </p:txBody>
+      </p:sp>
+      <p:pic>
+        <p:nvPicPr>
+          <p:cNvPr id="4" name="圖片 1"/>
+          <p:cNvPicPr>
+            <a:picLocks noChangeAspect="1"/>
+          </p:cNvPicPr>
+          <p:nvPr/>
+        </p:nvPicPr>
+        <p:blipFill>
+          <a:blip r:embed="rId3">
+            <a:extLst>
+              <a:ext uri="{28A0092B-C50C-407E-A947-70E740481C1C}">
+                <a14:useLocalDpi xmlns:a14="http://schemas.microsoft.com/office/drawing/2010/main" val="0"/>
+              </a:ext>
+            </a:extLst>
+          </a:blip>
+          <a:stretch>
+            <a:fillRect/>
+          </a:stretch>
+        </p:blipFill>
+        <p:spPr>
+          <a:xfrm>
+            <a:off x="5652120" y="4941168"/>
+            <a:ext cx="3127338" cy="1790869"/>
+          </a:xfrm>
+          <a:prstGeom prst="rect">
+            <a:avLst/>
+          </a:prstGeom>
+        </p:spPr>
+      </p:pic>
+      <p:pic>
+        <p:nvPicPr>
+          <p:cNvPr id="5" name="圖片 2"/>
+          <p:cNvPicPr>
+            <a:picLocks noChangeAspect="1"/>
+          </p:cNvPicPr>
+          <p:nvPr/>
+        </p:nvPicPr>
+        <p:blipFill>
+          <a:blip r:embed="rId4" cstate="print">
+            <a:extLst>
+              <a:ext uri="{BEBA8EAE-BF5A-486C-A8C5-ECC9F3942E4B}">
+                <a14:imgProps xmlns:a14="http://schemas.microsoft.com/office/drawing/2010/main">
+                  <a14:imgLayer r:embed="rId5">
+                    <a14:imgEffect>
+                      <a14:backgroundRemoval t="6710" b="97186" l="5718" r="98297">
+                        <a14:foregroundMark x1="36861" y1="20563" x2="36861" y2="20563"/>
+                        <a14:foregroundMark x1="14964" y1="84632" x2="14964" y2="84632"/>
+                        <a14:foregroundMark x1="16788" y1="78571" x2="16788" y2="78571"/>
+                        <a14:foregroundMark x1="14355" y1="75325" x2="14355" y2="75325"/>
+                        <a14:foregroundMark x1="29319" y1="88961" x2="29319" y2="88961"/>
+                        <a14:foregroundMark x1="21533" y1="88312" x2="35158" y2="87446"/>
+                        <a14:foregroundMark x1="6448" y1="75758" x2="6448" y2="75758"/>
+                        <a14:foregroundMark x1="5718" y1="70996" x2="5718" y2="70996"/>
+                        <a14:foregroundMark x1="23114" y1="6710" x2="23114" y2="6710"/>
+                        <a14:foregroundMark x1="98540" y1="93723" x2="98540" y2="93723"/>
+                        <a14:foregroundMark x1="81265" y1="86797" x2="95742" y2="95022"/>
+                        <a14:foregroundMark x1="28467" y1="97186" x2="28467" y2="97186"/>
+                      </a14:backgroundRemoval>
+                    </a14:imgEffect>
+                  </a14:imgLayer>
+                </a14:imgProps>
+              </a:ext>
+              <a:ext uri="{28A0092B-C50C-407E-A947-70E740481C1C}">
+                <a14:useLocalDpi xmlns:a14="http://schemas.microsoft.com/office/drawing/2010/main" val="0"/>
+              </a:ext>
+            </a:extLst>
+          </a:blip>
+          <a:stretch>
+            <a:fillRect/>
+          </a:stretch>
+        </p:blipFill>
+        <p:spPr>
+          <a:xfrm>
+            <a:off x="2627784" y="4581128"/>
+            <a:ext cx="676570" cy="380262"/>
+          </a:xfrm>
+          <a:prstGeom prst="rect">
+            <a:avLst/>
+          </a:prstGeom>
+        </p:spPr>
+      </p:pic>
     </p:spTree>
   </p:cSld>
   <p:clrMapOvr>
@@ -19183,9 +19716,9 @@
       </p:grpSpPr>
       <p:sp>
         <p:nvSpPr>
-          <p:cNvPr id="2" name="標題 1"/>
-          <p:cNvSpPr>
-            <a:spLocks noGrp="1"/>
+          <p:cNvPr id="161794" name="Rectangle 2"/>
+          <p:cNvSpPr>
+            <a:spLocks noGrp="1" noChangeArrowheads="1"/>
           </p:cNvSpPr>
           <p:nvPr>
             <p:ph type="title"/>
@@ -19198,17 +19731,16 @@
           <a:p>
             <a:r>
               <a:rPr lang="en-US" altLang="zh-TW" smtClean="0"/>
-              <a:t>First html</a:t>
-            </a:r>
-            <a:endParaRPr lang="zh-TW" altLang="en-US" smtClean="0"/>
-          </a:p>
-        </p:txBody>
-      </p:sp>
-      <p:sp>
-        <p:nvSpPr>
-          <p:cNvPr id="28675" name="內容版面配置區 2"/>
-          <p:cNvSpPr>
-            <a:spLocks noGrp="1"/>
+              <a:t>Overview</a:t>
+            </a:r>
+          </a:p>
+        </p:txBody>
+      </p:sp>
+      <p:sp>
+        <p:nvSpPr>
+          <p:cNvPr id="27651" name="Rectangle 3"/>
+          <p:cNvSpPr>
+            <a:spLocks noGrp="1" noChangeArrowheads="1"/>
           </p:cNvSpPr>
           <p:nvPr>
             <p:ph idx="1"/>
@@ -19216,41 +19748,58 @@
         </p:nvSpPr>
         <p:spPr/>
         <p:txBody>
-          <a:bodyPr/>
+          <a:bodyPr>
+            <a:normAutofit lnSpcReduction="10000"/>
+          </a:bodyPr>
           <a:lstStyle/>
           <a:p>
             <a:r>
               <a:rPr lang="en-US" altLang="zh-TW" dirty="0" smtClean="0"/>
-              <a:t>Open Dreamweaver -&gt; New Document -&gt; HTML</a:t>
-            </a:r>
-          </a:p>
-          <a:p>
+              <a:t>How to upload</a:t>
+            </a:r>
+          </a:p>
+          <a:p>
+            <a:r>
+              <a:rPr lang="en-US" altLang="zh-TW" dirty="0" err="1"/>
+              <a:t>p</a:t>
+            </a:r>
+            <a:r>
+              <a:rPr lang="en-US" altLang="zh-TW" dirty="0" err="1" smtClean="0"/>
+              <a:t>hpinfo</a:t>
+            </a:r>
             <a:r>
               <a:rPr lang="en-US" altLang="zh-TW" dirty="0" smtClean="0"/>
-              <a:t>Type your name</a:t>
-            </a:r>
-          </a:p>
-          <a:p>
-            <a:r>
-              <a:rPr lang="en-US" altLang="zh-TW" dirty="0"/>
-              <a:t>Save it to C:\</a:t>
-            </a:r>
+              <a:t>();</a:t>
+            </a:r>
+          </a:p>
+          <a:p>
             <a:r>
               <a:rPr lang="en-US" altLang="zh-TW" dirty="0" smtClean="0"/>
-              <a:t>AppServ\www</a:t>
+              <a:t>echo</a:t>
             </a:r>
           </a:p>
           <a:p>
             <a:r>
               <a:rPr lang="en-US" altLang="zh-TW" dirty="0" smtClean="0"/>
-              <a:t>Save as index.html</a:t>
-            </a:r>
-            <a:endParaRPr lang="en-US" altLang="zh-TW" dirty="0"/>
+              <a:t>Function</a:t>
+            </a:r>
           </a:p>
           <a:p>
             <a:r>
               <a:rPr lang="en-US" altLang="zh-TW" dirty="0" smtClean="0"/>
-              <a:t>http://localhost:8080/index.html</a:t>
+              <a:t>Variables</a:t>
+            </a:r>
+          </a:p>
+          <a:p>
+            <a:r>
+              <a:rPr lang="en-US" altLang="zh-TW" dirty="0" smtClean="0"/>
+              <a:t>Operands</a:t>
+            </a:r>
+          </a:p>
+          <a:p>
+            <a:r>
+              <a:rPr lang="en-US" altLang="zh-TW" dirty="0" smtClean="0"/>
+              <a:t>pre- &amp; post-increment</a:t>
             </a:r>
           </a:p>
         </p:txBody>
@@ -19283,6 +19832,124 @@
 </file>
 
 <file path=ppt/slides/slide22.xml><?xml version="1.0" encoding="utf-8"?>
+<p:sld xmlns:a="http://schemas.openxmlformats.org/drawingml/2006/main" xmlns:r="http://schemas.openxmlformats.org/officeDocument/2006/relationships" xmlns:p="http://schemas.openxmlformats.org/presentationml/2006/main">
+  <p:cSld>
+    <p:spTree>
+      <p:nvGrpSpPr>
+        <p:cNvPr id="1" name=""/>
+        <p:cNvGrpSpPr/>
+        <p:nvPr/>
+      </p:nvGrpSpPr>
+      <p:grpSpPr>
+        <a:xfrm>
+          <a:off x="0" y="0"/>
+          <a:ext cx="0" cy="0"/>
+          <a:chOff x="0" y="0"/>
+          <a:chExt cx="0" cy="0"/>
+        </a:xfrm>
+      </p:grpSpPr>
+      <p:sp>
+        <p:nvSpPr>
+          <p:cNvPr id="2" name="標題 1"/>
+          <p:cNvSpPr>
+            <a:spLocks noGrp="1"/>
+          </p:cNvSpPr>
+          <p:nvPr>
+            <p:ph type="title"/>
+          </p:nvPr>
+        </p:nvSpPr>
+        <p:spPr/>
+        <p:txBody>
+          <a:bodyPr/>
+          <a:lstStyle/>
+          <a:p>
+            <a:r>
+              <a:rPr lang="en-US" altLang="zh-TW" smtClean="0"/>
+              <a:t>First html</a:t>
+            </a:r>
+            <a:endParaRPr lang="zh-TW" altLang="en-US" smtClean="0"/>
+          </a:p>
+        </p:txBody>
+      </p:sp>
+      <p:sp>
+        <p:nvSpPr>
+          <p:cNvPr id="28675" name="內容版面配置區 2"/>
+          <p:cNvSpPr>
+            <a:spLocks noGrp="1"/>
+          </p:cNvSpPr>
+          <p:nvPr>
+            <p:ph idx="1"/>
+          </p:nvPr>
+        </p:nvSpPr>
+        <p:spPr/>
+        <p:txBody>
+          <a:bodyPr/>
+          <a:lstStyle/>
+          <a:p>
+            <a:r>
+              <a:rPr lang="en-US" altLang="zh-TW" dirty="0" smtClean="0"/>
+              <a:t>Open Dreamweaver -&gt; New Document -&gt; HTML</a:t>
+            </a:r>
+          </a:p>
+          <a:p>
+            <a:r>
+              <a:rPr lang="en-US" altLang="zh-TW" dirty="0" smtClean="0"/>
+              <a:t>Type your name</a:t>
+            </a:r>
+          </a:p>
+          <a:p>
+            <a:r>
+              <a:rPr lang="en-US" altLang="zh-TW" dirty="0"/>
+              <a:t>Save it to C:\</a:t>
+            </a:r>
+            <a:r>
+              <a:rPr lang="en-US" altLang="zh-TW" dirty="0" smtClean="0"/>
+              <a:t>AppServ\www</a:t>
+            </a:r>
+          </a:p>
+          <a:p>
+            <a:r>
+              <a:rPr lang="en-US" altLang="zh-TW" dirty="0" smtClean="0"/>
+              <a:t>Save as index.html</a:t>
+            </a:r>
+            <a:endParaRPr lang="en-US" altLang="zh-TW" dirty="0"/>
+          </a:p>
+          <a:p>
+            <a:r>
+              <a:rPr lang="en-US" altLang="zh-TW" dirty="0" smtClean="0"/>
+              <a:t>http://localhost:8080/index.html</a:t>
+            </a:r>
+          </a:p>
+        </p:txBody>
+      </p:sp>
+    </p:spTree>
+  </p:cSld>
+  <p:clrMapOvr>
+    <a:masterClrMapping/>
+  </p:clrMapOvr>
+  <mc:AlternateContent xmlns:mc="http://schemas.openxmlformats.org/markup-compatibility/2006" xmlns:p14="http://schemas.microsoft.com/office/powerpoint/2010/main">
+    <mc:Choice Requires="p14">
+      <p:transition spd="slow" p14:dur="3900">
+        <p14:glitter pattern="hexagon"/>
+      </p:transition>
+    </mc:Choice>
+    <mc:Fallback xmlns="">
+      <p:transition spd="slow">
+        <p:fade/>
+      </p:transition>
+    </mc:Fallback>
+  </mc:AlternateContent>
+  <p:timing>
+    <p:tnLst>
+      <p:par>
+        <p:cTn id="1" dur="indefinite" restart="never" nodeType="tmRoot"/>
+      </p:par>
+    </p:tnLst>
+  </p:timing>
+</p:sld>
+</file>
+
+<file path=ppt/slides/slide23.xml><?xml version="1.0" encoding="utf-8"?>
 <p:sld xmlns:a="http://schemas.openxmlformats.org/drawingml/2006/main" xmlns:r="http://schemas.openxmlformats.org/officeDocument/2006/relationships" xmlns:p="http://schemas.openxmlformats.org/presentationml/2006/main">
   <p:cSld>
     <p:spTree>
@@ -19511,122 +20178,6 @@
 </p:sld>
 </file>
 
-<file path=ppt/slides/slide23.xml><?xml version="1.0" encoding="utf-8"?>
-<p:sld xmlns:a="http://schemas.openxmlformats.org/drawingml/2006/main" xmlns:r="http://schemas.openxmlformats.org/officeDocument/2006/relationships" xmlns:p="http://schemas.openxmlformats.org/presentationml/2006/main">
-  <p:cSld>
-    <p:spTree>
-      <p:nvGrpSpPr>
-        <p:cNvPr id="1" name=""/>
-        <p:cNvGrpSpPr/>
-        <p:nvPr/>
-      </p:nvGrpSpPr>
-      <p:grpSpPr>
-        <a:xfrm>
-          <a:off x="0" y="0"/>
-          <a:ext cx="0" cy="0"/>
-          <a:chOff x="0" y="0"/>
-          <a:chExt cx="0" cy="0"/>
-        </a:xfrm>
-      </p:grpSpPr>
-      <p:sp>
-        <p:nvSpPr>
-          <p:cNvPr id="132098" name="Rectangle 2"/>
-          <p:cNvSpPr>
-            <a:spLocks noGrp="1" noChangeArrowheads="1"/>
-          </p:cNvSpPr>
-          <p:nvPr>
-            <p:ph type="title"/>
-          </p:nvPr>
-        </p:nvSpPr>
-        <p:spPr/>
-        <p:txBody>
-          <a:bodyPr/>
-          <a:lstStyle/>
-          <a:p>
-            <a:r>
-              <a:rPr lang="en-US" altLang="zh-TW" smtClean="0"/>
-              <a:t>First PHP page</a:t>
-            </a:r>
-            <a:endParaRPr lang="en-US" altLang="zh-TW" dirty="0" smtClean="0"/>
-          </a:p>
-        </p:txBody>
-      </p:sp>
-      <p:sp>
-        <p:nvSpPr>
-          <p:cNvPr id="31747" name="Rectangle 3"/>
-          <p:cNvSpPr>
-            <a:spLocks noGrp="1" noChangeArrowheads="1"/>
-          </p:cNvSpPr>
-          <p:nvPr>
-            <p:ph idx="1"/>
-          </p:nvPr>
-        </p:nvSpPr>
-        <p:spPr/>
-        <p:txBody>
-          <a:bodyPr/>
-          <a:lstStyle/>
-          <a:p>
-            <a:r>
-              <a:rPr lang="en-US" altLang="zh-TW" smtClean="0"/>
-              <a:t>Dreamweaver -&gt; File -&gt; new -&gt; Dynamic page -&gt; PHP</a:t>
-            </a:r>
-          </a:p>
-          <a:p>
-            <a:r>
-              <a:rPr lang="en-US" altLang="zh-TW" smtClean="0"/>
-              <a:t>&lt;?php</a:t>
-            </a:r>
-          </a:p>
-          <a:p>
-            <a:r>
-              <a:rPr lang="en-US" altLang="zh-TW" smtClean="0"/>
-              <a:t>phpinfo();</a:t>
-            </a:r>
-          </a:p>
-          <a:p>
-            <a:r>
-              <a:rPr lang="en-US" altLang="zh-TW" smtClean="0"/>
-              <a:t>?&gt;</a:t>
-            </a:r>
-          </a:p>
-          <a:p>
-            <a:endParaRPr lang="en-US" altLang="zh-TW" smtClean="0"/>
-          </a:p>
-          <a:p>
-            <a:r>
-              <a:rPr lang="en-US" altLang="zh-TW" smtClean="0"/>
-              <a:t>phpinfo.php</a:t>
-            </a:r>
-          </a:p>
-        </p:txBody>
-      </p:sp>
-    </p:spTree>
-  </p:cSld>
-  <p:clrMapOvr>
-    <a:masterClrMapping/>
-  </p:clrMapOvr>
-  <mc:AlternateContent xmlns:mc="http://schemas.openxmlformats.org/markup-compatibility/2006" xmlns:p14="http://schemas.microsoft.com/office/powerpoint/2010/main">
-    <mc:Choice Requires="p14">
-      <p:transition spd="slow" p14:dur="3900">
-        <p14:glitter pattern="hexagon"/>
-      </p:transition>
-    </mc:Choice>
-    <mc:Fallback xmlns="">
-      <p:transition spd="slow">
-        <p:fade/>
-      </p:transition>
-    </mc:Fallback>
-  </mc:AlternateContent>
-  <p:timing>
-    <p:tnLst>
-      <p:par>
-        <p:cTn id="1" dur="indefinite" restart="never" nodeType="tmRoot"/>
-      </p:par>
-    </p:tnLst>
-  </p:timing>
-</p:sld>
-</file>
-
 <file path=ppt/slides/slide24.xml><?xml version="1.0" encoding="utf-8"?>
 <p:sld xmlns:a="http://schemas.openxmlformats.org/drawingml/2006/main" xmlns:r="http://schemas.openxmlformats.org/officeDocument/2006/relationships" xmlns:p="http://schemas.openxmlformats.org/presentationml/2006/main">
   <p:cSld>
@@ -19646,7 +20197,7 @@
       </p:grpSpPr>
       <p:sp>
         <p:nvSpPr>
-          <p:cNvPr id="133122" name="Rectangle 2"/>
+          <p:cNvPr id="132098" name="Rectangle 2"/>
           <p:cNvSpPr>
             <a:spLocks noGrp="1" noChangeArrowheads="1"/>
           </p:cNvSpPr>
@@ -19660,50 +20211,76 @@
           <a:lstStyle/>
           <a:p>
             <a:r>
-              <a:rPr lang="en-US" altLang="zh-TW" dirty="0" err="1"/>
-              <a:t>p</a:t>
+              <a:rPr lang="en-US" altLang="zh-TW" smtClean="0"/>
+              <a:t>First PHP page</a:t>
+            </a:r>
+            <a:endParaRPr lang="en-US" altLang="zh-TW" dirty="0" smtClean="0"/>
+          </a:p>
+        </p:txBody>
+      </p:sp>
+      <p:sp>
+        <p:nvSpPr>
+          <p:cNvPr id="31747" name="Rectangle 3"/>
+          <p:cNvSpPr>
+            <a:spLocks noGrp="1" noChangeArrowheads="1"/>
+          </p:cNvSpPr>
+          <p:nvPr>
+            <p:ph idx="1"/>
+          </p:nvPr>
+        </p:nvSpPr>
+        <p:spPr/>
+        <p:txBody>
+          <a:bodyPr/>
+          <a:lstStyle/>
+          <a:p>
+            <a:r>
+              <a:rPr lang="en-US" altLang="zh-TW" dirty="0" smtClean="0"/>
+              <a:t>Dreamweaver -&gt; File -&gt; new -&gt; Dynamic page -&gt; PHP</a:t>
+            </a:r>
+          </a:p>
+          <a:p>
+            <a:pPr marL="457200" lvl="1" indent="0">
+              <a:buNone/>
+            </a:pPr>
+            <a:r>
+              <a:rPr lang="en-US" altLang="zh-TW" dirty="0" smtClean="0"/>
+              <a:t>&lt;?</a:t>
             </a:r>
             <a:r>
               <a:rPr lang="en-US" altLang="zh-TW" dirty="0" err="1" smtClean="0"/>
-              <a:t>hpinfo</a:t>
+              <a:t>php</a:t>
+            </a:r>
+            <a:endParaRPr lang="en-US" altLang="zh-TW" dirty="0" smtClean="0"/>
+          </a:p>
+          <a:p>
+            <a:pPr marL="457200" lvl="1" indent="0">
+              <a:buNone/>
+            </a:pPr>
+            <a:r>
+              <a:rPr lang="en-US" altLang="zh-TW" dirty="0" err="1" smtClean="0"/>
+              <a:t>phpinfo</a:t>
             </a:r>
             <a:r>
               <a:rPr lang="en-US" altLang="zh-TW" dirty="0" smtClean="0"/>
               <a:t>();</a:t>
             </a:r>
           </a:p>
-        </p:txBody>
-      </p:sp>
-      <p:sp>
-        <p:nvSpPr>
-          <p:cNvPr id="32771" name="Rectangle 3"/>
-          <p:cNvSpPr>
-            <a:spLocks noGrp="1" noChangeArrowheads="1"/>
-          </p:cNvSpPr>
-          <p:nvPr>
-            <p:ph idx="1"/>
-          </p:nvPr>
-        </p:nvSpPr>
-        <p:spPr/>
-        <p:txBody>
-          <a:bodyPr/>
-          <a:lstStyle/>
-          <a:p>
-            <a:r>
-              <a:rPr lang="en-US" altLang="zh-TW" smtClean="0"/>
-              <a:t>Outputs information about PHP's configuration</a:t>
-            </a:r>
-          </a:p>
-          <a:p>
-            <a:r>
-              <a:rPr lang="en-US" altLang="zh-TW" smtClean="0"/>
-              <a:t>Commonly used to check configuration settings</a:t>
-            </a:r>
-          </a:p>
-          <a:p>
-            <a:r>
-              <a:rPr lang="en-US" altLang="zh-TW" smtClean="0"/>
-              <a:t>Usually used for testing the PHP engine on the web server</a:t>
+          <a:p>
+            <a:pPr marL="457200" lvl="1" indent="0">
+              <a:buNone/>
+            </a:pPr>
+            <a:r>
+              <a:rPr lang="en-US" altLang="zh-TW" dirty="0" smtClean="0"/>
+              <a:t>?&gt;</a:t>
+            </a:r>
+          </a:p>
+          <a:p>
+            <a:endParaRPr lang="en-US" altLang="zh-TW" dirty="0" smtClean="0"/>
+          </a:p>
+          <a:p>
+            <a:r>
+              <a:rPr lang="en-US" altLang="zh-TW" dirty="0" err="1" smtClean="0"/>
+              <a:t>phpinfo.php</a:t>
             </a:r>
             <a:endParaRPr lang="en-US" altLang="zh-TW" dirty="0" smtClean="0"/>
           </a:p>
@@ -19755,7 +20332,7 @@
       </p:grpSpPr>
       <p:sp>
         <p:nvSpPr>
-          <p:cNvPr id="159746" name="Rectangle 2"/>
+          <p:cNvPr id="133122" name="Rectangle 2"/>
           <p:cNvSpPr>
             <a:spLocks noGrp="1" noChangeArrowheads="1"/>
           </p:cNvSpPr>
@@ -19769,15 +20346,23 @@
           <a:lstStyle/>
           <a:p>
             <a:r>
-              <a:rPr lang="en-US" altLang="zh-TW" smtClean="0"/>
-              <a:t>PHP style</a:t>
-            </a:r>
-          </a:p>
-        </p:txBody>
-      </p:sp>
-      <p:sp>
-        <p:nvSpPr>
-          <p:cNvPr id="33795" name="Rectangle 3"/>
+              <a:rPr lang="en-US" altLang="zh-TW" dirty="0" err="1"/>
+              <a:t>p</a:t>
+            </a:r>
+            <a:r>
+              <a:rPr lang="en-US" altLang="zh-TW" dirty="0" err="1" smtClean="0"/>
+              <a:t>hpinfo</a:t>
+            </a:r>
+            <a:r>
+              <a:rPr lang="en-US" altLang="zh-TW" dirty="0" smtClean="0"/>
+              <a:t>();</a:t>
+            </a:r>
+          </a:p>
+        </p:txBody>
+      </p:sp>
+      <p:sp>
+        <p:nvSpPr>
+          <p:cNvPr id="32771" name="Rectangle 3"/>
           <p:cNvSpPr>
             <a:spLocks noGrp="1" noChangeArrowheads="1"/>
           </p:cNvSpPr>
@@ -19791,75 +20376,22 @@
           <a:lstStyle/>
           <a:p>
             <a:r>
-              <a:rPr lang="zh-TW" altLang="en-US" dirty="0" smtClean="0"/>
-              <a:t>&lt;?	</a:t>
-            </a:r>
-            <a:r>
-              <a:rPr lang="en-US" altLang="zh-TW" dirty="0" err="1" smtClean="0"/>
-              <a:t>phpinfo</a:t>
-            </a:r>
-            <a:r>
-              <a:rPr lang="en-US" altLang="zh-TW" dirty="0" smtClean="0"/>
-              <a:t>();	?&gt; - short style</a:t>
-            </a:r>
-          </a:p>
-          <a:p>
-            <a:r>
-              <a:rPr lang="en-US" altLang="zh-TW" dirty="0" smtClean="0"/>
-              <a:t>&lt;?</a:t>
-            </a:r>
-            <a:r>
-              <a:rPr lang="en-US" altLang="zh-TW" dirty="0" err="1" smtClean="0"/>
-              <a:t>php</a:t>
-            </a:r>
-            <a:r>
-              <a:rPr lang="en-US" altLang="zh-TW" dirty="0" smtClean="0"/>
-              <a:t>	</a:t>
-            </a:r>
-            <a:r>
-              <a:rPr lang="en-US" altLang="zh-TW" dirty="0" err="1" smtClean="0"/>
-              <a:t>phpinfo</a:t>
-            </a:r>
-            <a:r>
-              <a:rPr lang="en-US" altLang="zh-TW" dirty="0" smtClean="0"/>
-              <a:t>();	?&gt; - XML style</a:t>
-            </a:r>
-          </a:p>
-          <a:p>
-            <a:r>
-              <a:rPr lang="en-US" altLang="zh-TW" dirty="0" smtClean="0"/>
-              <a:t>&lt;script Language=‘</a:t>
-            </a:r>
-            <a:r>
-              <a:rPr lang="en-US" altLang="zh-TW" dirty="0" err="1" smtClean="0"/>
-              <a:t>php</a:t>
-            </a:r>
-            <a:r>
-              <a:rPr lang="en-US" altLang="zh-TW" dirty="0" smtClean="0"/>
-              <a:t>’&gt; </a:t>
-            </a:r>
-            <a:r>
-              <a:rPr lang="en-US" altLang="zh-TW" dirty="0" err="1" smtClean="0"/>
-              <a:t>phpinfo</a:t>
-            </a:r>
-            <a:r>
-              <a:rPr lang="en-US" altLang="zh-TW" dirty="0" smtClean="0"/>
-              <a:t>(); &lt;/script&gt; - script style</a:t>
-            </a:r>
-          </a:p>
-          <a:p>
-            <a:r>
-              <a:rPr lang="en-US" altLang="zh-TW" dirty="0" smtClean="0"/>
-              <a:t>&lt;%		</a:t>
-            </a:r>
-            <a:r>
-              <a:rPr lang="en-US" altLang="zh-TW" dirty="0" err="1" smtClean="0"/>
-              <a:t>phpinfo</a:t>
-            </a:r>
-            <a:r>
-              <a:rPr lang="en-US" altLang="zh-TW" dirty="0" smtClean="0"/>
-              <a:t>();	%&gt; - ASP style</a:t>
-            </a:r>
+              <a:rPr lang="en-US" altLang="zh-TW" smtClean="0"/>
+              <a:t>Outputs information about PHP's configuration</a:t>
+            </a:r>
+          </a:p>
+          <a:p>
+            <a:r>
+              <a:rPr lang="en-US" altLang="zh-TW" smtClean="0"/>
+              <a:t>Commonly used to check configuration settings</a:t>
+            </a:r>
+          </a:p>
+          <a:p>
+            <a:r>
+              <a:rPr lang="en-US" altLang="zh-TW" smtClean="0"/>
+              <a:t>Usually used for testing the PHP engine on the web server</a:t>
+            </a:r>
+            <a:endParaRPr lang="en-US" altLang="zh-TW" dirty="0" smtClean="0"/>
           </a:p>
         </p:txBody>
       </p:sp>
@@ -19909,7 +20441,7 @@
       </p:grpSpPr>
       <p:sp>
         <p:nvSpPr>
-          <p:cNvPr id="134146" name="Rectangle 2"/>
+          <p:cNvPr id="159746" name="Rectangle 2"/>
           <p:cNvSpPr>
             <a:spLocks noGrp="1" noChangeArrowheads="1"/>
           </p:cNvSpPr>
@@ -19924,14 +20456,14 @@
           <a:p>
             <a:r>
               <a:rPr lang="en-US" altLang="zh-TW" smtClean="0"/>
-              <a:t>Statements</a:t>
-            </a:r>
-          </a:p>
-        </p:txBody>
-      </p:sp>
-      <p:sp>
-        <p:nvSpPr>
-          <p:cNvPr id="34819" name="Rectangle 3"/>
+              <a:t>PHP style</a:t>
+            </a:r>
+          </a:p>
+        </p:txBody>
+      </p:sp>
+      <p:sp>
+        <p:nvSpPr>
+          <p:cNvPr id="33795" name="Rectangle 3"/>
           <p:cNvSpPr>
             <a:spLocks noGrp="1" noChangeArrowheads="1"/>
           </p:cNvSpPr>
@@ -19945,20 +20477,74 @@
           <a:lstStyle/>
           <a:p>
             <a:r>
-              <a:rPr lang="en-US" altLang="zh-TW" smtClean="0"/>
-              <a:t>Tell the PHP interpreter what to do</a:t>
-            </a:r>
-          </a:p>
-          <a:p>
-            <a:r>
-              <a:rPr lang="en-US" altLang="zh-TW" smtClean="0"/>
-              <a:t>Ends with a semicolon</a:t>
-            </a:r>
-          </a:p>
-          <a:p>
-            <a:r>
-              <a:rPr lang="en-US" altLang="zh-TW" smtClean="0"/>
-              <a:t>Without a semicolon, you will see an error page indicating the line with an error</a:t>
+              <a:rPr lang="zh-TW" altLang="en-US" dirty="0" smtClean="0"/>
+              <a:t>&lt;?	</a:t>
+            </a:r>
+            <a:r>
+              <a:rPr lang="en-US" altLang="zh-TW" dirty="0" err="1" smtClean="0"/>
+              <a:t>phpinfo</a:t>
+            </a:r>
+            <a:r>
+              <a:rPr lang="en-US" altLang="zh-TW" dirty="0" smtClean="0"/>
+              <a:t>();	?&gt; - short style</a:t>
+            </a:r>
+          </a:p>
+          <a:p>
+            <a:r>
+              <a:rPr lang="en-US" altLang="zh-TW" dirty="0" smtClean="0"/>
+              <a:t>&lt;?</a:t>
+            </a:r>
+            <a:r>
+              <a:rPr lang="en-US" altLang="zh-TW" dirty="0" err="1" smtClean="0"/>
+              <a:t>php</a:t>
+            </a:r>
+            <a:r>
+              <a:rPr lang="en-US" altLang="zh-TW" dirty="0" smtClean="0"/>
+              <a:t>	</a:t>
+            </a:r>
+            <a:r>
+              <a:rPr lang="en-US" altLang="zh-TW" dirty="0" err="1" smtClean="0"/>
+              <a:t>phpinfo</a:t>
+            </a:r>
+            <a:r>
+              <a:rPr lang="en-US" altLang="zh-TW" dirty="0" smtClean="0"/>
+              <a:t>();	?&gt; - XML style</a:t>
+            </a:r>
+          </a:p>
+          <a:p>
+            <a:r>
+              <a:rPr lang="en-US" altLang="zh-TW" dirty="0" smtClean="0"/>
+              <a:t>&lt;script Language=‘</a:t>
+            </a:r>
+            <a:r>
+              <a:rPr lang="en-US" altLang="zh-TW" dirty="0" err="1" smtClean="0"/>
+              <a:t>php</a:t>
+            </a:r>
+            <a:r>
+              <a:rPr lang="en-US" altLang="zh-TW" dirty="0" smtClean="0"/>
+              <a:t>’&gt; </a:t>
+            </a:r>
+            <a:r>
+              <a:rPr lang="en-US" altLang="zh-TW" dirty="0" err="1" smtClean="0"/>
+              <a:t>phpinfo</a:t>
+            </a:r>
+            <a:r>
+              <a:rPr lang="en-US" altLang="zh-TW" dirty="0" smtClean="0"/>
+              <a:t>(); &lt;/script&gt; - script style</a:t>
+            </a:r>
+          </a:p>
+          <a:p>
+            <a:r>
+              <a:rPr lang="en-US" altLang="zh-TW" dirty="0" smtClean="0"/>
+              <a:t>&lt;%		</a:t>
+            </a:r>
+            <a:r>
+              <a:rPr lang="en-US" altLang="zh-TW" dirty="0" err="1" smtClean="0"/>
+              <a:t>phpinfo</a:t>
+            </a:r>
+            <a:r>
+              <a:rPr lang="en-US" altLang="zh-TW" dirty="0" smtClean="0"/>
+              <a:t>();	%&gt; - ASP style</a:t>
             </a:r>
           </a:p>
         </p:txBody>
@@ -20009,7 +20595,7 @@
       </p:grpSpPr>
       <p:sp>
         <p:nvSpPr>
-          <p:cNvPr id="135170" name="Rectangle 2"/>
+          <p:cNvPr id="134146" name="Rectangle 2"/>
           <p:cNvSpPr>
             <a:spLocks noGrp="1" noChangeArrowheads="1"/>
           </p:cNvSpPr>
@@ -20024,14 +20610,14 @@
           <a:p>
             <a:r>
               <a:rPr lang="en-US" altLang="zh-TW" smtClean="0"/>
-              <a:t>White space</a:t>
-            </a:r>
-          </a:p>
-        </p:txBody>
-      </p:sp>
-      <p:sp>
-        <p:nvSpPr>
-          <p:cNvPr id="35843" name="Rectangle 3"/>
+              <a:t>Statements</a:t>
+            </a:r>
+          </a:p>
+        </p:txBody>
+      </p:sp>
+      <p:sp>
+        <p:nvSpPr>
+          <p:cNvPr id="34819" name="Rectangle 3"/>
           <p:cNvSpPr>
             <a:spLocks noGrp="1" noChangeArrowheads="1"/>
           </p:cNvSpPr>
@@ -20045,21 +20631,165 @@
           <a:lstStyle/>
           <a:p>
             <a:r>
-              <a:rPr lang="en-US" altLang="zh-TW" smtClean="0"/>
-              <a:t>White space include new line, spaces, tabs</a:t>
-            </a:r>
-          </a:p>
-          <a:p>
-            <a:r>
-              <a:rPr lang="en-US" altLang="zh-TW" smtClean="0"/>
-              <a:t>Browsers ignore white spaces in both html and PHP</a:t>
-            </a:r>
-          </a:p>
-          <a:p>
-            <a:r>
-              <a:rPr lang="en-US" altLang="zh-TW" smtClean="0"/>
-              <a:t>Encourage to use white space for readability – usually one statement per line</a:t>
-            </a:r>
+              <a:rPr lang="en-US" altLang="zh-TW" dirty="0" smtClean="0"/>
+              <a:t>Tell the PHP interpreter what to do</a:t>
+            </a:r>
+          </a:p>
+          <a:p>
+            <a:r>
+              <a:rPr lang="en-US" altLang="zh-TW" dirty="0" smtClean="0"/>
+              <a:t>Ends with a </a:t>
+            </a:r>
+            <a:r>
+              <a:rPr lang="en-US" altLang="zh-TW" dirty="0" smtClean="0"/>
+              <a:t>semicolon;</a:t>
+            </a:r>
+            <a:endParaRPr lang="en-US" altLang="zh-TW" dirty="0" smtClean="0"/>
+          </a:p>
+          <a:p>
+            <a:r>
+              <a:rPr lang="en-US" altLang="zh-TW" dirty="0" smtClean="0"/>
+              <a:t>Without a semicolon, you will see an error page indicating the line with an error</a:t>
+            </a:r>
+          </a:p>
+        </p:txBody>
+      </p:sp>
+      <p:pic>
+        <p:nvPicPr>
+          <p:cNvPr id="4" name="圖片 1"/>
+          <p:cNvPicPr>
+            <a:picLocks noChangeAspect="1"/>
+          </p:cNvPicPr>
+          <p:nvPr/>
+        </p:nvPicPr>
+        <p:blipFill>
+          <a:blip r:embed="rId3">
+            <a:extLst>
+              <a:ext uri="{28A0092B-C50C-407E-A947-70E740481C1C}">
+                <a14:useLocalDpi xmlns:a14="http://schemas.microsoft.com/office/drawing/2010/main" val="0"/>
+              </a:ext>
+            </a:extLst>
+          </a:blip>
+          <a:stretch>
+            <a:fillRect/>
+          </a:stretch>
+        </p:blipFill>
+        <p:spPr>
+          <a:xfrm>
+            <a:off x="6084168" y="2809408"/>
+            <a:ext cx="1524000" cy="1524000"/>
+          </a:xfrm>
+          <a:prstGeom prst="rect">
+            <a:avLst/>
+          </a:prstGeom>
+        </p:spPr>
+      </p:pic>
+      <p:sp>
+        <p:nvSpPr>
+          <p:cNvPr id="5" name="向右箭號 2"/>
+          <p:cNvSpPr/>
+          <p:nvPr/>
+        </p:nvSpPr>
+        <p:spPr>
+          <a:xfrm>
+            <a:off x="4355976" y="3901360"/>
+            <a:ext cx="1512168" cy="432048"/>
+          </a:xfrm>
+          <a:prstGeom prst="rightArrow">
+            <a:avLst>
+              <a:gd name="adj1" fmla="val 45496"/>
+              <a:gd name="adj2" fmla="val 50000"/>
+            </a:avLst>
+          </a:prstGeom>
+        </p:spPr>
+        <p:style>
+          <a:lnRef idx="2">
+            <a:schemeClr val="accent1">
+              <a:shade val="50000"/>
+            </a:schemeClr>
+          </a:lnRef>
+          <a:fillRef idx="1">
+            <a:schemeClr val="accent1"/>
+          </a:fillRef>
+          <a:effectRef idx="0">
+            <a:schemeClr val="accent1"/>
+          </a:effectRef>
+          <a:fontRef idx="minor">
+            <a:schemeClr val="lt1"/>
+          </a:fontRef>
+        </p:style>
+        <p:txBody>
+          <a:bodyPr rtlCol="0" anchor="ctr"/>
+          <a:lstStyle/>
+          <a:p>
+            <a:pPr algn="ctr"/>
+            <a:endParaRPr lang="zh-HK" altLang="en-US"/>
+          </a:p>
+        </p:txBody>
+      </p:sp>
+      <p:pic>
+        <p:nvPicPr>
+          <p:cNvPr id="6" name="圖片 5"/>
+          <p:cNvPicPr>
+            <a:picLocks noChangeAspect="1"/>
+          </p:cNvPicPr>
+          <p:nvPr/>
+        </p:nvPicPr>
+        <p:blipFill rotWithShape="1">
+          <a:blip r:embed="rId4"/>
+          <a:srcRect t="31408" r="53538" b="48292"/>
+          <a:stretch/>
+        </p:blipFill>
+        <p:spPr>
+          <a:xfrm>
+            <a:off x="1547664" y="5233280"/>
+            <a:ext cx="6705604" cy="1509319"/>
+          </a:xfrm>
+          <a:prstGeom prst="rect">
+            <a:avLst/>
+          </a:prstGeom>
+        </p:spPr>
+      </p:pic>
+      <p:sp>
+        <p:nvSpPr>
+          <p:cNvPr id="7" name="向右箭號 4"/>
+          <p:cNvSpPr/>
+          <p:nvPr/>
+        </p:nvSpPr>
+        <p:spPr>
+          <a:xfrm rot="916099">
+            <a:off x="958401" y="5702457"/>
+            <a:ext cx="1178526" cy="570964"/>
+          </a:xfrm>
+          <a:prstGeom prst="rightArrow">
+            <a:avLst/>
+          </a:prstGeom>
+          <a:solidFill>
+            <a:srgbClr val="FF0000"/>
+          </a:solidFill>
+        </p:spPr>
+        <p:style>
+          <a:lnRef idx="2">
+            <a:schemeClr val="accent1">
+              <a:shade val="50000"/>
+            </a:schemeClr>
+          </a:lnRef>
+          <a:fillRef idx="1">
+            <a:schemeClr val="accent1"/>
+          </a:fillRef>
+          <a:effectRef idx="0">
+            <a:schemeClr val="accent1"/>
+          </a:effectRef>
+          <a:fontRef idx="minor">
+            <a:schemeClr val="lt1"/>
+          </a:fontRef>
+        </p:style>
+        <p:txBody>
+          <a:bodyPr rtlCol="0" anchor="ctr"/>
+          <a:lstStyle/>
+          <a:p>
+            <a:pPr algn="ctr"/>
+            <a:endParaRPr lang="zh-HK" altLang="en-US"/>
           </a:p>
         </p:txBody>
       </p:sp>
@@ -20109,7 +20839,7 @@
       </p:grpSpPr>
       <p:sp>
         <p:nvSpPr>
-          <p:cNvPr id="136194" name="Rectangle 2"/>
+          <p:cNvPr id="135170" name="Rectangle 2"/>
           <p:cNvSpPr>
             <a:spLocks noGrp="1" noChangeArrowheads="1"/>
           </p:cNvSpPr>
@@ -20124,14 +20854,14 @@
           <a:p>
             <a:r>
               <a:rPr lang="en-US" altLang="zh-TW" smtClean="0"/>
-              <a:t>Comments</a:t>
-            </a:r>
-          </a:p>
-        </p:txBody>
-      </p:sp>
-      <p:sp>
-        <p:nvSpPr>
-          <p:cNvPr id="36867" name="Rectangle 3"/>
+              <a:t>White space</a:t>
+            </a:r>
+          </a:p>
+        </p:txBody>
+      </p:sp>
+      <p:sp>
+        <p:nvSpPr>
+          <p:cNvPr id="35843" name="Rectangle 3"/>
           <p:cNvSpPr>
             <a:spLocks noGrp="1" noChangeArrowheads="1"/>
           </p:cNvSpPr>
@@ -20145,56 +20875,20 @@
           <a:lstStyle/>
           <a:p>
             <a:r>
-              <a:rPr lang="en-US" altLang="zh-TW" dirty="0" smtClean="0"/>
-              <a:t>Notes for reading the code</a:t>
-            </a:r>
-          </a:p>
-          <a:p>
-            <a:r>
-              <a:rPr lang="en-US" altLang="zh-TW" dirty="0" smtClean="0"/>
-              <a:t>Usually used to explain the purpose of the script, when it was last modified</a:t>
-            </a:r>
-          </a:p>
-          <a:p>
-            <a:r>
-              <a:rPr lang="en-US" altLang="zh-TW" dirty="0" smtClean="0"/>
-              <a:t>/*	</a:t>
-            </a:r>
-            <a:r>
-              <a:rPr lang="en-US" altLang="zh-TW" dirty="0" err="1" smtClean="0"/>
-              <a:t>Author:Ray</a:t>
-            </a:r>
-            <a:r>
-              <a:rPr lang="en-US" altLang="zh-TW" dirty="0" smtClean="0"/>
-              <a:t>	*/ - multiline comment</a:t>
-            </a:r>
-          </a:p>
-          <a:p>
-            <a:r>
-              <a:rPr lang="en-US" altLang="zh-TW" dirty="0" smtClean="0"/>
-              <a:t>//		</a:t>
-            </a:r>
-            <a:r>
-              <a:rPr lang="en-US" altLang="zh-TW" dirty="0" err="1" smtClean="0"/>
-              <a:t>Author:Ray</a:t>
-            </a:r>
-            <a:r>
-              <a:rPr lang="en-US" altLang="zh-TW" dirty="0" smtClean="0"/>
-              <a:t>	- single line comment (programming style)</a:t>
-            </a:r>
-          </a:p>
-          <a:p>
-            <a:r>
-              <a:rPr lang="en-US" altLang="zh-TW" dirty="0" smtClean="0"/>
-              <a:t>#	</a:t>
-            </a:r>
-            <a:r>
-              <a:rPr lang="en-US" altLang="zh-TW" dirty="0" err="1" smtClean="0"/>
-              <a:t>Author:Ray</a:t>
-            </a:r>
-            <a:r>
-              <a:rPr lang="en-US" altLang="zh-TW" dirty="0" smtClean="0"/>
-              <a:t>	- single line comment (shell style)</a:t>
+              <a:rPr lang="en-US" altLang="zh-TW" smtClean="0"/>
+              <a:t>White space include new line, spaces, tabs</a:t>
+            </a:r>
+          </a:p>
+          <a:p>
+            <a:r>
+              <a:rPr lang="en-US" altLang="zh-TW" smtClean="0"/>
+              <a:t>Browsers ignore white spaces in both html and PHP</a:t>
+            </a:r>
+          </a:p>
+          <a:p>
+            <a:r>
+              <a:rPr lang="en-US" altLang="zh-TW" smtClean="0"/>
+              <a:t>Encourage to use white space for readability – usually one statement per line</a:t>
             </a:r>
           </a:p>
         </p:txBody>
@@ -20245,7 +20939,7 @@
       </p:grpSpPr>
       <p:sp>
         <p:nvSpPr>
-          <p:cNvPr id="138242" name="Rectangle 2"/>
+          <p:cNvPr id="136194" name="Rectangle 2"/>
           <p:cNvSpPr>
             <a:spLocks noGrp="1" noChangeArrowheads="1"/>
           </p:cNvSpPr>
@@ -20260,15 +20954,14 @@
           <a:p>
             <a:r>
               <a:rPr lang="en-US" altLang="zh-TW" smtClean="0"/>
-              <a:t>Echo</a:t>
-            </a:r>
-            <a:endParaRPr lang="en-US" altLang="zh-TW" dirty="0" smtClean="0"/>
-          </a:p>
-        </p:txBody>
-      </p:sp>
-      <p:sp>
-        <p:nvSpPr>
-          <p:cNvPr id="37891" name="Rectangle 3"/>
+              <a:t>Comments</a:t>
+            </a:r>
+          </a:p>
+        </p:txBody>
+      </p:sp>
+      <p:sp>
+        <p:nvSpPr>
+          <p:cNvPr id="36867" name="Rectangle 3"/>
           <p:cNvSpPr>
             <a:spLocks noGrp="1" noChangeArrowheads="1"/>
           </p:cNvSpPr>
@@ -20283,45 +20976,56 @@
           <a:p>
             <a:r>
               <a:rPr lang="en-US" altLang="zh-TW" dirty="0" smtClean="0"/>
-              <a:t>Outputs all parameters</a:t>
+              <a:t>Notes for reading the code</a:t>
             </a:r>
           </a:p>
           <a:p>
             <a:r>
               <a:rPr lang="en-US" altLang="zh-TW" dirty="0" smtClean="0"/>
-              <a:t>echo </a:t>
-            </a:r>
-            <a:r>
-              <a:rPr lang="mr-IN" altLang="zh-TW" dirty="0" smtClean="0"/>
-              <a:t>"</a:t>
-            </a:r>
+              <a:t>Usually used to explain the purpose of the script, when it was last modified</a:t>
+            </a:r>
+          </a:p>
+          <a:p>
             <a:r>
               <a:rPr lang="en-US" altLang="zh-TW" dirty="0" smtClean="0"/>
-              <a:t>Hello, this is my first </a:t>
+              <a:t>/*	</a:t>
             </a:r>
             <a:r>
               <a:rPr lang="en-US" altLang="zh-TW" dirty="0" err="1" smtClean="0"/>
-              <a:t>php</a:t>
+              <a:t>Author:Ray</a:t>
             </a:r>
             <a:r>
               <a:rPr lang="en-US" altLang="zh-TW" dirty="0" smtClean="0"/>
-              <a:t> page</a:t>
-            </a:r>
-            <a:r>
-              <a:rPr lang="mr-IN" altLang="zh-TW" dirty="0" smtClean="0"/>
-              <a:t>"</a:t>
-            </a:r>
+              <a:t>	*/ - multiline comment</a:t>
+            </a:r>
+          </a:p>
+          <a:p>
             <a:r>
               <a:rPr lang="en-US" altLang="zh-TW" dirty="0" smtClean="0"/>
-              <a:t>;</a:t>
-            </a:r>
-          </a:p>
-          <a:p>
+              <a:t>//		</a:t>
+            </a:r>
             <a:r>
               <a:rPr lang="en-US" altLang="zh-TW" dirty="0" err="1" smtClean="0"/>
-              <a:t>echo.php</a:t>
-            </a:r>
-            <a:endParaRPr lang="en-US" altLang="zh-TW" dirty="0" smtClean="0"/>
+              <a:t>Author:Ray</a:t>
+            </a:r>
+            <a:r>
+              <a:rPr lang="en-US" altLang="zh-TW" dirty="0" smtClean="0"/>
+              <a:t>	- single line comment (programming style)</a:t>
+            </a:r>
+          </a:p>
+          <a:p>
+            <a:r>
+              <a:rPr lang="en-US" altLang="zh-TW" dirty="0" smtClean="0"/>
+              <a:t>#	</a:t>
+            </a:r>
+            <a:r>
+              <a:rPr lang="en-US" altLang="zh-TW" dirty="0" err="1" smtClean="0"/>
+              <a:t>Author:Ray</a:t>
+            </a:r>
+            <a:r>
+              <a:rPr lang="en-US" altLang="zh-TW" dirty="0" smtClean="0"/>
+              <a:t>	- single line comment (shell style)</a:t>
+            </a:r>
           </a:p>
         </p:txBody>
       </p:sp>
@@ -20464,7 +21168,7 @@
       </p:grpSpPr>
       <p:sp>
         <p:nvSpPr>
-          <p:cNvPr id="172034" name="Rectangle 2"/>
+          <p:cNvPr id="138242" name="Rectangle 2"/>
           <p:cNvSpPr>
             <a:spLocks noGrp="1" noChangeArrowheads="1"/>
           </p:cNvSpPr>
@@ -20479,14 +21183,15 @@
           <a:p>
             <a:r>
               <a:rPr lang="en-US" altLang="zh-TW" smtClean="0"/>
-              <a:t>Print</a:t>
-            </a:r>
-          </a:p>
-        </p:txBody>
-      </p:sp>
-      <p:sp>
-        <p:nvSpPr>
-          <p:cNvPr id="38915" name="Rectangle 3"/>
+              <a:t>Echo</a:t>
+            </a:r>
+            <a:endParaRPr lang="en-US" altLang="zh-TW" dirty="0" smtClean="0"/>
+          </a:p>
+        </p:txBody>
+      </p:sp>
+      <p:sp>
+        <p:nvSpPr>
+          <p:cNvPr id="37891" name="Rectangle 3"/>
           <p:cNvSpPr>
             <a:spLocks noGrp="1" noChangeArrowheads="1"/>
           </p:cNvSpPr>
@@ -20496,35 +21201,48 @@
         </p:nvSpPr>
         <p:spPr/>
         <p:txBody>
-          <a:bodyPr>
-            <a:normAutofit fontScale="92500" lnSpcReduction="10000"/>
-          </a:bodyPr>
+          <a:bodyPr/>
           <a:lstStyle/>
           <a:p>
             <a:r>
               <a:rPr lang="en-US" altLang="zh-TW" dirty="0" smtClean="0"/>
-              <a:t>Similar to echo, it also outputs all parameters.</a:t>
+              <a:t>Outputs all parameters</a:t>
             </a:r>
           </a:p>
           <a:p>
             <a:r>
               <a:rPr lang="en-US" altLang="zh-TW" dirty="0" smtClean="0"/>
-              <a:t>Print returns a value of 1 and has precedence so that it can be used in the middle of a longer expression. However, the need for this is rare, and the fact that is returns a value makes it ever so slightly slower than echo. So we use echo.</a:t>
-            </a:r>
-          </a:p>
-          <a:p>
-            <a:endParaRPr lang="en-US" altLang="zh-TW" dirty="0" smtClean="0"/>
-          </a:p>
-          <a:p>
+              <a:t>echo </a:t>
+            </a:r>
+            <a:r>
+              <a:rPr lang="mr-IN" altLang="zh-TW" dirty="0" smtClean="0"/>
+              <a:t>"</a:t>
+            </a:r>
             <a:r>
               <a:rPr lang="en-US" altLang="zh-TW" dirty="0" smtClean="0"/>
-              <a:t>Using with &lt;&lt;&lt;, it prints all html</a:t>
-            </a:r>
-          </a:p>
-          <a:p>
+              <a:t>Hello, this is my first </a:t>
+            </a:r>
             <a:r>
               <a:rPr lang="en-US" altLang="zh-TW" dirty="0" err="1" smtClean="0"/>
-              <a:t>print.php</a:t>
+              <a:t>php</a:t>
+            </a:r>
+            <a:r>
+              <a:rPr lang="en-US" altLang="zh-TW" dirty="0" smtClean="0"/>
+              <a:t> page</a:t>
+            </a:r>
+            <a:r>
+              <a:rPr lang="mr-IN" altLang="zh-TW" dirty="0" smtClean="0"/>
+              <a:t>"</a:t>
+            </a:r>
+            <a:r>
+              <a:rPr lang="en-US" altLang="zh-TW" dirty="0" smtClean="0"/>
+              <a:t>;</a:t>
+            </a:r>
+          </a:p>
+          <a:p>
+            <a:r>
+              <a:rPr lang="en-US" altLang="zh-TW" dirty="0" err="1" smtClean="0"/>
+              <a:t>echo.php</a:t>
             </a:r>
             <a:endParaRPr lang="en-US" altLang="zh-TW" dirty="0" smtClean="0"/>
           </a:p>
@@ -20576,7 +21294,7 @@
       </p:grpSpPr>
       <p:sp>
         <p:nvSpPr>
-          <p:cNvPr id="160770" name="Rectangle 2"/>
+          <p:cNvPr id="172034" name="Rectangle 2"/>
           <p:cNvSpPr>
             <a:spLocks noGrp="1" noChangeArrowheads="1"/>
           </p:cNvSpPr>
@@ -20591,14 +21309,14 @@
           <a:p>
             <a:r>
               <a:rPr lang="en-US" altLang="zh-TW" smtClean="0"/>
-              <a:t>html in PHP</a:t>
-            </a:r>
-          </a:p>
-        </p:txBody>
-      </p:sp>
-      <p:sp>
-        <p:nvSpPr>
-          <p:cNvPr id="39939" name="Rectangle 3"/>
+              <a:t>Print</a:t>
+            </a:r>
+          </a:p>
+        </p:txBody>
+      </p:sp>
+      <p:sp>
+        <p:nvSpPr>
+          <p:cNvPr id="38915" name="Rectangle 3"/>
           <p:cNvSpPr>
             <a:spLocks noGrp="1" noChangeArrowheads="1"/>
           </p:cNvSpPr>
@@ -20608,49 +21326,37 @@
         </p:nvSpPr>
         <p:spPr/>
         <p:txBody>
-          <a:bodyPr/>
+          <a:bodyPr>
+            <a:normAutofit fontScale="92500" lnSpcReduction="10000"/>
+          </a:bodyPr>
           <a:lstStyle/>
           <a:p>
             <a:r>
               <a:rPr lang="en-US" altLang="zh-TW" dirty="0" smtClean="0"/>
-              <a:t>Nothing to change for the html code</a:t>
+              <a:t>Similar to echo, it also outputs all parameters.</a:t>
             </a:r>
           </a:p>
           <a:p>
             <a:r>
               <a:rPr lang="en-US" altLang="zh-TW" dirty="0" smtClean="0"/>
-              <a:t>Encapsulate PHP code before and after html code</a:t>
-            </a:r>
+              <a:t>Print returns a value of 1 and has precedence so that it can be used in the middle of a longer expression. However, the need for this is rare, and the fact that is returns a value makes it ever so slightly slower than echo. So we use echo.</a:t>
+            </a:r>
+          </a:p>
+          <a:p>
+            <a:endParaRPr lang="en-US" altLang="zh-TW" dirty="0" smtClean="0"/>
           </a:p>
           <a:p>
             <a:r>
               <a:rPr lang="en-US" altLang="zh-TW" dirty="0" smtClean="0"/>
-              <a:t>echo </a:t>
-            </a:r>
-            <a:r>
-              <a:rPr lang="mr-IN" altLang="zh-TW" dirty="0" smtClean="0"/>
-              <a:t>"</a:t>
-            </a:r>
-            <a:r>
-              <a:rPr lang="en-US" altLang="zh-TW" dirty="0" smtClean="0"/>
-              <a:t>Hello&lt;</a:t>
-            </a:r>
+              <a:t>Using with &lt;&lt;&lt;, it prints all html</a:t>
+            </a:r>
+          </a:p>
+          <a:p>
             <a:r>
               <a:rPr lang="en-US" altLang="zh-TW" dirty="0" err="1" smtClean="0"/>
-              <a:t>br</a:t>
-            </a:r>
-            <a:r>
-              <a:rPr lang="en-US" altLang="zh-TW" dirty="0" smtClean="0"/>
-              <a:t> /&gt;</a:t>
-            </a:r>
-            <a:r>
-              <a:rPr lang="mr-IN" altLang="zh-TW" dirty="0" smtClean="0"/>
-              <a:t>"</a:t>
-            </a:r>
-            <a:r>
-              <a:rPr lang="en-US" altLang="zh-TW" dirty="0" smtClean="0"/>
-              <a:t>;</a:t>
-            </a:r>
+              <a:t>print.php</a:t>
+            </a:r>
+            <a:endParaRPr lang="en-US" altLang="zh-TW" dirty="0" smtClean="0"/>
           </a:p>
         </p:txBody>
       </p:sp>
@@ -20700,9 +21406,9 @@
       </p:grpSpPr>
       <p:sp>
         <p:nvSpPr>
-          <p:cNvPr id="2" name="Title 1"/>
-          <p:cNvSpPr>
-            <a:spLocks noGrp="1"/>
+          <p:cNvPr id="160770" name="Rectangle 2"/>
+          <p:cNvSpPr>
+            <a:spLocks noGrp="1" noChangeArrowheads="1"/>
           </p:cNvSpPr>
           <p:nvPr>
             <p:ph type="title"/>
@@ -20714,18 +21420,17 @@
           <a:lstStyle/>
           <a:p>
             <a:r>
-              <a:rPr lang="en-US" dirty="0" smtClean="0"/>
-              <a:t>Classwork</a:t>
-            </a:r>
-            <a:endParaRPr lang="en-US" dirty="0"/>
-          </a:p>
-        </p:txBody>
-      </p:sp>
-      <p:sp>
-        <p:nvSpPr>
-          <p:cNvPr id="40963" name="Content Placeholder 2"/>
-          <p:cNvSpPr>
-            <a:spLocks noGrp="1"/>
+              <a:rPr lang="en-US" altLang="zh-TW" smtClean="0"/>
+              <a:t>html in PHP</a:t>
+            </a:r>
+          </a:p>
+        </p:txBody>
+      </p:sp>
+      <p:sp>
+        <p:nvSpPr>
+          <p:cNvPr id="39939" name="Rectangle 3"/>
+          <p:cNvSpPr>
+            <a:spLocks noGrp="1" noChangeArrowheads="1"/>
           </p:cNvSpPr>
           <p:nvPr>
             <p:ph idx="1"/>
@@ -20738,40 +21443,43 @@
           <a:p>
             <a:r>
               <a:rPr lang="en-US" altLang="zh-TW" dirty="0" smtClean="0"/>
-              <a:t>Open a new </a:t>
-            </a:r>
-            <a:r>
-              <a:rPr lang="en-US" altLang="zh-TW" dirty="0" err="1" smtClean="0"/>
-              <a:t>php</a:t>
-            </a:r>
+              <a:t>Nothing to change for the html code</a:t>
+            </a:r>
+          </a:p>
+          <a:p>
             <a:r>
               <a:rPr lang="en-US" altLang="zh-TW" dirty="0" smtClean="0"/>
-              <a:t> file and save as </a:t>
+              <a:t>Encapsulate PHP code before and after html code</a:t>
+            </a:r>
+          </a:p>
+          <a:p>
+            <a:r>
+              <a:rPr lang="en-US" altLang="zh-TW" dirty="0" smtClean="0"/>
+              <a:t>echo </a:t>
             </a:r>
             <a:r>
               <a:rPr lang="mr-IN" altLang="zh-TW" dirty="0" smtClean="0"/>
               <a:t>"</a:t>
             </a:r>
             <a:r>
+              <a:rPr lang="en-US" altLang="zh-TW" dirty="0" smtClean="0"/>
+              <a:t>Hello&lt;</a:t>
+            </a:r>
+            <a:r>
               <a:rPr lang="en-US" altLang="zh-TW" dirty="0" err="1" smtClean="0"/>
-              <a:t>birthday.php</a:t>
+              <a:t>br</a:t>
+            </a:r>
+            <a:r>
+              <a:rPr lang="en-US" altLang="zh-TW" dirty="0" smtClean="0"/>
+              <a:t> /&gt;</a:t>
             </a:r>
             <a:r>
               <a:rPr lang="mr-IN" altLang="zh-TW" dirty="0" smtClean="0"/>
               <a:t>"</a:t>
             </a:r>
-            <a:endParaRPr lang="en-US" altLang="zh-TW" dirty="0" smtClean="0"/>
-          </a:p>
-          <a:p>
             <a:r>
               <a:rPr lang="en-US" altLang="zh-TW" dirty="0" smtClean="0"/>
-              <a:t>Echo your name in PHP</a:t>
-            </a:r>
-          </a:p>
-          <a:p>
-            <a:r>
-              <a:rPr lang="en-US" altLang="zh-TW" dirty="0" smtClean="0"/>
-              <a:t>Browse http://localhost:8080/birthday.php</a:t>
+              <a:t>;</a:t>
             </a:r>
           </a:p>
         </p:txBody>
@@ -20822,9 +21530,9 @@
       </p:grpSpPr>
       <p:sp>
         <p:nvSpPr>
-          <p:cNvPr id="219138" name="Rectangle 2"/>
-          <p:cNvSpPr>
-            <a:spLocks noGrp="1" noChangeArrowheads="1"/>
+          <p:cNvPr id="2" name="Title 1"/>
+          <p:cNvSpPr>
+            <a:spLocks noGrp="1"/>
           </p:cNvSpPr>
           <p:nvPr>
             <p:ph type="title"/>
@@ -20836,18 +21544,18 @@
           <a:lstStyle/>
           <a:p>
             <a:r>
-              <a:rPr lang="en-US" altLang="zh-TW" smtClean="0"/>
-              <a:t>Install PHP + MySQL</a:t>
-            </a:r>
-            <a:endParaRPr lang="zh-TW" altLang="en-US" dirty="0" smtClean="0"/>
-          </a:p>
-        </p:txBody>
-      </p:sp>
-      <p:sp>
-        <p:nvSpPr>
-          <p:cNvPr id="41987" name="Rectangle 3"/>
-          <p:cNvSpPr>
-            <a:spLocks noGrp="1" noChangeArrowheads="1"/>
+              <a:rPr lang="en-US" dirty="0" smtClean="0"/>
+              <a:t>Classwork</a:t>
+            </a:r>
+            <a:endParaRPr lang="en-US" dirty="0"/>
+          </a:p>
+        </p:txBody>
+      </p:sp>
+      <p:sp>
+        <p:nvSpPr>
+          <p:cNvPr id="40963" name="Content Placeholder 2"/>
+          <p:cNvSpPr>
+            <a:spLocks noGrp="1"/>
           </p:cNvSpPr>
           <p:nvPr>
             <p:ph idx="1"/>
@@ -20855,38 +21563,12 @@
         </p:nvSpPr>
         <p:spPr/>
         <p:txBody>
-          <a:bodyPr>
-            <a:normAutofit fontScale="92500"/>
-          </a:bodyPr>
+          <a:bodyPr/>
           <a:lstStyle/>
           <a:p>
             <a:r>
               <a:rPr lang="en-US" altLang="zh-TW" dirty="0" smtClean="0"/>
-              <a:t>Download XAMPP from http://www.xampp.org</a:t>
-            </a:r>
-          </a:p>
-          <a:p>
-            <a:r>
-              <a:rPr lang="en-US" altLang="zh-TW" dirty="0" smtClean="0"/>
-              <a:t>Install to c:\(Windows)  or  /Application/(MAC)</a:t>
-            </a:r>
-          </a:p>
-          <a:p>
-            <a:r>
-              <a:rPr lang="en-US" altLang="zh-TW" dirty="0" smtClean="0"/>
-              <a:t>Open XAMPP Control Panel, start Apache, MySQL</a:t>
-            </a:r>
-          </a:p>
-          <a:p>
-            <a:r>
-              <a:rPr lang="en-US" altLang="zh-TW" dirty="0" smtClean="0"/>
-              <a:t>Test Apache http://localhost</a:t>
-            </a:r>
-          </a:p>
-          <a:p>
-            <a:r>
-              <a:rPr lang="en-US" altLang="zh-TW" dirty="0" smtClean="0"/>
-              <a:t>Test PHP. Save your </a:t>
+              <a:t>Open a new </a:t>
             </a:r>
             <a:r>
               <a:rPr lang="en-US" altLang="zh-TW" dirty="0" err="1" smtClean="0"/>
@@ -20894,22 +21576,32 @@
             </a:r>
             <a:r>
               <a:rPr lang="en-US" altLang="zh-TW" dirty="0" smtClean="0"/>
-              <a:t> files under c:\xampp\htdocs\(Windows)  /Application/XAMPP/</a:t>
+              <a:t> file and save as </a:t>
+            </a:r>
+            <a:r>
+              <a:rPr lang="mr-IN" altLang="zh-TW" dirty="0" smtClean="0"/>
+              <a:t>"</a:t>
             </a:r>
             <a:r>
               <a:rPr lang="en-US" altLang="zh-TW" dirty="0" err="1" smtClean="0"/>
-              <a:t>htdocs</a:t>
-            </a:r>
-            <a:r>
-              <a:rPr lang="en-US" altLang="zh-TW" smtClean="0"/>
-              <a:t>/(MAC)</a:t>
+              <a:t>birthday.php</a:t>
+            </a:r>
+            <a:r>
+              <a:rPr lang="mr-IN" altLang="zh-TW" dirty="0" smtClean="0"/>
+              <a:t>"</a:t>
             </a:r>
             <a:endParaRPr lang="en-US" altLang="zh-TW" dirty="0" smtClean="0"/>
           </a:p>
           <a:p>
             <a:r>
               <a:rPr lang="en-US" altLang="zh-TW" dirty="0" smtClean="0"/>
-              <a:t>Test your web page: http://localhost/filename.php</a:t>
+              <a:t>Echo your name in PHP</a:t>
+            </a:r>
+          </a:p>
+          <a:p>
+            <a:r>
+              <a:rPr lang="en-US" altLang="zh-TW" dirty="0" smtClean="0"/>
+              <a:t>Browse http://localhost:8080/birthday.php</a:t>
             </a:r>
           </a:p>
         </p:txBody>
@@ -20960,7 +21652,7 @@
       </p:grpSpPr>
       <p:sp>
         <p:nvSpPr>
-          <p:cNvPr id="157698" name="Rectangle 2"/>
+          <p:cNvPr id="219138" name="Rectangle 2"/>
           <p:cNvSpPr>
             <a:spLocks noGrp="1" noChangeArrowheads="1"/>
           </p:cNvSpPr>
@@ -20975,14 +21667,15 @@
           <a:p>
             <a:r>
               <a:rPr lang="en-US" altLang="zh-TW" smtClean="0"/>
-              <a:t>Functions</a:t>
-            </a:r>
-          </a:p>
-        </p:txBody>
-      </p:sp>
-      <p:sp>
-        <p:nvSpPr>
-          <p:cNvPr id="44035" name="Rectangle 3"/>
+              <a:t>Install PHP + MySQL</a:t>
+            </a:r>
+            <a:endParaRPr lang="zh-TW" altLang="en-US" dirty="0" smtClean="0"/>
+          </a:p>
+        </p:txBody>
+      </p:sp>
+      <p:sp>
+        <p:nvSpPr>
+          <p:cNvPr id="41987" name="Rectangle 3"/>
           <p:cNvSpPr>
             <a:spLocks noGrp="1" noChangeArrowheads="1"/>
           </p:cNvSpPr>
@@ -20993,130 +21686,94 @@
         <p:spPr/>
         <p:txBody>
           <a:bodyPr>
-            <a:normAutofit lnSpcReduction="10000"/>
+            <a:normAutofit fontScale="92500"/>
           </a:bodyPr>
           <a:lstStyle/>
           <a:p>
             <a:r>
               <a:rPr lang="en-US" altLang="zh-TW" dirty="0" smtClean="0"/>
-              <a:t>echo date(</a:t>
-            </a:r>
-            <a:r>
-              <a:rPr lang="mr-IN" altLang="zh-TW" dirty="0" smtClean="0"/>
-              <a:t>"</a:t>
+              <a:t>Download XAMPP from http://www.xampp.org</a:t>
+            </a:r>
+          </a:p>
+          <a:p>
+            <a:r>
+              <a:rPr lang="en-US" altLang="zh-TW" dirty="0" smtClean="0"/>
+              <a:t>Install to c:\(Windows)  or  /Application/(MAC)</a:t>
+            </a:r>
+          </a:p>
+          <a:p>
+            <a:r>
+              <a:rPr lang="en-US" altLang="zh-TW" dirty="0" smtClean="0"/>
+              <a:t>Open XAMPP Control Panel, start Apache, MySQL</a:t>
+            </a:r>
+          </a:p>
+          <a:p>
+            <a:r>
+              <a:rPr lang="en-US" altLang="zh-TW" dirty="0" smtClean="0"/>
+              <a:t>Test Apache http://localhost</a:t>
+            </a:r>
+          </a:p>
+          <a:p>
+            <a:r>
+              <a:rPr lang="en-US" altLang="zh-TW" dirty="0" smtClean="0"/>
+              <a:t>Test PHP. Save your </a:t>
             </a:r>
             <a:r>
               <a:rPr lang="en-US" altLang="zh-TW" dirty="0" err="1" smtClean="0"/>
-              <a:t>H:i</a:t>
+              <a:t>php</a:t>
             </a:r>
             <a:r>
               <a:rPr lang="en-US" altLang="zh-TW" dirty="0" smtClean="0"/>
-              <a:t>, </a:t>
+              <a:t> files under c:\xampp\htdocs\(Windows)  /Application/XAMPP/</a:t>
             </a:r>
             <a:r>
               <a:rPr lang="en-US" altLang="zh-TW" dirty="0" err="1" smtClean="0"/>
-              <a:t>jS</a:t>
-            </a:r>
+              <a:t>htdocs</a:t>
+            </a:r>
+            <a:r>
+              <a:rPr lang="en-US" altLang="zh-TW" smtClean="0"/>
+              <a:t>/(MAC)</a:t>
+            </a:r>
+            <a:endParaRPr lang="en-US" altLang="zh-TW" dirty="0" smtClean="0"/>
+          </a:p>
+          <a:p>
             <a:r>
               <a:rPr lang="en-US" altLang="zh-TW" dirty="0" smtClean="0"/>
-              <a:t> F</a:t>
-            </a:r>
-            <a:r>
-              <a:rPr lang="mr-IN" altLang="zh-TW" dirty="0" smtClean="0"/>
-              <a:t>"</a:t>
-            </a:r>
-            <a:r>
-              <a:rPr lang="en-US" altLang="zh-TW" dirty="0" smtClean="0"/>
-              <a:t>);</a:t>
-            </a:r>
-          </a:p>
-          <a:p>
-            <a:r>
-              <a:rPr lang="en-US" altLang="zh-TW" dirty="0" smtClean="0"/>
-              <a:t>echo date(</a:t>
-            </a:r>
-            <a:r>
-              <a:rPr lang="mr-IN" altLang="zh-TW" dirty="0" smtClean="0"/>
-              <a:t>"</a:t>
-            </a:r>
-            <a:r>
-              <a:rPr lang="en-US" altLang="zh-TW" dirty="0" smtClean="0"/>
-              <a:t>l </a:t>
-            </a:r>
-            <a:r>
-              <a:rPr lang="en-US" altLang="zh-TW" dirty="0" err="1" smtClean="0"/>
-              <a:t>dS</a:t>
-            </a:r>
-            <a:r>
-              <a:rPr lang="en-US" altLang="zh-TW" dirty="0" smtClean="0"/>
-              <a:t> \of F Y h:i:s A</a:t>
-            </a:r>
-            <a:r>
-              <a:rPr lang="mr-IN" altLang="zh-TW" dirty="0" smtClean="0"/>
-              <a:t>"</a:t>
-            </a:r>
-            <a:r>
-              <a:rPr lang="en-US" altLang="zh-TW" dirty="0" smtClean="0"/>
-              <a:t>);</a:t>
-            </a:r>
-          </a:p>
-          <a:p>
-            <a:r>
-              <a:rPr lang="en-US" altLang="zh-TW" dirty="0" smtClean="0"/>
-              <a:t>Case sensitive</a:t>
-            </a:r>
-          </a:p>
-          <a:p>
-            <a:r>
-              <a:rPr lang="en-US" altLang="zh-TW" dirty="0" err="1" smtClean="0"/>
-              <a:t>date.php</a:t>
-            </a:r>
-            <a:endParaRPr lang="en-US" altLang="zh-TW" dirty="0" smtClean="0"/>
-          </a:p>
-          <a:p>
-            <a:r>
-              <a:rPr lang="en-US" altLang="zh-TW" dirty="0" err="1" smtClean="0"/>
-              <a:t>gmdate</a:t>
-            </a:r>
-            <a:r>
-              <a:rPr lang="en-US" altLang="zh-TW" dirty="0" smtClean="0"/>
-              <a:t>('</a:t>
-            </a:r>
-            <a:r>
-              <a:rPr lang="en-US" altLang="zh-TW" dirty="0" err="1" smtClean="0"/>
-              <a:t>H:i:s</a:t>
-            </a:r>
-            <a:r>
-              <a:rPr lang="en-US" altLang="zh-TW" dirty="0" smtClean="0"/>
-              <a:t>', time()+8*3600);</a:t>
-            </a:r>
-          </a:p>
-          <a:p>
-            <a:r>
-              <a:rPr lang="en-US" altLang="zh-TW" dirty="0" err="1" smtClean="0"/>
-              <a:t>date_default_timezone_set</a:t>
-            </a:r>
-            <a:r>
-              <a:rPr lang="en-US" altLang="zh-TW" dirty="0" smtClean="0"/>
-              <a:t>('Asia/</a:t>
-            </a:r>
-            <a:r>
-              <a:rPr lang="en-US" altLang="zh-TW" dirty="0" err="1" smtClean="0"/>
-              <a:t>Hong_Kong</a:t>
-            </a:r>
-            <a:r>
-              <a:rPr lang="en-US" altLang="zh-TW" dirty="0" smtClean="0"/>
-              <a:t>');</a:t>
-            </a:r>
-          </a:p>
-          <a:p>
-            <a:r>
-              <a:rPr lang="en-US" altLang="zh-TW" dirty="0" smtClean="0"/>
-              <a:t>http://hk2.php.net/manual/en/function.date.php</a:t>
-            </a:r>
-          </a:p>
-        </p:txBody>
-      </p:sp>
+              <a:t>Test your web page: http://localhost/filename.php</a:t>
+            </a:r>
+          </a:p>
+        </p:txBody>
+      </p:sp>
+      <p:pic>
+        <p:nvPicPr>
+          <p:cNvPr id="4" name="圖片 1"/>
+          <p:cNvPicPr>
+            <a:picLocks noChangeAspect="1"/>
+          </p:cNvPicPr>
+          <p:nvPr/>
+        </p:nvPicPr>
+        <p:blipFill>
+          <a:blip r:embed="rId3" cstate="print">
+            <a:extLst>
+              <a:ext uri="{28A0092B-C50C-407E-A947-70E740481C1C}">
+                <a14:useLocalDpi xmlns:a14="http://schemas.microsoft.com/office/drawing/2010/main" val="0"/>
+              </a:ext>
+            </a:extLst>
+          </a:blip>
+          <a:stretch>
+            <a:fillRect/>
+          </a:stretch>
+        </p:blipFill>
+        <p:spPr>
+          <a:xfrm>
+            <a:off x="7524328" y="2276872"/>
+            <a:ext cx="1015680" cy="1284759"/>
+          </a:xfrm>
+          <a:prstGeom prst="rect">
+            <a:avLst/>
+          </a:prstGeom>
+        </p:spPr>
+      </p:pic>
     </p:spTree>
   </p:cSld>
   <p:clrMapOvr>
@@ -21163,7 +21820,7 @@
       </p:grpSpPr>
       <p:sp>
         <p:nvSpPr>
-          <p:cNvPr id="2" name="Title 1"/>
+          <p:cNvPr id="2" name="標題 1"/>
           <p:cNvSpPr>
             <a:spLocks noGrp="1"/>
           </p:cNvSpPr>
@@ -21177,16 +21834,16 @@
           <a:lstStyle/>
           <a:p>
             <a:r>
-              <a:rPr lang="en-US" dirty="0" smtClean="0"/>
-              <a:t>Classwork</a:t>
-            </a:r>
-            <a:endParaRPr lang="en-US" dirty="0"/>
-          </a:p>
-        </p:txBody>
-      </p:sp>
-      <p:sp>
-        <p:nvSpPr>
-          <p:cNvPr id="43011" name="Content Placeholder 2"/>
+              <a:rPr lang="en-US" altLang="zh-HK" dirty="0" smtClean="0"/>
+              <a:t>Download XAMPP</a:t>
+            </a:r>
+            <a:endParaRPr lang="zh-HK" altLang="en-US" dirty="0"/>
+          </a:p>
+        </p:txBody>
+      </p:sp>
+      <p:sp>
+        <p:nvSpPr>
+          <p:cNvPr id="3" name="內容版面配置區 2"/>
           <p:cNvSpPr>
             <a:spLocks noGrp="1"/>
           </p:cNvSpPr>
@@ -21199,98 +21856,135 @@
           <a:bodyPr/>
           <a:lstStyle/>
           <a:p>
-            <a:r>
-              <a:rPr lang="en-US" altLang="zh-TW" dirty="0"/>
-              <a:t>Open </a:t>
-            </a:r>
-            <a:r>
-              <a:rPr lang="en-US" altLang="zh-TW" dirty="0" err="1"/>
-              <a:t>birthday.php</a:t>
-            </a:r>
-            <a:endParaRPr lang="en-US" altLang="zh-TW" dirty="0"/>
-          </a:p>
-          <a:p>
-            <a:r>
-              <a:rPr lang="en-US" altLang="zh-TW" dirty="0"/>
-              <a:t>Echo your birthday as YYYYMMDD format.</a:t>
-            </a:r>
-          </a:p>
-          <a:p>
-            <a:r>
-              <a:rPr lang="en-US" altLang="zh-TW" dirty="0"/>
-              <a:t>EG. (31-Dec-2000)  echo </a:t>
-            </a:r>
-            <a:r>
-              <a:rPr lang="mr-IN" altLang="zh-TW" dirty="0"/>
-              <a:t>”</a:t>
-            </a:r>
-            <a:r>
-              <a:rPr lang="en-US" altLang="zh-TW" dirty="0"/>
-              <a:t>20001231</a:t>
-            </a:r>
-            <a:r>
-              <a:rPr lang="mr-IN" altLang="zh-TW" dirty="0"/>
-              <a:t>"</a:t>
-            </a:r>
-            <a:r>
-              <a:rPr lang="en-US" altLang="zh-TW" dirty="0"/>
-              <a:t>;</a:t>
-            </a:r>
-          </a:p>
-          <a:p>
-            <a:r>
-              <a:rPr lang="en-US" altLang="zh-TW" dirty="0"/>
-              <a:t>Echo today date as YYYYMMDD format</a:t>
-            </a:r>
-          </a:p>
-          <a:p>
-            <a:r>
-              <a:rPr lang="en-US" altLang="zh-TW" dirty="0"/>
-              <a:t>EG. echo date(</a:t>
-            </a:r>
-            <a:r>
-              <a:rPr lang="mr-IN" altLang="zh-TW" dirty="0"/>
-              <a:t>"</a:t>
-            </a:r>
-            <a:r>
-              <a:rPr lang="en-US" altLang="zh-TW" dirty="0"/>
-              <a:t>xxx</a:t>
-            </a:r>
-            <a:r>
-              <a:rPr lang="mr-IN" altLang="zh-TW" dirty="0"/>
-              <a:t>"</a:t>
-            </a:r>
-            <a:r>
-              <a:rPr lang="en-US" altLang="zh-TW" dirty="0"/>
-              <a:t>);</a:t>
-            </a:r>
+            <a:endParaRPr lang="zh-HK" altLang="en-US"/>
+          </a:p>
+        </p:txBody>
+      </p:sp>
+      <p:pic>
+        <p:nvPicPr>
+          <p:cNvPr id="4" name="圖片 3"/>
+          <p:cNvPicPr>
+            <a:picLocks noChangeAspect="1"/>
+          </p:cNvPicPr>
+          <p:nvPr/>
+        </p:nvPicPr>
+        <p:blipFill rotWithShape="1">
+          <a:blip r:embed="rId2"/>
+          <a:srcRect l="16931" t="10500" r="17314" b="4802"/>
+          <a:stretch/>
+        </p:blipFill>
+        <p:spPr>
+          <a:xfrm>
+            <a:off x="1547664" y="1829082"/>
+            <a:ext cx="6912768" cy="5008652"/>
+          </a:xfrm>
+          <a:prstGeom prst="rect">
+            <a:avLst/>
+          </a:prstGeom>
+        </p:spPr>
+      </p:pic>
+      <p:sp>
+        <p:nvSpPr>
+          <p:cNvPr id="5" name="向右箭號 4"/>
+          <p:cNvSpPr/>
+          <p:nvPr/>
+        </p:nvSpPr>
+        <p:spPr>
+          <a:xfrm rot="2322166">
+            <a:off x="2830095" y="4881459"/>
+            <a:ext cx="1224136" cy="616376"/>
+          </a:xfrm>
+          <a:prstGeom prst="rightArrow">
+            <a:avLst/>
+          </a:prstGeom>
+        </p:spPr>
+        <p:style>
+          <a:lnRef idx="2">
+            <a:schemeClr val="accent4">
+              <a:shade val="50000"/>
+            </a:schemeClr>
+          </a:lnRef>
+          <a:fillRef idx="1">
+            <a:schemeClr val="accent4"/>
+          </a:fillRef>
+          <a:effectRef idx="0">
+            <a:schemeClr val="accent4"/>
+          </a:effectRef>
+          <a:fontRef idx="minor">
+            <a:schemeClr val="lt1"/>
+          </a:fontRef>
+        </p:style>
+        <p:txBody>
+          <a:bodyPr rtlCol="0" anchor="ctr"/>
+          <a:lstStyle/>
+          <a:p>
+            <a:pPr algn="ctr"/>
+            <a:endParaRPr lang="zh-HK" altLang="en-US"/>
+          </a:p>
+        </p:txBody>
+      </p:sp>
+      <p:sp>
+        <p:nvSpPr>
+          <p:cNvPr id="6" name="文字方塊 5"/>
+          <p:cNvSpPr txBox="1"/>
+          <p:nvPr/>
+        </p:nvSpPr>
+        <p:spPr>
+          <a:xfrm>
+            <a:off x="1548271" y="4598944"/>
+            <a:ext cx="1872208" cy="461665"/>
+          </a:xfrm>
+          <a:prstGeom prst="rect">
+            <a:avLst/>
+          </a:prstGeom>
+          <a:noFill/>
+        </p:spPr>
+        <p:txBody>
+          <a:bodyPr wrap="square" rtlCol="0">
+            <a:spAutoFit/>
+          </a:bodyPr>
+          <a:lstStyle/>
+          <a:p>
+            <a:r>
+              <a:rPr lang="en-US" altLang="zh-HK" dirty="0" smtClean="0">
+                <a:solidFill>
+                  <a:srgbClr val="FF0000"/>
+                </a:solidFill>
+                <a:effectLst>
+                  <a:outerShdw blurRad="38100" dist="38100" dir="2700000" algn="tl">
+                    <a:srgbClr val="000000">
+                      <a:alpha val="43137"/>
+                    </a:srgbClr>
+                  </a:outerShdw>
+                </a:effectLst>
+              </a:rPr>
+              <a:t>Download</a:t>
+            </a:r>
+            <a:endParaRPr lang="zh-HK" altLang="en-US" dirty="0">
+              <a:solidFill>
+                <a:srgbClr val="FF0000"/>
+              </a:solidFill>
+              <a:effectLst>
+                <a:outerShdw blurRad="38100" dist="38100" dir="2700000" algn="tl">
+                  <a:srgbClr val="000000">
+                    <a:alpha val="43137"/>
+                  </a:srgbClr>
+                </a:outerShdw>
+              </a:effectLst>
+            </a:endParaRPr>
           </a:p>
         </p:txBody>
       </p:sp>
     </p:spTree>
+    <p:extLst>
+      <p:ext uri="{BB962C8B-B14F-4D97-AF65-F5344CB8AC3E}">
+        <p14:creationId xmlns:p14="http://schemas.microsoft.com/office/powerpoint/2010/main" val="1166704180"/>
+      </p:ext>
+    </p:extLst>
   </p:cSld>
   <p:clrMapOvr>
     <a:masterClrMapping/>
   </p:clrMapOvr>
-  <mc:AlternateContent xmlns:mc="http://schemas.openxmlformats.org/markup-compatibility/2006" xmlns:p14="http://schemas.microsoft.com/office/powerpoint/2010/main">
-    <mc:Choice Requires="p14">
-      <p:transition spd="slow" p14:dur="3900">
-        <p14:glitter pattern="hexagon"/>
-      </p:transition>
-    </mc:Choice>
-    <mc:Fallback xmlns="">
-      <p:transition spd="slow">
-        <p:fade/>
-      </p:transition>
-    </mc:Fallback>
-  </mc:AlternateContent>
-  <p:timing>
-    <p:tnLst>
-      <p:par>
-        <p:cTn id="1" dur="indefinite" restart="never" nodeType="tmRoot"/>
-      </p:par>
-    </p:tnLst>
-  </p:timing>
 </p:sld>
 </file>
 
@@ -21311,116 +22005,243 @@
           <a:chExt cx="0" cy="0"/>
         </a:xfrm>
       </p:grpSpPr>
-      <p:sp>
-        <p:nvSpPr>
-          <p:cNvPr id="171010" name="Rectangle 2"/>
-          <p:cNvSpPr>
-            <a:spLocks noGrp="1" noChangeArrowheads="1"/>
-          </p:cNvSpPr>
-          <p:nvPr>
-            <p:ph type="title"/>
-          </p:nvPr>
-        </p:nvSpPr>
-        <p:spPr/>
-        <p:txBody>
-          <a:bodyPr/>
+      <p:pic>
+        <p:nvPicPr>
+          <p:cNvPr id="4" name="圖片 3"/>
+          <p:cNvPicPr>
+            <a:picLocks noChangeAspect="1"/>
+          </p:cNvPicPr>
+          <p:nvPr/>
+        </p:nvPicPr>
+        <p:blipFill>
+          <a:blip r:embed="rId2"/>
+          <a:stretch>
+            <a:fillRect/>
+          </a:stretch>
+        </p:blipFill>
+        <p:spPr>
+          <a:xfrm>
+            <a:off x="509588" y="804863"/>
+            <a:ext cx="5065690" cy="3272210"/>
+          </a:xfrm>
+          <a:prstGeom prst="rect">
+            <a:avLst/>
+          </a:prstGeom>
+        </p:spPr>
+      </p:pic>
+      <p:sp>
+        <p:nvSpPr>
+          <p:cNvPr id="5" name="框架 4"/>
+          <p:cNvSpPr/>
+          <p:nvPr/>
+        </p:nvSpPr>
+        <p:spPr>
+          <a:xfrm>
+            <a:off x="2731487" y="1425506"/>
+            <a:ext cx="688385" cy="631742"/>
+          </a:xfrm>
+          <a:prstGeom prst="frame">
+            <a:avLst>
+              <a:gd name="adj1" fmla="val 6937"/>
+            </a:avLst>
+          </a:prstGeom>
+          <a:solidFill>
+            <a:srgbClr val="FF0000"/>
+          </a:solidFill>
+        </p:spPr>
+        <p:style>
+          <a:lnRef idx="2">
+            <a:schemeClr val="accent1">
+              <a:shade val="50000"/>
+            </a:schemeClr>
+          </a:lnRef>
+          <a:fillRef idx="1">
+            <a:schemeClr val="accent1"/>
+          </a:fillRef>
+          <a:effectRef idx="0">
+            <a:schemeClr val="accent1"/>
+          </a:effectRef>
+          <a:fontRef idx="minor">
+            <a:schemeClr val="lt1"/>
+          </a:fontRef>
+        </p:style>
+        <p:txBody>
+          <a:bodyPr rtlCol="0" anchor="ctr"/>
           <a:lstStyle/>
           <a:p>
-            <a:r>
-              <a:rPr lang="en-US" altLang="zh-TW" smtClean="0"/>
-              <a:t>Functions</a:t>
-            </a:r>
-          </a:p>
-        </p:txBody>
-      </p:sp>
-      <p:sp>
-        <p:nvSpPr>
-          <p:cNvPr id="46083" name="Rectangle 3"/>
-          <p:cNvSpPr>
-            <a:spLocks noGrp="1" noChangeArrowheads="1"/>
-          </p:cNvSpPr>
-          <p:nvPr>
-            <p:ph idx="1"/>
-          </p:nvPr>
-        </p:nvSpPr>
-        <p:spPr/>
-        <p:txBody>
-          <a:bodyPr>
-            <a:normAutofit fontScale="92500" lnSpcReduction="20000"/>
-          </a:bodyPr>
+            <a:pPr algn="ctr"/>
+            <a:endParaRPr lang="zh-HK" altLang="en-US">
+              <a:solidFill>
+                <a:schemeClr val="tx1"/>
+              </a:solidFill>
+            </a:endParaRPr>
+          </a:p>
+        </p:txBody>
+      </p:sp>
+      <p:sp>
+        <p:nvSpPr>
+          <p:cNvPr id="6" name="向右箭號 5"/>
+          <p:cNvSpPr/>
+          <p:nvPr/>
+        </p:nvSpPr>
+        <p:spPr>
+          <a:xfrm>
+            <a:off x="2411760" y="1529307"/>
+            <a:ext cx="516289" cy="224479"/>
+          </a:xfrm>
+          <a:prstGeom prst="rightArrow">
+            <a:avLst/>
+          </a:prstGeom>
+          <a:solidFill>
+            <a:srgbClr val="FF0000"/>
+          </a:solidFill>
+        </p:spPr>
+        <p:style>
+          <a:lnRef idx="2">
+            <a:schemeClr val="accent1">
+              <a:shade val="50000"/>
+            </a:schemeClr>
+          </a:lnRef>
+          <a:fillRef idx="1">
+            <a:schemeClr val="accent1"/>
+          </a:fillRef>
+          <a:effectRef idx="0">
+            <a:schemeClr val="accent1"/>
+          </a:effectRef>
+          <a:fontRef idx="minor">
+            <a:schemeClr val="lt1"/>
+          </a:fontRef>
+        </p:style>
+        <p:txBody>
+          <a:bodyPr rtlCol="0" anchor="ctr"/>
           <a:lstStyle/>
           <a:p>
-            <a:r>
-              <a:rPr lang="en-US" altLang="zh-TW" smtClean="0"/>
-              <a:t>Find an integer of a decimal number</a:t>
-            </a:r>
-          </a:p>
-          <a:p>
-            <a:r>
-              <a:rPr lang="en-US" altLang="zh-TW" smtClean="0"/>
-              <a:t>echo round(3.4);</a:t>
-            </a:r>
-          </a:p>
-          <a:p>
-            <a:r>
-              <a:rPr lang="en-US" altLang="zh-TW" smtClean="0"/>
-              <a:t>echo round(3.5);</a:t>
-            </a:r>
-          </a:p>
-          <a:p>
-            <a:r>
-              <a:rPr lang="en-US" altLang="zh-TW" smtClean="0"/>
-              <a:t>echo floor(3.4); </a:t>
-            </a:r>
-          </a:p>
-          <a:p>
-            <a:r>
-              <a:rPr lang="en-US" altLang="zh-TW" smtClean="0"/>
-              <a:t>echo floor(3.5);</a:t>
-            </a:r>
-          </a:p>
-          <a:p>
-            <a:r>
-              <a:rPr lang="en-US" altLang="zh-TW" smtClean="0"/>
-              <a:t>roundFloor.php</a:t>
-            </a:r>
-          </a:p>
-          <a:p>
-            <a:endParaRPr lang="en-US" altLang="zh-TW" smtClean="0"/>
-          </a:p>
-          <a:p>
-            <a:r>
-              <a:rPr lang="en-US" altLang="zh-TW" smtClean="0"/>
-              <a:t>Q: How to find the next integer value?</a:t>
-            </a:r>
-            <a:endParaRPr lang="en-US" altLang="zh-TW" dirty="0" smtClean="0"/>
+            <a:pPr algn="ctr"/>
+            <a:endParaRPr lang="zh-HK" altLang="en-US"/>
+          </a:p>
+        </p:txBody>
+      </p:sp>
+      <p:sp>
+        <p:nvSpPr>
+          <p:cNvPr id="7" name="向右箭號 6"/>
+          <p:cNvSpPr/>
+          <p:nvPr/>
+        </p:nvSpPr>
+        <p:spPr>
+          <a:xfrm>
+            <a:off x="2411760" y="1785685"/>
+            <a:ext cx="516289" cy="224479"/>
+          </a:xfrm>
+          <a:prstGeom prst="rightArrow">
+            <a:avLst/>
+          </a:prstGeom>
+          <a:solidFill>
+            <a:srgbClr val="FF0000"/>
+          </a:solidFill>
+        </p:spPr>
+        <p:style>
+          <a:lnRef idx="2">
+            <a:schemeClr val="accent1">
+              <a:shade val="50000"/>
+            </a:schemeClr>
+          </a:lnRef>
+          <a:fillRef idx="1">
+            <a:schemeClr val="accent1"/>
+          </a:fillRef>
+          <a:effectRef idx="0">
+            <a:schemeClr val="accent1"/>
+          </a:effectRef>
+          <a:fontRef idx="minor">
+            <a:schemeClr val="lt1"/>
+          </a:fontRef>
+        </p:style>
+        <p:txBody>
+          <a:bodyPr rtlCol="0" anchor="ctr"/>
+          <a:lstStyle/>
+          <a:p>
+            <a:pPr algn="ctr"/>
+            <a:endParaRPr lang="zh-HK" altLang="en-US"/>
+          </a:p>
+        </p:txBody>
+      </p:sp>
+      <p:pic>
+        <p:nvPicPr>
+          <p:cNvPr id="8" name="圖片 7"/>
+          <p:cNvPicPr>
+            <a:picLocks noChangeAspect="1"/>
+          </p:cNvPicPr>
+          <p:nvPr/>
+        </p:nvPicPr>
+        <p:blipFill>
+          <a:blip r:embed="rId3"/>
+          <a:stretch>
+            <a:fillRect/>
+          </a:stretch>
+        </p:blipFill>
+        <p:spPr>
+          <a:xfrm>
+            <a:off x="3330422" y="3059044"/>
+            <a:ext cx="5664030" cy="3658711"/>
+          </a:xfrm>
+          <a:prstGeom prst="rect">
+            <a:avLst/>
+          </a:prstGeom>
+        </p:spPr>
+      </p:pic>
+      <p:sp>
+        <p:nvSpPr>
+          <p:cNvPr id="10" name="圓形箭號 9"/>
+          <p:cNvSpPr/>
+          <p:nvPr/>
+        </p:nvSpPr>
+        <p:spPr>
+          <a:xfrm rot="13705861" flipH="1">
+            <a:off x="2001308" y="3430062"/>
+            <a:ext cx="1734318" cy="1800200"/>
+          </a:xfrm>
+          <a:prstGeom prst="circularArrow">
+            <a:avLst/>
+          </a:prstGeom>
+        </p:spPr>
+        <p:style>
+          <a:lnRef idx="2">
+            <a:schemeClr val="accent4">
+              <a:shade val="50000"/>
+            </a:schemeClr>
+          </a:lnRef>
+          <a:fillRef idx="1">
+            <a:schemeClr val="accent4"/>
+          </a:fillRef>
+          <a:effectRef idx="0">
+            <a:schemeClr val="accent4"/>
+          </a:effectRef>
+          <a:fontRef idx="minor">
+            <a:schemeClr val="lt1"/>
+          </a:fontRef>
+        </p:style>
+        <p:txBody>
+          <a:bodyPr rtlCol="0" anchor="ctr"/>
+          <a:lstStyle/>
+          <a:p>
+            <a:pPr algn="ctr"/>
+            <a:endParaRPr lang="zh-HK" altLang="en-US">
+              <a:solidFill>
+                <a:schemeClr val="tx1"/>
+              </a:solidFill>
+            </a:endParaRPr>
           </a:p>
         </p:txBody>
       </p:sp>
     </p:spTree>
+    <p:extLst>
+      <p:ext uri="{BB962C8B-B14F-4D97-AF65-F5344CB8AC3E}">
+        <p14:creationId xmlns:p14="http://schemas.microsoft.com/office/powerpoint/2010/main" val="123972503"/>
+      </p:ext>
+    </p:extLst>
   </p:cSld>
   <p:clrMapOvr>
     <a:masterClrMapping/>
   </p:clrMapOvr>
-  <mc:AlternateContent xmlns:mc="http://schemas.openxmlformats.org/markup-compatibility/2006" xmlns:p14="http://schemas.microsoft.com/office/powerpoint/2010/main">
-    <mc:Choice Requires="p14">
-      <p:transition spd="slow" p14:dur="3900">
-        <p14:glitter pattern="hexagon"/>
-      </p:transition>
-    </mc:Choice>
-    <mc:Fallback xmlns="">
-      <p:transition spd="slow">
-        <p:fade/>
-      </p:transition>
-    </mc:Fallback>
-  </mc:AlternateContent>
-  <p:timing>
-    <p:tnLst>
-      <p:par>
-        <p:cTn id="1" dur="indefinite" restart="never" nodeType="tmRoot"/>
-      </p:par>
-    </p:tnLst>
-  </p:timing>
 </p:sld>
 </file>
 
@@ -21443,7 +22264,7 @@
       </p:grpSpPr>
       <p:sp>
         <p:nvSpPr>
-          <p:cNvPr id="139266" name="Rectangle 2"/>
+          <p:cNvPr id="157698" name="Rectangle 2"/>
           <p:cNvSpPr>
             <a:spLocks noGrp="1" noChangeArrowheads="1"/>
           </p:cNvSpPr>
@@ -21458,44 +22279,145 @@
           <a:p>
             <a:r>
               <a:rPr lang="en-US" altLang="zh-TW" smtClean="0"/>
-              <a:t>Variable I</a:t>
+              <a:t>Functions</a:t>
+            </a:r>
+          </a:p>
+        </p:txBody>
+      </p:sp>
+      <p:sp>
+        <p:nvSpPr>
+          <p:cNvPr id="44035" name="Rectangle 3"/>
+          <p:cNvSpPr>
+            <a:spLocks noGrp="1" noChangeArrowheads="1"/>
+          </p:cNvSpPr>
+          <p:nvPr>
+            <p:ph idx="1"/>
+          </p:nvPr>
+        </p:nvSpPr>
+        <p:spPr/>
+        <p:txBody>
+          <a:bodyPr>
+            <a:normAutofit lnSpcReduction="10000"/>
+          </a:bodyPr>
+          <a:lstStyle/>
+          <a:p>
+            <a:r>
+              <a:rPr lang="en-US" altLang="zh-TW" dirty="0" smtClean="0"/>
+              <a:t>echo date(</a:t>
+            </a:r>
+            <a:r>
+              <a:rPr lang="mr-IN" altLang="zh-TW" dirty="0" smtClean="0"/>
+              <a:t>"</a:t>
+            </a:r>
+            <a:r>
+              <a:rPr lang="en-US" altLang="zh-TW" dirty="0" err="1" smtClean="0"/>
+              <a:t>H:i</a:t>
+            </a:r>
+            <a:r>
+              <a:rPr lang="en-US" altLang="zh-TW" dirty="0" smtClean="0"/>
+              <a:t>, </a:t>
+            </a:r>
+            <a:r>
+              <a:rPr lang="en-US" altLang="zh-TW" dirty="0" err="1" smtClean="0"/>
+              <a:t>jS</a:t>
+            </a:r>
+            <a:r>
+              <a:rPr lang="en-US" altLang="zh-TW" dirty="0" smtClean="0"/>
+              <a:t> F</a:t>
+            </a:r>
+            <a:r>
+              <a:rPr lang="mr-IN" altLang="zh-TW" dirty="0" smtClean="0"/>
+              <a:t>"</a:t>
+            </a:r>
+            <a:r>
+              <a:rPr lang="en-US" altLang="zh-TW" dirty="0" smtClean="0"/>
+              <a:t>);</a:t>
+            </a:r>
+          </a:p>
+          <a:p>
+            <a:r>
+              <a:rPr lang="en-US" altLang="zh-TW" dirty="0" smtClean="0"/>
+              <a:t>echo date(</a:t>
+            </a:r>
+            <a:r>
+              <a:rPr lang="mr-IN" altLang="zh-TW" dirty="0" smtClean="0"/>
+              <a:t>"</a:t>
+            </a:r>
+            <a:r>
+              <a:rPr lang="en-US" altLang="zh-TW" dirty="0" smtClean="0"/>
+              <a:t>l </a:t>
+            </a:r>
+            <a:r>
+              <a:rPr lang="en-US" altLang="zh-TW" dirty="0" err="1" smtClean="0"/>
+              <a:t>dS</a:t>
+            </a:r>
+            <a:r>
+              <a:rPr lang="en-US" altLang="zh-TW" dirty="0" smtClean="0"/>
+              <a:t> \of F Y h:i:s A</a:t>
+            </a:r>
+            <a:r>
+              <a:rPr lang="mr-IN" altLang="zh-TW" dirty="0" smtClean="0"/>
+              <a:t>"</a:t>
+            </a:r>
+            <a:r>
+              <a:rPr lang="en-US" altLang="zh-TW" dirty="0" smtClean="0"/>
+              <a:t>);</a:t>
+            </a:r>
+          </a:p>
+          <a:p>
+            <a:r>
+              <a:rPr lang="en-US" altLang="zh-TW" dirty="0" smtClean="0"/>
+              <a:t>Case sensitive</a:t>
+            </a:r>
+          </a:p>
+          <a:p>
+            <a:r>
+              <a:rPr lang="en-US" altLang="zh-TW" dirty="0" err="1" smtClean="0"/>
+              <a:t>date.php</a:t>
             </a:r>
             <a:endParaRPr lang="en-US" altLang="zh-TW" dirty="0" smtClean="0"/>
           </a:p>
-        </p:txBody>
-      </p:sp>
-      <p:sp>
-        <p:nvSpPr>
-          <p:cNvPr id="47107" name="Rectangle 3"/>
-          <p:cNvSpPr>
-            <a:spLocks noGrp="1" noChangeArrowheads="1"/>
-          </p:cNvSpPr>
-          <p:nvPr>
-            <p:ph idx="1"/>
-          </p:nvPr>
-        </p:nvSpPr>
-        <p:spPr/>
-        <p:txBody>
-          <a:bodyPr/>
-          <a:lstStyle/>
-          <a:p>
-            <a:r>
-              <a:rPr lang="en-US" altLang="zh-TW" smtClean="0"/>
-              <a:t>Each variable start with a dollar sign ($)</a:t>
-            </a:r>
-          </a:p>
-          <a:p>
-            <a:r>
-              <a:rPr lang="en-US" altLang="zh-TW" smtClean="0"/>
-              <a:t>PHP is case sensitive $car&lt;&gt;$Car</a:t>
-            </a:r>
-          </a:p>
-          <a:p>
-            <a:r>
-              <a:rPr lang="en-US" altLang="zh-TW" smtClean="0"/>
-              <a:t>Hello.php</a:t>
-            </a:r>
-            <a:endParaRPr lang="en-US" altLang="zh-TW" dirty="0" smtClean="0"/>
+          <a:p>
+            <a:r>
+              <a:rPr lang="en-US" altLang="zh-TW" dirty="0" err="1" smtClean="0"/>
+              <a:t>gmdate</a:t>
+            </a:r>
+            <a:r>
+              <a:rPr lang="en-US" altLang="zh-TW" dirty="0" smtClean="0"/>
+              <a:t>('</a:t>
+            </a:r>
+            <a:r>
+              <a:rPr lang="en-US" altLang="zh-TW" dirty="0" err="1" smtClean="0"/>
+              <a:t>H:i:s</a:t>
+            </a:r>
+            <a:r>
+              <a:rPr lang="en-US" altLang="zh-TW" dirty="0" smtClean="0"/>
+              <a:t>', time()+8*3600);</a:t>
+            </a:r>
+          </a:p>
+          <a:p>
+            <a:r>
+              <a:rPr lang="en-US" altLang="zh-TW" dirty="0" err="1" smtClean="0"/>
+              <a:t>date_default_timezone_set</a:t>
+            </a:r>
+            <a:r>
+              <a:rPr lang="en-US" altLang="zh-TW" dirty="0" smtClean="0"/>
+              <a:t>('Asia/</a:t>
+            </a:r>
+            <a:r>
+              <a:rPr lang="en-US" altLang="zh-TW" dirty="0" err="1" smtClean="0"/>
+              <a:t>Hong_Kong</a:t>
+            </a:r>
+            <a:r>
+              <a:rPr lang="en-US" altLang="zh-TW" dirty="0" smtClean="0"/>
+              <a:t>');</a:t>
+            </a:r>
+          </a:p>
+          <a:p>
+            <a:r>
+              <a:rPr lang="en-US" altLang="zh-TW" dirty="0" smtClean="0"/>
+              <a:t>http://hk2.php.net/manual/en/function.date.php</a:t>
+            </a:r>
           </a:p>
         </p:txBody>
       </p:sp>
@@ -21545,9 +22467,9 @@
       </p:grpSpPr>
       <p:sp>
         <p:nvSpPr>
-          <p:cNvPr id="154626" name="Rectangle 2"/>
-          <p:cNvSpPr>
-            <a:spLocks noGrp="1" noChangeArrowheads="1"/>
+          <p:cNvPr id="2" name="Title 1"/>
+          <p:cNvSpPr>
+            <a:spLocks noGrp="1"/>
           </p:cNvSpPr>
           <p:nvPr>
             <p:ph type="title"/>
@@ -21559,18 +22481,18 @@
           <a:lstStyle/>
           <a:p>
             <a:r>
-              <a:rPr lang="en-US" altLang="zh-TW" smtClean="0"/>
-              <a:t>Variable II</a:t>
-            </a:r>
-            <a:endParaRPr lang="en-US" altLang="zh-TW" dirty="0" smtClean="0"/>
-          </a:p>
-        </p:txBody>
-      </p:sp>
-      <p:sp>
-        <p:nvSpPr>
-          <p:cNvPr id="48131" name="Rectangle 3"/>
-          <p:cNvSpPr>
-            <a:spLocks noGrp="1" noChangeArrowheads="1"/>
+              <a:rPr lang="en-US" dirty="0" smtClean="0"/>
+              <a:t>Classwork</a:t>
+            </a:r>
+            <a:endParaRPr lang="en-US" dirty="0"/>
+          </a:p>
+        </p:txBody>
+      </p:sp>
+      <p:sp>
+        <p:nvSpPr>
+          <p:cNvPr id="43011" name="Content Placeholder 2"/>
+          <p:cNvSpPr>
+            <a:spLocks noGrp="1"/>
           </p:cNvSpPr>
           <p:nvPr>
             <p:ph idx="1"/>
@@ -21578,154 +22500,81 @@
         </p:nvSpPr>
         <p:spPr/>
         <p:txBody>
-          <a:bodyPr>
-            <a:normAutofit lnSpcReduction="10000"/>
-          </a:bodyPr>
+          <a:bodyPr/>
           <a:lstStyle/>
           <a:p>
             <a:r>
-              <a:rPr lang="mr-IN" altLang="zh-TW" dirty="0" smtClean="0"/>
+              <a:rPr lang="en-US" altLang="zh-TW" dirty="0"/>
+              <a:t>Open </a:t>
+            </a:r>
+            <a:r>
+              <a:rPr lang="en-US" altLang="zh-TW" dirty="0" err="1"/>
+              <a:t>birthday.php</a:t>
+            </a:r>
+            <a:endParaRPr lang="en-US" altLang="zh-TW" dirty="0"/>
+          </a:p>
+          <a:p>
+            <a:r>
+              <a:rPr lang="en-US" altLang="zh-TW" dirty="0"/>
+              <a:t>Echo your birthday as </a:t>
+            </a:r>
+            <a:r>
+              <a:rPr lang="en-US" altLang="zh-TW" b="1" dirty="0"/>
+              <a:t>YYYYMMDD</a:t>
+            </a:r>
+            <a:r>
+              <a:rPr lang="en-US" altLang="zh-TW" dirty="0"/>
+              <a:t> format.</a:t>
+            </a:r>
+          </a:p>
+          <a:p>
+            <a:r>
+              <a:rPr lang="en-US" altLang="zh-TW" dirty="0"/>
+              <a:t>EG. (31-Dec-2000)  echo </a:t>
+            </a:r>
+            <a:r>
+              <a:rPr lang="mr-IN" altLang="zh-TW" dirty="0"/>
+              <a:t>”</a:t>
+            </a:r>
+            <a:r>
+              <a:rPr lang="en-US" altLang="zh-TW" dirty="0"/>
+              <a:t>20001231</a:t>
+            </a:r>
+            <a:r>
+              <a:rPr lang="mr-IN" altLang="zh-TW" dirty="0"/>
               <a:t>"</a:t>
             </a:r>
             <a:r>
-              <a:rPr lang="zh-TW" altLang="en-US" dirty="0" smtClean="0"/>
-              <a:t>\</a:t>
-            </a:r>
-            <a:r>
-              <a:rPr lang="mr-IN" altLang="zh-TW" dirty="0" smtClean="0"/>
+              <a:rPr lang="en-US" altLang="zh-TW" dirty="0"/>
+              <a:t>;</a:t>
+            </a:r>
+          </a:p>
+          <a:p>
+            <a:r>
+              <a:rPr lang="en-US" altLang="zh-TW" dirty="0"/>
+              <a:t>Echo today date as YYYYMMDD format</a:t>
+            </a:r>
+          </a:p>
+          <a:p>
+            <a:r>
+              <a:rPr lang="en-US" altLang="zh-TW" dirty="0"/>
+              <a:t>EG. echo date(</a:t>
+            </a:r>
+            <a:r>
+              <a:rPr lang="mr-IN" altLang="zh-TW" dirty="0"/>
               <a:t>"</a:t>
             </a:r>
             <a:r>
-              <a:rPr lang="zh-TW" altLang="en-US" dirty="0" smtClean="0"/>
-              <a:t> </a:t>
-            </a:r>
-            <a:r>
-              <a:rPr lang="en-US" altLang="zh-TW" dirty="0" smtClean="0"/>
-              <a:t>is used for special command or character</a:t>
-            </a:r>
-          </a:p>
-          <a:p>
-            <a:r>
-              <a:rPr lang="mr-IN" altLang="zh-TW" dirty="0" smtClean="0"/>
+              <a:rPr lang="en-US" altLang="zh-TW" dirty="0"/>
+              <a:t>xxx</a:t>
+            </a:r>
+            <a:r>
+              <a:rPr lang="mr-IN" altLang="zh-TW" dirty="0"/>
               <a:t>"</a:t>
             </a:r>
             <a:r>
-              <a:rPr lang="en-US" altLang="zh-TW" dirty="0" smtClean="0"/>
-              <a:t> \n </a:t>
-            </a:r>
-            <a:r>
-              <a:rPr lang="mr-IN" altLang="zh-TW" dirty="0" smtClean="0"/>
-              <a:t>"</a:t>
-            </a:r>
-            <a:r>
-              <a:rPr lang="en-US" altLang="zh-TW" dirty="0" smtClean="0"/>
-              <a:t> is next line in email, same as &lt;</a:t>
-            </a:r>
-            <a:r>
-              <a:rPr lang="en-US" altLang="zh-TW" dirty="0" err="1" smtClean="0"/>
-              <a:t>br</a:t>
-            </a:r>
-            <a:r>
-              <a:rPr lang="en-US" altLang="zh-TW" dirty="0" smtClean="0"/>
-              <a:t>&gt; in html</a:t>
-            </a:r>
-          </a:p>
-          <a:p>
-            <a:r>
-              <a:rPr lang="mr-IN" altLang="zh-TW" dirty="0" smtClean="0"/>
-              <a:t>"</a:t>
-            </a:r>
-            <a:r>
-              <a:rPr lang="en-US" altLang="zh-TW" dirty="0" smtClean="0"/>
-              <a:t> \r </a:t>
-            </a:r>
-            <a:r>
-              <a:rPr lang="mr-IN" altLang="zh-TW" dirty="0" smtClean="0"/>
-              <a:t>"</a:t>
-            </a:r>
-            <a:r>
-              <a:rPr lang="en-US" altLang="zh-TW" dirty="0" smtClean="0"/>
-              <a:t> = carriage return</a:t>
-            </a:r>
-          </a:p>
-          <a:p>
-            <a:r>
-              <a:rPr lang="mr-IN" altLang="zh-TW" dirty="0" smtClean="0"/>
-              <a:t>"</a:t>
-            </a:r>
-            <a:r>
-              <a:rPr lang="en-US" altLang="zh-TW" dirty="0" smtClean="0"/>
-              <a:t> \t </a:t>
-            </a:r>
-            <a:r>
-              <a:rPr lang="mr-IN" altLang="zh-TW" dirty="0" smtClean="0"/>
-              <a:t>"</a:t>
-            </a:r>
-            <a:r>
-              <a:rPr lang="en-US" altLang="zh-TW" dirty="0" smtClean="0"/>
-              <a:t> = tab</a:t>
-            </a:r>
-          </a:p>
-          <a:p>
-            <a:r>
-              <a:rPr lang="mr-IN" altLang="zh-TW" dirty="0" smtClean="0"/>
-              <a:t>"</a:t>
-            </a:r>
-            <a:r>
-              <a:rPr lang="en-US" altLang="zh-TW" dirty="0" smtClean="0"/>
-              <a:t> \$ </a:t>
-            </a:r>
-            <a:r>
-              <a:rPr lang="mr-IN" altLang="zh-TW" dirty="0" smtClean="0"/>
-              <a:t>"</a:t>
-            </a:r>
-            <a:r>
-              <a:rPr lang="en-US" altLang="zh-TW" dirty="0" smtClean="0"/>
-              <a:t> is printing the $ sign</a:t>
-            </a:r>
-          </a:p>
-          <a:p>
-            <a:r>
-              <a:rPr lang="mr-IN" altLang="zh-TW" dirty="0" smtClean="0"/>
-              <a:t>"</a:t>
-            </a:r>
-            <a:r>
-              <a:rPr lang="en-US" altLang="zh-TW" dirty="0" smtClean="0"/>
-              <a:t> \\ </a:t>
-            </a:r>
-            <a:r>
-              <a:rPr lang="mr-IN" altLang="zh-TW" dirty="0" smtClean="0"/>
-              <a:t>"</a:t>
-            </a:r>
-            <a:r>
-              <a:rPr lang="en-US" altLang="zh-TW" dirty="0" smtClean="0"/>
-              <a:t> is printing the \ sign</a:t>
-            </a:r>
-          </a:p>
-          <a:p>
-            <a:r>
-              <a:rPr lang="mr-IN" altLang="zh-TW" dirty="0" smtClean="0"/>
-              <a:t>"</a:t>
-            </a:r>
-            <a:r>
-              <a:rPr lang="en-US" altLang="zh-TW" dirty="0" smtClean="0"/>
-              <a:t> \</a:t>
-            </a:r>
-            <a:r>
-              <a:rPr lang="mr-IN" altLang="zh-TW" dirty="0" smtClean="0"/>
-              <a:t>"</a:t>
-            </a:r>
-            <a:r>
-              <a:rPr lang="en-US" altLang="zh-TW" dirty="0" smtClean="0"/>
-              <a:t> </a:t>
-            </a:r>
-            <a:r>
-              <a:rPr lang="mr-IN" altLang="zh-TW" dirty="0" smtClean="0"/>
-              <a:t>"</a:t>
-            </a:r>
-            <a:r>
-              <a:rPr lang="en-US" altLang="zh-TW" dirty="0" smtClean="0"/>
-              <a:t> = ?</a:t>
+              <a:rPr lang="en-US" altLang="zh-TW" dirty="0"/>
+              <a:t>);</a:t>
             </a:r>
           </a:p>
         </p:txBody>
@@ -21776,7 +22625,7 @@
       </p:grpSpPr>
       <p:sp>
         <p:nvSpPr>
-          <p:cNvPr id="163842" name="Rectangle 2050"/>
+          <p:cNvPr id="171010" name="Rectangle 2"/>
           <p:cNvSpPr>
             <a:spLocks noGrp="1" noChangeArrowheads="1"/>
           </p:cNvSpPr>
@@ -21791,70 +22640,105 @@
           <a:p>
             <a:r>
               <a:rPr lang="en-US" altLang="zh-TW" smtClean="0"/>
-              <a:t>Variable III</a:t>
+              <a:t>Functions</a:t>
+            </a:r>
+          </a:p>
+        </p:txBody>
+      </p:sp>
+      <p:sp>
+        <p:nvSpPr>
+          <p:cNvPr id="46083" name="Rectangle 3"/>
+          <p:cNvSpPr>
+            <a:spLocks noGrp="1" noChangeArrowheads="1"/>
+          </p:cNvSpPr>
+          <p:nvPr>
+            <p:ph idx="1"/>
+          </p:nvPr>
+        </p:nvSpPr>
+        <p:spPr/>
+        <p:txBody>
+          <a:bodyPr>
+            <a:normAutofit fontScale="92500" lnSpcReduction="20000"/>
+          </a:bodyPr>
+          <a:lstStyle/>
+          <a:p>
+            <a:r>
+              <a:rPr lang="en-US" altLang="zh-TW" smtClean="0"/>
+              <a:t>Find an integer of a decimal number</a:t>
+            </a:r>
+          </a:p>
+          <a:p>
+            <a:r>
+              <a:rPr lang="en-US" altLang="zh-TW" smtClean="0"/>
+              <a:t>echo round(3.4);</a:t>
+            </a:r>
+          </a:p>
+          <a:p>
+            <a:r>
+              <a:rPr lang="en-US" altLang="zh-TW" smtClean="0"/>
+              <a:t>echo round(3.5);</a:t>
+            </a:r>
+          </a:p>
+          <a:p>
+            <a:r>
+              <a:rPr lang="en-US" altLang="zh-TW" smtClean="0"/>
+              <a:t>echo floor(3.4); </a:t>
+            </a:r>
+          </a:p>
+          <a:p>
+            <a:r>
+              <a:rPr lang="en-US" altLang="zh-TW" smtClean="0"/>
+              <a:t>echo floor(3.5);</a:t>
+            </a:r>
+          </a:p>
+          <a:p>
+            <a:r>
+              <a:rPr lang="en-US" altLang="zh-TW" smtClean="0"/>
+              <a:t>roundFloor.php</a:t>
+            </a:r>
+          </a:p>
+          <a:p>
+            <a:endParaRPr lang="en-US" altLang="zh-TW" smtClean="0"/>
+          </a:p>
+          <a:p>
+            <a:r>
+              <a:rPr lang="en-US" altLang="zh-TW" smtClean="0"/>
+              <a:t>Q: How to find the next integer value?</a:t>
             </a:r>
             <a:endParaRPr lang="en-US" altLang="zh-TW" dirty="0" smtClean="0"/>
           </a:p>
         </p:txBody>
       </p:sp>
-      <p:sp>
-        <p:nvSpPr>
-          <p:cNvPr id="49155" name="Rectangle 2051"/>
-          <p:cNvSpPr>
-            <a:spLocks noGrp="1" noChangeArrowheads="1"/>
-          </p:cNvSpPr>
-          <p:nvPr>
-            <p:ph idx="1"/>
-          </p:nvPr>
-        </p:nvSpPr>
-        <p:spPr/>
-        <p:txBody>
-          <a:bodyPr/>
-          <a:lstStyle/>
-          <a:p>
-            <a:r>
-              <a:rPr lang="en-US" altLang="zh-TW" dirty="0" smtClean="0"/>
-              <a:t>Examples of valid variables names are: $total, $_cell1, $</a:t>
-            </a:r>
-            <a:r>
-              <a:rPr lang="en-US" altLang="zh-TW" dirty="0" err="1" smtClean="0"/>
-              <a:t>length_of_string</a:t>
-            </a:r>
-            <a:endParaRPr lang="en-US" altLang="zh-TW" dirty="0" smtClean="0"/>
-          </a:p>
-          <a:p>
-            <a:r>
-              <a:rPr lang="en-US" altLang="zh-TW" dirty="0" smtClean="0"/>
-              <a:t>Examples of invalid variables names are: $1_total, $2_length, $!total </a:t>
-            </a:r>
-          </a:p>
-          <a:p>
-            <a:r>
-              <a:rPr lang="en-US" altLang="zh-TW" dirty="0" smtClean="0"/>
-              <a:t>$</a:t>
-            </a:r>
-            <a:r>
-              <a:rPr lang="en-US" altLang="zh-TW" dirty="0" err="1" smtClean="0"/>
-              <a:t>oneTwoThreeFour</a:t>
-            </a:r>
-            <a:endParaRPr lang="en-US" altLang="zh-TW" dirty="0" smtClean="0"/>
-          </a:p>
-          <a:p>
-            <a:r>
-              <a:rPr lang="en-US" altLang="zh-TW" dirty="0" smtClean="0"/>
-              <a:t>$</a:t>
-            </a:r>
-            <a:r>
-              <a:rPr lang="en-US" altLang="zh-TW" dirty="0" err="1" smtClean="0"/>
-              <a:t>thisIsVariable</a:t>
-            </a:r>
-            <a:endParaRPr lang="en-US" altLang="zh-TW" dirty="0" smtClean="0"/>
-          </a:p>
-          <a:p>
-            <a:endParaRPr lang="en-US" altLang="zh-TW" dirty="0" smtClean="0"/>
-          </a:p>
-        </p:txBody>
-      </p:sp>
+      <p:pic>
+        <p:nvPicPr>
+          <p:cNvPr id="4" name="圖片 1"/>
+          <p:cNvPicPr>
+            <a:picLocks noChangeAspect="1"/>
+          </p:cNvPicPr>
+          <p:nvPr/>
+        </p:nvPicPr>
+        <p:blipFill>
+          <a:blip r:embed="rId3">
+            <a:extLst>
+              <a:ext uri="{28A0092B-C50C-407E-A947-70E740481C1C}">
+                <a14:useLocalDpi xmlns:a14="http://schemas.microsoft.com/office/drawing/2010/main" val="0"/>
+              </a:ext>
+            </a:extLst>
+          </a:blip>
+          <a:stretch>
+            <a:fillRect/>
+          </a:stretch>
+        </p:blipFill>
+        <p:spPr>
+          <a:xfrm>
+            <a:off x="6516216" y="4725144"/>
+            <a:ext cx="1849388" cy="1849388"/>
+          </a:xfrm>
+          <a:prstGeom prst="rect">
+            <a:avLst/>
+          </a:prstGeom>
+        </p:spPr>
+      </p:pic>
     </p:spTree>
   </p:cSld>
   <p:clrMapOvr>
@@ -21960,7 +22844,7 @@
       </p:grpSpPr>
       <p:sp>
         <p:nvSpPr>
-          <p:cNvPr id="141314" name="Rectangle 2"/>
+          <p:cNvPr id="139266" name="Rectangle 2"/>
           <p:cNvSpPr>
             <a:spLocks noGrp="1" noChangeArrowheads="1"/>
           </p:cNvSpPr>
@@ -21975,14 +22859,15 @@
           <a:p>
             <a:r>
               <a:rPr lang="en-US" altLang="zh-TW" smtClean="0"/>
-              <a:t>Variable Types</a:t>
-            </a:r>
-          </a:p>
-        </p:txBody>
-      </p:sp>
-      <p:sp>
-        <p:nvSpPr>
-          <p:cNvPr id="50179" name="Rectangle 3"/>
+              <a:t>Variable I</a:t>
+            </a:r>
+            <a:endParaRPr lang="en-US" altLang="zh-TW" dirty="0" smtClean="0"/>
+          </a:p>
+        </p:txBody>
+      </p:sp>
+      <p:sp>
+        <p:nvSpPr>
+          <p:cNvPr id="47107" name="Rectangle 3"/>
           <p:cNvSpPr>
             <a:spLocks noGrp="1" noChangeArrowheads="1"/>
           </p:cNvSpPr>
@@ -21992,172 +22877,59 @@
         </p:nvSpPr>
         <p:spPr/>
         <p:txBody>
-          <a:bodyPr>
-            <a:normAutofit lnSpcReduction="10000"/>
-          </a:bodyPr>
+          <a:bodyPr/>
           <a:lstStyle/>
           <a:p>
             <a:r>
-              <a:rPr lang="en-US" altLang="zh-TW" dirty="0" smtClean="0"/>
-              <a:t>Integer – whole number, </a:t>
-            </a:r>
-            <a:r>
-              <a:rPr lang="mr-IN" altLang="zh-TW" dirty="0" smtClean="0"/>
-              <a:t>"</a:t>
-            </a:r>
-            <a:r>
-              <a:rPr lang="en-US" altLang="zh-TW" dirty="0" smtClean="0"/>
-              <a:t>1</a:t>
-            </a:r>
-            <a:r>
-              <a:rPr lang="mr-IN" altLang="zh-TW" dirty="0" smtClean="0"/>
-              <a:t>"</a:t>
+              <a:rPr lang="en-US" altLang="zh-TW" smtClean="0"/>
+              <a:t>Each variable start with a dollar sign ($)</a:t>
+            </a:r>
+          </a:p>
+          <a:p>
+            <a:r>
+              <a:rPr lang="en-US" altLang="zh-TW" smtClean="0"/>
+              <a:t>PHP is case sensitive $car&lt;&gt;$Car</a:t>
+            </a:r>
+          </a:p>
+          <a:p>
+            <a:r>
+              <a:rPr lang="en-US" altLang="zh-TW" smtClean="0"/>
+              <a:t>Hello.php</a:t>
             </a:r>
             <a:endParaRPr lang="en-US" altLang="zh-TW" dirty="0" smtClean="0"/>
           </a:p>
-          <a:p>
-            <a:r>
-              <a:rPr lang="en-US" altLang="zh-TW" dirty="0" smtClean="0"/>
-              <a:t>Double – real number, </a:t>
-            </a:r>
-            <a:r>
-              <a:rPr lang="mr-IN" altLang="zh-TW" dirty="0" smtClean="0"/>
-              <a:t>"</a:t>
-            </a:r>
-            <a:r>
-              <a:rPr lang="en-US" altLang="zh-TW" dirty="0" smtClean="0"/>
-              <a:t>1.00</a:t>
-            </a:r>
-            <a:r>
-              <a:rPr lang="mr-IN" altLang="zh-TW" dirty="0" smtClean="0"/>
-              <a:t>"</a:t>
-            </a:r>
-            <a:endParaRPr lang="en-US" altLang="zh-TW" dirty="0" smtClean="0"/>
-          </a:p>
-          <a:p>
-            <a:r>
-              <a:rPr lang="en-US" altLang="zh-TW" dirty="0" smtClean="0"/>
-              <a:t>Character – </a:t>
-            </a:r>
-            <a:r>
-              <a:rPr lang="mr-IN" altLang="zh-TW" dirty="0" smtClean="0"/>
-              <a:t>"</a:t>
-            </a:r>
-            <a:r>
-              <a:rPr lang="en-US" altLang="zh-TW" dirty="0" smtClean="0"/>
-              <a:t>A</a:t>
-            </a:r>
-            <a:r>
-              <a:rPr lang="mr-IN" altLang="zh-TW" dirty="0" smtClean="0"/>
-              <a:t>"</a:t>
-            </a:r>
-            <a:r>
-              <a:rPr lang="en-US" altLang="zh-TW" dirty="0" smtClean="0"/>
-              <a:t>, </a:t>
-            </a:r>
-            <a:r>
-              <a:rPr lang="mr-IN" altLang="zh-TW" dirty="0" smtClean="0"/>
-              <a:t>"</a:t>
-            </a:r>
-            <a:r>
-              <a:rPr lang="en-US" altLang="zh-TW" dirty="0" smtClean="0"/>
-              <a:t>B</a:t>
-            </a:r>
-            <a:r>
-              <a:rPr lang="mr-IN" altLang="zh-TW" dirty="0" smtClean="0"/>
-              <a:t>"</a:t>
-            </a:r>
-            <a:r>
-              <a:rPr lang="en-US" altLang="zh-TW" dirty="0" smtClean="0"/>
-              <a:t> .. </a:t>
-            </a:r>
-            <a:r>
-              <a:rPr lang="mr-IN" altLang="zh-TW" dirty="0" smtClean="0"/>
-              <a:t>"</a:t>
-            </a:r>
-            <a:r>
-              <a:rPr lang="en-US" altLang="zh-TW" dirty="0" smtClean="0"/>
-              <a:t>z</a:t>
-            </a:r>
-            <a:r>
-              <a:rPr lang="mr-IN" altLang="zh-TW" dirty="0" smtClean="0"/>
-              <a:t>"</a:t>
-            </a:r>
-            <a:endParaRPr lang="en-US" altLang="zh-TW" dirty="0" smtClean="0"/>
-          </a:p>
-          <a:p>
-            <a:r>
-              <a:rPr lang="en-US" altLang="zh-TW" dirty="0" smtClean="0"/>
-              <a:t>String – strings of characters, </a:t>
-            </a:r>
-            <a:r>
-              <a:rPr lang="mr-IN" altLang="zh-TW" dirty="0" smtClean="0"/>
-              <a:t>"</a:t>
-            </a:r>
-            <a:r>
-              <a:rPr lang="en-US" altLang="zh-TW" dirty="0" smtClean="0"/>
-              <a:t>Hello</a:t>
-            </a:r>
-            <a:r>
-              <a:rPr lang="mr-IN" altLang="zh-TW" dirty="0" smtClean="0"/>
-              <a:t>"</a:t>
-            </a:r>
-            <a:endParaRPr lang="en-US" altLang="zh-TW" dirty="0" smtClean="0"/>
-          </a:p>
-          <a:p>
-            <a:r>
-              <a:rPr lang="en-US" altLang="zh-TW" dirty="0" smtClean="0"/>
-              <a:t>Boolean – true or false, 1 or 0</a:t>
-            </a:r>
-          </a:p>
-          <a:p>
-            <a:r>
-              <a:rPr lang="en-US" altLang="zh-TW" dirty="0" smtClean="0"/>
-              <a:t>Array – multiple data types items, </a:t>
-            </a:r>
-            <a:r>
-              <a:rPr lang="mr-IN" altLang="zh-TW" dirty="0" smtClean="0"/>
-              <a:t>"</a:t>
-            </a:r>
-            <a:r>
-              <a:rPr lang="en-US" altLang="zh-TW" dirty="0" smtClean="0"/>
-              <a:t>$car[I]</a:t>
-            </a:r>
-            <a:r>
-              <a:rPr lang="mr-IN" altLang="zh-TW" dirty="0" smtClean="0"/>
-              <a:t>"</a:t>
-            </a:r>
-            <a:r>
-              <a:rPr lang="en-US" altLang="zh-TW" dirty="0" smtClean="0"/>
-              <a:t>, </a:t>
-            </a:r>
-            <a:r>
-              <a:rPr lang="en-US" altLang="zh-TW" dirty="0" err="1" smtClean="0"/>
-              <a:t>array.php</a:t>
-            </a:r>
-            <a:endParaRPr lang="en-US" altLang="zh-TW" dirty="0" smtClean="0"/>
-          </a:p>
-          <a:p>
-            <a:r>
-              <a:rPr lang="en-US" altLang="zh-TW" dirty="0" smtClean="0"/>
-              <a:t>Object – instances of classes, </a:t>
-            </a:r>
-            <a:r>
-              <a:rPr lang="mr-IN" altLang="zh-TW" dirty="0" smtClean="0"/>
-              <a:t>"</a:t>
-            </a:r>
-            <a:r>
-              <a:rPr lang="en-US" altLang="zh-TW" dirty="0" smtClean="0"/>
-              <a:t>$car-&gt;tire=good</a:t>
-            </a:r>
-            <a:r>
-              <a:rPr lang="mr-IN" altLang="zh-TW" dirty="0" smtClean="0"/>
-              <a:t>"</a:t>
-            </a:r>
-            <a:endParaRPr lang="en-US" altLang="zh-TW" dirty="0" smtClean="0"/>
-          </a:p>
-        </p:txBody>
-      </p:sp>
+        </p:txBody>
+      </p:sp>
+      <p:pic>
+        <p:nvPicPr>
+          <p:cNvPr id="4" name="圖片 1"/>
+          <p:cNvPicPr>
+            <a:picLocks noChangeAspect="1"/>
+          </p:cNvPicPr>
+          <p:nvPr/>
+        </p:nvPicPr>
+        <p:blipFill>
+          <a:blip r:embed="rId3" cstate="print">
+            <a:extLst>
+              <a:ext uri="{28A0092B-C50C-407E-A947-70E740481C1C}">
+                <a14:useLocalDpi xmlns:a14="http://schemas.microsoft.com/office/drawing/2010/main" val="0"/>
+              </a:ext>
+            </a:extLst>
+          </a:blip>
+          <a:stretch>
+            <a:fillRect/>
+          </a:stretch>
+        </p:blipFill>
+        <p:spPr>
+          <a:xfrm>
+            <a:off x="7175622" y="3574831"/>
+            <a:ext cx="1517154" cy="1517154"/>
+          </a:xfrm>
+          <a:prstGeom prst="rect">
+            <a:avLst/>
+          </a:prstGeom>
+        </p:spPr>
+      </p:pic>
     </p:spTree>
   </p:cSld>
   <p:clrMapOvr>
@@ -22204,9 +22976,9 @@
       </p:grpSpPr>
       <p:sp>
         <p:nvSpPr>
-          <p:cNvPr id="2" name="Title 1"/>
-          <p:cNvSpPr>
-            <a:spLocks noGrp="1"/>
+          <p:cNvPr id="154626" name="Rectangle 2"/>
+          <p:cNvSpPr>
+            <a:spLocks noGrp="1" noChangeArrowheads="1"/>
           </p:cNvSpPr>
           <p:nvPr>
             <p:ph type="title"/>
@@ -22218,18 +22990,18 @@
           <a:lstStyle/>
           <a:p>
             <a:r>
-              <a:rPr lang="en-US" dirty="0" smtClean="0"/>
-              <a:t>Classwork</a:t>
-            </a:r>
-            <a:endParaRPr lang="en-US" dirty="0"/>
-          </a:p>
-        </p:txBody>
-      </p:sp>
-      <p:sp>
-        <p:nvSpPr>
-          <p:cNvPr id="51203" name="Content Placeholder 2"/>
-          <p:cNvSpPr>
-            <a:spLocks noGrp="1"/>
+              <a:rPr lang="en-US" altLang="zh-TW" smtClean="0"/>
+              <a:t>Variable II</a:t>
+            </a:r>
+            <a:endParaRPr lang="en-US" altLang="zh-TW" dirty="0" smtClean="0"/>
+          </a:p>
+        </p:txBody>
+      </p:sp>
+      <p:sp>
+        <p:nvSpPr>
+          <p:cNvPr id="48131" name="Rectangle 3"/>
+          <p:cNvSpPr>
+            <a:spLocks noGrp="1" noChangeArrowheads="1"/>
           </p:cNvSpPr>
           <p:nvPr>
             <p:ph idx="1"/>
@@ -22237,38 +23009,155 @@
         </p:nvSpPr>
         <p:spPr/>
         <p:txBody>
-          <a:bodyPr/>
+          <a:bodyPr>
+            <a:normAutofit lnSpcReduction="10000"/>
+          </a:bodyPr>
           <a:lstStyle/>
           <a:p>
             <a:r>
-              <a:rPr lang="en-US" altLang="zh-TW" smtClean="0"/>
-              <a:t>Open birthday.php</a:t>
-            </a:r>
-          </a:p>
-          <a:p>
-            <a:r>
-              <a:rPr lang="en-US" altLang="zh-TW" smtClean="0"/>
-              <a:t>Store your name in variable $name</a:t>
-            </a:r>
-          </a:p>
-          <a:p>
-            <a:r>
-              <a:rPr lang="en-US" altLang="zh-TW" smtClean="0"/>
-              <a:t>Store your birth year in $birthday</a:t>
-            </a:r>
-          </a:p>
-          <a:p>
-            <a:r>
-              <a:rPr lang="en-US" altLang="zh-TW" smtClean="0"/>
-              <a:t>Store today date  in $today</a:t>
-            </a:r>
-          </a:p>
-          <a:p>
-            <a:r>
-              <a:rPr lang="en-US" altLang="zh-TW" smtClean="0"/>
-              <a:t>Echo the value in the variables so people can see your name and date of birth in the web page.</a:t>
-            </a:r>
-            <a:endParaRPr lang="en-US" altLang="zh-TW" dirty="0" smtClean="0"/>
+              <a:rPr lang="mr-IN" altLang="zh-TW" dirty="0" smtClean="0"/>
+              <a:t>"</a:t>
+            </a:r>
+            <a:r>
+              <a:rPr lang="zh-TW" altLang="en-US" dirty="0" smtClean="0"/>
+              <a:t>\</a:t>
+            </a:r>
+            <a:r>
+              <a:rPr lang="mr-IN" altLang="zh-TW" dirty="0" smtClean="0"/>
+              <a:t>"</a:t>
+            </a:r>
+            <a:r>
+              <a:rPr lang="zh-TW" altLang="en-US" dirty="0" smtClean="0"/>
+              <a:t> </a:t>
+            </a:r>
+            <a:r>
+              <a:rPr lang="en-US" altLang="zh-TW" dirty="0" smtClean="0"/>
+              <a:t>is used for special command or character</a:t>
+            </a:r>
+          </a:p>
+          <a:p>
+            <a:r>
+              <a:rPr lang="mr-IN" altLang="zh-TW" dirty="0" smtClean="0"/>
+              <a:t>"</a:t>
+            </a:r>
+            <a:r>
+              <a:rPr lang="en-US" altLang="zh-TW" dirty="0" smtClean="0"/>
+              <a:t> \n </a:t>
+            </a:r>
+            <a:r>
+              <a:rPr lang="mr-IN" altLang="zh-TW" dirty="0" smtClean="0"/>
+              <a:t>"</a:t>
+            </a:r>
+            <a:r>
+              <a:rPr lang="en-US" altLang="zh-TW" dirty="0" smtClean="0"/>
+              <a:t> is next line in email, same as &lt;</a:t>
+            </a:r>
+            <a:r>
+              <a:rPr lang="en-US" altLang="zh-TW" dirty="0" err="1" smtClean="0"/>
+              <a:t>br</a:t>
+            </a:r>
+            <a:r>
+              <a:rPr lang="en-US" altLang="zh-TW" dirty="0" smtClean="0"/>
+              <a:t>&gt; in html</a:t>
+            </a:r>
+          </a:p>
+          <a:p>
+            <a:r>
+              <a:rPr lang="mr-IN" altLang="zh-TW" dirty="0" smtClean="0"/>
+              <a:t>"</a:t>
+            </a:r>
+            <a:r>
+              <a:rPr lang="en-US" altLang="zh-TW" dirty="0" smtClean="0"/>
+              <a:t> \r </a:t>
+            </a:r>
+            <a:r>
+              <a:rPr lang="mr-IN" altLang="zh-TW" dirty="0" smtClean="0"/>
+              <a:t>"</a:t>
+            </a:r>
+            <a:r>
+              <a:rPr lang="en-US" altLang="zh-TW" dirty="0" smtClean="0"/>
+              <a:t> = carriage return</a:t>
+            </a:r>
+          </a:p>
+          <a:p>
+            <a:r>
+              <a:rPr lang="mr-IN" altLang="zh-TW" dirty="0" smtClean="0"/>
+              <a:t>"</a:t>
+            </a:r>
+            <a:r>
+              <a:rPr lang="en-US" altLang="zh-TW" dirty="0" smtClean="0"/>
+              <a:t> \t </a:t>
+            </a:r>
+            <a:r>
+              <a:rPr lang="mr-IN" altLang="zh-TW" dirty="0" smtClean="0"/>
+              <a:t>"</a:t>
+            </a:r>
+            <a:r>
+              <a:rPr lang="en-US" altLang="zh-TW" dirty="0" smtClean="0"/>
+              <a:t> = tab</a:t>
+            </a:r>
+          </a:p>
+          <a:p>
+            <a:r>
+              <a:rPr lang="mr-IN" altLang="zh-TW" dirty="0" smtClean="0"/>
+              <a:t>"</a:t>
+            </a:r>
+            <a:r>
+              <a:rPr lang="en-US" altLang="zh-TW" dirty="0" smtClean="0"/>
+              <a:t> \$ </a:t>
+            </a:r>
+            <a:r>
+              <a:rPr lang="mr-IN" altLang="zh-TW" dirty="0" smtClean="0"/>
+              <a:t>"</a:t>
+            </a:r>
+            <a:r>
+              <a:rPr lang="en-US" altLang="zh-TW" dirty="0" smtClean="0"/>
+              <a:t> is printing the $ sign</a:t>
+            </a:r>
+          </a:p>
+          <a:p>
+            <a:r>
+              <a:rPr lang="mr-IN" altLang="zh-TW" dirty="0" smtClean="0"/>
+              <a:t>"</a:t>
+            </a:r>
+            <a:r>
+              <a:rPr lang="en-US" altLang="zh-TW" dirty="0" smtClean="0"/>
+              <a:t> \\ </a:t>
+            </a:r>
+            <a:r>
+              <a:rPr lang="mr-IN" altLang="zh-TW" dirty="0" smtClean="0"/>
+              <a:t>"</a:t>
+            </a:r>
+            <a:r>
+              <a:rPr lang="en-US" altLang="zh-TW" dirty="0" smtClean="0"/>
+              <a:t> is printing the \ sign</a:t>
+            </a:r>
+          </a:p>
+          <a:p>
+            <a:r>
+              <a:rPr lang="mr-IN" altLang="zh-TW" dirty="0" smtClean="0"/>
+              <a:t>"</a:t>
+            </a:r>
+            <a:r>
+              <a:rPr lang="en-US" altLang="zh-TW" dirty="0" smtClean="0"/>
+              <a:t> \</a:t>
+            </a:r>
+            <a:r>
+              <a:rPr lang="mr-IN" altLang="zh-TW" dirty="0" smtClean="0"/>
+              <a:t>"</a:t>
+            </a:r>
+            <a:r>
+              <a:rPr lang="en-US" altLang="zh-TW" dirty="0" smtClean="0"/>
+              <a:t> </a:t>
+            </a:r>
+            <a:r>
+              <a:rPr lang="mr-IN" altLang="zh-TW" dirty="0" smtClean="0"/>
+              <a:t>"</a:t>
+            </a:r>
+            <a:r>
+              <a:rPr lang="en-US" altLang="zh-TW" dirty="0" smtClean="0"/>
+              <a:t> = ?</a:t>
+            </a:r>
           </a:p>
         </p:txBody>
       </p:sp>
@@ -22318,7 +23207,7 @@
       </p:grpSpPr>
       <p:sp>
         <p:nvSpPr>
-          <p:cNvPr id="144386" name="Rectangle 2"/>
+          <p:cNvPr id="163842" name="Rectangle 2050"/>
           <p:cNvSpPr>
             <a:spLocks noGrp="1" noChangeArrowheads="1"/>
           </p:cNvSpPr>
@@ -22333,14 +23222,15 @@
           <a:p>
             <a:r>
               <a:rPr lang="en-US" altLang="zh-TW" smtClean="0"/>
-              <a:t>Operands I</a:t>
-            </a:r>
-          </a:p>
-        </p:txBody>
-      </p:sp>
-      <p:sp>
-        <p:nvSpPr>
-          <p:cNvPr id="52227" name="Rectangle 3"/>
+              <a:t>Variable III</a:t>
+            </a:r>
+            <a:endParaRPr lang="en-US" altLang="zh-TW" dirty="0" smtClean="0"/>
+          </a:p>
+        </p:txBody>
+      </p:sp>
+      <p:sp>
+        <p:nvSpPr>
+          <p:cNvPr id="49155" name="Rectangle 2051"/>
           <p:cNvSpPr>
             <a:spLocks noGrp="1" noChangeArrowheads="1"/>
           </p:cNvSpPr>
@@ -22350,85 +23240,48 @@
         </p:nvSpPr>
         <p:spPr/>
         <p:txBody>
-          <a:bodyPr>
-            <a:normAutofit fontScale="92500" lnSpcReduction="20000"/>
-          </a:bodyPr>
+          <a:bodyPr/>
           <a:lstStyle/>
           <a:p>
             <a:r>
-              <a:rPr lang="zh-TW" altLang="en-US" smtClean="0"/>
-              <a:t>+, -, *, /, %</a:t>
-            </a:r>
-          </a:p>
-          <a:p>
-            <a:r>
-              <a:rPr lang="zh-TW" altLang="en-US" smtClean="0"/>
+              <a:rPr lang="en-US" altLang="zh-TW" dirty="0" smtClean="0"/>
+              <a:t>Examples of valid variables names are: $total, $_cell1, $</a:t>
+            </a:r>
+            <a:r>
+              <a:rPr lang="en-US" altLang="zh-TW" dirty="0" err="1" smtClean="0"/>
+              <a:t>length_of_string</a:t>
+            </a:r>
+            <a:endParaRPr lang="en-US" altLang="zh-TW" dirty="0" smtClean="0"/>
+          </a:p>
+          <a:p>
+            <a:r>
+              <a:rPr lang="en-US" altLang="zh-TW" dirty="0" smtClean="0"/>
+              <a:t>Examples of invalid variables names are: $1_total, $2_length, $!total </a:t>
+            </a:r>
+          </a:p>
+          <a:p>
+            <a:r>
+              <a:rPr lang="en-US" altLang="zh-TW" dirty="0" smtClean="0"/>
               <a:t>$</a:t>
             </a:r>
             <a:r>
-              <a:rPr lang="en-US" altLang="zh-TW" smtClean="0"/>
-              <a:t>a=7; $b=3;</a:t>
-            </a:r>
-          </a:p>
-          <a:p>
-            <a:r>
-              <a:rPr lang="en-US" altLang="zh-TW" smtClean="0"/>
-              <a:t>$sum=$a+$b;</a:t>
-            </a:r>
-          </a:p>
-          <a:p>
-            <a:r>
-              <a:rPr lang="en-US" altLang="zh-TW" smtClean="0"/>
+              <a:rPr lang="en-US" altLang="zh-TW" dirty="0" err="1" smtClean="0"/>
+              <a:t>oneTwoThreeFour</a:t>
+            </a:r>
+            <a:endParaRPr lang="en-US" altLang="zh-TW" dirty="0" smtClean="0"/>
+          </a:p>
+          <a:p>
+            <a:r>
+              <a:rPr lang="en-US" altLang="zh-TW" dirty="0" smtClean="0"/>
               <a:t>$</a:t>
             </a:r>
             <a:r>
-              <a:rPr lang="en-US" smtClean="0"/>
-              <a:t>difference</a:t>
-            </a:r>
-            <a:r>
-              <a:rPr lang="en-US" altLang="zh-TW" smtClean="0"/>
-              <a:t>=$a-$b;</a:t>
-            </a:r>
-          </a:p>
-          <a:p>
-            <a:r>
-              <a:rPr lang="en-US" altLang="zh-TW" smtClean="0"/>
-              <a:t>$</a:t>
-            </a:r>
-            <a:r>
-              <a:rPr lang="en-US" smtClean="0"/>
-              <a:t>product</a:t>
-            </a:r>
-            <a:r>
-              <a:rPr lang="en-US" altLang="zh-TW" smtClean="0"/>
-              <a:t>=$a*$b;</a:t>
-            </a:r>
-          </a:p>
-          <a:p>
-            <a:r>
-              <a:rPr lang="en-US" altLang="zh-TW" smtClean="0"/>
-              <a:t>$</a:t>
-            </a:r>
-            <a:r>
-              <a:rPr lang="en-US" smtClean="0"/>
-              <a:t>quotient</a:t>
-            </a:r>
-            <a:r>
-              <a:rPr lang="en-US" altLang="zh-TW" smtClean="0"/>
-              <a:t>=$a/$b;</a:t>
-            </a:r>
-          </a:p>
-          <a:p>
-            <a:r>
-              <a:rPr lang="en-US" altLang="zh-TW" smtClean="0"/>
-              <a:t>$mod=$a%$b;</a:t>
-            </a:r>
-          </a:p>
-          <a:p>
-            <a:r>
-              <a:rPr lang="en-US" altLang="zh-TW" smtClean="0"/>
-              <a:t>operand.php</a:t>
-            </a:r>
+              <a:rPr lang="en-US" altLang="zh-TW" dirty="0" err="1" smtClean="0"/>
+              <a:t>thisIsVariable</a:t>
+            </a:r>
+            <a:endParaRPr lang="en-US" altLang="zh-TW" dirty="0" smtClean="0"/>
+          </a:p>
+          <a:p>
             <a:endParaRPr lang="en-US" altLang="zh-TW" dirty="0" smtClean="0"/>
           </a:p>
         </p:txBody>
@@ -22479,7 +23332,7 @@
       </p:grpSpPr>
       <p:sp>
         <p:nvSpPr>
-          <p:cNvPr id="145410" name="Rectangle 2"/>
+          <p:cNvPr id="141314" name="Rectangle 2"/>
           <p:cNvSpPr>
             <a:spLocks noGrp="1" noChangeArrowheads="1"/>
           </p:cNvSpPr>
@@ -22494,14 +23347,14 @@
           <a:p>
             <a:r>
               <a:rPr lang="en-US" altLang="zh-TW" smtClean="0"/>
-              <a:t>Errors</a:t>
-            </a:r>
-          </a:p>
-        </p:txBody>
-      </p:sp>
-      <p:sp>
-        <p:nvSpPr>
-          <p:cNvPr id="53251" name="Rectangle 3"/>
+              <a:t>Variable Types</a:t>
+            </a:r>
+          </a:p>
+        </p:txBody>
+      </p:sp>
+      <p:sp>
+        <p:nvSpPr>
+          <p:cNvPr id="50179" name="Rectangle 3"/>
           <p:cNvSpPr>
             <a:spLocks noGrp="1" noChangeArrowheads="1"/>
           </p:cNvSpPr>
@@ -22511,19 +23364,169 @@
         </p:nvSpPr>
         <p:spPr/>
         <p:txBody>
-          <a:bodyPr/>
+          <a:bodyPr>
+            <a:normAutofit lnSpcReduction="10000"/>
+          </a:bodyPr>
           <a:lstStyle/>
           <a:p>
             <a:r>
-              <a:rPr lang="en-US" altLang="zh-TW" smtClean="0"/>
-              <a:t>Errors will be shown in the page with line number</a:t>
-            </a:r>
-          </a:p>
-          <a:p>
-            <a:r>
-              <a:rPr lang="en-US" altLang="zh-TW" smtClean="0"/>
-              <a:t>Ctrl+G to go the line</a:t>
-            </a:r>
+              <a:rPr lang="en-US" altLang="zh-TW" dirty="0" smtClean="0"/>
+              <a:t>Integer – whole number, </a:t>
+            </a:r>
+            <a:r>
+              <a:rPr lang="mr-IN" altLang="zh-TW" dirty="0" smtClean="0"/>
+              <a:t>"</a:t>
+            </a:r>
+            <a:r>
+              <a:rPr lang="en-US" altLang="zh-TW" dirty="0" smtClean="0"/>
+              <a:t>1</a:t>
+            </a:r>
+            <a:r>
+              <a:rPr lang="mr-IN" altLang="zh-TW" dirty="0" smtClean="0"/>
+              <a:t>"</a:t>
+            </a:r>
+            <a:endParaRPr lang="en-US" altLang="zh-TW" dirty="0" smtClean="0"/>
+          </a:p>
+          <a:p>
+            <a:r>
+              <a:rPr lang="en-US" altLang="zh-TW" dirty="0" smtClean="0"/>
+              <a:t>Double – real number, </a:t>
+            </a:r>
+            <a:r>
+              <a:rPr lang="mr-IN" altLang="zh-TW" dirty="0" smtClean="0"/>
+              <a:t>"</a:t>
+            </a:r>
+            <a:r>
+              <a:rPr lang="en-US" altLang="zh-TW" dirty="0" smtClean="0"/>
+              <a:t>1.00</a:t>
+            </a:r>
+            <a:r>
+              <a:rPr lang="mr-IN" altLang="zh-TW" dirty="0" smtClean="0"/>
+              <a:t>"</a:t>
+            </a:r>
+            <a:endParaRPr lang="en-US" altLang="zh-TW" dirty="0" smtClean="0"/>
+          </a:p>
+          <a:p>
+            <a:r>
+              <a:rPr lang="en-US" altLang="zh-TW" dirty="0" smtClean="0"/>
+              <a:t>Character – </a:t>
+            </a:r>
+            <a:r>
+              <a:rPr lang="mr-IN" altLang="zh-TW" dirty="0" smtClean="0"/>
+              <a:t>"</a:t>
+            </a:r>
+            <a:r>
+              <a:rPr lang="en-US" altLang="zh-TW" dirty="0" smtClean="0"/>
+              <a:t>A</a:t>
+            </a:r>
+            <a:r>
+              <a:rPr lang="mr-IN" altLang="zh-TW" dirty="0" smtClean="0"/>
+              <a:t>"</a:t>
+            </a:r>
+            <a:r>
+              <a:rPr lang="en-US" altLang="zh-TW" dirty="0" smtClean="0"/>
+              <a:t>, </a:t>
+            </a:r>
+            <a:r>
+              <a:rPr lang="mr-IN" altLang="zh-TW" dirty="0" smtClean="0"/>
+              <a:t>"</a:t>
+            </a:r>
+            <a:r>
+              <a:rPr lang="en-US" altLang="zh-TW" dirty="0" smtClean="0"/>
+              <a:t>B</a:t>
+            </a:r>
+            <a:r>
+              <a:rPr lang="mr-IN" altLang="zh-TW" dirty="0" smtClean="0"/>
+              <a:t>"</a:t>
+            </a:r>
+            <a:r>
+              <a:rPr lang="en-US" altLang="zh-TW" dirty="0" smtClean="0"/>
+              <a:t> .. </a:t>
+            </a:r>
+            <a:r>
+              <a:rPr lang="mr-IN" altLang="zh-TW" dirty="0" smtClean="0"/>
+              <a:t>"</a:t>
+            </a:r>
+            <a:r>
+              <a:rPr lang="en-US" altLang="zh-TW" dirty="0" smtClean="0"/>
+              <a:t>z</a:t>
+            </a:r>
+            <a:r>
+              <a:rPr lang="mr-IN" altLang="zh-TW" dirty="0" smtClean="0"/>
+              <a:t>"</a:t>
+            </a:r>
+            <a:endParaRPr lang="en-US" altLang="zh-TW" dirty="0" smtClean="0"/>
+          </a:p>
+          <a:p>
+            <a:r>
+              <a:rPr lang="en-US" altLang="zh-TW" dirty="0" smtClean="0"/>
+              <a:t>String – strings of characters, </a:t>
+            </a:r>
+            <a:r>
+              <a:rPr lang="mr-IN" altLang="zh-TW" dirty="0" smtClean="0"/>
+              <a:t>"</a:t>
+            </a:r>
+            <a:r>
+              <a:rPr lang="en-US" altLang="zh-TW" dirty="0" smtClean="0"/>
+              <a:t>Hello</a:t>
+            </a:r>
+            <a:r>
+              <a:rPr lang="mr-IN" altLang="zh-TW" dirty="0" smtClean="0"/>
+              <a:t>"</a:t>
+            </a:r>
+            <a:endParaRPr lang="en-US" altLang="zh-TW" dirty="0" smtClean="0"/>
+          </a:p>
+          <a:p>
+            <a:r>
+              <a:rPr lang="en-US" altLang="zh-TW" dirty="0" smtClean="0"/>
+              <a:t>Boolean – true or false, 1 or 0</a:t>
+            </a:r>
+          </a:p>
+          <a:p>
+            <a:r>
+              <a:rPr lang="en-US" altLang="zh-TW" dirty="0" smtClean="0"/>
+              <a:t>Array – multiple data types items, </a:t>
+            </a:r>
+            <a:r>
+              <a:rPr lang="mr-IN" altLang="zh-TW" dirty="0" smtClean="0"/>
+              <a:t>"</a:t>
+            </a:r>
+            <a:r>
+              <a:rPr lang="en-US" altLang="zh-TW" dirty="0" smtClean="0"/>
+              <a:t>$car[I]</a:t>
+            </a:r>
+            <a:r>
+              <a:rPr lang="mr-IN" altLang="zh-TW" dirty="0" smtClean="0"/>
+              <a:t>"</a:t>
+            </a:r>
+            <a:r>
+              <a:rPr lang="en-US" altLang="zh-TW" dirty="0" smtClean="0"/>
+              <a:t>, </a:t>
+            </a:r>
+            <a:r>
+              <a:rPr lang="en-US" altLang="zh-TW" dirty="0" err="1" smtClean="0"/>
+              <a:t>array.php</a:t>
+            </a:r>
+            <a:endParaRPr lang="en-US" altLang="zh-TW" dirty="0" smtClean="0"/>
+          </a:p>
+          <a:p>
+            <a:r>
+              <a:rPr lang="en-US" altLang="zh-TW" dirty="0" smtClean="0"/>
+              <a:t>Object – instances of classes, </a:t>
+            </a:r>
+            <a:r>
+              <a:rPr lang="mr-IN" altLang="zh-TW" dirty="0" smtClean="0"/>
+              <a:t>"</a:t>
+            </a:r>
+            <a:r>
+              <a:rPr lang="en-US" altLang="zh-TW" dirty="0" smtClean="0"/>
+              <a:t>$car-&gt;tire=good</a:t>
+            </a:r>
+            <a:r>
+              <a:rPr lang="mr-IN" altLang="zh-TW" dirty="0" smtClean="0"/>
+              <a:t>"</a:t>
+            </a:r>
+            <a:endParaRPr lang="en-US" altLang="zh-TW" dirty="0" smtClean="0"/>
           </a:p>
         </p:txBody>
       </p:sp>
@@ -22573,9 +23576,9 @@
       </p:grpSpPr>
       <p:sp>
         <p:nvSpPr>
-          <p:cNvPr id="165890" name="Rectangle 2"/>
-          <p:cNvSpPr>
-            <a:spLocks noGrp="1" noChangeArrowheads="1"/>
+          <p:cNvPr id="2" name="Title 1"/>
+          <p:cNvSpPr>
+            <a:spLocks noGrp="1"/>
           </p:cNvSpPr>
           <p:nvPr>
             <p:ph type="title"/>
@@ -22587,17 +23590,18 @@
           <a:lstStyle/>
           <a:p>
             <a:r>
-              <a:rPr lang="en-US" altLang="zh-TW" smtClean="0"/>
-              <a:t>Debug</a:t>
-            </a:r>
-          </a:p>
-        </p:txBody>
-      </p:sp>
-      <p:sp>
-        <p:nvSpPr>
-          <p:cNvPr id="54275" name="Rectangle 3"/>
-          <p:cNvSpPr>
-            <a:spLocks noGrp="1" noChangeArrowheads="1"/>
+              <a:rPr lang="en-US" dirty="0" smtClean="0"/>
+              <a:t>Classwork</a:t>
+            </a:r>
+            <a:endParaRPr lang="en-US" dirty="0"/>
+          </a:p>
+        </p:txBody>
+      </p:sp>
+      <p:sp>
+        <p:nvSpPr>
+          <p:cNvPr id="51203" name="Content Placeholder 2"/>
+          <p:cNvSpPr>
+            <a:spLocks noGrp="1"/>
           </p:cNvSpPr>
           <p:nvPr>
             <p:ph idx="1"/>
@@ -22609,14 +23613,49 @@
           <a:lstStyle/>
           <a:p>
             <a:r>
-              <a:rPr lang="en-US" altLang="zh-TW" smtClean="0"/>
-              <a:t>Ctrl+backspace - Delete a word on the left</a:t>
-            </a:r>
-          </a:p>
-          <a:p>
-            <a:r>
-              <a:rPr lang="en-US" altLang="zh-TW" smtClean="0"/>
-              <a:t>Ctrl+Delete - Delete a word on the right</a:t>
+              <a:rPr lang="en-US" altLang="zh-TW" dirty="0" smtClean="0"/>
+              <a:t>Open </a:t>
+            </a:r>
+            <a:r>
+              <a:rPr lang="en-US" altLang="zh-TW" dirty="0" err="1" smtClean="0"/>
+              <a:t>birthday.php</a:t>
+            </a:r>
+            <a:endParaRPr lang="en-US" altLang="zh-TW" dirty="0" smtClean="0"/>
+          </a:p>
+          <a:p>
+            <a:r>
+              <a:rPr lang="en-US" altLang="zh-TW" dirty="0" smtClean="0"/>
+              <a:t>Store your name in variable </a:t>
+            </a:r>
+            <a:r>
+              <a:rPr lang="en-US" altLang="zh-TW" b="1" dirty="0" smtClean="0"/>
+              <a:t>$name</a:t>
+            </a:r>
+          </a:p>
+          <a:p>
+            <a:r>
+              <a:rPr lang="en-US" altLang="zh-TW" dirty="0" smtClean="0"/>
+              <a:t>Store your birth year in </a:t>
+            </a:r>
+            <a:r>
+              <a:rPr lang="en-US" altLang="zh-TW" b="1" dirty="0" smtClean="0"/>
+              <a:t>$birthday</a:t>
+            </a:r>
+          </a:p>
+          <a:p>
+            <a:r>
+              <a:rPr lang="en-US" altLang="zh-TW" dirty="0" smtClean="0"/>
+              <a:t>Store today date  in </a:t>
+            </a:r>
+            <a:r>
+              <a:rPr lang="en-US" altLang="zh-TW" b="1" dirty="0" smtClean="0"/>
+              <a:t>$today</a:t>
+            </a:r>
+          </a:p>
+          <a:p>
+            <a:r>
+              <a:rPr lang="en-US" altLang="zh-TW" dirty="0" smtClean="0"/>
+              <a:t>Echo the value in the variables so people can see your name and date of birth in the web page.</a:t>
             </a:r>
           </a:p>
         </p:txBody>
@@ -22667,9 +23706,9 @@
       </p:grpSpPr>
       <p:sp>
         <p:nvSpPr>
-          <p:cNvPr id="2" name="Title 1"/>
-          <p:cNvSpPr>
-            <a:spLocks noGrp="1"/>
+          <p:cNvPr id="144386" name="Rectangle 2"/>
+          <p:cNvSpPr>
+            <a:spLocks noGrp="1" noChangeArrowheads="1"/>
           </p:cNvSpPr>
           <p:nvPr>
             <p:ph type="title"/>
@@ -22681,250 +23720,104 @@
           <a:lstStyle/>
           <a:p>
             <a:r>
+              <a:rPr lang="en-US" altLang="zh-TW" smtClean="0"/>
+              <a:t>Operands I</a:t>
+            </a:r>
+          </a:p>
+        </p:txBody>
+      </p:sp>
+      <p:sp>
+        <p:nvSpPr>
+          <p:cNvPr id="52227" name="Rectangle 3"/>
+          <p:cNvSpPr>
+            <a:spLocks noGrp="1" noChangeArrowheads="1"/>
+          </p:cNvSpPr>
+          <p:nvPr>
+            <p:ph idx="1"/>
+          </p:nvPr>
+        </p:nvSpPr>
+        <p:spPr/>
+        <p:txBody>
+          <a:bodyPr>
+            <a:normAutofit fontScale="92500" lnSpcReduction="20000"/>
+          </a:bodyPr>
+          <a:lstStyle/>
+          <a:p>
+            <a:r>
+              <a:rPr lang="zh-TW" altLang="en-US" smtClean="0"/>
+              <a:t>+, -, *, /, %</a:t>
+            </a:r>
+          </a:p>
+          <a:p>
+            <a:r>
+              <a:rPr lang="zh-TW" altLang="en-US" smtClean="0"/>
+              <a:t>$</a:t>
+            </a:r>
+            <a:r>
+              <a:rPr lang="en-US" altLang="zh-TW" smtClean="0"/>
+              <a:t>a=7; $b=3;</a:t>
+            </a:r>
+          </a:p>
+          <a:p>
+            <a:r>
+              <a:rPr lang="en-US" altLang="zh-TW" smtClean="0"/>
+              <a:t>$sum=$a+$b;</a:t>
+            </a:r>
+          </a:p>
+          <a:p>
+            <a:r>
+              <a:rPr lang="en-US" altLang="zh-TW" smtClean="0"/>
+              <a:t>$</a:t>
+            </a:r>
+            <a:r>
               <a:rPr lang="en-US" smtClean="0"/>
-              <a:t>Exercise</a:t>
-            </a:r>
-            <a:endParaRPr lang="en-US" dirty="0"/>
-          </a:p>
-        </p:txBody>
-      </p:sp>
-      <p:sp>
-        <p:nvSpPr>
-          <p:cNvPr id="55299" name="Content Placeholder 2"/>
-          <p:cNvSpPr>
-            <a:spLocks noGrp="1"/>
-          </p:cNvSpPr>
-          <p:nvPr>
-            <p:ph idx="1"/>
-          </p:nvPr>
-        </p:nvSpPr>
-        <p:spPr/>
-        <p:txBody>
-          <a:bodyPr/>
-          <a:lstStyle/>
-          <a:p>
-            <a:r>
-              <a:rPr lang="en-US" altLang="zh-TW" dirty="0" smtClean="0"/>
-              <a:t>Find out your age</a:t>
-            </a:r>
-          </a:p>
-          <a:p>
-            <a:r>
-              <a:rPr lang="en-US" altLang="zh-TW" dirty="0" smtClean="0"/>
-              <a:t>Age = this year – your birth year</a:t>
-            </a:r>
-          </a:p>
-          <a:p>
-            <a:r>
-              <a:rPr lang="en-US" altLang="zh-TW" dirty="0" smtClean="0"/>
-              <a:t>Use date function to find out this year in the format (</a:t>
-            </a:r>
-            <a:r>
-              <a:rPr lang="en-US" altLang="zh-TW" dirty="0" err="1" smtClean="0"/>
-              <a:t>yyyy</a:t>
-            </a:r>
-            <a:r>
-              <a:rPr lang="en-US" altLang="zh-TW" dirty="0" smtClean="0"/>
-              <a:t>).  EG. 2017</a:t>
-            </a:r>
-          </a:p>
-          <a:p>
-            <a:r>
-              <a:rPr lang="en-US" altLang="zh-TW" dirty="0" smtClean="0"/>
-              <a:t>Calculate your age.</a:t>
-            </a:r>
-          </a:p>
-          <a:p>
-            <a:r>
-              <a:rPr lang="en-US" altLang="zh-TW" dirty="0" smtClean="0"/>
-              <a:t>Display your age.</a:t>
-            </a:r>
-          </a:p>
-        </p:txBody>
-      </p:sp>
-      <p:sp>
-        <p:nvSpPr>
-          <p:cNvPr id="4" name="文字方塊 4"/>
-          <p:cNvSpPr txBox="1">
-            <a:spLocks noChangeArrowheads="1"/>
-          </p:cNvSpPr>
-          <p:nvPr/>
-        </p:nvSpPr>
-        <p:spPr bwMode="auto">
-          <a:xfrm>
-            <a:off x="5602592" y="4358741"/>
-            <a:ext cx="3071813" cy="2308225"/>
-          </a:xfrm>
-          <a:prstGeom prst="rect">
-            <a:avLst/>
-          </a:prstGeom>
-          <a:noFill/>
-          <a:ln>
-            <a:noFill/>
-          </a:ln>
-          <a:extLst>
-            <a:ext uri="{909E8E84-426E-40DD-AFC4-6F175D3DCCD1}">
-              <a14:hiddenFill xmlns:a14="http://schemas.microsoft.com/office/drawing/2010/main">
-                <a:solidFill>
-                  <a:srgbClr val="FFFFFF"/>
-                </a:solidFill>
-              </a14:hiddenFill>
-            </a:ext>
-            <a:ext uri="{91240B29-F687-4F45-9708-019B960494DF}">
-              <a14:hiddenLine xmlns:a14="http://schemas.microsoft.com/office/drawing/2010/main" w="9525">
-                <a:solidFill>
-                  <a:srgbClr val="000000"/>
-                </a:solidFill>
-                <a:miter lim="800000"/>
-                <a:headEnd/>
-                <a:tailEnd/>
-              </a14:hiddenLine>
-            </a:ext>
-          </a:extLst>
-        </p:spPr>
-        <p:txBody>
-          <a:bodyPr>
-            <a:spAutoFit/>
-          </a:bodyPr>
-          <a:lstStyle>
-            <a:lvl1pPr eaLnBrk="0" hangingPunct="0">
-              <a:defRPr sz="2400">
-                <a:solidFill>
-                  <a:schemeClr val="tx1"/>
-                </a:solidFill>
-                <a:latin typeface="Times New Roman" pitchFamily="18" charset="0"/>
-              </a:defRPr>
-            </a:lvl1pPr>
-            <a:lvl2pPr marL="742950" indent="-285750" eaLnBrk="0" hangingPunct="0">
-              <a:defRPr sz="2400">
-                <a:solidFill>
-                  <a:schemeClr val="tx1"/>
-                </a:solidFill>
-                <a:latin typeface="Times New Roman" pitchFamily="18" charset="0"/>
-              </a:defRPr>
-            </a:lvl2pPr>
-            <a:lvl3pPr marL="1143000" indent="-228600" eaLnBrk="0" hangingPunct="0">
-              <a:defRPr sz="2400">
-                <a:solidFill>
-                  <a:schemeClr val="tx1"/>
-                </a:solidFill>
-                <a:latin typeface="Times New Roman" pitchFamily="18" charset="0"/>
-              </a:defRPr>
-            </a:lvl3pPr>
-            <a:lvl4pPr marL="1600200" indent="-228600" eaLnBrk="0" hangingPunct="0">
-              <a:defRPr sz="2400">
-                <a:solidFill>
-                  <a:schemeClr val="tx1"/>
-                </a:solidFill>
-                <a:latin typeface="Times New Roman" pitchFamily="18" charset="0"/>
-              </a:defRPr>
-            </a:lvl4pPr>
-            <a:lvl5pPr marL="2057400" indent="-228600" eaLnBrk="0" hangingPunct="0">
-              <a:defRPr sz="2400">
-                <a:solidFill>
-                  <a:schemeClr val="tx1"/>
-                </a:solidFill>
-                <a:latin typeface="Times New Roman" pitchFamily="18" charset="0"/>
-              </a:defRPr>
-            </a:lvl5pPr>
-            <a:lvl6pPr marL="2514600" indent="-228600" eaLnBrk="0" fontAlgn="base" hangingPunct="0">
-              <a:spcBef>
-                <a:spcPct val="0"/>
-              </a:spcBef>
-              <a:spcAft>
-                <a:spcPct val="0"/>
-              </a:spcAft>
-              <a:defRPr sz="2400">
-                <a:solidFill>
-                  <a:schemeClr val="tx1"/>
-                </a:solidFill>
-                <a:latin typeface="Times New Roman" pitchFamily="18" charset="0"/>
-              </a:defRPr>
-            </a:lvl6pPr>
-            <a:lvl7pPr marL="2971800" indent="-228600" eaLnBrk="0" fontAlgn="base" hangingPunct="0">
-              <a:spcBef>
-                <a:spcPct val="0"/>
-              </a:spcBef>
-              <a:spcAft>
-                <a:spcPct val="0"/>
-              </a:spcAft>
-              <a:defRPr sz="2400">
-                <a:solidFill>
-                  <a:schemeClr val="tx1"/>
-                </a:solidFill>
-                <a:latin typeface="Times New Roman" pitchFamily="18" charset="0"/>
-              </a:defRPr>
-            </a:lvl7pPr>
-            <a:lvl8pPr marL="3429000" indent="-228600" eaLnBrk="0" fontAlgn="base" hangingPunct="0">
-              <a:spcBef>
-                <a:spcPct val="0"/>
-              </a:spcBef>
-              <a:spcAft>
-                <a:spcPct val="0"/>
-              </a:spcAft>
-              <a:defRPr sz="2400">
-                <a:solidFill>
-                  <a:schemeClr val="tx1"/>
-                </a:solidFill>
-                <a:latin typeface="Times New Roman" pitchFamily="18" charset="0"/>
-              </a:defRPr>
-            </a:lvl8pPr>
-            <a:lvl9pPr marL="3886200" indent="-228600" eaLnBrk="0" fontAlgn="base" hangingPunct="0">
-              <a:spcBef>
-                <a:spcPct val="0"/>
-              </a:spcBef>
-              <a:spcAft>
-                <a:spcPct val="0"/>
-              </a:spcAft>
-              <a:defRPr sz="2400">
-                <a:solidFill>
-                  <a:schemeClr val="tx1"/>
-                </a:solidFill>
-                <a:latin typeface="Times New Roman" pitchFamily="18" charset="0"/>
-              </a:defRPr>
-            </a:lvl9pPr>
-          </a:lstStyle>
-          <a:p>
-            <a:pPr algn="r" eaLnBrk="1" hangingPunct="1"/>
-            <a:r>
-              <a:rPr lang="en-US" altLang="zh-TW" sz="3600" dirty="0" smtClean="0">
-                <a:ea typeface="新細明體" pitchFamily="18" charset="-120"/>
-              </a:rPr>
-              <a:t>2017</a:t>
-            </a:r>
-            <a:endParaRPr lang="en-US" altLang="zh-TW" sz="3600" dirty="0">
-              <a:ea typeface="新細明體" pitchFamily="18" charset="-120"/>
-            </a:endParaRPr>
-          </a:p>
-          <a:p>
-            <a:pPr algn="r" eaLnBrk="1" hangingPunct="1"/>
-            <a:r>
-              <a:rPr lang="en-US" altLang="zh-TW" sz="3600" u="sng" dirty="0" smtClean="0">
-                <a:ea typeface="新細明體" pitchFamily="18" charset="-120"/>
-              </a:rPr>
-              <a:t>-2000</a:t>
-            </a:r>
-            <a:endParaRPr lang="en-US" altLang="zh-TW" sz="3600" u="sng" dirty="0">
-              <a:ea typeface="新細明體" pitchFamily="18" charset="-120"/>
-            </a:endParaRPr>
-          </a:p>
-          <a:p>
-            <a:pPr algn="r" eaLnBrk="1" hangingPunct="1"/>
-            <a:r>
-              <a:rPr lang="en-US" altLang="zh-TW" sz="3600" dirty="0" smtClean="0">
-                <a:ea typeface="新細明體" pitchFamily="18" charset="-120"/>
-              </a:rPr>
-              <a:t>17</a:t>
-            </a:r>
-            <a:endParaRPr lang="en-US" altLang="zh-TW" sz="3600" dirty="0">
-              <a:ea typeface="新細明體" pitchFamily="18" charset="-120"/>
-            </a:endParaRPr>
-          </a:p>
-          <a:p>
-            <a:pPr algn="r" eaLnBrk="1" hangingPunct="1"/>
-            <a:endParaRPr lang="zh-TW" altLang="en-US" sz="3600" dirty="0">
-              <a:ea typeface="新細明體" pitchFamily="18" charset="-120"/>
-            </a:endParaRPr>
+              <a:t>difference</a:t>
+            </a:r>
+            <a:r>
+              <a:rPr lang="en-US" altLang="zh-TW" smtClean="0"/>
+              <a:t>=$a-$b;</a:t>
+            </a:r>
+          </a:p>
+          <a:p>
+            <a:r>
+              <a:rPr lang="en-US" altLang="zh-TW" smtClean="0"/>
+              <a:t>$</a:t>
+            </a:r>
+            <a:r>
+              <a:rPr lang="en-US" smtClean="0"/>
+              <a:t>product</a:t>
+            </a:r>
+            <a:r>
+              <a:rPr lang="en-US" altLang="zh-TW" smtClean="0"/>
+              <a:t>=$a*$b;</a:t>
+            </a:r>
+          </a:p>
+          <a:p>
+            <a:r>
+              <a:rPr lang="en-US" altLang="zh-TW" smtClean="0"/>
+              <a:t>$</a:t>
+            </a:r>
+            <a:r>
+              <a:rPr lang="en-US" smtClean="0"/>
+              <a:t>quotient</a:t>
+            </a:r>
+            <a:r>
+              <a:rPr lang="en-US" altLang="zh-TW" smtClean="0"/>
+              <a:t>=$a/$b;</a:t>
+            </a:r>
+          </a:p>
+          <a:p>
+            <a:r>
+              <a:rPr lang="en-US" altLang="zh-TW" smtClean="0"/>
+              <a:t>$mod=$a%$b;</a:t>
+            </a:r>
+          </a:p>
+          <a:p>
+            <a:r>
+              <a:rPr lang="en-US" altLang="zh-TW" smtClean="0"/>
+              <a:t>operand.php</a:t>
+            </a:r>
+            <a:endParaRPr lang="en-US" altLang="zh-TW" dirty="0" smtClean="0"/>
           </a:p>
         </p:txBody>
       </p:sp>
@@ -22945,6 +23838,13 @@
       </p:transition>
     </mc:Fallback>
   </mc:AlternateContent>
+  <p:timing>
+    <p:tnLst>
+      <p:par>
+        <p:cTn id="1" dur="indefinite" restart="never" nodeType="tmRoot"/>
+      </p:par>
+    </p:tnLst>
+  </p:timing>
 </p:sld>
 </file>
 
@@ -22967,7 +23867,7 @@
       </p:grpSpPr>
       <p:sp>
         <p:nvSpPr>
-          <p:cNvPr id="164866" name="Rectangle 1026"/>
+          <p:cNvPr id="145410" name="Rectangle 2"/>
           <p:cNvSpPr>
             <a:spLocks noGrp="1" noChangeArrowheads="1"/>
           </p:cNvSpPr>
@@ -22982,15 +23882,14 @@
           <a:p>
             <a:r>
               <a:rPr lang="en-US" altLang="zh-TW" smtClean="0"/>
-              <a:t>More Exercise</a:t>
-            </a:r>
-            <a:endParaRPr lang="en-US" altLang="zh-TW" dirty="0" smtClean="0"/>
-          </a:p>
-        </p:txBody>
-      </p:sp>
-      <p:sp>
-        <p:nvSpPr>
-          <p:cNvPr id="56323" name="Rectangle 1027"/>
+              <a:t>Errors</a:t>
+            </a:r>
+          </a:p>
+        </p:txBody>
+      </p:sp>
+      <p:sp>
+        <p:nvSpPr>
+          <p:cNvPr id="53251" name="Rectangle 3"/>
           <p:cNvSpPr>
             <a:spLocks noGrp="1" noChangeArrowheads="1"/>
           </p:cNvSpPr>
@@ -23004,221 +23903,70 @@
           <a:lstStyle/>
           <a:p>
             <a:r>
-              <a:rPr lang="en-US" altLang="zh-TW" dirty="0" smtClean="0"/>
-              <a:t>Open </a:t>
-            </a:r>
-            <a:r>
-              <a:rPr lang="en-US" altLang="zh-TW" dirty="0" err="1" smtClean="0"/>
-              <a:t>birthday.php</a:t>
-            </a:r>
-            <a:endParaRPr lang="en-US" altLang="zh-TW" dirty="0" smtClean="0"/>
-          </a:p>
-          <a:p>
-            <a:r>
-              <a:rPr lang="en-US" altLang="zh-TW" dirty="0" smtClean="0"/>
-              <a:t>Find your age by $age=$today-$birthday</a:t>
-            </a:r>
-          </a:p>
-          <a:p>
-            <a:r>
-              <a:rPr lang="en-US" altLang="zh-TW" dirty="0" smtClean="0"/>
-              <a:t>How to remove the last four digit?</a:t>
-            </a:r>
-          </a:p>
-          <a:p>
-            <a:r>
-              <a:rPr lang="en-US" altLang="zh-TW" dirty="0" smtClean="0"/>
-              <a:t>How to cut off the decimal places?</a:t>
-            </a:r>
-          </a:p>
-        </p:txBody>
-      </p:sp>
-      <p:sp>
-        <p:nvSpPr>
-          <p:cNvPr id="56324" name="文字方塊 4"/>
-          <p:cNvSpPr txBox="1">
-            <a:spLocks noChangeArrowheads="1"/>
-          </p:cNvSpPr>
+              <a:rPr lang="en-US" altLang="zh-TW" smtClean="0"/>
+              <a:t>Errors will be shown in the page with line number</a:t>
+            </a:r>
+          </a:p>
+          <a:p>
+            <a:r>
+              <a:rPr lang="en-US" altLang="zh-TW" smtClean="0"/>
+              <a:t>Ctrl+G to go the line</a:t>
+            </a:r>
+          </a:p>
+        </p:txBody>
+      </p:sp>
+      <p:pic>
+        <p:nvPicPr>
+          <p:cNvPr id="4" name="圖片 1"/>
+          <p:cNvPicPr>
+            <a:picLocks noChangeAspect="1"/>
+          </p:cNvPicPr>
           <p:nvPr/>
-        </p:nvSpPr>
-        <p:spPr bwMode="auto">
+        </p:nvPicPr>
+        <p:blipFill>
+          <a:blip r:embed="rId3"/>
+          <a:stretch>
+            <a:fillRect/>
+          </a:stretch>
+        </p:blipFill>
+        <p:spPr>
           <a:xfrm>
-            <a:off x="5602592" y="4358741"/>
-            <a:ext cx="3071813" cy="2308225"/>
+            <a:off x="3262403" y="4998550"/>
+            <a:ext cx="3267075" cy="1619250"/>
           </a:xfrm>
           <a:prstGeom prst="rect">
             <a:avLst/>
           </a:prstGeom>
-          <a:noFill/>
-          <a:ln>
-            <a:noFill/>
+        </p:spPr>
+      </p:pic>
+      <p:pic>
+        <p:nvPicPr>
+          <p:cNvPr id="5" name="圖片 2"/>
+          <p:cNvPicPr>
+            <a:picLocks noChangeAspect="1"/>
+          </p:cNvPicPr>
+          <p:nvPr/>
+        </p:nvPicPr>
+        <p:blipFill rotWithShape="1">
+          <a:blip r:embed="rId4"/>
+          <a:srcRect t="301" r="36219" b="75199"/>
+          <a:stretch/>
+        </p:blipFill>
+        <p:spPr>
+          <a:xfrm>
+            <a:off x="839988" y="2132856"/>
+            <a:ext cx="7988956" cy="1584176"/>
+          </a:xfrm>
+          <a:prstGeom prst="rect">
+            <a:avLst/>
+          </a:prstGeom>
+          <a:ln w="6350">
+            <a:solidFill>
+              <a:schemeClr val="tx1"/>
+            </a:solidFill>
           </a:ln>
-          <a:extLst>
-            <a:ext uri="{909E8E84-426E-40DD-AFC4-6F175D3DCCD1}">
-              <a14:hiddenFill xmlns:a14="http://schemas.microsoft.com/office/drawing/2010/main">
-                <a:solidFill>
-                  <a:srgbClr val="FFFFFF"/>
-                </a:solidFill>
-              </a14:hiddenFill>
-            </a:ext>
-            <a:ext uri="{91240B29-F687-4F45-9708-019B960494DF}">
-              <a14:hiddenLine xmlns:a14="http://schemas.microsoft.com/office/drawing/2010/main" w="9525">
-                <a:solidFill>
-                  <a:srgbClr val="000000"/>
-                </a:solidFill>
-                <a:miter lim="800000"/>
-                <a:headEnd/>
-                <a:tailEnd/>
-              </a14:hiddenLine>
-            </a:ext>
-          </a:extLst>
         </p:spPr>
-        <p:txBody>
-          <a:bodyPr>
-            <a:spAutoFit/>
-          </a:bodyPr>
-          <a:lstStyle>
-            <a:lvl1pPr eaLnBrk="0" hangingPunct="0">
-              <a:defRPr sz="2400">
-                <a:solidFill>
-                  <a:schemeClr val="tx1"/>
-                </a:solidFill>
-                <a:latin typeface="Times New Roman" pitchFamily="18" charset="0"/>
-              </a:defRPr>
-            </a:lvl1pPr>
-            <a:lvl2pPr marL="742950" indent="-285750" eaLnBrk="0" hangingPunct="0">
-              <a:defRPr sz="2400">
-                <a:solidFill>
-                  <a:schemeClr val="tx1"/>
-                </a:solidFill>
-                <a:latin typeface="Times New Roman" pitchFamily="18" charset="0"/>
-              </a:defRPr>
-            </a:lvl2pPr>
-            <a:lvl3pPr marL="1143000" indent="-228600" eaLnBrk="0" hangingPunct="0">
-              <a:defRPr sz="2400">
-                <a:solidFill>
-                  <a:schemeClr val="tx1"/>
-                </a:solidFill>
-                <a:latin typeface="Times New Roman" pitchFamily="18" charset="0"/>
-              </a:defRPr>
-            </a:lvl3pPr>
-            <a:lvl4pPr marL="1600200" indent="-228600" eaLnBrk="0" hangingPunct="0">
-              <a:defRPr sz="2400">
-                <a:solidFill>
-                  <a:schemeClr val="tx1"/>
-                </a:solidFill>
-                <a:latin typeface="Times New Roman" pitchFamily="18" charset="0"/>
-              </a:defRPr>
-            </a:lvl4pPr>
-            <a:lvl5pPr marL="2057400" indent="-228600" eaLnBrk="0" hangingPunct="0">
-              <a:defRPr sz="2400">
-                <a:solidFill>
-                  <a:schemeClr val="tx1"/>
-                </a:solidFill>
-                <a:latin typeface="Times New Roman" pitchFamily="18" charset="0"/>
-              </a:defRPr>
-            </a:lvl5pPr>
-            <a:lvl6pPr marL="2514600" indent="-228600" eaLnBrk="0" fontAlgn="base" hangingPunct="0">
-              <a:spcBef>
-                <a:spcPct val="0"/>
-              </a:spcBef>
-              <a:spcAft>
-                <a:spcPct val="0"/>
-              </a:spcAft>
-              <a:defRPr sz="2400">
-                <a:solidFill>
-                  <a:schemeClr val="tx1"/>
-                </a:solidFill>
-                <a:latin typeface="Times New Roman" pitchFamily="18" charset="0"/>
-              </a:defRPr>
-            </a:lvl6pPr>
-            <a:lvl7pPr marL="2971800" indent="-228600" eaLnBrk="0" fontAlgn="base" hangingPunct="0">
-              <a:spcBef>
-                <a:spcPct val="0"/>
-              </a:spcBef>
-              <a:spcAft>
-                <a:spcPct val="0"/>
-              </a:spcAft>
-              <a:defRPr sz="2400">
-                <a:solidFill>
-                  <a:schemeClr val="tx1"/>
-                </a:solidFill>
-                <a:latin typeface="Times New Roman" pitchFamily="18" charset="0"/>
-              </a:defRPr>
-            </a:lvl7pPr>
-            <a:lvl8pPr marL="3429000" indent="-228600" eaLnBrk="0" fontAlgn="base" hangingPunct="0">
-              <a:spcBef>
-                <a:spcPct val="0"/>
-              </a:spcBef>
-              <a:spcAft>
-                <a:spcPct val="0"/>
-              </a:spcAft>
-              <a:defRPr sz="2400">
-                <a:solidFill>
-                  <a:schemeClr val="tx1"/>
-                </a:solidFill>
-                <a:latin typeface="Times New Roman" pitchFamily="18" charset="0"/>
-              </a:defRPr>
-            </a:lvl8pPr>
-            <a:lvl9pPr marL="3886200" indent="-228600" eaLnBrk="0" fontAlgn="base" hangingPunct="0">
-              <a:spcBef>
-                <a:spcPct val="0"/>
-              </a:spcBef>
-              <a:spcAft>
-                <a:spcPct val="0"/>
-              </a:spcAft>
-              <a:defRPr sz="2400">
-                <a:solidFill>
-                  <a:schemeClr val="tx1"/>
-                </a:solidFill>
-                <a:latin typeface="Times New Roman" pitchFamily="18" charset="0"/>
-              </a:defRPr>
-            </a:lvl9pPr>
-          </a:lstStyle>
-          <a:p>
-            <a:pPr algn="r" eaLnBrk="1" hangingPunct="1"/>
-            <a:r>
-              <a:rPr lang="en-US" altLang="zh-TW" sz="3600" dirty="0" smtClean="0">
-                <a:ea typeface="新細明體" pitchFamily="18" charset="-120"/>
-              </a:rPr>
-              <a:t>20170131</a:t>
-            </a:r>
-            <a:endParaRPr lang="en-US" altLang="zh-TW" sz="3600" dirty="0">
-              <a:ea typeface="新細明體" pitchFamily="18" charset="-120"/>
-            </a:endParaRPr>
-          </a:p>
-          <a:p>
-            <a:pPr algn="r" eaLnBrk="1" hangingPunct="1"/>
-            <a:r>
-              <a:rPr lang="en-US" altLang="zh-TW" sz="3600" u="sng" dirty="0" smtClean="0">
-                <a:ea typeface="新細明體" pitchFamily="18" charset="-120"/>
-              </a:rPr>
-              <a:t>-20001231</a:t>
-            </a:r>
-            <a:endParaRPr lang="en-US" altLang="zh-TW" sz="3600" u="sng" dirty="0">
-              <a:ea typeface="新細明體" pitchFamily="18" charset="-120"/>
-            </a:endParaRPr>
-          </a:p>
-          <a:p>
-            <a:pPr algn="r" eaLnBrk="1" hangingPunct="1"/>
-            <a:r>
-              <a:rPr lang="en-US" altLang="zh-TW" sz="3600" dirty="0" smtClean="0">
-                <a:ea typeface="新細明體" pitchFamily="18" charset="-120"/>
-              </a:rPr>
-              <a:t>168900</a:t>
-            </a:r>
-            <a:endParaRPr lang="en-US" altLang="zh-TW" sz="3600" dirty="0">
-              <a:ea typeface="新細明體" pitchFamily="18" charset="-120"/>
-            </a:endParaRPr>
-          </a:p>
-          <a:p>
-            <a:pPr algn="r" eaLnBrk="1" hangingPunct="1"/>
-            <a:endParaRPr lang="zh-TW" altLang="en-US" sz="3600" dirty="0">
-              <a:ea typeface="新細明體" pitchFamily="18" charset="-120"/>
-            </a:endParaRPr>
-          </a:p>
-        </p:txBody>
-      </p:sp>
+      </p:pic>
     </p:spTree>
   </p:cSld>
   <p:clrMapOvr>
@@ -23265,7 +24013,7 @@
       </p:grpSpPr>
       <p:sp>
         <p:nvSpPr>
-          <p:cNvPr id="104450" name="Rectangle 2"/>
+          <p:cNvPr id="165890" name="Rectangle 2"/>
           <p:cNvSpPr>
             <a:spLocks noGrp="1" noChangeArrowheads="1"/>
           </p:cNvSpPr>
@@ -23280,15 +24028,14 @@
           <a:p>
             <a:r>
               <a:rPr lang="en-US" altLang="zh-TW" smtClean="0"/>
-              <a:t>Best hosting server</a:t>
-            </a:r>
-            <a:endParaRPr lang="en-US" altLang="zh-TW" dirty="0" smtClean="0"/>
-          </a:p>
-        </p:txBody>
-      </p:sp>
-      <p:sp>
-        <p:nvSpPr>
-          <p:cNvPr id="57347" name="Rectangle 3"/>
+              <a:t>Debug</a:t>
+            </a:r>
+          </a:p>
+        </p:txBody>
+      </p:sp>
+      <p:sp>
+        <p:nvSpPr>
+          <p:cNvPr id="54275" name="Rectangle 3"/>
           <p:cNvSpPr>
             <a:spLocks noGrp="1" noChangeArrowheads="1"/>
           </p:cNvSpPr>
@@ -23302,8 +24049,14 @@
           <a:lstStyle/>
           <a:p>
             <a:r>
-              <a:rPr lang="en-US" altLang="zh-TW" dirty="0" smtClean="0"/>
-              <a:t>http://www.zaturday.com</a:t>
+              <a:rPr lang="en-US" altLang="zh-TW" smtClean="0"/>
+              <a:t>Ctrl+backspace - Delete a word on the left</a:t>
+            </a:r>
+          </a:p>
+          <a:p>
+            <a:r>
+              <a:rPr lang="en-US" altLang="zh-TW" smtClean="0"/>
+              <a:t>Ctrl+Delete - Delete a word on the right</a:t>
             </a:r>
           </a:p>
         </p:txBody>
@@ -23354,9 +24107,9 @@
       </p:grpSpPr>
       <p:sp>
         <p:nvSpPr>
-          <p:cNvPr id="221186" name="Rectangle 2"/>
-          <p:cNvSpPr>
-            <a:spLocks noGrp="1" noChangeArrowheads="1"/>
+          <p:cNvPr id="2" name="Title 1"/>
+          <p:cNvSpPr>
+            <a:spLocks noGrp="1"/>
           </p:cNvSpPr>
           <p:nvPr>
             <p:ph type="title"/>
@@ -23368,17 +24121,18 @@
           <a:lstStyle/>
           <a:p>
             <a:r>
-              <a:rPr lang="en-US" altLang="zh-TW" smtClean="0"/>
-              <a:t>Sites (eng)</a:t>
-            </a:r>
-          </a:p>
-        </p:txBody>
-      </p:sp>
-      <p:sp>
-        <p:nvSpPr>
-          <p:cNvPr id="58371" name="Rectangle 3"/>
-          <p:cNvSpPr>
-            <a:spLocks noGrp="1" noChangeArrowheads="1"/>
+              <a:rPr lang="en-US" smtClean="0"/>
+              <a:t>Exercise</a:t>
+            </a:r>
+            <a:endParaRPr lang="en-US" dirty="0"/>
+          </a:p>
+        </p:txBody>
+      </p:sp>
+      <p:sp>
+        <p:nvSpPr>
+          <p:cNvPr id="55299" name="Content Placeholder 2"/>
+          <p:cNvSpPr>
+            <a:spLocks noGrp="1"/>
           </p:cNvSpPr>
           <p:nvPr>
             <p:ph idx="1"/>
@@ -23391,38 +24145,517 @@
           <a:p>
             <a:r>
               <a:rPr lang="en-US" altLang="zh-TW" dirty="0" smtClean="0"/>
-              <a:t>http://www.php.net</a:t>
+              <a:t>Find out your age</a:t>
             </a:r>
           </a:p>
           <a:p>
             <a:r>
               <a:rPr lang="en-US" altLang="zh-TW" dirty="0" smtClean="0"/>
-              <a:t>http://www.phpbuilder.com</a:t>
+              <a:t>Age = this year – your birth year</a:t>
             </a:r>
           </a:p>
           <a:p>
             <a:r>
               <a:rPr lang="en-US" altLang="zh-TW" dirty="0" smtClean="0"/>
-              <a:t>http://www.phpfreaks.com/</a:t>
-            </a:r>
-          </a:p>
-          <a:p>
+              <a:t>Use date function to find out this year in the format (</a:t>
+            </a:r>
+            <a:r>
+              <a:rPr lang="en-US" altLang="zh-TW" dirty="0" err="1" smtClean="0"/>
+              <a:t>yyyy</a:t>
+            </a:r>
             <a:r>
               <a:rPr lang="en-US" altLang="zh-TW" dirty="0" smtClean="0"/>
-              <a:t>http://phpnuke.org</a:t>
+              <a:t>).  EG. 2017</a:t>
             </a:r>
           </a:p>
           <a:p>
             <a:r>
               <a:rPr lang="en-US" altLang="zh-TW" dirty="0" smtClean="0"/>
-              <a:t>http://www.phpbuddy.com</a:t>
+              <a:t>Calculate your age.</a:t>
             </a:r>
           </a:p>
           <a:p>
             <a:r>
               <a:rPr lang="en-US" altLang="zh-TW" dirty="0" smtClean="0"/>
-              <a:t>http://www.php-security.org/</a:t>
-            </a:r>
+              <a:t>Display your age.</a:t>
+            </a:r>
+          </a:p>
+        </p:txBody>
+      </p:sp>
+      <p:sp>
+        <p:nvSpPr>
+          <p:cNvPr id="4" name="文字方塊 4"/>
+          <p:cNvSpPr txBox="1">
+            <a:spLocks noChangeArrowheads="1"/>
+          </p:cNvSpPr>
+          <p:nvPr/>
+        </p:nvSpPr>
+        <p:spPr bwMode="auto">
+          <a:xfrm>
+            <a:off x="5602592" y="4358741"/>
+            <a:ext cx="3071813" cy="2308225"/>
+          </a:xfrm>
+          <a:prstGeom prst="rect">
+            <a:avLst/>
+          </a:prstGeom>
+          <a:noFill/>
+          <a:ln>
+            <a:noFill/>
+          </a:ln>
+          <a:extLst>
+            <a:ext uri="{909E8E84-426E-40DD-AFC4-6F175D3DCCD1}">
+              <a14:hiddenFill xmlns:a14="http://schemas.microsoft.com/office/drawing/2010/main">
+                <a:solidFill>
+                  <a:srgbClr val="FFFFFF"/>
+                </a:solidFill>
+              </a14:hiddenFill>
+            </a:ext>
+            <a:ext uri="{91240B29-F687-4F45-9708-019B960494DF}">
+              <a14:hiddenLine xmlns:a14="http://schemas.microsoft.com/office/drawing/2010/main" w="9525">
+                <a:solidFill>
+                  <a:srgbClr val="000000"/>
+                </a:solidFill>
+                <a:miter lim="800000"/>
+                <a:headEnd/>
+                <a:tailEnd/>
+              </a14:hiddenLine>
+            </a:ext>
+          </a:extLst>
+        </p:spPr>
+        <p:txBody>
+          <a:bodyPr>
+            <a:spAutoFit/>
+          </a:bodyPr>
+          <a:lstStyle>
+            <a:lvl1pPr eaLnBrk="0" hangingPunct="0">
+              <a:defRPr sz="2400">
+                <a:solidFill>
+                  <a:schemeClr val="tx1"/>
+                </a:solidFill>
+                <a:latin typeface="Times New Roman" pitchFamily="18" charset="0"/>
+              </a:defRPr>
+            </a:lvl1pPr>
+            <a:lvl2pPr marL="742950" indent="-285750" eaLnBrk="0" hangingPunct="0">
+              <a:defRPr sz="2400">
+                <a:solidFill>
+                  <a:schemeClr val="tx1"/>
+                </a:solidFill>
+                <a:latin typeface="Times New Roman" pitchFamily="18" charset="0"/>
+              </a:defRPr>
+            </a:lvl2pPr>
+            <a:lvl3pPr marL="1143000" indent="-228600" eaLnBrk="0" hangingPunct="0">
+              <a:defRPr sz="2400">
+                <a:solidFill>
+                  <a:schemeClr val="tx1"/>
+                </a:solidFill>
+                <a:latin typeface="Times New Roman" pitchFamily="18" charset="0"/>
+              </a:defRPr>
+            </a:lvl3pPr>
+            <a:lvl4pPr marL="1600200" indent="-228600" eaLnBrk="0" hangingPunct="0">
+              <a:defRPr sz="2400">
+                <a:solidFill>
+                  <a:schemeClr val="tx1"/>
+                </a:solidFill>
+                <a:latin typeface="Times New Roman" pitchFamily="18" charset="0"/>
+              </a:defRPr>
+            </a:lvl4pPr>
+            <a:lvl5pPr marL="2057400" indent="-228600" eaLnBrk="0" hangingPunct="0">
+              <a:defRPr sz="2400">
+                <a:solidFill>
+                  <a:schemeClr val="tx1"/>
+                </a:solidFill>
+                <a:latin typeface="Times New Roman" pitchFamily="18" charset="0"/>
+              </a:defRPr>
+            </a:lvl5pPr>
+            <a:lvl6pPr marL="2514600" indent="-228600" eaLnBrk="0" fontAlgn="base" hangingPunct="0">
+              <a:spcBef>
+                <a:spcPct val="0"/>
+              </a:spcBef>
+              <a:spcAft>
+                <a:spcPct val="0"/>
+              </a:spcAft>
+              <a:defRPr sz="2400">
+                <a:solidFill>
+                  <a:schemeClr val="tx1"/>
+                </a:solidFill>
+                <a:latin typeface="Times New Roman" pitchFamily="18" charset="0"/>
+              </a:defRPr>
+            </a:lvl6pPr>
+            <a:lvl7pPr marL="2971800" indent="-228600" eaLnBrk="0" fontAlgn="base" hangingPunct="0">
+              <a:spcBef>
+                <a:spcPct val="0"/>
+              </a:spcBef>
+              <a:spcAft>
+                <a:spcPct val="0"/>
+              </a:spcAft>
+              <a:defRPr sz="2400">
+                <a:solidFill>
+                  <a:schemeClr val="tx1"/>
+                </a:solidFill>
+                <a:latin typeface="Times New Roman" pitchFamily="18" charset="0"/>
+              </a:defRPr>
+            </a:lvl7pPr>
+            <a:lvl8pPr marL="3429000" indent="-228600" eaLnBrk="0" fontAlgn="base" hangingPunct="0">
+              <a:spcBef>
+                <a:spcPct val="0"/>
+              </a:spcBef>
+              <a:spcAft>
+                <a:spcPct val="0"/>
+              </a:spcAft>
+              <a:defRPr sz="2400">
+                <a:solidFill>
+                  <a:schemeClr val="tx1"/>
+                </a:solidFill>
+                <a:latin typeface="Times New Roman" pitchFamily="18" charset="0"/>
+              </a:defRPr>
+            </a:lvl8pPr>
+            <a:lvl9pPr marL="3886200" indent="-228600" eaLnBrk="0" fontAlgn="base" hangingPunct="0">
+              <a:spcBef>
+                <a:spcPct val="0"/>
+              </a:spcBef>
+              <a:spcAft>
+                <a:spcPct val="0"/>
+              </a:spcAft>
+              <a:defRPr sz="2400">
+                <a:solidFill>
+                  <a:schemeClr val="tx1"/>
+                </a:solidFill>
+                <a:latin typeface="Times New Roman" pitchFamily="18" charset="0"/>
+              </a:defRPr>
+            </a:lvl9pPr>
+          </a:lstStyle>
+          <a:p>
+            <a:pPr algn="r" eaLnBrk="1" hangingPunct="1"/>
+            <a:r>
+              <a:rPr lang="en-US" altLang="zh-TW" sz="3600" dirty="0" smtClean="0">
+                <a:ea typeface="新細明體" pitchFamily="18" charset="-120"/>
+              </a:rPr>
+              <a:t>2017</a:t>
+            </a:r>
+            <a:endParaRPr lang="en-US" altLang="zh-TW" sz="3600" dirty="0">
+              <a:ea typeface="新細明體" pitchFamily="18" charset="-120"/>
+            </a:endParaRPr>
+          </a:p>
+          <a:p>
+            <a:pPr algn="r" eaLnBrk="1" hangingPunct="1"/>
+            <a:r>
+              <a:rPr lang="en-US" altLang="zh-TW" sz="3600" u="sng" dirty="0" smtClean="0">
+                <a:ea typeface="新細明體" pitchFamily="18" charset="-120"/>
+              </a:rPr>
+              <a:t>-2000</a:t>
+            </a:r>
+            <a:endParaRPr lang="en-US" altLang="zh-TW" sz="3600" u="sng" dirty="0">
+              <a:ea typeface="新細明體" pitchFamily="18" charset="-120"/>
+            </a:endParaRPr>
+          </a:p>
+          <a:p>
+            <a:pPr algn="r" eaLnBrk="1" hangingPunct="1"/>
+            <a:r>
+              <a:rPr lang="en-US" altLang="zh-TW" sz="3600" dirty="0" smtClean="0">
+                <a:ea typeface="新細明體" pitchFamily="18" charset="-120"/>
+              </a:rPr>
+              <a:t>17</a:t>
+            </a:r>
+            <a:endParaRPr lang="en-US" altLang="zh-TW" sz="3600" dirty="0">
+              <a:ea typeface="新細明體" pitchFamily="18" charset="-120"/>
+            </a:endParaRPr>
+          </a:p>
+          <a:p>
+            <a:pPr algn="r" eaLnBrk="1" hangingPunct="1"/>
+            <a:endParaRPr lang="zh-TW" altLang="en-US" sz="3600" dirty="0">
+              <a:ea typeface="新細明體" pitchFamily="18" charset="-120"/>
+            </a:endParaRPr>
+          </a:p>
+        </p:txBody>
+      </p:sp>
+    </p:spTree>
+  </p:cSld>
+  <p:clrMapOvr>
+    <a:masterClrMapping/>
+  </p:clrMapOvr>
+  <mc:AlternateContent xmlns:mc="http://schemas.openxmlformats.org/markup-compatibility/2006" xmlns:p14="http://schemas.microsoft.com/office/powerpoint/2010/main">
+    <mc:Choice Requires="p14">
+      <p:transition spd="slow" p14:dur="3900">
+        <p14:glitter pattern="hexagon"/>
+      </p:transition>
+    </mc:Choice>
+    <mc:Fallback xmlns="">
+      <p:transition spd="slow">
+        <p:fade/>
+      </p:transition>
+    </mc:Fallback>
+  </mc:AlternateContent>
+</p:sld>
+</file>
+
+<file path=ppt/slides/slide49.xml><?xml version="1.0" encoding="utf-8"?>
+<p:sld xmlns:a="http://schemas.openxmlformats.org/drawingml/2006/main" xmlns:r="http://schemas.openxmlformats.org/officeDocument/2006/relationships" xmlns:p="http://schemas.openxmlformats.org/presentationml/2006/main">
+  <p:cSld>
+    <p:spTree>
+      <p:nvGrpSpPr>
+        <p:cNvPr id="1" name=""/>
+        <p:cNvGrpSpPr/>
+        <p:nvPr/>
+      </p:nvGrpSpPr>
+      <p:grpSpPr>
+        <a:xfrm>
+          <a:off x="0" y="0"/>
+          <a:ext cx="0" cy="0"/>
+          <a:chOff x="0" y="0"/>
+          <a:chExt cx="0" cy="0"/>
+        </a:xfrm>
+      </p:grpSpPr>
+      <p:sp>
+        <p:nvSpPr>
+          <p:cNvPr id="164866" name="Rectangle 1026"/>
+          <p:cNvSpPr>
+            <a:spLocks noGrp="1" noChangeArrowheads="1"/>
+          </p:cNvSpPr>
+          <p:nvPr>
+            <p:ph type="title"/>
+          </p:nvPr>
+        </p:nvSpPr>
+        <p:spPr/>
+        <p:txBody>
+          <a:bodyPr/>
+          <a:lstStyle/>
+          <a:p>
+            <a:r>
+              <a:rPr lang="en-US" altLang="zh-TW" smtClean="0"/>
+              <a:t>More Exercise</a:t>
+            </a:r>
+            <a:endParaRPr lang="en-US" altLang="zh-TW" dirty="0" smtClean="0"/>
+          </a:p>
+        </p:txBody>
+      </p:sp>
+      <p:sp>
+        <p:nvSpPr>
+          <p:cNvPr id="56323" name="Rectangle 1027"/>
+          <p:cNvSpPr>
+            <a:spLocks noGrp="1" noChangeArrowheads="1"/>
+          </p:cNvSpPr>
+          <p:nvPr>
+            <p:ph idx="1"/>
+          </p:nvPr>
+        </p:nvSpPr>
+        <p:spPr/>
+        <p:txBody>
+          <a:bodyPr/>
+          <a:lstStyle/>
+          <a:p>
+            <a:r>
+              <a:rPr lang="en-US" altLang="zh-TW" dirty="0" smtClean="0"/>
+              <a:t>Open </a:t>
+            </a:r>
+            <a:r>
+              <a:rPr lang="en-US" altLang="zh-TW" dirty="0" err="1" smtClean="0"/>
+              <a:t>birthday.php</a:t>
+            </a:r>
+            <a:endParaRPr lang="en-US" altLang="zh-TW" dirty="0" smtClean="0"/>
+          </a:p>
+          <a:p>
+            <a:r>
+              <a:rPr lang="en-US" altLang="zh-TW" dirty="0" smtClean="0"/>
+              <a:t>Find your age by $age=$today-$birthday</a:t>
+            </a:r>
+          </a:p>
+          <a:p>
+            <a:r>
+              <a:rPr lang="en-US" altLang="zh-TW" dirty="0" smtClean="0"/>
+              <a:t>How to remove the last four digit?</a:t>
+            </a:r>
+          </a:p>
+          <a:p>
+            <a:r>
+              <a:rPr lang="en-US" altLang="zh-TW" dirty="0" smtClean="0"/>
+              <a:t>How to cut off the decimal places?</a:t>
+            </a:r>
+          </a:p>
+        </p:txBody>
+      </p:sp>
+      <p:sp>
+        <p:nvSpPr>
+          <p:cNvPr id="56324" name="文字方塊 4"/>
+          <p:cNvSpPr txBox="1">
+            <a:spLocks noChangeArrowheads="1"/>
+          </p:cNvSpPr>
+          <p:nvPr/>
+        </p:nvSpPr>
+        <p:spPr bwMode="auto">
+          <a:xfrm>
+            <a:off x="5602592" y="4358741"/>
+            <a:ext cx="3071813" cy="2308225"/>
+          </a:xfrm>
+          <a:prstGeom prst="rect">
+            <a:avLst/>
+          </a:prstGeom>
+          <a:noFill/>
+          <a:ln>
+            <a:noFill/>
+          </a:ln>
+          <a:extLst>
+            <a:ext uri="{909E8E84-426E-40DD-AFC4-6F175D3DCCD1}">
+              <a14:hiddenFill xmlns:a14="http://schemas.microsoft.com/office/drawing/2010/main">
+                <a:solidFill>
+                  <a:srgbClr val="FFFFFF"/>
+                </a:solidFill>
+              </a14:hiddenFill>
+            </a:ext>
+            <a:ext uri="{91240B29-F687-4F45-9708-019B960494DF}">
+              <a14:hiddenLine xmlns:a14="http://schemas.microsoft.com/office/drawing/2010/main" w="9525">
+                <a:solidFill>
+                  <a:srgbClr val="000000"/>
+                </a:solidFill>
+                <a:miter lim="800000"/>
+                <a:headEnd/>
+                <a:tailEnd/>
+              </a14:hiddenLine>
+            </a:ext>
+          </a:extLst>
+        </p:spPr>
+        <p:txBody>
+          <a:bodyPr>
+            <a:spAutoFit/>
+          </a:bodyPr>
+          <a:lstStyle>
+            <a:lvl1pPr eaLnBrk="0" hangingPunct="0">
+              <a:defRPr sz="2400">
+                <a:solidFill>
+                  <a:schemeClr val="tx1"/>
+                </a:solidFill>
+                <a:latin typeface="Times New Roman" pitchFamily="18" charset="0"/>
+              </a:defRPr>
+            </a:lvl1pPr>
+            <a:lvl2pPr marL="742950" indent="-285750" eaLnBrk="0" hangingPunct="0">
+              <a:defRPr sz="2400">
+                <a:solidFill>
+                  <a:schemeClr val="tx1"/>
+                </a:solidFill>
+                <a:latin typeface="Times New Roman" pitchFamily="18" charset="0"/>
+              </a:defRPr>
+            </a:lvl2pPr>
+            <a:lvl3pPr marL="1143000" indent="-228600" eaLnBrk="0" hangingPunct="0">
+              <a:defRPr sz="2400">
+                <a:solidFill>
+                  <a:schemeClr val="tx1"/>
+                </a:solidFill>
+                <a:latin typeface="Times New Roman" pitchFamily="18" charset="0"/>
+              </a:defRPr>
+            </a:lvl3pPr>
+            <a:lvl4pPr marL="1600200" indent="-228600" eaLnBrk="0" hangingPunct="0">
+              <a:defRPr sz="2400">
+                <a:solidFill>
+                  <a:schemeClr val="tx1"/>
+                </a:solidFill>
+                <a:latin typeface="Times New Roman" pitchFamily="18" charset="0"/>
+              </a:defRPr>
+            </a:lvl4pPr>
+            <a:lvl5pPr marL="2057400" indent="-228600" eaLnBrk="0" hangingPunct="0">
+              <a:defRPr sz="2400">
+                <a:solidFill>
+                  <a:schemeClr val="tx1"/>
+                </a:solidFill>
+                <a:latin typeface="Times New Roman" pitchFamily="18" charset="0"/>
+              </a:defRPr>
+            </a:lvl5pPr>
+            <a:lvl6pPr marL="2514600" indent="-228600" eaLnBrk="0" fontAlgn="base" hangingPunct="0">
+              <a:spcBef>
+                <a:spcPct val="0"/>
+              </a:spcBef>
+              <a:spcAft>
+                <a:spcPct val="0"/>
+              </a:spcAft>
+              <a:defRPr sz="2400">
+                <a:solidFill>
+                  <a:schemeClr val="tx1"/>
+                </a:solidFill>
+                <a:latin typeface="Times New Roman" pitchFamily="18" charset="0"/>
+              </a:defRPr>
+            </a:lvl6pPr>
+            <a:lvl7pPr marL="2971800" indent="-228600" eaLnBrk="0" fontAlgn="base" hangingPunct="0">
+              <a:spcBef>
+                <a:spcPct val="0"/>
+              </a:spcBef>
+              <a:spcAft>
+                <a:spcPct val="0"/>
+              </a:spcAft>
+              <a:defRPr sz="2400">
+                <a:solidFill>
+                  <a:schemeClr val="tx1"/>
+                </a:solidFill>
+                <a:latin typeface="Times New Roman" pitchFamily="18" charset="0"/>
+              </a:defRPr>
+            </a:lvl7pPr>
+            <a:lvl8pPr marL="3429000" indent="-228600" eaLnBrk="0" fontAlgn="base" hangingPunct="0">
+              <a:spcBef>
+                <a:spcPct val="0"/>
+              </a:spcBef>
+              <a:spcAft>
+                <a:spcPct val="0"/>
+              </a:spcAft>
+              <a:defRPr sz="2400">
+                <a:solidFill>
+                  <a:schemeClr val="tx1"/>
+                </a:solidFill>
+                <a:latin typeface="Times New Roman" pitchFamily="18" charset="0"/>
+              </a:defRPr>
+            </a:lvl8pPr>
+            <a:lvl9pPr marL="3886200" indent="-228600" eaLnBrk="0" fontAlgn="base" hangingPunct="0">
+              <a:spcBef>
+                <a:spcPct val="0"/>
+              </a:spcBef>
+              <a:spcAft>
+                <a:spcPct val="0"/>
+              </a:spcAft>
+              <a:defRPr sz="2400">
+                <a:solidFill>
+                  <a:schemeClr val="tx1"/>
+                </a:solidFill>
+                <a:latin typeface="Times New Roman" pitchFamily="18" charset="0"/>
+              </a:defRPr>
+            </a:lvl9pPr>
+          </a:lstStyle>
+          <a:p>
+            <a:pPr algn="r" eaLnBrk="1" hangingPunct="1"/>
+            <a:r>
+              <a:rPr lang="en-US" altLang="zh-TW" sz="3600" dirty="0" smtClean="0">
+                <a:ea typeface="新細明體" pitchFamily="18" charset="-120"/>
+              </a:rPr>
+              <a:t>20170131</a:t>
+            </a:r>
+            <a:endParaRPr lang="en-US" altLang="zh-TW" sz="3600" dirty="0">
+              <a:ea typeface="新細明體" pitchFamily="18" charset="-120"/>
+            </a:endParaRPr>
+          </a:p>
+          <a:p>
+            <a:pPr algn="r" eaLnBrk="1" hangingPunct="1"/>
+            <a:r>
+              <a:rPr lang="en-US" altLang="zh-TW" sz="3600" u="sng" dirty="0" smtClean="0">
+                <a:ea typeface="新細明體" pitchFamily="18" charset="-120"/>
+              </a:rPr>
+              <a:t>-20001231</a:t>
+            </a:r>
+            <a:endParaRPr lang="en-US" altLang="zh-TW" sz="3600" u="sng" dirty="0">
+              <a:ea typeface="新細明體" pitchFamily="18" charset="-120"/>
+            </a:endParaRPr>
+          </a:p>
+          <a:p>
+            <a:pPr algn="r" eaLnBrk="1" hangingPunct="1"/>
+            <a:r>
+              <a:rPr lang="en-US" altLang="zh-TW" sz="3600" dirty="0" smtClean="0">
+                <a:ea typeface="新細明體" pitchFamily="18" charset="-120"/>
+              </a:rPr>
+              <a:t>168900</a:t>
+            </a:r>
+            <a:endParaRPr lang="en-US" altLang="zh-TW" sz="3600" dirty="0">
+              <a:ea typeface="新細明體" pitchFamily="18" charset="-120"/>
+            </a:endParaRPr>
+          </a:p>
+          <a:p>
+            <a:pPr algn="r" eaLnBrk="1" hangingPunct="1"/>
+            <a:endParaRPr lang="zh-TW" altLang="en-US" sz="3600" dirty="0">
+              <a:ea typeface="新細明體" pitchFamily="18" charset="-120"/>
+            </a:endParaRPr>
           </a:p>
         </p:txBody>
       </p:sp>
@@ -23450,108 +24683,6 @@
       </p:par>
     </p:tnLst>
   </p:timing>
-</p:sld>
-</file>
-
-<file path=ppt/slides/slide49.xml><?xml version="1.0" encoding="utf-8"?>
-<p:sld xmlns:a="http://schemas.openxmlformats.org/drawingml/2006/main" xmlns:r="http://schemas.openxmlformats.org/officeDocument/2006/relationships" xmlns:p="http://schemas.openxmlformats.org/presentationml/2006/main">
-  <p:cSld>
-    <p:spTree>
-      <p:nvGrpSpPr>
-        <p:cNvPr id="1" name=""/>
-        <p:cNvGrpSpPr/>
-        <p:nvPr/>
-      </p:nvGrpSpPr>
-      <p:grpSpPr>
-        <a:xfrm>
-          <a:off x="0" y="0"/>
-          <a:ext cx="0" cy="0"/>
-          <a:chOff x="0" y="0"/>
-          <a:chExt cx="0" cy="0"/>
-        </a:xfrm>
-      </p:grpSpPr>
-      <p:sp>
-        <p:nvSpPr>
-          <p:cNvPr id="221186" name="Rectangle 2"/>
-          <p:cNvSpPr>
-            <a:spLocks noGrp="1" noChangeArrowheads="1"/>
-          </p:cNvSpPr>
-          <p:nvPr>
-            <p:ph type="title"/>
-          </p:nvPr>
-        </p:nvSpPr>
-        <p:spPr/>
-        <p:txBody>
-          <a:bodyPr/>
-          <a:lstStyle/>
-          <a:p>
-            <a:r>
-              <a:rPr lang="en-US" altLang="zh-TW" smtClean="0"/>
-              <a:t>Sites (eng) 2</a:t>
-            </a:r>
-            <a:endParaRPr lang="en-US" altLang="zh-TW" dirty="0" smtClean="0"/>
-          </a:p>
-        </p:txBody>
-      </p:sp>
-      <p:sp>
-        <p:nvSpPr>
-          <p:cNvPr id="59395" name="Rectangle 3"/>
-          <p:cNvSpPr>
-            <a:spLocks noGrp="1" noChangeArrowheads="1"/>
-          </p:cNvSpPr>
-          <p:nvPr>
-            <p:ph idx="1"/>
-          </p:nvPr>
-        </p:nvSpPr>
-        <p:spPr/>
-        <p:txBody>
-          <a:bodyPr>
-            <a:normAutofit/>
-          </a:bodyPr>
-          <a:lstStyle/>
-          <a:p>
-            <a:r>
-              <a:rPr lang="en-US" altLang="zh-TW" dirty="0" smtClean="0"/>
-              <a:t>http://www.devshed.com</a:t>
-            </a:r>
-          </a:p>
-          <a:p>
-            <a:r>
-              <a:rPr lang="en-US" altLang="zh-TW" dirty="0" smtClean="0"/>
-              <a:t>http://px.sklar.com/</a:t>
-            </a:r>
-          </a:p>
-          <a:p>
-            <a:r>
-              <a:rPr lang="en-US" altLang="zh-TW" dirty="0" smtClean="0"/>
-              <a:t>http://www.phpgroupware.org</a:t>
-            </a:r>
-          </a:p>
-          <a:p>
-            <a:r>
-              <a:rPr lang="en-US" altLang="zh-TW" dirty="0" smtClean="0"/>
-              <a:t>http://www.phpclasses.org</a:t>
-            </a:r>
-          </a:p>
-        </p:txBody>
-      </p:sp>
-    </p:spTree>
-  </p:cSld>
-  <p:clrMapOvr>
-    <a:masterClrMapping/>
-  </p:clrMapOvr>
-  <mc:AlternateContent xmlns:mc="http://schemas.openxmlformats.org/markup-compatibility/2006" xmlns:p14="http://schemas.microsoft.com/office/powerpoint/2010/main">
-    <mc:Choice Requires="p14">
-      <p:transition spd="slow" p14:dur="3900">
-        <p14:glitter pattern="hexagon"/>
-      </p:transition>
-    </mc:Choice>
-    <mc:Fallback xmlns="">
-      <p:transition spd="slow">
-        <p:fade/>
-      </p:transition>
-    </mc:Fallback>
-  </mc:AlternateContent>
 </p:sld>
 </file>
 
@@ -23633,7 +24764,7 @@
       </p:grpSpPr>
       <p:sp>
         <p:nvSpPr>
-          <p:cNvPr id="221186" name="Rectangle 2"/>
+          <p:cNvPr id="104450" name="Rectangle 2"/>
           <p:cNvSpPr>
             <a:spLocks noGrp="1" noChangeArrowheads="1"/>
           </p:cNvSpPr>
@@ -23647,100 +24778,36 @@
           <a:lstStyle/>
           <a:p>
             <a:r>
+              <a:rPr lang="en-US" altLang="zh-TW" smtClean="0"/>
+              <a:t>Best hosting server</a:t>
+            </a:r>
+            <a:endParaRPr lang="en-US" altLang="zh-TW" dirty="0" smtClean="0"/>
+          </a:p>
+        </p:txBody>
+      </p:sp>
+      <p:sp>
+        <p:nvSpPr>
+          <p:cNvPr id="57347" name="Rectangle 3"/>
+          <p:cNvSpPr>
+            <a:spLocks noGrp="1" noChangeArrowheads="1"/>
+          </p:cNvSpPr>
+          <p:nvPr>
+            <p:ph idx="1"/>
+          </p:nvPr>
+        </p:nvSpPr>
+        <p:spPr/>
+        <p:txBody>
+          <a:bodyPr/>
+          <a:lstStyle/>
+          <a:p>
+            <a:r>
               <a:rPr lang="en-US" altLang="zh-TW" dirty="0" smtClean="0"/>
-              <a:t>Sites (</a:t>
-            </a:r>
-            <a:r>
-              <a:rPr lang="en-US" altLang="zh-TW" dirty="0" err="1" smtClean="0"/>
-              <a:t>eng</a:t>
-            </a:r>
-            <a:r>
-              <a:rPr lang="en-US" altLang="zh-TW" dirty="0" smtClean="0"/>
-              <a:t>) 3</a:t>
-            </a:r>
-          </a:p>
-        </p:txBody>
-      </p:sp>
-      <p:sp>
-        <p:nvSpPr>
-          <p:cNvPr id="59395" name="Rectangle 3"/>
-          <p:cNvSpPr>
-            <a:spLocks noGrp="1" noChangeArrowheads="1"/>
-          </p:cNvSpPr>
-          <p:nvPr>
-            <p:ph idx="1"/>
-          </p:nvPr>
-        </p:nvSpPr>
-        <p:spPr/>
-        <p:txBody>
-          <a:bodyPr>
-            <a:normAutofit/>
-          </a:bodyPr>
-          <a:lstStyle/>
-          <a:p>
-            <a:r>
-              <a:rPr lang="en-US" altLang="zh-TW" dirty="0"/>
-              <a:t>https://</a:t>
-            </a:r>
-            <a:r>
-              <a:rPr lang="en-US" altLang="zh-TW" dirty="0" err="1" smtClean="0"/>
-              <a:t>github.com</a:t>
-            </a:r>
-            <a:r>
-              <a:rPr lang="en-US" altLang="zh-TW" dirty="0" smtClean="0"/>
-              <a:t>/</a:t>
-            </a:r>
-            <a:r>
-              <a:rPr lang="en-US" altLang="zh-TW" dirty="0" err="1" smtClean="0"/>
-              <a:t>ziadoz</a:t>
-            </a:r>
-            <a:r>
-              <a:rPr lang="en-US" altLang="zh-TW" dirty="0" smtClean="0"/>
-              <a:t>/awesome-</a:t>
-            </a:r>
-            <a:r>
-              <a:rPr lang="en-US" altLang="zh-TW" dirty="0" err="1" smtClean="0"/>
-              <a:t>php</a:t>
-            </a:r>
-            <a:endParaRPr lang="en-US" altLang="zh-TW" dirty="0" smtClean="0"/>
-          </a:p>
-          <a:p>
-            <a:r>
-              <a:rPr lang="en-US" altLang="zh-TW" dirty="0"/>
-              <a:t>http://</a:t>
-            </a:r>
-            <a:r>
-              <a:rPr lang="en-US" altLang="zh-TW" dirty="0" err="1"/>
-              <a:t>www.phptherightway.com</a:t>
-            </a:r>
-            <a:r>
-              <a:rPr lang="en-US" altLang="zh-TW" dirty="0" smtClean="0"/>
-              <a:t>/</a:t>
-            </a:r>
-          </a:p>
-          <a:p>
-            <a:r>
-              <a:rPr lang="en-US" altLang="zh-TW" dirty="0"/>
-              <a:t>https://</a:t>
-            </a:r>
-            <a:r>
-              <a:rPr lang="en-US" altLang="zh-TW" dirty="0" err="1"/>
-              <a:t>packagist.org</a:t>
-            </a:r>
-            <a:r>
-              <a:rPr lang="en-US" altLang="zh-TW" dirty="0"/>
-              <a:t>/</a:t>
-            </a:r>
-            <a:endParaRPr lang="en-US" altLang="zh-TW" dirty="0" smtClean="0"/>
+              <a:t>http://www.zaturday.com</a:t>
+            </a:r>
           </a:p>
         </p:txBody>
       </p:sp>
     </p:spTree>
-    <p:extLst>
-      <p:ext uri="{BB962C8B-B14F-4D97-AF65-F5344CB8AC3E}">
-        <p14:creationId xmlns:p14="http://schemas.microsoft.com/office/powerpoint/2010/main" val="302991814"/>
-      </p:ext>
-    </p:extLst>
   </p:cSld>
   <p:clrMapOvr>
     <a:masterClrMapping/>
@@ -23757,6 +24824,13 @@
       </p:transition>
     </mc:Fallback>
   </mc:AlternateContent>
+  <p:timing>
+    <p:tnLst>
+      <p:par>
+        <p:cTn id="1" dur="indefinite" restart="never" nodeType="tmRoot"/>
+      </p:par>
+    </p:tnLst>
+  </p:timing>
 </p:sld>
 </file>
 
@@ -23779,7 +24853,7 @@
       </p:grpSpPr>
       <p:sp>
         <p:nvSpPr>
-          <p:cNvPr id="166914" name="Rectangle 2"/>
+          <p:cNvPr id="221186" name="Rectangle 2"/>
           <p:cNvSpPr>
             <a:spLocks noGrp="1" noChangeArrowheads="1"/>
           </p:cNvSpPr>
@@ -23794,18 +24868,14 @@
           <a:p>
             <a:r>
               <a:rPr lang="en-US" altLang="zh-TW" smtClean="0"/>
-              <a:t>Sites (</a:t>
-            </a:r>
-            <a:r>
-              <a:rPr lang="zh-TW" altLang="en-US" smtClean="0"/>
-              <a:t>中文)</a:t>
-            </a:r>
-          </a:p>
-        </p:txBody>
-      </p:sp>
-      <p:sp>
-        <p:nvSpPr>
-          <p:cNvPr id="60419" name="Rectangle 3"/>
+              <a:t>Sites (eng)</a:t>
+            </a:r>
+          </a:p>
+        </p:txBody>
+      </p:sp>
+      <p:sp>
+        <p:nvSpPr>
+          <p:cNvPr id="58371" name="Rectangle 3"/>
           <p:cNvSpPr>
             <a:spLocks noGrp="1" noChangeArrowheads="1"/>
           </p:cNvSpPr>
@@ -23819,30 +24889,39 @@
           <a:lstStyle/>
           <a:p>
             <a:r>
-              <a:rPr lang="en-US" altLang="zh-TW" dirty="0">
-                <a:hlinkClick r:id="rId3"/>
-              </a:rPr>
-              <a:t>http://www.phpini.com/</a:t>
-            </a:r>
-            <a:endParaRPr lang="en-US" altLang="zh-TW" dirty="0"/>
-          </a:p>
-          <a:p>
-            <a:r>
-              <a:rPr lang="en-US" altLang="zh-TW" dirty="0">
-                <a:hlinkClick r:id="rId4"/>
-              </a:rPr>
-              <a:t>http://www.csie.sju.edu.tw/cm/course/phpteach.htm</a:t>
-            </a:r>
-            <a:endParaRPr lang="en-US" altLang="zh-TW" dirty="0"/>
-          </a:p>
-          <a:p>
-            <a:r>
-              <a:rPr lang="en-US" altLang="zh-TW" dirty="0">
-                <a:hlinkClick r:id="rId5"/>
-              </a:rPr>
-              <a:t>http://www.twhappy.com/index.php?action=blog&amp;category=6</a:t>
-            </a:r>
-            <a:endParaRPr lang="en-US" altLang="zh-TW" dirty="0"/>
+              <a:rPr lang="en-US" altLang="zh-TW" dirty="0" smtClean="0"/>
+              <a:t>http://www.php.net</a:t>
+            </a:r>
+          </a:p>
+          <a:p>
+            <a:r>
+              <a:rPr lang="en-US" altLang="zh-TW" dirty="0" smtClean="0"/>
+              <a:t>http://www.phpbuilder.com</a:t>
+            </a:r>
+          </a:p>
+          <a:p>
+            <a:r>
+              <a:rPr lang="en-US" altLang="zh-TW" dirty="0" smtClean="0"/>
+              <a:t>http://www.phpfreaks.com/</a:t>
+            </a:r>
+          </a:p>
+          <a:p>
+            <a:r>
+              <a:rPr lang="en-US" altLang="zh-TW" dirty="0" smtClean="0"/>
+              <a:t>http://phpnuke.org</a:t>
+            </a:r>
+          </a:p>
+          <a:p>
+            <a:r>
+              <a:rPr lang="en-US" altLang="zh-TW" dirty="0" smtClean="0"/>
+              <a:t>http://www.phpbuddy.com</a:t>
+            </a:r>
+          </a:p>
+          <a:p>
+            <a:r>
+              <a:rPr lang="en-US" altLang="zh-TW" dirty="0" smtClean="0"/>
+              <a:t>http://www.php-security.org/</a:t>
+            </a:r>
           </a:p>
         </p:txBody>
       </p:sp>
@@ -23863,6 +24942,13 @@
       </p:transition>
     </mc:Fallback>
   </mc:AlternateContent>
+  <p:timing>
+    <p:tnLst>
+      <p:par>
+        <p:cTn id="1" dur="indefinite" restart="never" nodeType="tmRoot"/>
+      </p:par>
+    </p:tnLst>
+  </p:timing>
 </p:sld>
 </file>
 
@@ -23885,7 +24971,7 @@
       </p:grpSpPr>
       <p:sp>
         <p:nvSpPr>
-          <p:cNvPr id="219138" name="Rectangle 2"/>
+          <p:cNvPr id="221186" name="Rectangle 2"/>
           <p:cNvSpPr>
             <a:spLocks noGrp="1" noChangeArrowheads="1"/>
           </p:cNvSpPr>
@@ -23900,15 +24986,15 @@
           <a:p>
             <a:r>
               <a:rPr lang="en-US" altLang="zh-TW" smtClean="0"/>
-              <a:t>Download Server</a:t>
-            </a:r>
-            <a:endParaRPr lang="zh-TW" altLang="en-US" smtClean="0"/>
-          </a:p>
-        </p:txBody>
-      </p:sp>
-      <p:sp>
-        <p:nvSpPr>
-          <p:cNvPr id="61443" name="Rectangle 3"/>
+              <a:t>Sites (eng) 2</a:t>
+            </a:r>
+            <a:endParaRPr lang="en-US" altLang="zh-TW" dirty="0" smtClean="0"/>
+          </a:p>
+        </p:txBody>
+      </p:sp>
+      <p:sp>
+        <p:nvSpPr>
+          <p:cNvPr id="59395" name="Rectangle 3"/>
           <p:cNvSpPr>
             <a:spLocks noGrp="1" noChangeArrowheads="1"/>
           </p:cNvSpPr>
@@ -23919,49 +25005,31 @@
         <p:spPr/>
         <p:txBody>
           <a:bodyPr>
-            <a:normAutofit lnSpcReduction="10000"/>
+            <a:normAutofit/>
           </a:bodyPr>
           <a:lstStyle/>
           <a:p>
             <a:r>
               <a:rPr lang="en-US" altLang="zh-TW" dirty="0" smtClean="0"/>
-              <a:t>http://www.apache.org/</a:t>
+              <a:t>http://www.devshed.com</a:t>
             </a:r>
           </a:p>
           <a:p>
             <a:r>
               <a:rPr lang="en-US" altLang="zh-TW" dirty="0" smtClean="0"/>
-              <a:t>http://www.php.net</a:t>
+              <a:t>http://px.sklar.com/</a:t>
             </a:r>
           </a:p>
           <a:p>
             <a:r>
               <a:rPr lang="en-US" altLang="zh-TW" dirty="0" smtClean="0"/>
-              <a:t>http://www.mysql.com/</a:t>
+              <a:t>http://www.phpgroupware.org</a:t>
             </a:r>
           </a:p>
           <a:p>
             <a:r>
               <a:rPr lang="en-US" altLang="zh-TW" dirty="0" smtClean="0"/>
-              <a:t>http://www.phpmyadmin.com</a:t>
-            </a:r>
-          </a:p>
-          <a:p>
-            <a:r>
-              <a:rPr lang="en-US" altLang="zh-TW" dirty="0" smtClean="0"/>
-              <a:t>http://www.appservnetwork.com/</a:t>
-            </a:r>
-          </a:p>
-          <a:p>
-            <a:r>
-              <a:rPr lang="en-US" altLang="zh-TW" dirty="0" smtClean="0"/>
-              <a:t>http://www.apachefriends.org</a:t>
-            </a:r>
-          </a:p>
-          <a:p>
-            <a:r>
-              <a:rPr lang="en-US" altLang="zh-TW" dirty="0" smtClean="0"/>
-              <a:t>http://www.xampp.org</a:t>
+              <a:t>http://www.phpclasses.org</a:t>
             </a:r>
           </a:p>
         </p:txBody>
@@ -24005,9 +25073,9 @@
       </p:grpSpPr>
       <p:sp>
         <p:nvSpPr>
-          <p:cNvPr id="2" name="Title 1"/>
-          <p:cNvSpPr>
-            <a:spLocks noGrp="1"/>
+          <p:cNvPr id="221186" name="Rectangle 2"/>
+          <p:cNvSpPr>
+            <a:spLocks noGrp="1" noChangeArrowheads="1"/>
           </p:cNvSpPr>
           <p:nvPr>
             <p:ph type="title"/>
@@ -24020,20 +25088,143 @@
           <a:p>
             <a:r>
               <a:rPr lang="en-US" altLang="zh-TW" dirty="0" smtClean="0"/>
-              <a:t>Facebook</a:t>
-            </a:r>
-            <a:endParaRPr lang="zh-HK" altLang="en-US" dirty="0"/>
-          </a:p>
-        </p:txBody>
-      </p:sp>
-      <p:sp>
-        <p:nvSpPr>
-          <p:cNvPr id="3" name="Content Placeholder 2"/>
-          <p:cNvSpPr>
-            <a:spLocks noGrp="1"/>
+              <a:t>Sites (</a:t>
+            </a:r>
+            <a:r>
+              <a:rPr lang="en-US" altLang="zh-TW" dirty="0" err="1" smtClean="0"/>
+              <a:t>eng</a:t>
+            </a:r>
+            <a:r>
+              <a:rPr lang="en-US" altLang="zh-TW" dirty="0" smtClean="0"/>
+              <a:t>) 3</a:t>
+            </a:r>
+          </a:p>
+        </p:txBody>
+      </p:sp>
+      <p:sp>
+        <p:nvSpPr>
+          <p:cNvPr id="59395" name="Rectangle 3"/>
+          <p:cNvSpPr>
+            <a:spLocks noGrp="1" noChangeArrowheads="1"/>
           </p:cNvSpPr>
           <p:nvPr>
             <p:ph idx="1"/>
+          </p:nvPr>
+        </p:nvSpPr>
+        <p:spPr/>
+        <p:txBody>
+          <a:bodyPr>
+            <a:normAutofit/>
+          </a:bodyPr>
+          <a:lstStyle/>
+          <a:p>
+            <a:r>
+              <a:rPr lang="en-US" altLang="zh-TW" dirty="0"/>
+              <a:t>https://</a:t>
+            </a:r>
+            <a:r>
+              <a:rPr lang="en-US" altLang="zh-TW" dirty="0" err="1" smtClean="0"/>
+              <a:t>github.com</a:t>
+            </a:r>
+            <a:r>
+              <a:rPr lang="en-US" altLang="zh-TW" dirty="0" smtClean="0"/>
+              <a:t>/</a:t>
+            </a:r>
+            <a:r>
+              <a:rPr lang="en-US" altLang="zh-TW" dirty="0" err="1" smtClean="0"/>
+              <a:t>ziadoz</a:t>
+            </a:r>
+            <a:r>
+              <a:rPr lang="en-US" altLang="zh-TW" dirty="0" smtClean="0"/>
+              <a:t>/awesome-</a:t>
+            </a:r>
+            <a:r>
+              <a:rPr lang="en-US" altLang="zh-TW" dirty="0" err="1" smtClean="0"/>
+              <a:t>php</a:t>
+            </a:r>
+            <a:endParaRPr lang="en-US" altLang="zh-TW" dirty="0" smtClean="0"/>
+          </a:p>
+          <a:p>
+            <a:r>
+              <a:rPr lang="en-US" altLang="zh-TW" dirty="0"/>
+              <a:t>http://</a:t>
+            </a:r>
+            <a:r>
+              <a:rPr lang="en-US" altLang="zh-TW" dirty="0" err="1"/>
+              <a:t>www.phptherightway.com</a:t>
+            </a:r>
+            <a:r>
+              <a:rPr lang="en-US" altLang="zh-TW" dirty="0" smtClean="0"/>
+              <a:t>/</a:t>
+            </a:r>
+          </a:p>
+          <a:p>
+            <a:r>
+              <a:rPr lang="en-US" altLang="zh-TW" dirty="0"/>
+              <a:t>https://</a:t>
+            </a:r>
+            <a:r>
+              <a:rPr lang="en-US" altLang="zh-TW" dirty="0" err="1"/>
+              <a:t>packagist.org</a:t>
+            </a:r>
+            <a:r>
+              <a:rPr lang="en-US" altLang="zh-TW" dirty="0"/>
+              <a:t>/</a:t>
+            </a:r>
+            <a:endParaRPr lang="en-US" altLang="zh-TW" dirty="0" smtClean="0"/>
+          </a:p>
+        </p:txBody>
+      </p:sp>
+    </p:spTree>
+    <p:extLst>
+      <p:ext uri="{BB962C8B-B14F-4D97-AF65-F5344CB8AC3E}">
+        <p14:creationId xmlns:p14="http://schemas.microsoft.com/office/powerpoint/2010/main" val="302991814"/>
+      </p:ext>
+    </p:extLst>
+  </p:cSld>
+  <p:clrMapOvr>
+    <a:masterClrMapping/>
+  </p:clrMapOvr>
+  <mc:AlternateContent xmlns:mc="http://schemas.openxmlformats.org/markup-compatibility/2006" xmlns:p14="http://schemas.microsoft.com/office/powerpoint/2010/main">
+    <mc:Choice Requires="p14">
+      <p:transition spd="slow" p14:dur="3900">
+        <p14:glitter pattern="hexagon"/>
+      </p:transition>
+    </mc:Choice>
+    <mc:Fallback xmlns="">
+      <p:transition spd="slow">
+        <p:fade/>
+      </p:transition>
+    </mc:Fallback>
+  </mc:AlternateContent>
+</p:sld>
+</file>
+
+<file path=ppt/slides/slide54.xml><?xml version="1.0" encoding="utf-8"?>
+<p:sld xmlns:a="http://schemas.openxmlformats.org/drawingml/2006/main" xmlns:r="http://schemas.openxmlformats.org/officeDocument/2006/relationships" xmlns:p="http://schemas.openxmlformats.org/presentationml/2006/main">
+  <p:cSld>
+    <p:spTree>
+      <p:nvGrpSpPr>
+        <p:cNvPr id="1" name=""/>
+        <p:cNvGrpSpPr/>
+        <p:nvPr/>
+      </p:nvGrpSpPr>
+      <p:grpSpPr>
+        <a:xfrm>
+          <a:off x="0" y="0"/>
+          <a:ext cx="0" cy="0"/>
+          <a:chOff x="0" y="0"/>
+          <a:chExt cx="0" cy="0"/>
+        </a:xfrm>
+      </p:grpSpPr>
+      <p:sp>
+        <p:nvSpPr>
+          <p:cNvPr id="166914" name="Rectangle 2"/>
+          <p:cNvSpPr>
+            <a:spLocks noGrp="1" noChangeArrowheads="1"/>
+          </p:cNvSpPr>
+          <p:nvPr>
+            <p:ph type="title"/>
           </p:nvPr>
         </p:nvSpPr>
         <p:spPr/>
@@ -24042,15 +25233,288 @@
           <a:lstStyle/>
           <a:p>
             <a:r>
-              <a:rPr lang="en-US" altLang="zh-HK" dirty="0" smtClean="0"/>
-              <a:t>www.facebook.com/groups/teachonetofish/</a:t>
-            </a:r>
-          </a:p>
-          <a:p>
-            <a:r>
-              <a:rPr lang="en-US" altLang="zh-HK" dirty="0" smtClean="0"/>
-              <a:t>www.facebook.com/teachonetofish/</a:t>
-            </a:r>
+              <a:rPr lang="en-US" altLang="zh-TW" smtClean="0"/>
+              <a:t>Sites (</a:t>
+            </a:r>
+            <a:r>
+              <a:rPr lang="zh-TW" altLang="en-US" smtClean="0"/>
+              <a:t>中文)</a:t>
+            </a:r>
+          </a:p>
+        </p:txBody>
+      </p:sp>
+      <p:sp>
+        <p:nvSpPr>
+          <p:cNvPr id="60419" name="Rectangle 3"/>
+          <p:cNvSpPr>
+            <a:spLocks noGrp="1" noChangeArrowheads="1"/>
+          </p:cNvSpPr>
+          <p:nvPr>
+            <p:ph idx="1"/>
+          </p:nvPr>
+        </p:nvSpPr>
+        <p:spPr/>
+        <p:txBody>
+          <a:bodyPr/>
+          <a:lstStyle/>
+          <a:p>
+            <a:r>
+              <a:rPr lang="en-US" altLang="zh-TW" dirty="0">
+                <a:hlinkClick r:id="rId3"/>
+              </a:rPr>
+              <a:t>http://www.phpini.com/</a:t>
+            </a:r>
+            <a:endParaRPr lang="en-US" altLang="zh-TW" dirty="0"/>
+          </a:p>
+          <a:p>
+            <a:r>
+              <a:rPr lang="en-US" altLang="zh-TW" dirty="0">
+                <a:hlinkClick r:id="rId4"/>
+              </a:rPr>
+              <a:t>http://www.csie.sju.edu.tw/cm/course/phpteach.htm</a:t>
+            </a:r>
+            <a:endParaRPr lang="en-US" altLang="zh-TW" dirty="0"/>
+          </a:p>
+          <a:p>
+            <a:r>
+              <a:rPr lang="en-US" altLang="zh-TW" dirty="0">
+                <a:hlinkClick r:id="rId5"/>
+              </a:rPr>
+              <a:t>http://www.twhappy.com/index.php?action=blog&amp;category=6</a:t>
+            </a:r>
+            <a:endParaRPr lang="en-US" altLang="zh-TW" dirty="0"/>
+          </a:p>
+        </p:txBody>
+      </p:sp>
+    </p:spTree>
+  </p:cSld>
+  <p:clrMapOvr>
+    <a:masterClrMapping/>
+  </p:clrMapOvr>
+  <mc:AlternateContent xmlns:mc="http://schemas.openxmlformats.org/markup-compatibility/2006" xmlns:p14="http://schemas.microsoft.com/office/powerpoint/2010/main">
+    <mc:Choice Requires="p14">
+      <p:transition spd="slow" p14:dur="3900">
+        <p14:glitter pattern="hexagon"/>
+      </p:transition>
+    </mc:Choice>
+    <mc:Fallback xmlns="">
+      <p:transition spd="slow">
+        <p:fade/>
+      </p:transition>
+    </mc:Fallback>
+  </mc:AlternateContent>
+</p:sld>
+</file>
+
+<file path=ppt/slides/slide55.xml><?xml version="1.0" encoding="utf-8"?>
+<p:sld xmlns:a="http://schemas.openxmlformats.org/drawingml/2006/main" xmlns:r="http://schemas.openxmlformats.org/officeDocument/2006/relationships" xmlns:p="http://schemas.openxmlformats.org/presentationml/2006/main">
+  <p:cSld>
+    <p:spTree>
+      <p:nvGrpSpPr>
+        <p:cNvPr id="1" name=""/>
+        <p:cNvGrpSpPr/>
+        <p:nvPr/>
+      </p:nvGrpSpPr>
+      <p:grpSpPr>
+        <a:xfrm>
+          <a:off x="0" y="0"/>
+          <a:ext cx="0" cy="0"/>
+          <a:chOff x="0" y="0"/>
+          <a:chExt cx="0" cy="0"/>
+        </a:xfrm>
+      </p:grpSpPr>
+      <p:sp>
+        <p:nvSpPr>
+          <p:cNvPr id="219138" name="Rectangle 2"/>
+          <p:cNvSpPr>
+            <a:spLocks noGrp="1" noChangeArrowheads="1"/>
+          </p:cNvSpPr>
+          <p:nvPr>
+            <p:ph type="title"/>
+          </p:nvPr>
+        </p:nvSpPr>
+        <p:spPr/>
+        <p:txBody>
+          <a:bodyPr/>
+          <a:lstStyle/>
+          <a:p>
+            <a:r>
+              <a:rPr lang="en-US" altLang="zh-TW" smtClean="0"/>
+              <a:t>Download Server</a:t>
+            </a:r>
+            <a:endParaRPr lang="zh-TW" altLang="en-US" smtClean="0"/>
+          </a:p>
+        </p:txBody>
+      </p:sp>
+      <p:sp>
+        <p:nvSpPr>
+          <p:cNvPr id="61443" name="Rectangle 3"/>
+          <p:cNvSpPr>
+            <a:spLocks noGrp="1" noChangeArrowheads="1"/>
+          </p:cNvSpPr>
+          <p:nvPr>
+            <p:ph idx="1"/>
+          </p:nvPr>
+        </p:nvSpPr>
+        <p:spPr/>
+        <p:txBody>
+          <a:bodyPr>
+            <a:normAutofit lnSpcReduction="10000"/>
+          </a:bodyPr>
+          <a:lstStyle/>
+          <a:p>
+            <a:r>
+              <a:rPr lang="en-US" altLang="zh-TW" dirty="0" smtClean="0"/>
+              <a:t>http://www.apache.org/</a:t>
+            </a:r>
+          </a:p>
+          <a:p>
+            <a:r>
+              <a:rPr lang="en-US" altLang="zh-TW" dirty="0" smtClean="0"/>
+              <a:t>http://www.php.net</a:t>
+            </a:r>
+          </a:p>
+          <a:p>
+            <a:r>
+              <a:rPr lang="en-US" altLang="zh-TW" dirty="0" smtClean="0"/>
+              <a:t>http://www.mysql.com/</a:t>
+            </a:r>
+          </a:p>
+          <a:p>
+            <a:r>
+              <a:rPr lang="en-US" altLang="zh-TW" dirty="0" smtClean="0"/>
+              <a:t>http://www.phpmyadmin.com</a:t>
+            </a:r>
+          </a:p>
+          <a:p>
+            <a:r>
+              <a:rPr lang="en-US" altLang="zh-TW" dirty="0" smtClean="0"/>
+              <a:t>http://www.appservnetwork.com/</a:t>
+            </a:r>
+          </a:p>
+          <a:p>
+            <a:r>
+              <a:rPr lang="en-US" altLang="zh-TW" dirty="0" smtClean="0"/>
+              <a:t>http://www.apachefriends.org</a:t>
+            </a:r>
+          </a:p>
+          <a:p>
+            <a:r>
+              <a:rPr lang="en-US" altLang="zh-TW" dirty="0" smtClean="0"/>
+              <a:t>http://www.xampp.org</a:t>
+            </a:r>
+          </a:p>
+        </p:txBody>
+      </p:sp>
+    </p:spTree>
+  </p:cSld>
+  <p:clrMapOvr>
+    <a:masterClrMapping/>
+  </p:clrMapOvr>
+  <mc:AlternateContent xmlns:mc="http://schemas.openxmlformats.org/markup-compatibility/2006" xmlns:p14="http://schemas.microsoft.com/office/powerpoint/2010/main">
+    <mc:Choice Requires="p14">
+      <p:transition spd="slow" p14:dur="3900">
+        <p14:glitter pattern="hexagon"/>
+      </p:transition>
+    </mc:Choice>
+    <mc:Fallback xmlns="">
+      <p:transition spd="slow">
+        <p:fade/>
+      </p:transition>
+    </mc:Fallback>
+  </mc:AlternateContent>
+</p:sld>
+</file>
+
+<file path=ppt/slides/slide56.xml><?xml version="1.0" encoding="utf-8"?>
+<p:sld xmlns:a="http://schemas.openxmlformats.org/drawingml/2006/main" xmlns:r="http://schemas.openxmlformats.org/officeDocument/2006/relationships" xmlns:p="http://schemas.openxmlformats.org/presentationml/2006/main">
+  <p:cSld>
+    <p:spTree>
+      <p:nvGrpSpPr>
+        <p:cNvPr id="1" name=""/>
+        <p:cNvGrpSpPr/>
+        <p:nvPr/>
+      </p:nvGrpSpPr>
+      <p:grpSpPr>
+        <a:xfrm>
+          <a:off x="0" y="0"/>
+          <a:ext cx="0" cy="0"/>
+          <a:chOff x="0" y="0"/>
+          <a:chExt cx="0" cy="0"/>
+        </a:xfrm>
+      </p:grpSpPr>
+      <p:sp>
+        <p:nvSpPr>
+          <p:cNvPr id="2" name="Title 1"/>
+          <p:cNvSpPr>
+            <a:spLocks noGrp="1"/>
+          </p:cNvSpPr>
+          <p:nvPr>
+            <p:ph type="title"/>
+          </p:nvPr>
+        </p:nvSpPr>
+        <p:spPr/>
+        <p:txBody>
+          <a:bodyPr/>
+          <a:lstStyle/>
+          <a:p>
+            <a:r>
+              <a:rPr lang="en-US" altLang="zh-TW" dirty="0" smtClean="0"/>
+              <a:t>Facebook</a:t>
+            </a:r>
+            <a:endParaRPr lang="zh-HK" altLang="en-US" dirty="0"/>
+          </a:p>
+        </p:txBody>
+      </p:sp>
+      <p:sp>
+        <p:nvSpPr>
+          <p:cNvPr id="3" name="Content Placeholder 2"/>
+          <p:cNvSpPr>
+            <a:spLocks noGrp="1"/>
+          </p:cNvSpPr>
+          <p:nvPr>
+            <p:ph idx="1"/>
+          </p:nvPr>
+        </p:nvSpPr>
+        <p:spPr/>
+        <p:txBody>
+          <a:bodyPr/>
+          <a:lstStyle/>
+          <a:p>
+            <a:pPr marL="0" indent="0">
+              <a:buNone/>
+            </a:pPr>
+            <a:r>
+              <a:rPr lang="en-US" altLang="zh-HK" dirty="0" smtClean="0">
+                <a:hlinkClick r:id="rId2"/>
+              </a:rPr>
+              <a:t>http://www.facebook.com/groups/teachonetofish/</a:t>
+            </a:r>
+            <a:endParaRPr lang="en-US" altLang="zh-HK" dirty="0" smtClean="0"/>
+          </a:p>
+          <a:p>
+            <a:pPr marL="0" indent="0">
+              <a:buNone/>
+            </a:pPr>
+            <a:r>
+              <a:rPr lang="en-US" altLang="zh-HK" dirty="0">
+                <a:hlinkClick r:id="rId3"/>
+              </a:rPr>
+              <a:t>http</a:t>
+            </a:r>
+            <a:r>
+              <a:rPr lang="en-US" altLang="zh-HK" dirty="0" smtClean="0">
+                <a:hlinkClick r:id="rId3"/>
+              </a:rPr>
+              <a:t>://www.facebook.com/teachonetofish</a:t>
+            </a:r>
+            <a:r>
+              <a:rPr lang="en-US" altLang="zh-HK" dirty="0" smtClean="0">
+                <a:hlinkClick r:id="rId3"/>
+              </a:rPr>
+              <a:t>/</a:t>
+            </a:r>
+            <a:endParaRPr lang="en-US" altLang="zh-HK" dirty="0"/>
           </a:p>
         </p:txBody>
       </p:sp>
@@ -24067,7 +25531,7 @@
 </p:sld>
 </file>
 
-<file path=ppt/slides/slide54.xml><?xml version="1.0" encoding="utf-8"?>
+<file path=ppt/slides/slide57.xml><?xml version="1.0" encoding="utf-8"?>
 <p:sld xmlns:a="http://schemas.openxmlformats.org/drawingml/2006/main" xmlns:r="http://schemas.openxmlformats.org/officeDocument/2006/relationships" xmlns:p="http://schemas.openxmlformats.org/presentationml/2006/main">
   <p:cSld>
     <p:spTree>
@@ -24578,11 +26042,7 @@
           <a:p>
             <a:r>
               <a:rPr lang="en-US" altLang="zh-TW" dirty="0" smtClean="0"/>
-              <a:t>Newest version is PHP 7.x </a:t>
-            </a:r>
-            <a:r>
-              <a:rPr lang="en-US" altLang="zh-TW" dirty="0" smtClean="0"/>
-              <a:t>now</a:t>
+              <a:t>Newest version is PHP 7.x now</a:t>
             </a:r>
           </a:p>
           <a:p>
